--- a/newTech/slideshow.pptx
+++ b/newTech/slideshow.pptx
@@ -15,6 +15,10 @@
     <p:sldId id="263" r:id="rId9"/>
     <p:sldId id="264" r:id="rId10"/>
     <p:sldId id="265" r:id="rId11"/>
+    <p:sldId id="266" r:id="rId12"/>
+    <p:sldId id="267" r:id="rId13"/>
+    <p:sldId id="268" r:id="rId14"/>
+    <p:sldId id="269" r:id="rId15"/>
   </p:sldIdLst>
   <p:sldSz cx="12192000" cy="6858000"/>
   <p:notesSz cx="6858000" cy="9144000"/>
@@ -113,6 +117,11 @@
       </a:defRPr>
     </a:lvl9pPr>
   </p:defaultTextStyle>
+  <p:extLst>
+    <p:ext uri="{EFAFB233-063F-42B5-8137-9DF3F51BA10A}">
+      <p15:sldGuideLst xmlns:p15="http://schemas.microsoft.com/office/powerpoint/2012/main"/>
+    </p:ext>
+  </p:extLst>
 </p:presentation>
 </file>
 
@@ -3209,7 +3218,7 @@
                 <a:latin typeface="Roboto" panose="02000000000000000000" pitchFamily="2" charset="0"/>
                 <a:ea typeface="Roboto" panose="02000000000000000000" pitchFamily="2" charset="0"/>
               </a:rPr>
-              <a:t>Dit object ga je veel gebruiken ! Elke vue instantie gebruikt variabelen uit dit object. Je kan het zien als de model van een vue instantie. </a:t>
+              <a:t>Het data object ga je veel gebruiken ! Elke vue instantie gebruikt variabelen uit dit object. Je kan het zien als de model van een vue instantie. </a:t>
             </a:r>
           </a:p>
           <a:p>
@@ -3397,6 +3406,1017 @@
     <p:extLst>
       <p:ext uri="{BB962C8B-B14F-4D97-AF65-F5344CB8AC3E}">
         <p14:creationId xmlns:p14="http://schemas.microsoft.com/office/powerpoint/2010/main" val="1222091964"/>
+      </p:ext>
+    </p:extLst>
+  </p:cSld>
+  <p:clrMapOvr>
+    <a:masterClrMapping/>
+  </p:clrMapOvr>
+</p:sld>
+</file>
+
+<file path=ppt/slides/slide11.xml><?xml version="1.0" encoding="utf-8"?>
+<p:sld xmlns:a="http://schemas.openxmlformats.org/drawingml/2006/main" xmlns:r="http://schemas.openxmlformats.org/officeDocument/2006/relationships" xmlns:p="http://schemas.openxmlformats.org/presentationml/2006/main">
+  <p:cSld>
+    <p:spTree>
+      <p:nvGrpSpPr>
+        <p:cNvPr id="1" name=""/>
+        <p:cNvGrpSpPr/>
+        <p:nvPr/>
+      </p:nvGrpSpPr>
+      <p:grpSpPr>
+        <a:xfrm>
+          <a:off x="0" y="0"/>
+          <a:ext cx="0" cy="0"/>
+          <a:chOff x="0" y="0"/>
+          <a:chExt cx="0" cy="0"/>
+        </a:xfrm>
+      </p:grpSpPr>
+      <p:sp>
+        <p:nvSpPr>
+          <p:cNvPr id="3" name="Tekstvak 2"/>
+          <p:cNvSpPr txBox="1"/>
+          <p:nvPr/>
+        </p:nvSpPr>
+        <p:spPr>
+          <a:xfrm>
+            <a:off x="696285" y="377505"/>
+            <a:ext cx="10788243" cy="923330"/>
+          </a:xfrm>
+          <a:prstGeom prst="rect">
+            <a:avLst/>
+          </a:prstGeom>
+          <a:noFill/>
+        </p:spPr>
+        <p:txBody>
+          <a:bodyPr wrap="square" rtlCol="0">
+            <a:spAutoFit/>
+          </a:bodyPr>
+          <a:lstStyle/>
+          <a:p>
+            <a:pPr algn="ctr"/>
+            <a:r>
+              <a:rPr lang="nl-BE" sz="5400" dirty="0">
+                <a:latin typeface="Headline One" panose="00000400000000000000" pitchFamily="2" charset="0"/>
+              </a:rPr>
+              <a:t>Vue eigenschappen en methodes</a:t>
+            </a:r>
+          </a:p>
+        </p:txBody>
+      </p:sp>
+      <p:sp>
+        <p:nvSpPr>
+          <p:cNvPr id="4" name="Tekstvak 3"/>
+          <p:cNvSpPr txBox="1"/>
+          <p:nvPr/>
+        </p:nvSpPr>
+        <p:spPr>
+          <a:xfrm>
+            <a:off x="788565" y="1770077"/>
+            <a:ext cx="5066951" cy="3970318"/>
+          </a:xfrm>
+          <a:prstGeom prst="rect">
+            <a:avLst/>
+          </a:prstGeom>
+          <a:noFill/>
+        </p:spPr>
+        <p:txBody>
+          <a:bodyPr wrap="square" rtlCol="0">
+            <a:spAutoFit/>
+          </a:bodyPr>
+          <a:lstStyle/>
+          <a:p>
+            <a:r>
+              <a:rPr lang="nl-BE" dirty="0">
+                <a:latin typeface="Roboto" panose="02000000000000000000" pitchFamily="2" charset="0"/>
+                <a:ea typeface="Roboto" panose="02000000000000000000" pitchFamily="2" charset="0"/>
+              </a:rPr>
+              <a:t>Vue heeft ook een heleboel voorgeprogrammeerde </a:t>
+            </a:r>
+            <a:r>
+              <a:rPr lang="nl-BE" dirty="0" err="1">
+                <a:latin typeface="Roboto" panose="02000000000000000000" pitchFamily="2" charset="0"/>
+                <a:ea typeface="Roboto" panose="02000000000000000000" pitchFamily="2" charset="0"/>
+              </a:rPr>
+              <a:t>properties</a:t>
+            </a:r>
+            <a:r>
+              <a:rPr lang="nl-BE" dirty="0">
+                <a:latin typeface="Roboto" panose="02000000000000000000" pitchFamily="2" charset="0"/>
+                <a:ea typeface="Roboto" panose="02000000000000000000" pitchFamily="2" charset="0"/>
+              </a:rPr>
+              <a:t> en methodes.</a:t>
+            </a:r>
+          </a:p>
+          <a:p>
+            <a:endParaRPr lang="nl-BE" dirty="0">
+              <a:latin typeface="Roboto" panose="02000000000000000000" pitchFamily="2" charset="0"/>
+              <a:ea typeface="Roboto" panose="02000000000000000000" pitchFamily="2" charset="0"/>
+            </a:endParaRPr>
+          </a:p>
+          <a:p>
+            <a:r>
+              <a:rPr lang="nl-BE" dirty="0">
+                <a:latin typeface="Roboto" panose="02000000000000000000" pitchFamily="2" charset="0"/>
+                <a:ea typeface="Roboto" panose="02000000000000000000" pitchFamily="2" charset="0"/>
+              </a:rPr>
+              <a:t>Deze worden aangeduid met een $ teken.</a:t>
+            </a:r>
+          </a:p>
+          <a:p>
+            <a:endParaRPr lang="nl-BE" dirty="0">
+              <a:latin typeface="Roboto" panose="02000000000000000000" pitchFamily="2" charset="0"/>
+              <a:ea typeface="Roboto" panose="02000000000000000000" pitchFamily="2" charset="0"/>
+            </a:endParaRPr>
+          </a:p>
+          <a:p>
+            <a:r>
+              <a:rPr lang="nl-BE" dirty="0">
+                <a:latin typeface="Roboto" panose="02000000000000000000" pitchFamily="2" charset="0"/>
+                <a:ea typeface="Roboto" panose="02000000000000000000" pitchFamily="2" charset="0"/>
+              </a:rPr>
+              <a:t>Bijvoorbeeld: </a:t>
+            </a:r>
+          </a:p>
+          <a:p>
+            <a:r>
+              <a:rPr lang="nl-BE" dirty="0" err="1">
+                <a:latin typeface="Roboto" panose="02000000000000000000" pitchFamily="2" charset="0"/>
+                <a:ea typeface="Roboto" panose="02000000000000000000" pitchFamily="2" charset="0"/>
+              </a:rPr>
+              <a:t>app.$data</a:t>
+            </a:r>
+            <a:r>
+              <a:rPr lang="nl-BE" dirty="0">
+                <a:latin typeface="Roboto" panose="02000000000000000000" pitchFamily="2" charset="0"/>
+                <a:ea typeface="Roboto" panose="02000000000000000000" pitchFamily="2" charset="0"/>
+              </a:rPr>
+              <a:t> -&gt; dit is het data </a:t>
+            </a:r>
+            <a:r>
+              <a:rPr lang="nl-BE" dirty="0" err="1">
+                <a:latin typeface="Roboto" panose="02000000000000000000" pitchFamily="2" charset="0"/>
+                <a:ea typeface="Roboto" panose="02000000000000000000" pitchFamily="2" charset="0"/>
+              </a:rPr>
+              <a:t>opbject</a:t>
+            </a:r>
+            <a:r>
+              <a:rPr lang="nl-BE" dirty="0">
+                <a:latin typeface="Roboto" panose="02000000000000000000" pitchFamily="2" charset="0"/>
+                <a:ea typeface="Roboto" panose="02000000000000000000" pitchFamily="2" charset="0"/>
+              </a:rPr>
+              <a:t> van je instantie.</a:t>
+            </a:r>
+          </a:p>
+          <a:p>
+            <a:endParaRPr lang="nl-BE" dirty="0">
+              <a:latin typeface="Roboto" panose="02000000000000000000" pitchFamily="2" charset="0"/>
+              <a:ea typeface="Roboto" panose="02000000000000000000" pitchFamily="2" charset="0"/>
+            </a:endParaRPr>
+          </a:p>
+          <a:p>
+            <a:r>
+              <a:rPr lang="nl-BE" dirty="0">
+                <a:latin typeface="Roboto" panose="02000000000000000000" pitchFamily="2" charset="0"/>
+                <a:ea typeface="Roboto" panose="02000000000000000000" pitchFamily="2" charset="0"/>
+              </a:rPr>
+              <a:t>Of </a:t>
+            </a:r>
+            <a:r>
+              <a:rPr lang="nl-BE" dirty="0" err="1">
+                <a:latin typeface="Roboto" panose="02000000000000000000" pitchFamily="2" charset="0"/>
+                <a:ea typeface="Roboto" panose="02000000000000000000" pitchFamily="2" charset="0"/>
+              </a:rPr>
+              <a:t>app.$el</a:t>
+            </a:r>
+            <a:r>
+              <a:rPr lang="nl-BE" dirty="0">
+                <a:latin typeface="Roboto" panose="02000000000000000000" pitchFamily="2" charset="0"/>
+                <a:ea typeface="Roboto" panose="02000000000000000000" pitchFamily="2" charset="0"/>
+              </a:rPr>
+              <a:t> -&gt; Dit stelt het html object voor waaraan de instantie is </a:t>
+            </a:r>
+            <a:r>
+              <a:rPr lang="nl-BE" dirty="0" err="1">
+                <a:latin typeface="Roboto" panose="02000000000000000000" pitchFamily="2" charset="0"/>
+                <a:ea typeface="Roboto" panose="02000000000000000000" pitchFamily="2" charset="0"/>
+              </a:rPr>
+              <a:t>gekoppelt</a:t>
+            </a:r>
+            <a:r>
+              <a:rPr lang="nl-BE" dirty="0">
+                <a:latin typeface="Roboto" panose="02000000000000000000" pitchFamily="2" charset="0"/>
+                <a:ea typeface="Roboto" panose="02000000000000000000" pitchFamily="2" charset="0"/>
+              </a:rPr>
+              <a:t>.</a:t>
+            </a:r>
+          </a:p>
+          <a:p>
+            <a:endParaRPr lang="nl-BE" dirty="0">
+              <a:latin typeface="Roboto" panose="02000000000000000000" pitchFamily="2" charset="0"/>
+              <a:ea typeface="Roboto" panose="02000000000000000000" pitchFamily="2" charset="0"/>
+            </a:endParaRPr>
+          </a:p>
+          <a:p>
+            <a:endParaRPr lang="nl-BE" dirty="0">
+              <a:latin typeface="Roboto" panose="02000000000000000000" pitchFamily="2" charset="0"/>
+              <a:ea typeface="Roboto" panose="02000000000000000000" pitchFamily="2" charset="0"/>
+            </a:endParaRPr>
+          </a:p>
+        </p:txBody>
+      </p:sp>
+      <p:sp>
+        <p:nvSpPr>
+          <p:cNvPr id="5" name="Tekstvak 4"/>
+          <p:cNvSpPr txBox="1"/>
+          <p:nvPr/>
+        </p:nvSpPr>
+        <p:spPr>
+          <a:xfrm>
+            <a:off x="6442745" y="1862356"/>
+            <a:ext cx="4580389" cy="1200329"/>
+          </a:xfrm>
+          <a:prstGeom prst="rect">
+            <a:avLst/>
+          </a:prstGeom>
+          <a:noFill/>
+        </p:spPr>
+        <p:txBody>
+          <a:bodyPr wrap="square" rtlCol="0">
+            <a:spAutoFit/>
+          </a:bodyPr>
+          <a:lstStyle/>
+          <a:p>
+            <a:r>
+              <a:rPr lang="nl-BE" dirty="0"/>
+              <a:t>Er is ook de $</a:t>
+            </a:r>
+            <a:r>
+              <a:rPr lang="nl-BE" dirty="0" err="1"/>
+              <a:t>watch</a:t>
+            </a:r>
+            <a:r>
+              <a:rPr lang="nl-BE" dirty="0"/>
+              <a:t> methode. Met deze methode kan je een variabele in het oog houden en een functie uitvoeren wanneer deze variabele wijzigt.</a:t>
+            </a:r>
+          </a:p>
+        </p:txBody>
+      </p:sp>
+      <p:pic>
+        <p:nvPicPr>
+          <p:cNvPr id="6" name="Afbeelding 5"/>
+          <p:cNvPicPr>
+            <a:picLocks noChangeAspect="1"/>
+          </p:cNvPicPr>
+          <p:nvPr/>
+        </p:nvPicPr>
+        <p:blipFill>
+          <a:blip r:embed="rId2"/>
+          <a:stretch>
+            <a:fillRect/>
+          </a:stretch>
+        </p:blipFill>
+        <p:spPr>
+          <a:xfrm>
+            <a:off x="5837339" y="4287805"/>
+            <a:ext cx="5791200" cy="876300"/>
+          </a:xfrm>
+          <a:prstGeom prst="rect">
+            <a:avLst/>
+          </a:prstGeom>
+        </p:spPr>
+      </p:pic>
+    </p:spTree>
+    <p:extLst>
+      <p:ext uri="{BB962C8B-B14F-4D97-AF65-F5344CB8AC3E}">
+        <p14:creationId xmlns:p14="http://schemas.microsoft.com/office/powerpoint/2010/main" val="1135121152"/>
+      </p:ext>
+    </p:extLst>
+  </p:cSld>
+  <p:clrMapOvr>
+    <a:masterClrMapping/>
+  </p:clrMapOvr>
+</p:sld>
+</file>
+
+<file path=ppt/slides/slide12.xml><?xml version="1.0" encoding="utf-8"?>
+<p:sld xmlns:a="http://schemas.openxmlformats.org/drawingml/2006/main" xmlns:r="http://schemas.openxmlformats.org/officeDocument/2006/relationships" xmlns:p="http://schemas.openxmlformats.org/presentationml/2006/main">
+  <p:cSld>
+    <p:spTree>
+      <p:nvGrpSpPr>
+        <p:cNvPr id="1" name=""/>
+        <p:cNvGrpSpPr/>
+        <p:nvPr/>
+      </p:nvGrpSpPr>
+      <p:grpSpPr>
+        <a:xfrm>
+          <a:off x="0" y="0"/>
+          <a:ext cx="0" cy="0"/>
+          <a:chOff x="0" y="0"/>
+          <a:chExt cx="0" cy="0"/>
+        </a:xfrm>
+      </p:grpSpPr>
+      <p:sp>
+        <p:nvSpPr>
+          <p:cNvPr id="2" name="Tekstvak 1"/>
+          <p:cNvSpPr txBox="1"/>
+          <p:nvPr/>
+        </p:nvSpPr>
+        <p:spPr>
+          <a:xfrm>
+            <a:off x="713064" y="343949"/>
+            <a:ext cx="10796631" cy="923330"/>
+          </a:xfrm>
+          <a:prstGeom prst="rect">
+            <a:avLst/>
+          </a:prstGeom>
+          <a:noFill/>
+        </p:spPr>
+        <p:txBody>
+          <a:bodyPr wrap="square" rtlCol="0">
+            <a:spAutoFit/>
+          </a:bodyPr>
+          <a:lstStyle/>
+          <a:p>
+            <a:pPr algn="ctr"/>
+            <a:r>
+              <a:rPr lang="nl-BE" sz="5400" dirty="0" err="1">
+                <a:latin typeface="Headline One" panose="00000400000000000000" pitchFamily="2" charset="0"/>
+              </a:rPr>
+              <a:t>lifecycle</a:t>
+            </a:r>
+            <a:r>
+              <a:rPr lang="nl-BE" sz="5400" dirty="0">
+                <a:latin typeface="Headline One" panose="00000400000000000000" pitchFamily="2" charset="0"/>
+              </a:rPr>
+              <a:t> </a:t>
+            </a:r>
+            <a:r>
+              <a:rPr lang="nl-BE" sz="5400" dirty="0" err="1">
+                <a:latin typeface="Headline One" panose="00000400000000000000" pitchFamily="2" charset="0"/>
+              </a:rPr>
+              <a:t>hooks</a:t>
+            </a:r>
+            <a:endParaRPr lang="nl-BE" sz="5400" dirty="0">
+              <a:latin typeface="Headline One" panose="00000400000000000000" pitchFamily="2" charset="0"/>
+            </a:endParaRPr>
+          </a:p>
+        </p:txBody>
+      </p:sp>
+      <p:sp>
+        <p:nvSpPr>
+          <p:cNvPr id="3" name="Tekstvak 2"/>
+          <p:cNvSpPr txBox="1"/>
+          <p:nvPr/>
+        </p:nvSpPr>
+        <p:spPr>
+          <a:xfrm>
+            <a:off x="604007" y="1392572"/>
+            <a:ext cx="10905688" cy="2031325"/>
+          </a:xfrm>
+          <a:prstGeom prst="rect">
+            <a:avLst/>
+          </a:prstGeom>
+          <a:noFill/>
+        </p:spPr>
+        <p:txBody>
+          <a:bodyPr wrap="square" rtlCol="0">
+            <a:spAutoFit/>
+          </a:bodyPr>
+          <a:lstStyle/>
+          <a:p>
+            <a:r>
+              <a:rPr lang="nl-BE" dirty="0">
+                <a:latin typeface="Roboto" panose="02000000000000000000" pitchFamily="2" charset="0"/>
+                <a:ea typeface="Roboto" panose="02000000000000000000" pitchFamily="2" charset="0"/>
+              </a:rPr>
+              <a:t>Een vue instantie gaat door een hele boel </a:t>
+            </a:r>
+            <a:r>
+              <a:rPr lang="nl-BE" dirty="0" err="1">
+                <a:latin typeface="Roboto" panose="02000000000000000000" pitchFamily="2" charset="0"/>
+                <a:ea typeface="Roboto" panose="02000000000000000000" pitchFamily="2" charset="0"/>
+              </a:rPr>
+              <a:t>initialiseringen</a:t>
+            </a:r>
+            <a:r>
+              <a:rPr lang="nl-BE" dirty="0">
+                <a:latin typeface="Roboto" panose="02000000000000000000" pitchFamily="2" charset="0"/>
+                <a:ea typeface="Roboto" panose="02000000000000000000" pitchFamily="2" charset="0"/>
+              </a:rPr>
+              <a:t>. Deze worden </a:t>
+            </a:r>
+            <a:r>
+              <a:rPr lang="nl-BE" dirty="0" err="1">
+                <a:latin typeface="Roboto" panose="02000000000000000000" pitchFamily="2" charset="0"/>
+                <a:ea typeface="Roboto" panose="02000000000000000000" pitchFamily="2" charset="0"/>
+              </a:rPr>
+              <a:t>lifecycle</a:t>
+            </a:r>
+            <a:r>
+              <a:rPr lang="nl-BE" dirty="0">
+                <a:latin typeface="Roboto" panose="02000000000000000000" pitchFamily="2" charset="0"/>
+                <a:ea typeface="Roboto" panose="02000000000000000000" pitchFamily="2" charset="0"/>
+              </a:rPr>
+              <a:t> </a:t>
+            </a:r>
+            <a:r>
+              <a:rPr lang="nl-BE" dirty="0" err="1">
+                <a:latin typeface="Roboto" panose="02000000000000000000" pitchFamily="2" charset="0"/>
+                <a:ea typeface="Roboto" panose="02000000000000000000" pitchFamily="2" charset="0"/>
+              </a:rPr>
+              <a:t>hooks</a:t>
+            </a:r>
+            <a:r>
+              <a:rPr lang="nl-BE" dirty="0">
+                <a:latin typeface="Roboto" panose="02000000000000000000" pitchFamily="2" charset="0"/>
+                <a:ea typeface="Roboto" panose="02000000000000000000" pitchFamily="2" charset="0"/>
+              </a:rPr>
+              <a:t> </a:t>
+            </a:r>
+            <a:r>
+              <a:rPr lang="nl-BE" dirty="0" err="1">
+                <a:latin typeface="Roboto" panose="02000000000000000000" pitchFamily="2" charset="0"/>
+                <a:ea typeface="Roboto" panose="02000000000000000000" pitchFamily="2" charset="0"/>
+              </a:rPr>
+              <a:t>genoemt</a:t>
+            </a:r>
+            <a:r>
+              <a:rPr lang="nl-BE" dirty="0">
+                <a:latin typeface="Roboto" panose="02000000000000000000" pitchFamily="2" charset="0"/>
+                <a:ea typeface="Roboto" panose="02000000000000000000" pitchFamily="2" charset="0"/>
+              </a:rPr>
+              <a:t>.</a:t>
+            </a:r>
+          </a:p>
+          <a:p>
+            <a:endParaRPr lang="nl-BE" dirty="0">
+              <a:latin typeface="Roboto" panose="02000000000000000000" pitchFamily="2" charset="0"/>
+              <a:ea typeface="Roboto" panose="02000000000000000000" pitchFamily="2" charset="0"/>
+            </a:endParaRPr>
+          </a:p>
+          <a:p>
+            <a:r>
+              <a:rPr lang="nl-BE" dirty="0">
+                <a:latin typeface="Roboto" panose="02000000000000000000" pitchFamily="2" charset="0"/>
+                <a:ea typeface="Roboto" panose="02000000000000000000" pitchFamily="2" charset="0"/>
+              </a:rPr>
+              <a:t>Je kan deze methodes als triggers voor eigen logica.</a:t>
+            </a:r>
+          </a:p>
+          <a:p>
+            <a:endParaRPr lang="nl-BE" dirty="0">
+              <a:latin typeface="Roboto" panose="02000000000000000000" pitchFamily="2" charset="0"/>
+              <a:ea typeface="Roboto" panose="02000000000000000000" pitchFamily="2" charset="0"/>
+            </a:endParaRPr>
+          </a:p>
+          <a:p>
+            <a:r>
+              <a:rPr lang="nl-BE" dirty="0">
+                <a:latin typeface="Roboto" panose="02000000000000000000" pitchFamily="2" charset="0"/>
+                <a:ea typeface="Roboto" panose="02000000000000000000" pitchFamily="2" charset="0"/>
+              </a:rPr>
+              <a:t>bv : </a:t>
+            </a:r>
+            <a:r>
+              <a:rPr lang="nl-BE" dirty="0" err="1">
+                <a:latin typeface="Roboto" panose="02000000000000000000" pitchFamily="2" charset="0"/>
+                <a:ea typeface="Roboto" panose="02000000000000000000" pitchFamily="2" charset="0"/>
+              </a:rPr>
+              <a:t>created</a:t>
+            </a:r>
+            <a:r>
+              <a:rPr lang="nl-BE" dirty="0">
+                <a:latin typeface="Roboto" panose="02000000000000000000" pitchFamily="2" charset="0"/>
+                <a:ea typeface="Roboto" panose="02000000000000000000" pitchFamily="2" charset="0"/>
+              </a:rPr>
+              <a:t>, </a:t>
+            </a:r>
+            <a:r>
+              <a:rPr lang="nl-BE" dirty="0" err="1">
+                <a:latin typeface="Roboto" panose="02000000000000000000" pitchFamily="2" charset="0"/>
+                <a:ea typeface="Roboto" panose="02000000000000000000" pitchFamily="2" charset="0"/>
+              </a:rPr>
+              <a:t>mounted</a:t>
+            </a:r>
+            <a:r>
+              <a:rPr lang="nl-BE" dirty="0">
+                <a:latin typeface="Roboto" panose="02000000000000000000" pitchFamily="2" charset="0"/>
+                <a:ea typeface="Roboto" panose="02000000000000000000" pitchFamily="2" charset="0"/>
+              </a:rPr>
+              <a:t>, </a:t>
+            </a:r>
+            <a:r>
+              <a:rPr lang="nl-BE" dirty="0" err="1">
+                <a:latin typeface="Roboto" panose="02000000000000000000" pitchFamily="2" charset="0"/>
+                <a:ea typeface="Roboto" panose="02000000000000000000" pitchFamily="2" charset="0"/>
+              </a:rPr>
+              <a:t>updated</a:t>
+            </a:r>
+            <a:r>
+              <a:rPr lang="nl-BE" dirty="0">
+                <a:latin typeface="Roboto" panose="02000000000000000000" pitchFamily="2" charset="0"/>
+                <a:ea typeface="Roboto" panose="02000000000000000000" pitchFamily="2" charset="0"/>
+              </a:rPr>
+              <a:t>, </a:t>
+            </a:r>
+            <a:r>
+              <a:rPr lang="nl-BE" dirty="0" err="1">
+                <a:latin typeface="Roboto" panose="02000000000000000000" pitchFamily="2" charset="0"/>
+                <a:ea typeface="Roboto" panose="02000000000000000000" pitchFamily="2" charset="0"/>
+              </a:rPr>
+              <a:t>and</a:t>
+            </a:r>
+            <a:r>
+              <a:rPr lang="nl-BE" dirty="0">
+                <a:latin typeface="Roboto" panose="02000000000000000000" pitchFamily="2" charset="0"/>
+                <a:ea typeface="Roboto" panose="02000000000000000000" pitchFamily="2" charset="0"/>
+              </a:rPr>
+              <a:t> </a:t>
+            </a:r>
+            <a:r>
+              <a:rPr lang="nl-BE" dirty="0" err="1">
+                <a:latin typeface="Roboto" panose="02000000000000000000" pitchFamily="2" charset="0"/>
+                <a:ea typeface="Roboto" panose="02000000000000000000" pitchFamily="2" charset="0"/>
+              </a:rPr>
+              <a:t>destroyed</a:t>
+            </a:r>
+            <a:r>
+              <a:rPr lang="nl-BE" dirty="0">
+                <a:latin typeface="Roboto" panose="02000000000000000000" pitchFamily="2" charset="0"/>
+                <a:ea typeface="Roboto" panose="02000000000000000000" pitchFamily="2" charset="0"/>
+              </a:rPr>
+              <a:t>.</a:t>
+            </a:r>
+          </a:p>
+          <a:p>
+            <a:endParaRPr lang="nl-BE" dirty="0">
+              <a:latin typeface="Roboto" panose="02000000000000000000" pitchFamily="2" charset="0"/>
+              <a:ea typeface="Roboto" panose="02000000000000000000" pitchFamily="2" charset="0"/>
+            </a:endParaRPr>
+          </a:p>
+          <a:p>
+            <a:r>
+              <a:rPr lang="nl-BE" dirty="0">
+                <a:latin typeface="Roboto" panose="02000000000000000000" pitchFamily="2" charset="0"/>
+                <a:ea typeface="Roboto" panose="02000000000000000000" pitchFamily="2" charset="0"/>
+              </a:rPr>
+              <a:t>Voorbeeld: </a:t>
+            </a:r>
+          </a:p>
+        </p:txBody>
+      </p:sp>
+      <p:pic>
+        <p:nvPicPr>
+          <p:cNvPr id="4" name="Afbeelding 3"/>
+          <p:cNvPicPr>
+            <a:picLocks noChangeAspect="1"/>
+          </p:cNvPicPr>
+          <p:nvPr/>
+        </p:nvPicPr>
+        <p:blipFill>
+          <a:blip r:embed="rId2"/>
+          <a:stretch>
+            <a:fillRect/>
+          </a:stretch>
+        </p:blipFill>
+        <p:spPr>
+          <a:xfrm>
+            <a:off x="4296055" y="3320060"/>
+            <a:ext cx="2771775" cy="1838325"/>
+          </a:xfrm>
+          <a:prstGeom prst="rect">
+            <a:avLst/>
+          </a:prstGeom>
+        </p:spPr>
+      </p:pic>
+      <p:sp>
+        <p:nvSpPr>
+          <p:cNvPr id="5" name="Tekstvak 4"/>
+          <p:cNvSpPr txBox="1"/>
+          <p:nvPr/>
+        </p:nvSpPr>
+        <p:spPr>
+          <a:xfrm>
+            <a:off x="604007" y="5503178"/>
+            <a:ext cx="10268125" cy="369332"/>
+          </a:xfrm>
+          <a:prstGeom prst="rect">
+            <a:avLst/>
+          </a:prstGeom>
+          <a:noFill/>
+        </p:spPr>
+        <p:txBody>
+          <a:bodyPr wrap="square" rtlCol="0">
+            <a:spAutoFit/>
+          </a:bodyPr>
+          <a:lstStyle/>
+          <a:p>
+            <a:r>
+              <a:rPr lang="nl-BE" dirty="0"/>
+              <a:t>De kop zal worden geprint als de </a:t>
+            </a:r>
+            <a:r>
+              <a:rPr lang="nl-BE" dirty="0" err="1"/>
+              <a:t>lifecycle</a:t>
+            </a:r>
+            <a:r>
+              <a:rPr lang="nl-BE" dirty="0"/>
+              <a:t> </a:t>
+            </a:r>
+            <a:r>
+              <a:rPr lang="nl-BE" dirty="0" err="1"/>
+              <a:t>hook</a:t>
+            </a:r>
+            <a:r>
+              <a:rPr lang="nl-BE" dirty="0"/>
+              <a:t> : “</a:t>
+            </a:r>
+            <a:r>
+              <a:rPr lang="nl-BE" dirty="0" err="1"/>
+              <a:t>created</a:t>
+            </a:r>
+            <a:r>
+              <a:rPr lang="nl-BE" dirty="0"/>
+              <a:t>” is uitgevoegd.</a:t>
+            </a:r>
+          </a:p>
+        </p:txBody>
+      </p:sp>
+    </p:spTree>
+    <p:extLst>
+      <p:ext uri="{BB962C8B-B14F-4D97-AF65-F5344CB8AC3E}">
+        <p14:creationId xmlns:p14="http://schemas.microsoft.com/office/powerpoint/2010/main" val="1208026655"/>
+      </p:ext>
+    </p:extLst>
+  </p:cSld>
+  <p:clrMapOvr>
+    <a:masterClrMapping/>
+  </p:clrMapOvr>
+</p:sld>
+</file>
+
+<file path=ppt/slides/slide13.xml><?xml version="1.0" encoding="utf-8"?>
+<p:sld xmlns:a="http://schemas.openxmlformats.org/drawingml/2006/main" xmlns:r="http://schemas.openxmlformats.org/officeDocument/2006/relationships" xmlns:p="http://schemas.openxmlformats.org/presentationml/2006/main">
+  <p:cSld>
+    <p:spTree>
+      <p:nvGrpSpPr>
+        <p:cNvPr id="1" name=""/>
+        <p:cNvGrpSpPr/>
+        <p:nvPr/>
+      </p:nvGrpSpPr>
+      <p:grpSpPr>
+        <a:xfrm>
+          <a:off x="0" y="0"/>
+          <a:ext cx="0" cy="0"/>
+          <a:chOff x="0" y="0"/>
+          <a:chExt cx="0" cy="0"/>
+        </a:xfrm>
+      </p:grpSpPr>
+      <p:sp>
+        <p:nvSpPr>
+          <p:cNvPr id="2" name="Tekstvak 1"/>
+          <p:cNvSpPr txBox="1"/>
+          <p:nvPr/>
+        </p:nvSpPr>
+        <p:spPr>
+          <a:xfrm>
+            <a:off x="587229" y="486561"/>
+            <a:ext cx="11039912" cy="923330"/>
+          </a:xfrm>
+          <a:prstGeom prst="rect">
+            <a:avLst/>
+          </a:prstGeom>
+          <a:noFill/>
+        </p:spPr>
+        <p:txBody>
+          <a:bodyPr wrap="square" rtlCol="0">
+            <a:spAutoFit/>
+          </a:bodyPr>
+          <a:lstStyle/>
+          <a:p>
+            <a:pPr algn="ctr"/>
+            <a:r>
+              <a:rPr lang="nl-BE" sz="5400" dirty="0">
+                <a:latin typeface="Headline One" panose="00000400000000000000" pitchFamily="2" charset="0"/>
+              </a:rPr>
+              <a:t>Template syntax</a:t>
+            </a:r>
+          </a:p>
+        </p:txBody>
+      </p:sp>
+      <p:sp>
+        <p:nvSpPr>
+          <p:cNvPr id="3" name="Tekstvak 2"/>
+          <p:cNvSpPr txBox="1"/>
+          <p:nvPr/>
+        </p:nvSpPr>
+        <p:spPr>
+          <a:xfrm>
+            <a:off x="687897" y="1761688"/>
+            <a:ext cx="10695964" cy="646331"/>
+          </a:xfrm>
+          <a:prstGeom prst="rect">
+            <a:avLst/>
+          </a:prstGeom>
+          <a:noFill/>
+        </p:spPr>
+        <p:txBody>
+          <a:bodyPr wrap="square" rtlCol="0">
+            <a:spAutoFit/>
+          </a:bodyPr>
+          <a:lstStyle/>
+          <a:p>
+            <a:r>
+              <a:rPr lang="nl-BE" dirty="0">
+                <a:latin typeface="Roboto" panose="02000000000000000000" pitchFamily="2" charset="0"/>
+                <a:ea typeface="Roboto" panose="02000000000000000000" pitchFamily="2" charset="0"/>
+              </a:rPr>
+              <a:t>De syntax in de html file is zeer vanzelfsprekend en makkelijk </a:t>
+            </a:r>
+            <a:r>
+              <a:rPr lang="nl-BE" dirty="0" err="1">
+                <a:latin typeface="Roboto" panose="02000000000000000000" pitchFamily="2" charset="0"/>
+                <a:ea typeface="Roboto" panose="02000000000000000000" pitchFamily="2" charset="0"/>
+              </a:rPr>
+              <a:t>interpreteerbaar</a:t>
+            </a:r>
+            <a:r>
+              <a:rPr lang="nl-BE" dirty="0">
+                <a:latin typeface="Roboto" panose="02000000000000000000" pitchFamily="2" charset="0"/>
+                <a:ea typeface="Roboto" panose="02000000000000000000" pitchFamily="2" charset="0"/>
+              </a:rPr>
+              <a:t> hier zijn een paar belangrijke zaken.</a:t>
+            </a:r>
+          </a:p>
+        </p:txBody>
+      </p:sp>
+      <p:pic>
+        <p:nvPicPr>
+          <p:cNvPr id="4" name="Afbeelding 3"/>
+          <p:cNvPicPr>
+            <a:picLocks noChangeAspect="1"/>
+          </p:cNvPicPr>
+          <p:nvPr/>
+        </p:nvPicPr>
+        <p:blipFill>
+          <a:blip r:embed="rId2"/>
+          <a:stretch>
+            <a:fillRect/>
+          </a:stretch>
+        </p:blipFill>
+        <p:spPr>
+          <a:xfrm>
+            <a:off x="3840366" y="2622582"/>
+            <a:ext cx="4391025" cy="847725"/>
+          </a:xfrm>
+          <a:prstGeom prst="rect">
+            <a:avLst/>
+          </a:prstGeom>
+        </p:spPr>
+      </p:pic>
+      <p:sp>
+        <p:nvSpPr>
+          <p:cNvPr id="5" name="Tekstvak 4"/>
+          <p:cNvSpPr txBox="1"/>
+          <p:nvPr/>
+        </p:nvSpPr>
+        <p:spPr>
+          <a:xfrm>
+            <a:off x="595618" y="3823340"/>
+            <a:ext cx="10075178" cy="369332"/>
+          </a:xfrm>
+          <a:prstGeom prst="rect">
+            <a:avLst/>
+          </a:prstGeom>
+          <a:noFill/>
+        </p:spPr>
+        <p:txBody>
+          <a:bodyPr wrap="square" rtlCol="0">
+            <a:spAutoFit/>
+          </a:bodyPr>
+          <a:lstStyle/>
+          <a:p>
+            <a:r>
+              <a:rPr lang="nl-BE" dirty="0">
+                <a:latin typeface="Roboto" panose="02000000000000000000" pitchFamily="2" charset="0"/>
+                <a:ea typeface="Roboto" panose="02000000000000000000" pitchFamily="2" charset="0"/>
+              </a:rPr>
+              <a:t>Als je variabelen wilt tonen in de html moet het tussen dubbele accolades staan. {{}}</a:t>
+            </a:r>
+          </a:p>
+        </p:txBody>
+      </p:sp>
+      <p:sp>
+        <p:nvSpPr>
+          <p:cNvPr id="7" name="Tekstvak 6"/>
+          <p:cNvSpPr txBox="1"/>
+          <p:nvPr/>
+        </p:nvSpPr>
+        <p:spPr>
+          <a:xfrm>
+            <a:off x="587229" y="4192672"/>
+            <a:ext cx="10083567" cy="646331"/>
+          </a:xfrm>
+          <a:prstGeom prst="rect">
+            <a:avLst/>
+          </a:prstGeom>
+          <a:noFill/>
+        </p:spPr>
+        <p:txBody>
+          <a:bodyPr wrap="square" rtlCol="0">
+            <a:spAutoFit/>
+          </a:bodyPr>
+          <a:lstStyle/>
+          <a:p>
+            <a:r>
+              <a:rPr lang="nl-BE" dirty="0">
+                <a:latin typeface="Roboto" panose="02000000000000000000" pitchFamily="2" charset="0"/>
+                <a:ea typeface="Roboto" panose="02000000000000000000" pitchFamily="2" charset="0"/>
+              </a:rPr>
+              <a:t>Als je het </a:t>
+            </a:r>
+            <a:r>
+              <a:rPr lang="nl-BE" dirty="0" err="1">
+                <a:latin typeface="Roboto" panose="02000000000000000000" pitchFamily="2" charset="0"/>
+                <a:ea typeface="Roboto" panose="02000000000000000000" pitchFamily="2" charset="0"/>
+              </a:rPr>
+              <a:t>attribute</a:t>
+            </a:r>
+            <a:r>
+              <a:rPr lang="nl-BE" dirty="0">
+                <a:latin typeface="Roboto" panose="02000000000000000000" pitchFamily="2" charset="0"/>
+                <a:ea typeface="Roboto" panose="02000000000000000000" pitchFamily="2" charset="0"/>
+              </a:rPr>
+              <a:t> v-</a:t>
+            </a:r>
+            <a:r>
+              <a:rPr lang="nl-BE" dirty="0" err="1">
+                <a:latin typeface="Roboto" panose="02000000000000000000" pitchFamily="2" charset="0"/>
+                <a:ea typeface="Roboto" panose="02000000000000000000" pitchFamily="2" charset="0"/>
+              </a:rPr>
+              <a:t>once</a:t>
+            </a:r>
+            <a:r>
+              <a:rPr lang="nl-BE" dirty="0">
+                <a:latin typeface="Roboto" panose="02000000000000000000" pitchFamily="2" charset="0"/>
+                <a:ea typeface="Roboto" panose="02000000000000000000" pitchFamily="2" charset="0"/>
+              </a:rPr>
+              <a:t> in het element gebruikt zal een verandering van de variabele niet zichtbaar zijn .</a:t>
+            </a:r>
+          </a:p>
+        </p:txBody>
+      </p:sp>
+      <p:sp>
+        <p:nvSpPr>
+          <p:cNvPr id="8" name="Tekstvak 7"/>
+          <p:cNvSpPr txBox="1"/>
+          <p:nvPr/>
+        </p:nvSpPr>
+        <p:spPr>
+          <a:xfrm>
+            <a:off x="587229" y="4902692"/>
+            <a:ext cx="10050011" cy="646331"/>
+          </a:xfrm>
+          <a:prstGeom prst="rect">
+            <a:avLst/>
+          </a:prstGeom>
+          <a:noFill/>
+        </p:spPr>
+        <p:txBody>
+          <a:bodyPr wrap="square" rtlCol="0">
+            <a:spAutoFit/>
+          </a:bodyPr>
+          <a:lstStyle/>
+          <a:p>
+            <a:r>
+              <a:rPr lang="nl-BE" dirty="0">
+                <a:latin typeface="Roboto" panose="02000000000000000000" pitchFamily="2" charset="0"/>
+                <a:ea typeface="Roboto" panose="02000000000000000000" pitchFamily="2" charset="0"/>
+              </a:rPr>
+              <a:t>Wil je een attribuut binden aan een variabele dan gebruik je niet de dubbele accolades. Dan zet je het tussen aanhalingstekens:</a:t>
+            </a:r>
+          </a:p>
+        </p:txBody>
+      </p:sp>
+      <p:pic>
+        <p:nvPicPr>
+          <p:cNvPr id="9" name="Afbeelding 8"/>
+          <p:cNvPicPr>
+            <a:picLocks noChangeAspect="1"/>
+          </p:cNvPicPr>
+          <p:nvPr/>
+        </p:nvPicPr>
+        <p:blipFill>
+          <a:blip r:embed="rId3"/>
+          <a:stretch>
+            <a:fillRect/>
+          </a:stretch>
+        </p:blipFill>
+        <p:spPr>
+          <a:xfrm>
+            <a:off x="4492828" y="5537879"/>
+            <a:ext cx="3086100" cy="342900"/>
+          </a:xfrm>
+          <a:prstGeom prst="rect">
+            <a:avLst/>
+          </a:prstGeom>
+        </p:spPr>
+      </p:pic>
+      <p:sp>
+        <p:nvSpPr>
+          <p:cNvPr id="10" name="Tekstvak 9"/>
+          <p:cNvSpPr txBox="1"/>
+          <p:nvPr/>
+        </p:nvSpPr>
+        <p:spPr>
+          <a:xfrm>
+            <a:off x="587229" y="5999544"/>
+            <a:ext cx="10268125" cy="369332"/>
+          </a:xfrm>
+          <a:prstGeom prst="rect">
+            <a:avLst/>
+          </a:prstGeom>
+          <a:noFill/>
+        </p:spPr>
+        <p:txBody>
+          <a:bodyPr wrap="square" rtlCol="0">
+            <a:spAutoFit/>
+          </a:bodyPr>
+          <a:lstStyle/>
+          <a:p>
+            <a:r>
+              <a:rPr lang="nl-BE" dirty="0">
+                <a:latin typeface="Roboto" panose="02000000000000000000" pitchFamily="2" charset="0"/>
+                <a:ea typeface="Roboto" panose="02000000000000000000" pitchFamily="2" charset="0"/>
+              </a:rPr>
+              <a:t>Hierbij zal het attribuut </a:t>
+            </a:r>
+            <a:r>
+              <a:rPr lang="nl-BE" dirty="0" err="1">
+                <a:latin typeface="Roboto" panose="02000000000000000000" pitchFamily="2" charset="0"/>
+                <a:ea typeface="Roboto" panose="02000000000000000000" pitchFamily="2" charset="0"/>
+              </a:rPr>
+              <a:t>id</a:t>
+            </a:r>
+            <a:r>
+              <a:rPr lang="nl-BE" dirty="0">
+                <a:latin typeface="Roboto" panose="02000000000000000000" pitchFamily="2" charset="0"/>
+                <a:ea typeface="Roboto" panose="02000000000000000000" pitchFamily="2" charset="0"/>
+              </a:rPr>
+              <a:t> overeenkomen met de variabele </a:t>
+            </a:r>
+            <a:r>
+              <a:rPr lang="nl-BE" dirty="0" err="1">
+                <a:latin typeface="Roboto" panose="02000000000000000000" pitchFamily="2" charset="0"/>
+                <a:ea typeface="Roboto" panose="02000000000000000000" pitchFamily="2" charset="0"/>
+              </a:rPr>
+              <a:t>customid</a:t>
+            </a:r>
+            <a:r>
+              <a:rPr lang="nl-BE" dirty="0">
+                <a:latin typeface="Roboto" panose="02000000000000000000" pitchFamily="2" charset="0"/>
+                <a:ea typeface="Roboto" panose="02000000000000000000" pitchFamily="2" charset="0"/>
+              </a:rPr>
+              <a:t>.</a:t>
+            </a:r>
+          </a:p>
+        </p:txBody>
+      </p:sp>
+    </p:spTree>
+    <p:extLst>
+      <p:ext uri="{BB962C8B-B14F-4D97-AF65-F5344CB8AC3E}">
+        <p14:creationId xmlns:p14="http://schemas.microsoft.com/office/powerpoint/2010/main" val="3535044"/>
+      </p:ext>
+    </p:extLst>
+  </p:cSld>
+  <p:clrMapOvr>
+    <a:masterClrMapping/>
+  </p:clrMapOvr>
+</p:sld>
+</file>
+
+<file path=ppt/slides/slide14.xml><?xml version="1.0" encoding="utf-8"?>
+<p:sld xmlns:a="http://schemas.openxmlformats.org/drawingml/2006/main" xmlns:r="http://schemas.openxmlformats.org/officeDocument/2006/relationships" xmlns:p="http://schemas.openxmlformats.org/presentationml/2006/main">
+  <p:cSld>
+    <p:spTree>
+      <p:nvGrpSpPr>
+        <p:cNvPr id="1" name=""/>
+        <p:cNvGrpSpPr/>
+        <p:nvPr/>
+      </p:nvGrpSpPr>
+      <p:grpSpPr>
+        <a:xfrm>
+          <a:off x="0" y="0"/>
+          <a:ext cx="0" cy="0"/>
+          <a:chOff x="0" y="0"/>
+          <a:chExt cx="0" cy="0"/>
+        </a:xfrm>
+      </p:grpSpPr>
+    </p:spTree>
+    <p:extLst>
+      <p:ext uri="{BB962C8B-B14F-4D97-AF65-F5344CB8AC3E}">
+        <p14:creationId xmlns:p14="http://schemas.microsoft.com/office/powerpoint/2010/main" val="1955700912"/>
       </p:ext>
     </p:extLst>
   </p:cSld>

--- a/newTech/slideshow.pptx
+++ b/newTech/slideshow.pptx
@@ -2,8 +2,11 @@
 <file path=ppt/presentation.xml><?xml version="1.0" encoding="utf-8"?>
 <p:presentation xmlns:a="http://schemas.openxmlformats.org/drawingml/2006/main" xmlns:r="http://schemas.openxmlformats.org/officeDocument/2006/relationships" xmlns:p="http://schemas.openxmlformats.org/presentationml/2006/main" saveSubsetFonts="1">
   <p:sldMasterIdLst>
-    <p:sldMasterId id="2147483648" r:id="rId1"/>
+    <p:sldMasterId id="2147483678" r:id="rId1"/>
   </p:sldMasterIdLst>
+  <p:notesMasterIdLst>
+    <p:notesMasterId r:id="rId27"/>
+  </p:notesMasterIdLst>
   <p:sldIdLst>
     <p:sldId id="256" r:id="rId2"/>
     <p:sldId id="257" r:id="rId3"/>
@@ -19,6 +22,17 @@
     <p:sldId id="267" r:id="rId13"/>
     <p:sldId id="268" r:id="rId14"/>
     <p:sldId id="269" r:id="rId15"/>
+    <p:sldId id="270" r:id="rId16"/>
+    <p:sldId id="274" r:id="rId17"/>
+    <p:sldId id="271" r:id="rId18"/>
+    <p:sldId id="272" r:id="rId19"/>
+    <p:sldId id="273" r:id="rId20"/>
+    <p:sldId id="275" r:id="rId21"/>
+    <p:sldId id="276" r:id="rId22"/>
+    <p:sldId id="277" r:id="rId23"/>
+    <p:sldId id="278" r:id="rId24"/>
+    <p:sldId id="279" r:id="rId25"/>
+    <p:sldId id="280" r:id="rId26"/>
   </p:sldIdLst>
   <p:sldSz cx="12192000" cy="6858000"/>
   <p:notesSz cx="6858000" cy="9144000"/>
@@ -151,6 +165,356 @@
 </p:cmLst>
 </file>
 
+<file path=ppt/notesMasters/notesMaster1.xml><?xml version="1.0" encoding="utf-8"?>
+<p:notesMaster xmlns:a="http://schemas.openxmlformats.org/drawingml/2006/main" xmlns:r="http://schemas.openxmlformats.org/officeDocument/2006/relationships" xmlns:p="http://schemas.openxmlformats.org/presentationml/2006/main">
+  <p:cSld>
+    <p:bg>
+      <p:bgRef idx="1001">
+        <a:schemeClr val="bg1"/>
+      </p:bgRef>
+    </p:bg>
+    <p:spTree>
+      <p:nvGrpSpPr>
+        <p:cNvPr id="1" name=""/>
+        <p:cNvGrpSpPr/>
+        <p:nvPr/>
+      </p:nvGrpSpPr>
+      <p:grpSpPr>
+        <a:xfrm>
+          <a:off x="0" y="0"/>
+          <a:ext cx="0" cy="0"/>
+          <a:chOff x="0" y="0"/>
+          <a:chExt cx="0" cy="0"/>
+        </a:xfrm>
+      </p:grpSpPr>
+      <p:sp>
+        <p:nvSpPr>
+          <p:cNvPr id="2" name="Tijdelijke aanduiding voor koptekst 1"/>
+          <p:cNvSpPr>
+            <a:spLocks noGrp="1"/>
+          </p:cNvSpPr>
+          <p:nvPr>
+            <p:ph type="hdr" sz="quarter"/>
+          </p:nvPr>
+        </p:nvSpPr>
+        <p:spPr>
+          <a:xfrm>
+            <a:off x="0" y="0"/>
+            <a:ext cx="2971800" cy="458788"/>
+          </a:xfrm>
+          <a:prstGeom prst="rect">
+            <a:avLst/>
+          </a:prstGeom>
+        </p:spPr>
+        <p:txBody>
+          <a:bodyPr vert="horz" lIns="91440" tIns="45720" rIns="91440" bIns="45720" rtlCol="0"/>
+          <a:lstStyle>
+            <a:lvl1pPr algn="l">
+              <a:defRPr sz="1200"/>
+            </a:lvl1pPr>
+          </a:lstStyle>
+          <a:p>
+            <a:endParaRPr lang="nl-BE"/>
+          </a:p>
+        </p:txBody>
+      </p:sp>
+      <p:sp>
+        <p:nvSpPr>
+          <p:cNvPr id="3" name="Tijdelijke aanduiding voor datum 2"/>
+          <p:cNvSpPr>
+            <a:spLocks noGrp="1"/>
+          </p:cNvSpPr>
+          <p:nvPr>
+            <p:ph type="dt" idx="1"/>
+          </p:nvPr>
+        </p:nvSpPr>
+        <p:spPr>
+          <a:xfrm>
+            <a:off x="3884613" y="0"/>
+            <a:ext cx="2971800" cy="458788"/>
+          </a:xfrm>
+          <a:prstGeom prst="rect">
+            <a:avLst/>
+          </a:prstGeom>
+        </p:spPr>
+        <p:txBody>
+          <a:bodyPr vert="horz" lIns="91440" tIns="45720" rIns="91440" bIns="45720" rtlCol="0"/>
+          <a:lstStyle>
+            <a:lvl1pPr algn="r">
+              <a:defRPr sz="1200"/>
+            </a:lvl1pPr>
+          </a:lstStyle>
+          <a:p>
+            <a:fld id="{D2E366A2-5FD3-4BB2-A1EC-9E936BE64237}" type="datetimeFigureOut">
+              <a:rPr lang="nl-BE" smtClean="0"/>
+              <a:t>8/11/2016</a:t>
+            </a:fld>
+            <a:endParaRPr lang="nl-BE"/>
+          </a:p>
+        </p:txBody>
+      </p:sp>
+      <p:sp>
+        <p:nvSpPr>
+          <p:cNvPr id="4" name="Tijdelijke aanduiding voor dia-afbeelding 3"/>
+          <p:cNvSpPr>
+            <a:spLocks noGrp="1" noRot="1" noChangeAspect="1"/>
+          </p:cNvSpPr>
+          <p:nvPr>
+            <p:ph type="sldImg" idx="2"/>
+          </p:nvPr>
+        </p:nvSpPr>
+        <p:spPr>
+          <a:xfrm>
+            <a:off x="685800" y="1143000"/>
+            <a:ext cx="5486400" cy="3086100"/>
+          </a:xfrm>
+          <a:prstGeom prst="rect">
+            <a:avLst/>
+          </a:prstGeom>
+          <a:noFill/>
+          <a:ln w="12700">
+            <a:solidFill>
+              <a:prstClr val="black"/>
+            </a:solidFill>
+          </a:ln>
+        </p:spPr>
+        <p:txBody>
+          <a:bodyPr vert="horz" lIns="91440" tIns="45720" rIns="91440" bIns="45720" rtlCol="0" anchor="ctr"/>
+          <a:lstStyle/>
+          <a:p>
+            <a:endParaRPr lang="nl-BE"/>
+          </a:p>
+        </p:txBody>
+      </p:sp>
+      <p:sp>
+        <p:nvSpPr>
+          <p:cNvPr id="5" name="Tijdelijke aanduiding voor notities 4"/>
+          <p:cNvSpPr>
+            <a:spLocks noGrp="1"/>
+          </p:cNvSpPr>
+          <p:nvPr>
+            <p:ph type="body" sz="quarter" idx="3"/>
+          </p:nvPr>
+        </p:nvSpPr>
+        <p:spPr>
+          <a:xfrm>
+            <a:off x="685800" y="4400550"/>
+            <a:ext cx="5486400" cy="3600450"/>
+          </a:xfrm>
+          <a:prstGeom prst="rect">
+            <a:avLst/>
+          </a:prstGeom>
+        </p:spPr>
+        <p:txBody>
+          <a:bodyPr vert="horz" lIns="91440" tIns="45720" rIns="91440" bIns="45720" rtlCol="0"/>
+          <a:lstStyle/>
+          <a:p>
+            <a:pPr lvl="0"/>
+            <a:r>
+              <a:rPr lang="nl-NL"/>
+              <a:t>Tekststijl van het model bewerken</a:t>
+            </a:r>
+          </a:p>
+          <a:p>
+            <a:pPr lvl="1"/>
+            <a:r>
+              <a:rPr lang="nl-NL"/>
+              <a:t>Tweede niveau</a:t>
+            </a:r>
+          </a:p>
+          <a:p>
+            <a:pPr lvl="2"/>
+            <a:r>
+              <a:rPr lang="nl-NL"/>
+              <a:t>Derde niveau</a:t>
+            </a:r>
+          </a:p>
+          <a:p>
+            <a:pPr lvl="3"/>
+            <a:r>
+              <a:rPr lang="nl-NL"/>
+              <a:t>Vierde niveau</a:t>
+            </a:r>
+          </a:p>
+          <a:p>
+            <a:pPr lvl="4"/>
+            <a:r>
+              <a:rPr lang="nl-NL"/>
+              <a:t>Vijfde niveau</a:t>
+            </a:r>
+            <a:endParaRPr lang="nl-BE"/>
+          </a:p>
+        </p:txBody>
+      </p:sp>
+      <p:sp>
+        <p:nvSpPr>
+          <p:cNvPr id="6" name="Tijdelijke aanduiding voor voettekst 5"/>
+          <p:cNvSpPr>
+            <a:spLocks noGrp="1"/>
+          </p:cNvSpPr>
+          <p:nvPr>
+            <p:ph type="ftr" sz="quarter" idx="4"/>
+          </p:nvPr>
+        </p:nvSpPr>
+        <p:spPr>
+          <a:xfrm>
+            <a:off x="0" y="8685213"/>
+            <a:ext cx="2971800" cy="458787"/>
+          </a:xfrm>
+          <a:prstGeom prst="rect">
+            <a:avLst/>
+          </a:prstGeom>
+        </p:spPr>
+        <p:txBody>
+          <a:bodyPr vert="horz" lIns="91440" tIns="45720" rIns="91440" bIns="45720" rtlCol="0" anchor="b"/>
+          <a:lstStyle>
+            <a:lvl1pPr algn="l">
+              <a:defRPr sz="1200"/>
+            </a:lvl1pPr>
+          </a:lstStyle>
+          <a:p>
+            <a:endParaRPr lang="nl-BE"/>
+          </a:p>
+        </p:txBody>
+      </p:sp>
+      <p:sp>
+        <p:nvSpPr>
+          <p:cNvPr id="7" name="Tijdelijke aanduiding voor dianummer 6"/>
+          <p:cNvSpPr>
+            <a:spLocks noGrp="1"/>
+          </p:cNvSpPr>
+          <p:nvPr>
+            <p:ph type="sldNum" sz="quarter" idx="5"/>
+          </p:nvPr>
+        </p:nvSpPr>
+        <p:spPr>
+          <a:xfrm>
+            <a:off x="3884613" y="8685213"/>
+            <a:ext cx="2971800" cy="458787"/>
+          </a:xfrm>
+          <a:prstGeom prst="rect">
+            <a:avLst/>
+          </a:prstGeom>
+        </p:spPr>
+        <p:txBody>
+          <a:bodyPr vert="horz" lIns="91440" tIns="45720" rIns="91440" bIns="45720" rtlCol="0" anchor="b"/>
+          <a:lstStyle>
+            <a:lvl1pPr algn="r">
+              <a:defRPr sz="1200"/>
+            </a:lvl1pPr>
+          </a:lstStyle>
+          <a:p>
+            <a:fld id="{C64B32F5-6266-4B76-9EFD-593F4CD0D351}" type="slidenum">
+              <a:rPr lang="nl-BE" smtClean="0"/>
+              <a:t>‹nr.›</a:t>
+            </a:fld>
+            <a:endParaRPr lang="nl-BE"/>
+          </a:p>
+        </p:txBody>
+      </p:sp>
+    </p:spTree>
+    <p:extLst>
+      <p:ext uri="{BB962C8B-B14F-4D97-AF65-F5344CB8AC3E}">
+        <p14:creationId xmlns:p14="http://schemas.microsoft.com/office/powerpoint/2010/main" val="2628042116"/>
+      </p:ext>
+    </p:extLst>
+  </p:cSld>
+  <p:clrMap bg1="lt1" tx1="dk1" bg2="lt2" tx2="dk2" accent1="accent1" accent2="accent2" accent3="accent3" accent4="accent4" accent5="accent5" accent6="accent6" hlink="hlink" folHlink="folHlink"/>
+  <p:notesStyle>
+    <a:lvl1pPr marL="0" algn="l" defTabSz="914400" rtl="0" eaLnBrk="1" latinLnBrk="0" hangingPunct="1">
+      <a:defRPr sz="1200" kern="1200">
+        <a:solidFill>
+          <a:schemeClr val="tx1"/>
+        </a:solidFill>
+        <a:latin typeface="+mn-lt"/>
+        <a:ea typeface="+mn-ea"/>
+        <a:cs typeface="+mn-cs"/>
+      </a:defRPr>
+    </a:lvl1pPr>
+    <a:lvl2pPr marL="457200" algn="l" defTabSz="914400" rtl="0" eaLnBrk="1" latinLnBrk="0" hangingPunct="1">
+      <a:defRPr sz="1200" kern="1200">
+        <a:solidFill>
+          <a:schemeClr val="tx1"/>
+        </a:solidFill>
+        <a:latin typeface="+mn-lt"/>
+        <a:ea typeface="+mn-ea"/>
+        <a:cs typeface="+mn-cs"/>
+      </a:defRPr>
+    </a:lvl2pPr>
+    <a:lvl3pPr marL="914400" algn="l" defTabSz="914400" rtl="0" eaLnBrk="1" latinLnBrk="0" hangingPunct="1">
+      <a:defRPr sz="1200" kern="1200">
+        <a:solidFill>
+          <a:schemeClr val="tx1"/>
+        </a:solidFill>
+        <a:latin typeface="+mn-lt"/>
+        <a:ea typeface="+mn-ea"/>
+        <a:cs typeface="+mn-cs"/>
+      </a:defRPr>
+    </a:lvl3pPr>
+    <a:lvl4pPr marL="1371600" algn="l" defTabSz="914400" rtl="0" eaLnBrk="1" latinLnBrk="0" hangingPunct="1">
+      <a:defRPr sz="1200" kern="1200">
+        <a:solidFill>
+          <a:schemeClr val="tx1"/>
+        </a:solidFill>
+        <a:latin typeface="+mn-lt"/>
+        <a:ea typeface="+mn-ea"/>
+        <a:cs typeface="+mn-cs"/>
+      </a:defRPr>
+    </a:lvl4pPr>
+    <a:lvl5pPr marL="1828800" algn="l" defTabSz="914400" rtl="0" eaLnBrk="1" latinLnBrk="0" hangingPunct="1">
+      <a:defRPr sz="1200" kern="1200">
+        <a:solidFill>
+          <a:schemeClr val="tx1"/>
+        </a:solidFill>
+        <a:latin typeface="+mn-lt"/>
+        <a:ea typeface="+mn-ea"/>
+        <a:cs typeface="+mn-cs"/>
+      </a:defRPr>
+    </a:lvl5pPr>
+    <a:lvl6pPr marL="2286000" algn="l" defTabSz="914400" rtl="0" eaLnBrk="1" latinLnBrk="0" hangingPunct="1">
+      <a:defRPr sz="1200" kern="1200">
+        <a:solidFill>
+          <a:schemeClr val="tx1"/>
+        </a:solidFill>
+        <a:latin typeface="+mn-lt"/>
+        <a:ea typeface="+mn-ea"/>
+        <a:cs typeface="+mn-cs"/>
+      </a:defRPr>
+    </a:lvl6pPr>
+    <a:lvl7pPr marL="2743200" algn="l" defTabSz="914400" rtl="0" eaLnBrk="1" latinLnBrk="0" hangingPunct="1">
+      <a:defRPr sz="1200" kern="1200">
+        <a:solidFill>
+          <a:schemeClr val="tx1"/>
+        </a:solidFill>
+        <a:latin typeface="+mn-lt"/>
+        <a:ea typeface="+mn-ea"/>
+        <a:cs typeface="+mn-cs"/>
+      </a:defRPr>
+    </a:lvl7pPr>
+    <a:lvl8pPr marL="3200400" algn="l" defTabSz="914400" rtl="0" eaLnBrk="1" latinLnBrk="0" hangingPunct="1">
+      <a:defRPr sz="1200" kern="1200">
+        <a:solidFill>
+          <a:schemeClr val="tx1"/>
+        </a:solidFill>
+        <a:latin typeface="+mn-lt"/>
+        <a:ea typeface="+mn-ea"/>
+        <a:cs typeface="+mn-cs"/>
+      </a:defRPr>
+    </a:lvl8pPr>
+    <a:lvl9pPr marL="3657600" algn="l" defTabSz="914400" rtl="0" eaLnBrk="1" latinLnBrk="0" hangingPunct="1">
+      <a:defRPr sz="1200" kern="1200">
+        <a:solidFill>
+          <a:schemeClr val="tx1"/>
+        </a:solidFill>
+        <a:latin typeface="+mn-lt"/>
+        <a:ea typeface="+mn-ea"/>
+        <a:cs typeface="+mn-cs"/>
+      </a:defRPr>
+    </a:lvl9pPr>
+  </p:notesStyle>
+</p:notesMaster>
+</file>
+
 <file path=ppt/slideLayouts/slideLayout1.xml><?xml version="1.0" encoding="utf-8"?>
 <p:sldLayout xmlns:a="http://schemas.openxmlformats.org/drawingml/2006/main" xmlns:r="http://schemas.openxmlformats.org/officeDocument/2006/relationships" xmlns:p="http://schemas.openxmlformats.org/presentationml/2006/main" type="title" preserve="1">
   <p:cSld name="Titeldia">
@@ -282,7 +646,7 @@
           <a:p>
             <a:fld id="{85176953-FD81-49E3-B684-178BC184E664}" type="datetimeFigureOut">
               <a:rPr lang="nl-BE" smtClean="0"/>
-              <a:t>7/11/2016</a:t>
+              <a:t>8/11/2016</a:t>
             </a:fld>
             <a:endParaRPr lang="nl-BE"/>
           </a:p>
@@ -333,7 +697,7 @@
     </p:spTree>
     <p:extLst>
       <p:ext uri="{BB962C8B-B14F-4D97-AF65-F5344CB8AC3E}">
-        <p14:creationId xmlns:p14="http://schemas.microsoft.com/office/powerpoint/2010/main" val="1371360859"/>
+        <p14:creationId xmlns:p14="http://schemas.microsoft.com/office/powerpoint/2010/main" val="3112553607"/>
       </p:ext>
     </p:extLst>
   </p:cSld>
@@ -452,7 +816,7 @@
           <a:p>
             <a:fld id="{85176953-FD81-49E3-B684-178BC184E664}" type="datetimeFigureOut">
               <a:rPr lang="nl-BE" smtClean="0"/>
-              <a:t>7/11/2016</a:t>
+              <a:t>8/11/2016</a:t>
             </a:fld>
             <a:endParaRPr lang="nl-BE"/>
           </a:p>
@@ -503,7 +867,7 @@
     </p:spTree>
     <p:extLst>
       <p:ext uri="{BB962C8B-B14F-4D97-AF65-F5344CB8AC3E}">
-        <p14:creationId xmlns:p14="http://schemas.microsoft.com/office/powerpoint/2010/main" val="746057139"/>
+        <p14:creationId xmlns:p14="http://schemas.microsoft.com/office/powerpoint/2010/main" val="94339034"/>
       </p:ext>
     </p:extLst>
   </p:cSld>
@@ -632,7 +996,7 @@
           <a:p>
             <a:fld id="{85176953-FD81-49E3-B684-178BC184E664}" type="datetimeFigureOut">
               <a:rPr lang="nl-BE" smtClean="0"/>
-              <a:t>7/11/2016</a:t>
+              <a:t>8/11/2016</a:t>
             </a:fld>
             <a:endParaRPr lang="nl-BE"/>
           </a:p>
@@ -683,7 +1047,7 @@
     </p:spTree>
     <p:extLst>
       <p:ext uri="{BB962C8B-B14F-4D97-AF65-F5344CB8AC3E}">
-        <p14:creationId xmlns:p14="http://schemas.microsoft.com/office/powerpoint/2010/main" val="4117026016"/>
+        <p14:creationId xmlns:p14="http://schemas.microsoft.com/office/powerpoint/2010/main" val="1493608063"/>
       </p:ext>
     </p:extLst>
   </p:cSld>
@@ -802,7 +1166,7 @@
           <a:p>
             <a:fld id="{85176953-FD81-49E3-B684-178BC184E664}" type="datetimeFigureOut">
               <a:rPr lang="nl-BE" smtClean="0"/>
-              <a:t>7/11/2016</a:t>
+              <a:t>8/11/2016</a:t>
             </a:fld>
             <a:endParaRPr lang="nl-BE"/>
           </a:p>
@@ -853,7 +1217,7 @@
     </p:spTree>
     <p:extLst>
       <p:ext uri="{BB962C8B-B14F-4D97-AF65-F5344CB8AC3E}">
-        <p14:creationId xmlns:p14="http://schemas.microsoft.com/office/powerpoint/2010/main" val="3889830112"/>
+        <p14:creationId xmlns:p14="http://schemas.microsoft.com/office/powerpoint/2010/main" val="3676380559"/>
       </p:ext>
     </p:extLst>
   </p:cSld>
@@ -1048,7 +1412,7 @@
           <a:p>
             <a:fld id="{85176953-FD81-49E3-B684-178BC184E664}" type="datetimeFigureOut">
               <a:rPr lang="nl-BE" smtClean="0"/>
-              <a:t>7/11/2016</a:t>
+              <a:t>8/11/2016</a:t>
             </a:fld>
             <a:endParaRPr lang="nl-BE"/>
           </a:p>
@@ -1099,7 +1463,7 @@
     </p:spTree>
     <p:extLst>
       <p:ext uri="{BB962C8B-B14F-4D97-AF65-F5344CB8AC3E}">
-        <p14:creationId xmlns:p14="http://schemas.microsoft.com/office/powerpoint/2010/main" val="95056150"/>
+        <p14:creationId xmlns:p14="http://schemas.microsoft.com/office/powerpoint/2010/main" val="2587531688"/>
       </p:ext>
     </p:extLst>
   </p:cSld>
@@ -1280,7 +1644,7 @@
           <a:p>
             <a:fld id="{85176953-FD81-49E3-B684-178BC184E664}" type="datetimeFigureOut">
               <a:rPr lang="nl-BE" smtClean="0"/>
-              <a:t>7/11/2016</a:t>
+              <a:t>8/11/2016</a:t>
             </a:fld>
             <a:endParaRPr lang="nl-BE"/>
           </a:p>
@@ -1331,7 +1695,7 @@
     </p:spTree>
     <p:extLst>
       <p:ext uri="{BB962C8B-B14F-4D97-AF65-F5344CB8AC3E}">
-        <p14:creationId xmlns:p14="http://schemas.microsoft.com/office/powerpoint/2010/main" val="2521322642"/>
+        <p14:creationId xmlns:p14="http://schemas.microsoft.com/office/powerpoint/2010/main" val="110753395"/>
       </p:ext>
     </p:extLst>
   </p:cSld>
@@ -1647,7 +2011,7 @@
           <a:p>
             <a:fld id="{85176953-FD81-49E3-B684-178BC184E664}" type="datetimeFigureOut">
               <a:rPr lang="nl-BE" smtClean="0"/>
-              <a:t>7/11/2016</a:t>
+              <a:t>8/11/2016</a:t>
             </a:fld>
             <a:endParaRPr lang="nl-BE"/>
           </a:p>
@@ -1698,7 +2062,7 @@
     </p:spTree>
     <p:extLst>
       <p:ext uri="{BB962C8B-B14F-4D97-AF65-F5344CB8AC3E}">
-        <p14:creationId xmlns:p14="http://schemas.microsoft.com/office/powerpoint/2010/main" val="4245008017"/>
+        <p14:creationId xmlns:p14="http://schemas.microsoft.com/office/powerpoint/2010/main" val="3108053842"/>
       </p:ext>
     </p:extLst>
   </p:cSld>
@@ -1765,7 +2129,7 @@
           <a:p>
             <a:fld id="{85176953-FD81-49E3-B684-178BC184E664}" type="datetimeFigureOut">
               <a:rPr lang="nl-BE" smtClean="0"/>
-              <a:t>7/11/2016</a:t>
+              <a:t>8/11/2016</a:t>
             </a:fld>
             <a:endParaRPr lang="nl-BE"/>
           </a:p>
@@ -1816,7 +2180,7 @@
     </p:spTree>
     <p:extLst>
       <p:ext uri="{BB962C8B-B14F-4D97-AF65-F5344CB8AC3E}">
-        <p14:creationId xmlns:p14="http://schemas.microsoft.com/office/powerpoint/2010/main" val="45842607"/>
+        <p14:creationId xmlns:p14="http://schemas.microsoft.com/office/powerpoint/2010/main" val="2286374965"/>
       </p:ext>
     </p:extLst>
   </p:cSld>
@@ -1860,7 +2224,7 @@
           <a:p>
             <a:fld id="{85176953-FD81-49E3-B684-178BC184E664}" type="datetimeFigureOut">
               <a:rPr lang="nl-BE" smtClean="0"/>
-              <a:t>7/11/2016</a:t>
+              <a:t>8/11/2016</a:t>
             </a:fld>
             <a:endParaRPr lang="nl-BE"/>
           </a:p>
@@ -1911,7 +2275,7 @@
     </p:spTree>
     <p:extLst>
       <p:ext uri="{BB962C8B-B14F-4D97-AF65-F5344CB8AC3E}">
-        <p14:creationId xmlns:p14="http://schemas.microsoft.com/office/powerpoint/2010/main" val="3856945296"/>
+        <p14:creationId xmlns:p14="http://schemas.microsoft.com/office/powerpoint/2010/main" val="2678960830"/>
       </p:ext>
     </p:extLst>
   </p:cSld>
@@ -2137,7 +2501,7 @@
           <a:p>
             <a:fld id="{85176953-FD81-49E3-B684-178BC184E664}" type="datetimeFigureOut">
               <a:rPr lang="nl-BE" smtClean="0"/>
-              <a:t>7/11/2016</a:t>
+              <a:t>8/11/2016</a:t>
             </a:fld>
             <a:endParaRPr lang="nl-BE"/>
           </a:p>
@@ -2188,7 +2552,7 @@
     </p:spTree>
     <p:extLst>
       <p:ext uri="{BB962C8B-B14F-4D97-AF65-F5344CB8AC3E}">
-        <p14:creationId xmlns:p14="http://schemas.microsoft.com/office/powerpoint/2010/main" val="660064599"/>
+        <p14:creationId xmlns:p14="http://schemas.microsoft.com/office/powerpoint/2010/main" val="3627491469"/>
       </p:ext>
     </p:extLst>
   </p:cSld>
@@ -2390,7 +2754,7 @@
           <a:p>
             <a:fld id="{85176953-FD81-49E3-B684-178BC184E664}" type="datetimeFigureOut">
               <a:rPr lang="nl-BE" smtClean="0"/>
-              <a:t>7/11/2016</a:t>
+              <a:t>8/11/2016</a:t>
             </a:fld>
             <a:endParaRPr lang="nl-BE"/>
           </a:p>
@@ -2441,7 +2805,7 @@
     </p:spTree>
     <p:extLst>
       <p:ext uri="{BB962C8B-B14F-4D97-AF65-F5344CB8AC3E}">
-        <p14:creationId xmlns:p14="http://schemas.microsoft.com/office/powerpoint/2010/main" val="4173390962"/>
+        <p14:creationId xmlns:p14="http://schemas.microsoft.com/office/powerpoint/2010/main" val="2889176053"/>
       </p:ext>
     </p:extLst>
   </p:cSld>
@@ -2603,7 +2967,7 @@
           <a:p>
             <a:fld id="{85176953-FD81-49E3-B684-178BC184E664}" type="datetimeFigureOut">
               <a:rPr lang="nl-BE" smtClean="0"/>
-              <a:t>7/11/2016</a:t>
+              <a:t>8/11/2016</a:t>
             </a:fld>
             <a:endParaRPr lang="nl-BE"/>
           </a:p>
@@ -2690,23 +3054,23 @@
     </p:spTree>
     <p:extLst>
       <p:ext uri="{BB962C8B-B14F-4D97-AF65-F5344CB8AC3E}">
-        <p14:creationId xmlns:p14="http://schemas.microsoft.com/office/powerpoint/2010/main" val="3248495085"/>
+        <p14:creationId xmlns:p14="http://schemas.microsoft.com/office/powerpoint/2010/main" val="3438784996"/>
       </p:ext>
     </p:extLst>
   </p:cSld>
   <p:clrMap bg1="lt1" tx1="dk1" bg2="lt2" tx2="dk2" accent1="accent1" accent2="accent2" accent3="accent3" accent4="accent4" accent5="accent5" accent6="accent6" hlink="hlink" folHlink="folHlink"/>
   <p:sldLayoutIdLst>
-    <p:sldLayoutId id="2147483649" r:id="rId1"/>
-    <p:sldLayoutId id="2147483650" r:id="rId2"/>
-    <p:sldLayoutId id="2147483651" r:id="rId3"/>
-    <p:sldLayoutId id="2147483652" r:id="rId4"/>
-    <p:sldLayoutId id="2147483653" r:id="rId5"/>
-    <p:sldLayoutId id="2147483654" r:id="rId6"/>
-    <p:sldLayoutId id="2147483655" r:id="rId7"/>
-    <p:sldLayoutId id="2147483656" r:id="rId8"/>
-    <p:sldLayoutId id="2147483657" r:id="rId9"/>
-    <p:sldLayoutId id="2147483658" r:id="rId10"/>
-    <p:sldLayoutId id="2147483659" r:id="rId11"/>
+    <p:sldLayoutId id="2147483679" r:id="rId1"/>
+    <p:sldLayoutId id="2147483680" r:id="rId2"/>
+    <p:sldLayoutId id="2147483681" r:id="rId3"/>
+    <p:sldLayoutId id="2147483682" r:id="rId4"/>
+    <p:sldLayoutId id="2147483683" r:id="rId5"/>
+    <p:sldLayoutId id="2147483684" r:id="rId6"/>
+    <p:sldLayoutId id="2147483685" r:id="rId7"/>
+    <p:sldLayoutId id="2147483686" r:id="rId8"/>
+    <p:sldLayoutId id="2147483687" r:id="rId9"/>
+    <p:sldLayoutId id="2147483688" r:id="rId10"/>
+    <p:sldLayoutId id="2147483689" r:id="rId11"/>
   </p:sldLayoutIdLst>
   <p:txStyles>
     <p:titleStyle>
@@ -4413,10 +4777,1573 @@
           <a:chExt cx="0" cy="0"/>
         </a:xfrm>
       </p:grpSpPr>
+      <p:sp>
+        <p:nvSpPr>
+          <p:cNvPr id="2" name="Tekstvak 1"/>
+          <p:cNvSpPr txBox="1"/>
+          <p:nvPr/>
+        </p:nvSpPr>
+        <p:spPr>
+          <a:xfrm>
+            <a:off x="822121" y="3531765"/>
+            <a:ext cx="10704352" cy="369332"/>
+          </a:xfrm>
+          <a:prstGeom prst="rect">
+            <a:avLst/>
+          </a:prstGeom>
+          <a:noFill/>
+        </p:spPr>
+        <p:txBody>
+          <a:bodyPr wrap="square" rtlCol="0">
+            <a:spAutoFit/>
+          </a:bodyPr>
+          <a:lstStyle/>
+          <a:p>
+            <a:r>
+              <a:rPr lang="nl-BE" dirty="0">
+                <a:latin typeface="Roboto" panose="02000000000000000000" pitchFamily="2" charset="0"/>
+                <a:ea typeface="Roboto" panose="02000000000000000000" pitchFamily="2" charset="0"/>
+              </a:rPr>
+              <a:t>En ook filters gebruiken om je data te wijzigen.</a:t>
+            </a:r>
+          </a:p>
+        </p:txBody>
+      </p:sp>
+      <p:pic>
+        <p:nvPicPr>
+          <p:cNvPr id="3" name="Afbeelding 2"/>
+          <p:cNvPicPr>
+            <a:picLocks noChangeAspect="1"/>
+          </p:cNvPicPr>
+          <p:nvPr/>
+        </p:nvPicPr>
+        <p:blipFill>
+          <a:blip r:embed="rId2"/>
+          <a:stretch>
+            <a:fillRect/>
+          </a:stretch>
+        </p:blipFill>
+        <p:spPr>
+          <a:xfrm>
+            <a:off x="822121" y="4348416"/>
+            <a:ext cx="2324100" cy="485775"/>
+          </a:xfrm>
+          <a:prstGeom prst="rect">
+            <a:avLst/>
+          </a:prstGeom>
+        </p:spPr>
+      </p:pic>
+      <p:sp>
+        <p:nvSpPr>
+          <p:cNvPr id="4" name="Tekstvak 3"/>
+          <p:cNvSpPr txBox="1"/>
+          <p:nvPr/>
+        </p:nvSpPr>
+        <p:spPr>
+          <a:xfrm>
+            <a:off x="3512077" y="4348416"/>
+            <a:ext cx="8117632" cy="369332"/>
+          </a:xfrm>
+          <a:prstGeom prst="rect">
+            <a:avLst/>
+          </a:prstGeom>
+          <a:noFill/>
+        </p:spPr>
+        <p:txBody>
+          <a:bodyPr wrap="square" rtlCol="0">
+            <a:spAutoFit/>
+          </a:bodyPr>
+          <a:lstStyle/>
+          <a:p>
+            <a:r>
+              <a:rPr lang="nl-BE" dirty="0"/>
+              <a:t>Dit doe je door er een | tussen te zette. De filters kan je ook </a:t>
+            </a:r>
+            <a:r>
+              <a:rPr lang="nl-BE" dirty="0" err="1"/>
+              <a:t>chainen</a:t>
+            </a:r>
+            <a:r>
+              <a:rPr lang="nl-BE" dirty="0"/>
+              <a:t>.</a:t>
+            </a:r>
+          </a:p>
+        </p:txBody>
+      </p:sp>
+      <p:sp>
+        <p:nvSpPr>
+          <p:cNvPr id="5" name="Tekstvak 4"/>
+          <p:cNvSpPr txBox="1"/>
+          <p:nvPr/>
+        </p:nvSpPr>
+        <p:spPr>
+          <a:xfrm>
+            <a:off x="746620" y="377505"/>
+            <a:ext cx="10947633" cy="369332"/>
+          </a:xfrm>
+          <a:prstGeom prst="rect">
+            <a:avLst/>
+          </a:prstGeom>
+          <a:noFill/>
+        </p:spPr>
+        <p:txBody>
+          <a:bodyPr wrap="square" rtlCol="0">
+            <a:spAutoFit/>
+          </a:bodyPr>
+          <a:lstStyle/>
+          <a:p>
+            <a:r>
+              <a:rPr lang="nl-BE" dirty="0"/>
+              <a:t>Je kan ook basis javascript gebruiken tussen deze dubbele accolade. </a:t>
+            </a:r>
+          </a:p>
+        </p:txBody>
+      </p:sp>
+      <p:pic>
+        <p:nvPicPr>
+          <p:cNvPr id="6" name="Afbeelding 5"/>
+          <p:cNvPicPr>
+            <a:picLocks noChangeAspect="1"/>
+          </p:cNvPicPr>
+          <p:nvPr/>
+        </p:nvPicPr>
+        <p:blipFill>
+          <a:blip r:embed="rId3"/>
+          <a:stretch>
+            <a:fillRect/>
+          </a:stretch>
+        </p:blipFill>
+        <p:spPr>
+          <a:xfrm>
+            <a:off x="822121" y="1480826"/>
+            <a:ext cx="2790825" cy="1066800"/>
+          </a:xfrm>
+          <a:prstGeom prst="rect">
+            <a:avLst/>
+          </a:prstGeom>
+        </p:spPr>
+      </p:pic>
     </p:spTree>
     <p:extLst>
       <p:ext uri="{BB962C8B-B14F-4D97-AF65-F5344CB8AC3E}">
         <p14:creationId xmlns:p14="http://schemas.microsoft.com/office/powerpoint/2010/main" val="1955700912"/>
+      </p:ext>
+    </p:extLst>
+  </p:cSld>
+  <p:clrMapOvr>
+    <a:masterClrMapping/>
+  </p:clrMapOvr>
+</p:sld>
+</file>
+
+<file path=ppt/slides/slide15.xml><?xml version="1.0" encoding="utf-8"?>
+<p:sld xmlns:a="http://schemas.openxmlformats.org/drawingml/2006/main" xmlns:r="http://schemas.openxmlformats.org/officeDocument/2006/relationships" xmlns:p="http://schemas.openxmlformats.org/presentationml/2006/main">
+  <p:cSld>
+    <p:spTree>
+      <p:nvGrpSpPr>
+        <p:cNvPr id="1" name=""/>
+        <p:cNvGrpSpPr/>
+        <p:nvPr/>
+      </p:nvGrpSpPr>
+      <p:grpSpPr>
+        <a:xfrm>
+          <a:off x="0" y="0"/>
+          <a:ext cx="0" cy="0"/>
+          <a:chOff x="0" y="0"/>
+          <a:chExt cx="0" cy="0"/>
+        </a:xfrm>
+      </p:grpSpPr>
+      <p:sp>
+        <p:nvSpPr>
+          <p:cNvPr id="2" name="Tekstvak 1"/>
+          <p:cNvSpPr txBox="1"/>
+          <p:nvPr/>
+        </p:nvSpPr>
+        <p:spPr>
+          <a:xfrm>
+            <a:off x="654341" y="302004"/>
+            <a:ext cx="10855354" cy="923330"/>
+          </a:xfrm>
+          <a:prstGeom prst="rect">
+            <a:avLst/>
+          </a:prstGeom>
+          <a:noFill/>
+        </p:spPr>
+        <p:txBody>
+          <a:bodyPr wrap="square" rtlCol="0">
+            <a:spAutoFit/>
+          </a:bodyPr>
+          <a:lstStyle/>
+          <a:p>
+            <a:pPr algn="ctr"/>
+            <a:r>
+              <a:rPr lang="nl-BE" sz="5400" dirty="0" err="1">
+                <a:latin typeface="Headline One" panose="00000400000000000000" pitchFamily="2" charset="0"/>
+              </a:rPr>
+              <a:t>Vue’s</a:t>
+            </a:r>
+            <a:r>
+              <a:rPr lang="nl-BE" sz="5400" dirty="0">
+                <a:latin typeface="Headline One" panose="00000400000000000000" pitchFamily="2" charset="0"/>
+              </a:rPr>
+              <a:t> </a:t>
+            </a:r>
+            <a:r>
+              <a:rPr lang="nl-BE" sz="5400" dirty="0" err="1">
+                <a:latin typeface="Headline One" panose="00000400000000000000" pitchFamily="2" charset="0"/>
+              </a:rPr>
+              <a:t>directives</a:t>
+            </a:r>
+            <a:endParaRPr lang="nl-BE" sz="5400" dirty="0">
+              <a:latin typeface="Headline One" panose="00000400000000000000" pitchFamily="2" charset="0"/>
+            </a:endParaRPr>
+          </a:p>
+        </p:txBody>
+      </p:sp>
+      <p:sp>
+        <p:nvSpPr>
+          <p:cNvPr id="3" name="Tekstvak 2"/>
+          <p:cNvSpPr txBox="1"/>
+          <p:nvPr/>
+        </p:nvSpPr>
+        <p:spPr>
+          <a:xfrm>
+            <a:off x="654341" y="1451295"/>
+            <a:ext cx="10981189" cy="646331"/>
+          </a:xfrm>
+          <a:prstGeom prst="rect">
+            <a:avLst/>
+          </a:prstGeom>
+          <a:noFill/>
+        </p:spPr>
+        <p:txBody>
+          <a:bodyPr wrap="square" rtlCol="0">
+            <a:spAutoFit/>
+          </a:bodyPr>
+          <a:lstStyle/>
+          <a:p>
+            <a:r>
+              <a:rPr lang="nl-BE" dirty="0">
+                <a:latin typeface="Roboto" panose="02000000000000000000" pitchFamily="2" charset="0"/>
+                <a:ea typeface="Roboto" panose="02000000000000000000" pitchFamily="2" charset="0"/>
+              </a:rPr>
+              <a:t>Een zeer belangrijke eigenschap van vue zijn de </a:t>
+            </a:r>
+            <a:r>
+              <a:rPr lang="nl-BE" dirty="0" err="1">
+                <a:latin typeface="Roboto" panose="02000000000000000000" pitchFamily="2" charset="0"/>
+                <a:ea typeface="Roboto" panose="02000000000000000000" pitchFamily="2" charset="0"/>
+              </a:rPr>
+              <a:t>directives</a:t>
+            </a:r>
+            <a:r>
+              <a:rPr lang="nl-BE" dirty="0">
+                <a:latin typeface="Roboto" panose="02000000000000000000" pitchFamily="2" charset="0"/>
+                <a:ea typeface="Roboto" panose="02000000000000000000" pitchFamily="2" charset="0"/>
+              </a:rPr>
+              <a:t>. Deze worden altijd aangetoond met een v ervoor.</a:t>
+            </a:r>
+          </a:p>
+        </p:txBody>
+      </p:sp>
+      <p:sp>
+        <p:nvSpPr>
+          <p:cNvPr id="4" name="Tekstvak 3"/>
+          <p:cNvSpPr txBox="1"/>
+          <p:nvPr/>
+        </p:nvSpPr>
+        <p:spPr>
+          <a:xfrm>
+            <a:off x="654341" y="2323587"/>
+            <a:ext cx="10503017" cy="646331"/>
+          </a:xfrm>
+          <a:prstGeom prst="rect">
+            <a:avLst/>
+          </a:prstGeom>
+          <a:noFill/>
+        </p:spPr>
+        <p:txBody>
+          <a:bodyPr wrap="square" rtlCol="0">
+            <a:spAutoFit/>
+          </a:bodyPr>
+          <a:lstStyle/>
+          <a:p>
+            <a:r>
+              <a:rPr lang="nl-BE" dirty="0">
+                <a:latin typeface="Roboto" panose="02000000000000000000" pitchFamily="2" charset="0"/>
+                <a:ea typeface="Roboto" panose="02000000000000000000" pitchFamily="2" charset="0"/>
+              </a:rPr>
+              <a:t>We hebben er al 2 gezien </a:t>
+            </a:r>
+            <a:r>
+              <a:rPr lang="nl-BE" dirty="0" err="1">
+                <a:latin typeface="Roboto" panose="02000000000000000000" pitchFamily="2" charset="0"/>
+                <a:ea typeface="Roboto" panose="02000000000000000000" pitchFamily="2" charset="0"/>
+              </a:rPr>
+              <a:t>v-if</a:t>
+            </a:r>
+            <a:r>
+              <a:rPr lang="nl-BE" dirty="0">
+                <a:latin typeface="Roboto" panose="02000000000000000000" pitchFamily="2" charset="0"/>
+                <a:ea typeface="Roboto" panose="02000000000000000000" pitchFamily="2" charset="0"/>
+              </a:rPr>
+              <a:t> en v-</a:t>
+            </a:r>
+            <a:r>
+              <a:rPr lang="nl-BE" dirty="0" err="1">
+                <a:latin typeface="Roboto" panose="02000000000000000000" pitchFamily="2" charset="0"/>
+                <a:ea typeface="Roboto" panose="02000000000000000000" pitchFamily="2" charset="0"/>
+              </a:rPr>
+              <a:t>for</a:t>
+            </a:r>
+            <a:r>
+              <a:rPr lang="nl-BE" dirty="0">
+                <a:latin typeface="Roboto" panose="02000000000000000000" pitchFamily="2" charset="0"/>
+                <a:ea typeface="Roboto" panose="02000000000000000000" pitchFamily="2" charset="0"/>
+              </a:rPr>
+              <a:t>.</a:t>
+            </a:r>
+          </a:p>
+          <a:p>
+            <a:r>
+              <a:rPr lang="nl-BE" dirty="0">
+                <a:latin typeface="Roboto" panose="02000000000000000000" pitchFamily="2" charset="0"/>
+                <a:ea typeface="Roboto" panose="02000000000000000000" pitchFamily="2" charset="0"/>
+              </a:rPr>
+              <a:t>Sommige van deze </a:t>
+            </a:r>
+            <a:r>
+              <a:rPr lang="nl-BE" dirty="0" err="1">
+                <a:latin typeface="Roboto" panose="02000000000000000000" pitchFamily="2" charset="0"/>
+                <a:ea typeface="Roboto" panose="02000000000000000000" pitchFamily="2" charset="0"/>
+              </a:rPr>
+              <a:t>directives</a:t>
+            </a:r>
+            <a:r>
+              <a:rPr lang="nl-BE" dirty="0">
+                <a:latin typeface="Roboto" panose="02000000000000000000" pitchFamily="2" charset="0"/>
+                <a:ea typeface="Roboto" panose="02000000000000000000" pitchFamily="2" charset="0"/>
+              </a:rPr>
+              <a:t> kunnen ook argumenten aannemen.</a:t>
+            </a:r>
+          </a:p>
+        </p:txBody>
+      </p:sp>
+      <p:pic>
+        <p:nvPicPr>
+          <p:cNvPr id="5" name="Afbeelding 4"/>
+          <p:cNvPicPr>
+            <a:picLocks noChangeAspect="1"/>
+          </p:cNvPicPr>
+          <p:nvPr/>
+        </p:nvPicPr>
+        <p:blipFill>
+          <a:blip r:embed="rId2"/>
+          <a:stretch>
+            <a:fillRect/>
+          </a:stretch>
+        </p:blipFill>
+        <p:spPr>
+          <a:xfrm>
+            <a:off x="654341" y="3488190"/>
+            <a:ext cx="2066925" cy="1057275"/>
+          </a:xfrm>
+          <a:prstGeom prst="rect">
+            <a:avLst/>
+          </a:prstGeom>
+        </p:spPr>
+      </p:pic>
+      <p:sp>
+        <p:nvSpPr>
+          <p:cNvPr id="6" name="Tekstvak 5"/>
+          <p:cNvSpPr txBox="1"/>
+          <p:nvPr/>
+        </p:nvSpPr>
+        <p:spPr>
+          <a:xfrm>
+            <a:off x="3028339" y="3488190"/>
+            <a:ext cx="7707086" cy="646331"/>
+          </a:xfrm>
+          <a:prstGeom prst="rect">
+            <a:avLst/>
+          </a:prstGeom>
+          <a:noFill/>
+        </p:spPr>
+        <p:txBody>
+          <a:bodyPr wrap="square" rtlCol="0">
+            <a:spAutoFit/>
+          </a:bodyPr>
+          <a:lstStyle/>
+          <a:p>
+            <a:r>
+              <a:rPr lang="nl-BE" dirty="0">
+                <a:latin typeface="Roboto" panose="02000000000000000000" pitchFamily="2" charset="0"/>
+                <a:ea typeface="Roboto" panose="02000000000000000000" pitchFamily="2" charset="0"/>
+              </a:rPr>
+              <a:t>Deze bijvoorbeeld. Hier zal de klasse afhangen van variabelen in de vue </a:t>
+            </a:r>
+            <a:r>
+              <a:rPr lang="nl-BE" dirty="0" err="1">
+                <a:latin typeface="Roboto" panose="02000000000000000000" pitchFamily="2" charset="0"/>
+                <a:ea typeface="Roboto" panose="02000000000000000000" pitchFamily="2" charset="0"/>
+              </a:rPr>
+              <a:t>instance</a:t>
+            </a:r>
+            <a:r>
+              <a:rPr lang="nl-BE" dirty="0">
+                <a:latin typeface="Roboto" panose="02000000000000000000" pitchFamily="2" charset="0"/>
+                <a:ea typeface="Roboto" panose="02000000000000000000" pitchFamily="2" charset="0"/>
+              </a:rPr>
+              <a:t>.</a:t>
+            </a:r>
+          </a:p>
+        </p:txBody>
+      </p:sp>
+      <p:sp>
+        <p:nvSpPr>
+          <p:cNvPr id="7" name="Tekstvak 6"/>
+          <p:cNvSpPr txBox="1"/>
+          <p:nvPr/>
+        </p:nvSpPr>
+        <p:spPr>
+          <a:xfrm>
+            <a:off x="654341" y="4857226"/>
+            <a:ext cx="3833769" cy="369332"/>
+          </a:xfrm>
+          <a:prstGeom prst="rect">
+            <a:avLst/>
+          </a:prstGeom>
+          <a:noFill/>
+        </p:spPr>
+        <p:txBody>
+          <a:bodyPr wrap="square" rtlCol="0">
+            <a:spAutoFit/>
+          </a:bodyPr>
+          <a:lstStyle/>
+          <a:p>
+            <a:r>
+              <a:rPr lang="nl-BE" b="1" dirty="0" err="1">
+                <a:latin typeface="Roboto" panose="02000000000000000000" pitchFamily="2" charset="0"/>
+                <a:ea typeface="Roboto" panose="02000000000000000000" pitchFamily="2" charset="0"/>
+              </a:rPr>
+              <a:t>Modifiers</a:t>
+            </a:r>
+            <a:endParaRPr lang="nl-BE" b="1" dirty="0">
+              <a:latin typeface="Roboto" panose="02000000000000000000" pitchFamily="2" charset="0"/>
+              <a:ea typeface="Roboto" panose="02000000000000000000" pitchFamily="2" charset="0"/>
+            </a:endParaRPr>
+          </a:p>
+        </p:txBody>
+      </p:sp>
+      <p:sp>
+        <p:nvSpPr>
+          <p:cNvPr id="8" name="Tekstvak 7"/>
+          <p:cNvSpPr txBox="1"/>
+          <p:nvPr/>
+        </p:nvSpPr>
+        <p:spPr>
+          <a:xfrm>
+            <a:off x="746620" y="5494789"/>
+            <a:ext cx="10662408" cy="369332"/>
+          </a:xfrm>
+          <a:prstGeom prst="rect">
+            <a:avLst/>
+          </a:prstGeom>
+          <a:noFill/>
+        </p:spPr>
+        <p:txBody>
+          <a:bodyPr wrap="square" rtlCol="0">
+            <a:spAutoFit/>
+          </a:bodyPr>
+          <a:lstStyle/>
+          <a:p>
+            <a:r>
+              <a:rPr lang="nl-BE" dirty="0">
+                <a:latin typeface="Roboto" panose="02000000000000000000" pitchFamily="2" charset="0"/>
+                <a:ea typeface="Roboto" panose="02000000000000000000" pitchFamily="2" charset="0"/>
+              </a:rPr>
+              <a:t>Er zijn ook </a:t>
+            </a:r>
+            <a:r>
+              <a:rPr lang="nl-BE" dirty="0" err="1">
+                <a:latin typeface="Roboto" panose="02000000000000000000" pitchFamily="2" charset="0"/>
+                <a:ea typeface="Roboto" panose="02000000000000000000" pitchFamily="2" charset="0"/>
+              </a:rPr>
+              <a:t>modifiers</a:t>
+            </a:r>
+            <a:r>
+              <a:rPr lang="nl-BE" dirty="0">
+                <a:latin typeface="Roboto" panose="02000000000000000000" pitchFamily="2" charset="0"/>
+                <a:ea typeface="Roboto" panose="02000000000000000000" pitchFamily="2" charset="0"/>
+              </a:rPr>
+              <a:t> om deze </a:t>
+            </a:r>
+            <a:r>
+              <a:rPr lang="nl-BE" dirty="0" err="1">
+                <a:latin typeface="Roboto" panose="02000000000000000000" pitchFamily="2" charset="0"/>
+                <a:ea typeface="Roboto" panose="02000000000000000000" pitchFamily="2" charset="0"/>
+              </a:rPr>
+              <a:t>directives</a:t>
+            </a:r>
+            <a:r>
+              <a:rPr lang="nl-BE" dirty="0">
+                <a:latin typeface="Roboto" panose="02000000000000000000" pitchFamily="2" charset="0"/>
+                <a:ea typeface="Roboto" panose="02000000000000000000" pitchFamily="2" charset="0"/>
+              </a:rPr>
+              <a:t> aan te passen. Ze worden </a:t>
+            </a:r>
+            <a:r>
+              <a:rPr lang="nl-BE" dirty="0" err="1">
+                <a:latin typeface="Roboto" panose="02000000000000000000" pitchFamily="2" charset="0"/>
+                <a:ea typeface="Roboto" panose="02000000000000000000" pitchFamily="2" charset="0"/>
+              </a:rPr>
+              <a:t>aangetoont</a:t>
+            </a:r>
+            <a:r>
+              <a:rPr lang="nl-BE" dirty="0">
+                <a:latin typeface="Roboto" panose="02000000000000000000" pitchFamily="2" charset="0"/>
+                <a:ea typeface="Roboto" panose="02000000000000000000" pitchFamily="2" charset="0"/>
+              </a:rPr>
+              <a:t> met een . </a:t>
+            </a:r>
+          </a:p>
+        </p:txBody>
+      </p:sp>
+      <p:pic>
+        <p:nvPicPr>
+          <p:cNvPr id="9" name="Afbeelding 8"/>
+          <p:cNvPicPr>
+            <a:picLocks noChangeAspect="1"/>
+          </p:cNvPicPr>
+          <p:nvPr/>
+        </p:nvPicPr>
+        <p:blipFill>
+          <a:blip r:embed="rId3"/>
+          <a:stretch>
+            <a:fillRect/>
+          </a:stretch>
+        </p:blipFill>
+        <p:spPr>
+          <a:xfrm>
+            <a:off x="654341" y="6132352"/>
+            <a:ext cx="3571875" cy="447675"/>
+          </a:xfrm>
+          <a:prstGeom prst="rect">
+            <a:avLst/>
+          </a:prstGeom>
+        </p:spPr>
+      </p:pic>
+      <p:sp>
+        <p:nvSpPr>
+          <p:cNvPr id="10" name="Tekstvak 9"/>
+          <p:cNvSpPr txBox="1"/>
+          <p:nvPr/>
+        </p:nvSpPr>
+        <p:spPr>
+          <a:xfrm>
+            <a:off x="4616684" y="5984030"/>
+            <a:ext cx="6540674" cy="646331"/>
+          </a:xfrm>
+          <a:prstGeom prst="rect">
+            <a:avLst/>
+          </a:prstGeom>
+          <a:noFill/>
+        </p:spPr>
+        <p:txBody>
+          <a:bodyPr wrap="square" rtlCol="0">
+            <a:spAutoFit/>
+          </a:bodyPr>
+          <a:lstStyle/>
+          <a:p>
+            <a:r>
+              <a:rPr lang="nl-BE" dirty="0">
+                <a:latin typeface="Roboto" panose="02000000000000000000" pitchFamily="2" charset="0"/>
+                <a:ea typeface="Roboto" panose="02000000000000000000" pitchFamily="2" charset="0"/>
+              </a:rPr>
+              <a:t>Om de </a:t>
+            </a:r>
+            <a:r>
+              <a:rPr lang="nl-BE" dirty="0" err="1">
+                <a:latin typeface="Roboto" panose="02000000000000000000" pitchFamily="2" charset="0"/>
+                <a:ea typeface="Roboto" panose="02000000000000000000" pitchFamily="2" charset="0"/>
+              </a:rPr>
+              <a:t>submit</a:t>
+            </a:r>
+            <a:r>
+              <a:rPr lang="nl-BE" dirty="0">
+                <a:latin typeface="Roboto" panose="02000000000000000000" pitchFamily="2" charset="0"/>
+                <a:ea typeface="Roboto" panose="02000000000000000000" pitchFamily="2" charset="0"/>
+              </a:rPr>
+              <a:t> methode niet uit te voeren kan je </a:t>
+            </a:r>
+            <a:r>
+              <a:rPr lang="nl-BE" dirty="0" err="1">
+                <a:latin typeface="Roboto" panose="02000000000000000000" pitchFamily="2" charset="0"/>
+                <a:ea typeface="Roboto" panose="02000000000000000000" pitchFamily="2" charset="0"/>
+              </a:rPr>
+              <a:t>debijvoorbeeld</a:t>
+            </a:r>
+            <a:r>
+              <a:rPr lang="nl-BE" dirty="0">
+                <a:latin typeface="Roboto" panose="02000000000000000000" pitchFamily="2" charset="0"/>
+                <a:ea typeface="Roboto" panose="02000000000000000000" pitchFamily="2" charset="0"/>
+              </a:rPr>
+              <a:t> de .</a:t>
+            </a:r>
+            <a:r>
+              <a:rPr lang="nl-BE" dirty="0" err="1">
+                <a:latin typeface="Roboto" panose="02000000000000000000" pitchFamily="2" charset="0"/>
+                <a:ea typeface="Roboto" panose="02000000000000000000" pitchFamily="2" charset="0"/>
+              </a:rPr>
+              <a:t>prevent</a:t>
+            </a:r>
+            <a:r>
+              <a:rPr lang="nl-BE" dirty="0">
+                <a:latin typeface="Roboto" panose="02000000000000000000" pitchFamily="2" charset="0"/>
+                <a:ea typeface="Roboto" panose="02000000000000000000" pitchFamily="2" charset="0"/>
+              </a:rPr>
+              <a:t> </a:t>
+            </a:r>
+            <a:r>
+              <a:rPr lang="nl-BE" dirty="0" err="1">
+                <a:latin typeface="Roboto" panose="02000000000000000000" pitchFamily="2" charset="0"/>
+                <a:ea typeface="Roboto" panose="02000000000000000000" pitchFamily="2" charset="0"/>
+              </a:rPr>
+              <a:t>modifier</a:t>
+            </a:r>
+            <a:r>
+              <a:rPr lang="nl-BE" dirty="0">
+                <a:latin typeface="Roboto" panose="02000000000000000000" pitchFamily="2" charset="0"/>
+                <a:ea typeface="Roboto" panose="02000000000000000000" pitchFamily="2" charset="0"/>
+              </a:rPr>
+              <a:t> gebruiken.</a:t>
+            </a:r>
+          </a:p>
+        </p:txBody>
+      </p:sp>
+    </p:spTree>
+    <p:extLst>
+      <p:ext uri="{BB962C8B-B14F-4D97-AF65-F5344CB8AC3E}">
+        <p14:creationId xmlns:p14="http://schemas.microsoft.com/office/powerpoint/2010/main" val="955549554"/>
+      </p:ext>
+    </p:extLst>
+  </p:cSld>
+  <p:clrMapOvr>
+    <a:masterClrMapping/>
+  </p:clrMapOvr>
+</p:sld>
+</file>
+
+<file path=ppt/slides/slide16.xml><?xml version="1.0" encoding="utf-8"?>
+<p:sld xmlns:a="http://schemas.openxmlformats.org/drawingml/2006/main" xmlns:r="http://schemas.openxmlformats.org/officeDocument/2006/relationships" xmlns:p="http://schemas.openxmlformats.org/presentationml/2006/main">
+  <p:cSld>
+    <p:spTree>
+      <p:nvGrpSpPr>
+        <p:cNvPr id="1" name=""/>
+        <p:cNvGrpSpPr/>
+        <p:nvPr/>
+      </p:nvGrpSpPr>
+      <p:grpSpPr>
+        <a:xfrm>
+          <a:off x="0" y="0"/>
+          <a:ext cx="0" cy="0"/>
+          <a:chOff x="0" y="0"/>
+          <a:chExt cx="0" cy="0"/>
+        </a:xfrm>
+      </p:grpSpPr>
+      <p:sp>
+        <p:nvSpPr>
+          <p:cNvPr id="2" name="Tekstvak 1"/>
+          <p:cNvSpPr txBox="1"/>
+          <p:nvPr/>
+        </p:nvSpPr>
+        <p:spPr>
+          <a:xfrm>
+            <a:off x="696286" y="302004"/>
+            <a:ext cx="10620463" cy="923330"/>
+          </a:xfrm>
+          <a:prstGeom prst="rect">
+            <a:avLst/>
+          </a:prstGeom>
+          <a:noFill/>
+        </p:spPr>
+        <p:txBody>
+          <a:bodyPr wrap="square" rtlCol="0">
+            <a:spAutoFit/>
+          </a:bodyPr>
+          <a:lstStyle/>
+          <a:p>
+            <a:pPr algn="ctr"/>
+            <a:r>
+              <a:rPr lang="nl-BE" sz="5400" dirty="0" err="1">
+                <a:latin typeface="Headline One" panose="00000400000000000000" pitchFamily="2" charset="0"/>
+              </a:rPr>
+              <a:t>Methods</a:t>
+            </a:r>
+            <a:endParaRPr lang="nl-BE" sz="5400" dirty="0">
+              <a:latin typeface="Headline One" panose="00000400000000000000" pitchFamily="2" charset="0"/>
+            </a:endParaRPr>
+          </a:p>
+        </p:txBody>
+      </p:sp>
+      <p:sp>
+        <p:nvSpPr>
+          <p:cNvPr id="3" name="Tekstvak 2"/>
+          <p:cNvSpPr txBox="1"/>
+          <p:nvPr/>
+        </p:nvSpPr>
+        <p:spPr>
+          <a:xfrm>
+            <a:off x="696286" y="1426128"/>
+            <a:ext cx="10771464" cy="646331"/>
+          </a:xfrm>
+          <a:prstGeom prst="rect">
+            <a:avLst/>
+          </a:prstGeom>
+          <a:noFill/>
+        </p:spPr>
+        <p:txBody>
+          <a:bodyPr wrap="square" rtlCol="0">
+            <a:spAutoFit/>
+          </a:bodyPr>
+          <a:lstStyle/>
+          <a:p>
+            <a:r>
+              <a:rPr lang="nl-BE" dirty="0"/>
+              <a:t>Met deze bibliotheek is natuurlijk ook makkelijk om methodes uit te voeren. Geef gewoon het methode object mee aan je vue instantie:</a:t>
+            </a:r>
+          </a:p>
+        </p:txBody>
+      </p:sp>
+      <p:pic>
+        <p:nvPicPr>
+          <p:cNvPr id="5" name="Afbeelding 4"/>
+          <p:cNvPicPr>
+            <a:picLocks noChangeAspect="1"/>
+          </p:cNvPicPr>
+          <p:nvPr/>
+        </p:nvPicPr>
+        <p:blipFill>
+          <a:blip r:embed="rId2"/>
+          <a:stretch>
+            <a:fillRect/>
+          </a:stretch>
+        </p:blipFill>
+        <p:spPr>
+          <a:xfrm>
+            <a:off x="696286" y="3014954"/>
+            <a:ext cx="4419600" cy="1257300"/>
+          </a:xfrm>
+          <a:prstGeom prst="rect">
+            <a:avLst/>
+          </a:prstGeom>
+        </p:spPr>
+      </p:pic>
+      <p:pic>
+        <p:nvPicPr>
+          <p:cNvPr id="6" name="Afbeelding 5"/>
+          <p:cNvPicPr>
+            <a:picLocks noChangeAspect="1"/>
+          </p:cNvPicPr>
+          <p:nvPr/>
+        </p:nvPicPr>
+        <p:blipFill>
+          <a:blip r:embed="rId3"/>
+          <a:stretch>
+            <a:fillRect/>
+          </a:stretch>
+        </p:blipFill>
+        <p:spPr>
+          <a:xfrm>
+            <a:off x="6082018" y="3014954"/>
+            <a:ext cx="4343400" cy="571500"/>
+          </a:xfrm>
+          <a:prstGeom prst="rect">
+            <a:avLst/>
+          </a:prstGeom>
+        </p:spPr>
+      </p:pic>
+      <p:sp>
+        <p:nvSpPr>
+          <p:cNvPr id="7" name="Tekstvak 6"/>
+          <p:cNvSpPr txBox="1"/>
+          <p:nvPr/>
+        </p:nvSpPr>
+        <p:spPr>
+          <a:xfrm>
+            <a:off x="765110" y="4758612"/>
+            <a:ext cx="10356980" cy="369332"/>
+          </a:xfrm>
+          <a:prstGeom prst="rect">
+            <a:avLst/>
+          </a:prstGeom>
+          <a:noFill/>
+        </p:spPr>
+        <p:txBody>
+          <a:bodyPr wrap="square" rtlCol="0">
+            <a:spAutoFit/>
+          </a:bodyPr>
+          <a:lstStyle/>
+          <a:p>
+            <a:r>
+              <a:rPr lang="nl-BE" dirty="0">
+                <a:latin typeface="Roboto" panose="02000000000000000000" pitchFamily="2" charset="0"/>
+                <a:ea typeface="Roboto" panose="02000000000000000000" pitchFamily="2" charset="0"/>
+              </a:rPr>
+              <a:t>Dit kan je dan heel makkelijk uitvoeren </a:t>
+            </a:r>
+            <a:r>
+              <a:rPr lang="nl-BE" dirty="0" err="1">
+                <a:latin typeface="Roboto" panose="02000000000000000000" pitchFamily="2" charset="0"/>
+                <a:ea typeface="Roboto" panose="02000000000000000000" pitchFamily="2" charset="0"/>
+              </a:rPr>
+              <a:t>vie</a:t>
+            </a:r>
+            <a:r>
+              <a:rPr lang="nl-BE" dirty="0">
+                <a:latin typeface="Roboto" panose="02000000000000000000" pitchFamily="2" charset="0"/>
+                <a:ea typeface="Roboto" panose="02000000000000000000" pitchFamily="2" charset="0"/>
+              </a:rPr>
+              <a:t> de html achter een click event.</a:t>
+            </a:r>
+          </a:p>
+        </p:txBody>
+      </p:sp>
+    </p:spTree>
+    <p:extLst>
+      <p:ext uri="{BB962C8B-B14F-4D97-AF65-F5344CB8AC3E}">
+        <p14:creationId xmlns:p14="http://schemas.microsoft.com/office/powerpoint/2010/main" val="1678453549"/>
+      </p:ext>
+    </p:extLst>
+  </p:cSld>
+  <p:clrMapOvr>
+    <a:masterClrMapping/>
+  </p:clrMapOvr>
+</p:sld>
+</file>
+
+<file path=ppt/slides/slide17.xml><?xml version="1.0" encoding="utf-8"?>
+<p:sld xmlns:a="http://schemas.openxmlformats.org/drawingml/2006/main" xmlns:r="http://schemas.openxmlformats.org/officeDocument/2006/relationships" xmlns:p="http://schemas.openxmlformats.org/presentationml/2006/main">
+  <p:cSld>
+    <p:spTree>
+      <p:nvGrpSpPr>
+        <p:cNvPr id="1" name=""/>
+        <p:cNvGrpSpPr/>
+        <p:nvPr/>
+      </p:nvGrpSpPr>
+      <p:grpSpPr>
+        <a:xfrm>
+          <a:off x="0" y="0"/>
+          <a:ext cx="0" cy="0"/>
+          <a:chOff x="0" y="0"/>
+          <a:chExt cx="0" cy="0"/>
+        </a:xfrm>
+      </p:grpSpPr>
+      <p:sp>
+        <p:nvSpPr>
+          <p:cNvPr id="2" name="Tekstvak 1"/>
+          <p:cNvSpPr txBox="1"/>
+          <p:nvPr/>
+        </p:nvSpPr>
+        <p:spPr>
+          <a:xfrm>
+            <a:off x="503339" y="293615"/>
+            <a:ext cx="11115413" cy="923330"/>
+          </a:xfrm>
+          <a:prstGeom prst="rect">
+            <a:avLst/>
+          </a:prstGeom>
+          <a:noFill/>
+        </p:spPr>
+        <p:txBody>
+          <a:bodyPr wrap="square" rtlCol="0">
+            <a:spAutoFit/>
+          </a:bodyPr>
+          <a:lstStyle/>
+          <a:p>
+            <a:pPr algn="ctr"/>
+            <a:r>
+              <a:rPr lang="nl-BE" sz="5400" dirty="0" err="1">
+                <a:latin typeface="Headline One" panose="00000400000000000000" pitchFamily="2" charset="0"/>
+              </a:rPr>
+              <a:t>Computed</a:t>
+            </a:r>
+            <a:r>
+              <a:rPr lang="nl-BE" sz="5400" dirty="0">
+                <a:latin typeface="Headline One" panose="00000400000000000000" pitchFamily="2" charset="0"/>
+              </a:rPr>
+              <a:t> </a:t>
+            </a:r>
+            <a:r>
+              <a:rPr lang="nl-BE" sz="5400" dirty="0" err="1">
+                <a:latin typeface="Headline One" panose="00000400000000000000" pitchFamily="2" charset="0"/>
+              </a:rPr>
+              <a:t>properties</a:t>
+            </a:r>
+            <a:endParaRPr lang="nl-BE" sz="5400" dirty="0">
+              <a:latin typeface="Headline One" panose="00000400000000000000" pitchFamily="2" charset="0"/>
+            </a:endParaRPr>
+          </a:p>
+        </p:txBody>
+      </p:sp>
+      <p:sp>
+        <p:nvSpPr>
+          <p:cNvPr id="3" name="Tekstvak 2"/>
+          <p:cNvSpPr txBox="1"/>
+          <p:nvPr/>
+        </p:nvSpPr>
+        <p:spPr>
+          <a:xfrm>
+            <a:off x="713064" y="1426128"/>
+            <a:ext cx="10821798" cy="369332"/>
+          </a:xfrm>
+          <a:prstGeom prst="rect">
+            <a:avLst/>
+          </a:prstGeom>
+          <a:noFill/>
+        </p:spPr>
+        <p:txBody>
+          <a:bodyPr wrap="square" rtlCol="0">
+            <a:spAutoFit/>
+          </a:bodyPr>
+          <a:lstStyle/>
+          <a:p>
+            <a:r>
+              <a:rPr lang="nl-BE" dirty="0"/>
+              <a:t>“</a:t>
+            </a:r>
+            <a:r>
+              <a:rPr lang="nl-BE" dirty="0" err="1"/>
+              <a:t>Computes</a:t>
+            </a:r>
+            <a:r>
+              <a:rPr lang="nl-BE" dirty="0"/>
+              <a:t> </a:t>
+            </a:r>
+            <a:r>
+              <a:rPr lang="nl-BE" dirty="0" err="1"/>
+              <a:t>properties</a:t>
+            </a:r>
+            <a:r>
+              <a:rPr lang="nl-BE" dirty="0"/>
+              <a:t>” is 1 van de eigenschappen die vue.js zo interessant en makkelijk te gebruiken maakt.</a:t>
+            </a:r>
+          </a:p>
+        </p:txBody>
+      </p:sp>
+      <p:sp>
+        <p:nvSpPr>
+          <p:cNvPr id="4" name="Tekstvak 3"/>
+          <p:cNvSpPr txBox="1"/>
+          <p:nvPr/>
+        </p:nvSpPr>
+        <p:spPr>
+          <a:xfrm>
+            <a:off x="851482" y="2097248"/>
+            <a:ext cx="10544962" cy="646331"/>
+          </a:xfrm>
+          <a:prstGeom prst="rect">
+            <a:avLst/>
+          </a:prstGeom>
+          <a:noFill/>
+        </p:spPr>
+        <p:txBody>
+          <a:bodyPr wrap="square" rtlCol="0">
+            <a:spAutoFit/>
+          </a:bodyPr>
+          <a:lstStyle/>
+          <a:p>
+            <a:r>
+              <a:rPr lang="nl-BE" dirty="0">
+                <a:latin typeface="Roboto" panose="02000000000000000000" pitchFamily="2" charset="0"/>
+                <a:ea typeface="Roboto" panose="02000000000000000000" pitchFamily="2" charset="0"/>
+              </a:rPr>
+              <a:t>Bijvoorbeeld: je wilt in je applicatie 2 getallen vermenigvuldigen die je zelf kan ingeven. Je kan dit op 2 manieren doen.</a:t>
+            </a:r>
+          </a:p>
+        </p:txBody>
+      </p:sp>
+      <p:sp>
+        <p:nvSpPr>
+          <p:cNvPr id="5" name="Tekstvak 4"/>
+          <p:cNvSpPr txBox="1"/>
+          <p:nvPr/>
+        </p:nvSpPr>
+        <p:spPr>
+          <a:xfrm>
+            <a:off x="851482" y="3129094"/>
+            <a:ext cx="10205208" cy="646331"/>
+          </a:xfrm>
+          <a:prstGeom prst="rect">
+            <a:avLst/>
+          </a:prstGeom>
+          <a:noFill/>
+        </p:spPr>
+        <p:txBody>
+          <a:bodyPr wrap="square" rtlCol="0">
+            <a:spAutoFit/>
+          </a:bodyPr>
+          <a:lstStyle/>
+          <a:p>
+            <a:r>
+              <a:rPr lang="nl-BE" dirty="0"/>
+              <a:t>Je kan het simpelweg met een javascript </a:t>
+            </a:r>
+            <a:r>
+              <a:rPr lang="nl-BE" dirty="0" err="1"/>
+              <a:t>expression</a:t>
+            </a:r>
+            <a:r>
+              <a:rPr lang="nl-BE" dirty="0"/>
+              <a:t> doen. Dit zal werken, de </a:t>
+            </a:r>
+            <a:r>
+              <a:rPr lang="nl-BE" dirty="0" err="1"/>
+              <a:t>vermenigvulidiging</a:t>
+            </a:r>
+            <a:r>
+              <a:rPr lang="nl-BE" dirty="0"/>
+              <a:t> van de 2 factors zal real time worden getoond. </a:t>
+            </a:r>
+          </a:p>
+        </p:txBody>
+      </p:sp>
+      <p:pic>
+        <p:nvPicPr>
+          <p:cNvPr id="6" name="Afbeelding 5"/>
+          <p:cNvPicPr>
+            <a:picLocks noChangeAspect="1"/>
+          </p:cNvPicPr>
+          <p:nvPr/>
+        </p:nvPicPr>
+        <p:blipFill>
+          <a:blip r:embed="rId2"/>
+          <a:stretch>
+            <a:fillRect/>
+          </a:stretch>
+        </p:blipFill>
+        <p:spPr>
+          <a:xfrm>
+            <a:off x="851482" y="4275597"/>
+            <a:ext cx="4019550" cy="1943100"/>
+          </a:xfrm>
+          <a:prstGeom prst="rect">
+            <a:avLst/>
+          </a:prstGeom>
+        </p:spPr>
+      </p:pic>
+      <p:pic>
+        <p:nvPicPr>
+          <p:cNvPr id="7" name="Afbeelding 6"/>
+          <p:cNvPicPr>
+            <a:picLocks noChangeAspect="1"/>
+          </p:cNvPicPr>
+          <p:nvPr/>
+        </p:nvPicPr>
+        <p:blipFill>
+          <a:blip r:embed="rId3"/>
+          <a:stretch>
+            <a:fillRect/>
+          </a:stretch>
+        </p:blipFill>
+        <p:spPr>
+          <a:xfrm>
+            <a:off x="5954086" y="4160940"/>
+            <a:ext cx="4581525" cy="1352550"/>
+          </a:xfrm>
+          <a:prstGeom prst="rect">
+            <a:avLst/>
+          </a:prstGeom>
+        </p:spPr>
+      </p:pic>
+    </p:spTree>
+    <p:extLst>
+      <p:ext uri="{BB962C8B-B14F-4D97-AF65-F5344CB8AC3E}">
+        <p14:creationId xmlns:p14="http://schemas.microsoft.com/office/powerpoint/2010/main" val="1876486570"/>
+      </p:ext>
+    </p:extLst>
+  </p:cSld>
+  <p:clrMapOvr>
+    <a:masterClrMapping/>
+  </p:clrMapOvr>
+</p:sld>
+</file>
+
+<file path=ppt/slides/slide18.xml><?xml version="1.0" encoding="utf-8"?>
+<p:sld xmlns:a="http://schemas.openxmlformats.org/drawingml/2006/main" xmlns:r="http://schemas.openxmlformats.org/officeDocument/2006/relationships" xmlns:p="http://schemas.openxmlformats.org/presentationml/2006/main">
+  <p:cSld>
+    <p:spTree>
+      <p:nvGrpSpPr>
+        <p:cNvPr id="1" name=""/>
+        <p:cNvGrpSpPr/>
+        <p:nvPr/>
+      </p:nvGrpSpPr>
+      <p:grpSpPr>
+        <a:xfrm>
+          <a:off x="0" y="0"/>
+          <a:ext cx="0" cy="0"/>
+          <a:chOff x="0" y="0"/>
+          <a:chExt cx="0" cy="0"/>
+        </a:xfrm>
+      </p:grpSpPr>
+      <p:sp>
+        <p:nvSpPr>
+          <p:cNvPr id="2" name="Tekstvak 1"/>
+          <p:cNvSpPr txBox="1"/>
+          <p:nvPr/>
+        </p:nvSpPr>
+        <p:spPr>
+          <a:xfrm>
+            <a:off x="634482" y="494522"/>
+            <a:ext cx="10748865" cy="923330"/>
+          </a:xfrm>
+          <a:prstGeom prst="rect">
+            <a:avLst/>
+          </a:prstGeom>
+          <a:noFill/>
+        </p:spPr>
+        <p:txBody>
+          <a:bodyPr wrap="square" rtlCol="0">
+            <a:spAutoFit/>
+          </a:bodyPr>
+          <a:lstStyle/>
+          <a:p>
+            <a:r>
+              <a:rPr lang="nl-BE" dirty="0">
+                <a:latin typeface="Roboto" panose="02000000000000000000" pitchFamily="2" charset="0"/>
+                <a:ea typeface="Roboto" panose="02000000000000000000" pitchFamily="2" charset="0"/>
+              </a:rPr>
+              <a:t>Zou het niet handiger zijn moesten we al de logica in de </a:t>
+            </a:r>
+            <a:r>
+              <a:rPr lang="nl-BE" dirty="0" err="1">
+                <a:latin typeface="Roboto" panose="02000000000000000000" pitchFamily="2" charset="0"/>
+                <a:ea typeface="Roboto" panose="02000000000000000000" pitchFamily="2" charset="0"/>
+              </a:rPr>
+              <a:t>js</a:t>
+            </a:r>
+            <a:r>
+              <a:rPr lang="nl-BE" dirty="0">
+                <a:latin typeface="Roboto" panose="02000000000000000000" pitchFamily="2" charset="0"/>
+                <a:ea typeface="Roboto" panose="02000000000000000000" pitchFamily="2" charset="0"/>
+              </a:rPr>
+              <a:t> file kunnen zetten ? Dit is geen complex voorbeeld maar je kan je voorstellen dat er complexe zaken zijn die je niet in de html file kunt zetten. Hiervoor kan je </a:t>
+            </a:r>
+            <a:r>
+              <a:rPr lang="nl-BE" dirty="0" err="1">
+                <a:latin typeface="Roboto" panose="02000000000000000000" pitchFamily="2" charset="0"/>
+                <a:ea typeface="Roboto" panose="02000000000000000000" pitchFamily="2" charset="0"/>
+              </a:rPr>
+              <a:t>computed</a:t>
+            </a:r>
+            <a:r>
+              <a:rPr lang="nl-BE" dirty="0">
+                <a:latin typeface="Roboto" panose="02000000000000000000" pitchFamily="2" charset="0"/>
+                <a:ea typeface="Roboto" panose="02000000000000000000" pitchFamily="2" charset="0"/>
+              </a:rPr>
+              <a:t> </a:t>
+            </a:r>
+            <a:r>
+              <a:rPr lang="nl-BE" dirty="0" err="1">
+                <a:latin typeface="Roboto" panose="02000000000000000000" pitchFamily="2" charset="0"/>
+                <a:ea typeface="Roboto" panose="02000000000000000000" pitchFamily="2" charset="0"/>
+              </a:rPr>
+              <a:t>properties</a:t>
+            </a:r>
+            <a:r>
+              <a:rPr lang="nl-BE" dirty="0">
+                <a:latin typeface="Roboto" panose="02000000000000000000" pitchFamily="2" charset="0"/>
+                <a:ea typeface="Roboto" panose="02000000000000000000" pitchFamily="2" charset="0"/>
+              </a:rPr>
+              <a:t> gebruiken.</a:t>
+            </a:r>
+          </a:p>
+        </p:txBody>
+      </p:sp>
+      <p:pic>
+        <p:nvPicPr>
+          <p:cNvPr id="3" name="Afbeelding 2"/>
+          <p:cNvPicPr>
+            <a:picLocks noChangeAspect="1"/>
+          </p:cNvPicPr>
+          <p:nvPr/>
+        </p:nvPicPr>
+        <p:blipFill>
+          <a:blip r:embed="rId2"/>
+          <a:stretch>
+            <a:fillRect/>
+          </a:stretch>
+        </p:blipFill>
+        <p:spPr>
+          <a:xfrm>
+            <a:off x="6954222" y="1723248"/>
+            <a:ext cx="4429125" cy="2971800"/>
+          </a:xfrm>
+          <a:prstGeom prst="rect">
+            <a:avLst/>
+          </a:prstGeom>
+        </p:spPr>
+      </p:pic>
+      <p:pic>
+        <p:nvPicPr>
+          <p:cNvPr id="4" name="Afbeelding 3"/>
+          <p:cNvPicPr>
+            <a:picLocks noChangeAspect="1"/>
+          </p:cNvPicPr>
+          <p:nvPr/>
+        </p:nvPicPr>
+        <p:blipFill>
+          <a:blip r:embed="rId3"/>
+          <a:stretch>
+            <a:fillRect/>
+          </a:stretch>
+        </p:blipFill>
+        <p:spPr>
+          <a:xfrm>
+            <a:off x="634482" y="1723248"/>
+            <a:ext cx="4076700" cy="2486025"/>
+          </a:xfrm>
+          <a:prstGeom prst="rect">
+            <a:avLst/>
+          </a:prstGeom>
+        </p:spPr>
+      </p:pic>
+      <p:sp>
+        <p:nvSpPr>
+          <p:cNvPr id="5" name="Tekstvak 4"/>
+          <p:cNvSpPr txBox="1"/>
+          <p:nvPr/>
+        </p:nvSpPr>
+        <p:spPr>
+          <a:xfrm>
+            <a:off x="634481" y="4872035"/>
+            <a:ext cx="10748865" cy="646331"/>
+          </a:xfrm>
+          <a:prstGeom prst="rect">
+            <a:avLst/>
+          </a:prstGeom>
+          <a:noFill/>
+        </p:spPr>
+        <p:txBody>
+          <a:bodyPr wrap="square" rtlCol="0">
+            <a:spAutoFit/>
+          </a:bodyPr>
+          <a:lstStyle/>
+          <a:p>
+            <a:r>
+              <a:rPr lang="nl-BE" dirty="0">
+                <a:latin typeface="Roboto" panose="02000000000000000000" pitchFamily="2" charset="0"/>
+                <a:ea typeface="Roboto" panose="02000000000000000000" pitchFamily="2" charset="0"/>
+              </a:rPr>
+              <a:t>Het interessante  aan de </a:t>
+            </a:r>
+            <a:r>
+              <a:rPr lang="nl-BE" dirty="0" err="1">
+                <a:latin typeface="Roboto" panose="02000000000000000000" pitchFamily="2" charset="0"/>
+                <a:ea typeface="Roboto" panose="02000000000000000000" pitchFamily="2" charset="0"/>
+              </a:rPr>
+              <a:t>computed</a:t>
+            </a:r>
+            <a:r>
+              <a:rPr lang="nl-BE" dirty="0">
+                <a:latin typeface="Roboto" panose="02000000000000000000" pitchFamily="2" charset="0"/>
+                <a:ea typeface="Roboto" panose="02000000000000000000" pitchFamily="2" charset="0"/>
+              </a:rPr>
+              <a:t> </a:t>
+            </a:r>
+            <a:r>
+              <a:rPr lang="nl-BE" dirty="0" err="1">
+                <a:latin typeface="Roboto" panose="02000000000000000000" pitchFamily="2" charset="0"/>
+                <a:ea typeface="Roboto" panose="02000000000000000000" pitchFamily="2" charset="0"/>
+              </a:rPr>
+              <a:t>properties</a:t>
+            </a:r>
+            <a:r>
+              <a:rPr lang="nl-BE" dirty="0">
+                <a:latin typeface="Roboto" panose="02000000000000000000" pitchFamily="2" charset="0"/>
+                <a:ea typeface="Roboto" panose="02000000000000000000" pitchFamily="2" charset="0"/>
+              </a:rPr>
+              <a:t> is dat ze </a:t>
+            </a:r>
+            <a:r>
+              <a:rPr lang="nl-BE" b="1" dirty="0">
+                <a:latin typeface="Roboto" panose="02000000000000000000" pitchFamily="2" charset="0"/>
+                <a:ea typeface="Roboto" panose="02000000000000000000" pitchFamily="2" charset="0"/>
+              </a:rPr>
+              <a:t>zelf kijken </a:t>
+            </a:r>
+            <a:r>
+              <a:rPr lang="nl-BE" dirty="0">
+                <a:latin typeface="Roboto" panose="02000000000000000000" pitchFamily="2" charset="0"/>
+                <a:ea typeface="Roboto" panose="02000000000000000000" pitchFamily="2" charset="0"/>
+              </a:rPr>
+              <a:t>wanneer er 1 van de afhankelijke variabelen veranderd en dan zelf </a:t>
+            </a:r>
+            <a:r>
+              <a:rPr lang="nl-BE" b="1" dirty="0">
+                <a:latin typeface="Roboto" panose="02000000000000000000" pitchFamily="2" charset="0"/>
+                <a:ea typeface="Roboto" panose="02000000000000000000" pitchFamily="2" charset="0"/>
+              </a:rPr>
+              <a:t>mee veranderd</a:t>
+            </a:r>
+            <a:r>
+              <a:rPr lang="nl-BE" dirty="0">
+                <a:latin typeface="Roboto" panose="02000000000000000000" pitchFamily="2" charset="0"/>
+                <a:ea typeface="Roboto" panose="02000000000000000000" pitchFamily="2" charset="0"/>
+              </a:rPr>
+              <a:t>.</a:t>
+            </a:r>
+          </a:p>
+        </p:txBody>
+      </p:sp>
+      <p:sp>
+        <p:nvSpPr>
+          <p:cNvPr id="6" name="Tekstvak 5"/>
+          <p:cNvSpPr txBox="1"/>
+          <p:nvPr/>
+        </p:nvSpPr>
+        <p:spPr>
+          <a:xfrm>
+            <a:off x="634482" y="5780015"/>
+            <a:ext cx="10748865" cy="646331"/>
+          </a:xfrm>
+          <a:prstGeom prst="rect">
+            <a:avLst/>
+          </a:prstGeom>
+          <a:noFill/>
+        </p:spPr>
+        <p:txBody>
+          <a:bodyPr wrap="square" rtlCol="0">
+            <a:spAutoFit/>
+          </a:bodyPr>
+          <a:lstStyle/>
+          <a:p>
+            <a:r>
+              <a:rPr lang="nl-BE" dirty="0">
+                <a:latin typeface="Roboto" panose="02000000000000000000" pitchFamily="2" charset="0"/>
+                <a:ea typeface="Roboto" panose="02000000000000000000" pitchFamily="2" charset="0"/>
+              </a:rPr>
+              <a:t>Als je bovenstaande met een methode had gedaan. Dan was de uitkomst niet mee veranderd met de wijzigen van de afhankelijke variabelen.</a:t>
+            </a:r>
+          </a:p>
+        </p:txBody>
+      </p:sp>
+    </p:spTree>
+    <p:extLst>
+      <p:ext uri="{BB962C8B-B14F-4D97-AF65-F5344CB8AC3E}">
+        <p14:creationId xmlns:p14="http://schemas.microsoft.com/office/powerpoint/2010/main" val="611356273"/>
+      </p:ext>
+    </p:extLst>
+  </p:cSld>
+  <p:clrMapOvr>
+    <a:masterClrMapping/>
+  </p:clrMapOvr>
+</p:sld>
+</file>
+
+<file path=ppt/slides/slide19.xml><?xml version="1.0" encoding="utf-8"?>
+<p:sld xmlns:a="http://schemas.openxmlformats.org/drawingml/2006/main" xmlns:r="http://schemas.openxmlformats.org/officeDocument/2006/relationships" xmlns:p="http://schemas.openxmlformats.org/presentationml/2006/main">
+  <p:cSld>
+    <p:spTree>
+      <p:nvGrpSpPr>
+        <p:cNvPr id="1" name=""/>
+        <p:cNvGrpSpPr/>
+        <p:nvPr/>
+      </p:nvGrpSpPr>
+      <p:grpSpPr>
+        <a:xfrm>
+          <a:off x="0" y="0"/>
+          <a:ext cx="0" cy="0"/>
+          <a:chOff x="0" y="0"/>
+          <a:chExt cx="0" cy="0"/>
+        </a:xfrm>
+      </p:grpSpPr>
+      <p:sp>
+        <p:nvSpPr>
+          <p:cNvPr id="2" name="Tekstvak 1"/>
+          <p:cNvSpPr txBox="1"/>
+          <p:nvPr/>
+        </p:nvSpPr>
+        <p:spPr>
+          <a:xfrm>
+            <a:off x="637563" y="444617"/>
+            <a:ext cx="10981189" cy="646331"/>
+          </a:xfrm>
+          <a:prstGeom prst="rect">
+            <a:avLst/>
+          </a:prstGeom>
+          <a:noFill/>
+        </p:spPr>
+        <p:txBody>
+          <a:bodyPr wrap="square" rtlCol="0">
+            <a:spAutoFit/>
+          </a:bodyPr>
+          <a:lstStyle/>
+          <a:p>
+            <a:r>
+              <a:rPr lang="nl-BE" dirty="0">
+                <a:latin typeface="Roboto" panose="02000000000000000000" pitchFamily="2" charset="0"/>
+                <a:ea typeface="Roboto" panose="02000000000000000000" pitchFamily="2" charset="0"/>
+              </a:rPr>
+              <a:t>Bovenstaande is een voorbeeld van een </a:t>
+            </a:r>
+            <a:r>
+              <a:rPr lang="nl-BE" dirty="0" err="1">
+                <a:latin typeface="Roboto" panose="02000000000000000000" pitchFamily="2" charset="0"/>
+                <a:ea typeface="Roboto" panose="02000000000000000000" pitchFamily="2" charset="0"/>
+              </a:rPr>
+              <a:t>getter</a:t>
+            </a:r>
+            <a:r>
+              <a:rPr lang="nl-BE" dirty="0">
+                <a:latin typeface="Roboto" panose="02000000000000000000" pitchFamily="2" charset="0"/>
+                <a:ea typeface="Roboto" panose="02000000000000000000" pitchFamily="2" charset="0"/>
+              </a:rPr>
+              <a:t>, maar we kunnen </a:t>
+            </a:r>
+            <a:r>
+              <a:rPr lang="nl-BE" dirty="0" err="1">
+                <a:latin typeface="Roboto" panose="02000000000000000000" pitchFamily="2" charset="0"/>
+                <a:ea typeface="Roboto" panose="02000000000000000000" pitchFamily="2" charset="0"/>
+              </a:rPr>
+              <a:t>computed</a:t>
+            </a:r>
+            <a:r>
+              <a:rPr lang="nl-BE" dirty="0">
+                <a:latin typeface="Roboto" panose="02000000000000000000" pitchFamily="2" charset="0"/>
+                <a:ea typeface="Roboto" panose="02000000000000000000" pitchFamily="2" charset="0"/>
+              </a:rPr>
+              <a:t> </a:t>
+            </a:r>
+            <a:r>
+              <a:rPr lang="nl-BE" dirty="0" err="1">
+                <a:latin typeface="Roboto" panose="02000000000000000000" pitchFamily="2" charset="0"/>
+                <a:ea typeface="Roboto" panose="02000000000000000000" pitchFamily="2" charset="0"/>
+              </a:rPr>
+              <a:t>properties</a:t>
+            </a:r>
+            <a:r>
+              <a:rPr lang="nl-BE" dirty="0">
+                <a:latin typeface="Roboto" panose="02000000000000000000" pitchFamily="2" charset="0"/>
+                <a:ea typeface="Roboto" panose="02000000000000000000" pitchFamily="2" charset="0"/>
+              </a:rPr>
+              <a:t> ook gebruiken als setters:</a:t>
+            </a:r>
+          </a:p>
+        </p:txBody>
+      </p:sp>
+      <p:pic>
+        <p:nvPicPr>
+          <p:cNvPr id="3" name="Afbeelding 2"/>
+          <p:cNvPicPr>
+            <a:picLocks noChangeAspect="1"/>
+          </p:cNvPicPr>
+          <p:nvPr/>
+        </p:nvPicPr>
+        <p:blipFill>
+          <a:blip r:embed="rId2"/>
+          <a:stretch>
+            <a:fillRect/>
+          </a:stretch>
+        </p:blipFill>
+        <p:spPr>
+          <a:xfrm>
+            <a:off x="732453" y="1656669"/>
+            <a:ext cx="3505200" cy="3152775"/>
+          </a:xfrm>
+          <a:prstGeom prst="rect">
+            <a:avLst/>
+          </a:prstGeom>
+        </p:spPr>
+      </p:pic>
+      <p:pic>
+        <p:nvPicPr>
+          <p:cNvPr id="4" name="Afbeelding 3"/>
+          <p:cNvPicPr>
+            <a:picLocks noChangeAspect="1"/>
+          </p:cNvPicPr>
+          <p:nvPr/>
+        </p:nvPicPr>
+        <p:blipFill>
+          <a:blip r:embed="rId3"/>
+          <a:stretch>
+            <a:fillRect/>
+          </a:stretch>
+        </p:blipFill>
+        <p:spPr>
+          <a:xfrm>
+            <a:off x="5320295" y="1656669"/>
+            <a:ext cx="2409825" cy="352425"/>
+          </a:xfrm>
+          <a:prstGeom prst="rect">
+            <a:avLst/>
+          </a:prstGeom>
+        </p:spPr>
+      </p:pic>
+      <p:sp>
+        <p:nvSpPr>
+          <p:cNvPr id="5" name="Tekstvak 4"/>
+          <p:cNvSpPr txBox="1"/>
+          <p:nvPr/>
+        </p:nvSpPr>
+        <p:spPr>
+          <a:xfrm>
+            <a:off x="5261572" y="2683764"/>
+            <a:ext cx="6007068" cy="646331"/>
+          </a:xfrm>
+          <a:prstGeom prst="rect">
+            <a:avLst/>
+          </a:prstGeom>
+          <a:noFill/>
+        </p:spPr>
+        <p:txBody>
+          <a:bodyPr wrap="square" rtlCol="0">
+            <a:spAutoFit/>
+          </a:bodyPr>
+          <a:lstStyle/>
+          <a:p>
+            <a:r>
+              <a:rPr lang="nl-BE" dirty="0">
+                <a:latin typeface="Roboto" panose="02000000000000000000" pitchFamily="2" charset="0"/>
+                <a:ea typeface="Roboto" panose="02000000000000000000" pitchFamily="2" charset="0"/>
+              </a:rPr>
+              <a:t>Als je dan bovenstaande doet zal de setter worden gebruikt </a:t>
+            </a:r>
+            <a:r>
+              <a:rPr lang="nl-BE" dirty="0" err="1">
+                <a:latin typeface="Roboto" panose="02000000000000000000" pitchFamily="2" charset="0"/>
+                <a:ea typeface="Roboto" panose="02000000000000000000" pitchFamily="2" charset="0"/>
+              </a:rPr>
+              <a:t>ipv</a:t>
+            </a:r>
+            <a:r>
+              <a:rPr lang="nl-BE" dirty="0">
+                <a:latin typeface="Roboto" panose="02000000000000000000" pitchFamily="2" charset="0"/>
+                <a:ea typeface="Roboto" panose="02000000000000000000" pitchFamily="2" charset="0"/>
+              </a:rPr>
+              <a:t> de </a:t>
+            </a:r>
+            <a:r>
+              <a:rPr lang="nl-BE" dirty="0" err="1">
+                <a:latin typeface="Roboto" panose="02000000000000000000" pitchFamily="2" charset="0"/>
+                <a:ea typeface="Roboto" panose="02000000000000000000" pitchFamily="2" charset="0"/>
+              </a:rPr>
+              <a:t>getter</a:t>
+            </a:r>
+            <a:r>
+              <a:rPr lang="nl-BE" dirty="0">
+                <a:latin typeface="Roboto" panose="02000000000000000000" pitchFamily="2" charset="0"/>
+                <a:ea typeface="Roboto" panose="02000000000000000000" pitchFamily="2" charset="0"/>
+              </a:rPr>
+              <a:t>. </a:t>
+            </a:r>
+          </a:p>
+        </p:txBody>
+      </p:sp>
+    </p:spTree>
+    <p:extLst>
+      <p:ext uri="{BB962C8B-B14F-4D97-AF65-F5344CB8AC3E}">
+        <p14:creationId xmlns:p14="http://schemas.microsoft.com/office/powerpoint/2010/main" val="2514893351"/>
       </p:ext>
     </p:extLst>
   </p:cSld>
@@ -4785,6 +6712,1750 @@
     <p:extLst>
       <p:ext uri="{BB962C8B-B14F-4D97-AF65-F5344CB8AC3E}">
         <p14:creationId xmlns:p14="http://schemas.microsoft.com/office/powerpoint/2010/main" val="426906294"/>
+      </p:ext>
+    </p:extLst>
+  </p:cSld>
+  <p:clrMapOvr>
+    <a:masterClrMapping/>
+  </p:clrMapOvr>
+</p:sld>
+</file>
+
+<file path=ppt/slides/slide20.xml><?xml version="1.0" encoding="utf-8"?>
+<p:sld xmlns:a="http://schemas.openxmlformats.org/drawingml/2006/main" xmlns:r="http://schemas.openxmlformats.org/officeDocument/2006/relationships" xmlns:p="http://schemas.openxmlformats.org/presentationml/2006/main">
+  <p:cSld>
+    <p:spTree>
+      <p:nvGrpSpPr>
+        <p:cNvPr id="1" name=""/>
+        <p:cNvGrpSpPr/>
+        <p:nvPr/>
+      </p:nvGrpSpPr>
+      <p:grpSpPr>
+        <a:xfrm>
+          <a:off x="0" y="0"/>
+          <a:ext cx="0" cy="0"/>
+          <a:chOff x="0" y="0"/>
+          <a:chExt cx="0" cy="0"/>
+        </a:xfrm>
+      </p:grpSpPr>
+      <p:sp>
+        <p:nvSpPr>
+          <p:cNvPr id="2" name="Tekstvak 1"/>
+          <p:cNvSpPr txBox="1"/>
+          <p:nvPr/>
+        </p:nvSpPr>
+        <p:spPr>
+          <a:xfrm>
+            <a:off x="679508" y="377505"/>
+            <a:ext cx="10771464" cy="923330"/>
+          </a:xfrm>
+          <a:prstGeom prst="rect">
+            <a:avLst/>
+          </a:prstGeom>
+          <a:noFill/>
+        </p:spPr>
+        <p:txBody>
+          <a:bodyPr wrap="square" rtlCol="0">
+            <a:spAutoFit/>
+          </a:bodyPr>
+          <a:lstStyle/>
+          <a:p>
+            <a:pPr algn="ctr"/>
+            <a:r>
+              <a:rPr lang="nl-BE" sz="5400" dirty="0">
+                <a:latin typeface="Headline One" panose="00000400000000000000" pitchFamily="2" charset="0"/>
+                <a:ea typeface="Roboto" panose="02000000000000000000" pitchFamily="2" charset="0"/>
+              </a:rPr>
+              <a:t>Array </a:t>
+            </a:r>
+            <a:r>
+              <a:rPr lang="nl-BE" sz="5400" dirty="0" err="1">
+                <a:latin typeface="Headline One" panose="00000400000000000000" pitchFamily="2" charset="0"/>
+                <a:ea typeface="Roboto" panose="02000000000000000000" pitchFamily="2" charset="0"/>
+              </a:rPr>
+              <a:t>manipulation</a:t>
+            </a:r>
+            <a:endParaRPr lang="nl-BE" sz="5400" dirty="0">
+              <a:latin typeface="Headline One" panose="00000400000000000000" pitchFamily="2" charset="0"/>
+              <a:ea typeface="Roboto" panose="02000000000000000000" pitchFamily="2" charset="0"/>
+            </a:endParaRPr>
+          </a:p>
+        </p:txBody>
+      </p:sp>
+      <p:sp>
+        <p:nvSpPr>
+          <p:cNvPr id="3" name="Tekstvak 2"/>
+          <p:cNvSpPr txBox="1"/>
+          <p:nvPr/>
+        </p:nvSpPr>
+        <p:spPr>
+          <a:xfrm>
+            <a:off x="679508" y="1434517"/>
+            <a:ext cx="10771464" cy="369332"/>
+          </a:xfrm>
+          <a:prstGeom prst="rect">
+            <a:avLst/>
+          </a:prstGeom>
+          <a:noFill/>
+        </p:spPr>
+        <p:txBody>
+          <a:bodyPr wrap="square" rtlCol="0">
+            <a:spAutoFit/>
+          </a:bodyPr>
+          <a:lstStyle/>
+          <a:p>
+            <a:r>
+              <a:rPr lang="nl-BE" dirty="0">
+                <a:latin typeface="Roboto" panose="02000000000000000000" pitchFamily="2" charset="0"/>
+                <a:ea typeface="Roboto" panose="02000000000000000000" pitchFamily="2" charset="0"/>
+              </a:rPr>
+              <a:t>Er zijn een heleboel functies om </a:t>
+            </a:r>
+            <a:r>
+              <a:rPr lang="nl-BE" dirty="0" err="1">
+                <a:latin typeface="Roboto" panose="02000000000000000000" pitchFamily="2" charset="0"/>
+                <a:ea typeface="Roboto" panose="02000000000000000000" pitchFamily="2" charset="0"/>
+              </a:rPr>
+              <a:t>array’s</a:t>
+            </a:r>
+            <a:r>
+              <a:rPr lang="nl-BE" dirty="0">
+                <a:latin typeface="Roboto" panose="02000000000000000000" pitchFamily="2" charset="0"/>
+                <a:ea typeface="Roboto" panose="02000000000000000000" pitchFamily="2" charset="0"/>
+              </a:rPr>
+              <a:t> te manipuleren in vue. </a:t>
+            </a:r>
+          </a:p>
+        </p:txBody>
+      </p:sp>
+      <p:sp>
+        <p:nvSpPr>
+          <p:cNvPr id="4" name="Tekstvak 3"/>
+          <p:cNvSpPr txBox="1"/>
+          <p:nvPr/>
+        </p:nvSpPr>
+        <p:spPr>
+          <a:xfrm>
+            <a:off x="780176" y="2122414"/>
+            <a:ext cx="1879134" cy="2031325"/>
+          </a:xfrm>
+          <a:prstGeom prst="rect">
+            <a:avLst/>
+          </a:prstGeom>
+          <a:noFill/>
+        </p:spPr>
+        <p:txBody>
+          <a:bodyPr wrap="square" rtlCol="0">
+            <a:spAutoFit/>
+          </a:bodyPr>
+          <a:lstStyle/>
+          <a:p>
+            <a:pPr marL="285750" indent="-285750">
+              <a:buFont typeface="Arial" panose="020B0604020202020204" pitchFamily="34" charset="0"/>
+              <a:buChar char="•"/>
+            </a:pPr>
+            <a:r>
+              <a:rPr lang="en-US" dirty="0">
+                <a:latin typeface="Roboto" panose="02000000000000000000" pitchFamily="2" charset="0"/>
+                <a:ea typeface="Roboto" panose="02000000000000000000" pitchFamily="2" charset="0"/>
+              </a:rPr>
+              <a:t>push()</a:t>
+            </a:r>
+          </a:p>
+          <a:p>
+            <a:pPr marL="285750" indent="-285750">
+              <a:buFont typeface="Arial" panose="020B0604020202020204" pitchFamily="34" charset="0"/>
+              <a:buChar char="•"/>
+            </a:pPr>
+            <a:r>
+              <a:rPr lang="en-US" dirty="0">
+                <a:latin typeface="Roboto" panose="02000000000000000000" pitchFamily="2" charset="0"/>
+                <a:ea typeface="Roboto" panose="02000000000000000000" pitchFamily="2" charset="0"/>
+              </a:rPr>
+              <a:t>pop()</a:t>
+            </a:r>
+          </a:p>
+          <a:p>
+            <a:pPr marL="285750" indent="-285750">
+              <a:buFont typeface="Arial" panose="020B0604020202020204" pitchFamily="34" charset="0"/>
+              <a:buChar char="•"/>
+            </a:pPr>
+            <a:r>
+              <a:rPr lang="en-US" dirty="0">
+                <a:latin typeface="Roboto" panose="02000000000000000000" pitchFamily="2" charset="0"/>
+                <a:ea typeface="Roboto" panose="02000000000000000000" pitchFamily="2" charset="0"/>
+              </a:rPr>
+              <a:t>shift()</a:t>
+            </a:r>
+          </a:p>
+          <a:p>
+            <a:pPr marL="285750" indent="-285750">
+              <a:buFont typeface="Arial" panose="020B0604020202020204" pitchFamily="34" charset="0"/>
+              <a:buChar char="•"/>
+            </a:pPr>
+            <a:r>
+              <a:rPr lang="en-US" dirty="0" err="1">
+                <a:latin typeface="Roboto" panose="02000000000000000000" pitchFamily="2" charset="0"/>
+                <a:ea typeface="Roboto" panose="02000000000000000000" pitchFamily="2" charset="0"/>
+              </a:rPr>
+              <a:t>unshift</a:t>
+            </a:r>
+            <a:r>
+              <a:rPr lang="en-US" dirty="0">
+                <a:latin typeface="Roboto" panose="02000000000000000000" pitchFamily="2" charset="0"/>
+                <a:ea typeface="Roboto" panose="02000000000000000000" pitchFamily="2" charset="0"/>
+              </a:rPr>
+              <a:t>()</a:t>
+            </a:r>
+          </a:p>
+          <a:p>
+            <a:pPr marL="285750" indent="-285750">
+              <a:buFont typeface="Arial" panose="020B0604020202020204" pitchFamily="34" charset="0"/>
+              <a:buChar char="•"/>
+            </a:pPr>
+            <a:r>
+              <a:rPr lang="en-US" dirty="0">
+                <a:latin typeface="Roboto" panose="02000000000000000000" pitchFamily="2" charset="0"/>
+                <a:ea typeface="Roboto" panose="02000000000000000000" pitchFamily="2" charset="0"/>
+              </a:rPr>
+              <a:t>splice()</a:t>
+            </a:r>
+          </a:p>
+          <a:p>
+            <a:pPr marL="285750" indent="-285750">
+              <a:buFont typeface="Arial" panose="020B0604020202020204" pitchFamily="34" charset="0"/>
+              <a:buChar char="•"/>
+            </a:pPr>
+            <a:r>
+              <a:rPr lang="en-US" dirty="0">
+                <a:latin typeface="Roboto" panose="02000000000000000000" pitchFamily="2" charset="0"/>
+                <a:ea typeface="Roboto" panose="02000000000000000000" pitchFamily="2" charset="0"/>
+              </a:rPr>
+              <a:t>sort()</a:t>
+            </a:r>
+          </a:p>
+          <a:p>
+            <a:pPr marL="285750" indent="-285750">
+              <a:buFont typeface="Arial" panose="020B0604020202020204" pitchFamily="34" charset="0"/>
+              <a:buChar char="•"/>
+            </a:pPr>
+            <a:r>
+              <a:rPr lang="en-US" dirty="0">
+                <a:latin typeface="Roboto" panose="02000000000000000000" pitchFamily="2" charset="0"/>
+                <a:ea typeface="Roboto" panose="02000000000000000000" pitchFamily="2" charset="0"/>
+              </a:rPr>
+              <a:t>reverse()</a:t>
+            </a:r>
+            <a:endParaRPr lang="nl-BE" dirty="0">
+              <a:latin typeface="Roboto" panose="02000000000000000000" pitchFamily="2" charset="0"/>
+              <a:ea typeface="Roboto" panose="02000000000000000000" pitchFamily="2" charset="0"/>
+            </a:endParaRPr>
+          </a:p>
+        </p:txBody>
+      </p:sp>
+      <p:sp>
+        <p:nvSpPr>
+          <p:cNvPr id="5" name="Tekstvak 4"/>
+          <p:cNvSpPr txBox="1"/>
+          <p:nvPr/>
+        </p:nvSpPr>
+        <p:spPr>
+          <a:xfrm>
+            <a:off x="2894202" y="2231471"/>
+            <a:ext cx="8128932" cy="369332"/>
+          </a:xfrm>
+          <a:prstGeom prst="rect">
+            <a:avLst/>
+          </a:prstGeom>
+          <a:noFill/>
+        </p:spPr>
+        <p:txBody>
+          <a:bodyPr wrap="square" rtlCol="0">
+            <a:spAutoFit/>
+          </a:bodyPr>
+          <a:lstStyle/>
+          <a:p>
+            <a:r>
+              <a:rPr lang="nl-BE" dirty="0">
+                <a:latin typeface="Roboto" panose="02000000000000000000" pitchFamily="2" charset="0"/>
+                <a:ea typeface="Roboto" panose="02000000000000000000" pitchFamily="2" charset="0"/>
+              </a:rPr>
+              <a:t>-&gt; Deze </a:t>
+            </a:r>
+            <a:r>
+              <a:rPr lang="nl-BE" dirty="0" err="1">
+                <a:latin typeface="Roboto" panose="02000000000000000000" pitchFamily="2" charset="0"/>
+                <a:ea typeface="Roboto" panose="02000000000000000000" pitchFamily="2" charset="0"/>
+              </a:rPr>
+              <a:t>fucties</a:t>
+            </a:r>
+            <a:r>
+              <a:rPr lang="nl-BE" dirty="0">
+                <a:latin typeface="Roboto" panose="02000000000000000000" pitchFamily="2" charset="0"/>
+                <a:ea typeface="Roboto" panose="02000000000000000000" pitchFamily="2" charset="0"/>
+              </a:rPr>
+              <a:t> wijzigen de array zelf die is meegegeven.</a:t>
+            </a:r>
+          </a:p>
+        </p:txBody>
+      </p:sp>
+      <p:sp>
+        <p:nvSpPr>
+          <p:cNvPr id="6" name="Tekstvak 5"/>
+          <p:cNvSpPr txBox="1"/>
+          <p:nvPr/>
+        </p:nvSpPr>
+        <p:spPr>
+          <a:xfrm>
+            <a:off x="780176" y="4447137"/>
+            <a:ext cx="1551963" cy="923330"/>
+          </a:xfrm>
+          <a:prstGeom prst="rect">
+            <a:avLst/>
+          </a:prstGeom>
+          <a:noFill/>
+        </p:spPr>
+        <p:txBody>
+          <a:bodyPr wrap="square" rtlCol="0">
+            <a:spAutoFit/>
+          </a:bodyPr>
+          <a:lstStyle/>
+          <a:p>
+            <a:pPr marL="285750" indent="-285750">
+              <a:buFont typeface="Arial" panose="020B0604020202020204" pitchFamily="34" charset="0"/>
+              <a:buChar char="•"/>
+            </a:pPr>
+            <a:r>
+              <a:rPr lang="nl-BE" dirty="0">
+                <a:latin typeface="Roboto" panose="02000000000000000000" pitchFamily="2" charset="0"/>
+                <a:ea typeface="Roboto" panose="02000000000000000000" pitchFamily="2" charset="0"/>
+              </a:rPr>
+              <a:t>filter()</a:t>
+            </a:r>
+          </a:p>
+          <a:p>
+            <a:pPr marL="285750" indent="-285750">
+              <a:buFont typeface="Arial" panose="020B0604020202020204" pitchFamily="34" charset="0"/>
+              <a:buChar char="•"/>
+            </a:pPr>
+            <a:r>
+              <a:rPr lang="nl-BE" dirty="0" err="1">
+                <a:latin typeface="Roboto" panose="02000000000000000000" pitchFamily="2" charset="0"/>
+                <a:ea typeface="Roboto" panose="02000000000000000000" pitchFamily="2" charset="0"/>
+              </a:rPr>
+              <a:t>concat</a:t>
+            </a:r>
+            <a:r>
+              <a:rPr lang="nl-BE" dirty="0">
+                <a:latin typeface="Roboto" panose="02000000000000000000" pitchFamily="2" charset="0"/>
+                <a:ea typeface="Roboto" panose="02000000000000000000" pitchFamily="2" charset="0"/>
+              </a:rPr>
+              <a:t>()</a:t>
+            </a:r>
+          </a:p>
+          <a:p>
+            <a:pPr marL="285750" indent="-285750">
+              <a:buFont typeface="Arial" panose="020B0604020202020204" pitchFamily="34" charset="0"/>
+              <a:buChar char="•"/>
+            </a:pPr>
+            <a:r>
+              <a:rPr lang="nl-BE" dirty="0">
+                <a:latin typeface="Roboto" panose="02000000000000000000" pitchFamily="2" charset="0"/>
+                <a:ea typeface="Roboto" panose="02000000000000000000" pitchFamily="2" charset="0"/>
+              </a:rPr>
+              <a:t>slice()</a:t>
+            </a:r>
+          </a:p>
+        </p:txBody>
+      </p:sp>
+      <p:sp>
+        <p:nvSpPr>
+          <p:cNvPr id="7" name="Tekstvak 6"/>
+          <p:cNvSpPr txBox="1"/>
+          <p:nvPr/>
+        </p:nvSpPr>
+        <p:spPr>
+          <a:xfrm>
+            <a:off x="3003259" y="4572000"/>
+            <a:ext cx="6451134" cy="369332"/>
+          </a:xfrm>
+          <a:prstGeom prst="rect">
+            <a:avLst/>
+          </a:prstGeom>
+          <a:noFill/>
+        </p:spPr>
+        <p:txBody>
+          <a:bodyPr wrap="square" rtlCol="0">
+            <a:spAutoFit/>
+          </a:bodyPr>
+          <a:lstStyle/>
+          <a:p>
+            <a:r>
+              <a:rPr lang="nl-BE" dirty="0"/>
+              <a:t>-&gt; deze functie creëren een nieuwe gewijzigde array.</a:t>
+            </a:r>
+          </a:p>
+        </p:txBody>
+      </p:sp>
+      <p:pic>
+        <p:nvPicPr>
+          <p:cNvPr id="8" name="Afbeelding 7"/>
+          <p:cNvPicPr>
+            <a:picLocks noChangeAspect="1"/>
+          </p:cNvPicPr>
+          <p:nvPr/>
+        </p:nvPicPr>
+        <p:blipFill>
+          <a:blip r:embed="rId2"/>
+          <a:stretch>
+            <a:fillRect/>
+          </a:stretch>
+        </p:blipFill>
+        <p:spPr>
+          <a:xfrm>
+            <a:off x="3112314" y="5813715"/>
+            <a:ext cx="3295650" cy="371475"/>
+          </a:xfrm>
+          <a:prstGeom prst="rect">
+            <a:avLst/>
+          </a:prstGeom>
+        </p:spPr>
+      </p:pic>
+      <p:sp>
+        <p:nvSpPr>
+          <p:cNvPr id="9" name="Tekstvak 8"/>
+          <p:cNvSpPr txBox="1"/>
+          <p:nvPr/>
+        </p:nvSpPr>
+        <p:spPr>
+          <a:xfrm>
+            <a:off x="855677" y="5815858"/>
+            <a:ext cx="1887523" cy="369332"/>
+          </a:xfrm>
+          <a:prstGeom prst="rect">
+            <a:avLst/>
+          </a:prstGeom>
+          <a:noFill/>
+        </p:spPr>
+        <p:txBody>
+          <a:bodyPr wrap="square" rtlCol="0">
+            <a:spAutoFit/>
+          </a:bodyPr>
+          <a:lstStyle/>
+          <a:p>
+            <a:r>
+              <a:rPr lang="nl-BE" dirty="0">
+                <a:latin typeface="Roboto" panose="02000000000000000000" pitchFamily="2" charset="0"/>
+                <a:ea typeface="Roboto" panose="02000000000000000000" pitchFamily="2" charset="0"/>
+              </a:rPr>
+              <a:t>Gebruik  -&gt;</a:t>
+            </a:r>
+          </a:p>
+        </p:txBody>
+      </p:sp>
+    </p:spTree>
+    <p:extLst>
+      <p:ext uri="{BB962C8B-B14F-4D97-AF65-F5344CB8AC3E}">
+        <p14:creationId xmlns:p14="http://schemas.microsoft.com/office/powerpoint/2010/main" val="723848845"/>
+      </p:ext>
+    </p:extLst>
+  </p:cSld>
+  <p:clrMapOvr>
+    <a:masterClrMapping/>
+  </p:clrMapOvr>
+</p:sld>
+</file>
+
+<file path=ppt/slides/slide21.xml><?xml version="1.0" encoding="utf-8"?>
+<p:sld xmlns:a="http://schemas.openxmlformats.org/drawingml/2006/main" xmlns:r="http://schemas.openxmlformats.org/officeDocument/2006/relationships" xmlns:p="http://schemas.openxmlformats.org/presentationml/2006/main">
+  <p:cSld>
+    <p:spTree>
+      <p:nvGrpSpPr>
+        <p:cNvPr id="1" name=""/>
+        <p:cNvGrpSpPr/>
+        <p:nvPr/>
+      </p:nvGrpSpPr>
+      <p:grpSpPr>
+        <a:xfrm>
+          <a:off x="0" y="0"/>
+          <a:ext cx="0" cy="0"/>
+          <a:chOff x="0" y="0"/>
+          <a:chExt cx="0" cy="0"/>
+        </a:xfrm>
+      </p:grpSpPr>
+      <p:sp>
+        <p:nvSpPr>
+          <p:cNvPr id="2" name="Tekstvak 1"/>
+          <p:cNvSpPr txBox="1"/>
+          <p:nvPr/>
+        </p:nvSpPr>
+        <p:spPr>
+          <a:xfrm>
+            <a:off x="629174" y="329425"/>
+            <a:ext cx="10897299" cy="646331"/>
+          </a:xfrm>
+          <a:prstGeom prst="rect">
+            <a:avLst/>
+          </a:prstGeom>
+          <a:noFill/>
+        </p:spPr>
+        <p:txBody>
+          <a:bodyPr wrap="square" rtlCol="0">
+            <a:spAutoFit/>
+          </a:bodyPr>
+          <a:lstStyle/>
+          <a:p>
+            <a:r>
+              <a:rPr lang="nl-BE" sz="3600" dirty="0">
+                <a:latin typeface="Headline One" panose="00000400000000000000" pitchFamily="2" charset="0"/>
+              </a:rPr>
+              <a:t>uitzonderingen</a:t>
+            </a:r>
+          </a:p>
+        </p:txBody>
+      </p:sp>
+      <p:sp>
+        <p:nvSpPr>
+          <p:cNvPr id="3" name="Tekstvak 2"/>
+          <p:cNvSpPr txBox="1"/>
+          <p:nvPr/>
+        </p:nvSpPr>
+        <p:spPr>
+          <a:xfrm>
+            <a:off x="629174" y="1361789"/>
+            <a:ext cx="10595296" cy="369332"/>
+          </a:xfrm>
+          <a:prstGeom prst="rect">
+            <a:avLst/>
+          </a:prstGeom>
+          <a:noFill/>
+        </p:spPr>
+        <p:txBody>
+          <a:bodyPr wrap="square" rtlCol="0">
+            <a:spAutoFit/>
+          </a:bodyPr>
+          <a:lstStyle/>
+          <a:p>
+            <a:r>
+              <a:rPr lang="nl-BE" dirty="0">
+                <a:latin typeface="Roboto" panose="02000000000000000000" pitchFamily="2" charset="0"/>
+                <a:ea typeface="Roboto" panose="02000000000000000000" pitchFamily="2" charset="0"/>
+              </a:rPr>
+              <a:t>Er zijn een paar zaken die niet werken maar wel logisch lijken. </a:t>
+            </a:r>
+          </a:p>
+        </p:txBody>
+      </p:sp>
+      <p:pic>
+        <p:nvPicPr>
+          <p:cNvPr id="4" name="Afbeelding 3"/>
+          <p:cNvPicPr>
+            <a:picLocks noChangeAspect="1"/>
+          </p:cNvPicPr>
+          <p:nvPr/>
+        </p:nvPicPr>
+        <p:blipFill>
+          <a:blip r:embed="rId2"/>
+          <a:stretch>
+            <a:fillRect/>
+          </a:stretch>
+        </p:blipFill>
+        <p:spPr>
+          <a:xfrm>
+            <a:off x="715736" y="2305633"/>
+            <a:ext cx="2400300" cy="361950"/>
+          </a:xfrm>
+          <a:prstGeom prst="rect">
+            <a:avLst/>
+          </a:prstGeom>
+        </p:spPr>
+      </p:pic>
+      <p:sp>
+        <p:nvSpPr>
+          <p:cNvPr id="5" name="Tekstvak 4"/>
+          <p:cNvSpPr txBox="1"/>
+          <p:nvPr/>
+        </p:nvSpPr>
+        <p:spPr>
+          <a:xfrm>
+            <a:off x="629174" y="1856857"/>
+            <a:ext cx="7333861" cy="369332"/>
+          </a:xfrm>
+          <a:prstGeom prst="rect">
+            <a:avLst/>
+          </a:prstGeom>
+          <a:noFill/>
+        </p:spPr>
+        <p:txBody>
+          <a:bodyPr wrap="square" rtlCol="0">
+            <a:spAutoFit/>
+          </a:bodyPr>
+          <a:lstStyle/>
+          <a:p>
+            <a:r>
+              <a:rPr lang="nl-BE" dirty="0">
+                <a:latin typeface="Roboto" panose="02000000000000000000" pitchFamily="2" charset="0"/>
+                <a:ea typeface="Roboto" panose="02000000000000000000" pitchFamily="2" charset="0"/>
+              </a:rPr>
+              <a:t>Dit zal niet lukken. </a:t>
+            </a:r>
+          </a:p>
+        </p:txBody>
+      </p:sp>
+      <p:pic>
+        <p:nvPicPr>
+          <p:cNvPr id="6" name="Afbeelding 5"/>
+          <p:cNvPicPr>
+            <a:picLocks noChangeAspect="1"/>
+          </p:cNvPicPr>
+          <p:nvPr/>
+        </p:nvPicPr>
+        <p:blipFill>
+          <a:blip r:embed="rId3"/>
+          <a:stretch>
+            <a:fillRect/>
+          </a:stretch>
+        </p:blipFill>
+        <p:spPr>
+          <a:xfrm>
+            <a:off x="715736" y="3425598"/>
+            <a:ext cx="3695700" cy="790575"/>
+          </a:xfrm>
+          <a:prstGeom prst="rect">
+            <a:avLst/>
+          </a:prstGeom>
+        </p:spPr>
+      </p:pic>
+      <p:sp>
+        <p:nvSpPr>
+          <p:cNvPr id="8" name="Rechthoek 7"/>
+          <p:cNvSpPr/>
+          <p:nvPr/>
+        </p:nvSpPr>
+        <p:spPr>
+          <a:xfrm>
+            <a:off x="629174" y="2861924"/>
+            <a:ext cx="3615092" cy="369332"/>
+          </a:xfrm>
+          <a:prstGeom prst="rect">
+            <a:avLst/>
+          </a:prstGeom>
+        </p:spPr>
+        <p:txBody>
+          <a:bodyPr wrap="none">
+            <a:spAutoFit/>
+          </a:bodyPr>
+          <a:lstStyle/>
+          <a:p>
+            <a:r>
+              <a:rPr lang="nl-BE" dirty="0">
+                <a:latin typeface="Roboto" panose="02000000000000000000" pitchFamily="2" charset="0"/>
+                <a:ea typeface="Roboto" panose="02000000000000000000" pitchFamily="2" charset="0"/>
+              </a:rPr>
+              <a:t>Hier zijn wel 2 alternatieven voor.</a:t>
+            </a:r>
+            <a:endParaRPr lang="nl-BE" dirty="0"/>
+          </a:p>
+        </p:txBody>
+      </p:sp>
+      <p:sp>
+        <p:nvSpPr>
+          <p:cNvPr id="9" name="Tekstvak 8"/>
+          <p:cNvSpPr txBox="1"/>
+          <p:nvPr/>
+        </p:nvSpPr>
+        <p:spPr>
+          <a:xfrm>
+            <a:off x="715736" y="4731391"/>
+            <a:ext cx="2318583" cy="369332"/>
+          </a:xfrm>
+          <a:prstGeom prst="rect">
+            <a:avLst/>
+          </a:prstGeom>
+          <a:noFill/>
+        </p:spPr>
+        <p:txBody>
+          <a:bodyPr wrap="none" rtlCol="0">
+            <a:spAutoFit/>
+          </a:bodyPr>
+          <a:lstStyle/>
+          <a:p>
+            <a:r>
+              <a:rPr lang="nl-BE" dirty="0"/>
+              <a:t>Ook dit zal niet lukken:</a:t>
+            </a:r>
+          </a:p>
+        </p:txBody>
+      </p:sp>
+      <p:pic>
+        <p:nvPicPr>
+          <p:cNvPr id="10" name="Afbeelding 9"/>
+          <p:cNvPicPr>
+            <a:picLocks noChangeAspect="1"/>
+          </p:cNvPicPr>
+          <p:nvPr/>
+        </p:nvPicPr>
+        <p:blipFill>
+          <a:blip r:embed="rId4"/>
+          <a:stretch>
+            <a:fillRect/>
+          </a:stretch>
+        </p:blipFill>
+        <p:spPr>
+          <a:xfrm>
+            <a:off x="715736" y="5265797"/>
+            <a:ext cx="2609850" cy="381000"/>
+          </a:xfrm>
+          <a:prstGeom prst="rect">
+            <a:avLst/>
+          </a:prstGeom>
+        </p:spPr>
+      </p:pic>
+      <p:sp>
+        <p:nvSpPr>
+          <p:cNvPr id="11" name="Tekstvak 10"/>
+          <p:cNvSpPr txBox="1"/>
+          <p:nvPr/>
+        </p:nvSpPr>
+        <p:spPr>
+          <a:xfrm>
+            <a:off x="715736" y="5811871"/>
+            <a:ext cx="4527137" cy="369332"/>
+          </a:xfrm>
+          <a:prstGeom prst="rect">
+            <a:avLst/>
+          </a:prstGeom>
+          <a:noFill/>
+        </p:spPr>
+        <p:txBody>
+          <a:bodyPr wrap="none" rtlCol="0">
+            <a:spAutoFit/>
+          </a:bodyPr>
+          <a:lstStyle/>
+          <a:p>
+            <a:r>
+              <a:rPr lang="nl-BE" dirty="0"/>
+              <a:t>Maar ook dit kan je oplossen door dit te doen:</a:t>
+            </a:r>
+          </a:p>
+        </p:txBody>
+      </p:sp>
+      <p:pic>
+        <p:nvPicPr>
+          <p:cNvPr id="12" name="Afbeelding 11"/>
+          <p:cNvPicPr>
+            <a:picLocks noChangeAspect="1"/>
+          </p:cNvPicPr>
+          <p:nvPr/>
+        </p:nvPicPr>
+        <p:blipFill>
+          <a:blip r:embed="rId5"/>
+          <a:stretch>
+            <a:fillRect/>
+          </a:stretch>
+        </p:blipFill>
+        <p:spPr>
+          <a:xfrm>
+            <a:off x="715736" y="6346277"/>
+            <a:ext cx="3171825" cy="400050"/>
+          </a:xfrm>
+          <a:prstGeom prst="rect">
+            <a:avLst/>
+          </a:prstGeom>
+        </p:spPr>
+      </p:pic>
+    </p:spTree>
+    <p:extLst>
+      <p:ext uri="{BB962C8B-B14F-4D97-AF65-F5344CB8AC3E}">
+        <p14:creationId xmlns:p14="http://schemas.microsoft.com/office/powerpoint/2010/main" val="4091630342"/>
+      </p:ext>
+    </p:extLst>
+  </p:cSld>
+  <p:clrMapOvr>
+    <a:masterClrMapping/>
+  </p:clrMapOvr>
+</p:sld>
+</file>
+
+<file path=ppt/slides/slide22.xml><?xml version="1.0" encoding="utf-8"?>
+<p:sld xmlns:a="http://schemas.openxmlformats.org/drawingml/2006/main" xmlns:r="http://schemas.openxmlformats.org/officeDocument/2006/relationships" xmlns:p="http://schemas.openxmlformats.org/presentationml/2006/main">
+  <p:cSld>
+    <p:spTree>
+      <p:nvGrpSpPr>
+        <p:cNvPr id="1" name=""/>
+        <p:cNvGrpSpPr/>
+        <p:nvPr/>
+      </p:nvGrpSpPr>
+      <p:grpSpPr>
+        <a:xfrm>
+          <a:off x="0" y="0"/>
+          <a:ext cx="0" cy="0"/>
+          <a:chOff x="0" y="0"/>
+          <a:chExt cx="0" cy="0"/>
+        </a:xfrm>
+      </p:grpSpPr>
+      <p:sp>
+        <p:nvSpPr>
+          <p:cNvPr id="2" name="Tekstvak 1"/>
+          <p:cNvSpPr txBox="1"/>
+          <p:nvPr/>
+        </p:nvSpPr>
+        <p:spPr>
+          <a:xfrm>
+            <a:off x="570451" y="436228"/>
+            <a:ext cx="11333527" cy="646331"/>
+          </a:xfrm>
+          <a:prstGeom prst="rect">
+            <a:avLst/>
+          </a:prstGeom>
+          <a:noFill/>
+        </p:spPr>
+        <p:txBody>
+          <a:bodyPr wrap="square" rtlCol="0">
+            <a:spAutoFit/>
+          </a:bodyPr>
+          <a:lstStyle/>
+          <a:p>
+            <a:r>
+              <a:rPr lang="nl-BE" sz="3600" dirty="0">
+                <a:latin typeface="Headline One" panose="00000400000000000000" pitchFamily="2" charset="0"/>
+              </a:rPr>
+              <a:t>Arrays filteren</a:t>
+            </a:r>
+          </a:p>
+        </p:txBody>
+      </p:sp>
+      <p:sp>
+        <p:nvSpPr>
+          <p:cNvPr id="3" name="Tekstvak 2"/>
+          <p:cNvSpPr txBox="1"/>
+          <p:nvPr/>
+        </p:nvSpPr>
+        <p:spPr>
+          <a:xfrm>
+            <a:off x="713064" y="1518407"/>
+            <a:ext cx="10788242" cy="646331"/>
+          </a:xfrm>
+          <a:prstGeom prst="rect">
+            <a:avLst/>
+          </a:prstGeom>
+          <a:noFill/>
+        </p:spPr>
+        <p:txBody>
+          <a:bodyPr wrap="square" rtlCol="0">
+            <a:spAutoFit/>
+          </a:bodyPr>
+          <a:lstStyle/>
+          <a:p>
+            <a:r>
+              <a:rPr lang="nl-BE" dirty="0">
+                <a:latin typeface="Roboto" panose="02000000000000000000" pitchFamily="2" charset="0"/>
+                <a:ea typeface="Roboto" panose="02000000000000000000" pitchFamily="2" charset="0"/>
+              </a:rPr>
+              <a:t>Je kan arrays ook makkelijk filteren met vue. Al zijn hier niet echt vue specifieke functie voor is er wel een makkelijke manier met </a:t>
+            </a:r>
+            <a:r>
+              <a:rPr lang="nl-BE" dirty="0" err="1">
+                <a:latin typeface="Roboto" panose="02000000000000000000" pitchFamily="2" charset="0"/>
+                <a:ea typeface="Roboto" panose="02000000000000000000" pitchFamily="2" charset="0"/>
+              </a:rPr>
+              <a:t>computed</a:t>
+            </a:r>
+            <a:r>
+              <a:rPr lang="nl-BE" dirty="0">
+                <a:latin typeface="Roboto" panose="02000000000000000000" pitchFamily="2" charset="0"/>
+                <a:ea typeface="Roboto" panose="02000000000000000000" pitchFamily="2" charset="0"/>
+              </a:rPr>
+              <a:t> </a:t>
+            </a:r>
+            <a:r>
+              <a:rPr lang="nl-BE" dirty="0" err="1">
+                <a:latin typeface="Roboto" panose="02000000000000000000" pitchFamily="2" charset="0"/>
+                <a:ea typeface="Roboto" panose="02000000000000000000" pitchFamily="2" charset="0"/>
+              </a:rPr>
+              <a:t>properties</a:t>
+            </a:r>
+            <a:r>
+              <a:rPr lang="nl-BE" dirty="0">
+                <a:latin typeface="Roboto" panose="02000000000000000000" pitchFamily="2" charset="0"/>
+                <a:ea typeface="Roboto" panose="02000000000000000000" pitchFamily="2" charset="0"/>
+              </a:rPr>
+              <a:t>:</a:t>
+            </a:r>
+          </a:p>
+        </p:txBody>
+      </p:sp>
+      <p:pic>
+        <p:nvPicPr>
+          <p:cNvPr id="4" name="Afbeelding 3"/>
+          <p:cNvPicPr>
+            <a:picLocks noChangeAspect="1"/>
+          </p:cNvPicPr>
+          <p:nvPr/>
+        </p:nvPicPr>
+        <p:blipFill>
+          <a:blip r:embed="rId2"/>
+          <a:stretch>
+            <a:fillRect/>
+          </a:stretch>
+        </p:blipFill>
+        <p:spPr>
+          <a:xfrm>
+            <a:off x="570451" y="2600586"/>
+            <a:ext cx="4219575" cy="2047875"/>
+          </a:xfrm>
+          <a:prstGeom prst="rect">
+            <a:avLst/>
+          </a:prstGeom>
+        </p:spPr>
+      </p:pic>
+      <p:pic>
+        <p:nvPicPr>
+          <p:cNvPr id="5" name="Afbeelding 4"/>
+          <p:cNvPicPr>
+            <a:picLocks noChangeAspect="1"/>
+          </p:cNvPicPr>
+          <p:nvPr/>
+        </p:nvPicPr>
+        <p:blipFill>
+          <a:blip r:embed="rId3"/>
+          <a:stretch>
+            <a:fillRect/>
+          </a:stretch>
+        </p:blipFill>
+        <p:spPr>
+          <a:xfrm>
+            <a:off x="6406339" y="2600586"/>
+            <a:ext cx="3876675" cy="323850"/>
+          </a:xfrm>
+          <a:prstGeom prst="rect">
+            <a:avLst/>
+          </a:prstGeom>
+        </p:spPr>
+      </p:pic>
+    </p:spTree>
+    <p:extLst>
+      <p:ext uri="{BB962C8B-B14F-4D97-AF65-F5344CB8AC3E}">
+        <p14:creationId xmlns:p14="http://schemas.microsoft.com/office/powerpoint/2010/main" val="2599178677"/>
+      </p:ext>
+    </p:extLst>
+  </p:cSld>
+  <p:clrMapOvr>
+    <a:masterClrMapping/>
+  </p:clrMapOvr>
+</p:sld>
+</file>
+
+<file path=ppt/slides/slide23.xml><?xml version="1.0" encoding="utf-8"?>
+<p:sld xmlns:a="http://schemas.openxmlformats.org/drawingml/2006/main" xmlns:r="http://schemas.openxmlformats.org/officeDocument/2006/relationships" xmlns:p="http://schemas.openxmlformats.org/presentationml/2006/main">
+  <p:cSld>
+    <p:spTree>
+      <p:nvGrpSpPr>
+        <p:cNvPr id="1" name=""/>
+        <p:cNvGrpSpPr/>
+        <p:nvPr/>
+      </p:nvGrpSpPr>
+      <p:grpSpPr>
+        <a:xfrm>
+          <a:off x="0" y="0"/>
+          <a:ext cx="0" cy="0"/>
+          <a:chOff x="0" y="0"/>
+          <a:chExt cx="0" cy="0"/>
+        </a:xfrm>
+      </p:grpSpPr>
+      <p:sp>
+        <p:nvSpPr>
+          <p:cNvPr id="2" name="Tekstvak 1"/>
+          <p:cNvSpPr txBox="1"/>
+          <p:nvPr/>
+        </p:nvSpPr>
+        <p:spPr>
+          <a:xfrm>
+            <a:off x="587229" y="369116"/>
+            <a:ext cx="10997967" cy="923330"/>
+          </a:xfrm>
+          <a:prstGeom prst="rect">
+            <a:avLst/>
+          </a:prstGeom>
+          <a:noFill/>
+        </p:spPr>
+        <p:txBody>
+          <a:bodyPr wrap="square" rtlCol="0">
+            <a:spAutoFit/>
+          </a:bodyPr>
+          <a:lstStyle/>
+          <a:p>
+            <a:pPr algn="ctr"/>
+            <a:r>
+              <a:rPr lang="nl-BE" sz="5400" dirty="0">
+                <a:latin typeface="Headline One" panose="00000400000000000000" pitchFamily="2" charset="0"/>
+              </a:rPr>
+              <a:t>Event handling</a:t>
+            </a:r>
+          </a:p>
+        </p:txBody>
+      </p:sp>
+      <p:sp>
+        <p:nvSpPr>
+          <p:cNvPr id="3" name="Tekstvak 2"/>
+          <p:cNvSpPr txBox="1"/>
+          <p:nvPr/>
+        </p:nvSpPr>
+        <p:spPr>
+          <a:xfrm>
+            <a:off x="444617" y="1442906"/>
+            <a:ext cx="11308359" cy="646331"/>
+          </a:xfrm>
+          <a:prstGeom prst="rect">
+            <a:avLst/>
+          </a:prstGeom>
+          <a:noFill/>
+        </p:spPr>
+        <p:txBody>
+          <a:bodyPr wrap="square" rtlCol="0">
+            <a:spAutoFit/>
+          </a:bodyPr>
+          <a:lstStyle/>
+          <a:p>
+            <a:r>
+              <a:rPr lang="nl-BE" dirty="0">
+                <a:latin typeface="Roboto" panose="02000000000000000000" pitchFamily="2" charset="0"/>
+                <a:ea typeface="Roboto" panose="02000000000000000000" pitchFamily="2" charset="0"/>
+              </a:rPr>
+              <a:t>Bij event handling is v-on het meest </a:t>
+            </a:r>
+            <a:r>
+              <a:rPr lang="nl-BE" dirty="0" err="1">
+                <a:latin typeface="Roboto" panose="02000000000000000000" pitchFamily="2" charset="0"/>
+                <a:ea typeface="Roboto" panose="02000000000000000000" pitchFamily="2" charset="0"/>
+              </a:rPr>
+              <a:t>gebruike</a:t>
+            </a:r>
+            <a:r>
+              <a:rPr lang="nl-BE" dirty="0">
+                <a:latin typeface="Roboto" panose="02000000000000000000" pitchFamily="2" charset="0"/>
+                <a:ea typeface="Roboto" panose="02000000000000000000" pitchFamily="2" charset="0"/>
+              </a:rPr>
+              <a:t> attribuut. Hier kan zowel een methode als een expressie achter zitten:</a:t>
+            </a:r>
+          </a:p>
+        </p:txBody>
+      </p:sp>
+      <p:pic>
+        <p:nvPicPr>
+          <p:cNvPr id="5" name="Afbeelding 4"/>
+          <p:cNvPicPr>
+            <a:picLocks noChangeAspect="1"/>
+          </p:cNvPicPr>
+          <p:nvPr/>
+        </p:nvPicPr>
+        <p:blipFill>
+          <a:blip r:embed="rId2"/>
+          <a:stretch>
+            <a:fillRect/>
+          </a:stretch>
+        </p:blipFill>
+        <p:spPr>
+          <a:xfrm>
+            <a:off x="587229" y="2420180"/>
+            <a:ext cx="4162425" cy="809625"/>
+          </a:xfrm>
+          <a:prstGeom prst="rect">
+            <a:avLst/>
+          </a:prstGeom>
+        </p:spPr>
+      </p:pic>
+      <p:pic>
+        <p:nvPicPr>
+          <p:cNvPr id="6" name="Afbeelding 5"/>
+          <p:cNvPicPr>
+            <a:picLocks noChangeAspect="1"/>
+          </p:cNvPicPr>
+          <p:nvPr/>
+        </p:nvPicPr>
+        <p:blipFill>
+          <a:blip r:embed="rId3"/>
+          <a:stretch>
+            <a:fillRect/>
+          </a:stretch>
+        </p:blipFill>
+        <p:spPr>
+          <a:xfrm>
+            <a:off x="587229" y="4422920"/>
+            <a:ext cx="4638675" cy="495300"/>
+          </a:xfrm>
+          <a:prstGeom prst="rect">
+            <a:avLst/>
+          </a:prstGeom>
+        </p:spPr>
+      </p:pic>
+      <p:sp>
+        <p:nvSpPr>
+          <p:cNvPr id="7" name="Tekstvak 6"/>
+          <p:cNvSpPr txBox="1"/>
+          <p:nvPr/>
+        </p:nvSpPr>
+        <p:spPr>
+          <a:xfrm>
+            <a:off x="444617" y="3718580"/>
+            <a:ext cx="6062878" cy="369332"/>
+          </a:xfrm>
+          <a:prstGeom prst="rect">
+            <a:avLst/>
+          </a:prstGeom>
+          <a:noFill/>
+        </p:spPr>
+        <p:txBody>
+          <a:bodyPr wrap="none" rtlCol="0">
+            <a:spAutoFit/>
+          </a:bodyPr>
+          <a:lstStyle/>
+          <a:p>
+            <a:r>
+              <a:rPr lang="nl-BE" dirty="0">
+                <a:latin typeface="Roboto" panose="02000000000000000000" pitchFamily="2" charset="0"/>
+                <a:ea typeface="Roboto" panose="02000000000000000000" pitchFamily="2" charset="0"/>
+              </a:rPr>
+              <a:t>Wil je het event meegeven ? Geen probleem doe gewoon.</a:t>
+            </a:r>
+          </a:p>
+        </p:txBody>
+      </p:sp>
+      <p:pic>
+        <p:nvPicPr>
+          <p:cNvPr id="8" name="Afbeelding 7"/>
+          <p:cNvPicPr>
+            <a:picLocks noChangeAspect="1"/>
+          </p:cNvPicPr>
+          <p:nvPr/>
+        </p:nvPicPr>
+        <p:blipFill>
+          <a:blip r:embed="rId4"/>
+          <a:stretch>
+            <a:fillRect/>
+          </a:stretch>
+        </p:blipFill>
+        <p:spPr>
+          <a:xfrm>
+            <a:off x="587229" y="5752792"/>
+            <a:ext cx="2800350" cy="1038225"/>
+          </a:xfrm>
+          <a:prstGeom prst="rect">
+            <a:avLst/>
+          </a:prstGeom>
+        </p:spPr>
+      </p:pic>
+      <p:sp>
+        <p:nvSpPr>
+          <p:cNvPr id="10" name="Tekstvak 9"/>
+          <p:cNvSpPr txBox="1"/>
+          <p:nvPr/>
+        </p:nvSpPr>
+        <p:spPr>
+          <a:xfrm>
+            <a:off x="444617" y="5150840"/>
+            <a:ext cx="3661900" cy="369332"/>
+          </a:xfrm>
+          <a:prstGeom prst="rect">
+            <a:avLst/>
+          </a:prstGeom>
+          <a:noFill/>
+        </p:spPr>
+        <p:txBody>
+          <a:bodyPr wrap="none" rtlCol="0">
+            <a:spAutoFit/>
+          </a:bodyPr>
+          <a:lstStyle/>
+          <a:p>
+            <a:r>
+              <a:rPr lang="nl-BE" dirty="0"/>
+              <a:t>En dan kan je bijvoorbeeld die doen :</a:t>
+            </a:r>
+          </a:p>
+        </p:txBody>
+      </p:sp>
+    </p:spTree>
+    <p:extLst>
+      <p:ext uri="{BB962C8B-B14F-4D97-AF65-F5344CB8AC3E}">
+        <p14:creationId xmlns:p14="http://schemas.microsoft.com/office/powerpoint/2010/main" val="4286937002"/>
+      </p:ext>
+    </p:extLst>
+  </p:cSld>
+  <p:clrMapOvr>
+    <a:masterClrMapping/>
+  </p:clrMapOvr>
+</p:sld>
+</file>
+
+<file path=ppt/slides/slide24.xml><?xml version="1.0" encoding="utf-8"?>
+<p:sld xmlns:a="http://schemas.openxmlformats.org/drawingml/2006/main" xmlns:r="http://schemas.openxmlformats.org/officeDocument/2006/relationships" xmlns:p="http://schemas.openxmlformats.org/presentationml/2006/main">
+  <p:cSld>
+    <p:spTree>
+      <p:nvGrpSpPr>
+        <p:cNvPr id="1" name=""/>
+        <p:cNvGrpSpPr/>
+        <p:nvPr/>
+      </p:nvGrpSpPr>
+      <p:grpSpPr>
+        <a:xfrm>
+          <a:off x="0" y="0"/>
+          <a:ext cx="0" cy="0"/>
+          <a:chOff x="0" y="0"/>
+          <a:chExt cx="0" cy="0"/>
+        </a:xfrm>
+      </p:grpSpPr>
+      <p:sp>
+        <p:nvSpPr>
+          <p:cNvPr id="2" name="Tekstvak 1"/>
+          <p:cNvSpPr txBox="1"/>
+          <p:nvPr/>
+        </p:nvSpPr>
+        <p:spPr>
+          <a:xfrm>
+            <a:off x="671119" y="520117"/>
+            <a:ext cx="10771464" cy="5078313"/>
+          </a:xfrm>
+          <a:prstGeom prst="rect">
+            <a:avLst/>
+          </a:prstGeom>
+          <a:noFill/>
+        </p:spPr>
+        <p:txBody>
+          <a:bodyPr wrap="square" rtlCol="0">
+            <a:spAutoFit/>
+          </a:bodyPr>
+          <a:lstStyle/>
+          <a:p>
+            <a:r>
+              <a:rPr lang="nl-BE" dirty="0"/>
+              <a:t>Het is beter om de </a:t>
+            </a:r>
+            <a:r>
+              <a:rPr lang="nl-BE" dirty="0" err="1"/>
+              <a:t>preventdefault</a:t>
+            </a:r>
+            <a:r>
+              <a:rPr lang="nl-BE" dirty="0"/>
+              <a:t> in de html te zetten en de </a:t>
+            </a:r>
+            <a:r>
+              <a:rPr lang="nl-BE" dirty="0" err="1"/>
+              <a:t>js</a:t>
+            </a:r>
+            <a:r>
+              <a:rPr lang="nl-BE" dirty="0"/>
+              <a:t> op pure logica te houden</a:t>
+            </a:r>
+          </a:p>
+          <a:p>
+            <a:r>
+              <a:rPr lang="nl-BE" dirty="0"/>
+              <a:t>Vue heeft een aantal </a:t>
+            </a:r>
+            <a:r>
+              <a:rPr lang="nl-BE" b="1" dirty="0"/>
+              <a:t>event </a:t>
+            </a:r>
+            <a:r>
+              <a:rPr lang="nl-BE" b="1" dirty="0" err="1"/>
+              <a:t>modifiers</a:t>
+            </a:r>
+            <a:r>
+              <a:rPr lang="nl-BE" b="1" dirty="0"/>
+              <a:t> </a:t>
+            </a:r>
+            <a:r>
+              <a:rPr lang="nl-BE" dirty="0"/>
+              <a:t>om dit te doen, ze worden aangetoond met een punt.</a:t>
+            </a:r>
+          </a:p>
+          <a:p>
+            <a:endParaRPr lang="nl-BE" dirty="0"/>
+          </a:p>
+          <a:p>
+            <a:r>
+              <a:rPr lang="nl-BE" dirty="0"/>
+              <a:t>.stop</a:t>
+            </a:r>
+          </a:p>
+          <a:p>
+            <a:r>
+              <a:rPr lang="nl-BE" dirty="0"/>
+              <a:t>.</a:t>
+            </a:r>
+            <a:r>
+              <a:rPr lang="nl-BE" dirty="0" err="1"/>
+              <a:t>prevent</a:t>
+            </a:r>
+            <a:endParaRPr lang="nl-BE" dirty="0"/>
+          </a:p>
+          <a:p>
+            <a:r>
+              <a:rPr lang="nl-BE" dirty="0"/>
+              <a:t>.</a:t>
+            </a:r>
+            <a:r>
+              <a:rPr lang="nl-BE" dirty="0" err="1"/>
+              <a:t>capture</a:t>
+            </a:r>
+            <a:endParaRPr lang="nl-BE" dirty="0"/>
+          </a:p>
+          <a:p>
+            <a:r>
+              <a:rPr lang="nl-BE" dirty="0"/>
+              <a:t>.</a:t>
+            </a:r>
+            <a:r>
+              <a:rPr lang="nl-BE" dirty="0" err="1"/>
+              <a:t>self</a:t>
+            </a:r>
+            <a:endParaRPr lang="nl-BE" dirty="0"/>
+          </a:p>
+          <a:p>
+            <a:endParaRPr lang="nl-BE" dirty="0"/>
+          </a:p>
+          <a:p>
+            <a:endParaRPr lang="nl-BE" dirty="0"/>
+          </a:p>
+          <a:p>
+            <a:r>
+              <a:rPr lang="nl-BE" dirty="0"/>
+              <a:t>Er zijn ook </a:t>
+            </a:r>
+            <a:r>
+              <a:rPr lang="nl-BE" dirty="0" err="1"/>
+              <a:t>key</a:t>
+            </a:r>
+            <a:r>
+              <a:rPr lang="nl-BE" dirty="0"/>
+              <a:t> </a:t>
+            </a:r>
+            <a:r>
+              <a:rPr lang="nl-BE" dirty="0" err="1"/>
+              <a:t>modifiers</a:t>
+            </a:r>
+            <a:r>
+              <a:rPr lang="nl-BE" dirty="0"/>
+              <a:t> </a:t>
+            </a:r>
+          </a:p>
+          <a:p>
+            <a:endParaRPr lang="nl-BE" dirty="0"/>
+          </a:p>
+          <a:p>
+            <a:endParaRPr lang="nl-BE" dirty="0"/>
+          </a:p>
+          <a:p>
+            <a:endParaRPr lang="nl-BE" dirty="0"/>
+          </a:p>
+          <a:p>
+            <a:r>
+              <a:rPr lang="nl-BE" dirty="0"/>
+              <a:t>voor de meeste </a:t>
+            </a:r>
+            <a:r>
+              <a:rPr lang="nl-BE" dirty="0" err="1"/>
+              <a:t>keycodes</a:t>
+            </a:r>
+            <a:r>
+              <a:rPr lang="nl-BE" dirty="0"/>
+              <a:t> heeft vue een alias</a:t>
+            </a:r>
+            <a:r>
+              <a:rPr lang="en-US" dirty="0"/>
+              <a:t>enter</a:t>
+            </a:r>
+          </a:p>
+          <a:p>
+            <a:r>
+              <a:rPr lang="en-US" dirty="0"/>
+              <a:t>.tab</a:t>
+            </a:r>
+          </a:p>
+          <a:p>
+            <a:r>
+              <a:rPr lang="en-US" dirty="0"/>
+              <a:t>.delete</a:t>
+            </a:r>
+          </a:p>
+          <a:p>
+            <a:r>
+              <a:rPr lang="en-US" dirty="0"/>
+              <a:t>.esc</a:t>
+            </a:r>
+          </a:p>
+          <a:p>
+            <a:r>
+              <a:rPr lang="en-US" dirty="0"/>
+              <a:t>…</a:t>
+            </a:r>
+            <a:endParaRPr lang="nl-BE" dirty="0"/>
+          </a:p>
+        </p:txBody>
+      </p:sp>
+      <p:pic>
+        <p:nvPicPr>
+          <p:cNvPr id="3" name="Afbeelding 2"/>
+          <p:cNvPicPr>
+            <a:picLocks noChangeAspect="1"/>
+          </p:cNvPicPr>
+          <p:nvPr/>
+        </p:nvPicPr>
+        <p:blipFill>
+          <a:blip r:embed="rId2"/>
+          <a:stretch>
+            <a:fillRect/>
+          </a:stretch>
+        </p:blipFill>
+        <p:spPr>
+          <a:xfrm>
+            <a:off x="671119" y="3608752"/>
+            <a:ext cx="3990975" cy="361950"/>
+          </a:xfrm>
+          <a:prstGeom prst="rect">
+            <a:avLst/>
+          </a:prstGeom>
+        </p:spPr>
+      </p:pic>
+    </p:spTree>
+    <p:extLst>
+      <p:ext uri="{BB962C8B-B14F-4D97-AF65-F5344CB8AC3E}">
+        <p14:creationId xmlns:p14="http://schemas.microsoft.com/office/powerpoint/2010/main" val="3717230321"/>
+      </p:ext>
+    </p:extLst>
+  </p:cSld>
+  <p:clrMapOvr>
+    <a:masterClrMapping/>
+  </p:clrMapOvr>
+</p:sld>
+</file>
+
+<file path=ppt/slides/slide25.xml><?xml version="1.0" encoding="utf-8"?>
+<p:sld xmlns:a="http://schemas.openxmlformats.org/drawingml/2006/main" xmlns:r="http://schemas.openxmlformats.org/officeDocument/2006/relationships" xmlns:p="http://schemas.openxmlformats.org/presentationml/2006/main">
+  <p:cSld>
+    <p:spTree>
+      <p:nvGrpSpPr>
+        <p:cNvPr id="1" name=""/>
+        <p:cNvGrpSpPr/>
+        <p:nvPr/>
+      </p:nvGrpSpPr>
+      <p:grpSpPr>
+        <a:xfrm>
+          <a:off x="0" y="0"/>
+          <a:ext cx="0" cy="0"/>
+          <a:chOff x="0" y="0"/>
+          <a:chExt cx="0" cy="0"/>
+        </a:xfrm>
+      </p:grpSpPr>
+      <p:sp>
+        <p:nvSpPr>
+          <p:cNvPr id="2" name="Tekstvak 1"/>
+          <p:cNvSpPr txBox="1"/>
+          <p:nvPr/>
+        </p:nvSpPr>
+        <p:spPr>
+          <a:xfrm>
+            <a:off x="662730" y="318782"/>
+            <a:ext cx="10796631" cy="923330"/>
+          </a:xfrm>
+          <a:prstGeom prst="rect">
+            <a:avLst/>
+          </a:prstGeom>
+          <a:noFill/>
+        </p:spPr>
+        <p:txBody>
+          <a:bodyPr wrap="square" rtlCol="0">
+            <a:spAutoFit/>
+          </a:bodyPr>
+          <a:lstStyle/>
+          <a:p>
+            <a:pPr algn="ctr"/>
+            <a:r>
+              <a:rPr lang="nl-BE" sz="5400" dirty="0">
+                <a:latin typeface="Headline One" panose="00000400000000000000" pitchFamily="2" charset="0"/>
+              </a:rPr>
+              <a:t>FORM INPUT BINDINGS</a:t>
+            </a:r>
+          </a:p>
+        </p:txBody>
+      </p:sp>
+      <p:sp>
+        <p:nvSpPr>
+          <p:cNvPr id="3" name="Tekstvak 2"/>
+          <p:cNvSpPr txBox="1"/>
+          <p:nvPr/>
+        </p:nvSpPr>
+        <p:spPr>
+          <a:xfrm>
+            <a:off x="662730" y="1493240"/>
+            <a:ext cx="10620463" cy="2031325"/>
+          </a:xfrm>
+          <a:prstGeom prst="rect">
+            <a:avLst/>
+          </a:prstGeom>
+          <a:noFill/>
+        </p:spPr>
+        <p:txBody>
+          <a:bodyPr wrap="square" rtlCol="0">
+            <a:spAutoFit/>
+          </a:bodyPr>
+          <a:lstStyle/>
+          <a:p>
+            <a:r>
+              <a:rPr lang="nl-BE" dirty="0">
+                <a:latin typeface="Roboto" panose="02000000000000000000" pitchFamily="2" charset="0"/>
+                <a:ea typeface="Roboto" panose="02000000000000000000" pitchFamily="2" charset="0"/>
+              </a:rPr>
+              <a:t>Om een variabele aan een html element te binden is er v-model</a:t>
+            </a:r>
+          </a:p>
+          <a:p>
+            <a:endParaRPr lang="nl-BE" dirty="0">
+              <a:latin typeface="Roboto" panose="02000000000000000000" pitchFamily="2" charset="0"/>
+              <a:ea typeface="Roboto" panose="02000000000000000000" pitchFamily="2" charset="0"/>
+            </a:endParaRPr>
+          </a:p>
+          <a:p>
+            <a:r>
+              <a:rPr lang="nl-BE" dirty="0">
+                <a:latin typeface="Roboto" panose="02000000000000000000" pitchFamily="2" charset="0"/>
+                <a:ea typeface="Roboto" panose="02000000000000000000" pitchFamily="2" charset="0"/>
+              </a:rPr>
+              <a:t>Hierbij kiest vue zelf hoe ze de data moet updaten, gebaseerd op het input type.</a:t>
+            </a:r>
+          </a:p>
+          <a:p>
+            <a:endParaRPr lang="nl-BE" dirty="0">
+              <a:latin typeface="Roboto" panose="02000000000000000000" pitchFamily="2" charset="0"/>
+              <a:ea typeface="Roboto" panose="02000000000000000000" pitchFamily="2" charset="0"/>
+            </a:endParaRPr>
+          </a:p>
+          <a:p>
+            <a:r>
+              <a:rPr lang="nl-BE" dirty="0">
+                <a:latin typeface="Roboto" panose="02000000000000000000" pitchFamily="2" charset="0"/>
+                <a:ea typeface="Roboto" panose="02000000000000000000" pitchFamily="2" charset="0"/>
+              </a:rPr>
+              <a:t>Je kan zelfs </a:t>
+            </a:r>
+            <a:r>
+              <a:rPr lang="nl-BE" b="1" dirty="0">
+                <a:latin typeface="Roboto" panose="02000000000000000000" pitchFamily="2" charset="0"/>
+                <a:ea typeface="Roboto" panose="02000000000000000000" pitchFamily="2" charset="0"/>
+              </a:rPr>
+              <a:t>meerdere</a:t>
+            </a:r>
+            <a:r>
+              <a:rPr lang="nl-BE" dirty="0">
+                <a:latin typeface="Roboto" panose="02000000000000000000" pitchFamily="2" charset="0"/>
+                <a:ea typeface="Roboto" panose="02000000000000000000" pitchFamily="2" charset="0"/>
+              </a:rPr>
+              <a:t> checkboxen binden aan dezelfde </a:t>
+            </a:r>
+            <a:r>
+              <a:rPr lang="nl-BE" b="1" dirty="0">
+                <a:latin typeface="Roboto" panose="02000000000000000000" pitchFamily="2" charset="0"/>
+                <a:ea typeface="Roboto" panose="02000000000000000000" pitchFamily="2" charset="0"/>
+              </a:rPr>
+              <a:t>array</a:t>
+            </a:r>
+            <a:r>
+              <a:rPr lang="nl-BE" dirty="0">
+                <a:latin typeface="Roboto" panose="02000000000000000000" pitchFamily="2" charset="0"/>
+                <a:ea typeface="Roboto" panose="02000000000000000000" pitchFamily="2" charset="0"/>
+              </a:rPr>
+              <a:t> -&gt;</a:t>
+            </a:r>
+          </a:p>
+          <a:p>
+            <a:endParaRPr lang="nl-BE" dirty="0">
+              <a:latin typeface="Roboto" panose="02000000000000000000" pitchFamily="2" charset="0"/>
+              <a:ea typeface="Roboto" panose="02000000000000000000" pitchFamily="2" charset="0"/>
+            </a:endParaRPr>
+          </a:p>
+          <a:p>
+            <a:r>
+              <a:rPr lang="nl-BE" dirty="0">
+                <a:latin typeface="Roboto" panose="02000000000000000000" pitchFamily="2" charset="0"/>
+                <a:ea typeface="Roboto" panose="02000000000000000000" pitchFamily="2" charset="0"/>
+              </a:rPr>
+              <a:t>De array wordt dan </a:t>
+            </a:r>
+            <a:r>
+              <a:rPr lang="nl-BE" dirty="0" err="1">
+                <a:latin typeface="Roboto" panose="02000000000000000000" pitchFamily="2" charset="0"/>
+                <a:ea typeface="Roboto" panose="02000000000000000000" pitchFamily="2" charset="0"/>
+              </a:rPr>
+              <a:t>gevult</a:t>
+            </a:r>
+            <a:r>
+              <a:rPr lang="nl-BE" dirty="0">
+                <a:latin typeface="Roboto" panose="02000000000000000000" pitchFamily="2" charset="0"/>
+                <a:ea typeface="Roboto" panose="02000000000000000000" pitchFamily="2" charset="0"/>
+              </a:rPr>
+              <a:t> met de data van de </a:t>
+            </a:r>
+            <a:r>
+              <a:rPr lang="nl-BE" dirty="0" err="1">
+                <a:latin typeface="Roboto" panose="02000000000000000000" pitchFamily="2" charset="0"/>
+                <a:ea typeface="Roboto" panose="02000000000000000000" pitchFamily="2" charset="0"/>
+              </a:rPr>
+              <a:t>checkbox</a:t>
+            </a:r>
+            <a:r>
+              <a:rPr lang="nl-BE" dirty="0">
+                <a:latin typeface="Roboto" panose="02000000000000000000" pitchFamily="2" charset="0"/>
+                <a:ea typeface="Roboto" panose="02000000000000000000" pitchFamily="2" charset="0"/>
+              </a:rPr>
+              <a:t>.</a:t>
+            </a:r>
+          </a:p>
+        </p:txBody>
+      </p:sp>
+      <p:pic>
+        <p:nvPicPr>
+          <p:cNvPr id="8" name="Afbeelding 7"/>
+          <p:cNvPicPr>
+            <a:picLocks noChangeAspect="1"/>
+          </p:cNvPicPr>
+          <p:nvPr/>
+        </p:nvPicPr>
+        <p:blipFill>
+          <a:blip r:embed="rId2"/>
+          <a:stretch>
+            <a:fillRect/>
+          </a:stretch>
+        </p:blipFill>
+        <p:spPr>
+          <a:xfrm>
+            <a:off x="662730" y="3691329"/>
+            <a:ext cx="8305800" cy="1790700"/>
+          </a:xfrm>
+          <a:prstGeom prst="rect">
+            <a:avLst/>
+          </a:prstGeom>
+        </p:spPr>
+      </p:pic>
+      <p:pic>
+        <p:nvPicPr>
+          <p:cNvPr id="9" name="Afbeelding 8"/>
+          <p:cNvPicPr>
+            <a:picLocks noChangeAspect="1"/>
+          </p:cNvPicPr>
+          <p:nvPr/>
+        </p:nvPicPr>
+        <p:blipFill>
+          <a:blip r:embed="rId3"/>
+          <a:stretch>
+            <a:fillRect/>
+          </a:stretch>
+        </p:blipFill>
+        <p:spPr>
+          <a:xfrm>
+            <a:off x="9482137" y="2081604"/>
+            <a:ext cx="2371725" cy="3400425"/>
+          </a:xfrm>
+          <a:prstGeom prst="rect">
+            <a:avLst/>
+          </a:prstGeom>
+        </p:spPr>
+      </p:pic>
+      <p:sp>
+        <p:nvSpPr>
+          <p:cNvPr id="10" name="Tekstvak 9"/>
+          <p:cNvSpPr txBox="1"/>
+          <p:nvPr/>
+        </p:nvSpPr>
+        <p:spPr>
+          <a:xfrm>
+            <a:off x="755009" y="5830349"/>
+            <a:ext cx="10360404" cy="646331"/>
+          </a:xfrm>
+          <a:prstGeom prst="rect">
+            <a:avLst/>
+          </a:prstGeom>
+          <a:noFill/>
+        </p:spPr>
+        <p:txBody>
+          <a:bodyPr wrap="square" rtlCol="0">
+            <a:spAutoFit/>
+          </a:bodyPr>
+          <a:lstStyle/>
+          <a:p>
+            <a:r>
+              <a:rPr lang="nl-BE" dirty="0">
+                <a:latin typeface="Roboto" panose="02000000000000000000" pitchFamily="2" charset="0"/>
+                <a:ea typeface="Roboto" panose="02000000000000000000" pitchFamily="2" charset="0"/>
+              </a:rPr>
+              <a:t>Hierbij zal </a:t>
+            </a:r>
+            <a:r>
+              <a:rPr lang="nl-BE" dirty="0" err="1">
+                <a:latin typeface="Roboto" panose="02000000000000000000" pitchFamily="2" charset="0"/>
+                <a:ea typeface="Roboto" panose="02000000000000000000" pitchFamily="2" charset="0"/>
+              </a:rPr>
+              <a:t>orgineel</a:t>
+            </a:r>
+            <a:r>
+              <a:rPr lang="nl-BE" dirty="0">
+                <a:latin typeface="Roboto" panose="02000000000000000000" pitchFamily="2" charset="0"/>
+                <a:ea typeface="Roboto" panose="02000000000000000000" pitchFamily="2" charset="0"/>
+              </a:rPr>
+              <a:t> lege array </a:t>
+            </a:r>
+            <a:r>
+              <a:rPr lang="nl-BE" dirty="0" err="1">
+                <a:latin typeface="Roboto" panose="02000000000000000000" pitchFamily="2" charset="0"/>
+                <a:ea typeface="Roboto" panose="02000000000000000000" pitchFamily="2" charset="0"/>
+              </a:rPr>
+              <a:t>selected</a:t>
+            </a:r>
+            <a:r>
+              <a:rPr lang="nl-BE" dirty="0">
+                <a:latin typeface="Roboto" panose="02000000000000000000" pitchFamily="2" charset="0"/>
+                <a:ea typeface="Roboto" panose="02000000000000000000" pitchFamily="2" charset="0"/>
+              </a:rPr>
+              <a:t> gevuld worden met de geselecteerde </a:t>
+            </a:r>
+            <a:r>
+              <a:rPr lang="nl-BE" dirty="0" err="1">
+                <a:latin typeface="Roboto" panose="02000000000000000000" pitchFamily="2" charset="0"/>
+                <a:ea typeface="Roboto" panose="02000000000000000000" pitchFamily="2" charset="0"/>
+              </a:rPr>
+              <a:t>values</a:t>
+            </a:r>
+            <a:r>
+              <a:rPr lang="nl-BE" dirty="0">
+                <a:latin typeface="Roboto" panose="02000000000000000000" pitchFamily="2" charset="0"/>
+                <a:ea typeface="Roboto" panose="02000000000000000000" pitchFamily="2" charset="0"/>
+              </a:rPr>
+              <a:t> van de </a:t>
+            </a:r>
+            <a:r>
+              <a:rPr lang="nl-BE" dirty="0" err="1">
+                <a:latin typeface="Roboto" panose="02000000000000000000" pitchFamily="2" charset="0"/>
+                <a:ea typeface="Roboto" panose="02000000000000000000" pitchFamily="2" charset="0"/>
+              </a:rPr>
+              <a:t>checkboxes</a:t>
+            </a:r>
+            <a:r>
+              <a:rPr lang="nl-BE">
+                <a:latin typeface="Roboto" panose="02000000000000000000" pitchFamily="2" charset="0"/>
+                <a:ea typeface="Roboto" panose="02000000000000000000" pitchFamily="2" charset="0"/>
+              </a:rPr>
+              <a:t>.</a:t>
+            </a:r>
+            <a:endParaRPr lang="nl-BE" dirty="0">
+              <a:latin typeface="Roboto" panose="02000000000000000000" pitchFamily="2" charset="0"/>
+              <a:ea typeface="Roboto" panose="02000000000000000000" pitchFamily="2" charset="0"/>
+            </a:endParaRPr>
+          </a:p>
+        </p:txBody>
+      </p:sp>
+    </p:spTree>
+    <p:extLst>
+      <p:ext uri="{BB962C8B-B14F-4D97-AF65-F5344CB8AC3E}">
+        <p14:creationId xmlns:p14="http://schemas.microsoft.com/office/powerpoint/2010/main" val="1304789521"/>
       </p:ext>
     </p:extLst>
   </p:cSld>
@@ -5649,6 +9320,14 @@
               <a:rPr lang="nl-BE" b="1" dirty="0" err="1"/>
               <a:t>v-if</a:t>
             </a:r>
+            <a:r>
+              <a:rPr lang="nl-BE" b="1" dirty="0"/>
+              <a:t>  -&gt;   v-</a:t>
+            </a:r>
+            <a:r>
+              <a:rPr lang="nl-BE" b="1" dirty="0" err="1"/>
+              <a:t>else</a:t>
+            </a:r>
             <a:endParaRPr lang="nl-BE" b="1" dirty="0"/>
           </a:p>
         </p:txBody>
@@ -5710,7 +9389,7 @@
         <p:spPr>
           <a:xfrm>
             <a:off x="1256497" y="2890969"/>
-            <a:ext cx="3377681" cy="923330"/>
+            <a:ext cx="3377681" cy="1477328"/>
           </a:xfrm>
           <a:prstGeom prst="rect">
             <a:avLst/>
@@ -5759,6 +9438,22 @@
             <a:r>
               <a:rPr lang="nl-BE" b="1" dirty="0" err="1"/>
               <a:t>for</a:t>
+            </a:r>
+            <a:r>
+              <a:rPr lang="nl-BE" b="1" dirty="0"/>
+              <a:t>=“var in array” </a:t>
+            </a:r>
+          </a:p>
+          <a:p>
+            <a:r>
+              <a:rPr lang="nl-BE" dirty="0"/>
+              <a:t>of</a:t>
+            </a:r>
+          </a:p>
+          <a:p>
+            <a:r>
+              <a:rPr lang="en-US" b="1" dirty="0"/>
+              <a:t>v-for="(key, value) in object"</a:t>
             </a:r>
             <a:endParaRPr lang="nl-BE" b="1" dirty="0"/>
           </a:p>
@@ -6574,4 +10269,299 @@
     </a:ext>
   </a:extLst>
 </a:theme>
+</file>
+
+<file path=ppt/theme/theme2.xml><?xml version="1.0" encoding="utf-8"?>
+<a:theme xmlns:a="http://schemas.openxmlformats.org/drawingml/2006/main" name="Kantoorthema">
+  <a:themeElements>
+    <a:clrScheme name="Kantoor">
+      <a:dk1>
+        <a:sysClr val="windowText" lastClr="000000"/>
+      </a:dk1>
+      <a:lt1>
+        <a:sysClr val="window" lastClr="FFFFFF"/>
+      </a:lt1>
+      <a:dk2>
+        <a:srgbClr val="44546A"/>
+      </a:dk2>
+      <a:lt2>
+        <a:srgbClr val="E7E6E6"/>
+      </a:lt2>
+      <a:accent1>
+        <a:srgbClr val="5B9BD5"/>
+      </a:accent1>
+      <a:accent2>
+        <a:srgbClr val="ED7D31"/>
+      </a:accent2>
+      <a:accent3>
+        <a:srgbClr val="A5A5A5"/>
+      </a:accent3>
+      <a:accent4>
+        <a:srgbClr val="FFC000"/>
+      </a:accent4>
+      <a:accent5>
+        <a:srgbClr val="4472C4"/>
+      </a:accent5>
+      <a:accent6>
+        <a:srgbClr val="70AD47"/>
+      </a:accent6>
+      <a:hlink>
+        <a:srgbClr val="0563C1"/>
+      </a:hlink>
+      <a:folHlink>
+        <a:srgbClr val="954F72"/>
+      </a:folHlink>
+    </a:clrScheme>
+    <a:fontScheme name="Kantoor">
+      <a:majorFont>
+        <a:latin typeface="Calibri Light" panose="020F0302020204030204"/>
+        <a:ea typeface=""/>
+        <a:cs typeface=""/>
+        <a:font script="Jpan" typeface="游ゴシック Light"/>
+        <a:font script="Hang" typeface="맑은 고딕"/>
+        <a:font script="Hans" typeface="等线 Light"/>
+        <a:font script="Hant" typeface="新細明體"/>
+        <a:font script="Arab" typeface="Times New Roman"/>
+        <a:font script="Hebr" typeface="Times New Roman"/>
+        <a:font script="Thai" typeface="Angsana New"/>
+        <a:font script="Ethi" typeface="Nyala"/>
+        <a:font script="Beng" typeface="Vrinda"/>
+        <a:font script="Gujr" typeface="Shruti"/>
+        <a:font script="Khmr" typeface="MoolBoran"/>
+        <a:font script="Knda" typeface="Tunga"/>
+        <a:font script="Guru" typeface="Raavi"/>
+        <a:font script="Cans" typeface="Euphemia"/>
+        <a:font script="Cher" typeface="Plantagenet Cherokee"/>
+        <a:font script="Yiii" typeface="Microsoft Yi Baiti"/>
+        <a:font script="Tibt" typeface="Microsoft Himalaya"/>
+        <a:font script="Thaa" typeface="MV Boli"/>
+        <a:font script="Deva" typeface="Mangal"/>
+        <a:font script="Telu" typeface="Gautami"/>
+        <a:font script="Taml" typeface="Latha"/>
+        <a:font script="Syrc" typeface="Estrangelo Edessa"/>
+        <a:font script="Orya" typeface="Kalinga"/>
+        <a:font script="Mlym" typeface="Kartika"/>
+        <a:font script="Laoo" typeface="DokChampa"/>
+        <a:font script="Sinh" typeface="Iskoola Pota"/>
+        <a:font script="Mong" typeface="Mongolian Baiti"/>
+        <a:font script="Viet" typeface="Times New Roman"/>
+        <a:font script="Uigh" typeface="Microsoft Uighur"/>
+        <a:font script="Geor" typeface="Sylfaen"/>
+        <a:font script="Armn" typeface="Arial"/>
+        <a:font script="Bugi" typeface="Leelawadee UI"/>
+        <a:font script="Bopo" typeface="Microsoft JhengHei"/>
+        <a:font script="Java" typeface="Javanese Text"/>
+        <a:font script="Lisu" typeface="Segoe UI"/>
+        <a:font script="Mymr" typeface="Myanmar Text"/>
+        <a:font script="Nkoo" typeface="Ebrima"/>
+        <a:font script="Olck" typeface="Nirmala UI"/>
+        <a:font script="Osma" typeface="Ebrima"/>
+        <a:font script="Phag" typeface="Phagspa"/>
+        <a:font script="Syrn" typeface="Estrangelo Edessa"/>
+        <a:font script="Syrj" typeface="Estrangelo Edessa"/>
+        <a:font script="Syre" typeface="Estrangelo Edessa"/>
+        <a:font script="Sora" typeface="Nirmala UI"/>
+        <a:font script="Tale" typeface="Microsoft Tai Le"/>
+        <a:font script="Talu" typeface="Microsoft New Tai Lue"/>
+        <a:font script="Tfng" typeface="Ebrima"/>
+      </a:majorFont>
+      <a:minorFont>
+        <a:latin typeface="Calibri" panose="020F0502020204030204"/>
+        <a:ea typeface=""/>
+        <a:cs typeface=""/>
+        <a:font script="Jpan" typeface="游ゴシック"/>
+        <a:font script="Hang" typeface="맑은 고딕"/>
+        <a:font script="Hans" typeface="等线"/>
+        <a:font script="Hant" typeface="新細明體"/>
+        <a:font script="Arab" typeface="Arial"/>
+        <a:font script="Hebr" typeface="Arial"/>
+        <a:font script="Thai" typeface="Cordia New"/>
+        <a:font script="Ethi" typeface="Nyala"/>
+        <a:font script="Beng" typeface="Vrinda"/>
+        <a:font script="Gujr" typeface="Shruti"/>
+        <a:font script="Khmr" typeface="DaunPenh"/>
+        <a:font script="Knda" typeface="Tunga"/>
+        <a:font script="Guru" typeface="Raavi"/>
+        <a:font script="Cans" typeface="Euphemia"/>
+        <a:font script="Cher" typeface="Plantagenet Cherokee"/>
+        <a:font script="Yiii" typeface="Microsoft Yi Baiti"/>
+        <a:font script="Tibt" typeface="Microsoft Himalaya"/>
+        <a:font script="Thaa" typeface="MV Boli"/>
+        <a:font script="Deva" typeface="Mangal"/>
+        <a:font script="Telu" typeface="Gautami"/>
+        <a:font script="Taml" typeface="Latha"/>
+        <a:font script="Syrc" typeface="Estrangelo Edessa"/>
+        <a:font script="Orya" typeface="Kalinga"/>
+        <a:font script="Mlym" typeface="Kartika"/>
+        <a:font script="Laoo" typeface="DokChampa"/>
+        <a:font script="Sinh" typeface="Iskoola Pota"/>
+        <a:font script="Mong" typeface="Mongolian Baiti"/>
+        <a:font script="Viet" typeface="Arial"/>
+        <a:font script="Uigh" typeface="Microsoft Uighur"/>
+        <a:font script="Geor" typeface="Sylfaen"/>
+        <a:font script="Armn" typeface="Arial"/>
+        <a:font script="Bugi" typeface="Leelawadee UI"/>
+        <a:font script="Bopo" typeface="Microsoft JhengHei"/>
+        <a:font script="Java" typeface="Javanese Text"/>
+        <a:font script="Lisu" typeface="Segoe UI"/>
+        <a:font script="Mymr" typeface="Myanmar Text"/>
+        <a:font script="Nkoo" typeface="Ebrima"/>
+        <a:font script="Olck" typeface="Nirmala UI"/>
+        <a:font script="Osma" typeface="Ebrima"/>
+        <a:font script="Phag" typeface="Phagspa"/>
+        <a:font script="Syrn" typeface="Estrangelo Edessa"/>
+        <a:font script="Syrj" typeface="Estrangelo Edessa"/>
+        <a:font script="Syre" typeface="Estrangelo Edessa"/>
+        <a:font script="Sora" typeface="Nirmala UI"/>
+        <a:font script="Tale" typeface="Microsoft Tai Le"/>
+        <a:font script="Talu" typeface="Microsoft New Tai Lue"/>
+        <a:font script="Tfng" typeface="Ebrima"/>
+      </a:minorFont>
+    </a:fontScheme>
+    <a:fmtScheme name="Kantoor">
+      <a:fillStyleLst>
+        <a:solidFill>
+          <a:schemeClr val="phClr"/>
+        </a:solidFill>
+        <a:gradFill rotWithShape="1">
+          <a:gsLst>
+            <a:gs pos="0">
+              <a:schemeClr val="phClr">
+                <a:lumMod val="110000"/>
+                <a:satMod val="105000"/>
+                <a:tint val="67000"/>
+              </a:schemeClr>
+            </a:gs>
+            <a:gs pos="50000">
+              <a:schemeClr val="phClr">
+                <a:lumMod val="105000"/>
+                <a:satMod val="103000"/>
+                <a:tint val="73000"/>
+              </a:schemeClr>
+            </a:gs>
+            <a:gs pos="100000">
+              <a:schemeClr val="phClr">
+                <a:lumMod val="105000"/>
+                <a:satMod val="109000"/>
+                <a:tint val="81000"/>
+              </a:schemeClr>
+            </a:gs>
+          </a:gsLst>
+          <a:lin ang="5400000" scaled="0"/>
+        </a:gradFill>
+        <a:gradFill rotWithShape="1">
+          <a:gsLst>
+            <a:gs pos="0">
+              <a:schemeClr val="phClr">
+                <a:satMod val="103000"/>
+                <a:lumMod val="102000"/>
+                <a:tint val="94000"/>
+              </a:schemeClr>
+            </a:gs>
+            <a:gs pos="50000">
+              <a:schemeClr val="phClr">
+                <a:satMod val="110000"/>
+                <a:lumMod val="100000"/>
+                <a:shade val="100000"/>
+              </a:schemeClr>
+            </a:gs>
+            <a:gs pos="100000">
+              <a:schemeClr val="phClr">
+                <a:lumMod val="99000"/>
+                <a:satMod val="120000"/>
+                <a:shade val="78000"/>
+              </a:schemeClr>
+            </a:gs>
+          </a:gsLst>
+          <a:lin ang="5400000" scaled="0"/>
+        </a:gradFill>
+      </a:fillStyleLst>
+      <a:lnStyleLst>
+        <a:ln w="6350" cap="flat" cmpd="sng" algn="ctr">
+          <a:solidFill>
+            <a:schemeClr val="phClr"/>
+          </a:solidFill>
+          <a:prstDash val="solid"/>
+          <a:miter lim="800000"/>
+        </a:ln>
+        <a:ln w="12700" cap="flat" cmpd="sng" algn="ctr">
+          <a:solidFill>
+            <a:schemeClr val="phClr"/>
+          </a:solidFill>
+          <a:prstDash val="solid"/>
+          <a:miter lim="800000"/>
+        </a:ln>
+        <a:ln w="19050" cap="flat" cmpd="sng" algn="ctr">
+          <a:solidFill>
+            <a:schemeClr val="phClr"/>
+          </a:solidFill>
+          <a:prstDash val="solid"/>
+          <a:miter lim="800000"/>
+        </a:ln>
+      </a:lnStyleLst>
+      <a:effectStyleLst>
+        <a:effectStyle>
+          <a:effectLst/>
+        </a:effectStyle>
+        <a:effectStyle>
+          <a:effectLst/>
+        </a:effectStyle>
+        <a:effectStyle>
+          <a:effectLst>
+            <a:outerShdw blurRad="57150" dist="19050" dir="5400000" algn="ctr" rotWithShape="0">
+              <a:srgbClr val="000000">
+                <a:alpha val="63000"/>
+              </a:srgbClr>
+            </a:outerShdw>
+          </a:effectLst>
+        </a:effectStyle>
+      </a:effectStyleLst>
+      <a:bgFillStyleLst>
+        <a:solidFill>
+          <a:schemeClr val="phClr"/>
+        </a:solidFill>
+        <a:solidFill>
+          <a:schemeClr val="phClr">
+            <a:tint val="95000"/>
+            <a:satMod val="170000"/>
+          </a:schemeClr>
+        </a:solidFill>
+        <a:gradFill rotWithShape="1">
+          <a:gsLst>
+            <a:gs pos="0">
+              <a:schemeClr val="phClr">
+                <a:tint val="93000"/>
+                <a:satMod val="150000"/>
+                <a:shade val="98000"/>
+                <a:lumMod val="102000"/>
+              </a:schemeClr>
+            </a:gs>
+            <a:gs pos="50000">
+              <a:schemeClr val="phClr">
+                <a:tint val="98000"/>
+                <a:satMod val="130000"/>
+                <a:shade val="90000"/>
+                <a:lumMod val="103000"/>
+              </a:schemeClr>
+            </a:gs>
+            <a:gs pos="100000">
+              <a:schemeClr val="phClr">
+                <a:shade val="63000"/>
+                <a:satMod val="120000"/>
+              </a:schemeClr>
+            </a:gs>
+          </a:gsLst>
+          <a:lin ang="5400000" scaled="0"/>
+        </a:gradFill>
+      </a:bgFillStyleLst>
+    </a:fmtScheme>
+  </a:themeElements>
+  <a:objectDefaults/>
+  <a:extraClrSchemeLst/>
+  <a:extLst>
+    <a:ext uri="{05A4C25C-085E-4340-85A3-A5531E510DB2}">
+      <thm15:themeFamily xmlns:thm15="http://schemas.microsoft.com/office/thememl/2012/main" name="Office Theme" id="{62F939B6-93AF-4DB8-9C6B-D6C7DFDC589F}" vid="{4A3C46E8-61CC-4603-A589-7422A47A8E4A}"/>
+    </a:ext>
+  </a:extLst>
+</a:theme>
 </file>
--- a/newTech/slideshow.pptx
+++ b/newTech/slideshow.pptx
@@ -5,7 +5,7 @@
     <p:sldMasterId id="2147483678" r:id="rId1"/>
   </p:sldMasterIdLst>
   <p:notesMasterIdLst>
-    <p:notesMasterId r:id="rId27"/>
+    <p:notesMasterId r:id="rId33"/>
   </p:notesMasterIdLst>
   <p:sldIdLst>
     <p:sldId id="256" r:id="rId2"/>
@@ -15,24 +15,30 @@
     <p:sldId id="260" r:id="rId6"/>
     <p:sldId id="261" r:id="rId7"/>
     <p:sldId id="262" r:id="rId8"/>
-    <p:sldId id="263" r:id="rId9"/>
-    <p:sldId id="264" r:id="rId10"/>
-    <p:sldId id="265" r:id="rId11"/>
-    <p:sldId id="266" r:id="rId12"/>
-    <p:sldId id="267" r:id="rId13"/>
-    <p:sldId id="268" r:id="rId14"/>
-    <p:sldId id="269" r:id="rId15"/>
-    <p:sldId id="270" r:id="rId16"/>
-    <p:sldId id="274" r:id="rId17"/>
-    <p:sldId id="271" r:id="rId18"/>
-    <p:sldId id="272" r:id="rId19"/>
-    <p:sldId id="273" r:id="rId20"/>
-    <p:sldId id="275" r:id="rId21"/>
-    <p:sldId id="276" r:id="rId22"/>
-    <p:sldId id="277" r:id="rId23"/>
-    <p:sldId id="278" r:id="rId24"/>
-    <p:sldId id="279" r:id="rId25"/>
-    <p:sldId id="280" r:id="rId26"/>
+    <p:sldId id="265" r:id="rId9"/>
+    <p:sldId id="266" r:id="rId10"/>
+    <p:sldId id="267" r:id="rId11"/>
+    <p:sldId id="268" r:id="rId12"/>
+    <p:sldId id="269" r:id="rId13"/>
+    <p:sldId id="270" r:id="rId14"/>
+    <p:sldId id="274" r:id="rId15"/>
+    <p:sldId id="271" r:id="rId16"/>
+    <p:sldId id="272" r:id="rId17"/>
+    <p:sldId id="273" r:id="rId18"/>
+    <p:sldId id="275" r:id="rId19"/>
+    <p:sldId id="276" r:id="rId20"/>
+    <p:sldId id="277" r:id="rId21"/>
+    <p:sldId id="278" r:id="rId22"/>
+    <p:sldId id="279" r:id="rId23"/>
+    <p:sldId id="280" r:id="rId24"/>
+    <p:sldId id="281" r:id="rId25"/>
+    <p:sldId id="282" r:id="rId26"/>
+    <p:sldId id="283" r:id="rId27"/>
+    <p:sldId id="284" r:id="rId28"/>
+    <p:sldId id="285" r:id="rId29"/>
+    <p:sldId id="287" r:id="rId30"/>
+    <p:sldId id="286" r:id="rId31"/>
+    <p:sldId id="288" r:id="rId32"/>
   </p:sldIdLst>
   <p:sldSz cx="12192000" cy="6858000"/>
   <p:notesSz cx="6858000" cy="9144000"/>
@@ -151,20 +157,6 @@
 </p:cmAuthorLst>
 </file>
 
-<file path=ppt/comments/comment1.xml><?xml version="1.0" encoding="utf-8"?>
-<p:cmLst xmlns:a="http://schemas.openxmlformats.org/drawingml/2006/main" xmlns:r="http://schemas.openxmlformats.org/officeDocument/2006/relationships" xmlns:p="http://schemas.openxmlformats.org/presentationml/2006/main">
-  <p:cm authorId="1" dt="2016-11-07T14:00:34.706" idx="1">
-    <p:pos x="10" y="10"/>
-    <p:text/>
-    <p:extLst>
-      <p:ext uri="{C676402C-5697-4E1C-873F-D02D1690AC5C}">
-        <p15:threadingInfo xmlns:p15="http://schemas.microsoft.com/office/powerpoint/2012/main" timeZoneBias="-60"/>
-      </p:ext>
-    </p:extLst>
-  </p:cm>
-</p:cmLst>
-</file>
-
 <file path=ppt/notesMasters/notesMaster1.xml><?xml version="1.0" encoding="utf-8"?>
 <p:notesMaster xmlns:a="http://schemas.openxmlformats.org/drawingml/2006/main" xmlns:r="http://schemas.openxmlformats.org/officeDocument/2006/relationships" xmlns:p="http://schemas.openxmlformats.org/presentationml/2006/main">
   <p:cSld>
@@ -247,7 +239,7 @@
           <a:p>
             <a:fld id="{D2E366A2-5FD3-4BB2-A1EC-9E936BE64237}" type="datetimeFigureOut">
               <a:rPr lang="nl-BE" smtClean="0"/>
-              <a:t>8/11/2016</a:t>
+              <a:t>9/11/2016</a:t>
             </a:fld>
             <a:endParaRPr lang="nl-BE"/>
           </a:p>
@@ -646,7 +638,7 @@
           <a:p>
             <a:fld id="{85176953-FD81-49E3-B684-178BC184E664}" type="datetimeFigureOut">
               <a:rPr lang="nl-BE" smtClean="0"/>
-              <a:t>8/11/2016</a:t>
+              <a:t>9/11/2016</a:t>
             </a:fld>
             <a:endParaRPr lang="nl-BE"/>
           </a:p>
@@ -816,7 +808,7 @@
           <a:p>
             <a:fld id="{85176953-FD81-49E3-B684-178BC184E664}" type="datetimeFigureOut">
               <a:rPr lang="nl-BE" smtClean="0"/>
-              <a:t>8/11/2016</a:t>
+              <a:t>9/11/2016</a:t>
             </a:fld>
             <a:endParaRPr lang="nl-BE"/>
           </a:p>
@@ -996,7 +988,7 @@
           <a:p>
             <a:fld id="{85176953-FD81-49E3-B684-178BC184E664}" type="datetimeFigureOut">
               <a:rPr lang="nl-BE" smtClean="0"/>
-              <a:t>8/11/2016</a:t>
+              <a:t>9/11/2016</a:t>
             </a:fld>
             <a:endParaRPr lang="nl-BE"/>
           </a:p>
@@ -1166,7 +1158,7 @@
           <a:p>
             <a:fld id="{85176953-FD81-49E3-B684-178BC184E664}" type="datetimeFigureOut">
               <a:rPr lang="nl-BE" smtClean="0"/>
-              <a:t>8/11/2016</a:t>
+              <a:t>9/11/2016</a:t>
             </a:fld>
             <a:endParaRPr lang="nl-BE"/>
           </a:p>
@@ -1412,7 +1404,7 @@
           <a:p>
             <a:fld id="{85176953-FD81-49E3-B684-178BC184E664}" type="datetimeFigureOut">
               <a:rPr lang="nl-BE" smtClean="0"/>
-              <a:t>8/11/2016</a:t>
+              <a:t>9/11/2016</a:t>
             </a:fld>
             <a:endParaRPr lang="nl-BE"/>
           </a:p>
@@ -1644,7 +1636,7 @@
           <a:p>
             <a:fld id="{85176953-FD81-49E3-B684-178BC184E664}" type="datetimeFigureOut">
               <a:rPr lang="nl-BE" smtClean="0"/>
-              <a:t>8/11/2016</a:t>
+              <a:t>9/11/2016</a:t>
             </a:fld>
             <a:endParaRPr lang="nl-BE"/>
           </a:p>
@@ -2011,7 +2003,7 @@
           <a:p>
             <a:fld id="{85176953-FD81-49E3-B684-178BC184E664}" type="datetimeFigureOut">
               <a:rPr lang="nl-BE" smtClean="0"/>
-              <a:t>8/11/2016</a:t>
+              <a:t>9/11/2016</a:t>
             </a:fld>
             <a:endParaRPr lang="nl-BE"/>
           </a:p>
@@ -2129,7 +2121,7 @@
           <a:p>
             <a:fld id="{85176953-FD81-49E3-B684-178BC184E664}" type="datetimeFigureOut">
               <a:rPr lang="nl-BE" smtClean="0"/>
-              <a:t>8/11/2016</a:t>
+              <a:t>9/11/2016</a:t>
             </a:fld>
             <a:endParaRPr lang="nl-BE"/>
           </a:p>
@@ -2224,7 +2216,7 @@
           <a:p>
             <a:fld id="{85176953-FD81-49E3-B684-178BC184E664}" type="datetimeFigureOut">
               <a:rPr lang="nl-BE" smtClean="0"/>
-              <a:t>8/11/2016</a:t>
+              <a:t>9/11/2016</a:t>
             </a:fld>
             <a:endParaRPr lang="nl-BE"/>
           </a:p>
@@ -2501,7 +2493,7 @@
           <a:p>
             <a:fld id="{85176953-FD81-49E3-B684-178BC184E664}" type="datetimeFigureOut">
               <a:rPr lang="nl-BE" smtClean="0"/>
-              <a:t>8/11/2016</a:t>
+              <a:t>9/11/2016</a:t>
             </a:fld>
             <a:endParaRPr lang="nl-BE"/>
           </a:p>
@@ -2754,7 +2746,7 @@
           <a:p>
             <a:fld id="{85176953-FD81-49E3-B684-178BC184E664}" type="datetimeFigureOut">
               <a:rPr lang="nl-BE" smtClean="0"/>
-              <a:t>8/11/2016</a:t>
+              <a:t>9/11/2016</a:t>
             </a:fld>
             <a:endParaRPr lang="nl-BE"/>
           </a:p>
@@ -2967,7 +2959,7 @@
           <a:p>
             <a:fld id="{85176953-FD81-49E3-B684-178BC184E664}" type="datetimeFigureOut">
               <a:rPr lang="nl-BE" smtClean="0"/>
-              <a:t>8/11/2016</a:t>
+              <a:t>9/11/2016</a:t>
             </a:fld>
             <a:endParaRPr lang="nl-BE"/>
           </a:p>
@@ -3531,8 +3523,8 @@
         </p:nvSpPr>
         <p:spPr>
           <a:xfrm>
-            <a:off x="1034473" y="258618"/>
-            <a:ext cx="9698182" cy="923330"/>
+            <a:off x="713064" y="343949"/>
+            <a:ext cx="10796631" cy="923330"/>
           </a:xfrm>
           <a:prstGeom prst="rect">
             <a:avLst/>
@@ -3547,11 +3539,26 @@
           <a:p>
             <a:pPr algn="ctr"/>
             <a:r>
+              <a:rPr lang="nl-BE" sz="5400" dirty="0" err="1">
+                <a:latin typeface="Headline One" panose="00000400000000000000" pitchFamily="2" charset="0"/>
+              </a:rPr>
+              <a:t>lifecycle</a:t>
+            </a:r>
+            <a:r>
               <a:rPr lang="nl-BE" sz="5400" dirty="0">
                 <a:latin typeface="Headline One" panose="00000400000000000000" pitchFamily="2" charset="0"/>
               </a:rPr>
-              <a:t>DATA object</a:t>
-            </a:r>
+              <a:t> </a:t>
+            </a:r>
+            <a:r>
+              <a:rPr lang="nl-BE" sz="5400" dirty="0" err="1">
+                <a:latin typeface="Headline One" panose="00000400000000000000" pitchFamily="2" charset="0"/>
+              </a:rPr>
+              <a:t>hooks</a:t>
+            </a:r>
+            <a:endParaRPr lang="nl-BE" sz="5400" dirty="0">
+              <a:latin typeface="Headline One" panose="00000400000000000000" pitchFamily="2" charset="0"/>
+            </a:endParaRPr>
           </a:p>
         </p:txBody>
       </p:sp>
@@ -3563,8 +3570,8 @@
         </p:nvSpPr>
         <p:spPr>
           <a:xfrm>
-            <a:off x="775855" y="1625600"/>
-            <a:ext cx="10741890" cy="1200329"/>
+            <a:off x="604007" y="1392572"/>
+            <a:ext cx="10905688" cy="2031325"/>
           </a:xfrm>
           <a:prstGeom prst="rect">
             <a:avLst/>
@@ -3582,7 +3589,63 @@
                 <a:latin typeface="Roboto" panose="02000000000000000000" pitchFamily="2" charset="0"/>
                 <a:ea typeface="Roboto" panose="02000000000000000000" pitchFamily="2" charset="0"/>
               </a:rPr>
-              <a:t>Het data object ga je veel gebruiken ! Elke vue instantie gebruikt variabelen uit dit object. Je kan het zien als de model van een vue instantie. </a:t>
+              <a:t>Een vue instantie gaat door een hele boel </a:t>
+            </a:r>
+            <a:r>
+              <a:rPr lang="nl-BE" dirty="0" err="1">
+                <a:latin typeface="Roboto" panose="02000000000000000000" pitchFamily="2" charset="0"/>
+                <a:ea typeface="Roboto" panose="02000000000000000000" pitchFamily="2" charset="0"/>
+              </a:rPr>
+              <a:t>initialiseringen</a:t>
+            </a:r>
+            <a:r>
+              <a:rPr lang="nl-BE" dirty="0">
+                <a:latin typeface="Roboto" panose="02000000000000000000" pitchFamily="2" charset="0"/>
+                <a:ea typeface="Roboto" panose="02000000000000000000" pitchFamily="2" charset="0"/>
+              </a:rPr>
+              <a:t>. Deze worden </a:t>
+            </a:r>
+            <a:r>
+              <a:rPr lang="nl-BE" dirty="0" err="1">
+                <a:latin typeface="Roboto" panose="02000000000000000000" pitchFamily="2" charset="0"/>
+                <a:ea typeface="Roboto" panose="02000000000000000000" pitchFamily="2" charset="0"/>
+              </a:rPr>
+              <a:t>lifecycle</a:t>
+            </a:r>
+            <a:r>
+              <a:rPr lang="nl-BE" dirty="0">
+                <a:latin typeface="Roboto" panose="02000000000000000000" pitchFamily="2" charset="0"/>
+                <a:ea typeface="Roboto" panose="02000000000000000000" pitchFamily="2" charset="0"/>
+              </a:rPr>
+              <a:t> </a:t>
+            </a:r>
+            <a:r>
+              <a:rPr lang="nl-BE" dirty="0" err="1">
+                <a:latin typeface="Roboto" panose="02000000000000000000" pitchFamily="2" charset="0"/>
+                <a:ea typeface="Roboto" panose="02000000000000000000" pitchFamily="2" charset="0"/>
+              </a:rPr>
+              <a:t>hooks</a:t>
+            </a:r>
+            <a:r>
+              <a:rPr lang="nl-BE" dirty="0">
+                <a:latin typeface="Roboto" panose="02000000000000000000" pitchFamily="2" charset="0"/>
+                <a:ea typeface="Roboto" panose="02000000000000000000" pitchFamily="2" charset="0"/>
+              </a:rPr>
+              <a:t> </a:t>
+            </a:r>
+            <a:r>
+              <a:rPr lang="nl-BE" dirty="0" err="1">
+                <a:latin typeface="Roboto" panose="02000000000000000000" pitchFamily="2" charset="0"/>
+                <a:ea typeface="Roboto" panose="02000000000000000000" pitchFamily="2" charset="0"/>
+              </a:rPr>
+              <a:t>genoemt</a:t>
+            </a:r>
+            <a:r>
+              <a:rPr lang="nl-BE" dirty="0">
+                <a:latin typeface="Roboto" panose="02000000000000000000" pitchFamily="2" charset="0"/>
+                <a:ea typeface="Roboto" panose="02000000000000000000" pitchFamily="2" charset="0"/>
+              </a:rPr>
+              <a:t>.</a:t>
             </a:r>
           </a:p>
           <a:p>
@@ -3593,11 +3656,111 @@
           </a:p>
           <a:p>
             <a:r>
-              <a:rPr lang="nl-BE" b="1" dirty="0">
-                <a:latin typeface="Roboto" panose="02000000000000000000" pitchFamily="2" charset="0"/>
-                <a:ea typeface="Roboto" panose="02000000000000000000" pitchFamily="2" charset="0"/>
-              </a:rPr>
-              <a:t>Hoe gebruiken ?</a:t>
+              <a:rPr lang="nl-BE" dirty="0">
+                <a:latin typeface="Roboto" panose="02000000000000000000" pitchFamily="2" charset="0"/>
+                <a:ea typeface="Roboto" panose="02000000000000000000" pitchFamily="2" charset="0"/>
+              </a:rPr>
+              <a:t>Je kan deze methodes als triggers voor eigen logica.</a:t>
+            </a:r>
+          </a:p>
+          <a:p>
+            <a:endParaRPr lang="nl-BE" dirty="0">
+              <a:latin typeface="Roboto" panose="02000000000000000000" pitchFamily="2" charset="0"/>
+              <a:ea typeface="Roboto" panose="02000000000000000000" pitchFamily="2" charset="0"/>
+            </a:endParaRPr>
+          </a:p>
+          <a:p>
+            <a:r>
+              <a:rPr lang="nl-BE" dirty="0">
+                <a:latin typeface="Roboto" panose="02000000000000000000" pitchFamily="2" charset="0"/>
+                <a:ea typeface="Roboto" panose="02000000000000000000" pitchFamily="2" charset="0"/>
+              </a:rPr>
+              <a:t>bv : </a:t>
+            </a:r>
+            <a:r>
+              <a:rPr lang="nl-BE" dirty="0" err="1">
+                <a:latin typeface="Roboto" panose="02000000000000000000" pitchFamily="2" charset="0"/>
+                <a:ea typeface="Roboto" panose="02000000000000000000" pitchFamily="2" charset="0"/>
+              </a:rPr>
+              <a:t>created</a:t>
+            </a:r>
+            <a:r>
+              <a:rPr lang="nl-BE" dirty="0">
+                <a:latin typeface="Roboto" panose="02000000000000000000" pitchFamily="2" charset="0"/>
+                <a:ea typeface="Roboto" panose="02000000000000000000" pitchFamily="2" charset="0"/>
+              </a:rPr>
+              <a:t>, </a:t>
+            </a:r>
+            <a:r>
+              <a:rPr lang="nl-BE" dirty="0" err="1">
+                <a:latin typeface="Roboto" panose="02000000000000000000" pitchFamily="2" charset="0"/>
+                <a:ea typeface="Roboto" panose="02000000000000000000" pitchFamily="2" charset="0"/>
+              </a:rPr>
+              <a:t>mounted</a:t>
+            </a:r>
+            <a:r>
+              <a:rPr lang="nl-BE" dirty="0">
+                <a:latin typeface="Roboto" panose="02000000000000000000" pitchFamily="2" charset="0"/>
+                <a:ea typeface="Roboto" panose="02000000000000000000" pitchFamily="2" charset="0"/>
+              </a:rPr>
+              <a:t>, </a:t>
+            </a:r>
+            <a:r>
+              <a:rPr lang="nl-BE" dirty="0" err="1">
+                <a:latin typeface="Roboto" panose="02000000000000000000" pitchFamily="2" charset="0"/>
+                <a:ea typeface="Roboto" panose="02000000000000000000" pitchFamily="2" charset="0"/>
+              </a:rPr>
+              <a:t>updated</a:t>
+            </a:r>
+            <a:r>
+              <a:rPr lang="nl-BE" dirty="0">
+                <a:latin typeface="Roboto" panose="02000000000000000000" pitchFamily="2" charset="0"/>
+                <a:ea typeface="Roboto" panose="02000000000000000000" pitchFamily="2" charset="0"/>
+              </a:rPr>
+              <a:t>, </a:t>
+            </a:r>
+            <a:r>
+              <a:rPr lang="nl-BE" dirty="0" err="1">
+                <a:latin typeface="Roboto" panose="02000000000000000000" pitchFamily="2" charset="0"/>
+                <a:ea typeface="Roboto" panose="02000000000000000000" pitchFamily="2" charset="0"/>
+              </a:rPr>
+              <a:t>and</a:t>
+            </a:r>
+            <a:r>
+              <a:rPr lang="nl-BE" dirty="0">
+                <a:latin typeface="Roboto" panose="02000000000000000000" pitchFamily="2" charset="0"/>
+                <a:ea typeface="Roboto" panose="02000000000000000000" pitchFamily="2" charset="0"/>
+              </a:rPr>
+              <a:t> </a:t>
+            </a:r>
+            <a:r>
+              <a:rPr lang="nl-BE" dirty="0" err="1">
+                <a:latin typeface="Roboto" panose="02000000000000000000" pitchFamily="2" charset="0"/>
+                <a:ea typeface="Roboto" panose="02000000000000000000" pitchFamily="2" charset="0"/>
+              </a:rPr>
+              <a:t>destroyed</a:t>
+            </a:r>
+            <a:r>
+              <a:rPr lang="nl-BE" dirty="0">
+                <a:latin typeface="Roboto" panose="02000000000000000000" pitchFamily="2" charset="0"/>
+                <a:ea typeface="Roboto" panose="02000000000000000000" pitchFamily="2" charset="0"/>
+              </a:rPr>
+              <a:t>.</a:t>
+            </a:r>
+          </a:p>
+          <a:p>
+            <a:endParaRPr lang="nl-BE" dirty="0">
+              <a:latin typeface="Roboto" panose="02000000000000000000" pitchFamily="2" charset="0"/>
+              <a:ea typeface="Roboto" panose="02000000000000000000" pitchFamily="2" charset="0"/>
+            </a:endParaRPr>
+          </a:p>
+          <a:p>
+            <a:r>
+              <a:rPr lang="nl-BE" dirty="0">
+                <a:latin typeface="Roboto" panose="02000000000000000000" pitchFamily="2" charset="0"/>
+                <a:ea typeface="Roboto" panose="02000000000000000000" pitchFamily="2" charset="0"/>
+              </a:rPr>
+              <a:t>Voorbeeld: </a:t>
             </a:r>
           </a:p>
         </p:txBody>
@@ -3618,8 +3781,8 @@
         </p:blipFill>
         <p:spPr>
           <a:xfrm>
-            <a:off x="775855" y="3482039"/>
-            <a:ext cx="2495550" cy="1295400"/>
+            <a:off x="4296055" y="3320060"/>
+            <a:ext cx="2771775" cy="1838325"/>
           </a:xfrm>
           <a:prstGeom prst="rect">
             <a:avLst/>
@@ -3634,8 +3797,8 @@
         </p:nvSpPr>
         <p:spPr>
           <a:xfrm>
-            <a:off x="4144161" y="3482039"/>
-            <a:ext cx="2281806" cy="369332"/>
+            <a:off x="604007" y="5503178"/>
+            <a:ext cx="10268125" cy="369332"/>
           </a:xfrm>
           <a:prstGeom prst="rect">
             <a:avLst/>
@@ -3650,97 +3813,11 @@
           <a:p>
             <a:r>
               <a:rPr lang="nl-BE" dirty="0"/>
-              <a:t>Of gewoon :</a:t>
-            </a:r>
-          </a:p>
-        </p:txBody>
-      </p:sp>
-      <p:pic>
-        <p:nvPicPr>
-          <p:cNvPr id="6" name="Afbeelding 5"/>
-          <p:cNvPicPr>
-            <a:picLocks noChangeAspect="1"/>
-          </p:cNvPicPr>
-          <p:nvPr/>
-        </p:nvPicPr>
-        <p:blipFill>
-          <a:blip r:embed="rId3"/>
-          <a:stretch>
-            <a:fillRect/>
-          </a:stretch>
-        </p:blipFill>
-        <p:spPr>
-          <a:xfrm>
-            <a:off x="6308564" y="3370358"/>
-            <a:ext cx="2695575" cy="962025"/>
-          </a:xfrm>
-          <a:prstGeom prst="rect">
-            <a:avLst/>
-          </a:prstGeom>
-        </p:spPr>
-      </p:pic>
-      <p:sp>
-        <p:nvSpPr>
-          <p:cNvPr id="7" name="Tekstvak 6"/>
-          <p:cNvSpPr txBox="1"/>
-          <p:nvPr/>
-        </p:nvSpPr>
-        <p:spPr>
-          <a:xfrm>
-            <a:off x="775855" y="5142451"/>
-            <a:ext cx="10741890" cy="1477328"/>
-          </a:xfrm>
-          <a:prstGeom prst="rect">
-            <a:avLst/>
-          </a:prstGeom>
-          <a:noFill/>
-        </p:spPr>
-        <p:txBody>
-          <a:bodyPr wrap="square" rtlCol="0">
-            <a:spAutoFit/>
-          </a:bodyPr>
-          <a:lstStyle/>
-          <a:p>
-            <a:r>
-              <a:rPr lang="nl-BE" dirty="0"/>
-              <a:t>Hier is </a:t>
+              <a:t>De kop zal worden geprint als de </a:t>
             </a:r>
             <a:r>
               <a:rPr lang="nl-BE" dirty="0" err="1"/>
-              <a:t>two</a:t>
-            </a:r>
-            <a:r>
-              <a:rPr lang="nl-BE" dirty="0"/>
-              <a:t>-way-binding ook van toepassing:</a:t>
-            </a:r>
-          </a:p>
-          <a:p>
-            <a:endParaRPr lang="nl-BE" dirty="0"/>
-          </a:p>
-          <a:p>
-            <a:r>
-              <a:rPr lang="nl-BE" dirty="0"/>
-              <a:t>Verander je  “</a:t>
-            </a:r>
-            <a:r>
-              <a:rPr lang="nl-BE" dirty="0" err="1"/>
-              <a:t>vm.kop</a:t>
-            </a:r>
-            <a:r>
-              <a:rPr lang="nl-BE" dirty="0"/>
-              <a:t>” dan zal “</a:t>
-            </a:r>
-            <a:r>
-              <a:rPr lang="nl-BE" dirty="0" err="1"/>
-              <a:t>data.kop</a:t>
-            </a:r>
-            <a:r>
-              <a:rPr lang="nl-BE" dirty="0"/>
-              <a:t>” mee veranderen en </a:t>
-            </a:r>
-            <a:r>
-              <a:rPr lang="nl-BE" dirty="0" err="1"/>
-              <a:t>vice</a:t>
+              <a:t>lifecycle</a:t>
             </a:r>
             <a:r>
               <a:rPr lang="nl-BE" dirty="0"/>
@@ -3748,20 +3825,19 @@
             </a:r>
             <a:r>
               <a:rPr lang="nl-BE" dirty="0" err="1"/>
-              <a:t>verca</a:t>
+              <a:t>hook</a:t>
             </a:r>
             <a:r>
               <a:rPr lang="nl-BE" dirty="0"/>
-              <a:t>.</a:t>
-            </a:r>
-          </a:p>
-          <a:p>
-            <a:endParaRPr lang="nl-BE" dirty="0"/>
-          </a:p>
-          <a:p>
-            <a:r>
-              <a:rPr lang="nl-BE" b="1" dirty="0"/>
-              <a:t>Heel makkelijk en intuïtief in gebruik.</a:t>
+              <a:t> : “</a:t>
+            </a:r>
+            <a:r>
+              <a:rPr lang="nl-BE" dirty="0" err="1"/>
+              <a:t>created</a:t>
+            </a:r>
+            <a:r>
+              <a:rPr lang="nl-BE" dirty="0"/>
+              <a:t>” is uitgevoegd.</a:t>
             </a:r>
           </a:p>
         </p:txBody>
@@ -3769,7 +3845,7 @@
     </p:spTree>
     <p:extLst>
       <p:ext uri="{BB962C8B-B14F-4D97-AF65-F5344CB8AC3E}">
-        <p14:creationId xmlns:p14="http://schemas.microsoft.com/office/powerpoint/2010/main" val="1222091964"/>
+        <p14:creationId xmlns:p14="http://schemas.microsoft.com/office/powerpoint/2010/main" val="1208026655"/>
       </p:ext>
     </p:extLst>
   </p:cSld>
@@ -3798,14 +3874,14 @@
       </p:grpSpPr>
       <p:sp>
         <p:nvSpPr>
-          <p:cNvPr id="3" name="Tekstvak 2"/>
+          <p:cNvPr id="2" name="Tekstvak 1"/>
           <p:cNvSpPr txBox="1"/>
           <p:nvPr/>
         </p:nvSpPr>
         <p:spPr>
           <a:xfrm>
-            <a:off x="696285" y="377505"/>
-            <a:ext cx="10788243" cy="923330"/>
+            <a:off x="587229" y="486561"/>
+            <a:ext cx="11039912" cy="923330"/>
           </a:xfrm>
           <a:prstGeom prst="rect">
             <a:avLst/>
@@ -3823,21 +3899,21 @@
               <a:rPr lang="nl-BE" sz="5400" dirty="0">
                 <a:latin typeface="Headline One" panose="00000400000000000000" pitchFamily="2" charset="0"/>
               </a:rPr>
-              <a:t>Vue eigenschappen en methodes</a:t>
-            </a:r>
-          </a:p>
-        </p:txBody>
-      </p:sp>
-      <p:sp>
-        <p:nvSpPr>
-          <p:cNvPr id="4" name="Tekstvak 3"/>
+              <a:t>Template syntax</a:t>
+            </a:r>
+          </a:p>
+        </p:txBody>
+      </p:sp>
+      <p:sp>
+        <p:nvSpPr>
+          <p:cNvPr id="3" name="Tekstvak 2"/>
           <p:cNvSpPr txBox="1"/>
           <p:nvPr/>
         </p:nvSpPr>
         <p:spPr>
           <a:xfrm>
-            <a:off x="788565" y="1770077"/>
-            <a:ext cx="5066951" cy="3970318"/>
+            <a:off x="687897" y="1761688"/>
+            <a:ext cx="10695964" cy="646331"/>
           </a:xfrm>
           <a:prstGeom prst="rect">
             <a:avLst/>
@@ -3855,180 +3931,28 @@
                 <a:latin typeface="Roboto" panose="02000000000000000000" pitchFamily="2" charset="0"/>
                 <a:ea typeface="Roboto" panose="02000000000000000000" pitchFamily="2" charset="0"/>
               </a:rPr>
-              <a:t>Vue heeft ook een heleboel voorgeprogrammeerde </a:t>
+              <a:t>De syntax in de html file is zeer vanzelfsprekend en makkelijk </a:t>
             </a:r>
             <a:r>
               <a:rPr lang="nl-BE" dirty="0" err="1">
                 <a:latin typeface="Roboto" panose="02000000000000000000" pitchFamily="2" charset="0"/>
                 <a:ea typeface="Roboto" panose="02000000000000000000" pitchFamily="2" charset="0"/>
               </a:rPr>
-              <a:t>properties</a:t>
-            </a:r>
-            <a:r>
-              <a:rPr lang="nl-BE" dirty="0">
-                <a:latin typeface="Roboto" panose="02000000000000000000" pitchFamily="2" charset="0"/>
-                <a:ea typeface="Roboto" panose="02000000000000000000" pitchFamily="2" charset="0"/>
-              </a:rPr>
-              <a:t> en methodes.</a:t>
-            </a:r>
-          </a:p>
-          <a:p>
-            <a:endParaRPr lang="nl-BE" dirty="0">
-              <a:latin typeface="Roboto" panose="02000000000000000000" pitchFamily="2" charset="0"/>
-              <a:ea typeface="Roboto" panose="02000000000000000000" pitchFamily="2" charset="0"/>
-            </a:endParaRPr>
-          </a:p>
-          <a:p>
-            <a:r>
-              <a:rPr lang="nl-BE" dirty="0">
-                <a:latin typeface="Roboto" panose="02000000000000000000" pitchFamily="2" charset="0"/>
-                <a:ea typeface="Roboto" panose="02000000000000000000" pitchFamily="2" charset="0"/>
-              </a:rPr>
-              <a:t>Deze worden aangeduid met een $ teken.</a:t>
-            </a:r>
-          </a:p>
-          <a:p>
-            <a:endParaRPr lang="nl-BE" dirty="0">
-              <a:latin typeface="Roboto" panose="02000000000000000000" pitchFamily="2" charset="0"/>
-              <a:ea typeface="Roboto" panose="02000000000000000000" pitchFamily="2" charset="0"/>
-            </a:endParaRPr>
-          </a:p>
-          <a:p>
-            <a:r>
-              <a:rPr lang="nl-BE" dirty="0">
-                <a:latin typeface="Roboto" panose="02000000000000000000" pitchFamily="2" charset="0"/>
-                <a:ea typeface="Roboto" panose="02000000000000000000" pitchFamily="2" charset="0"/>
-              </a:rPr>
-              <a:t>Bijvoorbeeld: </a:t>
-            </a:r>
-          </a:p>
-          <a:p>
-            <a:r>
-              <a:rPr lang="nl-BE" dirty="0" err="1">
-                <a:latin typeface="Roboto" panose="02000000000000000000" pitchFamily="2" charset="0"/>
-                <a:ea typeface="Roboto" panose="02000000000000000000" pitchFamily="2" charset="0"/>
-              </a:rPr>
-              <a:t>app.$data</a:t>
-            </a:r>
-            <a:r>
-              <a:rPr lang="nl-BE" dirty="0">
-                <a:latin typeface="Roboto" panose="02000000000000000000" pitchFamily="2" charset="0"/>
-                <a:ea typeface="Roboto" panose="02000000000000000000" pitchFamily="2" charset="0"/>
-              </a:rPr>
-              <a:t> -&gt; dit is het data </a:t>
-            </a:r>
-            <a:r>
-              <a:rPr lang="nl-BE" dirty="0" err="1">
-                <a:latin typeface="Roboto" panose="02000000000000000000" pitchFamily="2" charset="0"/>
-                <a:ea typeface="Roboto" panose="02000000000000000000" pitchFamily="2" charset="0"/>
-              </a:rPr>
-              <a:t>opbject</a:t>
-            </a:r>
-            <a:r>
-              <a:rPr lang="nl-BE" dirty="0">
-                <a:latin typeface="Roboto" panose="02000000000000000000" pitchFamily="2" charset="0"/>
-                <a:ea typeface="Roboto" panose="02000000000000000000" pitchFamily="2" charset="0"/>
-              </a:rPr>
-              <a:t> van je instantie.</a:t>
-            </a:r>
-          </a:p>
-          <a:p>
-            <a:endParaRPr lang="nl-BE" dirty="0">
-              <a:latin typeface="Roboto" panose="02000000000000000000" pitchFamily="2" charset="0"/>
-              <a:ea typeface="Roboto" panose="02000000000000000000" pitchFamily="2" charset="0"/>
-            </a:endParaRPr>
-          </a:p>
-          <a:p>
-            <a:r>
-              <a:rPr lang="nl-BE" dirty="0">
-                <a:latin typeface="Roboto" panose="02000000000000000000" pitchFamily="2" charset="0"/>
-                <a:ea typeface="Roboto" panose="02000000000000000000" pitchFamily="2" charset="0"/>
-              </a:rPr>
-              <a:t>Of </a:t>
-            </a:r>
-            <a:r>
-              <a:rPr lang="nl-BE" dirty="0" err="1">
-                <a:latin typeface="Roboto" panose="02000000000000000000" pitchFamily="2" charset="0"/>
-                <a:ea typeface="Roboto" panose="02000000000000000000" pitchFamily="2" charset="0"/>
-              </a:rPr>
-              <a:t>app.$el</a:t>
-            </a:r>
-            <a:r>
-              <a:rPr lang="nl-BE" dirty="0">
-                <a:latin typeface="Roboto" panose="02000000000000000000" pitchFamily="2" charset="0"/>
-                <a:ea typeface="Roboto" panose="02000000000000000000" pitchFamily="2" charset="0"/>
-              </a:rPr>
-              <a:t> -&gt; Dit stelt het html object voor waaraan de instantie is </a:t>
-            </a:r>
-            <a:r>
-              <a:rPr lang="nl-BE" dirty="0" err="1">
-                <a:latin typeface="Roboto" panose="02000000000000000000" pitchFamily="2" charset="0"/>
-                <a:ea typeface="Roboto" panose="02000000000000000000" pitchFamily="2" charset="0"/>
-              </a:rPr>
-              <a:t>gekoppelt</a:t>
-            </a:r>
-            <a:r>
-              <a:rPr lang="nl-BE" dirty="0">
-                <a:latin typeface="Roboto" panose="02000000000000000000" pitchFamily="2" charset="0"/>
-                <a:ea typeface="Roboto" panose="02000000000000000000" pitchFamily="2" charset="0"/>
-              </a:rPr>
-              <a:t>.</a:t>
-            </a:r>
-          </a:p>
-          <a:p>
-            <a:endParaRPr lang="nl-BE" dirty="0">
-              <a:latin typeface="Roboto" panose="02000000000000000000" pitchFamily="2" charset="0"/>
-              <a:ea typeface="Roboto" panose="02000000000000000000" pitchFamily="2" charset="0"/>
-            </a:endParaRPr>
-          </a:p>
-          <a:p>
-            <a:endParaRPr lang="nl-BE" dirty="0">
-              <a:latin typeface="Roboto" panose="02000000000000000000" pitchFamily="2" charset="0"/>
-              <a:ea typeface="Roboto" panose="02000000000000000000" pitchFamily="2" charset="0"/>
-            </a:endParaRPr>
-          </a:p>
-        </p:txBody>
-      </p:sp>
-      <p:sp>
-        <p:nvSpPr>
-          <p:cNvPr id="5" name="Tekstvak 4"/>
-          <p:cNvSpPr txBox="1"/>
-          <p:nvPr/>
-        </p:nvSpPr>
-        <p:spPr>
-          <a:xfrm>
-            <a:off x="6442745" y="1862356"/>
-            <a:ext cx="4580389" cy="1200329"/>
-          </a:xfrm>
-          <a:prstGeom prst="rect">
-            <a:avLst/>
-          </a:prstGeom>
-          <a:noFill/>
-        </p:spPr>
-        <p:txBody>
-          <a:bodyPr wrap="square" rtlCol="0">
-            <a:spAutoFit/>
-          </a:bodyPr>
-          <a:lstStyle/>
-          <a:p>
-            <a:r>
-              <a:rPr lang="nl-BE" dirty="0"/>
-              <a:t>Er is ook de $</a:t>
-            </a:r>
-            <a:r>
-              <a:rPr lang="nl-BE" dirty="0" err="1"/>
-              <a:t>watch</a:t>
-            </a:r>
-            <a:r>
-              <a:rPr lang="nl-BE" dirty="0"/>
-              <a:t> methode. Met deze methode kan je een variabele in het oog houden en een functie uitvoeren wanneer deze variabele wijzigt.</a:t>
+              <a:t>interpreteerbaar</a:t>
+            </a:r>
+            <a:r>
+              <a:rPr lang="nl-BE" dirty="0">
+                <a:latin typeface="Roboto" panose="02000000000000000000" pitchFamily="2" charset="0"/>
+                <a:ea typeface="Roboto" panose="02000000000000000000" pitchFamily="2" charset="0"/>
+              </a:rPr>
+              <a:t> hier zijn een paar belangrijke zaken.</a:t>
             </a:r>
           </a:p>
         </p:txBody>
       </p:sp>
       <p:pic>
         <p:nvPicPr>
-          <p:cNvPr id="6" name="Afbeelding 5"/>
+          <p:cNvPr id="4" name="Afbeelding 3"/>
           <p:cNvPicPr>
             <a:picLocks noChangeAspect="1"/>
           </p:cNvPicPr>
@@ -4042,18 +3966,226 @@
         </p:blipFill>
         <p:spPr>
           <a:xfrm>
-            <a:off x="5837339" y="4287805"/>
-            <a:ext cx="5791200" cy="876300"/>
+            <a:off x="3840366" y="2622582"/>
+            <a:ext cx="4391025" cy="847725"/>
           </a:xfrm>
           <a:prstGeom prst="rect">
             <a:avLst/>
           </a:prstGeom>
         </p:spPr>
       </p:pic>
+      <p:sp>
+        <p:nvSpPr>
+          <p:cNvPr id="5" name="Tekstvak 4"/>
+          <p:cNvSpPr txBox="1"/>
+          <p:nvPr/>
+        </p:nvSpPr>
+        <p:spPr>
+          <a:xfrm>
+            <a:off x="595618" y="3823340"/>
+            <a:ext cx="10075178" cy="369332"/>
+          </a:xfrm>
+          <a:prstGeom prst="rect">
+            <a:avLst/>
+          </a:prstGeom>
+          <a:noFill/>
+        </p:spPr>
+        <p:txBody>
+          <a:bodyPr wrap="square" rtlCol="0">
+            <a:spAutoFit/>
+          </a:bodyPr>
+          <a:lstStyle/>
+          <a:p>
+            <a:r>
+              <a:rPr lang="nl-BE" dirty="0">
+                <a:latin typeface="Roboto" panose="02000000000000000000" pitchFamily="2" charset="0"/>
+                <a:ea typeface="Roboto" panose="02000000000000000000" pitchFamily="2" charset="0"/>
+              </a:rPr>
+              <a:t>Als je variabelen wilt tonen in de html moet het tussen dubbele accolades staan. {{}}</a:t>
+            </a:r>
+          </a:p>
+        </p:txBody>
+      </p:sp>
+      <p:sp>
+        <p:nvSpPr>
+          <p:cNvPr id="7" name="Tekstvak 6"/>
+          <p:cNvSpPr txBox="1"/>
+          <p:nvPr/>
+        </p:nvSpPr>
+        <p:spPr>
+          <a:xfrm>
+            <a:off x="587229" y="4192672"/>
+            <a:ext cx="10083567" cy="646331"/>
+          </a:xfrm>
+          <a:prstGeom prst="rect">
+            <a:avLst/>
+          </a:prstGeom>
+          <a:noFill/>
+        </p:spPr>
+        <p:txBody>
+          <a:bodyPr wrap="square" rtlCol="0">
+            <a:spAutoFit/>
+          </a:bodyPr>
+          <a:lstStyle/>
+          <a:p>
+            <a:r>
+              <a:rPr lang="nl-BE" dirty="0">
+                <a:latin typeface="Roboto" panose="02000000000000000000" pitchFamily="2" charset="0"/>
+                <a:ea typeface="Roboto" panose="02000000000000000000" pitchFamily="2" charset="0"/>
+              </a:rPr>
+              <a:t>Als je het </a:t>
+            </a:r>
+            <a:r>
+              <a:rPr lang="nl-BE" dirty="0" err="1">
+                <a:latin typeface="Roboto" panose="02000000000000000000" pitchFamily="2" charset="0"/>
+                <a:ea typeface="Roboto" panose="02000000000000000000" pitchFamily="2" charset="0"/>
+              </a:rPr>
+              <a:t>attribute</a:t>
+            </a:r>
+            <a:r>
+              <a:rPr lang="nl-BE" dirty="0">
+                <a:latin typeface="Roboto" panose="02000000000000000000" pitchFamily="2" charset="0"/>
+                <a:ea typeface="Roboto" panose="02000000000000000000" pitchFamily="2" charset="0"/>
+              </a:rPr>
+              <a:t> v-</a:t>
+            </a:r>
+            <a:r>
+              <a:rPr lang="nl-BE" dirty="0" err="1">
+                <a:latin typeface="Roboto" panose="02000000000000000000" pitchFamily="2" charset="0"/>
+                <a:ea typeface="Roboto" panose="02000000000000000000" pitchFamily="2" charset="0"/>
+              </a:rPr>
+              <a:t>once</a:t>
+            </a:r>
+            <a:r>
+              <a:rPr lang="nl-BE" dirty="0">
+                <a:latin typeface="Roboto" panose="02000000000000000000" pitchFamily="2" charset="0"/>
+                <a:ea typeface="Roboto" panose="02000000000000000000" pitchFamily="2" charset="0"/>
+              </a:rPr>
+              <a:t> in het element gebruikt zal een verandering van de variabele niet zichtbaar zijn .</a:t>
+            </a:r>
+          </a:p>
+        </p:txBody>
+      </p:sp>
+      <p:sp>
+        <p:nvSpPr>
+          <p:cNvPr id="8" name="Tekstvak 7"/>
+          <p:cNvSpPr txBox="1"/>
+          <p:nvPr/>
+        </p:nvSpPr>
+        <p:spPr>
+          <a:xfrm>
+            <a:off x="587229" y="4902692"/>
+            <a:ext cx="10050011" cy="646331"/>
+          </a:xfrm>
+          <a:prstGeom prst="rect">
+            <a:avLst/>
+          </a:prstGeom>
+          <a:noFill/>
+        </p:spPr>
+        <p:txBody>
+          <a:bodyPr wrap="square" rtlCol="0">
+            <a:spAutoFit/>
+          </a:bodyPr>
+          <a:lstStyle/>
+          <a:p>
+            <a:r>
+              <a:rPr lang="nl-BE" dirty="0">
+                <a:latin typeface="Roboto" panose="02000000000000000000" pitchFamily="2" charset="0"/>
+                <a:ea typeface="Roboto" panose="02000000000000000000" pitchFamily="2" charset="0"/>
+              </a:rPr>
+              <a:t>Wil je een attribuut binden aan een variabele dan gebruik je niet de dubbele accolades. Dan zet je het tussen aanhalingstekens:</a:t>
+            </a:r>
+          </a:p>
+        </p:txBody>
+      </p:sp>
+      <p:pic>
+        <p:nvPicPr>
+          <p:cNvPr id="9" name="Afbeelding 8"/>
+          <p:cNvPicPr>
+            <a:picLocks noChangeAspect="1"/>
+          </p:cNvPicPr>
+          <p:nvPr/>
+        </p:nvPicPr>
+        <p:blipFill>
+          <a:blip r:embed="rId3"/>
+          <a:stretch>
+            <a:fillRect/>
+          </a:stretch>
+        </p:blipFill>
+        <p:spPr>
+          <a:xfrm>
+            <a:off x="4492828" y="5537879"/>
+            <a:ext cx="3086100" cy="342900"/>
+          </a:xfrm>
+          <a:prstGeom prst="rect">
+            <a:avLst/>
+          </a:prstGeom>
+        </p:spPr>
+      </p:pic>
+      <p:sp>
+        <p:nvSpPr>
+          <p:cNvPr id="10" name="Tekstvak 9"/>
+          <p:cNvSpPr txBox="1"/>
+          <p:nvPr/>
+        </p:nvSpPr>
+        <p:spPr>
+          <a:xfrm>
+            <a:off x="587229" y="5999544"/>
+            <a:ext cx="10268125" cy="369332"/>
+          </a:xfrm>
+          <a:prstGeom prst="rect">
+            <a:avLst/>
+          </a:prstGeom>
+          <a:noFill/>
+        </p:spPr>
+        <p:txBody>
+          <a:bodyPr wrap="square" rtlCol="0">
+            <a:spAutoFit/>
+          </a:bodyPr>
+          <a:lstStyle/>
+          <a:p>
+            <a:r>
+              <a:rPr lang="nl-BE" dirty="0">
+                <a:latin typeface="Roboto" panose="02000000000000000000" pitchFamily="2" charset="0"/>
+                <a:ea typeface="Roboto" panose="02000000000000000000" pitchFamily="2" charset="0"/>
+              </a:rPr>
+              <a:t>Hierbij zal het attribuut </a:t>
+            </a:r>
+            <a:r>
+              <a:rPr lang="nl-BE" dirty="0" err="1">
+                <a:latin typeface="Roboto" panose="02000000000000000000" pitchFamily="2" charset="0"/>
+                <a:ea typeface="Roboto" panose="02000000000000000000" pitchFamily="2" charset="0"/>
+              </a:rPr>
+              <a:t>id</a:t>
+            </a:r>
+            <a:r>
+              <a:rPr lang="nl-BE" dirty="0">
+                <a:latin typeface="Roboto" panose="02000000000000000000" pitchFamily="2" charset="0"/>
+                <a:ea typeface="Roboto" panose="02000000000000000000" pitchFamily="2" charset="0"/>
+              </a:rPr>
+              <a:t> overeenkomen met de variabele </a:t>
+            </a:r>
+            <a:r>
+              <a:rPr lang="nl-BE" dirty="0" err="1">
+                <a:latin typeface="Roboto" panose="02000000000000000000" pitchFamily="2" charset="0"/>
+                <a:ea typeface="Roboto" panose="02000000000000000000" pitchFamily="2" charset="0"/>
+              </a:rPr>
+              <a:t>customid</a:t>
+            </a:r>
+            <a:r>
+              <a:rPr lang="nl-BE" dirty="0">
+                <a:latin typeface="Roboto" panose="02000000000000000000" pitchFamily="2" charset="0"/>
+                <a:ea typeface="Roboto" panose="02000000000000000000" pitchFamily="2" charset="0"/>
+              </a:rPr>
+              <a:t>.</a:t>
+            </a:r>
+          </a:p>
+        </p:txBody>
+      </p:sp>
     </p:spTree>
     <p:extLst>
       <p:ext uri="{BB962C8B-B14F-4D97-AF65-F5344CB8AC3E}">
-        <p14:creationId xmlns:p14="http://schemas.microsoft.com/office/powerpoint/2010/main" val="1135121152"/>
+        <p14:creationId xmlns:p14="http://schemas.microsoft.com/office/powerpoint/2010/main" val="3535044"/>
       </p:ext>
     </p:extLst>
   </p:cSld>
@@ -4088,8 +4220,8 @@
         </p:nvSpPr>
         <p:spPr>
           <a:xfrm>
-            <a:off x="713064" y="343949"/>
-            <a:ext cx="10796631" cy="923330"/>
+            <a:off x="822121" y="3531765"/>
+            <a:ext cx="10704352" cy="369332"/>
           </a:xfrm>
           <a:prstGeom prst="rect">
             <a:avLst/>
@@ -4102,237 +4234,19 @@
           </a:bodyPr>
           <a:lstStyle/>
           <a:p>
-            <a:pPr algn="ctr"/>
-            <a:r>
-              <a:rPr lang="nl-BE" sz="5400" dirty="0" err="1">
-                <a:latin typeface="Headline One" panose="00000400000000000000" pitchFamily="2" charset="0"/>
-              </a:rPr>
-              <a:t>lifecycle</a:t>
-            </a:r>
-            <a:r>
-              <a:rPr lang="nl-BE" sz="5400" dirty="0">
-                <a:latin typeface="Headline One" panose="00000400000000000000" pitchFamily="2" charset="0"/>
-              </a:rPr>
-              <a:t> </a:t>
-            </a:r>
-            <a:r>
-              <a:rPr lang="nl-BE" sz="5400" dirty="0" err="1">
-                <a:latin typeface="Headline One" panose="00000400000000000000" pitchFamily="2" charset="0"/>
-              </a:rPr>
-              <a:t>hooks</a:t>
-            </a:r>
-            <a:endParaRPr lang="nl-BE" sz="5400" dirty="0">
-              <a:latin typeface="Headline One" panose="00000400000000000000" pitchFamily="2" charset="0"/>
-            </a:endParaRPr>
-          </a:p>
-        </p:txBody>
-      </p:sp>
-      <p:sp>
-        <p:nvSpPr>
-          <p:cNvPr id="3" name="Tekstvak 2"/>
-          <p:cNvSpPr txBox="1"/>
-          <p:nvPr/>
-        </p:nvSpPr>
-        <p:spPr>
-          <a:xfrm>
-            <a:off x="604007" y="1392572"/>
-            <a:ext cx="10905688" cy="2031325"/>
-          </a:xfrm>
-          <a:prstGeom prst="rect">
-            <a:avLst/>
-          </a:prstGeom>
-          <a:noFill/>
-        </p:spPr>
-        <p:txBody>
-          <a:bodyPr wrap="square" rtlCol="0">
-            <a:spAutoFit/>
-          </a:bodyPr>
-          <a:lstStyle/>
-          <a:p>
-            <a:r>
-              <a:rPr lang="nl-BE" dirty="0">
-                <a:latin typeface="Roboto" panose="02000000000000000000" pitchFamily="2" charset="0"/>
-                <a:ea typeface="Roboto" panose="02000000000000000000" pitchFamily="2" charset="0"/>
-              </a:rPr>
-              <a:t>Een vue instantie gaat door een hele boel </a:t>
-            </a:r>
-            <a:r>
-              <a:rPr lang="nl-BE" dirty="0" err="1">
-                <a:latin typeface="Roboto" panose="02000000000000000000" pitchFamily="2" charset="0"/>
-                <a:ea typeface="Roboto" panose="02000000000000000000" pitchFamily="2" charset="0"/>
-              </a:rPr>
-              <a:t>initialiseringen</a:t>
-            </a:r>
-            <a:r>
-              <a:rPr lang="nl-BE" dirty="0">
-                <a:latin typeface="Roboto" panose="02000000000000000000" pitchFamily="2" charset="0"/>
-                <a:ea typeface="Roboto" panose="02000000000000000000" pitchFamily="2" charset="0"/>
-              </a:rPr>
-              <a:t>. Deze worden </a:t>
-            </a:r>
-            <a:r>
-              <a:rPr lang="nl-BE" dirty="0" err="1">
-                <a:latin typeface="Roboto" panose="02000000000000000000" pitchFamily="2" charset="0"/>
-                <a:ea typeface="Roboto" panose="02000000000000000000" pitchFamily="2" charset="0"/>
-              </a:rPr>
-              <a:t>lifecycle</a:t>
-            </a:r>
-            <a:r>
-              <a:rPr lang="nl-BE" dirty="0">
-                <a:latin typeface="Roboto" panose="02000000000000000000" pitchFamily="2" charset="0"/>
-                <a:ea typeface="Roboto" panose="02000000000000000000" pitchFamily="2" charset="0"/>
-              </a:rPr>
-              <a:t> </a:t>
-            </a:r>
-            <a:r>
-              <a:rPr lang="nl-BE" dirty="0" err="1">
-                <a:latin typeface="Roboto" panose="02000000000000000000" pitchFamily="2" charset="0"/>
-                <a:ea typeface="Roboto" panose="02000000000000000000" pitchFamily="2" charset="0"/>
-              </a:rPr>
-              <a:t>hooks</a:t>
-            </a:r>
-            <a:r>
-              <a:rPr lang="nl-BE" dirty="0">
-                <a:latin typeface="Roboto" panose="02000000000000000000" pitchFamily="2" charset="0"/>
-                <a:ea typeface="Roboto" panose="02000000000000000000" pitchFamily="2" charset="0"/>
-              </a:rPr>
-              <a:t> </a:t>
-            </a:r>
-            <a:r>
-              <a:rPr lang="nl-BE" dirty="0" err="1">
-                <a:latin typeface="Roboto" panose="02000000000000000000" pitchFamily="2" charset="0"/>
-                <a:ea typeface="Roboto" panose="02000000000000000000" pitchFamily="2" charset="0"/>
-              </a:rPr>
-              <a:t>genoemt</a:t>
-            </a:r>
-            <a:r>
-              <a:rPr lang="nl-BE" dirty="0">
-                <a:latin typeface="Roboto" panose="02000000000000000000" pitchFamily="2" charset="0"/>
-                <a:ea typeface="Roboto" panose="02000000000000000000" pitchFamily="2" charset="0"/>
-              </a:rPr>
-              <a:t>.</a:t>
-            </a:r>
-          </a:p>
-          <a:p>
-            <a:endParaRPr lang="nl-BE" dirty="0">
-              <a:latin typeface="Roboto" panose="02000000000000000000" pitchFamily="2" charset="0"/>
-              <a:ea typeface="Roboto" panose="02000000000000000000" pitchFamily="2" charset="0"/>
-            </a:endParaRPr>
-          </a:p>
-          <a:p>
-            <a:r>
-              <a:rPr lang="nl-BE" dirty="0">
-                <a:latin typeface="Roboto" panose="02000000000000000000" pitchFamily="2" charset="0"/>
-                <a:ea typeface="Roboto" panose="02000000000000000000" pitchFamily="2" charset="0"/>
-              </a:rPr>
-              <a:t>Je kan deze methodes als triggers voor eigen logica.</a:t>
-            </a:r>
-          </a:p>
-          <a:p>
-            <a:endParaRPr lang="nl-BE" dirty="0">
-              <a:latin typeface="Roboto" panose="02000000000000000000" pitchFamily="2" charset="0"/>
-              <a:ea typeface="Roboto" panose="02000000000000000000" pitchFamily="2" charset="0"/>
-            </a:endParaRPr>
-          </a:p>
-          <a:p>
-            <a:r>
-              <a:rPr lang="nl-BE" dirty="0">
-                <a:latin typeface="Roboto" panose="02000000000000000000" pitchFamily="2" charset="0"/>
-                <a:ea typeface="Roboto" panose="02000000000000000000" pitchFamily="2" charset="0"/>
-              </a:rPr>
-              <a:t>bv : </a:t>
-            </a:r>
-            <a:r>
-              <a:rPr lang="nl-BE" dirty="0" err="1">
-                <a:latin typeface="Roboto" panose="02000000000000000000" pitchFamily="2" charset="0"/>
-                <a:ea typeface="Roboto" panose="02000000000000000000" pitchFamily="2" charset="0"/>
-              </a:rPr>
-              <a:t>created</a:t>
-            </a:r>
-            <a:r>
-              <a:rPr lang="nl-BE" dirty="0">
-                <a:latin typeface="Roboto" panose="02000000000000000000" pitchFamily="2" charset="0"/>
-                <a:ea typeface="Roboto" panose="02000000000000000000" pitchFamily="2" charset="0"/>
-              </a:rPr>
-              <a:t>, </a:t>
-            </a:r>
-            <a:r>
-              <a:rPr lang="nl-BE" dirty="0" err="1">
-                <a:latin typeface="Roboto" panose="02000000000000000000" pitchFamily="2" charset="0"/>
-                <a:ea typeface="Roboto" panose="02000000000000000000" pitchFamily="2" charset="0"/>
-              </a:rPr>
-              <a:t>mounted</a:t>
-            </a:r>
-            <a:r>
-              <a:rPr lang="nl-BE" dirty="0">
-                <a:latin typeface="Roboto" panose="02000000000000000000" pitchFamily="2" charset="0"/>
-                <a:ea typeface="Roboto" panose="02000000000000000000" pitchFamily="2" charset="0"/>
-              </a:rPr>
-              <a:t>, </a:t>
-            </a:r>
-            <a:r>
-              <a:rPr lang="nl-BE" dirty="0" err="1">
-                <a:latin typeface="Roboto" panose="02000000000000000000" pitchFamily="2" charset="0"/>
-                <a:ea typeface="Roboto" panose="02000000000000000000" pitchFamily="2" charset="0"/>
-              </a:rPr>
-              <a:t>updated</a:t>
-            </a:r>
-            <a:r>
-              <a:rPr lang="nl-BE" dirty="0">
-                <a:latin typeface="Roboto" panose="02000000000000000000" pitchFamily="2" charset="0"/>
-                <a:ea typeface="Roboto" panose="02000000000000000000" pitchFamily="2" charset="0"/>
-              </a:rPr>
-              <a:t>, </a:t>
-            </a:r>
-            <a:r>
-              <a:rPr lang="nl-BE" dirty="0" err="1">
-                <a:latin typeface="Roboto" panose="02000000000000000000" pitchFamily="2" charset="0"/>
-                <a:ea typeface="Roboto" panose="02000000000000000000" pitchFamily="2" charset="0"/>
-              </a:rPr>
-              <a:t>and</a:t>
-            </a:r>
-            <a:r>
-              <a:rPr lang="nl-BE" dirty="0">
-                <a:latin typeface="Roboto" panose="02000000000000000000" pitchFamily="2" charset="0"/>
-                <a:ea typeface="Roboto" panose="02000000000000000000" pitchFamily="2" charset="0"/>
-              </a:rPr>
-              <a:t> </a:t>
-            </a:r>
-            <a:r>
-              <a:rPr lang="nl-BE" dirty="0" err="1">
-                <a:latin typeface="Roboto" panose="02000000000000000000" pitchFamily="2" charset="0"/>
-                <a:ea typeface="Roboto" panose="02000000000000000000" pitchFamily="2" charset="0"/>
-              </a:rPr>
-              <a:t>destroyed</a:t>
-            </a:r>
-            <a:r>
-              <a:rPr lang="nl-BE" dirty="0">
-                <a:latin typeface="Roboto" panose="02000000000000000000" pitchFamily="2" charset="0"/>
-                <a:ea typeface="Roboto" panose="02000000000000000000" pitchFamily="2" charset="0"/>
-              </a:rPr>
-              <a:t>.</a:t>
-            </a:r>
-          </a:p>
-          <a:p>
-            <a:endParaRPr lang="nl-BE" dirty="0">
-              <a:latin typeface="Roboto" panose="02000000000000000000" pitchFamily="2" charset="0"/>
-              <a:ea typeface="Roboto" panose="02000000000000000000" pitchFamily="2" charset="0"/>
-            </a:endParaRPr>
-          </a:p>
-          <a:p>
-            <a:r>
-              <a:rPr lang="nl-BE" dirty="0">
-                <a:latin typeface="Roboto" panose="02000000000000000000" pitchFamily="2" charset="0"/>
-                <a:ea typeface="Roboto" panose="02000000000000000000" pitchFamily="2" charset="0"/>
-              </a:rPr>
-              <a:t>Voorbeeld: </a:t>
+            <a:r>
+              <a:rPr lang="nl-BE" dirty="0">
+                <a:latin typeface="Roboto" panose="02000000000000000000" pitchFamily="2" charset="0"/>
+                <a:ea typeface="Roboto" panose="02000000000000000000" pitchFamily="2" charset="0"/>
+              </a:rPr>
+              <a:t>En ook filters gebruiken om je data te wijzigen.</a:t>
             </a:r>
           </a:p>
         </p:txBody>
       </p:sp>
       <p:pic>
         <p:nvPicPr>
-          <p:cNvPr id="4" name="Afbeelding 3"/>
+          <p:cNvPr id="3" name="Afbeelding 2"/>
           <p:cNvPicPr>
             <a:picLocks noChangeAspect="1"/>
           </p:cNvPicPr>
@@ -4346,8 +4260,8 @@
         </p:blipFill>
         <p:spPr>
           <a:xfrm>
-            <a:off x="4296055" y="3320060"/>
-            <a:ext cx="2771775" cy="1838325"/>
+            <a:off x="822121" y="4348416"/>
+            <a:ext cx="2324100" cy="485775"/>
           </a:xfrm>
           <a:prstGeom prst="rect">
             <a:avLst/>
@@ -4356,14 +4270,14 @@
       </p:pic>
       <p:sp>
         <p:nvSpPr>
-          <p:cNvPr id="5" name="Tekstvak 4"/>
+          <p:cNvPr id="4" name="Tekstvak 3"/>
           <p:cNvSpPr txBox="1"/>
           <p:nvPr/>
         </p:nvSpPr>
         <p:spPr>
           <a:xfrm>
-            <a:off x="604007" y="5503178"/>
-            <a:ext cx="10268125" cy="369332"/>
+            <a:off x="3512077" y="4348416"/>
+            <a:ext cx="8117632" cy="369332"/>
           </a:xfrm>
           <a:prstGeom prst="rect">
             <a:avLst/>
@@ -4378,39 +4292,76 @@
           <a:p>
             <a:r>
               <a:rPr lang="nl-BE" dirty="0"/>
-              <a:t>De kop zal worden geprint als de </a:t>
+              <a:t>Dit doe je door er een | tussen te zette. De filters kan je ook </a:t>
             </a:r>
             <a:r>
               <a:rPr lang="nl-BE" dirty="0" err="1"/>
-              <a:t>lifecycle</a:t>
+              <a:t>chainen</a:t>
             </a:r>
             <a:r>
               <a:rPr lang="nl-BE" dirty="0"/>
-              <a:t> </a:t>
-            </a:r>
-            <a:r>
-              <a:rPr lang="nl-BE" dirty="0" err="1"/>
-              <a:t>hook</a:t>
-            </a:r>
+              <a:t>.</a:t>
+            </a:r>
+          </a:p>
+        </p:txBody>
+      </p:sp>
+      <p:sp>
+        <p:nvSpPr>
+          <p:cNvPr id="5" name="Tekstvak 4"/>
+          <p:cNvSpPr txBox="1"/>
+          <p:nvPr/>
+        </p:nvSpPr>
+        <p:spPr>
+          <a:xfrm>
+            <a:off x="746620" y="377505"/>
+            <a:ext cx="10947633" cy="369332"/>
+          </a:xfrm>
+          <a:prstGeom prst="rect">
+            <a:avLst/>
+          </a:prstGeom>
+          <a:noFill/>
+        </p:spPr>
+        <p:txBody>
+          <a:bodyPr wrap="square" rtlCol="0">
+            <a:spAutoFit/>
+          </a:bodyPr>
+          <a:lstStyle/>
+          <a:p>
             <a:r>
               <a:rPr lang="nl-BE" dirty="0"/>
-              <a:t> : “</a:t>
-            </a:r>
-            <a:r>
-              <a:rPr lang="nl-BE" dirty="0" err="1"/>
-              <a:t>created</a:t>
-            </a:r>
-            <a:r>
-              <a:rPr lang="nl-BE" dirty="0"/>
-              <a:t>” is uitgevoegd.</a:t>
-            </a:r>
-          </a:p>
-        </p:txBody>
-      </p:sp>
+              <a:t>Je kan ook basis javascript gebruiken tussen deze dubbele accolade. </a:t>
+            </a:r>
+          </a:p>
+        </p:txBody>
+      </p:sp>
+      <p:pic>
+        <p:nvPicPr>
+          <p:cNvPr id="6" name="Afbeelding 5"/>
+          <p:cNvPicPr>
+            <a:picLocks noChangeAspect="1"/>
+          </p:cNvPicPr>
+          <p:nvPr/>
+        </p:nvPicPr>
+        <p:blipFill>
+          <a:blip r:embed="rId3"/>
+          <a:stretch>
+            <a:fillRect/>
+          </a:stretch>
+        </p:blipFill>
+        <p:spPr>
+          <a:xfrm>
+            <a:off x="822121" y="1480826"/>
+            <a:ext cx="2790825" cy="1066800"/>
+          </a:xfrm>
+          <a:prstGeom prst="rect">
+            <a:avLst/>
+          </a:prstGeom>
+        </p:spPr>
+      </p:pic>
     </p:spTree>
     <p:extLst>
       <p:ext uri="{BB962C8B-B14F-4D97-AF65-F5344CB8AC3E}">
-        <p14:creationId xmlns:p14="http://schemas.microsoft.com/office/powerpoint/2010/main" val="1208026655"/>
+        <p14:creationId xmlns:p14="http://schemas.microsoft.com/office/powerpoint/2010/main" val="1955700912"/>
       </p:ext>
     </p:extLst>
   </p:cSld>
@@ -4445,8 +4396,8 @@
         </p:nvSpPr>
         <p:spPr>
           <a:xfrm>
-            <a:off x="587229" y="486561"/>
-            <a:ext cx="11039912" cy="923330"/>
+            <a:off x="654341" y="302004"/>
+            <a:ext cx="10855354" cy="923330"/>
           </a:xfrm>
           <a:prstGeom prst="rect">
             <a:avLst/>
@@ -4461,11 +4412,26 @@
           <a:p>
             <a:pPr algn="ctr"/>
             <a:r>
+              <a:rPr lang="nl-BE" sz="5400" dirty="0" err="1">
+                <a:latin typeface="Headline One" panose="00000400000000000000" pitchFamily="2" charset="0"/>
+              </a:rPr>
+              <a:t>Vue’s</a:t>
+            </a:r>
+            <a:r>
               <a:rPr lang="nl-BE" sz="5400" dirty="0">
                 <a:latin typeface="Headline One" panose="00000400000000000000" pitchFamily="2" charset="0"/>
               </a:rPr>
-              <a:t>Template syntax</a:t>
-            </a:r>
+              <a:t> </a:t>
+            </a:r>
+            <a:r>
+              <a:rPr lang="nl-BE" sz="5400" dirty="0" err="1">
+                <a:latin typeface="Headline One" panose="00000400000000000000" pitchFamily="2" charset="0"/>
+              </a:rPr>
+              <a:t>directives</a:t>
+            </a:r>
+            <a:endParaRPr lang="nl-BE" sz="5400" dirty="0">
+              <a:latin typeface="Headline One" panose="00000400000000000000" pitchFamily="2" charset="0"/>
+            </a:endParaRPr>
           </a:p>
         </p:txBody>
       </p:sp>
@@ -4477,8 +4443,8 @@
         </p:nvSpPr>
         <p:spPr>
           <a:xfrm>
-            <a:off x="687897" y="1761688"/>
-            <a:ext cx="10695964" cy="646331"/>
+            <a:off x="654341" y="1451295"/>
+            <a:ext cx="10981189" cy="646331"/>
           </a:xfrm>
           <a:prstGeom prst="rect">
             <a:avLst/>
@@ -4496,28 +4462,111 @@
                 <a:latin typeface="Roboto" panose="02000000000000000000" pitchFamily="2" charset="0"/>
                 <a:ea typeface="Roboto" panose="02000000000000000000" pitchFamily="2" charset="0"/>
               </a:rPr>
-              <a:t>De syntax in de html file is zeer vanzelfsprekend en makkelijk </a:t>
+              <a:t>Een zeer belangrijke eigenschap van vue zijn de </a:t>
             </a:r>
             <a:r>
               <a:rPr lang="nl-BE" dirty="0" err="1">
                 <a:latin typeface="Roboto" panose="02000000000000000000" pitchFamily="2" charset="0"/>
                 <a:ea typeface="Roboto" panose="02000000000000000000" pitchFamily="2" charset="0"/>
               </a:rPr>
-              <a:t>interpreteerbaar</a:t>
-            </a:r>
-            <a:r>
-              <a:rPr lang="nl-BE" dirty="0">
-                <a:latin typeface="Roboto" panose="02000000000000000000" pitchFamily="2" charset="0"/>
-                <a:ea typeface="Roboto" panose="02000000000000000000" pitchFamily="2" charset="0"/>
-              </a:rPr>
-              <a:t> hier zijn een paar belangrijke zaken.</a:t>
+              <a:t>directives</a:t>
+            </a:r>
+            <a:r>
+              <a:rPr lang="nl-BE" dirty="0">
+                <a:latin typeface="Roboto" panose="02000000000000000000" pitchFamily="2" charset="0"/>
+                <a:ea typeface="Roboto" panose="02000000000000000000" pitchFamily="2" charset="0"/>
+              </a:rPr>
+              <a:t>. Deze worden altijd aangetoond met een v ervoor.</a:t>
+            </a:r>
+          </a:p>
+        </p:txBody>
+      </p:sp>
+      <p:sp>
+        <p:nvSpPr>
+          <p:cNvPr id="4" name="Tekstvak 3"/>
+          <p:cNvSpPr txBox="1"/>
+          <p:nvPr/>
+        </p:nvSpPr>
+        <p:spPr>
+          <a:xfrm>
+            <a:off x="654341" y="2323587"/>
+            <a:ext cx="10503017" cy="646331"/>
+          </a:xfrm>
+          <a:prstGeom prst="rect">
+            <a:avLst/>
+          </a:prstGeom>
+          <a:noFill/>
+        </p:spPr>
+        <p:txBody>
+          <a:bodyPr wrap="square" rtlCol="0">
+            <a:spAutoFit/>
+          </a:bodyPr>
+          <a:lstStyle/>
+          <a:p>
+            <a:r>
+              <a:rPr lang="nl-BE" dirty="0">
+                <a:latin typeface="Roboto" panose="02000000000000000000" pitchFamily="2" charset="0"/>
+                <a:ea typeface="Roboto" panose="02000000000000000000" pitchFamily="2" charset="0"/>
+              </a:rPr>
+              <a:t>We hebben er al 2 gezien </a:t>
+            </a:r>
+            <a:r>
+              <a:rPr lang="nl-BE" dirty="0" err="1">
+                <a:latin typeface="Roboto" panose="02000000000000000000" pitchFamily="2" charset="0"/>
+                <a:ea typeface="Roboto" panose="02000000000000000000" pitchFamily="2" charset="0"/>
+              </a:rPr>
+              <a:t>v-if</a:t>
+            </a:r>
+            <a:r>
+              <a:rPr lang="nl-BE" dirty="0">
+                <a:latin typeface="Roboto" panose="02000000000000000000" pitchFamily="2" charset="0"/>
+                <a:ea typeface="Roboto" panose="02000000000000000000" pitchFamily="2" charset="0"/>
+              </a:rPr>
+              <a:t> en v-</a:t>
+            </a:r>
+            <a:r>
+              <a:rPr lang="nl-BE" dirty="0" err="1">
+                <a:latin typeface="Roboto" panose="02000000000000000000" pitchFamily="2" charset="0"/>
+                <a:ea typeface="Roboto" panose="02000000000000000000" pitchFamily="2" charset="0"/>
+              </a:rPr>
+              <a:t>for</a:t>
+            </a:r>
+            <a:r>
+              <a:rPr lang="nl-BE" dirty="0">
+                <a:latin typeface="Roboto" panose="02000000000000000000" pitchFamily="2" charset="0"/>
+                <a:ea typeface="Roboto" panose="02000000000000000000" pitchFamily="2" charset="0"/>
+              </a:rPr>
+              <a:t>.</a:t>
+            </a:r>
+          </a:p>
+          <a:p>
+            <a:r>
+              <a:rPr lang="nl-BE" dirty="0">
+                <a:latin typeface="Roboto" panose="02000000000000000000" pitchFamily="2" charset="0"/>
+                <a:ea typeface="Roboto" panose="02000000000000000000" pitchFamily="2" charset="0"/>
+              </a:rPr>
+              <a:t>Sommige van deze </a:t>
+            </a:r>
+            <a:r>
+              <a:rPr lang="nl-BE" dirty="0" err="1">
+                <a:latin typeface="Roboto" panose="02000000000000000000" pitchFamily="2" charset="0"/>
+                <a:ea typeface="Roboto" panose="02000000000000000000" pitchFamily="2" charset="0"/>
+              </a:rPr>
+              <a:t>directives</a:t>
+            </a:r>
+            <a:r>
+              <a:rPr lang="nl-BE" dirty="0">
+                <a:latin typeface="Roboto" panose="02000000000000000000" pitchFamily="2" charset="0"/>
+                <a:ea typeface="Roboto" panose="02000000000000000000" pitchFamily="2" charset="0"/>
+              </a:rPr>
+              <a:t> kunnen ook argumenten aannemen.</a:t>
             </a:r>
           </a:p>
         </p:txBody>
       </p:sp>
       <p:pic>
         <p:nvPicPr>
-          <p:cNvPr id="4" name="Afbeelding 3"/>
+          <p:cNvPr id="5" name="Afbeelding 4"/>
           <p:cNvPicPr>
             <a:picLocks noChangeAspect="1"/>
           </p:cNvPicPr>
@@ -4531,8 +4580,8 @@
         </p:blipFill>
         <p:spPr>
           <a:xfrm>
-            <a:off x="3840366" y="2622582"/>
-            <a:ext cx="4391025" cy="847725"/>
+            <a:off x="654341" y="3488190"/>
+            <a:ext cx="2066925" cy="1057275"/>
           </a:xfrm>
           <a:prstGeom prst="rect">
             <a:avLst/>
@@ -4541,14 +4590,14 @@
       </p:pic>
       <p:sp>
         <p:nvSpPr>
-          <p:cNvPr id="5" name="Tekstvak 4"/>
+          <p:cNvPr id="6" name="Tekstvak 5"/>
           <p:cNvSpPr txBox="1"/>
           <p:nvPr/>
         </p:nvSpPr>
         <p:spPr>
           <a:xfrm>
-            <a:off x="595618" y="3823340"/>
-            <a:ext cx="10075178" cy="369332"/>
+            <a:off x="3028339" y="3488190"/>
+            <a:ext cx="7707086" cy="646331"/>
           </a:xfrm>
           <a:prstGeom prst="rect">
             <a:avLst/>
@@ -4566,7 +4615,21 @@
                 <a:latin typeface="Roboto" panose="02000000000000000000" pitchFamily="2" charset="0"/>
                 <a:ea typeface="Roboto" panose="02000000000000000000" pitchFamily="2" charset="0"/>
               </a:rPr>
-              <a:t>Als je variabelen wilt tonen in de html moet het tussen dubbele accolades staan. {{}}</a:t>
+              <a:t>Deze bijvoorbeeld. Hier zal de klasse afhangen van variabelen in de vue </a:t>
+            </a:r>
+            <a:r>
+              <a:rPr lang="nl-BE" dirty="0" err="1">
+                <a:latin typeface="Roboto" panose="02000000000000000000" pitchFamily="2" charset="0"/>
+                <a:ea typeface="Roboto" panose="02000000000000000000" pitchFamily="2" charset="0"/>
+              </a:rPr>
+              <a:t>instance</a:t>
+            </a:r>
+            <a:r>
+              <a:rPr lang="nl-BE" dirty="0">
+                <a:latin typeface="Roboto" panose="02000000000000000000" pitchFamily="2" charset="0"/>
+                <a:ea typeface="Roboto" panose="02000000000000000000" pitchFamily="2" charset="0"/>
+              </a:rPr>
+              <a:t>.</a:t>
             </a:r>
           </a:p>
         </p:txBody>
@@ -4579,8 +4642,8 @@
         </p:nvSpPr>
         <p:spPr>
           <a:xfrm>
-            <a:off x="587229" y="4192672"/>
-            <a:ext cx="10083567" cy="646331"/>
+            <a:off x="654341" y="4857226"/>
+            <a:ext cx="3833769" cy="369332"/>
           </a:xfrm>
           <a:prstGeom prst="rect">
             <a:avLst/>
@@ -4594,40 +4657,16 @@
           <a:lstStyle/>
           <a:p>
             <a:r>
-              <a:rPr lang="nl-BE" dirty="0">
-                <a:latin typeface="Roboto" panose="02000000000000000000" pitchFamily="2" charset="0"/>
-                <a:ea typeface="Roboto" panose="02000000000000000000" pitchFamily="2" charset="0"/>
-              </a:rPr>
-              <a:t>Als je het </a:t>
-            </a:r>
-            <a:r>
-              <a:rPr lang="nl-BE" dirty="0" err="1">
-                <a:latin typeface="Roboto" panose="02000000000000000000" pitchFamily="2" charset="0"/>
-                <a:ea typeface="Roboto" panose="02000000000000000000" pitchFamily="2" charset="0"/>
-              </a:rPr>
-              <a:t>attribute</a:t>
-            </a:r>
-            <a:r>
-              <a:rPr lang="nl-BE" dirty="0">
-                <a:latin typeface="Roboto" panose="02000000000000000000" pitchFamily="2" charset="0"/>
-                <a:ea typeface="Roboto" panose="02000000000000000000" pitchFamily="2" charset="0"/>
-              </a:rPr>
-              <a:t> v-</a:t>
-            </a:r>
-            <a:r>
-              <a:rPr lang="nl-BE" dirty="0" err="1">
-                <a:latin typeface="Roboto" panose="02000000000000000000" pitchFamily="2" charset="0"/>
-                <a:ea typeface="Roboto" panose="02000000000000000000" pitchFamily="2" charset="0"/>
-              </a:rPr>
-              <a:t>once</a:t>
-            </a:r>
-            <a:r>
-              <a:rPr lang="nl-BE" dirty="0">
-                <a:latin typeface="Roboto" panose="02000000000000000000" pitchFamily="2" charset="0"/>
-                <a:ea typeface="Roboto" panose="02000000000000000000" pitchFamily="2" charset="0"/>
-              </a:rPr>
-              <a:t> in het element gebruikt zal een verandering van de variabele niet zichtbaar zijn .</a:t>
-            </a:r>
+              <a:rPr lang="nl-BE" b="1" dirty="0" err="1">
+                <a:latin typeface="Roboto" panose="02000000000000000000" pitchFamily="2" charset="0"/>
+                <a:ea typeface="Roboto" panose="02000000000000000000" pitchFamily="2" charset="0"/>
+              </a:rPr>
+              <a:t>Modifiers</a:t>
+            </a:r>
+            <a:endParaRPr lang="nl-BE" b="1" dirty="0">
+              <a:latin typeface="Roboto" panose="02000000000000000000" pitchFamily="2" charset="0"/>
+              <a:ea typeface="Roboto" panose="02000000000000000000" pitchFamily="2" charset="0"/>
+            </a:endParaRPr>
           </a:p>
         </p:txBody>
       </p:sp>
@@ -4639,8 +4678,8 @@
         </p:nvSpPr>
         <p:spPr>
           <a:xfrm>
-            <a:off x="587229" y="4902692"/>
-            <a:ext cx="10050011" cy="646331"/>
+            <a:off x="746620" y="5494789"/>
+            <a:ext cx="10662408" cy="369332"/>
           </a:xfrm>
           <a:prstGeom prst="rect">
             <a:avLst/>
@@ -4658,7 +4697,49 @@
                 <a:latin typeface="Roboto" panose="02000000000000000000" pitchFamily="2" charset="0"/>
                 <a:ea typeface="Roboto" panose="02000000000000000000" pitchFamily="2" charset="0"/>
               </a:rPr>
-              <a:t>Wil je een attribuut binden aan een variabele dan gebruik je niet de dubbele accolades. Dan zet je het tussen aanhalingstekens:</a:t>
+              <a:t>Er zijn ook </a:t>
+            </a:r>
+            <a:r>
+              <a:rPr lang="nl-BE" dirty="0" err="1">
+                <a:latin typeface="Roboto" panose="02000000000000000000" pitchFamily="2" charset="0"/>
+                <a:ea typeface="Roboto" panose="02000000000000000000" pitchFamily="2" charset="0"/>
+              </a:rPr>
+              <a:t>modifiers</a:t>
+            </a:r>
+            <a:r>
+              <a:rPr lang="nl-BE" dirty="0">
+                <a:latin typeface="Roboto" panose="02000000000000000000" pitchFamily="2" charset="0"/>
+                <a:ea typeface="Roboto" panose="02000000000000000000" pitchFamily="2" charset="0"/>
+              </a:rPr>
+              <a:t> om deze </a:t>
+            </a:r>
+            <a:r>
+              <a:rPr lang="nl-BE" dirty="0" err="1">
+                <a:latin typeface="Roboto" panose="02000000000000000000" pitchFamily="2" charset="0"/>
+                <a:ea typeface="Roboto" panose="02000000000000000000" pitchFamily="2" charset="0"/>
+              </a:rPr>
+              <a:t>directives</a:t>
+            </a:r>
+            <a:r>
+              <a:rPr lang="nl-BE" dirty="0">
+                <a:latin typeface="Roboto" panose="02000000000000000000" pitchFamily="2" charset="0"/>
+                <a:ea typeface="Roboto" panose="02000000000000000000" pitchFamily="2" charset="0"/>
+              </a:rPr>
+              <a:t> aan te passen. Ze worden </a:t>
+            </a:r>
+            <a:r>
+              <a:rPr lang="nl-BE" dirty="0" err="1">
+                <a:latin typeface="Roboto" panose="02000000000000000000" pitchFamily="2" charset="0"/>
+                <a:ea typeface="Roboto" panose="02000000000000000000" pitchFamily="2" charset="0"/>
+              </a:rPr>
+              <a:t>aangetoont</a:t>
+            </a:r>
+            <a:r>
+              <a:rPr lang="nl-BE" dirty="0">
+                <a:latin typeface="Roboto" panose="02000000000000000000" pitchFamily="2" charset="0"/>
+                <a:ea typeface="Roboto" panose="02000000000000000000" pitchFamily="2" charset="0"/>
+              </a:rPr>
+              <a:t> met een . </a:t>
             </a:r>
           </a:p>
         </p:txBody>
@@ -4679,8 +4760,8 @@
         </p:blipFill>
         <p:spPr>
           <a:xfrm>
-            <a:off x="4492828" y="5537879"/>
-            <a:ext cx="3086100" cy="342900"/>
+            <a:off x="654341" y="6132352"/>
+            <a:ext cx="3571875" cy="447675"/>
           </a:xfrm>
           <a:prstGeom prst="rect">
             <a:avLst/>
@@ -4695,8 +4776,8 @@
         </p:nvSpPr>
         <p:spPr>
           <a:xfrm>
-            <a:off x="587229" y="5999544"/>
-            <a:ext cx="10268125" cy="369332"/>
+            <a:off x="4616684" y="5984030"/>
+            <a:ext cx="6540674" cy="646331"/>
           </a:xfrm>
           <a:prstGeom prst="rect">
             <a:avLst/>
@@ -4714,35 +4795,63 @@
                 <a:latin typeface="Roboto" panose="02000000000000000000" pitchFamily="2" charset="0"/>
                 <a:ea typeface="Roboto" panose="02000000000000000000" pitchFamily="2" charset="0"/>
               </a:rPr>
-              <a:t>Hierbij zal het attribuut </a:t>
+              <a:t>Om de </a:t>
             </a:r>
             <a:r>
               <a:rPr lang="nl-BE" dirty="0" err="1">
                 <a:latin typeface="Roboto" panose="02000000000000000000" pitchFamily="2" charset="0"/>
                 <a:ea typeface="Roboto" panose="02000000000000000000" pitchFamily="2" charset="0"/>
               </a:rPr>
-              <a:t>id</a:t>
-            </a:r>
-            <a:r>
-              <a:rPr lang="nl-BE" dirty="0">
-                <a:latin typeface="Roboto" panose="02000000000000000000" pitchFamily="2" charset="0"/>
-                <a:ea typeface="Roboto" panose="02000000000000000000" pitchFamily="2" charset="0"/>
-              </a:rPr>
-              <a:t> overeenkomen met de variabele </a:t>
+              <a:t>submit</a:t>
+            </a:r>
+            <a:r>
+              <a:rPr lang="nl-BE" dirty="0">
+                <a:latin typeface="Roboto" panose="02000000000000000000" pitchFamily="2" charset="0"/>
+                <a:ea typeface="Roboto" panose="02000000000000000000" pitchFamily="2" charset="0"/>
+              </a:rPr>
+              <a:t> methode niet uit te voeren kan je </a:t>
             </a:r>
             <a:r>
               <a:rPr lang="nl-BE" dirty="0" err="1">
                 <a:latin typeface="Roboto" panose="02000000000000000000" pitchFamily="2" charset="0"/>
                 <a:ea typeface="Roboto" panose="02000000000000000000" pitchFamily="2" charset="0"/>
               </a:rPr>
-              <a:t>customid</a:t>
-            </a:r>
-            <a:r>
-              <a:rPr lang="nl-BE" dirty="0">
-                <a:latin typeface="Roboto" panose="02000000000000000000" pitchFamily="2" charset="0"/>
-                <a:ea typeface="Roboto" panose="02000000000000000000" pitchFamily="2" charset="0"/>
-              </a:rPr>
-              <a:t>.</a:t>
+              <a:t>debijvoorbeeld</a:t>
+            </a:r>
+            <a:r>
+              <a:rPr lang="nl-BE" dirty="0">
+                <a:latin typeface="Roboto" panose="02000000000000000000" pitchFamily="2" charset="0"/>
+                <a:ea typeface="Roboto" panose="02000000000000000000" pitchFamily="2" charset="0"/>
+              </a:rPr>
+              <a:t> de .</a:t>
+            </a:r>
+            <a:r>
+              <a:rPr lang="nl-BE" dirty="0" err="1">
+                <a:latin typeface="Roboto" panose="02000000000000000000" pitchFamily="2" charset="0"/>
+                <a:ea typeface="Roboto" panose="02000000000000000000" pitchFamily="2" charset="0"/>
+              </a:rPr>
+              <a:t>prevent</a:t>
+            </a:r>
+            <a:r>
+              <a:rPr lang="nl-BE" dirty="0">
+                <a:latin typeface="Roboto" panose="02000000000000000000" pitchFamily="2" charset="0"/>
+                <a:ea typeface="Roboto" panose="02000000000000000000" pitchFamily="2" charset="0"/>
+              </a:rPr>
+              <a:t> </a:t>
+            </a:r>
+            <a:r>
+              <a:rPr lang="nl-BE" dirty="0" err="1">
+                <a:latin typeface="Roboto" panose="02000000000000000000" pitchFamily="2" charset="0"/>
+                <a:ea typeface="Roboto" panose="02000000000000000000" pitchFamily="2" charset="0"/>
+              </a:rPr>
+              <a:t>modifier</a:t>
+            </a:r>
+            <a:r>
+              <a:rPr lang="nl-BE" dirty="0">
+                <a:latin typeface="Roboto" panose="02000000000000000000" pitchFamily="2" charset="0"/>
+                <a:ea typeface="Roboto" panose="02000000000000000000" pitchFamily="2" charset="0"/>
+              </a:rPr>
+              <a:t> gebruiken.</a:t>
             </a:r>
           </a:p>
         </p:txBody>
@@ -4750,7 +4859,7 @@
     </p:spTree>
     <p:extLst>
       <p:ext uri="{BB962C8B-B14F-4D97-AF65-F5344CB8AC3E}">
-        <p14:creationId xmlns:p14="http://schemas.microsoft.com/office/powerpoint/2010/main" val="3535044"/>
+        <p14:creationId xmlns:p14="http://schemas.microsoft.com/office/powerpoint/2010/main" val="955549554"/>
       </p:ext>
     </p:extLst>
   </p:cSld>
@@ -4785,8 +4894,8 @@
         </p:nvSpPr>
         <p:spPr>
           <a:xfrm>
-            <a:off x="822121" y="3531765"/>
-            <a:ext cx="10704352" cy="369332"/>
+            <a:off x="696286" y="302004"/>
+            <a:ext cx="10620463" cy="923330"/>
           </a:xfrm>
           <a:prstGeom prst="rect">
             <a:avLst/>
@@ -4799,19 +4908,51 @@
           </a:bodyPr>
           <a:lstStyle/>
           <a:p>
-            <a:r>
-              <a:rPr lang="nl-BE" dirty="0">
-                <a:latin typeface="Roboto" panose="02000000000000000000" pitchFamily="2" charset="0"/>
-                <a:ea typeface="Roboto" panose="02000000000000000000" pitchFamily="2" charset="0"/>
-              </a:rPr>
-              <a:t>En ook filters gebruiken om je data te wijzigen.</a:t>
+            <a:pPr algn="ctr"/>
+            <a:r>
+              <a:rPr lang="nl-BE" sz="5400" dirty="0" err="1">
+                <a:latin typeface="Headline One" panose="00000400000000000000" pitchFamily="2" charset="0"/>
+              </a:rPr>
+              <a:t>Methods</a:t>
+            </a:r>
+            <a:endParaRPr lang="nl-BE" sz="5400" dirty="0">
+              <a:latin typeface="Headline One" panose="00000400000000000000" pitchFamily="2" charset="0"/>
+            </a:endParaRPr>
+          </a:p>
+        </p:txBody>
+      </p:sp>
+      <p:sp>
+        <p:nvSpPr>
+          <p:cNvPr id="3" name="Tekstvak 2"/>
+          <p:cNvSpPr txBox="1"/>
+          <p:nvPr/>
+        </p:nvSpPr>
+        <p:spPr>
+          <a:xfrm>
+            <a:off x="696286" y="1426128"/>
+            <a:ext cx="10771464" cy="646331"/>
+          </a:xfrm>
+          <a:prstGeom prst="rect">
+            <a:avLst/>
+          </a:prstGeom>
+          <a:noFill/>
+        </p:spPr>
+        <p:txBody>
+          <a:bodyPr wrap="square" rtlCol="0">
+            <a:spAutoFit/>
+          </a:bodyPr>
+          <a:lstStyle/>
+          <a:p>
+            <a:r>
+              <a:rPr lang="nl-BE" dirty="0"/>
+              <a:t>Met deze bibliotheek is natuurlijk ook makkelijk om methodes uit te voeren. Geef gewoon het methode object mee aan je vue instantie:</a:t>
             </a:r>
           </a:p>
         </p:txBody>
       </p:sp>
       <p:pic>
         <p:nvPicPr>
-          <p:cNvPr id="3" name="Afbeelding 2"/>
+          <p:cNvPr id="5" name="Afbeelding 4"/>
           <p:cNvPicPr>
             <a:picLocks noChangeAspect="1"/>
           </p:cNvPicPr>
@@ -4825,80 +4966,14 @@
         </p:blipFill>
         <p:spPr>
           <a:xfrm>
-            <a:off x="822121" y="4348416"/>
-            <a:ext cx="2324100" cy="485775"/>
+            <a:off x="696286" y="3014954"/>
+            <a:ext cx="4419600" cy="1257300"/>
           </a:xfrm>
           <a:prstGeom prst="rect">
             <a:avLst/>
           </a:prstGeom>
         </p:spPr>
       </p:pic>
-      <p:sp>
-        <p:nvSpPr>
-          <p:cNvPr id="4" name="Tekstvak 3"/>
-          <p:cNvSpPr txBox="1"/>
-          <p:nvPr/>
-        </p:nvSpPr>
-        <p:spPr>
-          <a:xfrm>
-            <a:off x="3512077" y="4348416"/>
-            <a:ext cx="8117632" cy="369332"/>
-          </a:xfrm>
-          <a:prstGeom prst="rect">
-            <a:avLst/>
-          </a:prstGeom>
-          <a:noFill/>
-        </p:spPr>
-        <p:txBody>
-          <a:bodyPr wrap="square" rtlCol="0">
-            <a:spAutoFit/>
-          </a:bodyPr>
-          <a:lstStyle/>
-          <a:p>
-            <a:r>
-              <a:rPr lang="nl-BE" dirty="0"/>
-              <a:t>Dit doe je door er een | tussen te zette. De filters kan je ook </a:t>
-            </a:r>
-            <a:r>
-              <a:rPr lang="nl-BE" dirty="0" err="1"/>
-              <a:t>chainen</a:t>
-            </a:r>
-            <a:r>
-              <a:rPr lang="nl-BE" dirty="0"/>
-              <a:t>.</a:t>
-            </a:r>
-          </a:p>
-        </p:txBody>
-      </p:sp>
-      <p:sp>
-        <p:nvSpPr>
-          <p:cNvPr id="5" name="Tekstvak 4"/>
-          <p:cNvSpPr txBox="1"/>
-          <p:nvPr/>
-        </p:nvSpPr>
-        <p:spPr>
-          <a:xfrm>
-            <a:off x="746620" y="377505"/>
-            <a:ext cx="10947633" cy="369332"/>
-          </a:xfrm>
-          <a:prstGeom prst="rect">
-            <a:avLst/>
-          </a:prstGeom>
-          <a:noFill/>
-        </p:spPr>
-        <p:txBody>
-          <a:bodyPr wrap="square" rtlCol="0">
-            <a:spAutoFit/>
-          </a:bodyPr>
-          <a:lstStyle/>
-          <a:p>
-            <a:r>
-              <a:rPr lang="nl-BE" dirty="0"/>
-              <a:t>Je kan ook basis javascript gebruiken tussen deze dubbele accolade. </a:t>
-            </a:r>
-          </a:p>
-        </p:txBody>
-      </p:sp>
       <p:pic>
         <p:nvPicPr>
           <p:cNvPr id="6" name="Afbeelding 5"/>
@@ -4915,18 +4990,64 @@
         </p:blipFill>
         <p:spPr>
           <a:xfrm>
-            <a:off x="822121" y="1480826"/>
-            <a:ext cx="2790825" cy="1066800"/>
+            <a:off x="6082018" y="3014954"/>
+            <a:ext cx="4343400" cy="571500"/>
           </a:xfrm>
           <a:prstGeom prst="rect">
             <a:avLst/>
           </a:prstGeom>
         </p:spPr>
       </p:pic>
+      <p:sp>
+        <p:nvSpPr>
+          <p:cNvPr id="7" name="Tekstvak 6"/>
+          <p:cNvSpPr txBox="1"/>
+          <p:nvPr/>
+        </p:nvSpPr>
+        <p:spPr>
+          <a:xfrm>
+            <a:off x="765110" y="4758612"/>
+            <a:ext cx="10356980" cy="369332"/>
+          </a:xfrm>
+          <a:prstGeom prst="rect">
+            <a:avLst/>
+          </a:prstGeom>
+          <a:noFill/>
+        </p:spPr>
+        <p:txBody>
+          <a:bodyPr wrap="square" rtlCol="0">
+            <a:spAutoFit/>
+          </a:bodyPr>
+          <a:lstStyle/>
+          <a:p>
+            <a:r>
+              <a:rPr lang="nl-BE" dirty="0">
+                <a:latin typeface="Roboto" panose="02000000000000000000" pitchFamily="2" charset="0"/>
+                <a:ea typeface="Roboto" panose="02000000000000000000" pitchFamily="2" charset="0"/>
+              </a:rPr>
+              <a:t>Dit kan je dan heel makkelijk uitvoeren </a:t>
+            </a:r>
+            <a:r>
+              <a:rPr lang="nl-BE" dirty="0" err="1">
+                <a:latin typeface="Roboto" panose="02000000000000000000" pitchFamily="2" charset="0"/>
+                <a:ea typeface="Roboto" panose="02000000000000000000" pitchFamily="2" charset="0"/>
+              </a:rPr>
+              <a:t>vie</a:t>
+            </a:r>
+            <a:r>
+              <a:rPr lang="nl-BE" dirty="0">
+                <a:latin typeface="Roboto" panose="02000000000000000000" pitchFamily="2" charset="0"/>
+                <a:ea typeface="Roboto" panose="02000000000000000000" pitchFamily="2" charset="0"/>
+              </a:rPr>
+              <a:t> de html achter een click event.</a:t>
+            </a:r>
+          </a:p>
+        </p:txBody>
+      </p:sp>
     </p:spTree>
     <p:extLst>
       <p:ext uri="{BB962C8B-B14F-4D97-AF65-F5344CB8AC3E}">
-        <p14:creationId xmlns:p14="http://schemas.microsoft.com/office/powerpoint/2010/main" val="1955700912"/>
+        <p14:creationId xmlns:p14="http://schemas.microsoft.com/office/powerpoint/2010/main" val="1678453549"/>
       </p:ext>
     </p:extLst>
   </p:cSld>
@@ -4961,8 +5082,8 @@
         </p:nvSpPr>
         <p:spPr>
           <a:xfrm>
-            <a:off x="654341" y="302004"/>
-            <a:ext cx="10855354" cy="923330"/>
+            <a:off x="503339" y="293615"/>
+            <a:ext cx="11115413" cy="923330"/>
           </a:xfrm>
           <a:prstGeom prst="rect">
             <a:avLst/>
@@ -4980,7 +5101,7 @@
               <a:rPr lang="nl-BE" sz="5400" dirty="0" err="1">
                 <a:latin typeface="Headline One" panose="00000400000000000000" pitchFamily="2" charset="0"/>
               </a:rPr>
-              <a:t>Vue’s</a:t>
+              <a:t>Computed</a:t>
             </a:r>
             <a:r>
               <a:rPr lang="nl-BE" sz="5400" dirty="0">
@@ -4992,7 +5113,7 @@
               <a:rPr lang="nl-BE" sz="5400" dirty="0" err="1">
                 <a:latin typeface="Headline One" panose="00000400000000000000" pitchFamily="2" charset="0"/>
               </a:rPr>
-              <a:t>directives</a:t>
+              <a:t>properties</a:t>
             </a:r>
             <a:endParaRPr lang="nl-BE" sz="5400" dirty="0">
               <a:latin typeface="Headline One" panose="00000400000000000000" pitchFamily="2" charset="0"/>
@@ -5008,8 +5129,8 @@
         </p:nvSpPr>
         <p:spPr>
           <a:xfrm>
-            <a:off x="654341" y="1451295"/>
-            <a:ext cx="10981189" cy="646331"/>
+            <a:off x="713064" y="1426128"/>
+            <a:ext cx="10821798" cy="369332"/>
           </a:xfrm>
           <a:prstGeom prst="rect">
             <a:avLst/>
@@ -5023,25 +5144,24 @@
           <a:lstStyle/>
           <a:p>
             <a:r>
-              <a:rPr lang="nl-BE" dirty="0">
-                <a:latin typeface="Roboto" panose="02000000000000000000" pitchFamily="2" charset="0"/>
-                <a:ea typeface="Roboto" panose="02000000000000000000" pitchFamily="2" charset="0"/>
-              </a:rPr>
-              <a:t>Een zeer belangrijke eigenschap van vue zijn de </a:t>
-            </a:r>
-            <a:r>
-              <a:rPr lang="nl-BE" dirty="0" err="1">
-                <a:latin typeface="Roboto" panose="02000000000000000000" pitchFamily="2" charset="0"/>
-                <a:ea typeface="Roboto" panose="02000000000000000000" pitchFamily="2" charset="0"/>
-              </a:rPr>
-              <a:t>directives</a:t>
-            </a:r>
-            <a:r>
-              <a:rPr lang="nl-BE" dirty="0">
-                <a:latin typeface="Roboto" panose="02000000000000000000" pitchFamily="2" charset="0"/>
-                <a:ea typeface="Roboto" panose="02000000000000000000" pitchFamily="2" charset="0"/>
-              </a:rPr>
-              <a:t>. Deze worden altijd aangetoond met een v ervoor.</a:t>
+              <a:rPr lang="nl-BE" dirty="0"/>
+              <a:t>“</a:t>
+            </a:r>
+            <a:r>
+              <a:rPr lang="nl-BE" dirty="0" err="1"/>
+              <a:t>Computes</a:t>
+            </a:r>
+            <a:r>
+              <a:rPr lang="nl-BE" dirty="0"/>
+              <a:t> </a:t>
+            </a:r>
+            <a:r>
+              <a:rPr lang="nl-BE" dirty="0" err="1"/>
+              <a:t>properties</a:t>
+            </a:r>
+            <a:r>
+              <a:rPr lang="nl-BE" dirty="0"/>
+              <a:t>” is 1 van de eigenschappen die vue.js zo interessant en makkelijk te gebruiken maakt.</a:t>
             </a:r>
           </a:p>
         </p:txBody>
@@ -5054,8 +5174,8 @@
         </p:nvSpPr>
         <p:spPr>
           <a:xfrm>
-            <a:off x="654341" y="2323587"/>
-            <a:ext cx="10503017" cy="646331"/>
+            <a:off x="851482" y="2097248"/>
+            <a:ext cx="10544962" cy="646331"/>
           </a:xfrm>
           <a:prstGeom prst="rect">
             <a:avLst/>
@@ -5073,65 +5193,59 @@
                 <a:latin typeface="Roboto" panose="02000000000000000000" pitchFamily="2" charset="0"/>
                 <a:ea typeface="Roboto" panose="02000000000000000000" pitchFamily="2" charset="0"/>
               </a:rPr>
-              <a:t>We hebben er al 2 gezien </a:t>
-            </a:r>
-            <a:r>
-              <a:rPr lang="nl-BE" dirty="0" err="1">
-                <a:latin typeface="Roboto" panose="02000000000000000000" pitchFamily="2" charset="0"/>
-                <a:ea typeface="Roboto" panose="02000000000000000000" pitchFamily="2" charset="0"/>
-              </a:rPr>
-              <a:t>v-if</a:t>
-            </a:r>
-            <a:r>
-              <a:rPr lang="nl-BE" dirty="0">
-                <a:latin typeface="Roboto" panose="02000000000000000000" pitchFamily="2" charset="0"/>
-                <a:ea typeface="Roboto" panose="02000000000000000000" pitchFamily="2" charset="0"/>
-              </a:rPr>
-              <a:t> en v-</a:t>
-            </a:r>
-            <a:r>
-              <a:rPr lang="nl-BE" dirty="0" err="1">
-                <a:latin typeface="Roboto" panose="02000000000000000000" pitchFamily="2" charset="0"/>
-                <a:ea typeface="Roboto" panose="02000000000000000000" pitchFamily="2" charset="0"/>
-              </a:rPr>
-              <a:t>for</a:t>
-            </a:r>
-            <a:r>
-              <a:rPr lang="nl-BE" dirty="0">
-                <a:latin typeface="Roboto" panose="02000000000000000000" pitchFamily="2" charset="0"/>
-                <a:ea typeface="Roboto" panose="02000000000000000000" pitchFamily="2" charset="0"/>
-              </a:rPr>
-              <a:t>.</a:t>
-            </a:r>
-          </a:p>
-          <a:p>
-            <a:r>
-              <a:rPr lang="nl-BE" dirty="0">
-                <a:latin typeface="Roboto" panose="02000000000000000000" pitchFamily="2" charset="0"/>
-                <a:ea typeface="Roboto" panose="02000000000000000000" pitchFamily="2" charset="0"/>
-              </a:rPr>
-              <a:t>Sommige van deze </a:t>
-            </a:r>
-            <a:r>
-              <a:rPr lang="nl-BE" dirty="0" err="1">
-                <a:latin typeface="Roboto" panose="02000000000000000000" pitchFamily="2" charset="0"/>
-                <a:ea typeface="Roboto" panose="02000000000000000000" pitchFamily="2" charset="0"/>
-              </a:rPr>
-              <a:t>directives</a:t>
-            </a:r>
-            <a:r>
-              <a:rPr lang="nl-BE" dirty="0">
-                <a:latin typeface="Roboto" panose="02000000000000000000" pitchFamily="2" charset="0"/>
-                <a:ea typeface="Roboto" panose="02000000000000000000" pitchFamily="2" charset="0"/>
-              </a:rPr>
-              <a:t> kunnen ook argumenten aannemen.</a:t>
+              <a:t>Bijvoorbeeld: je wilt in je applicatie 2 getallen vermenigvuldigen die je zelf kan ingeven. Je kan dit op 2 manieren doen.</a:t>
+            </a:r>
+          </a:p>
+        </p:txBody>
+      </p:sp>
+      <p:sp>
+        <p:nvSpPr>
+          <p:cNvPr id="5" name="Tekstvak 4"/>
+          <p:cNvSpPr txBox="1"/>
+          <p:nvPr/>
+        </p:nvSpPr>
+        <p:spPr>
+          <a:xfrm>
+            <a:off x="851482" y="3129094"/>
+            <a:ext cx="10205208" cy="646331"/>
+          </a:xfrm>
+          <a:prstGeom prst="rect">
+            <a:avLst/>
+          </a:prstGeom>
+          <a:noFill/>
+        </p:spPr>
+        <p:txBody>
+          <a:bodyPr wrap="square" rtlCol="0">
+            <a:spAutoFit/>
+          </a:bodyPr>
+          <a:lstStyle/>
+          <a:p>
+            <a:r>
+              <a:rPr lang="nl-BE" dirty="0"/>
+              <a:t>Je kan het simpelweg met een javascript </a:t>
+            </a:r>
+            <a:r>
+              <a:rPr lang="nl-BE" dirty="0" err="1"/>
+              <a:t>expression</a:t>
+            </a:r>
+            <a:r>
+              <a:rPr lang="nl-BE" dirty="0"/>
+              <a:t> doen. Dit zal werken, de </a:t>
+            </a:r>
+            <a:r>
+              <a:rPr lang="nl-BE" dirty="0" err="1"/>
+              <a:t>vermenigvulidiging</a:t>
+            </a:r>
+            <a:r>
+              <a:rPr lang="nl-BE" dirty="0"/>
+              <a:t> van de 2 factors zal real time worden getoond. </a:t>
             </a:r>
           </a:p>
         </p:txBody>
       </p:sp>
       <p:pic>
         <p:nvPicPr>
-          <p:cNvPr id="5" name="Afbeelding 4"/>
+          <p:cNvPr id="6" name="Afbeelding 5"/>
           <p:cNvPicPr>
             <a:picLocks noChangeAspect="1"/>
           </p:cNvPicPr>
@@ -5145,173 +5259,17 @@
         </p:blipFill>
         <p:spPr>
           <a:xfrm>
-            <a:off x="654341" y="3488190"/>
-            <a:ext cx="2066925" cy="1057275"/>
+            <a:off x="851482" y="4275597"/>
+            <a:ext cx="4019550" cy="1943100"/>
           </a:xfrm>
           <a:prstGeom prst="rect">
             <a:avLst/>
           </a:prstGeom>
         </p:spPr>
       </p:pic>
-      <p:sp>
-        <p:nvSpPr>
-          <p:cNvPr id="6" name="Tekstvak 5"/>
-          <p:cNvSpPr txBox="1"/>
-          <p:nvPr/>
-        </p:nvSpPr>
-        <p:spPr>
-          <a:xfrm>
-            <a:off x="3028339" y="3488190"/>
-            <a:ext cx="7707086" cy="646331"/>
-          </a:xfrm>
-          <a:prstGeom prst="rect">
-            <a:avLst/>
-          </a:prstGeom>
-          <a:noFill/>
-        </p:spPr>
-        <p:txBody>
-          <a:bodyPr wrap="square" rtlCol="0">
-            <a:spAutoFit/>
-          </a:bodyPr>
-          <a:lstStyle/>
-          <a:p>
-            <a:r>
-              <a:rPr lang="nl-BE" dirty="0">
-                <a:latin typeface="Roboto" panose="02000000000000000000" pitchFamily="2" charset="0"/>
-                <a:ea typeface="Roboto" panose="02000000000000000000" pitchFamily="2" charset="0"/>
-              </a:rPr>
-              <a:t>Deze bijvoorbeeld. Hier zal de klasse afhangen van variabelen in de vue </a:t>
-            </a:r>
-            <a:r>
-              <a:rPr lang="nl-BE" dirty="0" err="1">
-                <a:latin typeface="Roboto" panose="02000000000000000000" pitchFamily="2" charset="0"/>
-                <a:ea typeface="Roboto" panose="02000000000000000000" pitchFamily="2" charset="0"/>
-              </a:rPr>
-              <a:t>instance</a:t>
-            </a:r>
-            <a:r>
-              <a:rPr lang="nl-BE" dirty="0">
-                <a:latin typeface="Roboto" panose="02000000000000000000" pitchFamily="2" charset="0"/>
-                <a:ea typeface="Roboto" panose="02000000000000000000" pitchFamily="2" charset="0"/>
-              </a:rPr>
-              <a:t>.</a:t>
-            </a:r>
-          </a:p>
-        </p:txBody>
-      </p:sp>
-      <p:sp>
-        <p:nvSpPr>
-          <p:cNvPr id="7" name="Tekstvak 6"/>
-          <p:cNvSpPr txBox="1"/>
-          <p:nvPr/>
-        </p:nvSpPr>
-        <p:spPr>
-          <a:xfrm>
-            <a:off x="654341" y="4857226"/>
-            <a:ext cx="3833769" cy="369332"/>
-          </a:xfrm>
-          <a:prstGeom prst="rect">
-            <a:avLst/>
-          </a:prstGeom>
-          <a:noFill/>
-        </p:spPr>
-        <p:txBody>
-          <a:bodyPr wrap="square" rtlCol="0">
-            <a:spAutoFit/>
-          </a:bodyPr>
-          <a:lstStyle/>
-          <a:p>
-            <a:r>
-              <a:rPr lang="nl-BE" b="1" dirty="0" err="1">
-                <a:latin typeface="Roboto" panose="02000000000000000000" pitchFamily="2" charset="0"/>
-                <a:ea typeface="Roboto" panose="02000000000000000000" pitchFamily="2" charset="0"/>
-              </a:rPr>
-              <a:t>Modifiers</a:t>
-            </a:r>
-            <a:endParaRPr lang="nl-BE" b="1" dirty="0">
-              <a:latin typeface="Roboto" panose="02000000000000000000" pitchFamily="2" charset="0"/>
-              <a:ea typeface="Roboto" panose="02000000000000000000" pitchFamily="2" charset="0"/>
-            </a:endParaRPr>
-          </a:p>
-        </p:txBody>
-      </p:sp>
-      <p:sp>
-        <p:nvSpPr>
-          <p:cNvPr id="8" name="Tekstvak 7"/>
-          <p:cNvSpPr txBox="1"/>
-          <p:nvPr/>
-        </p:nvSpPr>
-        <p:spPr>
-          <a:xfrm>
-            <a:off x="746620" y="5494789"/>
-            <a:ext cx="10662408" cy="369332"/>
-          </a:xfrm>
-          <a:prstGeom prst="rect">
-            <a:avLst/>
-          </a:prstGeom>
-          <a:noFill/>
-        </p:spPr>
-        <p:txBody>
-          <a:bodyPr wrap="square" rtlCol="0">
-            <a:spAutoFit/>
-          </a:bodyPr>
-          <a:lstStyle/>
-          <a:p>
-            <a:r>
-              <a:rPr lang="nl-BE" dirty="0">
-                <a:latin typeface="Roboto" panose="02000000000000000000" pitchFamily="2" charset="0"/>
-                <a:ea typeface="Roboto" panose="02000000000000000000" pitchFamily="2" charset="0"/>
-              </a:rPr>
-              <a:t>Er zijn ook </a:t>
-            </a:r>
-            <a:r>
-              <a:rPr lang="nl-BE" dirty="0" err="1">
-                <a:latin typeface="Roboto" panose="02000000000000000000" pitchFamily="2" charset="0"/>
-                <a:ea typeface="Roboto" panose="02000000000000000000" pitchFamily="2" charset="0"/>
-              </a:rPr>
-              <a:t>modifiers</a:t>
-            </a:r>
-            <a:r>
-              <a:rPr lang="nl-BE" dirty="0">
-                <a:latin typeface="Roboto" panose="02000000000000000000" pitchFamily="2" charset="0"/>
-                <a:ea typeface="Roboto" panose="02000000000000000000" pitchFamily="2" charset="0"/>
-              </a:rPr>
-              <a:t> om deze </a:t>
-            </a:r>
-            <a:r>
-              <a:rPr lang="nl-BE" dirty="0" err="1">
-                <a:latin typeface="Roboto" panose="02000000000000000000" pitchFamily="2" charset="0"/>
-                <a:ea typeface="Roboto" panose="02000000000000000000" pitchFamily="2" charset="0"/>
-              </a:rPr>
-              <a:t>directives</a:t>
-            </a:r>
-            <a:r>
-              <a:rPr lang="nl-BE" dirty="0">
-                <a:latin typeface="Roboto" panose="02000000000000000000" pitchFamily="2" charset="0"/>
-                <a:ea typeface="Roboto" panose="02000000000000000000" pitchFamily="2" charset="0"/>
-              </a:rPr>
-              <a:t> aan te passen. Ze worden </a:t>
-            </a:r>
-            <a:r>
-              <a:rPr lang="nl-BE" dirty="0" err="1">
-                <a:latin typeface="Roboto" panose="02000000000000000000" pitchFamily="2" charset="0"/>
-                <a:ea typeface="Roboto" panose="02000000000000000000" pitchFamily="2" charset="0"/>
-              </a:rPr>
-              <a:t>aangetoont</a:t>
-            </a:r>
-            <a:r>
-              <a:rPr lang="nl-BE" dirty="0">
-                <a:latin typeface="Roboto" panose="02000000000000000000" pitchFamily="2" charset="0"/>
-                <a:ea typeface="Roboto" panose="02000000000000000000" pitchFamily="2" charset="0"/>
-              </a:rPr>
-              <a:t> met een . </a:t>
-            </a:r>
-          </a:p>
-        </p:txBody>
-      </p:sp>
       <p:pic>
         <p:nvPicPr>
-          <p:cNvPr id="9" name="Afbeelding 8"/>
+          <p:cNvPr id="7" name="Afbeelding 6"/>
           <p:cNvPicPr>
             <a:picLocks noChangeAspect="1"/>
           </p:cNvPicPr>
@@ -5325,106 +5283,18 @@
         </p:blipFill>
         <p:spPr>
           <a:xfrm>
-            <a:off x="654341" y="6132352"/>
-            <a:ext cx="3571875" cy="447675"/>
+            <a:off x="5954086" y="4160940"/>
+            <a:ext cx="4581525" cy="1352550"/>
           </a:xfrm>
           <a:prstGeom prst="rect">
             <a:avLst/>
           </a:prstGeom>
         </p:spPr>
       </p:pic>
-      <p:sp>
-        <p:nvSpPr>
-          <p:cNvPr id="10" name="Tekstvak 9"/>
-          <p:cNvSpPr txBox="1"/>
-          <p:nvPr/>
-        </p:nvSpPr>
-        <p:spPr>
-          <a:xfrm>
-            <a:off x="4616684" y="5984030"/>
-            <a:ext cx="6540674" cy="646331"/>
-          </a:xfrm>
-          <a:prstGeom prst="rect">
-            <a:avLst/>
-          </a:prstGeom>
-          <a:noFill/>
-        </p:spPr>
-        <p:txBody>
-          <a:bodyPr wrap="square" rtlCol="0">
-            <a:spAutoFit/>
-          </a:bodyPr>
-          <a:lstStyle/>
-          <a:p>
-            <a:r>
-              <a:rPr lang="nl-BE" dirty="0">
-                <a:latin typeface="Roboto" panose="02000000000000000000" pitchFamily="2" charset="0"/>
-                <a:ea typeface="Roboto" panose="02000000000000000000" pitchFamily="2" charset="0"/>
-              </a:rPr>
-              <a:t>Om de </a:t>
-            </a:r>
-            <a:r>
-              <a:rPr lang="nl-BE" dirty="0" err="1">
-                <a:latin typeface="Roboto" panose="02000000000000000000" pitchFamily="2" charset="0"/>
-                <a:ea typeface="Roboto" panose="02000000000000000000" pitchFamily="2" charset="0"/>
-              </a:rPr>
-              <a:t>submit</a:t>
-            </a:r>
-            <a:r>
-              <a:rPr lang="nl-BE" dirty="0">
-                <a:latin typeface="Roboto" panose="02000000000000000000" pitchFamily="2" charset="0"/>
-                <a:ea typeface="Roboto" panose="02000000000000000000" pitchFamily="2" charset="0"/>
-              </a:rPr>
-              <a:t> methode niet uit te voeren kan je </a:t>
-            </a:r>
-            <a:r>
-              <a:rPr lang="nl-BE" dirty="0" err="1">
-                <a:latin typeface="Roboto" panose="02000000000000000000" pitchFamily="2" charset="0"/>
-                <a:ea typeface="Roboto" panose="02000000000000000000" pitchFamily="2" charset="0"/>
-              </a:rPr>
-              <a:t>debijvoorbeeld</a:t>
-            </a:r>
-            <a:r>
-              <a:rPr lang="nl-BE" dirty="0">
-                <a:latin typeface="Roboto" panose="02000000000000000000" pitchFamily="2" charset="0"/>
-                <a:ea typeface="Roboto" panose="02000000000000000000" pitchFamily="2" charset="0"/>
-              </a:rPr>
-              <a:t> de .</a:t>
-            </a:r>
-            <a:r>
-              <a:rPr lang="nl-BE" dirty="0" err="1">
-                <a:latin typeface="Roboto" panose="02000000000000000000" pitchFamily="2" charset="0"/>
-                <a:ea typeface="Roboto" panose="02000000000000000000" pitchFamily="2" charset="0"/>
-              </a:rPr>
-              <a:t>prevent</a:t>
-            </a:r>
-            <a:r>
-              <a:rPr lang="nl-BE" dirty="0">
-                <a:latin typeface="Roboto" panose="02000000000000000000" pitchFamily="2" charset="0"/>
-                <a:ea typeface="Roboto" panose="02000000000000000000" pitchFamily="2" charset="0"/>
-              </a:rPr>
-              <a:t> </a:t>
-            </a:r>
-            <a:r>
-              <a:rPr lang="nl-BE" dirty="0" err="1">
-                <a:latin typeface="Roboto" panose="02000000000000000000" pitchFamily="2" charset="0"/>
-                <a:ea typeface="Roboto" panose="02000000000000000000" pitchFamily="2" charset="0"/>
-              </a:rPr>
-              <a:t>modifier</a:t>
-            </a:r>
-            <a:r>
-              <a:rPr lang="nl-BE" dirty="0">
-                <a:latin typeface="Roboto" panose="02000000000000000000" pitchFamily="2" charset="0"/>
-                <a:ea typeface="Roboto" panose="02000000000000000000" pitchFamily="2" charset="0"/>
-              </a:rPr>
-              <a:t> gebruiken.</a:t>
-            </a:r>
-          </a:p>
-        </p:txBody>
-      </p:sp>
     </p:spTree>
     <p:extLst>
       <p:ext uri="{BB962C8B-B14F-4D97-AF65-F5344CB8AC3E}">
-        <p14:creationId xmlns:p14="http://schemas.microsoft.com/office/powerpoint/2010/main" val="955549554"/>
+        <p14:creationId xmlns:p14="http://schemas.microsoft.com/office/powerpoint/2010/main" val="1876486570"/>
       </p:ext>
     </p:extLst>
   </p:cSld>
@@ -5459,8 +5329,8 @@
         </p:nvSpPr>
         <p:spPr>
           <a:xfrm>
-            <a:off x="696286" y="302004"/>
-            <a:ext cx="10620463" cy="923330"/>
+            <a:off x="634482" y="494522"/>
+            <a:ext cx="10748865" cy="923330"/>
           </a:xfrm>
           <a:prstGeom prst="rect">
             <a:avLst/>
@@ -5473,51 +5343,61 @@
           </a:bodyPr>
           <a:lstStyle/>
           <a:p>
-            <a:pPr algn="ctr"/>
-            <a:r>
-              <a:rPr lang="nl-BE" sz="5400" dirty="0" err="1">
-                <a:latin typeface="Headline One" panose="00000400000000000000" pitchFamily="2" charset="0"/>
-              </a:rPr>
-              <a:t>Methods</a:t>
-            </a:r>
-            <a:endParaRPr lang="nl-BE" sz="5400" dirty="0">
-              <a:latin typeface="Headline One" panose="00000400000000000000" pitchFamily="2" charset="0"/>
-            </a:endParaRPr>
-          </a:p>
-        </p:txBody>
-      </p:sp>
-      <p:sp>
-        <p:nvSpPr>
-          <p:cNvPr id="3" name="Tekstvak 2"/>
-          <p:cNvSpPr txBox="1"/>
-          <p:nvPr/>
-        </p:nvSpPr>
-        <p:spPr>
-          <a:xfrm>
-            <a:off x="696286" y="1426128"/>
-            <a:ext cx="10771464" cy="646331"/>
-          </a:xfrm>
-          <a:prstGeom prst="rect">
-            <a:avLst/>
-          </a:prstGeom>
-          <a:noFill/>
-        </p:spPr>
-        <p:txBody>
-          <a:bodyPr wrap="square" rtlCol="0">
-            <a:spAutoFit/>
-          </a:bodyPr>
-          <a:lstStyle/>
-          <a:p>
-            <a:r>
-              <a:rPr lang="nl-BE" dirty="0"/>
-              <a:t>Met deze bibliotheek is natuurlijk ook makkelijk om methodes uit te voeren. Geef gewoon het methode object mee aan je vue instantie:</a:t>
+            <a:r>
+              <a:rPr lang="nl-BE" dirty="0">
+                <a:latin typeface="Roboto" panose="02000000000000000000" pitchFamily="2" charset="0"/>
+                <a:ea typeface="Roboto" panose="02000000000000000000" pitchFamily="2" charset="0"/>
+              </a:rPr>
+              <a:t>Zou het niet handiger zijn moesten we al de logica in de </a:t>
+            </a:r>
+            <a:r>
+              <a:rPr lang="nl-BE" dirty="0" err="1">
+                <a:latin typeface="Roboto" panose="02000000000000000000" pitchFamily="2" charset="0"/>
+                <a:ea typeface="Roboto" panose="02000000000000000000" pitchFamily="2" charset="0"/>
+              </a:rPr>
+              <a:t>js</a:t>
+            </a:r>
+            <a:r>
+              <a:rPr lang="nl-BE" dirty="0">
+                <a:latin typeface="Roboto" panose="02000000000000000000" pitchFamily="2" charset="0"/>
+                <a:ea typeface="Roboto" panose="02000000000000000000" pitchFamily="2" charset="0"/>
+              </a:rPr>
+              <a:t> file kunnen zetten ? Dit is geen complex voorbeeld maar je kan je voorstellen dat er complexe zaken zijn die je niet in de html file kunt zetten. Hiervoor kan je </a:t>
+            </a:r>
+            <a:r>
+              <a:rPr lang="nl-BE" dirty="0" err="1">
+                <a:latin typeface="Roboto" panose="02000000000000000000" pitchFamily="2" charset="0"/>
+                <a:ea typeface="Roboto" panose="02000000000000000000" pitchFamily="2" charset="0"/>
+              </a:rPr>
+              <a:t>computed</a:t>
+            </a:r>
+            <a:r>
+              <a:rPr lang="nl-BE" dirty="0">
+                <a:latin typeface="Roboto" panose="02000000000000000000" pitchFamily="2" charset="0"/>
+                <a:ea typeface="Roboto" panose="02000000000000000000" pitchFamily="2" charset="0"/>
+              </a:rPr>
+              <a:t> </a:t>
+            </a:r>
+            <a:r>
+              <a:rPr lang="nl-BE" dirty="0" err="1">
+                <a:latin typeface="Roboto" panose="02000000000000000000" pitchFamily="2" charset="0"/>
+                <a:ea typeface="Roboto" panose="02000000000000000000" pitchFamily="2" charset="0"/>
+              </a:rPr>
+              <a:t>properties</a:t>
+            </a:r>
+            <a:r>
+              <a:rPr lang="nl-BE" dirty="0">
+                <a:latin typeface="Roboto" panose="02000000000000000000" pitchFamily="2" charset="0"/>
+                <a:ea typeface="Roboto" panose="02000000000000000000" pitchFamily="2" charset="0"/>
+              </a:rPr>
+              <a:t> gebruiken.</a:t>
             </a:r>
           </a:p>
         </p:txBody>
       </p:sp>
       <p:pic>
         <p:nvPicPr>
-          <p:cNvPr id="5" name="Afbeelding 4"/>
+          <p:cNvPr id="3" name="Afbeelding 2"/>
           <p:cNvPicPr>
             <a:picLocks noChangeAspect="1"/>
           </p:cNvPicPr>
@@ -5531,8 +5411,8 @@
         </p:blipFill>
         <p:spPr>
           <a:xfrm>
-            <a:off x="696286" y="3014954"/>
-            <a:ext cx="4419600" cy="1257300"/>
+            <a:off x="6954222" y="1723248"/>
+            <a:ext cx="4429125" cy="2971800"/>
           </a:xfrm>
           <a:prstGeom prst="rect">
             <a:avLst/>
@@ -5541,7 +5421,7 @@
       </p:pic>
       <p:pic>
         <p:nvPicPr>
-          <p:cNvPr id="6" name="Afbeelding 5"/>
+          <p:cNvPr id="4" name="Afbeelding 3"/>
           <p:cNvPicPr>
             <a:picLocks noChangeAspect="1"/>
           </p:cNvPicPr>
@@ -5555,8 +5435,8 @@
         </p:blipFill>
         <p:spPr>
           <a:xfrm>
-            <a:off x="6082018" y="3014954"/>
-            <a:ext cx="4343400" cy="571500"/>
+            <a:off x="634482" y="1723248"/>
+            <a:ext cx="4076700" cy="2486025"/>
           </a:xfrm>
           <a:prstGeom prst="rect">
             <a:avLst/>
@@ -5565,14 +5445,14 @@
       </p:pic>
       <p:sp>
         <p:nvSpPr>
-          <p:cNvPr id="7" name="Tekstvak 6"/>
+          <p:cNvPr id="5" name="Tekstvak 4"/>
           <p:cNvSpPr txBox="1"/>
           <p:nvPr/>
         </p:nvSpPr>
         <p:spPr>
           <a:xfrm>
-            <a:off x="765110" y="4758612"/>
-            <a:ext cx="10356980" cy="369332"/>
+            <a:off x="634481" y="4872035"/>
+            <a:ext cx="10748865" cy="646331"/>
           </a:xfrm>
           <a:prstGeom prst="rect">
             <a:avLst/>
@@ -5590,21 +5470,95 @@
                 <a:latin typeface="Roboto" panose="02000000000000000000" pitchFamily="2" charset="0"/>
                 <a:ea typeface="Roboto" panose="02000000000000000000" pitchFamily="2" charset="0"/>
               </a:rPr>
-              <a:t>Dit kan je dan heel makkelijk uitvoeren </a:t>
+              <a:t>Het interessante  aan de </a:t>
             </a:r>
             <a:r>
               <a:rPr lang="nl-BE" dirty="0" err="1">
                 <a:latin typeface="Roboto" panose="02000000000000000000" pitchFamily="2" charset="0"/>
                 <a:ea typeface="Roboto" panose="02000000000000000000" pitchFamily="2" charset="0"/>
               </a:rPr>
-              <a:t>vie</a:t>
-            </a:r>
-            <a:r>
-              <a:rPr lang="nl-BE" dirty="0">
-                <a:latin typeface="Roboto" panose="02000000000000000000" pitchFamily="2" charset="0"/>
-                <a:ea typeface="Roboto" panose="02000000000000000000" pitchFamily="2" charset="0"/>
-              </a:rPr>
-              <a:t> de html achter een click event.</a:t>
+              <a:t>computed</a:t>
+            </a:r>
+            <a:r>
+              <a:rPr lang="nl-BE" dirty="0">
+                <a:latin typeface="Roboto" panose="02000000000000000000" pitchFamily="2" charset="0"/>
+                <a:ea typeface="Roboto" panose="02000000000000000000" pitchFamily="2" charset="0"/>
+              </a:rPr>
+              <a:t> </a:t>
+            </a:r>
+            <a:r>
+              <a:rPr lang="nl-BE" dirty="0" err="1">
+                <a:latin typeface="Roboto" panose="02000000000000000000" pitchFamily="2" charset="0"/>
+                <a:ea typeface="Roboto" panose="02000000000000000000" pitchFamily="2" charset="0"/>
+              </a:rPr>
+              <a:t>properties</a:t>
+            </a:r>
+            <a:r>
+              <a:rPr lang="nl-BE" dirty="0">
+                <a:latin typeface="Roboto" panose="02000000000000000000" pitchFamily="2" charset="0"/>
+                <a:ea typeface="Roboto" panose="02000000000000000000" pitchFamily="2" charset="0"/>
+              </a:rPr>
+              <a:t> is dat ze </a:t>
+            </a:r>
+            <a:r>
+              <a:rPr lang="nl-BE" b="1" dirty="0">
+                <a:latin typeface="Roboto" panose="02000000000000000000" pitchFamily="2" charset="0"/>
+                <a:ea typeface="Roboto" panose="02000000000000000000" pitchFamily="2" charset="0"/>
+              </a:rPr>
+              <a:t>zelf kijken </a:t>
+            </a:r>
+            <a:r>
+              <a:rPr lang="nl-BE" dirty="0">
+                <a:latin typeface="Roboto" panose="02000000000000000000" pitchFamily="2" charset="0"/>
+                <a:ea typeface="Roboto" panose="02000000000000000000" pitchFamily="2" charset="0"/>
+              </a:rPr>
+              <a:t>wanneer er 1 van de afhankelijke variabelen veranderd en dan zelf </a:t>
+            </a:r>
+            <a:r>
+              <a:rPr lang="nl-BE" b="1" dirty="0">
+                <a:latin typeface="Roboto" panose="02000000000000000000" pitchFamily="2" charset="0"/>
+                <a:ea typeface="Roboto" panose="02000000000000000000" pitchFamily="2" charset="0"/>
+              </a:rPr>
+              <a:t>mee veranderd</a:t>
+            </a:r>
+            <a:r>
+              <a:rPr lang="nl-BE" dirty="0">
+                <a:latin typeface="Roboto" panose="02000000000000000000" pitchFamily="2" charset="0"/>
+                <a:ea typeface="Roboto" panose="02000000000000000000" pitchFamily="2" charset="0"/>
+              </a:rPr>
+              <a:t>.</a:t>
+            </a:r>
+          </a:p>
+        </p:txBody>
+      </p:sp>
+      <p:sp>
+        <p:nvSpPr>
+          <p:cNvPr id="6" name="Tekstvak 5"/>
+          <p:cNvSpPr txBox="1"/>
+          <p:nvPr/>
+        </p:nvSpPr>
+        <p:spPr>
+          <a:xfrm>
+            <a:off x="634482" y="5780015"/>
+            <a:ext cx="10748865" cy="646331"/>
+          </a:xfrm>
+          <a:prstGeom prst="rect">
+            <a:avLst/>
+          </a:prstGeom>
+          <a:noFill/>
+        </p:spPr>
+        <p:txBody>
+          <a:bodyPr wrap="square" rtlCol="0">
+            <a:spAutoFit/>
+          </a:bodyPr>
+          <a:lstStyle/>
+          <a:p>
+            <a:r>
+              <a:rPr lang="nl-BE" dirty="0">
+                <a:latin typeface="Roboto" panose="02000000000000000000" pitchFamily="2" charset="0"/>
+                <a:ea typeface="Roboto" panose="02000000000000000000" pitchFamily="2" charset="0"/>
+              </a:rPr>
+              <a:t>Als je bovenstaande met een methode had gedaan. Dan was de uitkomst niet mee veranderd met de wijzigen van de afhankelijke variabelen.</a:t>
             </a:r>
           </a:p>
         </p:txBody>
@@ -5612,7 +5566,7 @@
     </p:spTree>
     <p:extLst>
       <p:ext uri="{BB962C8B-B14F-4D97-AF65-F5344CB8AC3E}">
-        <p14:creationId xmlns:p14="http://schemas.microsoft.com/office/powerpoint/2010/main" val="1678453549"/>
+        <p14:creationId xmlns:p14="http://schemas.microsoft.com/office/powerpoint/2010/main" val="611356273"/>
       </p:ext>
     </p:extLst>
   </p:cSld>
@@ -5647,8 +5601,8 @@
         </p:nvSpPr>
         <p:spPr>
           <a:xfrm>
-            <a:off x="503339" y="293615"/>
-            <a:ext cx="11115413" cy="923330"/>
+            <a:off x="637563" y="444617"/>
+            <a:ext cx="10981189" cy="646331"/>
           </a:xfrm>
           <a:prstGeom prst="rect">
             <a:avLst/>
@@ -5661,156 +5615,61 @@
           </a:bodyPr>
           <a:lstStyle/>
           <a:p>
-            <a:pPr algn="ctr"/>
-            <a:r>
-              <a:rPr lang="nl-BE" sz="5400" dirty="0" err="1">
-                <a:latin typeface="Headline One" panose="00000400000000000000" pitchFamily="2" charset="0"/>
-              </a:rPr>
-              <a:t>Computed</a:t>
-            </a:r>
-            <a:r>
-              <a:rPr lang="nl-BE" sz="5400" dirty="0">
-                <a:latin typeface="Headline One" panose="00000400000000000000" pitchFamily="2" charset="0"/>
+            <a:r>
+              <a:rPr lang="nl-BE" dirty="0">
+                <a:latin typeface="Roboto" panose="02000000000000000000" pitchFamily="2" charset="0"/>
+                <a:ea typeface="Roboto" panose="02000000000000000000" pitchFamily="2" charset="0"/>
+              </a:rPr>
+              <a:t>Bovenstaande is een voorbeeld van een </a:t>
+            </a:r>
+            <a:r>
+              <a:rPr lang="nl-BE" dirty="0" err="1">
+                <a:latin typeface="Roboto" panose="02000000000000000000" pitchFamily="2" charset="0"/>
+                <a:ea typeface="Roboto" panose="02000000000000000000" pitchFamily="2" charset="0"/>
+              </a:rPr>
+              <a:t>getter</a:t>
+            </a:r>
+            <a:r>
+              <a:rPr lang="nl-BE" dirty="0">
+                <a:latin typeface="Roboto" panose="02000000000000000000" pitchFamily="2" charset="0"/>
+                <a:ea typeface="Roboto" panose="02000000000000000000" pitchFamily="2" charset="0"/>
+              </a:rPr>
+              <a:t>, maar we kunnen </a:t>
+            </a:r>
+            <a:r>
+              <a:rPr lang="nl-BE" dirty="0" err="1">
+                <a:latin typeface="Roboto" panose="02000000000000000000" pitchFamily="2" charset="0"/>
+                <a:ea typeface="Roboto" panose="02000000000000000000" pitchFamily="2" charset="0"/>
+              </a:rPr>
+              <a:t>computed</a:t>
+            </a:r>
+            <a:r>
+              <a:rPr lang="nl-BE" dirty="0">
+                <a:latin typeface="Roboto" panose="02000000000000000000" pitchFamily="2" charset="0"/>
+                <a:ea typeface="Roboto" panose="02000000000000000000" pitchFamily="2" charset="0"/>
               </a:rPr>
               <a:t> </a:t>
             </a:r>
             <a:r>
-              <a:rPr lang="nl-BE" sz="5400" dirty="0" err="1">
-                <a:latin typeface="Headline One" panose="00000400000000000000" pitchFamily="2" charset="0"/>
+              <a:rPr lang="nl-BE" dirty="0" err="1">
+                <a:latin typeface="Roboto" panose="02000000000000000000" pitchFamily="2" charset="0"/>
+                <a:ea typeface="Roboto" panose="02000000000000000000" pitchFamily="2" charset="0"/>
               </a:rPr>
               <a:t>properties</a:t>
             </a:r>
-            <a:endParaRPr lang="nl-BE" sz="5400" dirty="0">
-              <a:latin typeface="Headline One" panose="00000400000000000000" pitchFamily="2" charset="0"/>
-            </a:endParaRPr>
-          </a:p>
-        </p:txBody>
-      </p:sp>
-      <p:sp>
-        <p:nvSpPr>
-          <p:cNvPr id="3" name="Tekstvak 2"/>
-          <p:cNvSpPr txBox="1"/>
-          <p:nvPr/>
-        </p:nvSpPr>
-        <p:spPr>
-          <a:xfrm>
-            <a:off x="713064" y="1426128"/>
-            <a:ext cx="10821798" cy="369332"/>
-          </a:xfrm>
-          <a:prstGeom prst="rect">
-            <a:avLst/>
-          </a:prstGeom>
-          <a:noFill/>
-        </p:spPr>
-        <p:txBody>
-          <a:bodyPr wrap="square" rtlCol="0">
-            <a:spAutoFit/>
-          </a:bodyPr>
-          <a:lstStyle/>
-          <a:p>
-            <a:r>
-              <a:rPr lang="nl-BE" dirty="0"/>
-              <a:t>“</a:t>
-            </a:r>
-            <a:r>
-              <a:rPr lang="nl-BE" dirty="0" err="1"/>
-              <a:t>Computes</a:t>
-            </a:r>
-            <a:r>
-              <a:rPr lang="nl-BE" dirty="0"/>
-              <a:t> </a:t>
-            </a:r>
-            <a:r>
-              <a:rPr lang="nl-BE" dirty="0" err="1"/>
-              <a:t>properties</a:t>
-            </a:r>
-            <a:r>
-              <a:rPr lang="nl-BE" dirty="0"/>
-              <a:t>” is 1 van de eigenschappen die vue.js zo interessant en makkelijk te gebruiken maakt.</a:t>
-            </a:r>
-          </a:p>
-        </p:txBody>
-      </p:sp>
-      <p:sp>
-        <p:nvSpPr>
-          <p:cNvPr id="4" name="Tekstvak 3"/>
-          <p:cNvSpPr txBox="1"/>
-          <p:nvPr/>
-        </p:nvSpPr>
-        <p:spPr>
-          <a:xfrm>
-            <a:off x="851482" y="2097248"/>
-            <a:ext cx="10544962" cy="646331"/>
-          </a:xfrm>
-          <a:prstGeom prst="rect">
-            <a:avLst/>
-          </a:prstGeom>
-          <a:noFill/>
-        </p:spPr>
-        <p:txBody>
-          <a:bodyPr wrap="square" rtlCol="0">
-            <a:spAutoFit/>
-          </a:bodyPr>
-          <a:lstStyle/>
-          <a:p>
-            <a:r>
-              <a:rPr lang="nl-BE" dirty="0">
-                <a:latin typeface="Roboto" panose="02000000000000000000" pitchFamily="2" charset="0"/>
-                <a:ea typeface="Roboto" panose="02000000000000000000" pitchFamily="2" charset="0"/>
-              </a:rPr>
-              <a:t>Bijvoorbeeld: je wilt in je applicatie 2 getallen vermenigvuldigen die je zelf kan ingeven. Je kan dit op 2 manieren doen.</a:t>
-            </a:r>
-          </a:p>
-        </p:txBody>
-      </p:sp>
-      <p:sp>
-        <p:nvSpPr>
-          <p:cNvPr id="5" name="Tekstvak 4"/>
-          <p:cNvSpPr txBox="1"/>
-          <p:nvPr/>
-        </p:nvSpPr>
-        <p:spPr>
-          <a:xfrm>
-            <a:off x="851482" y="3129094"/>
-            <a:ext cx="10205208" cy="646331"/>
-          </a:xfrm>
-          <a:prstGeom prst="rect">
-            <a:avLst/>
-          </a:prstGeom>
-          <a:noFill/>
-        </p:spPr>
-        <p:txBody>
-          <a:bodyPr wrap="square" rtlCol="0">
-            <a:spAutoFit/>
-          </a:bodyPr>
-          <a:lstStyle/>
-          <a:p>
-            <a:r>
-              <a:rPr lang="nl-BE" dirty="0"/>
-              <a:t>Je kan het simpelweg met een javascript </a:t>
-            </a:r>
-            <a:r>
-              <a:rPr lang="nl-BE" dirty="0" err="1"/>
-              <a:t>expression</a:t>
-            </a:r>
-            <a:r>
-              <a:rPr lang="nl-BE" dirty="0"/>
-              <a:t> doen. Dit zal werken, de </a:t>
-            </a:r>
-            <a:r>
-              <a:rPr lang="nl-BE" dirty="0" err="1"/>
-              <a:t>vermenigvulidiging</a:t>
-            </a:r>
-            <a:r>
-              <a:rPr lang="nl-BE" dirty="0"/>
-              <a:t> van de 2 factors zal real time worden getoond. </a:t>
+            <a:r>
+              <a:rPr lang="nl-BE" dirty="0">
+                <a:latin typeface="Roboto" panose="02000000000000000000" pitchFamily="2" charset="0"/>
+                <a:ea typeface="Roboto" panose="02000000000000000000" pitchFamily="2" charset="0"/>
+              </a:rPr>
+              <a:t> ook gebruiken als setters:</a:t>
             </a:r>
           </a:p>
         </p:txBody>
       </p:sp>
       <p:pic>
         <p:nvPicPr>
-          <p:cNvPr id="6" name="Afbeelding 5"/>
+          <p:cNvPr id="3" name="Afbeelding 2"/>
           <p:cNvPicPr>
             <a:picLocks noChangeAspect="1"/>
           </p:cNvPicPr>
@@ -5824,8 +5683,8 @@
         </p:blipFill>
         <p:spPr>
           <a:xfrm>
-            <a:off x="851482" y="4275597"/>
-            <a:ext cx="4019550" cy="1943100"/>
+            <a:off x="732453" y="1656669"/>
+            <a:ext cx="3505200" cy="3152775"/>
           </a:xfrm>
           <a:prstGeom prst="rect">
             <a:avLst/>
@@ -5834,7 +5693,7 @@
       </p:pic>
       <p:pic>
         <p:nvPicPr>
-          <p:cNvPr id="7" name="Afbeelding 6"/>
+          <p:cNvPr id="4" name="Afbeelding 3"/>
           <p:cNvPicPr>
             <a:picLocks noChangeAspect="1"/>
           </p:cNvPicPr>
@@ -5848,18 +5707,78 @@
         </p:blipFill>
         <p:spPr>
           <a:xfrm>
-            <a:off x="5954086" y="4160940"/>
-            <a:ext cx="4581525" cy="1352550"/>
+            <a:off x="5320295" y="1656669"/>
+            <a:ext cx="2409825" cy="352425"/>
           </a:xfrm>
           <a:prstGeom prst="rect">
             <a:avLst/>
           </a:prstGeom>
         </p:spPr>
       </p:pic>
+      <p:sp>
+        <p:nvSpPr>
+          <p:cNvPr id="5" name="Tekstvak 4"/>
+          <p:cNvSpPr txBox="1"/>
+          <p:nvPr/>
+        </p:nvSpPr>
+        <p:spPr>
+          <a:xfrm>
+            <a:off x="5261572" y="2683764"/>
+            <a:ext cx="6007068" cy="646331"/>
+          </a:xfrm>
+          <a:prstGeom prst="rect">
+            <a:avLst/>
+          </a:prstGeom>
+          <a:noFill/>
+        </p:spPr>
+        <p:txBody>
+          <a:bodyPr wrap="square" rtlCol="0">
+            <a:spAutoFit/>
+          </a:bodyPr>
+          <a:lstStyle/>
+          <a:p>
+            <a:r>
+              <a:rPr lang="nl-BE" dirty="0">
+                <a:latin typeface="Roboto" panose="02000000000000000000" pitchFamily="2" charset="0"/>
+                <a:ea typeface="Roboto" panose="02000000000000000000" pitchFamily="2" charset="0"/>
+              </a:rPr>
+              <a:t>Als je dan bovenstaande doet zal de setter worden gebruikt </a:t>
+            </a:r>
+            <a:r>
+              <a:rPr lang="nl-BE" dirty="0" err="1">
+                <a:latin typeface="Roboto" panose="02000000000000000000" pitchFamily="2" charset="0"/>
+                <a:ea typeface="Roboto" panose="02000000000000000000" pitchFamily="2" charset="0"/>
+              </a:rPr>
+              <a:t>ipv</a:t>
+            </a:r>
+            <a:r>
+              <a:rPr lang="nl-BE" dirty="0">
+                <a:latin typeface="Roboto" panose="02000000000000000000" pitchFamily="2" charset="0"/>
+                <a:ea typeface="Roboto" panose="02000000000000000000" pitchFamily="2" charset="0"/>
+              </a:rPr>
+              <a:t> de </a:t>
+            </a:r>
+            <a:r>
+              <a:rPr lang="nl-BE" dirty="0" err="1">
+                <a:latin typeface="Roboto" panose="02000000000000000000" pitchFamily="2" charset="0"/>
+                <a:ea typeface="Roboto" panose="02000000000000000000" pitchFamily="2" charset="0"/>
+              </a:rPr>
+              <a:t>getter</a:t>
+            </a:r>
+            <a:r>
+              <a:rPr lang="nl-BE" dirty="0">
+                <a:latin typeface="Roboto" panose="02000000000000000000" pitchFamily="2" charset="0"/>
+                <a:ea typeface="Roboto" panose="02000000000000000000" pitchFamily="2" charset="0"/>
+              </a:rPr>
+              <a:t>. </a:t>
+            </a:r>
+          </a:p>
+        </p:txBody>
+      </p:sp>
     </p:spTree>
     <p:extLst>
       <p:ext uri="{BB962C8B-B14F-4D97-AF65-F5344CB8AC3E}">
-        <p14:creationId xmlns:p14="http://schemas.microsoft.com/office/powerpoint/2010/main" val="1876486570"/>
+        <p14:creationId xmlns:p14="http://schemas.microsoft.com/office/powerpoint/2010/main" val="2514893351"/>
       </p:ext>
     </p:extLst>
   </p:cSld>
@@ -5894,8 +5813,8 @@
         </p:nvSpPr>
         <p:spPr>
           <a:xfrm>
-            <a:off x="634482" y="494522"/>
-            <a:ext cx="10748865" cy="923330"/>
+            <a:off x="679508" y="377505"/>
+            <a:ext cx="10771464" cy="923330"/>
           </a:xfrm>
           <a:prstGeom prst="rect">
             <a:avLst/>
@@ -5908,61 +5827,346 @@
           </a:bodyPr>
           <a:lstStyle/>
           <a:p>
-            <a:r>
-              <a:rPr lang="nl-BE" dirty="0">
-                <a:latin typeface="Roboto" panose="02000000000000000000" pitchFamily="2" charset="0"/>
-                <a:ea typeface="Roboto" panose="02000000000000000000" pitchFamily="2" charset="0"/>
-              </a:rPr>
-              <a:t>Zou het niet handiger zijn moesten we al de logica in de </a:t>
+            <a:pPr algn="ctr"/>
+            <a:r>
+              <a:rPr lang="nl-BE" sz="5400" dirty="0">
+                <a:latin typeface="Headline One" panose="00000400000000000000" pitchFamily="2" charset="0"/>
+                <a:ea typeface="Roboto" panose="02000000000000000000" pitchFamily="2" charset="0"/>
+              </a:rPr>
+              <a:t>Array </a:t>
+            </a:r>
+            <a:r>
+              <a:rPr lang="nl-BE" sz="5400" dirty="0" err="1">
+                <a:latin typeface="Headline One" panose="00000400000000000000" pitchFamily="2" charset="0"/>
+                <a:ea typeface="Roboto" panose="02000000000000000000" pitchFamily="2" charset="0"/>
+              </a:rPr>
+              <a:t>manipulation</a:t>
+            </a:r>
+            <a:endParaRPr lang="nl-BE" sz="5400" dirty="0">
+              <a:latin typeface="Headline One" panose="00000400000000000000" pitchFamily="2" charset="0"/>
+              <a:ea typeface="Roboto" panose="02000000000000000000" pitchFamily="2" charset="0"/>
+            </a:endParaRPr>
+          </a:p>
+        </p:txBody>
+      </p:sp>
+      <p:sp>
+        <p:nvSpPr>
+          <p:cNvPr id="3" name="Tekstvak 2"/>
+          <p:cNvSpPr txBox="1"/>
+          <p:nvPr/>
+        </p:nvSpPr>
+        <p:spPr>
+          <a:xfrm>
+            <a:off x="679508" y="1434517"/>
+            <a:ext cx="10771464" cy="369332"/>
+          </a:xfrm>
+          <a:prstGeom prst="rect">
+            <a:avLst/>
+          </a:prstGeom>
+          <a:noFill/>
+        </p:spPr>
+        <p:txBody>
+          <a:bodyPr wrap="square" rtlCol="0">
+            <a:spAutoFit/>
+          </a:bodyPr>
+          <a:lstStyle/>
+          <a:p>
+            <a:r>
+              <a:rPr lang="nl-BE" dirty="0">
+                <a:latin typeface="Roboto" panose="02000000000000000000" pitchFamily="2" charset="0"/>
+                <a:ea typeface="Roboto" panose="02000000000000000000" pitchFamily="2" charset="0"/>
+              </a:rPr>
+              <a:t>Er zijn een heleboel functies om </a:t>
             </a:r>
             <a:r>
               <a:rPr lang="nl-BE" dirty="0" err="1">
                 <a:latin typeface="Roboto" panose="02000000000000000000" pitchFamily="2" charset="0"/>
                 <a:ea typeface="Roboto" panose="02000000000000000000" pitchFamily="2" charset="0"/>
               </a:rPr>
-              <a:t>js</a:t>
-            </a:r>
-            <a:r>
-              <a:rPr lang="nl-BE" dirty="0">
-                <a:latin typeface="Roboto" panose="02000000000000000000" pitchFamily="2" charset="0"/>
-                <a:ea typeface="Roboto" panose="02000000000000000000" pitchFamily="2" charset="0"/>
-              </a:rPr>
-              <a:t> file kunnen zetten ? Dit is geen complex voorbeeld maar je kan je voorstellen dat er complexe zaken zijn die je niet in de html file kunt zetten. Hiervoor kan je </a:t>
+              <a:t>array’s</a:t>
+            </a:r>
+            <a:r>
+              <a:rPr lang="nl-BE" dirty="0">
+                <a:latin typeface="Roboto" panose="02000000000000000000" pitchFamily="2" charset="0"/>
+                <a:ea typeface="Roboto" panose="02000000000000000000" pitchFamily="2" charset="0"/>
+              </a:rPr>
+              <a:t> te manipuleren in vue. </a:t>
+            </a:r>
+          </a:p>
+        </p:txBody>
+      </p:sp>
+      <p:sp>
+        <p:nvSpPr>
+          <p:cNvPr id="4" name="Tekstvak 3"/>
+          <p:cNvSpPr txBox="1"/>
+          <p:nvPr/>
+        </p:nvSpPr>
+        <p:spPr>
+          <a:xfrm>
+            <a:off x="780176" y="2122414"/>
+            <a:ext cx="1879134" cy="2031325"/>
+          </a:xfrm>
+          <a:prstGeom prst="rect">
+            <a:avLst/>
+          </a:prstGeom>
+          <a:noFill/>
+        </p:spPr>
+        <p:txBody>
+          <a:bodyPr wrap="square" rtlCol="0">
+            <a:spAutoFit/>
+          </a:bodyPr>
+          <a:lstStyle/>
+          <a:p>
+            <a:pPr marL="285750" indent="-285750">
+              <a:buFont typeface="Arial" panose="020B0604020202020204" pitchFamily="34" charset="0"/>
+              <a:buChar char="•"/>
+            </a:pPr>
+            <a:r>
+              <a:rPr lang="en-US" dirty="0">
+                <a:latin typeface="Roboto" panose="02000000000000000000" pitchFamily="2" charset="0"/>
+                <a:ea typeface="Roboto" panose="02000000000000000000" pitchFamily="2" charset="0"/>
+              </a:rPr>
+              <a:t>push()</a:t>
+            </a:r>
+          </a:p>
+          <a:p>
+            <a:pPr marL="285750" indent="-285750">
+              <a:buFont typeface="Arial" panose="020B0604020202020204" pitchFamily="34" charset="0"/>
+              <a:buChar char="•"/>
+            </a:pPr>
+            <a:r>
+              <a:rPr lang="en-US" dirty="0">
+                <a:latin typeface="Roboto" panose="02000000000000000000" pitchFamily="2" charset="0"/>
+                <a:ea typeface="Roboto" panose="02000000000000000000" pitchFamily="2" charset="0"/>
+              </a:rPr>
+              <a:t>pop()</a:t>
+            </a:r>
+          </a:p>
+          <a:p>
+            <a:pPr marL="285750" indent="-285750">
+              <a:buFont typeface="Arial" panose="020B0604020202020204" pitchFamily="34" charset="0"/>
+              <a:buChar char="•"/>
+            </a:pPr>
+            <a:r>
+              <a:rPr lang="en-US" dirty="0">
+                <a:latin typeface="Roboto" panose="02000000000000000000" pitchFamily="2" charset="0"/>
+                <a:ea typeface="Roboto" panose="02000000000000000000" pitchFamily="2" charset="0"/>
+              </a:rPr>
+              <a:t>shift()</a:t>
+            </a:r>
+          </a:p>
+          <a:p>
+            <a:pPr marL="285750" indent="-285750">
+              <a:buFont typeface="Arial" panose="020B0604020202020204" pitchFamily="34" charset="0"/>
+              <a:buChar char="•"/>
+            </a:pPr>
+            <a:r>
+              <a:rPr lang="en-US" dirty="0" err="1">
+                <a:latin typeface="Roboto" panose="02000000000000000000" pitchFamily="2" charset="0"/>
+                <a:ea typeface="Roboto" panose="02000000000000000000" pitchFamily="2" charset="0"/>
+              </a:rPr>
+              <a:t>unshift</a:t>
+            </a:r>
+            <a:r>
+              <a:rPr lang="en-US" dirty="0">
+                <a:latin typeface="Roboto" panose="02000000000000000000" pitchFamily="2" charset="0"/>
+                <a:ea typeface="Roboto" panose="02000000000000000000" pitchFamily="2" charset="0"/>
+              </a:rPr>
+              <a:t>()</a:t>
+            </a:r>
+          </a:p>
+          <a:p>
+            <a:pPr marL="285750" indent="-285750">
+              <a:buFont typeface="Arial" panose="020B0604020202020204" pitchFamily="34" charset="0"/>
+              <a:buChar char="•"/>
+            </a:pPr>
+            <a:r>
+              <a:rPr lang="en-US" dirty="0">
+                <a:latin typeface="Roboto" panose="02000000000000000000" pitchFamily="2" charset="0"/>
+                <a:ea typeface="Roboto" panose="02000000000000000000" pitchFamily="2" charset="0"/>
+              </a:rPr>
+              <a:t>splice()</a:t>
+            </a:r>
+          </a:p>
+          <a:p>
+            <a:pPr marL="285750" indent="-285750">
+              <a:buFont typeface="Arial" panose="020B0604020202020204" pitchFamily="34" charset="0"/>
+              <a:buChar char="•"/>
+            </a:pPr>
+            <a:r>
+              <a:rPr lang="en-US" dirty="0">
+                <a:latin typeface="Roboto" panose="02000000000000000000" pitchFamily="2" charset="0"/>
+                <a:ea typeface="Roboto" panose="02000000000000000000" pitchFamily="2" charset="0"/>
+              </a:rPr>
+              <a:t>sort()</a:t>
+            </a:r>
+          </a:p>
+          <a:p>
+            <a:pPr marL="285750" indent="-285750">
+              <a:buFont typeface="Arial" panose="020B0604020202020204" pitchFamily="34" charset="0"/>
+              <a:buChar char="•"/>
+            </a:pPr>
+            <a:r>
+              <a:rPr lang="en-US" dirty="0">
+                <a:latin typeface="Roboto" panose="02000000000000000000" pitchFamily="2" charset="0"/>
+                <a:ea typeface="Roboto" panose="02000000000000000000" pitchFamily="2" charset="0"/>
+              </a:rPr>
+              <a:t>reverse()</a:t>
+            </a:r>
+            <a:endParaRPr lang="nl-BE" dirty="0">
+              <a:latin typeface="Roboto" panose="02000000000000000000" pitchFamily="2" charset="0"/>
+              <a:ea typeface="Roboto" panose="02000000000000000000" pitchFamily="2" charset="0"/>
+            </a:endParaRPr>
+          </a:p>
+        </p:txBody>
+      </p:sp>
+      <p:sp>
+        <p:nvSpPr>
+          <p:cNvPr id="5" name="Tekstvak 4"/>
+          <p:cNvSpPr txBox="1"/>
+          <p:nvPr/>
+        </p:nvSpPr>
+        <p:spPr>
+          <a:xfrm>
+            <a:off x="2894202" y="2231471"/>
+            <a:ext cx="8128932" cy="369332"/>
+          </a:xfrm>
+          <a:prstGeom prst="rect">
+            <a:avLst/>
+          </a:prstGeom>
+          <a:noFill/>
+        </p:spPr>
+        <p:txBody>
+          <a:bodyPr wrap="square" rtlCol="0">
+            <a:spAutoFit/>
+          </a:bodyPr>
+          <a:lstStyle/>
+          <a:p>
+            <a:r>
+              <a:rPr lang="nl-BE" dirty="0">
+                <a:latin typeface="Roboto" panose="02000000000000000000" pitchFamily="2" charset="0"/>
+                <a:ea typeface="Roboto" panose="02000000000000000000" pitchFamily="2" charset="0"/>
+              </a:rPr>
+              <a:t>-&gt; Deze </a:t>
             </a:r>
             <a:r>
               <a:rPr lang="nl-BE" dirty="0" err="1">
                 <a:latin typeface="Roboto" panose="02000000000000000000" pitchFamily="2" charset="0"/>
                 <a:ea typeface="Roboto" panose="02000000000000000000" pitchFamily="2" charset="0"/>
               </a:rPr>
-              <a:t>computed</a:t>
-            </a:r>
-            <a:r>
-              <a:rPr lang="nl-BE" dirty="0">
-                <a:latin typeface="Roboto" panose="02000000000000000000" pitchFamily="2" charset="0"/>
-                <a:ea typeface="Roboto" panose="02000000000000000000" pitchFamily="2" charset="0"/>
-              </a:rPr>
-              <a:t> </a:t>
-            </a:r>
+              <a:t>fucties</a:t>
+            </a:r>
+            <a:r>
+              <a:rPr lang="nl-BE" dirty="0">
+                <a:latin typeface="Roboto" panose="02000000000000000000" pitchFamily="2" charset="0"/>
+                <a:ea typeface="Roboto" panose="02000000000000000000" pitchFamily="2" charset="0"/>
+              </a:rPr>
+              <a:t> wijzigen de array zelf die is meegegeven.</a:t>
+            </a:r>
+          </a:p>
+        </p:txBody>
+      </p:sp>
+      <p:sp>
+        <p:nvSpPr>
+          <p:cNvPr id="6" name="Tekstvak 5"/>
+          <p:cNvSpPr txBox="1"/>
+          <p:nvPr/>
+        </p:nvSpPr>
+        <p:spPr>
+          <a:xfrm>
+            <a:off x="780176" y="4447137"/>
+            <a:ext cx="1551963" cy="923330"/>
+          </a:xfrm>
+          <a:prstGeom prst="rect">
+            <a:avLst/>
+          </a:prstGeom>
+          <a:noFill/>
+        </p:spPr>
+        <p:txBody>
+          <a:bodyPr wrap="square" rtlCol="0">
+            <a:spAutoFit/>
+          </a:bodyPr>
+          <a:lstStyle/>
+          <a:p>
+            <a:pPr marL="285750" indent="-285750">
+              <a:buFont typeface="Arial" panose="020B0604020202020204" pitchFamily="34" charset="0"/>
+              <a:buChar char="•"/>
+            </a:pPr>
+            <a:r>
+              <a:rPr lang="nl-BE" dirty="0">
+                <a:latin typeface="Roboto" panose="02000000000000000000" pitchFamily="2" charset="0"/>
+                <a:ea typeface="Roboto" panose="02000000000000000000" pitchFamily="2" charset="0"/>
+              </a:rPr>
+              <a:t>filter()</a:t>
+            </a:r>
+          </a:p>
+          <a:p>
+            <a:pPr marL="285750" indent="-285750">
+              <a:buFont typeface="Arial" panose="020B0604020202020204" pitchFamily="34" charset="0"/>
+              <a:buChar char="•"/>
+            </a:pPr>
             <a:r>
               <a:rPr lang="nl-BE" dirty="0" err="1">
                 <a:latin typeface="Roboto" panose="02000000000000000000" pitchFamily="2" charset="0"/>
                 <a:ea typeface="Roboto" panose="02000000000000000000" pitchFamily="2" charset="0"/>
               </a:rPr>
-              <a:t>properties</a:t>
-            </a:r>
-            <a:r>
-              <a:rPr lang="nl-BE" dirty="0">
-                <a:latin typeface="Roboto" panose="02000000000000000000" pitchFamily="2" charset="0"/>
-                <a:ea typeface="Roboto" panose="02000000000000000000" pitchFamily="2" charset="0"/>
-              </a:rPr>
-              <a:t> gebruiken.</a:t>
+              <a:t>concat</a:t>
+            </a:r>
+            <a:r>
+              <a:rPr lang="nl-BE" dirty="0">
+                <a:latin typeface="Roboto" panose="02000000000000000000" pitchFamily="2" charset="0"/>
+                <a:ea typeface="Roboto" panose="02000000000000000000" pitchFamily="2" charset="0"/>
+              </a:rPr>
+              <a:t>()</a:t>
+            </a:r>
+          </a:p>
+          <a:p>
+            <a:pPr marL="285750" indent="-285750">
+              <a:buFont typeface="Arial" panose="020B0604020202020204" pitchFamily="34" charset="0"/>
+              <a:buChar char="•"/>
+            </a:pPr>
+            <a:r>
+              <a:rPr lang="nl-BE" dirty="0">
+                <a:latin typeface="Roboto" panose="02000000000000000000" pitchFamily="2" charset="0"/>
+                <a:ea typeface="Roboto" panose="02000000000000000000" pitchFamily="2" charset="0"/>
+              </a:rPr>
+              <a:t>slice()</a:t>
+            </a:r>
+          </a:p>
+        </p:txBody>
+      </p:sp>
+      <p:sp>
+        <p:nvSpPr>
+          <p:cNvPr id="7" name="Tekstvak 6"/>
+          <p:cNvSpPr txBox="1"/>
+          <p:nvPr/>
+        </p:nvSpPr>
+        <p:spPr>
+          <a:xfrm>
+            <a:off x="3003259" y="4572000"/>
+            <a:ext cx="6451134" cy="369332"/>
+          </a:xfrm>
+          <a:prstGeom prst="rect">
+            <a:avLst/>
+          </a:prstGeom>
+          <a:noFill/>
+        </p:spPr>
+        <p:txBody>
+          <a:bodyPr wrap="square" rtlCol="0">
+            <a:spAutoFit/>
+          </a:bodyPr>
+          <a:lstStyle/>
+          <a:p>
+            <a:r>
+              <a:rPr lang="nl-BE" dirty="0"/>
+              <a:t>-&gt; deze functie creëren een nieuwe gewijzigde array.</a:t>
             </a:r>
           </a:p>
         </p:txBody>
       </p:sp>
       <p:pic>
         <p:nvPicPr>
-          <p:cNvPr id="3" name="Afbeelding 2"/>
+          <p:cNvPr id="8" name="Afbeelding 7"/>
           <p:cNvPicPr>
             <a:picLocks noChangeAspect="1"/>
           </p:cNvPicPr>
@@ -5976,48 +6180,24 @@
         </p:blipFill>
         <p:spPr>
           <a:xfrm>
-            <a:off x="6954222" y="1723248"/>
-            <a:ext cx="4429125" cy="2971800"/>
+            <a:off x="3112314" y="5813715"/>
+            <a:ext cx="3295650" cy="371475"/>
           </a:xfrm>
           <a:prstGeom prst="rect">
             <a:avLst/>
           </a:prstGeom>
         </p:spPr>
       </p:pic>
-      <p:pic>
-        <p:nvPicPr>
-          <p:cNvPr id="4" name="Afbeelding 3"/>
-          <p:cNvPicPr>
-            <a:picLocks noChangeAspect="1"/>
-          </p:cNvPicPr>
-          <p:nvPr/>
-        </p:nvPicPr>
-        <p:blipFill>
-          <a:blip r:embed="rId3"/>
-          <a:stretch>
-            <a:fillRect/>
-          </a:stretch>
-        </p:blipFill>
-        <p:spPr>
-          <a:xfrm>
-            <a:off x="634482" y="1723248"/>
-            <a:ext cx="4076700" cy="2486025"/>
-          </a:xfrm>
-          <a:prstGeom prst="rect">
-            <a:avLst/>
-          </a:prstGeom>
-        </p:spPr>
-      </p:pic>
-      <p:sp>
-        <p:nvSpPr>
-          <p:cNvPr id="5" name="Tekstvak 4"/>
+      <p:sp>
+        <p:nvSpPr>
+          <p:cNvPr id="9" name="Tekstvak 8"/>
           <p:cNvSpPr txBox="1"/>
           <p:nvPr/>
         </p:nvSpPr>
         <p:spPr>
           <a:xfrm>
-            <a:off x="634481" y="4872035"/>
-            <a:ext cx="10748865" cy="646331"/>
+            <a:off x="855677" y="5815858"/>
+            <a:ext cx="1887523" cy="369332"/>
           </a:xfrm>
           <a:prstGeom prst="rect">
             <a:avLst/>
@@ -6035,95 +6215,7 @@
                 <a:latin typeface="Roboto" panose="02000000000000000000" pitchFamily="2" charset="0"/>
                 <a:ea typeface="Roboto" panose="02000000000000000000" pitchFamily="2" charset="0"/>
               </a:rPr>
-              <a:t>Het interessante  aan de </a:t>
-            </a:r>
-            <a:r>
-              <a:rPr lang="nl-BE" dirty="0" err="1">
-                <a:latin typeface="Roboto" panose="02000000000000000000" pitchFamily="2" charset="0"/>
-                <a:ea typeface="Roboto" panose="02000000000000000000" pitchFamily="2" charset="0"/>
-              </a:rPr>
-              <a:t>computed</a:t>
-            </a:r>
-            <a:r>
-              <a:rPr lang="nl-BE" dirty="0">
-                <a:latin typeface="Roboto" panose="02000000000000000000" pitchFamily="2" charset="0"/>
-                <a:ea typeface="Roboto" panose="02000000000000000000" pitchFamily="2" charset="0"/>
-              </a:rPr>
-              <a:t> </a:t>
-            </a:r>
-            <a:r>
-              <a:rPr lang="nl-BE" dirty="0" err="1">
-                <a:latin typeface="Roboto" panose="02000000000000000000" pitchFamily="2" charset="0"/>
-                <a:ea typeface="Roboto" panose="02000000000000000000" pitchFamily="2" charset="0"/>
-              </a:rPr>
-              <a:t>properties</a:t>
-            </a:r>
-            <a:r>
-              <a:rPr lang="nl-BE" dirty="0">
-                <a:latin typeface="Roboto" panose="02000000000000000000" pitchFamily="2" charset="0"/>
-                <a:ea typeface="Roboto" panose="02000000000000000000" pitchFamily="2" charset="0"/>
-              </a:rPr>
-              <a:t> is dat ze </a:t>
-            </a:r>
-            <a:r>
-              <a:rPr lang="nl-BE" b="1" dirty="0">
-                <a:latin typeface="Roboto" panose="02000000000000000000" pitchFamily="2" charset="0"/>
-                <a:ea typeface="Roboto" panose="02000000000000000000" pitchFamily="2" charset="0"/>
-              </a:rPr>
-              <a:t>zelf kijken </a:t>
-            </a:r>
-            <a:r>
-              <a:rPr lang="nl-BE" dirty="0">
-                <a:latin typeface="Roboto" panose="02000000000000000000" pitchFamily="2" charset="0"/>
-                <a:ea typeface="Roboto" panose="02000000000000000000" pitchFamily="2" charset="0"/>
-              </a:rPr>
-              <a:t>wanneer er 1 van de afhankelijke variabelen veranderd en dan zelf </a:t>
-            </a:r>
-            <a:r>
-              <a:rPr lang="nl-BE" b="1" dirty="0">
-                <a:latin typeface="Roboto" panose="02000000000000000000" pitchFamily="2" charset="0"/>
-                <a:ea typeface="Roboto" panose="02000000000000000000" pitchFamily="2" charset="0"/>
-              </a:rPr>
-              <a:t>mee veranderd</a:t>
-            </a:r>
-            <a:r>
-              <a:rPr lang="nl-BE" dirty="0">
-                <a:latin typeface="Roboto" panose="02000000000000000000" pitchFamily="2" charset="0"/>
-                <a:ea typeface="Roboto" panose="02000000000000000000" pitchFamily="2" charset="0"/>
-              </a:rPr>
-              <a:t>.</a:t>
-            </a:r>
-          </a:p>
-        </p:txBody>
-      </p:sp>
-      <p:sp>
-        <p:nvSpPr>
-          <p:cNvPr id="6" name="Tekstvak 5"/>
-          <p:cNvSpPr txBox="1"/>
-          <p:nvPr/>
-        </p:nvSpPr>
-        <p:spPr>
-          <a:xfrm>
-            <a:off x="634482" y="5780015"/>
-            <a:ext cx="10748865" cy="646331"/>
-          </a:xfrm>
-          <a:prstGeom prst="rect">
-            <a:avLst/>
-          </a:prstGeom>
-          <a:noFill/>
-        </p:spPr>
-        <p:txBody>
-          <a:bodyPr wrap="square" rtlCol="0">
-            <a:spAutoFit/>
-          </a:bodyPr>
-          <a:lstStyle/>
-          <a:p>
-            <a:r>
-              <a:rPr lang="nl-BE" dirty="0">
-                <a:latin typeface="Roboto" panose="02000000000000000000" pitchFamily="2" charset="0"/>
-                <a:ea typeface="Roboto" panose="02000000000000000000" pitchFamily="2" charset="0"/>
-              </a:rPr>
-              <a:t>Als je bovenstaande met een methode had gedaan. Dan was de uitkomst niet mee veranderd met de wijzigen van de afhankelijke variabelen.</a:t>
+              <a:t>Gebruik  -&gt;</a:t>
             </a:r>
           </a:p>
         </p:txBody>
@@ -6131,7 +6223,7 @@
     </p:spTree>
     <p:extLst>
       <p:ext uri="{BB962C8B-B14F-4D97-AF65-F5344CB8AC3E}">
-        <p14:creationId xmlns:p14="http://schemas.microsoft.com/office/powerpoint/2010/main" val="611356273"/>
+        <p14:creationId xmlns:p14="http://schemas.microsoft.com/office/powerpoint/2010/main" val="723848845"/>
       </p:ext>
     </p:extLst>
   </p:cSld>
@@ -6166,8 +6258,8 @@
         </p:nvSpPr>
         <p:spPr>
           <a:xfrm>
-            <a:off x="637563" y="444617"/>
-            <a:ext cx="10981189" cy="646331"/>
+            <a:off x="629174" y="329425"/>
+            <a:ext cx="10897299" cy="646331"/>
           </a:xfrm>
           <a:prstGeom prst="rect">
             <a:avLst/>
@@ -6181,60 +6273,49 @@
           <a:lstStyle/>
           <a:p>
             <a:r>
-              <a:rPr lang="nl-BE" dirty="0">
-                <a:latin typeface="Roboto" panose="02000000000000000000" pitchFamily="2" charset="0"/>
-                <a:ea typeface="Roboto" panose="02000000000000000000" pitchFamily="2" charset="0"/>
-              </a:rPr>
-              <a:t>Bovenstaande is een voorbeeld van een </a:t>
-            </a:r>
-            <a:r>
-              <a:rPr lang="nl-BE" dirty="0" err="1">
-                <a:latin typeface="Roboto" panose="02000000000000000000" pitchFamily="2" charset="0"/>
-                <a:ea typeface="Roboto" panose="02000000000000000000" pitchFamily="2" charset="0"/>
-              </a:rPr>
-              <a:t>getter</a:t>
-            </a:r>
-            <a:r>
-              <a:rPr lang="nl-BE" dirty="0">
-                <a:latin typeface="Roboto" panose="02000000000000000000" pitchFamily="2" charset="0"/>
-                <a:ea typeface="Roboto" panose="02000000000000000000" pitchFamily="2" charset="0"/>
-              </a:rPr>
-              <a:t>, maar we kunnen </a:t>
-            </a:r>
-            <a:r>
-              <a:rPr lang="nl-BE" dirty="0" err="1">
-                <a:latin typeface="Roboto" panose="02000000000000000000" pitchFamily="2" charset="0"/>
-                <a:ea typeface="Roboto" panose="02000000000000000000" pitchFamily="2" charset="0"/>
-              </a:rPr>
-              <a:t>computed</a:t>
-            </a:r>
-            <a:r>
-              <a:rPr lang="nl-BE" dirty="0">
-                <a:latin typeface="Roboto" panose="02000000000000000000" pitchFamily="2" charset="0"/>
-                <a:ea typeface="Roboto" panose="02000000000000000000" pitchFamily="2" charset="0"/>
-              </a:rPr>
-              <a:t> </a:t>
-            </a:r>
-            <a:r>
-              <a:rPr lang="nl-BE" dirty="0" err="1">
-                <a:latin typeface="Roboto" panose="02000000000000000000" pitchFamily="2" charset="0"/>
-                <a:ea typeface="Roboto" panose="02000000000000000000" pitchFamily="2" charset="0"/>
-              </a:rPr>
-              <a:t>properties</a:t>
-            </a:r>
-            <a:r>
-              <a:rPr lang="nl-BE" dirty="0">
-                <a:latin typeface="Roboto" panose="02000000000000000000" pitchFamily="2" charset="0"/>
-                <a:ea typeface="Roboto" panose="02000000000000000000" pitchFamily="2" charset="0"/>
-              </a:rPr>
-              <a:t> ook gebruiken als setters:</a:t>
+              <a:rPr lang="nl-BE" sz="3600" dirty="0">
+                <a:latin typeface="Headline One" panose="00000400000000000000" pitchFamily="2" charset="0"/>
+              </a:rPr>
+              <a:t>uitzonderingen</a:t>
+            </a:r>
+          </a:p>
+        </p:txBody>
+      </p:sp>
+      <p:sp>
+        <p:nvSpPr>
+          <p:cNvPr id="3" name="Tekstvak 2"/>
+          <p:cNvSpPr txBox="1"/>
+          <p:nvPr/>
+        </p:nvSpPr>
+        <p:spPr>
+          <a:xfrm>
+            <a:off x="629174" y="1361789"/>
+            <a:ext cx="10595296" cy="369332"/>
+          </a:xfrm>
+          <a:prstGeom prst="rect">
+            <a:avLst/>
+          </a:prstGeom>
+          <a:noFill/>
+        </p:spPr>
+        <p:txBody>
+          <a:bodyPr wrap="square" rtlCol="0">
+            <a:spAutoFit/>
+          </a:bodyPr>
+          <a:lstStyle/>
+          <a:p>
+            <a:r>
+              <a:rPr lang="nl-BE" dirty="0">
+                <a:latin typeface="Roboto" panose="02000000000000000000" pitchFamily="2" charset="0"/>
+                <a:ea typeface="Roboto" panose="02000000000000000000" pitchFamily="2" charset="0"/>
+              </a:rPr>
+              <a:t>Er zijn een paar zaken die niet werken maar wel logisch lijken. </a:t>
             </a:r>
           </a:p>
         </p:txBody>
       </p:sp>
       <p:pic>
         <p:nvPicPr>
-          <p:cNvPr id="3" name="Afbeelding 2"/>
+          <p:cNvPr id="4" name="Afbeelding 3"/>
           <p:cNvPicPr>
             <a:picLocks noChangeAspect="1"/>
           </p:cNvPicPr>
@@ -6248,17 +6329,49 @@
         </p:blipFill>
         <p:spPr>
           <a:xfrm>
-            <a:off x="732453" y="1656669"/>
-            <a:ext cx="3505200" cy="3152775"/>
+            <a:off x="715736" y="2305633"/>
+            <a:ext cx="2400300" cy="361950"/>
           </a:xfrm>
           <a:prstGeom prst="rect">
             <a:avLst/>
           </a:prstGeom>
         </p:spPr>
       </p:pic>
+      <p:sp>
+        <p:nvSpPr>
+          <p:cNvPr id="5" name="Tekstvak 4"/>
+          <p:cNvSpPr txBox="1"/>
+          <p:nvPr/>
+        </p:nvSpPr>
+        <p:spPr>
+          <a:xfrm>
+            <a:off x="629174" y="1856857"/>
+            <a:ext cx="7333861" cy="369332"/>
+          </a:xfrm>
+          <a:prstGeom prst="rect">
+            <a:avLst/>
+          </a:prstGeom>
+          <a:noFill/>
+        </p:spPr>
+        <p:txBody>
+          <a:bodyPr wrap="square" rtlCol="0">
+            <a:spAutoFit/>
+          </a:bodyPr>
+          <a:lstStyle/>
+          <a:p>
+            <a:r>
+              <a:rPr lang="nl-BE" dirty="0">
+                <a:latin typeface="Roboto" panose="02000000000000000000" pitchFamily="2" charset="0"/>
+                <a:ea typeface="Roboto" panose="02000000000000000000" pitchFamily="2" charset="0"/>
+              </a:rPr>
+              <a:t>Dit zal niet lukken. </a:t>
+            </a:r>
+          </a:p>
+        </p:txBody>
+      </p:sp>
       <p:pic>
         <p:nvPicPr>
-          <p:cNvPr id="4" name="Afbeelding 3"/>
+          <p:cNvPr id="6" name="Afbeelding 5"/>
           <p:cNvPicPr>
             <a:picLocks noChangeAspect="1"/>
           </p:cNvPicPr>
@@ -6272,8 +6385,8 @@
         </p:blipFill>
         <p:spPr>
           <a:xfrm>
-            <a:off x="5320295" y="1656669"/>
-            <a:ext cx="2409825" cy="352425"/>
+            <a:off x="715736" y="3425598"/>
+            <a:ext cx="3695700" cy="790575"/>
           </a:xfrm>
           <a:prstGeom prst="rect">
             <a:avLst/>
@@ -6282,22 +6395,21 @@
       </p:pic>
       <p:sp>
         <p:nvSpPr>
-          <p:cNvPr id="5" name="Tekstvak 4"/>
-          <p:cNvSpPr txBox="1"/>
-          <p:nvPr/>
-        </p:nvSpPr>
-        <p:spPr>
-          <a:xfrm>
-            <a:off x="5261572" y="2683764"/>
-            <a:ext cx="6007068" cy="646331"/>
-          </a:xfrm>
-          <a:prstGeom prst="rect">
-            <a:avLst/>
-          </a:prstGeom>
-          <a:noFill/>
-        </p:spPr>
-        <p:txBody>
-          <a:bodyPr wrap="square" rtlCol="0">
+          <p:cNvPr id="8" name="Rechthoek 7"/>
+          <p:cNvSpPr/>
+          <p:nvPr/>
+        </p:nvSpPr>
+        <p:spPr>
+          <a:xfrm>
+            <a:off x="629174" y="2861924"/>
+            <a:ext cx="3615092" cy="369332"/>
+          </a:xfrm>
+          <a:prstGeom prst="rect">
+            <a:avLst/>
+          </a:prstGeom>
+        </p:spPr>
+        <p:txBody>
+          <a:bodyPr wrap="none">
             <a:spAutoFit/>
           </a:bodyPr>
           <a:lstStyle/>
@@ -6307,43 +6419,122 @@
                 <a:latin typeface="Roboto" panose="02000000000000000000" pitchFamily="2" charset="0"/>
                 <a:ea typeface="Roboto" panose="02000000000000000000" pitchFamily="2" charset="0"/>
               </a:rPr>
-              <a:t>Als je dan bovenstaande doet zal de setter worden gebruikt </a:t>
-            </a:r>
-            <a:r>
-              <a:rPr lang="nl-BE" dirty="0" err="1">
-                <a:latin typeface="Roboto" panose="02000000000000000000" pitchFamily="2" charset="0"/>
-                <a:ea typeface="Roboto" panose="02000000000000000000" pitchFamily="2" charset="0"/>
-              </a:rPr>
-              <a:t>ipv</a:t>
-            </a:r>
-            <a:r>
-              <a:rPr lang="nl-BE" dirty="0">
-                <a:latin typeface="Roboto" panose="02000000000000000000" pitchFamily="2" charset="0"/>
-                <a:ea typeface="Roboto" panose="02000000000000000000" pitchFamily="2" charset="0"/>
-              </a:rPr>
-              <a:t> de </a:t>
-            </a:r>
-            <a:r>
-              <a:rPr lang="nl-BE" dirty="0" err="1">
-                <a:latin typeface="Roboto" panose="02000000000000000000" pitchFamily="2" charset="0"/>
-                <a:ea typeface="Roboto" panose="02000000000000000000" pitchFamily="2" charset="0"/>
-              </a:rPr>
-              <a:t>getter</a:t>
-            </a:r>
-            <a:r>
-              <a:rPr lang="nl-BE" dirty="0">
-                <a:latin typeface="Roboto" panose="02000000000000000000" pitchFamily="2" charset="0"/>
-                <a:ea typeface="Roboto" panose="02000000000000000000" pitchFamily="2" charset="0"/>
-              </a:rPr>
-              <a:t>. </a:t>
-            </a:r>
-          </a:p>
-        </p:txBody>
-      </p:sp>
+              <a:t>Hier zijn wel 2 alternatieven voor.</a:t>
+            </a:r>
+            <a:endParaRPr lang="nl-BE" dirty="0"/>
+          </a:p>
+        </p:txBody>
+      </p:sp>
+      <p:sp>
+        <p:nvSpPr>
+          <p:cNvPr id="9" name="Tekstvak 8"/>
+          <p:cNvSpPr txBox="1"/>
+          <p:nvPr/>
+        </p:nvSpPr>
+        <p:spPr>
+          <a:xfrm>
+            <a:off x="715736" y="4731391"/>
+            <a:ext cx="2318583" cy="369332"/>
+          </a:xfrm>
+          <a:prstGeom prst="rect">
+            <a:avLst/>
+          </a:prstGeom>
+          <a:noFill/>
+        </p:spPr>
+        <p:txBody>
+          <a:bodyPr wrap="none" rtlCol="0">
+            <a:spAutoFit/>
+          </a:bodyPr>
+          <a:lstStyle/>
+          <a:p>
+            <a:r>
+              <a:rPr lang="nl-BE" dirty="0"/>
+              <a:t>Ook dit zal niet lukken:</a:t>
+            </a:r>
+          </a:p>
+        </p:txBody>
+      </p:sp>
+      <p:pic>
+        <p:nvPicPr>
+          <p:cNvPr id="10" name="Afbeelding 9"/>
+          <p:cNvPicPr>
+            <a:picLocks noChangeAspect="1"/>
+          </p:cNvPicPr>
+          <p:nvPr/>
+        </p:nvPicPr>
+        <p:blipFill>
+          <a:blip r:embed="rId4"/>
+          <a:stretch>
+            <a:fillRect/>
+          </a:stretch>
+        </p:blipFill>
+        <p:spPr>
+          <a:xfrm>
+            <a:off x="715736" y="5265797"/>
+            <a:ext cx="2609850" cy="381000"/>
+          </a:xfrm>
+          <a:prstGeom prst="rect">
+            <a:avLst/>
+          </a:prstGeom>
+        </p:spPr>
+      </p:pic>
+      <p:sp>
+        <p:nvSpPr>
+          <p:cNvPr id="11" name="Tekstvak 10"/>
+          <p:cNvSpPr txBox="1"/>
+          <p:nvPr/>
+        </p:nvSpPr>
+        <p:spPr>
+          <a:xfrm>
+            <a:off x="715736" y="5811871"/>
+            <a:ext cx="4527137" cy="369332"/>
+          </a:xfrm>
+          <a:prstGeom prst="rect">
+            <a:avLst/>
+          </a:prstGeom>
+          <a:noFill/>
+        </p:spPr>
+        <p:txBody>
+          <a:bodyPr wrap="none" rtlCol="0">
+            <a:spAutoFit/>
+          </a:bodyPr>
+          <a:lstStyle/>
+          <a:p>
+            <a:r>
+              <a:rPr lang="nl-BE" dirty="0"/>
+              <a:t>Maar ook dit kan je oplossen door dit te doen:</a:t>
+            </a:r>
+          </a:p>
+        </p:txBody>
+      </p:sp>
+      <p:pic>
+        <p:nvPicPr>
+          <p:cNvPr id="12" name="Afbeelding 11"/>
+          <p:cNvPicPr>
+            <a:picLocks noChangeAspect="1"/>
+          </p:cNvPicPr>
+          <p:nvPr/>
+        </p:nvPicPr>
+        <p:blipFill>
+          <a:blip r:embed="rId5"/>
+          <a:stretch>
+            <a:fillRect/>
+          </a:stretch>
+        </p:blipFill>
+        <p:spPr>
+          <a:xfrm>
+            <a:off x="715736" y="6346277"/>
+            <a:ext cx="3171825" cy="400050"/>
+          </a:xfrm>
+          <a:prstGeom prst="rect">
+            <a:avLst/>
+          </a:prstGeom>
+        </p:spPr>
+      </p:pic>
     </p:spTree>
     <p:extLst>
       <p:ext uri="{BB962C8B-B14F-4D97-AF65-F5344CB8AC3E}">
-        <p14:creationId xmlns:p14="http://schemas.microsoft.com/office/powerpoint/2010/main" val="2514893351"/>
+        <p14:creationId xmlns:p14="http://schemas.microsoft.com/office/powerpoint/2010/main" val="4091630342"/>
       </p:ext>
     </p:extLst>
   </p:cSld>
@@ -6746,8 +6937,8 @@
         </p:nvSpPr>
         <p:spPr>
           <a:xfrm>
-            <a:off x="679508" y="377505"/>
-            <a:ext cx="10771464" cy="923330"/>
+            <a:off x="570451" y="436228"/>
+            <a:ext cx="11333527" cy="646331"/>
           </a:xfrm>
           <a:prstGeom prst="rect">
             <a:avLst/>
@@ -6760,25 +6951,12 @@
           </a:bodyPr>
           <a:lstStyle/>
           <a:p>
-            <a:pPr algn="ctr"/>
-            <a:r>
-              <a:rPr lang="nl-BE" sz="5400" dirty="0">
+            <a:r>
+              <a:rPr lang="nl-BE" sz="3600" dirty="0">
                 <a:latin typeface="Headline One" panose="00000400000000000000" pitchFamily="2" charset="0"/>
-                <a:ea typeface="Roboto" panose="02000000000000000000" pitchFamily="2" charset="0"/>
-              </a:rPr>
-              <a:t>Array </a:t>
-            </a:r>
-            <a:r>
-              <a:rPr lang="nl-BE" sz="5400" dirty="0" err="1">
-                <a:latin typeface="Headline One" panose="00000400000000000000" pitchFamily="2" charset="0"/>
-                <a:ea typeface="Roboto" panose="02000000000000000000" pitchFamily="2" charset="0"/>
-              </a:rPr>
-              <a:t>manipulation</a:t>
-            </a:r>
-            <a:endParaRPr lang="nl-BE" sz="5400" dirty="0">
-              <a:latin typeface="Headline One" panose="00000400000000000000" pitchFamily="2" charset="0"/>
-              <a:ea typeface="Roboto" panose="02000000000000000000" pitchFamily="2" charset="0"/>
-            </a:endParaRPr>
+              </a:rPr>
+              <a:t>Arrays filteren</a:t>
+            </a:r>
           </a:p>
         </p:txBody>
       </p:sp>
@@ -6790,8 +6968,8 @@
         </p:nvSpPr>
         <p:spPr>
           <a:xfrm>
-            <a:off x="679508" y="1434517"/>
-            <a:ext cx="10771464" cy="369332"/>
+            <a:off x="713064" y="1518407"/>
+            <a:ext cx="10788242" cy="646331"/>
           </a:xfrm>
           <a:prstGeom prst="rect">
             <a:avLst/>
@@ -6809,297 +6987,42 @@
                 <a:latin typeface="Roboto" panose="02000000000000000000" pitchFamily="2" charset="0"/>
                 <a:ea typeface="Roboto" panose="02000000000000000000" pitchFamily="2" charset="0"/>
               </a:rPr>
-              <a:t>Er zijn een heleboel functies om </a:t>
+              <a:t>Je kan arrays ook makkelijk filteren met vue. Al zijn hier niet echt vue specifieke functie voor is er wel een makkelijke manier met </a:t>
             </a:r>
             <a:r>
               <a:rPr lang="nl-BE" dirty="0" err="1">
                 <a:latin typeface="Roboto" panose="02000000000000000000" pitchFamily="2" charset="0"/>
                 <a:ea typeface="Roboto" panose="02000000000000000000" pitchFamily="2" charset="0"/>
               </a:rPr>
-              <a:t>array’s</a:t>
-            </a:r>
-            <a:r>
-              <a:rPr lang="nl-BE" dirty="0">
-                <a:latin typeface="Roboto" panose="02000000000000000000" pitchFamily="2" charset="0"/>
-                <a:ea typeface="Roboto" panose="02000000000000000000" pitchFamily="2" charset="0"/>
-              </a:rPr>
-              <a:t> te manipuleren in vue. </a:t>
-            </a:r>
-          </a:p>
-        </p:txBody>
-      </p:sp>
-      <p:sp>
-        <p:nvSpPr>
-          <p:cNvPr id="4" name="Tekstvak 3"/>
-          <p:cNvSpPr txBox="1"/>
-          <p:nvPr/>
-        </p:nvSpPr>
-        <p:spPr>
-          <a:xfrm>
-            <a:off x="780176" y="2122414"/>
-            <a:ext cx="1879134" cy="2031325"/>
-          </a:xfrm>
-          <a:prstGeom prst="rect">
-            <a:avLst/>
-          </a:prstGeom>
-          <a:noFill/>
-        </p:spPr>
-        <p:txBody>
-          <a:bodyPr wrap="square" rtlCol="0">
-            <a:spAutoFit/>
-          </a:bodyPr>
-          <a:lstStyle/>
-          <a:p>
-            <a:pPr marL="285750" indent="-285750">
-              <a:buFont typeface="Arial" panose="020B0604020202020204" pitchFamily="34" charset="0"/>
-              <a:buChar char="•"/>
-            </a:pPr>
-            <a:r>
-              <a:rPr lang="en-US" dirty="0">
-                <a:latin typeface="Roboto" panose="02000000000000000000" pitchFamily="2" charset="0"/>
-                <a:ea typeface="Roboto" panose="02000000000000000000" pitchFamily="2" charset="0"/>
-              </a:rPr>
-              <a:t>push()</a:t>
-            </a:r>
-          </a:p>
-          <a:p>
-            <a:pPr marL="285750" indent="-285750">
-              <a:buFont typeface="Arial" panose="020B0604020202020204" pitchFamily="34" charset="0"/>
-              <a:buChar char="•"/>
-            </a:pPr>
-            <a:r>
-              <a:rPr lang="en-US" dirty="0">
-                <a:latin typeface="Roboto" panose="02000000000000000000" pitchFamily="2" charset="0"/>
-                <a:ea typeface="Roboto" panose="02000000000000000000" pitchFamily="2" charset="0"/>
-              </a:rPr>
-              <a:t>pop()</a:t>
-            </a:r>
-          </a:p>
-          <a:p>
-            <a:pPr marL="285750" indent="-285750">
-              <a:buFont typeface="Arial" panose="020B0604020202020204" pitchFamily="34" charset="0"/>
-              <a:buChar char="•"/>
-            </a:pPr>
-            <a:r>
-              <a:rPr lang="en-US" dirty="0">
-                <a:latin typeface="Roboto" panose="02000000000000000000" pitchFamily="2" charset="0"/>
-                <a:ea typeface="Roboto" panose="02000000000000000000" pitchFamily="2" charset="0"/>
-              </a:rPr>
-              <a:t>shift()</a:t>
-            </a:r>
-          </a:p>
-          <a:p>
-            <a:pPr marL="285750" indent="-285750">
-              <a:buFont typeface="Arial" panose="020B0604020202020204" pitchFamily="34" charset="0"/>
-              <a:buChar char="•"/>
-            </a:pPr>
-            <a:r>
-              <a:rPr lang="en-US" dirty="0" err="1">
-                <a:latin typeface="Roboto" panose="02000000000000000000" pitchFamily="2" charset="0"/>
-                <a:ea typeface="Roboto" panose="02000000000000000000" pitchFamily="2" charset="0"/>
-              </a:rPr>
-              <a:t>unshift</a:t>
-            </a:r>
-            <a:r>
-              <a:rPr lang="en-US" dirty="0">
-                <a:latin typeface="Roboto" panose="02000000000000000000" pitchFamily="2" charset="0"/>
-                <a:ea typeface="Roboto" panose="02000000000000000000" pitchFamily="2" charset="0"/>
-              </a:rPr>
-              <a:t>()</a:t>
-            </a:r>
-          </a:p>
-          <a:p>
-            <a:pPr marL="285750" indent="-285750">
-              <a:buFont typeface="Arial" panose="020B0604020202020204" pitchFamily="34" charset="0"/>
-              <a:buChar char="•"/>
-            </a:pPr>
-            <a:r>
-              <a:rPr lang="en-US" dirty="0">
-                <a:latin typeface="Roboto" panose="02000000000000000000" pitchFamily="2" charset="0"/>
-                <a:ea typeface="Roboto" panose="02000000000000000000" pitchFamily="2" charset="0"/>
-              </a:rPr>
-              <a:t>splice()</a:t>
-            </a:r>
-          </a:p>
-          <a:p>
-            <a:pPr marL="285750" indent="-285750">
-              <a:buFont typeface="Arial" panose="020B0604020202020204" pitchFamily="34" charset="0"/>
-              <a:buChar char="•"/>
-            </a:pPr>
-            <a:r>
-              <a:rPr lang="en-US" dirty="0">
-                <a:latin typeface="Roboto" panose="02000000000000000000" pitchFamily="2" charset="0"/>
-                <a:ea typeface="Roboto" panose="02000000000000000000" pitchFamily="2" charset="0"/>
-              </a:rPr>
-              <a:t>sort()</a:t>
-            </a:r>
-          </a:p>
-          <a:p>
-            <a:pPr marL="285750" indent="-285750">
-              <a:buFont typeface="Arial" panose="020B0604020202020204" pitchFamily="34" charset="0"/>
-              <a:buChar char="•"/>
-            </a:pPr>
-            <a:r>
-              <a:rPr lang="en-US" dirty="0">
-                <a:latin typeface="Roboto" panose="02000000000000000000" pitchFamily="2" charset="0"/>
-                <a:ea typeface="Roboto" panose="02000000000000000000" pitchFamily="2" charset="0"/>
-              </a:rPr>
-              <a:t>reverse()</a:t>
-            </a:r>
-            <a:endParaRPr lang="nl-BE" dirty="0">
-              <a:latin typeface="Roboto" panose="02000000000000000000" pitchFamily="2" charset="0"/>
-              <a:ea typeface="Roboto" panose="02000000000000000000" pitchFamily="2" charset="0"/>
-            </a:endParaRPr>
-          </a:p>
-        </p:txBody>
-      </p:sp>
-      <p:sp>
-        <p:nvSpPr>
-          <p:cNvPr id="5" name="Tekstvak 4"/>
-          <p:cNvSpPr txBox="1"/>
-          <p:nvPr/>
-        </p:nvSpPr>
-        <p:spPr>
-          <a:xfrm>
-            <a:off x="2894202" y="2231471"/>
-            <a:ext cx="8128932" cy="369332"/>
-          </a:xfrm>
-          <a:prstGeom prst="rect">
-            <a:avLst/>
-          </a:prstGeom>
-          <a:noFill/>
-        </p:spPr>
-        <p:txBody>
-          <a:bodyPr wrap="square" rtlCol="0">
-            <a:spAutoFit/>
-          </a:bodyPr>
-          <a:lstStyle/>
-          <a:p>
-            <a:r>
-              <a:rPr lang="nl-BE" dirty="0">
-                <a:latin typeface="Roboto" panose="02000000000000000000" pitchFamily="2" charset="0"/>
-                <a:ea typeface="Roboto" panose="02000000000000000000" pitchFamily="2" charset="0"/>
-              </a:rPr>
-              <a:t>-&gt; Deze </a:t>
+              <a:t>computed</a:t>
+            </a:r>
+            <a:r>
+              <a:rPr lang="nl-BE" dirty="0">
+                <a:latin typeface="Roboto" panose="02000000000000000000" pitchFamily="2" charset="0"/>
+                <a:ea typeface="Roboto" panose="02000000000000000000" pitchFamily="2" charset="0"/>
+              </a:rPr>
+              <a:t> </a:t>
             </a:r>
             <a:r>
               <a:rPr lang="nl-BE" dirty="0" err="1">
                 <a:latin typeface="Roboto" panose="02000000000000000000" pitchFamily="2" charset="0"/>
                 <a:ea typeface="Roboto" panose="02000000000000000000" pitchFamily="2" charset="0"/>
               </a:rPr>
-              <a:t>fucties</a:t>
-            </a:r>
-            <a:r>
-              <a:rPr lang="nl-BE" dirty="0">
-                <a:latin typeface="Roboto" panose="02000000000000000000" pitchFamily="2" charset="0"/>
-                <a:ea typeface="Roboto" panose="02000000000000000000" pitchFamily="2" charset="0"/>
-              </a:rPr>
-              <a:t> wijzigen de array zelf die is meegegeven.</a:t>
-            </a:r>
-          </a:p>
-        </p:txBody>
-      </p:sp>
-      <p:sp>
-        <p:nvSpPr>
-          <p:cNvPr id="6" name="Tekstvak 5"/>
-          <p:cNvSpPr txBox="1"/>
-          <p:nvPr/>
-        </p:nvSpPr>
-        <p:spPr>
-          <a:xfrm>
-            <a:off x="780176" y="4447137"/>
-            <a:ext cx="1551963" cy="923330"/>
-          </a:xfrm>
-          <a:prstGeom prst="rect">
-            <a:avLst/>
-          </a:prstGeom>
-          <a:noFill/>
-        </p:spPr>
-        <p:txBody>
-          <a:bodyPr wrap="square" rtlCol="0">
-            <a:spAutoFit/>
-          </a:bodyPr>
-          <a:lstStyle/>
-          <a:p>
-            <a:pPr marL="285750" indent="-285750">
-              <a:buFont typeface="Arial" panose="020B0604020202020204" pitchFamily="34" charset="0"/>
-              <a:buChar char="•"/>
-            </a:pPr>
-            <a:r>
-              <a:rPr lang="nl-BE" dirty="0">
-                <a:latin typeface="Roboto" panose="02000000000000000000" pitchFamily="2" charset="0"/>
-                <a:ea typeface="Roboto" panose="02000000000000000000" pitchFamily="2" charset="0"/>
-              </a:rPr>
-              <a:t>filter()</a:t>
-            </a:r>
-          </a:p>
-          <a:p>
-            <a:pPr marL="285750" indent="-285750">
-              <a:buFont typeface="Arial" panose="020B0604020202020204" pitchFamily="34" charset="0"/>
-              <a:buChar char="•"/>
-            </a:pPr>
-            <a:r>
-              <a:rPr lang="nl-BE" dirty="0" err="1">
-                <a:latin typeface="Roboto" panose="02000000000000000000" pitchFamily="2" charset="0"/>
-                <a:ea typeface="Roboto" panose="02000000000000000000" pitchFamily="2" charset="0"/>
-              </a:rPr>
-              <a:t>concat</a:t>
-            </a:r>
-            <a:r>
-              <a:rPr lang="nl-BE" dirty="0">
-                <a:latin typeface="Roboto" panose="02000000000000000000" pitchFamily="2" charset="0"/>
-                <a:ea typeface="Roboto" panose="02000000000000000000" pitchFamily="2" charset="0"/>
-              </a:rPr>
-              <a:t>()</a:t>
-            </a:r>
-          </a:p>
-          <a:p>
-            <a:pPr marL="285750" indent="-285750">
-              <a:buFont typeface="Arial" panose="020B0604020202020204" pitchFamily="34" charset="0"/>
-              <a:buChar char="•"/>
-            </a:pPr>
-            <a:r>
-              <a:rPr lang="nl-BE" dirty="0">
-                <a:latin typeface="Roboto" panose="02000000000000000000" pitchFamily="2" charset="0"/>
-                <a:ea typeface="Roboto" panose="02000000000000000000" pitchFamily="2" charset="0"/>
-              </a:rPr>
-              <a:t>slice()</a:t>
-            </a:r>
-          </a:p>
-        </p:txBody>
-      </p:sp>
-      <p:sp>
-        <p:nvSpPr>
-          <p:cNvPr id="7" name="Tekstvak 6"/>
-          <p:cNvSpPr txBox="1"/>
-          <p:nvPr/>
-        </p:nvSpPr>
-        <p:spPr>
-          <a:xfrm>
-            <a:off x="3003259" y="4572000"/>
-            <a:ext cx="6451134" cy="369332"/>
-          </a:xfrm>
-          <a:prstGeom prst="rect">
-            <a:avLst/>
-          </a:prstGeom>
-          <a:noFill/>
-        </p:spPr>
-        <p:txBody>
-          <a:bodyPr wrap="square" rtlCol="0">
-            <a:spAutoFit/>
-          </a:bodyPr>
-          <a:lstStyle/>
-          <a:p>
-            <a:r>
-              <a:rPr lang="nl-BE" dirty="0"/>
-              <a:t>-&gt; deze functie creëren een nieuwe gewijzigde array.</a:t>
+              <a:t>properties</a:t>
+            </a:r>
+            <a:r>
+              <a:rPr lang="nl-BE" dirty="0">
+                <a:latin typeface="Roboto" panose="02000000000000000000" pitchFamily="2" charset="0"/>
+                <a:ea typeface="Roboto" panose="02000000000000000000" pitchFamily="2" charset="0"/>
+              </a:rPr>
+              <a:t>:</a:t>
             </a:r>
           </a:p>
         </p:txBody>
       </p:sp>
       <p:pic>
         <p:nvPicPr>
-          <p:cNvPr id="8" name="Afbeelding 7"/>
+          <p:cNvPr id="4" name="Afbeelding 3"/>
           <p:cNvPicPr>
             <a:picLocks noChangeAspect="1"/>
           </p:cNvPicPr>
@@ -7113,50 +7036,42 @@
         </p:blipFill>
         <p:spPr>
           <a:xfrm>
-            <a:off x="3112314" y="5813715"/>
-            <a:ext cx="3295650" cy="371475"/>
+            <a:off x="570451" y="2600586"/>
+            <a:ext cx="4219575" cy="2047875"/>
           </a:xfrm>
           <a:prstGeom prst="rect">
             <a:avLst/>
           </a:prstGeom>
         </p:spPr>
       </p:pic>
-      <p:sp>
-        <p:nvSpPr>
-          <p:cNvPr id="9" name="Tekstvak 8"/>
-          <p:cNvSpPr txBox="1"/>
-          <p:nvPr/>
-        </p:nvSpPr>
-        <p:spPr>
-          <a:xfrm>
-            <a:off x="855677" y="5815858"/>
-            <a:ext cx="1887523" cy="369332"/>
-          </a:xfrm>
-          <a:prstGeom prst="rect">
-            <a:avLst/>
-          </a:prstGeom>
-          <a:noFill/>
-        </p:spPr>
-        <p:txBody>
-          <a:bodyPr wrap="square" rtlCol="0">
-            <a:spAutoFit/>
-          </a:bodyPr>
-          <a:lstStyle/>
-          <a:p>
-            <a:r>
-              <a:rPr lang="nl-BE" dirty="0">
-                <a:latin typeface="Roboto" panose="02000000000000000000" pitchFamily="2" charset="0"/>
-                <a:ea typeface="Roboto" panose="02000000000000000000" pitchFamily="2" charset="0"/>
-              </a:rPr>
-              <a:t>Gebruik  -&gt;</a:t>
-            </a:r>
-          </a:p>
-        </p:txBody>
-      </p:sp>
+      <p:pic>
+        <p:nvPicPr>
+          <p:cNvPr id="5" name="Afbeelding 4"/>
+          <p:cNvPicPr>
+            <a:picLocks noChangeAspect="1"/>
+          </p:cNvPicPr>
+          <p:nvPr/>
+        </p:nvPicPr>
+        <p:blipFill>
+          <a:blip r:embed="rId3"/>
+          <a:stretch>
+            <a:fillRect/>
+          </a:stretch>
+        </p:blipFill>
+        <p:spPr>
+          <a:xfrm>
+            <a:off x="6406339" y="2600586"/>
+            <a:ext cx="3876675" cy="323850"/>
+          </a:xfrm>
+          <a:prstGeom prst="rect">
+            <a:avLst/>
+          </a:prstGeom>
+        </p:spPr>
+      </p:pic>
     </p:spTree>
     <p:extLst>
       <p:ext uri="{BB962C8B-B14F-4D97-AF65-F5344CB8AC3E}">
-        <p14:creationId xmlns:p14="http://schemas.microsoft.com/office/powerpoint/2010/main" val="723848845"/>
+        <p14:creationId xmlns:p14="http://schemas.microsoft.com/office/powerpoint/2010/main" val="2599178677"/>
       </p:ext>
     </p:extLst>
   </p:cSld>
@@ -7191,8 +7106,8 @@
         </p:nvSpPr>
         <p:spPr>
           <a:xfrm>
-            <a:off x="629174" y="329425"/>
-            <a:ext cx="10897299" cy="646331"/>
+            <a:off x="587229" y="369116"/>
+            <a:ext cx="10997967" cy="923330"/>
           </a:xfrm>
           <a:prstGeom prst="rect">
             <a:avLst/>
@@ -7205,11 +7120,12 @@
           </a:bodyPr>
           <a:lstStyle/>
           <a:p>
-            <a:r>
-              <a:rPr lang="nl-BE" sz="3600" dirty="0">
+            <a:pPr algn="ctr"/>
+            <a:r>
+              <a:rPr lang="nl-BE" sz="5400" dirty="0">
                 <a:latin typeface="Headline One" panose="00000400000000000000" pitchFamily="2" charset="0"/>
               </a:rPr>
-              <a:t>uitzonderingen</a:t>
+              <a:t>Event handling</a:t>
             </a:r>
           </a:p>
         </p:txBody>
@@ -7222,8 +7138,8 @@
         </p:nvSpPr>
         <p:spPr>
           <a:xfrm>
-            <a:off x="629174" y="1361789"/>
-            <a:ext cx="10595296" cy="369332"/>
+            <a:off x="444617" y="1442906"/>
+            <a:ext cx="11308359" cy="646331"/>
           </a:xfrm>
           <a:prstGeom prst="rect">
             <a:avLst/>
@@ -7241,14 +7157,28 @@
                 <a:latin typeface="Roboto" panose="02000000000000000000" pitchFamily="2" charset="0"/>
                 <a:ea typeface="Roboto" panose="02000000000000000000" pitchFamily="2" charset="0"/>
               </a:rPr>
-              <a:t>Er zijn een paar zaken die niet werken maar wel logisch lijken. </a:t>
+              <a:t>Bij event handling is v-on het meest </a:t>
+            </a:r>
+            <a:r>
+              <a:rPr lang="nl-BE" dirty="0" err="1">
+                <a:latin typeface="Roboto" panose="02000000000000000000" pitchFamily="2" charset="0"/>
+                <a:ea typeface="Roboto" panose="02000000000000000000" pitchFamily="2" charset="0"/>
+              </a:rPr>
+              <a:t>gebruike</a:t>
+            </a:r>
+            <a:r>
+              <a:rPr lang="nl-BE" dirty="0">
+                <a:latin typeface="Roboto" panose="02000000000000000000" pitchFamily="2" charset="0"/>
+                <a:ea typeface="Roboto" panose="02000000000000000000" pitchFamily="2" charset="0"/>
+              </a:rPr>
+              <a:t> attribuut. Hier kan zowel een methode als een expressie achter zitten:</a:t>
             </a:r>
           </a:p>
         </p:txBody>
       </p:sp>
       <p:pic>
         <p:nvPicPr>
-          <p:cNvPr id="4" name="Afbeelding 3"/>
+          <p:cNvPr id="5" name="Afbeelding 4"/>
           <p:cNvPicPr>
             <a:picLocks noChangeAspect="1"/>
           </p:cNvPicPr>
@@ -7262,46 +7192,14 @@
         </p:blipFill>
         <p:spPr>
           <a:xfrm>
-            <a:off x="715736" y="2305633"/>
-            <a:ext cx="2400300" cy="361950"/>
+            <a:off x="587229" y="2420180"/>
+            <a:ext cx="4162425" cy="809625"/>
           </a:xfrm>
           <a:prstGeom prst="rect">
             <a:avLst/>
           </a:prstGeom>
         </p:spPr>
       </p:pic>
-      <p:sp>
-        <p:nvSpPr>
-          <p:cNvPr id="5" name="Tekstvak 4"/>
-          <p:cNvSpPr txBox="1"/>
-          <p:nvPr/>
-        </p:nvSpPr>
-        <p:spPr>
-          <a:xfrm>
-            <a:off x="629174" y="1856857"/>
-            <a:ext cx="7333861" cy="369332"/>
-          </a:xfrm>
-          <a:prstGeom prst="rect">
-            <a:avLst/>
-          </a:prstGeom>
-          <a:noFill/>
-        </p:spPr>
-        <p:txBody>
-          <a:bodyPr wrap="square" rtlCol="0">
-            <a:spAutoFit/>
-          </a:bodyPr>
-          <a:lstStyle/>
-          <a:p>
-            <a:r>
-              <a:rPr lang="nl-BE" dirty="0">
-                <a:latin typeface="Roboto" panose="02000000000000000000" pitchFamily="2" charset="0"/>
-                <a:ea typeface="Roboto" panose="02000000000000000000" pitchFamily="2" charset="0"/>
-              </a:rPr>
-              <a:t>Dit zal niet lukken. </a:t>
-            </a:r>
-          </a:p>
-        </p:txBody>
-      </p:sp>
       <p:pic>
         <p:nvPicPr>
           <p:cNvPr id="6" name="Afbeelding 5"/>
@@ -7318,8 +7216,8 @@
         </p:blipFill>
         <p:spPr>
           <a:xfrm>
-            <a:off x="715736" y="3425598"/>
-            <a:ext cx="3695700" cy="790575"/>
+            <a:off x="587229" y="4422920"/>
+            <a:ext cx="4638675" cy="495300"/>
           </a:xfrm>
           <a:prstGeom prst="rect">
             <a:avLst/>
@@ -7328,46 +7226,14 @@
       </p:pic>
       <p:sp>
         <p:nvSpPr>
-          <p:cNvPr id="8" name="Rechthoek 7"/>
-          <p:cNvSpPr/>
-          <p:nvPr/>
-        </p:nvSpPr>
-        <p:spPr>
-          <a:xfrm>
-            <a:off x="629174" y="2861924"/>
-            <a:ext cx="3615092" cy="369332"/>
-          </a:xfrm>
-          <a:prstGeom prst="rect">
-            <a:avLst/>
-          </a:prstGeom>
-        </p:spPr>
-        <p:txBody>
-          <a:bodyPr wrap="none">
-            <a:spAutoFit/>
-          </a:bodyPr>
-          <a:lstStyle/>
-          <a:p>
-            <a:r>
-              <a:rPr lang="nl-BE" dirty="0">
-                <a:latin typeface="Roboto" panose="02000000000000000000" pitchFamily="2" charset="0"/>
-                <a:ea typeface="Roboto" panose="02000000000000000000" pitchFamily="2" charset="0"/>
-              </a:rPr>
-              <a:t>Hier zijn wel 2 alternatieven voor.</a:t>
-            </a:r>
-            <a:endParaRPr lang="nl-BE" dirty="0"/>
-          </a:p>
-        </p:txBody>
-      </p:sp>
-      <p:sp>
-        <p:nvSpPr>
-          <p:cNvPr id="9" name="Tekstvak 8"/>
+          <p:cNvPr id="7" name="Tekstvak 6"/>
           <p:cNvSpPr txBox="1"/>
           <p:nvPr/>
         </p:nvSpPr>
         <p:spPr>
           <a:xfrm>
-            <a:off x="715736" y="4731391"/>
-            <a:ext cx="2318583" cy="369332"/>
+            <a:off x="444617" y="3718580"/>
+            <a:ext cx="6062878" cy="369332"/>
           </a:xfrm>
           <a:prstGeom prst="rect">
             <a:avLst/>
@@ -7381,15 +7247,18 @@
           <a:lstStyle/>
           <a:p>
             <a:r>
-              <a:rPr lang="nl-BE" dirty="0"/>
-              <a:t>Ook dit zal niet lukken:</a:t>
+              <a:rPr lang="nl-BE" dirty="0">
+                <a:latin typeface="Roboto" panose="02000000000000000000" pitchFamily="2" charset="0"/>
+                <a:ea typeface="Roboto" panose="02000000000000000000" pitchFamily="2" charset="0"/>
+              </a:rPr>
+              <a:t>Wil je het event meegeven ? Geen probleem doe gewoon.</a:t>
             </a:r>
           </a:p>
         </p:txBody>
       </p:sp>
       <p:pic>
         <p:nvPicPr>
-          <p:cNvPr id="10" name="Afbeelding 9"/>
+          <p:cNvPr id="8" name="Afbeelding 7"/>
           <p:cNvPicPr>
             <a:picLocks noChangeAspect="1"/>
           </p:cNvPicPr>
@@ -7403,8 +7272,8 @@
         </p:blipFill>
         <p:spPr>
           <a:xfrm>
-            <a:off x="715736" y="5265797"/>
-            <a:ext cx="2609850" cy="381000"/>
+            <a:off x="587229" y="5752792"/>
+            <a:ext cx="2800350" cy="1038225"/>
           </a:xfrm>
           <a:prstGeom prst="rect">
             <a:avLst/>
@@ -7413,14 +7282,14 @@
       </p:pic>
       <p:sp>
         <p:nvSpPr>
-          <p:cNvPr id="11" name="Tekstvak 10"/>
+          <p:cNvPr id="10" name="Tekstvak 9"/>
           <p:cNvSpPr txBox="1"/>
           <p:nvPr/>
         </p:nvSpPr>
         <p:spPr>
           <a:xfrm>
-            <a:off x="715736" y="5811871"/>
-            <a:ext cx="4527137" cy="369332"/>
+            <a:off x="444617" y="5150840"/>
+            <a:ext cx="3661900" cy="369332"/>
           </a:xfrm>
           <a:prstGeom prst="rect">
             <a:avLst/>
@@ -7435,39 +7304,15 @@
           <a:p>
             <a:r>
               <a:rPr lang="nl-BE" dirty="0"/>
-              <a:t>Maar ook dit kan je oplossen door dit te doen:</a:t>
-            </a:r>
-          </a:p>
-        </p:txBody>
-      </p:sp>
-      <p:pic>
-        <p:nvPicPr>
-          <p:cNvPr id="12" name="Afbeelding 11"/>
-          <p:cNvPicPr>
-            <a:picLocks noChangeAspect="1"/>
-          </p:cNvPicPr>
-          <p:nvPr/>
-        </p:nvPicPr>
-        <p:blipFill>
-          <a:blip r:embed="rId5"/>
-          <a:stretch>
-            <a:fillRect/>
-          </a:stretch>
-        </p:blipFill>
-        <p:spPr>
-          <a:xfrm>
-            <a:off x="715736" y="6346277"/>
-            <a:ext cx="3171825" cy="400050"/>
-          </a:xfrm>
-          <a:prstGeom prst="rect">
-            <a:avLst/>
-          </a:prstGeom>
-        </p:spPr>
-      </p:pic>
+              <a:t>En dan kan je bijvoorbeeld die doen :</a:t>
+            </a:r>
+          </a:p>
+        </p:txBody>
+      </p:sp>
     </p:spTree>
     <p:extLst>
       <p:ext uri="{BB962C8B-B14F-4D97-AF65-F5344CB8AC3E}">
-        <p14:creationId xmlns:p14="http://schemas.microsoft.com/office/powerpoint/2010/main" val="4091630342"/>
+        <p14:creationId xmlns:p14="http://schemas.microsoft.com/office/powerpoint/2010/main" val="4286937002"/>
       </p:ext>
     </p:extLst>
   </p:cSld>
@@ -7502,8 +7347,8 @@
         </p:nvSpPr>
         <p:spPr>
           <a:xfrm>
-            <a:off x="570451" y="436228"/>
-            <a:ext cx="11333527" cy="646331"/>
+            <a:off x="671119" y="520117"/>
+            <a:ext cx="10771464" cy="5078313"/>
           </a:xfrm>
           <a:prstGeom prst="rect">
             <a:avLst/>
@@ -7517,77 +7362,175 @@
           <a:lstStyle/>
           <a:p>
             <a:r>
-              <a:rPr lang="nl-BE" sz="3600" dirty="0">
-                <a:latin typeface="Headline One" panose="00000400000000000000" pitchFamily="2" charset="0"/>
-              </a:rPr>
-              <a:t>Arrays filteren</a:t>
-            </a:r>
-          </a:p>
-        </p:txBody>
-      </p:sp>
-      <p:sp>
-        <p:nvSpPr>
-          <p:cNvPr id="3" name="Tekstvak 2"/>
-          <p:cNvSpPr txBox="1"/>
-          <p:nvPr/>
-        </p:nvSpPr>
-        <p:spPr>
-          <a:xfrm>
-            <a:off x="713064" y="1518407"/>
-            <a:ext cx="10788242" cy="646331"/>
-          </a:xfrm>
-          <a:prstGeom prst="rect">
-            <a:avLst/>
-          </a:prstGeom>
-          <a:noFill/>
-        </p:spPr>
-        <p:txBody>
-          <a:bodyPr wrap="square" rtlCol="0">
-            <a:spAutoFit/>
-          </a:bodyPr>
-          <a:lstStyle/>
-          <a:p>
-            <a:r>
-              <a:rPr lang="nl-BE" dirty="0">
-                <a:latin typeface="Roboto" panose="02000000000000000000" pitchFamily="2" charset="0"/>
-                <a:ea typeface="Roboto" panose="02000000000000000000" pitchFamily="2" charset="0"/>
-              </a:rPr>
-              <a:t>Je kan arrays ook makkelijk filteren met vue. Al zijn hier niet echt vue specifieke functie voor is er wel een makkelijke manier met </a:t>
-            </a:r>
-            <a:r>
-              <a:rPr lang="nl-BE" dirty="0" err="1">
-                <a:latin typeface="Roboto" panose="02000000000000000000" pitchFamily="2" charset="0"/>
-                <a:ea typeface="Roboto" panose="02000000000000000000" pitchFamily="2" charset="0"/>
-              </a:rPr>
-              <a:t>computed</a:t>
-            </a:r>
-            <a:r>
-              <a:rPr lang="nl-BE" dirty="0">
-                <a:latin typeface="Roboto" panose="02000000000000000000" pitchFamily="2" charset="0"/>
-                <a:ea typeface="Roboto" panose="02000000000000000000" pitchFamily="2" charset="0"/>
-              </a:rPr>
+              <a:rPr lang="nl-BE" dirty="0"/>
+              <a:t>Het is beter om de </a:t>
+            </a:r>
+            <a:r>
+              <a:rPr lang="nl-BE" dirty="0" err="1"/>
+              <a:t>preventdefault</a:t>
+            </a:r>
+            <a:r>
+              <a:rPr lang="nl-BE" dirty="0"/>
+              <a:t> in de html te zetten en de </a:t>
+            </a:r>
+            <a:r>
+              <a:rPr lang="nl-BE" dirty="0" err="1"/>
+              <a:t>js</a:t>
+            </a:r>
+            <a:r>
+              <a:rPr lang="nl-BE" dirty="0"/>
+              <a:t> op pure logica te houden</a:t>
+            </a:r>
+          </a:p>
+          <a:p>
+            <a:r>
+              <a:rPr lang="nl-BE" dirty="0"/>
+              <a:t>Vue heeft een aantal </a:t>
+            </a:r>
+            <a:r>
+              <a:rPr lang="nl-BE" b="1" dirty="0"/>
+              <a:t>event </a:t>
+            </a:r>
+            <a:r>
+              <a:rPr lang="nl-BE" b="1" dirty="0" err="1"/>
+              <a:t>modifiers</a:t>
+            </a:r>
+            <a:r>
+              <a:rPr lang="nl-BE" b="1" dirty="0"/>
               <a:t> </a:t>
             </a:r>
             <a:r>
-              <a:rPr lang="nl-BE" dirty="0" err="1">
-                <a:latin typeface="Roboto" panose="02000000000000000000" pitchFamily="2" charset="0"/>
-                <a:ea typeface="Roboto" panose="02000000000000000000" pitchFamily="2" charset="0"/>
-              </a:rPr>
-              <a:t>properties</a:t>
-            </a:r>
-            <a:r>
-              <a:rPr lang="nl-BE" dirty="0">
-                <a:latin typeface="Roboto" panose="02000000000000000000" pitchFamily="2" charset="0"/>
-                <a:ea typeface="Roboto" panose="02000000000000000000" pitchFamily="2" charset="0"/>
-              </a:rPr>
-              <a:t>:</a:t>
-            </a:r>
+              <a:rPr lang="nl-BE" dirty="0"/>
+              <a:t>om dit te doen, ze worden aangetoond met een punt.</a:t>
+            </a:r>
+          </a:p>
+          <a:p>
+            <a:endParaRPr lang="nl-BE" dirty="0"/>
+          </a:p>
+          <a:p>
+            <a:r>
+              <a:rPr lang="nl-BE" dirty="0"/>
+              <a:t>.stop</a:t>
+            </a:r>
+          </a:p>
+          <a:p>
+            <a:r>
+              <a:rPr lang="nl-BE" dirty="0"/>
+              <a:t>.</a:t>
+            </a:r>
+            <a:r>
+              <a:rPr lang="nl-BE" dirty="0" err="1"/>
+              <a:t>prevent</a:t>
+            </a:r>
+            <a:endParaRPr lang="nl-BE" dirty="0"/>
+          </a:p>
+          <a:p>
+            <a:r>
+              <a:rPr lang="nl-BE" dirty="0"/>
+              <a:t>.</a:t>
+            </a:r>
+            <a:r>
+              <a:rPr lang="nl-BE" dirty="0" err="1"/>
+              <a:t>capture</a:t>
+            </a:r>
+            <a:endParaRPr lang="nl-BE" dirty="0"/>
+          </a:p>
+          <a:p>
+            <a:r>
+              <a:rPr lang="nl-BE" dirty="0"/>
+              <a:t>.</a:t>
+            </a:r>
+            <a:r>
+              <a:rPr lang="nl-BE" dirty="0" err="1"/>
+              <a:t>self</a:t>
+            </a:r>
+            <a:endParaRPr lang="nl-BE" dirty="0"/>
+          </a:p>
+          <a:p>
+            <a:endParaRPr lang="nl-BE" dirty="0"/>
+          </a:p>
+          <a:p>
+            <a:endParaRPr lang="nl-BE" dirty="0"/>
+          </a:p>
+          <a:p>
+            <a:r>
+              <a:rPr lang="nl-BE" dirty="0"/>
+              <a:t>Er zijn ook </a:t>
+            </a:r>
+            <a:r>
+              <a:rPr lang="nl-BE" dirty="0" err="1"/>
+              <a:t>key</a:t>
+            </a:r>
+            <a:r>
+              <a:rPr lang="nl-BE" dirty="0"/>
+              <a:t> </a:t>
+            </a:r>
+            <a:r>
+              <a:rPr lang="nl-BE" dirty="0" err="1"/>
+              <a:t>modifiers</a:t>
+            </a:r>
+            <a:r>
+              <a:rPr lang="nl-BE" dirty="0"/>
+              <a:t> </a:t>
+            </a:r>
+          </a:p>
+          <a:p>
+            <a:endParaRPr lang="nl-BE" dirty="0"/>
+          </a:p>
+          <a:p>
+            <a:endParaRPr lang="nl-BE" dirty="0"/>
+          </a:p>
+          <a:p>
+            <a:endParaRPr lang="nl-BE" dirty="0"/>
+          </a:p>
+          <a:p>
+            <a:r>
+              <a:rPr lang="nl-BE" dirty="0"/>
+              <a:t>voor de meeste </a:t>
+            </a:r>
+            <a:r>
+              <a:rPr lang="nl-BE" dirty="0" err="1"/>
+              <a:t>keycodes</a:t>
+            </a:r>
+            <a:r>
+              <a:rPr lang="nl-BE" dirty="0"/>
+              <a:t> heeft vue een alias</a:t>
+            </a:r>
+            <a:r>
+              <a:rPr lang="en-US" dirty="0"/>
+              <a:t>enter</a:t>
+            </a:r>
+          </a:p>
+          <a:p>
+            <a:r>
+              <a:rPr lang="en-US" dirty="0"/>
+              <a:t>.tab</a:t>
+            </a:r>
+          </a:p>
+          <a:p>
+            <a:r>
+              <a:rPr lang="en-US" dirty="0"/>
+              <a:t>.delete</a:t>
+            </a:r>
+          </a:p>
+          <a:p>
+            <a:r>
+              <a:rPr lang="en-US" dirty="0"/>
+              <a:t>.esc</a:t>
+            </a:r>
+          </a:p>
+          <a:p>
+            <a:r>
+              <a:rPr lang="en-US" dirty="0"/>
+              <a:t>…</a:t>
+            </a:r>
+            <a:endParaRPr lang="nl-BE" dirty="0"/>
           </a:p>
         </p:txBody>
       </p:sp>
       <p:pic>
         <p:nvPicPr>
-          <p:cNvPr id="4" name="Afbeelding 3"/>
+          <p:cNvPr id="3" name="Afbeelding 2"/>
           <p:cNvPicPr>
             <a:picLocks noChangeAspect="1"/>
           </p:cNvPicPr>
@@ -7601,32 +7544,8 @@
         </p:blipFill>
         <p:spPr>
           <a:xfrm>
-            <a:off x="570451" y="2600586"/>
-            <a:ext cx="4219575" cy="2047875"/>
-          </a:xfrm>
-          <a:prstGeom prst="rect">
-            <a:avLst/>
-          </a:prstGeom>
-        </p:spPr>
-      </p:pic>
-      <p:pic>
-        <p:nvPicPr>
-          <p:cNvPr id="5" name="Afbeelding 4"/>
-          <p:cNvPicPr>
-            <a:picLocks noChangeAspect="1"/>
-          </p:cNvPicPr>
-          <p:nvPr/>
-        </p:nvPicPr>
-        <p:blipFill>
-          <a:blip r:embed="rId3"/>
-          <a:stretch>
-            <a:fillRect/>
-          </a:stretch>
-        </p:blipFill>
-        <p:spPr>
-          <a:xfrm>
-            <a:off x="6406339" y="2600586"/>
-            <a:ext cx="3876675" cy="323850"/>
+            <a:off x="671119" y="3608752"/>
+            <a:ext cx="3990975" cy="361950"/>
           </a:xfrm>
           <a:prstGeom prst="rect">
             <a:avLst/>
@@ -7636,7 +7555,7 @@
     </p:spTree>
     <p:extLst>
       <p:ext uri="{BB962C8B-B14F-4D97-AF65-F5344CB8AC3E}">
-        <p14:creationId xmlns:p14="http://schemas.microsoft.com/office/powerpoint/2010/main" val="2599178677"/>
+        <p14:creationId xmlns:p14="http://schemas.microsoft.com/office/powerpoint/2010/main" val="3717230321"/>
       </p:ext>
     </p:extLst>
   </p:cSld>
@@ -7671,8 +7590,8 @@
         </p:nvSpPr>
         <p:spPr>
           <a:xfrm>
-            <a:off x="587229" y="369116"/>
-            <a:ext cx="10997967" cy="923330"/>
+            <a:off x="662730" y="318782"/>
+            <a:ext cx="10796631" cy="923330"/>
           </a:xfrm>
           <a:prstGeom prst="rect">
             <a:avLst/>
@@ -7690,7 +7609,7 @@
               <a:rPr lang="nl-BE" sz="5400" dirty="0">
                 <a:latin typeface="Headline One" panose="00000400000000000000" pitchFamily="2" charset="0"/>
               </a:rPr>
-              <a:t>Event handling</a:t>
+              <a:t>FORM INPUT BINDINGS</a:t>
             </a:r>
           </a:p>
         </p:txBody>
@@ -7703,8 +7622,8 @@
         </p:nvSpPr>
         <p:spPr>
           <a:xfrm>
-            <a:off x="444617" y="1442906"/>
-            <a:ext cx="11308359" cy="646331"/>
+            <a:off x="662730" y="1493240"/>
+            <a:ext cx="10620463" cy="2031325"/>
           </a:xfrm>
           <a:prstGeom prst="rect">
             <a:avLst/>
@@ -7722,28 +7641,115 @@
                 <a:latin typeface="Roboto" panose="02000000000000000000" pitchFamily="2" charset="0"/>
                 <a:ea typeface="Roboto" panose="02000000000000000000" pitchFamily="2" charset="0"/>
               </a:rPr>
-              <a:t>Bij event handling is v-on het meest </a:t>
+              <a:t>Om een variabele aan een html element te binden is er v-model</a:t>
+            </a:r>
+          </a:p>
+          <a:p>
+            <a:endParaRPr lang="nl-BE" dirty="0">
+              <a:latin typeface="Roboto" panose="02000000000000000000" pitchFamily="2" charset="0"/>
+              <a:ea typeface="Roboto" panose="02000000000000000000" pitchFamily="2" charset="0"/>
+            </a:endParaRPr>
+          </a:p>
+          <a:p>
+            <a:r>
+              <a:rPr lang="nl-BE" dirty="0">
+                <a:latin typeface="Roboto" panose="02000000000000000000" pitchFamily="2" charset="0"/>
+                <a:ea typeface="Roboto" panose="02000000000000000000" pitchFamily="2" charset="0"/>
+              </a:rPr>
+              <a:t>Hierbij kiest vue zelf hoe ze de data moet updaten, gebaseerd op het input type.</a:t>
+            </a:r>
+          </a:p>
+          <a:p>
+            <a:endParaRPr lang="nl-BE" dirty="0">
+              <a:latin typeface="Roboto" panose="02000000000000000000" pitchFamily="2" charset="0"/>
+              <a:ea typeface="Roboto" panose="02000000000000000000" pitchFamily="2" charset="0"/>
+            </a:endParaRPr>
+          </a:p>
+          <a:p>
+            <a:r>
+              <a:rPr lang="nl-BE" dirty="0">
+                <a:latin typeface="Roboto" panose="02000000000000000000" pitchFamily="2" charset="0"/>
+                <a:ea typeface="Roboto" panose="02000000000000000000" pitchFamily="2" charset="0"/>
+              </a:rPr>
+              <a:t>Je kan zelfs </a:t>
+            </a:r>
+            <a:r>
+              <a:rPr lang="nl-BE" b="1" dirty="0">
+                <a:latin typeface="Roboto" panose="02000000000000000000" pitchFamily="2" charset="0"/>
+                <a:ea typeface="Roboto" panose="02000000000000000000" pitchFamily="2" charset="0"/>
+              </a:rPr>
+              <a:t>meerdere</a:t>
+            </a:r>
+            <a:r>
+              <a:rPr lang="nl-BE" dirty="0">
+                <a:latin typeface="Roboto" panose="02000000000000000000" pitchFamily="2" charset="0"/>
+                <a:ea typeface="Roboto" panose="02000000000000000000" pitchFamily="2" charset="0"/>
+              </a:rPr>
+              <a:t> checkboxen binden aan dezelfde </a:t>
+            </a:r>
+            <a:r>
+              <a:rPr lang="nl-BE" b="1" dirty="0">
+                <a:latin typeface="Roboto" panose="02000000000000000000" pitchFamily="2" charset="0"/>
+                <a:ea typeface="Roboto" panose="02000000000000000000" pitchFamily="2" charset="0"/>
+              </a:rPr>
+              <a:t>array</a:t>
+            </a:r>
+            <a:r>
+              <a:rPr lang="nl-BE" dirty="0">
+                <a:latin typeface="Roboto" panose="02000000000000000000" pitchFamily="2" charset="0"/>
+                <a:ea typeface="Roboto" panose="02000000000000000000" pitchFamily="2" charset="0"/>
+              </a:rPr>
+              <a:t> -&gt;</a:t>
+            </a:r>
+          </a:p>
+          <a:p>
+            <a:endParaRPr lang="nl-BE" dirty="0">
+              <a:latin typeface="Roboto" panose="02000000000000000000" pitchFamily="2" charset="0"/>
+              <a:ea typeface="Roboto" panose="02000000000000000000" pitchFamily="2" charset="0"/>
+            </a:endParaRPr>
+          </a:p>
+          <a:p>
+            <a:r>
+              <a:rPr lang="nl-BE" dirty="0">
+                <a:latin typeface="Roboto" panose="02000000000000000000" pitchFamily="2" charset="0"/>
+                <a:ea typeface="Roboto" panose="02000000000000000000" pitchFamily="2" charset="0"/>
+              </a:rPr>
+              <a:t>De array wordt dan </a:t>
             </a:r>
             <a:r>
               <a:rPr lang="nl-BE" dirty="0" err="1">
                 <a:latin typeface="Roboto" panose="02000000000000000000" pitchFamily="2" charset="0"/>
                 <a:ea typeface="Roboto" panose="02000000000000000000" pitchFamily="2" charset="0"/>
               </a:rPr>
-              <a:t>gebruike</a:t>
-            </a:r>
-            <a:r>
-              <a:rPr lang="nl-BE" dirty="0">
-                <a:latin typeface="Roboto" panose="02000000000000000000" pitchFamily="2" charset="0"/>
-                <a:ea typeface="Roboto" panose="02000000000000000000" pitchFamily="2" charset="0"/>
-              </a:rPr>
-              <a:t> attribuut. Hier kan zowel een methode als een expressie achter zitten:</a:t>
+              <a:t>gevult</a:t>
+            </a:r>
+            <a:r>
+              <a:rPr lang="nl-BE" dirty="0">
+                <a:latin typeface="Roboto" panose="02000000000000000000" pitchFamily="2" charset="0"/>
+                <a:ea typeface="Roboto" panose="02000000000000000000" pitchFamily="2" charset="0"/>
+              </a:rPr>
+              <a:t> met de data van de </a:t>
+            </a:r>
+            <a:r>
+              <a:rPr lang="nl-BE" dirty="0" err="1">
+                <a:latin typeface="Roboto" panose="02000000000000000000" pitchFamily="2" charset="0"/>
+                <a:ea typeface="Roboto" panose="02000000000000000000" pitchFamily="2" charset="0"/>
+              </a:rPr>
+              <a:t>checkbox</a:t>
+            </a:r>
+            <a:r>
+              <a:rPr lang="nl-BE" dirty="0">
+                <a:latin typeface="Roboto" panose="02000000000000000000" pitchFamily="2" charset="0"/>
+                <a:ea typeface="Roboto" panose="02000000000000000000" pitchFamily="2" charset="0"/>
+              </a:rPr>
+              <a:t>.</a:t>
             </a:r>
           </a:p>
         </p:txBody>
       </p:sp>
       <p:pic>
         <p:nvPicPr>
-          <p:cNvPr id="5" name="Afbeelding 4"/>
+          <p:cNvPr id="8" name="Afbeelding 7"/>
           <p:cNvPicPr>
             <a:picLocks noChangeAspect="1"/>
           </p:cNvPicPr>
@@ -7757,8 +7763,8 @@
         </p:blipFill>
         <p:spPr>
           <a:xfrm>
-            <a:off x="587229" y="2420180"/>
-            <a:ext cx="4162425" cy="809625"/>
+            <a:off x="662730" y="3691329"/>
+            <a:ext cx="8305800" cy="1790700"/>
           </a:xfrm>
           <a:prstGeom prst="rect">
             <a:avLst/>
@@ -7767,7 +7773,7 @@
       </p:pic>
       <p:pic>
         <p:nvPicPr>
-          <p:cNvPr id="6" name="Afbeelding 5"/>
+          <p:cNvPr id="9" name="Afbeelding 8"/>
           <p:cNvPicPr>
             <a:picLocks noChangeAspect="1"/>
           </p:cNvPicPr>
@@ -7781,8 +7787,8 @@
         </p:blipFill>
         <p:spPr>
           <a:xfrm>
-            <a:off x="587229" y="4422920"/>
-            <a:ext cx="4638675" cy="495300"/>
+            <a:off x="9482137" y="2081604"/>
+            <a:ext cx="2371725" cy="3400425"/>
           </a:xfrm>
           <a:prstGeom prst="rect">
             <a:avLst/>
@@ -7791,14 +7797,14 @@
       </p:pic>
       <p:sp>
         <p:nvSpPr>
-          <p:cNvPr id="7" name="Tekstvak 6"/>
+          <p:cNvPr id="10" name="Tekstvak 9"/>
           <p:cNvSpPr txBox="1"/>
           <p:nvPr/>
         </p:nvSpPr>
         <p:spPr>
           <a:xfrm>
-            <a:off x="444617" y="3718580"/>
-            <a:ext cx="6062878" cy="369332"/>
+            <a:off x="755009" y="5830349"/>
+            <a:ext cx="10360404" cy="646331"/>
           </a:xfrm>
           <a:prstGeom prst="rect">
             <a:avLst/>
@@ -7806,7 +7812,7 @@
           <a:noFill/>
         </p:spPr>
         <p:txBody>
-          <a:bodyPr wrap="none" rtlCol="0">
+          <a:bodyPr wrap="square" rtlCol="0">
             <a:spAutoFit/>
           </a:bodyPr>
           <a:lstStyle/>
@@ -7816,60 +7822,49 @@
                 <a:latin typeface="Roboto" panose="02000000000000000000" pitchFamily="2" charset="0"/>
                 <a:ea typeface="Roboto" panose="02000000000000000000" pitchFamily="2" charset="0"/>
               </a:rPr>
-              <a:t>Wil je het event meegeven ? Geen probleem doe gewoon.</a:t>
-            </a:r>
-          </a:p>
-        </p:txBody>
-      </p:sp>
-      <p:pic>
-        <p:nvPicPr>
-          <p:cNvPr id="8" name="Afbeelding 7"/>
-          <p:cNvPicPr>
-            <a:picLocks noChangeAspect="1"/>
-          </p:cNvPicPr>
-          <p:nvPr/>
-        </p:nvPicPr>
-        <p:blipFill>
-          <a:blip r:embed="rId4"/>
-          <a:stretch>
-            <a:fillRect/>
-          </a:stretch>
-        </p:blipFill>
-        <p:spPr>
-          <a:xfrm>
-            <a:off x="587229" y="5752792"/>
-            <a:ext cx="2800350" cy="1038225"/>
-          </a:xfrm>
-          <a:prstGeom prst="rect">
-            <a:avLst/>
-          </a:prstGeom>
-        </p:spPr>
-      </p:pic>
-      <p:sp>
-        <p:nvSpPr>
-          <p:cNvPr id="10" name="Tekstvak 9"/>
-          <p:cNvSpPr txBox="1"/>
-          <p:nvPr/>
-        </p:nvSpPr>
-        <p:spPr>
-          <a:xfrm>
-            <a:off x="444617" y="5150840"/>
-            <a:ext cx="3661900" cy="369332"/>
-          </a:xfrm>
-          <a:prstGeom prst="rect">
-            <a:avLst/>
-          </a:prstGeom>
-          <a:noFill/>
-        </p:spPr>
-        <p:txBody>
-          <a:bodyPr wrap="none" rtlCol="0">
-            <a:spAutoFit/>
-          </a:bodyPr>
-          <a:lstStyle/>
-          <a:p>
-            <a:r>
-              <a:rPr lang="nl-BE" dirty="0"/>
-              <a:t>En dan kan je bijvoorbeeld die doen :</a:t>
+              <a:t>Hierbij zal origineel lege array </a:t>
+            </a:r>
+            <a:r>
+              <a:rPr lang="nl-BE" dirty="0" err="1">
+                <a:latin typeface="Roboto" panose="02000000000000000000" pitchFamily="2" charset="0"/>
+                <a:ea typeface="Roboto" panose="02000000000000000000" pitchFamily="2" charset="0"/>
+              </a:rPr>
+              <a:t>selected</a:t>
+            </a:r>
+            <a:r>
+              <a:rPr lang="nl-BE" dirty="0">
+                <a:latin typeface="Roboto" panose="02000000000000000000" pitchFamily="2" charset="0"/>
+                <a:ea typeface="Roboto" panose="02000000000000000000" pitchFamily="2" charset="0"/>
+              </a:rPr>
+              <a:t> gevuld worden met de geselecteerde </a:t>
+            </a:r>
+            <a:r>
+              <a:rPr lang="nl-BE" dirty="0" err="1">
+                <a:latin typeface="Roboto" panose="02000000000000000000" pitchFamily="2" charset="0"/>
+                <a:ea typeface="Roboto" panose="02000000000000000000" pitchFamily="2" charset="0"/>
+              </a:rPr>
+              <a:t>values</a:t>
+            </a:r>
+            <a:r>
+              <a:rPr lang="nl-BE" dirty="0">
+                <a:latin typeface="Roboto" panose="02000000000000000000" pitchFamily="2" charset="0"/>
+                <a:ea typeface="Roboto" panose="02000000000000000000" pitchFamily="2" charset="0"/>
+              </a:rPr>
+              <a:t> van de </a:t>
+            </a:r>
+            <a:r>
+              <a:rPr lang="nl-BE" dirty="0" err="1">
+                <a:latin typeface="Roboto" panose="02000000000000000000" pitchFamily="2" charset="0"/>
+                <a:ea typeface="Roboto" panose="02000000000000000000" pitchFamily="2" charset="0"/>
+              </a:rPr>
+              <a:t>checkboxes</a:t>
+            </a:r>
+            <a:r>
+              <a:rPr lang="nl-BE" dirty="0">
+                <a:latin typeface="Roboto" panose="02000000000000000000" pitchFamily="2" charset="0"/>
+                <a:ea typeface="Roboto" panose="02000000000000000000" pitchFamily="2" charset="0"/>
+              </a:rPr>
+              <a:t>.</a:t>
             </a:r>
           </a:p>
         </p:txBody>
@@ -7877,7 +7872,7 @@
     </p:spTree>
     <p:extLst>
       <p:ext uri="{BB962C8B-B14F-4D97-AF65-F5344CB8AC3E}">
-        <p14:creationId xmlns:p14="http://schemas.microsoft.com/office/powerpoint/2010/main" val="4286937002"/>
+        <p14:creationId xmlns:p14="http://schemas.microsoft.com/office/powerpoint/2010/main" val="1304789521"/>
       </p:ext>
     </p:extLst>
   </p:cSld>
@@ -7912,8 +7907,8 @@
         </p:nvSpPr>
         <p:spPr>
           <a:xfrm>
-            <a:off x="671119" y="520117"/>
-            <a:ext cx="10771464" cy="5078313"/>
+            <a:off x="780176" y="327171"/>
+            <a:ext cx="10595296" cy="923330"/>
           </a:xfrm>
           <a:prstGeom prst="rect">
             <a:avLst/>
@@ -7926,176 +7921,151 @@
           </a:bodyPr>
           <a:lstStyle/>
           <a:p>
-            <a:r>
-              <a:rPr lang="nl-BE" dirty="0"/>
-              <a:t>Het is beter om de </a:t>
-            </a:r>
-            <a:r>
-              <a:rPr lang="nl-BE" dirty="0" err="1"/>
-              <a:t>preventdefault</a:t>
-            </a:r>
-            <a:r>
-              <a:rPr lang="nl-BE" dirty="0"/>
-              <a:t> in de html te zetten en de </a:t>
-            </a:r>
-            <a:r>
-              <a:rPr lang="nl-BE" dirty="0" err="1"/>
-              <a:t>js</a:t>
-            </a:r>
-            <a:r>
-              <a:rPr lang="nl-BE" dirty="0"/>
-              <a:t> op pure logica te houden</a:t>
-            </a:r>
-          </a:p>
-          <a:p>
-            <a:r>
-              <a:rPr lang="nl-BE" dirty="0"/>
-              <a:t>Vue heeft een aantal </a:t>
-            </a:r>
-            <a:r>
-              <a:rPr lang="nl-BE" b="1" dirty="0"/>
-              <a:t>event </a:t>
-            </a:r>
-            <a:r>
-              <a:rPr lang="nl-BE" b="1" dirty="0" err="1"/>
-              <a:t>modifiers</a:t>
-            </a:r>
-            <a:r>
-              <a:rPr lang="nl-BE" b="1" dirty="0"/>
-              <a:t> </a:t>
-            </a:r>
-            <a:r>
-              <a:rPr lang="nl-BE" dirty="0"/>
-              <a:t>om dit te doen, ze worden aangetoond met een punt.</a:t>
-            </a:r>
-          </a:p>
+            <a:pPr algn="ctr"/>
+            <a:r>
+              <a:rPr lang="nl-BE" sz="5400" dirty="0">
+                <a:latin typeface="Headline One" panose="00000400000000000000" pitchFamily="2" charset="0"/>
+              </a:rPr>
+              <a:t>COMPONENTEN</a:t>
+            </a:r>
+          </a:p>
+        </p:txBody>
+      </p:sp>
+      <p:sp>
+        <p:nvSpPr>
+          <p:cNvPr id="3" name="Tekstvak 2"/>
+          <p:cNvSpPr txBox="1"/>
+          <p:nvPr/>
+        </p:nvSpPr>
+        <p:spPr>
+          <a:xfrm>
+            <a:off x="629174" y="1333850"/>
+            <a:ext cx="10746298" cy="1754326"/>
+          </a:xfrm>
+          <a:prstGeom prst="rect">
+            <a:avLst/>
+          </a:prstGeom>
+          <a:noFill/>
+        </p:spPr>
+        <p:txBody>
+          <a:bodyPr wrap="square" rtlCol="0">
+            <a:spAutoFit/>
+          </a:bodyPr>
+          <a:lstStyle/>
+          <a:p>
+            <a:r>
+              <a:rPr lang="nl-BE" dirty="0">
+                <a:latin typeface="Roboto" panose="02000000000000000000" pitchFamily="2" charset="0"/>
+                <a:ea typeface="Roboto" panose="02000000000000000000" pitchFamily="2" charset="0"/>
+              </a:rPr>
+              <a:t>Componenten zijn 1 van de belangrijkste elementen van Vue.js</a:t>
+            </a:r>
+          </a:p>
+          <a:p>
+            <a:endParaRPr lang="nl-BE" dirty="0">
+              <a:latin typeface="Roboto" panose="02000000000000000000" pitchFamily="2" charset="0"/>
+              <a:ea typeface="Roboto" panose="02000000000000000000" pitchFamily="2" charset="0"/>
+            </a:endParaRPr>
+          </a:p>
+          <a:p>
+            <a:r>
+              <a:rPr lang="nl-BE" dirty="0">
+                <a:latin typeface="Roboto" panose="02000000000000000000" pitchFamily="2" charset="0"/>
+                <a:ea typeface="Roboto" panose="02000000000000000000" pitchFamily="2" charset="0"/>
+              </a:rPr>
+              <a:t>Dit geeft je de mogelijkheid code te hergebruiken zonder ze afhankelijk van elkaar te maken. </a:t>
+            </a:r>
+          </a:p>
+          <a:p>
+            <a:r>
+              <a:rPr lang="nl-BE" dirty="0">
+                <a:latin typeface="Roboto" panose="02000000000000000000" pitchFamily="2" charset="0"/>
+                <a:ea typeface="Roboto" panose="02000000000000000000" pitchFamily="2" charset="0"/>
+              </a:rPr>
+              <a:t>Ik zal het aantonen met een simpel voorbeeld. </a:t>
+            </a:r>
+          </a:p>
+          <a:p>
+            <a:r>
+              <a:rPr lang="nl-BE" dirty="0">
+                <a:latin typeface="Roboto" panose="02000000000000000000" pitchFamily="2" charset="0"/>
+                <a:ea typeface="Roboto" panose="02000000000000000000" pitchFamily="2" charset="0"/>
+              </a:rPr>
+              <a:t>Je wil in je applicatie 2 input velden die een ingegeven woord omgekeerd afprint. </a:t>
+            </a:r>
+          </a:p>
+          <a:p>
+            <a:r>
+              <a:rPr lang="nl-BE" dirty="0">
+                <a:latin typeface="Roboto" panose="02000000000000000000" pitchFamily="2" charset="0"/>
+                <a:ea typeface="Roboto" panose="02000000000000000000" pitchFamily="2" charset="0"/>
+              </a:rPr>
+              <a:t>Hoe kan je dit maken zonder code te herhalen ?</a:t>
+            </a:r>
+          </a:p>
+        </p:txBody>
+      </p:sp>
+      <p:sp>
+        <p:nvSpPr>
+          <p:cNvPr id="4" name="Tekstvak 3"/>
+          <p:cNvSpPr txBox="1"/>
+          <p:nvPr/>
+        </p:nvSpPr>
+        <p:spPr>
+          <a:xfrm>
+            <a:off x="713064" y="3304484"/>
+            <a:ext cx="5150841" cy="3078760"/>
+          </a:xfrm>
+          <a:prstGeom prst="rect">
+            <a:avLst/>
+          </a:prstGeom>
+          <a:noFill/>
+        </p:spPr>
+        <p:txBody>
+          <a:bodyPr wrap="square" rtlCol="0">
+            <a:spAutoFit/>
+          </a:bodyPr>
+          <a:lstStyle/>
           <a:p>
             <a:endParaRPr lang="nl-BE" dirty="0"/>
           </a:p>
-          <a:p>
-            <a:r>
-              <a:rPr lang="nl-BE" dirty="0"/>
-              <a:t>.stop</a:t>
-            </a:r>
-          </a:p>
-          <a:p>
-            <a:r>
-              <a:rPr lang="nl-BE" dirty="0"/>
-              <a:t>.</a:t>
-            </a:r>
-            <a:r>
-              <a:rPr lang="nl-BE" dirty="0" err="1"/>
-              <a:t>prevent</a:t>
-            </a:r>
-            <a:endParaRPr lang="nl-BE" dirty="0"/>
-          </a:p>
-          <a:p>
-            <a:r>
-              <a:rPr lang="nl-BE" dirty="0"/>
-              <a:t>.</a:t>
-            </a:r>
-            <a:r>
-              <a:rPr lang="nl-BE" dirty="0" err="1"/>
-              <a:t>capture</a:t>
-            </a:r>
-            <a:endParaRPr lang="nl-BE" dirty="0"/>
-          </a:p>
-          <a:p>
-            <a:r>
-              <a:rPr lang="nl-BE" dirty="0"/>
-              <a:t>.</a:t>
-            </a:r>
-            <a:r>
-              <a:rPr lang="nl-BE" dirty="0" err="1"/>
-              <a:t>self</a:t>
-            </a:r>
-            <a:endParaRPr lang="nl-BE" dirty="0"/>
-          </a:p>
-          <a:p>
-            <a:endParaRPr lang="nl-BE" dirty="0"/>
-          </a:p>
-          <a:p>
-            <a:endParaRPr lang="nl-BE" dirty="0"/>
-          </a:p>
-          <a:p>
-            <a:r>
-              <a:rPr lang="nl-BE" dirty="0"/>
-              <a:t>Er zijn ook </a:t>
-            </a:r>
-            <a:r>
-              <a:rPr lang="nl-BE" dirty="0" err="1"/>
-              <a:t>key</a:t>
-            </a:r>
-            <a:r>
-              <a:rPr lang="nl-BE" dirty="0"/>
-              <a:t> </a:t>
-            </a:r>
-            <a:r>
-              <a:rPr lang="nl-BE" dirty="0" err="1"/>
-              <a:t>modifiers</a:t>
-            </a:r>
-            <a:r>
-              <a:rPr lang="nl-BE" dirty="0"/>
-              <a:t> </a:t>
-            </a:r>
-          </a:p>
-          <a:p>
-            <a:endParaRPr lang="nl-BE" dirty="0"/>
-          </a:p>
-          <a:p>
-            <a:endParaRPr lang="nl-BE" dirty="0"/>
-          </a:p>
-          <a:p>
-            <a:endParaRPr lang="nl-BE" dirty="0"/>
-          </a:p>
-          <a:p>
-            <a:r>
-              <a:rPr lang="nl-BE" dirty="0"/>
-              <a:t>voor de meeste </a:t>
-            </a:r>
-            <a:r>
-              <a:rPr lang="nl-BE" dirty="0" err="1"/>
-              <a:t>keycodes</a:t>
-            </a:r>
-            <a:r>
-              <a:rPr lang="nl-BE" dirty="0"/>
-              <a:t> heeft vue een alias</a:t>
-            </a:r>
-            <a:r>
-              <a:rPr lang="en-US" dirty="0"/>
-              <a:t>enter</a:t>
-            </a:r>
-          </a:p>
-          <a:p>
-            <a:r>
-              <a:rPr lang="en-US" dirty="0"/>
-              <a:t>.tab</a:t>
-            </a:r>
-          </a:p>
-          <a:p>
-            <a:r>
-              <a:rPr lang="en-US" dirty="0"/>
-              <a:t>.delete</a:t>
-            </a:r>
-          </a:p>
-          <a:p>
-            <a:r>
-              <a:rPr lang="en-US" dirty="0"/>
-              <a:t>.esc</a:t>
-            </a:r>
-          </a:p>
-          <a:p>
-            <a:r>
-              <a:rPr lang="en-US" dirty="0"/>
-              <a:t>…</a:t>
-            </a:r>
-            <a:endParaRPr lang="nl-BE" dirty="0"/>
+        </p:txBody>
+      </p:sp>
+      <p:sp>
+        <p:nvSpPr>
+          <p:cNvPr id="6" name="Tekstvak 5"/>
+          <p:cNvSpPr txBox="1"/>
+          <p:nvPr/>
+        </p:nvSpPr>
+        <p:spPr>
+          <a:xfrm>
+            <a:off x="629174" y="5699292"/>
+            <a:ext cx="9982899" cy="923330"/>
+          </a:xfrm>
+          <a:prstGeom prst="rect">
+            <a:avLst/>
+          </a:prstGeom>
+          <a:noFill/>
+        </p:spPr>
+        <p:txBody>
+          <a:bodyPr wrap="square" rtlCol="0">
+            <a:spAutoFit/>
+          </a:bodyPr>
+          <a:lstStyle/>
+          <a:p>
+            <a:r>
+              <a:rPr lang="nl-BE" dirty="0">
+                <a:latin typeface="Roboto" panose="02000000000000000000" pitchFamily="2" charset="0"/>
+                <a:ea typeface="Roboto" panose="02000000000000000000" pitchFamily="2" charset="0"/>
+              </a:rPr>
+              <a:t>Eerst zullen we de nieuwe component aanmaken. We declareren het globaal dus we kunnen die component gebruiken in elke vue instantie. Let op, het moet wel binnen een vue instantie gebruikt worden.</a:t>
+            </a:r>
           </a:p>
         </p:txBody>
       </p:sp>
       <p:pic>
         <p:nvPicPr>
-          <p:cNvPr id="3" name="Afbeelding 2"/>
+          <p:cNvPr id="7" name="Afbeelding 6"/>
           <p:cNvPicPr>
             <a:picLocks noChangeAspect="1"/>
           </p:cNvPicPr>
@@ -8109,8 +8079,32 @@
         </p:blipFill>
         <p:spPr>
           <a:xfrm>
-            <a:off x="671119" y="3608752"/>
-            <a:ext cx="3990975" cy="361950"/>
+            <a:off x="7960191" y="3393609"/>
+            <a:ext cx="3486150" cy="819150"/>
+          </a:xfrm>
+          <a:prstGeom prst="rect">
+            <a:avLst/>
+          </a:prstGeom>
+        </p:spPr>
+      </p:pic>
+      <p:pic>
+        <p:nvPicPr>
+          <p:cNvPr id="8" name="Afbeelding 7"/>
+          <p:cNvPicPr>
+            <a:picLocks noChangeAspect="1"/>
+          </p:cNvPicPr>
+          <p:nvPr/>
+        </p:nvPicPr>
+        <p:blipFill>
+          <a:blip r:embed="rId3"/>
+          <a:stretch>
+            <a:fillRect/>
+          </a:stretch>
+        </p:blipFill>
+        <p:spPr>
+          <a:xfrm>
+            <a:off x="713064" y="3393609"/>
+            <a:ext cx="6381750" cy="2000250"/>
           </a:xfrm>
           <a:prstGeom prst="rect">
             <a:avLst/>
@@ -8120,7 +8114,7 @@
     </p:spTree>
     <p:extLst>
       <p:ext uri="{BB962C8B-B14F-4D97-AF65-F5344CB8AC3E}">
-        <p14:creationId xmlns:p14="http://schemas.microsoft.com/office/powerpoint/2010/main" val="3717230321"/>
+        <p14:creationId xmlns:p14="http://schemas.microsoft.com/office/powerpoint/2010/main" val="627244807"/>
       </p:ext>
     </p:extLst>
   </p:cSld>
@@ -8147,174 +8141,9 @@
           <a:chExt cx="0" cy="0"/>
         </a:xfrm>
       </p:grpSpPr>
-      <p:sp>
-        <p:nvSpPr>
-          <p:cNvPr id="2" name="Tekstvak 1"/>
-          <p:cNvSpPr txBox="1"/>
-          <p:nvPr/>
-        </p:nvSpPr>
-        <p:spPr>
-          <a:xfrm>
-            <a:off x="662730" y="318782"/>
-            <a:ext cx="10796631" cy="923330"/>
-          </a:xfrm>
-          <a:prstGeom prst="rect">
-            <a:avLst/>
-          </a:prstGeom>
-          <a:noFill/>
-        </p:spPr>
-        <p:txBody>
-          <a:bodyPr wrap="square" rtlCol="0">
-            <a:spAutoFit/>
-          </a:bodyPr>
-          <a:lstStyle/>
-          <a:p>
-            <a:pPr algn="ctr"/>
-            <a:r>
-              <a:rPr lang="nl-BE" sz="5400" dirty="0">
-                <a:latin typeface="Headline One" panose="00000400000000000000" pitchFamily="2" charset="0"/>
-              </a:rPr>
-              <a:t>FORM INPUT BINDINGS</a:t>
-            </a:r>
-          </a:p>
-        </p:txBody>
-      </p:sp>
-      <p:sp>
-        <p:nvSpPr>
-          <p:cNvPr id="3" name="Tekstvak 2"/>
-          <p:cNvSpPr txBox="1"/>
-          <p:nvPr/>
-        </p:nvSpPr>
-        <p:spPr>
-          <a:xfrm>
-            <a:off x="662730" y="1493240"/>
-            <a:ext cx="10620463" cy="2031325"/>
-          </a:xfrm>
-          <a:prstGeom prst="rect">
-            <a:avLst/>
-          </a:prstGeom>
-          <a:noFill/>
-        </p:spPr>
-        <p:txBody>
-          <a:bodyPr wrap="square" rtlCol="0">
-            <a:spAutoFit/>
-          </a:bodyPr>
-          <a:lstStyle/>
-          <a:p>
-            <a:r>
-              <a:rPr lang="nl-BE" dirty="0">
-                <a:latin typeface="Roboto" panose="02000000000000000000" pitchFamily="2" charset="0"/>
-                <a:ea typeface="Roboto" panose="02000000000000000000" pitchFamily="2" charset="0"/>
-              </a:rPr>
-              <a:t>Om een variabele aan een html element te binden is er v-model</a:t>
-            </a:r>
-          </a:p>
-          <a:p>
-            <a:endParaRPr lang="nl-BE" dirty="0">
-              <a:latin typeface="Roboto" panose="02000000000000000000" pitchFamily="2" charset="0"/>
-              <a:ea typeface="Roboto" panose="02000000000000000000" pitchFamily="2" charset="0"/>
-            </a:endParaRPr>
-          </a:p>
-          <a:p>
-            <a:r>
-              <a:rPr lang="nl-BE" dirty="0">
-                <a:latin typeface="Roboto" panose="02000000000000000000" pitchFamily="2" charset="0"/>
-                <a:ea typeface="Roboto" panose="02000000000000000000" pitchFamily="2" charset="0"/>
-              </a:rPr>
-              <a:t>Hierbij kiest vue zelf hoe ze de data moet updaten, gebaseerd op het input type.</a:t>
-            </a:r>
-          </a:p>
-          <a:p>
-            <a:endParaRPr lang="nl-BE" dirty="0">
-              <a:latin typeface="Roboto" panose="02000000000000000000" pitchFamily="2" charset="0"/>
-              <a:ea typeface="Roboto" panose="02000000000000000000" pitchFamily="2" charset="0"/>
-            </a:endParaRPr>
-          </a:p>
-          <a:p>
-            <a:r>
-              <a:rPr lang="nl-BE" dirty="0">
-                <a:latin typeface="Roboto" panose="02000000000000000000" pitchFamily="2" charset="0"/>
-                <a:ea typeface="Roboto" panose="02000000000000000000" pitchFamily="2" charset="0"/>
-              </a:rPr>
-              <a:t>Je kan zelfs </a:t>
-            </a:r>
-            <a:r>
-              <a:rPr lang="nl-BE" b="1" dirty="0">
-                <a:latin typeface="Roboto" panose="02000000000000000000" pitchFamily="2" charset="0"/>
-                <a:ea typeface="Roboto" panose="02000000000000000000" pitchFamily="2" charset="0"/>
-              </a:rPr>
-              <a:t>meerdere</a:t>
-            </a:r>
-            <a:r>
-              <a:rPr lang="nl-BE" dirty="0">
-                <a:latin typeface="Roboto" panose="02000000000000000000" pitchFamily="2" charset="0"/>
-                <a:ea typeface="Roboto" panose="02000000000000000000" pitchFamily="2" charset="0"/>
-              </a:rPr>
-              <a:t> checkboxen binden aan dezelfde </a:t>
-            </a:r>
-            <a:r>
-              <a:rPr lang="nl-BE" b="1" dirty="0">
-                <a:latin typeface="Roboto" panose="02000000000000000000" pitchFamily="2" charset="0"/>
-                <a:ea typeface="Roboto" panose="02000000000000000000" pitchFamily="2" charset="0"/>
-              </a:rPr>
-              <a:t>array</a:t>
-            </a:r>
-            <a:r>
-              <a:rPr lang="nl-BE" dirty="0">
-                <a:latin typeface="Roboto" panose="02000000000000000000" pitchFamily="2" charset="0"/>
-                <a:ea typeface="Roboto" panose="02000000000000000000" pitchFamily="2" charset="0"/>
-              </a:rPr>
-              <a:t> -&gt;</a:t>
-            </a:r>
-          </a:p>
-          <a:p>
-            <a:endParaRPr lang="nl-BE" dirty="0">
-              <a:latin typeface="Roboto" panose="02000000000000000000" pitchFamily="2" charset="0"/>
-              <a:ea typeface="Roboto" panose="02000000000000000000" pitchFamily="2" charset="0"/>
-            </a:endParaRPr>
-          </a:p>
-          <a:p>
-            <a:r>
-              <a:rPr lang="nl-BE" dirty="0">
-                <a:latin typeface="Roboto" panose="02000000000000000000" pitchFamily="2" charset="0"/>
-                <a:ea typeface="Roboto" panose="02000000000000000000" pitchFamily="2" charset="0"/>
-              </a:rPr>
-              <a:t>De array wordt dan </a:t>
-            </a:r>
-            <a:r>
-              <a:rPr lang="nl-BE" dirty="0" err="1">
-                <a:latin typeface="Roboto" panose="02000000000000000000" pitchFamily="2" charset="0"/>
-                <a:ea typeface="Roboto" panose="02000000000000000000" pitchFamily="2" charset="0"/>
-              </a:rPr>
-              <a:t>gevult</a:t>
-            </a:r>
-            <a:r>
-              <a:rPr lang="nl-BE" dirty="0">
-                <a:latin typeface="Roboto" panose="02000000000000000000" pitchFamily="2" charset="0"/>
-                <a:ea typeface="Roboto" panose="02000000000000000000" pitchFamily="2" charset="0"/>
-              </a:rPr>
-              <a:t> met de data van de </a:t>
-            </a:r>
-            <a:r>
-              <a:rPr lang="nl-BE" dirty="0" err="1">
-                <a:latin typeface="Roboto" panose="02000000000000000000" pitchFamily="2" charset="0"/>
-                <a:ea typeface="Roboto" panose="02000000000000000000" pitchFamily="2" charset="0"/>
-              </a:rPr>
-              <a:t>checkbox</a:t>
-            </a:r>
-            <a:r>
-              <a:rPr lang="nl-BE" dirty="0">
-                <a:latin typeface="Roboto" panose="02000000000000000000" pitchFamily="2" charset="0"/>
-                <a:ea typeface="Roboto" panose="02000000000000000000" pitchFamily="2" charset="0"/>
-              </a:rPr>
-              <a:t>.</a:t>
-            </a:r>
-          </a:p>
-        </p:txBody>
-      </p:sp>
       <p:pic>
         <p:nvPicPr>
-          <p:cNvPr id="8" name="Afbeelding 7"/>
+          <p:cNvPr id="2" name="Afbeelding 1"/>
           <p:cNvPicPr>
             <a:picLocks noChangeAspect="1"/>
           </p:cNvPicPr>
@@ -8328,17 +8157,109 @@
         </p:blipFill>
         <p:spPr>
           <a:xfrm>
-            <a:off x="662730" y="3691329"/>
-            <a:ext cx="8305800" cy="1790700"/>
+            <a:off x="475861" y="1145249"/>
+            <a:ext cx="8191500" cy="2828925"/>
           </a:xfrm>
           <a:prstGeom prst="rect">
             <a:avLst/>
           </a:prstGeom>
         </p:spPr>
       </p:pic>
+      <p:sp>
+        <p:nvSpPr>
+          <p:cNvPr id="3" name="Tekstvak 2"/>
+          <p:cNvSpPr txBox="1"/>
+          <p:nvPr/>
+        </p:nvSpPr>
+        <p:spPr>
+          <a:xfrm>
+            <a:off x="475861" y="270588"/>
+            <a:ext cx="10636898" cy="369332"/>
+          </a:xfrm>
+          <a:prstGeom prst="rect">
+            <a:avLst/>
+          </a:prstGeom>
+          <a:noFill/>
+        </p:spPr>
+        <p:txBody>
+          <a:bodyPr wrap="square" rtlCol="0">
+            <a:spAutoFit/>
+          </a:bodyPr>
+          <a:lstStyle/>
+          <a:p>
+            <a:r>
+              <a:rPr lang="nl-BE" dirty="0">
+                <a:latin typeface="Roboto" panose="02000000000000000000" pitchFamily="2" charset="0"/>
+                <a:ea typeface="Roboto" panose="02000000000000000000" pitchFamily="2" charset="0"/>
+              </a:rPr>
+              <a:t>Nu kunnen we de logica makkelijk verder uitwerken. Door een </a:t>
+            </a:r>
+            <a:r>
+              <a:rPr lang="nl-BE" dirty="0" err="1">
+                <a:latin typeface="Roboto" panose="02000000000000000000" pitchFamily="2" charset="0"/>
+                <a:ea typeface="Roboto" panose="02000000000000000000" pitchFamily="2" charset="0"/>
+              </a:rPr>
+              <a:t>computed</a:t>
+            </a:r>
+            <a:r>
+              <a:rPr lang="nl-BE" dirty="0">
+                <a:latin typeface="Roboto" panose="02000000000000000000" pitchFamily="2" charset="0"/>
+                <a:ea typeface="Roboto" panose="02000000000000000000" pitchFamily="2" charset="0"/>
+              </a:rPr>
+              <a:t> </a:t>
+            </a:r>
+            <a:r>
+              <a:rPr lang="nl-BE" dirty="0" err="1">
+                <a:latin typeface="Roboto" panose="02000000000000000000" pitchFamily="2" charset="0"/>
+                <a:ea typeface="Roboto" panose="02000000000000000000" pitchFamily="2" charset="0"/>
+              </a:rPr>
+              <a:t>propertie</a:t>
+            </a:r>
+            <a:r>
+              <a:rPr lang="nl-BE" dirty="0">
+                <a:latin typeface="Roboto" panose="02000000000000000000" pitchFamily="2" charset="0"/>
+                <a:ea typeface="Roboto" panose="02000000000000000000" pitchFamily="2" charset="0"/>
+              </a:rPr>
+              <a:t> mee te geven. </a:t>
+            </a:r>
+          </a:p>
+        </p:txBody>
+      </p:sp>
+      <p:sp>
+        <p:nvSpPr>
+          <p:cNvPr id="5" name="Tekstvak 4"/>
+          <p:cNvSpPr txBox="1"/>
+          <p:nvPr/>
+        </p:nvSpPr>
+        <p:spPr>
+          <a:xfrm>
+            <a:off x="475861" y="4102217"/>
+            <a:ext cx="10018767" cy="646331"/>
+          </a:xfrm>
+          <a:prstGeom prst="rect">
+            <a:avLst/>
+          </a:prstGeom>
+          <a:noFill/>
+        </p:spPr>
+        <p:txBody>
+          <a:bodyPr wrap="square" rtlCol="0">
+            <a:spAutoFit/>
+          </a:bodyPr>
+          <a:lstStyle/>
+          <a:p>
+            <a:r>
+              <a:rPr lang="nl-BE" dirty="0">
+                <a:latin typeface="Roboto" panose="02000000000000000000" pitchFamily="2" charset="0"/>
+                <a:ea typeface="Roboto" panose="02000000000000000000" pitchFamily="2" charset="0"/>
+              </a:rPr>
+              <a:t>Als we dan dit doen in de html zal je zien dat het component 4 keer wordt herhaald zonder afhankelijk te zijn van elkaar.</a:t>
+            </a:r>
+          </a:p>
+        </p:txBody>
+      </p:sp>
       <p:pic>
         <p:nvPicPr>
-          <p:cNvPr id="9" name="Afbeelding 8"/>
+          <p:cNvPr id="7" name="Afbeelding 6"/>
           <p:cNvPicPr>
             <a:picLocks noChangeAspect="1"/>
           </p:cNvPicPr>
@@ -8352,24 +8273,78 @@
         </p:blipFill>
         <p:spPr>
           <a:xfrm>
-            <a:off x="9482137" y="2081604"/>
-            <a:ext cx="2371725" cy="3400425"/>
+            <a:off x="475861" y="5106449"/>
+            <a:ext cx="3533775" cy="990600"/>
           </a:xfrm>
           <a:prstGeom prst="rect">
             <a:avLst/>
           </a:prstGeom>
         </p:spPr>
       </p:pic>
-      <p:sp>
-        <p:nvSpPr>
-          <p:cNvPr id="10" name="Tekstvak 9"/>
+    </p:spTree>
+    <p:extLst>
+      <p:ext uri="{BB962C8B-B14F-4D97-AF65-F5344CB8AC3E}">
+        <p14:creationId xmlns:p14="http://schemas.microsoft.com/office/powerpoint/2010/main" val="2374270745"/>
+      </p:ext>
+    </p:extLst>
+  </p:cSld>
+  <p:clrMapOvr>
+    <a:masterClrMapping/>
+  </p:clrMapOvr>
+</p:sld>
+</file>
+
+<file path=ppt/slides/slide26.xml><?xml version="1.0" encoding="utf-8"?>
+<p:sld xmlns:a="http://schemas.openxmlformats.org/drawingml/2006/main" xmlns:r="http://schemas.openxmlformats.org/officeDocument/2006/relationships" xmlns:p="http://schemas.openxmlformats.org/presentationml/2006/main">
+  <p:cSld>
+    <p:spTree>
+      <p:nvGrpSpPr>
+        <p:cNvPr id="1" name=""/>
+        <p:cNvGrpSpPr/>
+        <p:nvPr/>
+      </p:nvGrpSpPr>
+      <p:grpSpPr>
+        <a:xfrm>
+          <a:off x="0" y="0"/>
+          <a:ext cx="0" cy="0"/>
+          <a:chOff x="0" y="0"/>
+          <a:chExt cx="0" cy="0"/>
+        </a:xfrm>
+      </p:grpSpPr>
+      <p:pic>
+        <p:nvPicPr>
+          <p:cNvPr id="2" name="Afbeelding 1"/>
+          <p:cNvPicPr>
+            <a:picLocks noChangeAspect="1"/>
+          </p:cNvPicPr>
+          <p:nvPr/>
+        </p:nvPicPr>
+        <p:blipFill>
+          <a:blip r:embed="rId2"/>
+          <a:stretch>
+            <a:fillRect/>
+          </a:stretch>
+        </p:blipFill>
+        <p:spPr>
+          <a:xfrm>
+            <a:off x="715217" y="288634"/>
+            <a:ext cx="6219825" cy="3143250"/>
+          </a:xfrm>
+          <a:prstGeom prst="rect">
+            <a:avLst/>
+          </a:prstGeom>
+        </p:spPr>
+      </p:pic>
+      <p:sp>
+        <p:nvSpPr>
+          <p:cNvPr id="3" name="Tekstvak 2"/>
           <p:cNvSpPr txBox="1"/>
           <p:nvPr/>
         </p:nvSpPr>
         <p:spPr>
           <a:xfrm>
-            <a:off x="755009" y="5830349"/>
-            <a:ext cx="10360404" cy="646331"/>
+            <a:off x="796954" y="3716323"/>
+            <a:ext cx="10242958" cy="646331"/>
           </a:xfrm>
           <a:prstGeom prst="rect">
             <a:avLst/>
@@ -8383,79 +8358,1082 @@
           <a:lstStyle/>
           <a:p>
             <a:r>
-              <a:rPr lang="nl-BE" dirty="0">
-                <a:latin typeface="Roboto" panose="02000000000000000000" pitchFamily="2" charset="0"/>
-                <a:ea typeface="Roboto" panose="02000000000000000000" pitchFamily="2" charset="0"/>
-              </a:rPr>
-              <a:t>Hierbij zal </a:t>
+              <a:rPr lang="nl-BE" b="1" dirty="0">
+                <a:latin typeface="Roboto" panose="02000000000000000000" pitchFamily="2" charset="0"/>
+                <a:ea typeface="Roboto" panose="02000000000000000000" pitchFamily="2" charset="0"/>
+              </a:rPr>
+              <a:t>Opmerking : </a:t>
+            </a:r>
+            <a:r>
+              <a:rPr lang="nl-BE" dirty="0">
+                <a:latin typeface="Roboto" panose="02000000000000000000" pitchFamily="2" charset="0"/>
+                <a:ea typeface="Roboto" panose="02000000000000000000" pitchFamily="2" charset="0"/>
+              </a:rPr>
+              <a:t>is je iets opgevallen aan het data object van het component ? Inderdaad het is een functie die een object </a:t>
             </a:r>
             <a:r>
               <a:rPr lang="nl-BE" dirty="0" err="1">
                 <a:latin typeface="Roboto" panose="02000000000000000000" pitchFamily="2" charset="0"/>
                 <a:ea typeface="Roboto" panose="02000000000000000000" pitchFamily="2" charset="0"/>
               </a:rPr>
-              <a:t>orgineel</a:t>
-            </a:r>
-            <a:r>
-              <a:rPr lang="nl-BE" dirty="0">
-                <a:latin typeface="Roboto" panose="02000000000000000000" pitchFamily="2" charset="0"/>
-                <a:ea typeface="Roboto" panose="02000000000000000000" pitchFamily="2" charset="0"/>
-              </a:rPr>
-              <a:t> lege array </a:t>
-            </a:r>
-            <a:r>
-              <a:rPr lang="nl-BE" dirty="0" err="1">
-                <a:latin typeface="Roboto" panose="02000000000000000000" pitchFamily="2" charset="0"/>
-                <a:ea typeface="Roboto" panose="02000000000000000000" pitchFamily="2" charset="0"/>
-              </a:rPr>
-              <a:t>selected</a:t>
-            </a:r>
-            <a:r>
-              <a:rPr lang="nl-BE" dirty="0">
-                <a:latin typeface="Roboto" panose="02000000000000000000" pitchFamily="2" charset="0"/>
-                <a:ea typeface="Roboto" panose="02000000000000000000" pitchFamily="2" charset="0"/>
-              </a:rPr>
-              <a:t> gevuld worden met de geselecteerde </a:t>
-            </a:r>
-            <a:r>
-              <a:rPr lang="nl-BE" dirty="0" err="1">
-                <a:latin typeface="Roboto" panose="02000000000000000000" pitchFamily="2" charset="0"/>
-                <a:ea typeface="Roboto" panose="02000000000000000000" pitchFamily="2" charset="0"/>
-              </a:rPr>
-              <a:t>values</a:t>
-            </a:r>
-            <a:r>
-              <a:rPr lang="nl-BE" dirty="0">
-                <a:latin typeface="Roboto" panose="02000000000000000000" pitchFamily="2" charset="0"/>
-                <a:ea typeface="Roboto" panose="02000000000000000000" pitchFamily="2" charset="0"/>
-              </a:rPr>
-              <a:t> van de </a:t>
-            </a:r>
-            <a:r>
-              <a:rPr lang="nl-BE" dirty="0" err="1">
-                <a:latin typeface="Roboto" panose="02000000000000000000" pitchFamily="2" charset="0"/>
-                <a:ea typeface="Roboto" panose="02000000000000000000" pitchFamily="2" charset="0"/>
-              </a:rPr>
-              <a:t>checkboxes</a:t>
-            </a:r>
-            <a:r>
-              <a:rPr lang="nl-BE">
-                <a:latin typeface="Roboto" panose="02000000000000000000" pitchFamily="2" charset="0"/>
-                <a:ea typeface="Roboto" panose="02000000000000000000" pitchFamily="2" charset="0"/>
-              </a:rPr>
-              <a:t>.</a:t>
-            </a:r>
+              <a:t>returnt</a:t>
+            </a:r>
+            <a:r>
+              <a:rPr lang="nl-BE" dirty="0">
+                <a:latin typeface="Roboto" panose="02000000000000000000" pitchFamily="2" charset="0"/>
+                <a:ea typeface="Roboto" panose="02000000000000000000" pitchFamily="2" charset="0"/>
+              </a:rPr>
+              <a:t>. Bij componenten moet het data element dus een functie zijn.</a:t>
+            </a:r>
+            <a:endParaRPr lang="nl-BE" b="1" dirty="0">
+              <a:latin typeface="Roboto" panose="02000000000000000000" pitchFamily="2" charset="0"/>
+              <a:ea typeface="Roboto" panose="02000000000000000000" pitchFamily="2" charset="0"/>
+            </a:endParaRPr>
+          </a:p>
+        </p:txBody>
+      </p:sp>
+      <p:sp>
+        <p:nvSpPr>
+          <p:cNvPr id="4" name="Tekstvak 3"/>
+          <p:cNvSpPr txBox="1"/>
+          <p:nvPr/>
+        </p:nvSpPr>
+        <p:spPr>
+          <a:xfrm>
+            <a:off x="796954" y="4655890"/>
+            <a:ext cx="10242958" cy="369332"/>
+          </a:xfrm>
+          <a:prstGeom prst="rect">
+            <a:avLst/>
+          </a:prstGeom>
+          <a:noFill/>
+        </p:spPr>
+        <p:txBody>
+          <a:bodyPr wrap="square" rtlCol="0">
+            <a:spAutoFit/>
+          </a:bodyPr>
+          <a:lstStyle/>
+          <a:p>
+            <a:r>
+              <a:rPr lang="nl-BE" dirty="0">
+                <a:latin typeface="Roboto" panose="02000000000000000000" pitchFamily="2" charset="0"/>
+                <a:ea typeface="Roboto" panose="02000000000000000000" pitchFamily="2" charset="0"/>
+              </a:rPr>
+              <a:t>We kunnen componenten ook nesten in elkaar:</a:t>
+            </a:r>
+          </a:p>
+        </p:txBody>
+      </p:sp>
+      <p:pic>
+        <p:nvPicPr>
+          <p:cNvPr id="5" name="Afbeelding 4"/>
+          <p:cNvPicPr>
+            <a:picLocks noChangeAspect="1"/>
+          </p:cNvPicPr>
+          <p:nvPr/>
+        </p:nvPicPr>
+        <p:blipFill>
+          <a:blip r:embed="rId3"/>
+          <a:stretch>
+            <a:fillRect/>
+          </a:stretch>
+        </p:blipFill>
+        <p:spPr>
+          <a:xfrm>
+            <a:off x="796954" y="5436634"/>
+            <a:ext cx="4933950" cy="447675"/>
+          </a:xfrm>
+          <a:prstGeom prst="rect">
+            <a:avLst/>
+          </a:prstGeom>
+        </p:spPr>
+      </p:pic>
+      <p:sp>
+        <p:nvSpPr>
+          <p:cNvPr id="6" name="Tekstvak 5"/>
+          <p:cNvSpPr txBox="1"/>
+          <p:nvPr/>
+        </p:nvSpPr>
+        <p:spPr>
+          <a:xfrm>
+            <a:off x="796954" y="6149130"/>
+            <a:ext cx="10486239" cy="369332"/>
+          </a:xfrm>
+          <a:prstGeom prst="rect">
+            <a:avLst/>
+          </a:prstGeom>
+          <a:noFill/>
+        </p:spPr>
+        <p:txBody>
+          <a:bodyPr wrap="square" rtlCol="0">
+            <a:spAutoFit/>
+          </a:bodyPr>
+          <a:lstStyle/>
+          <a:p>
+            <a:r>
+              <a:rPr lang="nl-BE" dirty="0">
+                <a:latin typeface="Roboto" panose="02000000000000000000" pitchFamily="2" charset="0"/>
+                <a:ea typeface="Roboto" panose="02000000000000000000" pitchFamily="2" charset="0"/>
+              </a:rPr>
+              <a:t>Zoals je ziet gebruikt vue een heel efficiënte manier om herhaling van code te voorkomen.</a:t>
+            </a:r>
+          </a:p>
+        </p:txBody>
+      </p:sp>
+    </p:spTree>
+    <p:extLst>
+      <p:ext uri="{BB962C8B-B14F-4D97-AF65-F5344CB8AC3E}">
+        <p14:creationId xmlns:p14="http://schemas.microsoft.com/office/powerpoint/2010/main" val="764489713"/>
+      </p:ext>
+    </p:extLst>
+  </p:cSld>
+  <p:clrMapOvr>
+    <a:masterClrMapping/>
+  </p:clrMapOvr>
+</p:sld>
+</file>
+
+<file path=ppt/slides/slide27.xml><?xml version="1.0" encoding="utf-8"?>
+<p:sld xmlns:a="http://schemas.openxmlformats.org/drawingml/2006/main" xmlns:r="http://schemas.openxmlformats.org/officeDocument/2006/relationships" xmlns:p="http://schemas.openxmlformats.org/presentationml/2006/main">
+  <p:cSld>
+    <p:spTree>
+      <p:nvGrpSpPr>
+        <p:cNvPr id="1" name=""/>
+        <p:cNvGrpSpPr/>
+        <p:nvPr/>
+      </p:nvGrpSpPr>
+      <p:grpSpPr>
+        <a:xfrm>
+          <a:off x="0" y="0"/>
+          <a:ext cx="0" cy="0"/>
+          <a:chOff x="0" y="0"/>
+          <a:chExt cx="0" cy="0"/>
+        </a:xfrm>
+      </p:grpSpPr>
+      <p:sp>
+        <p:nvSpPr>
+          <p:cNvPr id="2" name="Tekstvak 1"/>
+          <p:cNvSpPr txBox="1"/>
+          <p:nvPr/>
+        </p:nvSpPr>
+        <p:spPr>
+          <a:xfrm>
+            <a:off x="604007" y="360727"/>
+            <a:ext cx="10914077" cy="369332"/>
+          </a:xfrm>
+          <a:prstGeom prst="rect">
+            <a:avLst/>
+          </a:prstGeom>
+          <a:noFill/>
+        </p:spPr>
+        <p:txBody>
+          <a:bodyPr wrap="square" rtlCol="0">
+            <a:spAutoFit/>
+          </a:bodyPr>
+          <a:lstStyle/>
+          <a:p>
+            <a:r>
+              <a:rPr lang="nl-BE" b="1" dirty="0">
+                <a:latin typeface="Roboto" panose="02000000000000000000" pitchFamily="2" charset="0"/>
+                <a:ea typeface="Roboto" panose="02000000000000000000" pitchFamily="2" charset="0"/>
+              </a:rPr>
+              <a:t>Communicatie tussen </a:t>
+            </a:r>
+            <a:r>
+              <a:rPr lang="nl-BE" b="1" dirty="0" err="1">
+                <a:latin typeface="Roboto" panose="02000000000000000000" pitchFamily="2" charset="0"/>
+                <a:ea typeface="Roboto" panose="02000000000000000000" pitchFamily="2" charset="0"/>
+              </a:rPr>
+              <a:t>parent</a:t>
+            </a:r>
+            <a:r>
+              <a:rPr lang="nl-BE" b="1" dirty="0">
+                <a:latin typeface="Roboto" panose="02000000000000000000" pitchFamily="2" charset="0"/>
+                <a:ea typeface="Roboto" panose="02000000000000000000" pitchFamily="2" charset="0"/>
+              </a:rPr>
+              <a:t> en </a:t>
+            </a:r>
+            <a:r>
+              <a:rPr lang="nl-BE" b="1" dirty="0" err="1">
+                <a:latin typeface="Roboto" panose="02000000000000000000" pitchFamily="2" charset="0"/>
+                <a:ea typeface="Roboto" panose="02000000000000000000" pitchFamily="2" charset="0"/>
+              </a:rPr>
+              <a:t>child</a:t>
+            </a:r>
+            <a:r>
+              <a:rPr lang="nl-BE" b="1" dirty="0">
+                <a:latin typeface="Roboto" panose="02000000000000000000" pitchFamily="2" charset="0"/>
+                <a:ea typeface="Roboto" panose="02000000000000000000" pitchFamily="2" charset="0"/>
+              </a:rPr>
+              <a:t> componenten.</a:t>
+            </a:r>
+          </a:p>
+        </p:txBody>
+      </p:sp>
+      <p:pic>
+        <p:nvPicPr>
+          <p:cNvPr id="3" name="Afbeelding 2"/>
+          <p:cNvPicPr>
+            <a:picLocks noChangeAspect="1"/>
+          </p:cNvPicPr>
+          <p:nvPr/>
+        </p:nvPicPr>
+        <p:blipFill>
+          <a:blip r:embed="rId2"/>
+          <a:stretch>
+            <a:fillRect/>
+          </a:stretch>
+        </p:blipFill>
+        <p:spPr>
+          <a:xfrm>
+            <a:off x="813103" y="2055977"/>
+            <a:ext cx="3143250" cy="2962275"/>
+          </a:xfrm>
+          <a:prstGeom prst="rect">
+            <a:avLst/>
+          </a:prstGeom>
+        </p:spPr>
+      </p:pic>
+      <p:sp>
+        <p:nvSpPr>
+          <p:cNvPr id="7" name="Tekstvak 6"/>
+          <p:cNvSpPr txBox="1"/>
+          <p:nvPr/>
+        </p:nvSpPr>
+        <p:spPr>
+          <a:xfrm>
+            <a:off x="4077050" y="2768367"/>
+            <a:ext cx="7080308" cy="1754326"/>
+          </a:xfrm>
+          <a:prstGeom prst="rect">
+            <a:avLst/>
+          </a:prstGeom>
+          <a:noFill/>
+        </p:spPr>
+        <p:txBody>
+          <a:bodyPr wrap="square" rtlCol="0">
+            <a:spAutoFit/>
+          </a:bodyPr>
+          <a:lstStyle/>
+          <a:p>
+            <a:r>
+              <a:rPr lang="nl-BE" dirty="0">
+                <a:latin typeface="Roboto" panose="02000000000000000000" pitchFamily="2" charset="0"/>
+                <a:ea typeface="Roboto" panose="02000000000000000000" pitchFamily="2" charset="0"/>
+              </a:rPr>
+              <a:t>De componenten van vue zijn gemaakt om in elkaar te gebruiken. Om goed te begrijpen hoe 2 geneste componenten met elkaar communiceren bestaat er dit schema. </a:t>
+            </a:r>
+          </a:p>
+          <a:p>
             <a:endParaRPr lang="nl-BE" dirty="0">
               <a:latin typeface="Roboto" panose="02000000000000000000" pitchFamily="2" charset="0"/>
               <a:ea typeface="Roboto" panose="02000000000000000000" pitchFamily="2" charset="0"/>
             </a:endParaRPr>
           </a:p>
+          <a:p>
+            <a:r>
+              <a:rPr lang="nl-BE" dirty="0">
+                <a:latin typeface="Roboto" panose="02000000000000000000" pitchFamily="2" charset="0"/>
+                <a:ea typeface="Roboto" panose="02000000000000000000" pitchFamily="2" charset="0"/>
+              </a:rPr>
+              <a:t>We zullen beginnen met de communicatie van </a:t>
+            </a:r>
+            <a:r>
+              <a:rPr lang="nl-BE" dirty="0" err="1">
+                <a:latin typeface="Roboto" panose="02000000000000000000" pitchFamily="2" charset="0"/>
+                <a:ea typeface="Roboto" panose="02000000000000000000" pitchFamily="2" charset="0"/>
+              </a:rPr>
+              <a:t>parent</a:t>
+            </a:r>
+            <a:r>
+              <a:rPr lang="nl-BE" dirty="0">
+                <a:latin typeface="Roboto" panose="02000000000000000000" pitchFamily="2" charset="0"/>
+                <a:ea typeface="Roboto" panose="02000000000000000000" pitchFamily="2" charset="0"/>
+              </a:rPr>
+              <a:t> naar </a:t>
+            </a:r>
+            <a:r>
+              <a:rPr lang="nl-BE" dirty="0" err="1">
+                <a:latin typeface="Roboto" panose="02000000000000000000" pitchFamily="2" charset="0"/>
+                <a:ea typeface="Roboto" panose="02000000000000000000" pitchFamily="2" charset="0"/>
+              </a:rPr>
+              <a:t>child</a:t>
+            </a:r>
+            <a:r>
+              <a:rPr lang="nl-BE" dirty="0">
+                <a:latin typeface="Roboto" panose="02000000000000000000" pitchFamily="2" charset="0"/>
+                <a:ea typeface="Roboto" panose="02000000000000000000" pitchFamily="2" charset="0"/>
+              </a:rPr>
+              <a:t> met behulp van </a:t>
+            </a:r>
+            <a:r>
+              <a:rPr lang="nl-BE" b="1" dirty="0" err="1">
+                <a:latin typeface="Roboto" panose="02000000000000000000" pitchFamily="2" charset="0"/>
+                <a:ea typeface="Roboto" panose="02000000000000000000" pitchFamily="2" charset="0"/>
+              </a:rPr>
+              <a:t>props</a:t>
+            </a:r>
+            <a:r>
+              <a:rPr lang="nl-BE" dirty="0">
+                <a:latin typeface="Roboto" panose="02000000000000000000" pitchFamily="2" charset="0"/>
+                <a:ea typeface="Roboto" panose="02000000000000000000" pitchFamily="2" charset="0"/>
+              </a:rPr>
+              <a:t>.</a:t>
+            </a:r>
+          </a:p>
         </p:txBody>
       </p:sp>
     </p:spTree>
     <p:extLst>
       <p:ext uri="{BB962C8B-B14F-4D97-AF65-F5344CB8AC3E}">
-        <p14:creationId xmlns:p14="http://schemas.microsoft.com/office/powerpoint/2010/main" val="1304789521"/>
+        <p14:creationId xmlns:p14="http://schemas.microsoft.com/office/powerpoint/2010/main" val="4024913399"/>
+      </p:ext>
+    </p:extLst>
+  </p:cSld>
+  <p:clrMapOvr>
+    <a:masterClrMapping/>
+  </p:clrMapOvr>
+</p:sld>
+</file>
+
+<file path=ppt/slides/slide28.xml><?xml version="1.0" encoding="utf-8"?>
+<p:sld xmlns:a="http://schemas.openxmlformats.org/drawingml/2006/main" xmlns:r="http://schemas.openxmlformats.org/officeDocument/2006/relationships" xmlns:p="http://schemas.openxmlformats.org/presentationml/2006/main">
+  <p:cSld>
+    <p:spTree>
+      <p:nvGrpSpPr>
+        <p:cNvPr id="1" name=""/>
+        <p:cNvGrpSpPr/>
+        <p:nvPr/>
+      </p:nvGrpSpPr>
+      <p:grpSpPr>
+        <a:xfrm>
+          <a:off x="0" y="0"/>
+          <a:ext cx="0" cy="0"/>
+          <a:chOff x="0" y="0"/>
+          <a:chExt cx="0" cy="0"/>
+        </a:xfrm>
+      </p:grpSpPr>
+      <p:sp>
+        <p:nvSpPr>
+          <p:cNvPr id="2" name="Tekstvak 1"/>
+          <p:cNvSpPr txBox="1"/>
+          <p:nvPr/>
+        </p:nvSpPr>
+        <p:spPr>
+          <a:xfrm>
+            <a:off x="755009" y="444617"/>
+            <a:ext cx="10645630" cy="369332"/>
+          </a:xfrm>
+          <a:prstGeom prst="rect">
+            <a:avLst/>
+          </a:prstGeom>
+          <a:noFill/>
+        </p:spPr>
+        <p:txBody>
+          <a:bodyPr wrap="square" rtlCol="0">
+            <a:spAutoFit/>
+          </a:bodyPr>
+          <a:lstStyle/>
+          <a:p>
+            <a:r>
+              <a:rPr lang="nl-BE" b="1" dirty="0" err="1">
+                <a:latin typeface="Roboto" panose="02000000000000000000" pitchFamily="2" charset="0"/>
+                <a:ea typeface="Roboto" panose="02000000000000000000" pitchFamily="2" charset="0"/>
+              </a:rPr>
+              <a:t>Props</a:t>
+            </a:r>
+            <a:endParaRPr lang="nl-BE" b="1" dirty="0">
+              <a:latin typeface="Roboto" panose="02000000000000000000" pitchFamily="2" charset="0"/>
+              <a:ea typeface="Roboto" panose="02000000000000000000" pitchFamily="2" charset="0"/>
+            </a:endParaRPr>
+          </a:p>
+        </p:txBody>
+      </p:sp>
+      <p:sp>
+        <p:nvSpPr>
+          <p:cNvPr id="3" name="Tekstvak 2"/>
+          <p:cNvSpPr txBox="1"/>
+          <p:nvPr/>
+        </p:nvSpPr>
+        <p:spPr>
+          <a:xfrm>
+            <a:off x="755009" y="1060683"/>
+            <a:ext cx="10553351" cy="646331"/>
+          </a:xfrm>
+          <a:prstGeom prst="rect">
+            <a:avLst/>
+          </a:prstGeom>
+          <a:noFill/>
+        </p:spPr>
+        <p:txBody>
+          <a:bodyPr wrap="square" rtlCol="0">
+            <a:spAutoFit/>
+          </a:bodyPr>
+          <a:lstStyle/>
+          <a:p>
+            <a:r>
+              <a:rPr lang="nl-BE" dirty="0"/>
+              <a:t>Om data van de </a:t>
+            </a:r>
+            <a:r>
+              <a:rPr lang="nl-BE" dirty="0" err="1"/>
+              <a:t>parent</a:t>
+            </a:r>
+            <a:r>
+              <a:rPr lang="nl-BE" dirty="0"/>
+              <a:t> component naar de </a:t>
+            </a:r>
+            <a:r>
+              <a:rPr lang="nl-BE" dirty="0" err="1"/>
+              <a:t>child</a:t>
+            </a:r>
+            <a:r>
+              <a:rPr lang="nl-BE" dirty="0"/>
+              <a:t> component te krijgen moeten we </a:t>
+            </a:r>
+            <a:r>
+              <a:rPr lang="nl-BE" dirty="0" err="1"/>
+              <a:t>props</a:t>
+            </a:r>
+            <a:r>
+              <a:rPr lang="nl-BE" dirty="0"/>
+              <a:t> gebruiken. Om dit mogelijk te maken moeten we bij de </a:t>
+            </a:r>
+            <a:r>
+              <a:rPr lang="nl-BE" dirty="0" err="1"/>
+              <a:t>child</a:t>
+            </a:r>
+            <a:r>
+              <a:rPr lang="nl-BE" dirty="0"/>
+              <a:t> component een </a:t>
+            </a:r>
+            <a:r>
+              <a:rPr lang="nl-BE" dirty="0" err="1"/>
+              <a:t>props</a:t>
+            </a:r>
+            <a:r>
+              <a:rPr lang="nl-BE" dirty="0"/>
+              <a:t> array meegeven.</a:t>
+            </a:r>
+          </a:p>
+        </p:txBody>
+      </p:sp>
+      <p:pic>
+        <p:nvPicPr>
+          <p:cNvPr id="4" name="Afbeelding 3"/>
+          <p:cNvPicPr>
+            <a:picLocks noChangeAspect="1"/>
+          </p:cNvPicPr>
+          <p:nvPr/>
+        </p:nvPicPr>
+        <p:blipFill>
+          <a:blip r:embed="rId2"/>
+          <a:stretch>
+            <a:fillRect/>
+          </a:stretch>
+        </p:blipFill>
+        <p:spPr>
+          <a:xfrm>
+            <a:off x="847288" y="2097410"/>
+            <a:ext cx="1809750" cy="371475"/>
+          </a:xfrm>
+          <a:prstGeom prst="rect">
+            <a:avLst/>
+          </a:prstGeom>
+        </p:spPr>
+      </p:pic>
+      <p:pic>
+        <p:nvPicPr>
+          <p:cNvPr id="5" name="Afbeelding 4"/>
+          <p:cNvPicPr>
+            <a:picLocks noChangeAspect="1"/>
+          </p:cNvPicPr>
+          <p:nvPr/>
+        </p:nvPicPr>
+        <p:blipFill>
+          <a:blip r:embed="rId3"/>
+          <a:stretch>
+            <a:fillRect/>
+          </a:stretch>
+        </p:blipFill>
+        <p:spPr>
+          <a:xfrm>
+            <a:off x="847288" y="3410998"/>
+            <a:ext cx="3600450" cy="400050"/>
+          </a:xfrm>
+          <a:prstGeom prst="rect">
+            <a:avLst/>
+          </a:prstGeom>
+        </p:spPr>
+      </p:pic>
+      <p:sp>
+        <p:nvSpPr>
+          <p:cNvPr id="6" name="Tekstvak 5"/>
+          <p:cNvSpPr txBox="1"/>
+          <p:nvPr/>
+        </p:nvSpPr>
+        <p:spPr>
+          <a:xfrm>
+            <a:off x="755009" y="2757402"/>
+            <a:ext cx="9103774" cy="369332"/>
+          </a:xfrm>
+          <a:prstGeom prst="rect">
+            <a:avLst/>
+          </a:prstGeom>
+          <a:noFill/>
+        </p:spPr>
+        <p:txBody>
+          <a:bodyPr wrap="none" rtlCol="0">
+            <a:spAutoFit/>
+          </a:bodyPr>
+          <a:lstStyle/>
+          <a:p>
+            <a:r>
+              <a:rPr lang="nl-BE" dirty="0">
+                <a:latin typeface="Roboto" panose="02000000000000000000" pitchFamily="2" charset="0"/>
+                <a:ea typeface="Roboto" panose="02000000000000000000" pitchFamily="2" charset="0"/>
+              </a:rPr>
+              <a:t>Dit kan dan gebruikt worden door de </a:t>
+            </a:r>
+            <a:r>
+              <a:rPr lang="nl-BE" dirty="0" err="1">
+                <a:latin typeface="Roboto" panose="02000000000000000000" pitchFamily="2" charset="0"/>
+                <a:ea typeface="Roboto" panose="02000000000000000000" pitchFamily="2" charset="0"/>
+              </a:rPr>
+              <a:t>parent</a:t>
+            </a:r>
+            <a:r>
+              <a:rPr lang="nl-BE" dirty="0">
+                <a:latin typeface="Roboto" panose="02000000000000000000" pitchFamily="2" charset="0"/>
+                <a:ea typeface="Roboto" panose="02000000000000000000" pitchFamily="2" charset="0"/>
+              </a:rPr>
+              <a:t> in de html of in de template van de Parent.</a:t>
+            </a:r>
+          </a:p>
+        </p:txBody>
+      </p:sp>
+      <p:sp>
+        <p:nvSpPr>
+          <p:cNvPr id="7" name="Tekstvak 6"/>
+          <p:cNvSpPr txBox="1"/>
+          <p:nvPr/>
+        </p:nvSpPr>
+        <p:spPr>
+          <a:xfrm>
+            <a:off x="755009" y="4095312"/>
+            <a:ext cx="10855354" cy="1200329"/>
+          </a:xfrm>
+          <a:prstGeom prst="rect">
+            <a:avLst/>
+          </a:prstGeom>
+          <a:noFill/>
+        </p:spPr>
+        <p:txBody>
+          <a:bodyPr wrap="square" rtlCol="0">
+            <a:spAutoFit/>
+          </a:bodyPr>
+          <a:lstStyle/>
+          <a:p>
+            <a:r>
+              <a:rPr lang="nl-BE" dirty="0">
+                <a:latin typeface="Roboto" panose="02000000000000000000" pitchFamily="2" charset="0"/>
+                <a:ea typeface="Roboto" panose="02000000000000000000" pitchFamily="2" charset="0"/>
+              </a:rPr>
+              <a:t>In de </a:t>
+            </a:r>
+            <a:r>
+              <a:rPr lang="nl-BE" dirty="0" err="1">
+                <a:latin typeface="Roboto" panose="02000000000000000000" pitchFamily="2" charset="0"/>
+                <a:ea typeface="Roboto" panose="02000000000000000000" pitchFamily="2" charset="0"/>
+              </a:rPr>
+              <a:t>child</a:t>
+            </a:r>
+            <a:r>
+              <a:rPr lang="nl-BE" dirty="0">
+                <a:latin typeface="Roboto" panose="02000000000000000000" pitchFamily="2" charset="0"/>
+                <a:ea typeface="Roboto" panose="02000000000000000000" pitchFamily="2" charset="0"/>
+              </a:rPr>
+              <a:t> component kan de prop ook gebruikt worden in methodes of </a:t>
+            </a:r>
+            <a:r>
+              <a:rPr lang="nl-BE" dirty="0" err="1">
+                <a:latin typeface="Roboto" panose="02000000000000000000" pitchFamily="2" charset="0"/>
+                <a:ea typeface="Roboto" panose="02000000000000000000" pitchFamily="2" charset="0"/>
+              </a:rPr>
+              <a:t>computed</a:t>
+            </a:r>
+            <a:r>
+              <a:rPr lang="nl-BE" dirty="0">
+                <a:latin typeface="Roboto" panose="02000000000000000000" pitchFamily="2" charset="0"/>
+                <a:ea typeface="Roboto" panose="02000000000000000000" pitchFamily="2" charset="0"/>
+              </a:rPr>
+              <a:t> </a:t>
+            </a:r>
+            <a:r>
+              <a:rPr lang="nl-BE" dirty="0" err="1">
+                <a:latin typeface="Roboto" panose="02000000000000000000" pitchFamily="2" charset="0"/>
+                <a:ea typeface="Roboto" panose="02000000000000000000" pitchFamily="2" charset="0"/>
+              </a:rPr>
+              <a:t>properties</a:t>
+            </a:r>
+            <a:r>
+              <a:rPr lang="nl-BE" dirty="0">
+                <a:latin typeface="Roboto" panose="02000000000000000000" pitchFamily="2" charset="0"/>
+                <a:ea typeface="Roboto" panose="02000000000000000000" pitchFamily="2" charset="0"/>
+              </a:rPr>
+              <a:t> uiteraard.</a:t>
+            </a:r>
+          </a:p>
+          <a:p>
+            <a:r>
+              <a:rPr lang="nl-BE" dirty="0">
+                <a:latin typeface="Roboto" panose="02000000000000000000" pitchFamily="2" charset="0"/>
+                <a:ea typeface="Roboto" panose="02000000000000000000" pitchFamily="2" charset="0"/>
+              </a:rPr>
+              <a:t>De prop kan gebruik maken van deze </a:t>
+            </a:r>
+            <a:r>
+              <a:rPr lang="nl-BE" dirty="0" err="1">
+                <a:latin typeface="Roboto" panose="02000000000000000000" pitchFamily="2" charset="0"/>
+                <a:ea typeface="Roboto" panose="02000000000000000000" pitchFamily="2" charset="0"/>
+              </a:rPr>
+              <a:t>properties</a:t>
+            </a:r>
+            <a:r>
+              <a:rPr lang="nl-BE" dirty="0">
+                <a:latin typeface="Roboto" panose="02000000000000000000" pitchFamily="2" charset="0"/>
+                <a:ea typeface="Roboto" panose="02000000000000000000" pitchFamily="2" charset="0"/>
+              </a:rPr>
+              <a:t> op dezelfde manier als een ander element van het data object.</a:t>
+            </a:r>
+          </a:p>
+          <a:p>
+            <a:endParaRPr lang="nl-BE" dirty="0"/>
+          </a:p>
+        </p:txBody>
+      </p:sp>
+      <p:pic>
+        <p:nvPicPr>
+          <p:cNvPr id="8" name="Afbeelding 7"/>
+          <p:cNvPicPr>
+            <a:picLocks noChangeAspect="1"/>
+          </p:cNvPicPr>
+          <p:nvPr/>
+        </p:nvPicPr>
+        <p:blipFill>
+          <a:blip r:embed="rId4"/>
+          <a:stretch>
+            <a:fillRect/>
+          </a:stretch>
+        </p:blipFill>
+        <p:spPr>
+          <a:xfrm>
+            <a:off x="847288" y="5216160"/>
+            <a:ext cx="4810125" cy="1190625"/>
+          </a:xfrm>
+          <a:prstGeom prst="rect">
+            <a:avLst/>
+          </a:prstGeom>
+        </p:spPr>
+      </p:pic>
+      <p:sp>
+        <p:nvSpPr>
+          <p:cNvPr id="9" name="Tekstvak 8"/>
+          <p:cNvSpPr txBox="1"/>
+          <p:nvPr/>
+        </p:nvSpPr>
+        <p:spPr>
+          <a:xfrm>
+            <a:off x="6090407" y="5216160"/>
+            <a:ext cx="5310232" cy="923330"/>
+          </a:xfrm>
+          <a:prstGeom prst="rect">
+            <a:avLst/>
+          </a:prstGeom>
+          <a:noFill/>
+        </p:spPr>
+        <p:txBody>
+          <a:bodyPr wrap="square" rtlCol="0">
+            <a:spAutoFit/>
+          </a:bodyPr>
+          <a:lstStyle/>
+          <a:p>
+            <a:r>
+              <a:rPr lang="nl-BE" dirty="0"/>
+              <a:t>Een prop werkt maar in 1 richting. De </a:t>
+            </a:r>
+            <a:r>
+              <a:rPr lang="nl-BE" dirty="0" err="1"/>
+              <a:t>parent</a:t>
+            </a:r>
+            <a:r>
+              <a:rPr lang="nl-BE" dirty="0"/>
+              <a:t> is de enige die de prop kan wijzigen. Als deze wordt </a:t>
+            </a:r>
+            <a:r>
+              <a:rPr lang="nl-BE" dirty="0" err="1"/>
+              <a:t>gewijzigt</a:t>
+            </a:r>
+            <a:r>
+              <a:rPr lang="nl-BE" dirty="0"/>
+              <a:t>, wijzigt de </a:t>
+            </a:r>
+            <a:r>
+              <a:rPr lang="nl-BE" dirty="0" err="1"/>
+              <a:t>child</a:t>
+            </a:r>
+            <a:r>
+              <a:rPr lang="nl-BE" dirty="0"/>
+              <a:t> component mee.</a:t>
+            </a:r>
+          </a:p>
+        </p:txBody>
+      </p:sp>
+    </p:spTree>
+    <p:extLst>
+      <p:ext uri="{BB962C8B-B14F-4D97-AF65-F5344CB8AC3E}">
+        <p14:creationId xmlns:p14="http://schemas.microsoft.com/office/powerpoint/2010/main" val="4179519870"/>
+      </p:ext>
+    </p:extLst>
+  </p:cSld>
+  <p:clrMapOvr>
+    <a:masterClrMapping/>
+  </p:clrMapOvr>
+</p:sld>
+</file>
+
+<file path=ppt/slides/slide29.xml><?xml version="1.0" encoding="utf-8"?>
+<p:sld xmlns:a="http://schemas.openxmlformats.org/drawingml/2006/main" xmlns:r="http://schemas.openxmlformats.org/officeDocument/2006/relationships" xmlns:p="http://schemas.openxmlformats.org/presentationml/2006/main">
+  <p:cSld>
+    <p:spTree>
+      <p:nvGrpSpPr>
+        <p:cNvPr id="1" name=""/>
+        <p:cNvGrpSpPr/>
+        <p:nvPr/>
+      </p:nvGrpSpPr>
+      <p:grpSpPr>
+        <a:xfrm>
+          <a:off x="0" y="0"/>
+          <a:ext cx="0" cy="0"/>
+          <a:chOff x="0" y="0"/>
+          <a:chExt cx="0" cy="0"/>
+        </a:xfrm>
+      </p:grpSpPr>
+      <p:sp>
+        <p:nvSpPr>
+          <p:cNvPr id="2" name="Tekstvak 1"/>
+          <p:cNvSpPr txBox="1"/>
+          <p:nvPr/>
+        </p:nvSpPr>
+        <p:spPr>
+          <a:xfrm>
+            <a:off x="511728" y="369116"/>
+            <a:ext cx="11140580" cy="369332"/>
+          </a:xfrm>
+          <a:prstGeom prst="rect">
+            <a:avLst/>
+          </a:prstGeom>
+          <a:noFill/>
+        </p:spPr>
+        <p:txBody>
+          <a:bodyPr wrap="square" rtlCol="0">
+            <a:spAutoFit/>
+          </a:bodyPr>
+          <a:lstStyle/>
+          <a:p>
+            <a:r>
+              <a:rPr lang="nl-BE" b="1" dirty="0" err="1">
+                <a:latin typeface="Roboto" panose="02000000000000000000" pitchFamily="2" charset="0"/>
+                <a:ea typeface="Roboto" panose="02000000000000000000" pitchFamily="2" charset="0"/>
+              </a:rPr>
+              <a:t>Literal</a:t>
+            </a:r>
+            <a:r>
+              <a:rPr lang="nl-BE" b="1" dirty="0">
+                <a:latin typeface="Roboto" panose="02000000000000000000" pitchFamily="2" charset="0"/>
+                <a:ea typeface="Roboto" panose="02000000000000000000" pitchFamily="2" charset="0"/>
+              </a:rPr>
+              <a:t> &amp; </a:t>
+            </a:r>
+            <a:r>
+              <a:rPr lang="nl-BE" b="1" dirty="0" err="1">
+                <a:latin typeface="Roboto" panose="02000000000000000000" pitchFamily="2" charset="0"/>
+                <a:ea typeface="Roboto" panose="02000000000000000000" pitchFamily="2" charset="0"/>
+              </a:rPr>
+              <a:t>dynamic</a:t>
+            </a:r>
+            <a:r>
+              <a:rPr lang="nl-BE" b="1" dirty="0">
+                <a:latin typeface="Roboto" panose="02000000000000000000" pitchFamily="2" charset="0"/>
+                <a:ea typeface="Roboto" panose="02000000000000000000" pitchFamily="2" charset="0"/>
+              </a:rPr>
+              <a:t> </a:t>
+            </a:r>
+            <a:r>
+              <a:rPr lang="nl-BE" b="1" dirty="0" err="1">
+                <a:latin typeface="Roboto" panose="02000000000000000000" pitchFamily="2" charset="0"/>
+                <a:ea typeface="Roboto" panose="02000000000000000000" pitchFamily="2" charset="0"/>
+              </a:rPr>
+              <a:t>props</a:t>
+            </a:r>
+            <a:endParaRPr lang="nl-BE" b="1" dirty="0">
+              <a:latin typeface="Roboto" panose="02000000000000000000" pitchFamily="2" charset="0"/>
+              <a:ea typeface="Roboto" panose="02000000000000000000" pitchFamily="2" charset="0"/>
+            </a:endParaRPr>
+          </a:p>
+        </p:txBody>
+      </p:sp>
+      <p:sp>
+        <p:nvSpPr>
+          <p:cNvPr id="3" name="Tekstvak 2"/>
+          <p:cNvSpPr txBox="1"/>
+          <p:nvPr/>
+        </p:nvSpPr>
+        <p:spPr>
+          <a:xfrm>
+            <a:off x="511728" y="1206892"/>
+            <a:ext cx="10729520" cy="646331"/>
+          </a:xfrm>
+          <a:prstGeom prst="rect">
+            <a:avLst/>
+          </a:prstGeom>
+          <a:noFill/>
+        </p:spPr>
+        <p:txBody>
+          <a:bodyPr wrap="square" rtlCol="0">
+            <a:spAutoFit/>
+          </a:bodyPr>
+          <a:lstStyle/>
+          <a:p>
+            <a:r>
+              <a:rPr lang="nl-BE" dirty="0">
+                <a:latin typeface="Roboto" panose="02000000000000000000" pitchFamily="2" charset="0"/>
+                <a:ea typeface="Roboto" panose="02000000000000000000" pitchFamily="2" charset="0"/>
+              </a:rPr>
+              <a:t>Er worden vaak fouten gemaakt waarbij </a:t>
+            </a:r>
+            <a:r>
+              <a:rPr lang="nl-BE" dirty="0" err="1">
+                <a:latin typeface="Roboto" panose="02000000000000000000" pitchFamily="2" charset="0"/>
+                <a:ea typeface="Roboto" panose="02000000000000000000" pitchFamily="2" charset="0"/>
+              </a:rPr>
+              <a:t>dynamic</a:t>
+            </a:r>
+            <a:r>
+              <a:rPr lang="nl-BE" dirty="0">
+                <a:latin typeface="Roboto" panose="02000000000000000000" pitchFamily="2" charset="0"/>
+                <a:ea typeface="Roboto" panose="02000000000000000000" pitchFamily="2" charset="0"/>
+              </a:rPr>
+              <a:t> </a:t>
+            </a:r>
+            <a:r>
+              <a:rPr lang="nl-BE" dirty="0" err="1">
+                <a:latin typeface="Roboto" panose="02000000000000000000" pitchFamily="2" charset="0"/>
+                <a:ea typeface="Roboto" panose="02000000000000000000" pitchFamily="2" charset="0"/>
+              </a:rPr>
+              <a:t>props</a:t>
+            </a:r>
+            <a:r>
+              <a:rPr lang="nl-BE" dirty="0">
+                <a:latin typeface="Roboto" panose="02000000000000000000" pitchFamily="2" charset="0"/>
+                <a:ea typeface="Roboto" panose="02000000000000000000" pitchFamily="2" charset="0"/>
+              </a:rPr>
+              <a:t> worden meegegeven als </a:t>
+            </a:r>
+            <a:r>
+              <a:rPr lang="nl-BE" dirty="0" err="1">
+                <a:latin typeface="Roboto" panose="02000000000000000000" pitchFamily="2" charset="0"/>
+                <a:ea typeface="Roboto" panose="02000000000000000000" pitchFamily="2" charset="0"/>
+              </a:rPr>
+              <a:t>literal</a:t>
+            </a:r>
+            <a:r>
+              <a:rPr lang="nl-BE" dirty="0">
+                <a:latin typeface="Roboto" panose="02000000000000000000" pitchFamily="2" charset="0"/>
+                <a:ea typeface="Roboto" panose="02000000000000000000" pitchFamily="2" charset="0"/>
+              </a:rPr>
+              <a:t> </a:t>
+            </a:r>
+            <a:r>
+              <a:rPr lang="nl-BE" dirty="0" err="1">
+                <a:latin typeface="Roboto" panose="02000000000000000000" pitchFamily="2" charset="0"/>
+                <a:ea typeface="Roboto" panose="02000000000000000000" pitchFamily="2" charset="0"/>
+              </a:rPr>
+              <a:t>props</a:t>
+            </a:r>
+            <a:r>
+              <a:rPr lang="nl-BE" dirty="0">
+                <a:latin typeface="Roboto" panose="02000000000000000000" pitchFamily="2" charset="0"/>
+                <a:ea typeface="Roboto" panose="02000000000000000000" pitchFamily="2" charset="0"/>
+              </a:rPr>
+              <a:t>. </a:t>
+            </a:r>
+            <a:br>
+              <a:rPr lang="nl-BE" dirty="0">
+                <a:latin typeface="Roboto" panose="02000000000000000000" pitchFamily="2" charset="0"/>
+                <a:ea typeface="Roboto" panose="02000000000000000000" pitchFamily="2" charset="0"/>
+              </a:rPr>
+            </a:br>
+            <a:r>
+              <a:rPr lang="nl-BE" dirty="0">
+                <a:latin typeface="Roboto" panose="02000000000000000000" pitchFamily="2" charset="0"/>
+                <a:ea typeface="Roboto" panose="02000000000000000000" pitchFamily="2" charset="0"/>
+              </a:rPr>
+              <a:t>Daarom dit puntje.</a:t>
+            </a:r>
+          </a:p>
+        </p:txBody>
+      </p:sp>
+      <p:pic>
+        <p:nvPicPr>
+          <p:cNvPr id="4" name="Afbeelding 3"/>
+          <p:cNvPicPr>
+            <a:picLocks noChangeAspect="1"/>
+          </p:cNvPicPr>
+          <p:nvPr/>
+        </p:nvPicPr>
+        <p:blipFill>
+          <a:blip r:embed="rId2"/>
+          <a:stretch>
+            <a:fillRect/>
+          </a:stretch>
+        </p:blipFill>
+        <p:spPr>
+          <a:xfrm>
+            <a:off x="590943" y="2895906"/>
+            <a:ext cx="2352675" cy="428625"/>
+          </a:xfrm>
+          <a:prstGeom prst="rect">
+            <a:avLst/>
+          </a:prstGeom>
+        </p:spPr>
+      </p:pic>
+      <p:sp>
+        <p:nvSpPr>
+          <p:cNvPr id="5" name="Tekstvak 4"/>
+          <p:cNvSpPr txBox="1"/>
+          <p:nvPr/>
+        </p:nvSpPr>
+        <p:spPr>
+          <a:xfrm>
+            <a:off x="511728" y="2093425"/>
+            <a:ext cx="9588617" cy="369332"/>
+          </a:xfrm>
+          <a:prstGeom prst="rect">
+            <a:avLst/>
+          </a:prstGeom>
+          <a:noFill/>
+        </p:spPr>
+        <p:txBody>
+          <a:bodyPr wrap="square" rtlCol="0">
+            <a:spAutoFit/>
+          </a:bodyPr>
+          <a:lstStyle/>
+          <a:p>
+            <a:r>
+              <a:rPr lang="nl-BE" dirty="0">
+                <a:latin typeface="Roboto" panose="02000000000000000000" pitchFamily="2" charset="0"/>
+                <a:ea typeface="Roboto" panose="02000000000000000000" pitchFamily="2" charset="0"/>
+              </a:rPr>
+              <a:t>Wil je iets </a:t>
+            </a:r>
+            <a:r>
+              <a:rPr lang="nl-BE" dirty="0" err="1">
+                <a:latin typeface="Roboto" panose="02000000000000000000" pitchFamily="2" charset="0"/>
+                <a:ea typeface="Roboto" panose="02000000000000000000" pitchFamily="2" charset="0"/>
+              </a:rPr>
+              <a:t>literal</a:t>
+            </a:r>
+            <a:r>
+              <a:rPr lang="nl-BE" dirty="0">
+                <a:latin typeface="Roboto" panose="02000000000000000000" pitchFamily="2" charset="0"/>
+                <a:ea typeface="Roboto" panose="02000000000000000000" pitchFamily="2" charset="0"/>
+              </a:rPr>
+              <a:t> meegeven ? Dan kan het zo:</a:t>
+            </a:r>
+          </a:p>
+        </p:txBody>
+      </p:sp>
+      <p:sp>
+        <p:nvSpPr>
+          <p:cNvPr id="7" name="Tekstvak 6"/>
+          <p:cNvSpPr txBox="1"/>
+          <p:nvPr/>
+        </p:nvSpPr>
+        <p:spPr>
+          <a:xfrm>
+            <a:off x="590943" y="3833769"/>
+            <a:ext cx="10096631" cy="923330"/>
+          </a:xfrm>
+          <a:prstGeom prst="rect">
+            <a:avLst/>
+          </a:prstGeom>
+          <a:noFill/>
+        </p:spPr>
+        <p:txBody>
+          <a:bodyPr wrap="square" rtlCol="0">
+            <a:spAutoFit/>
+          </a:bodyPr>
+          <a:lstStyle/>
+          <a:p>
+            <a:r>
+              <a:rPr lang="nl-BE" dirty="0">
+                <a:latin typeface="Roboto" panose="02000000000000000000" pitchFamily="2" charset="0"/>
+                <a:ea typeface="Roboto" panose="02000000000000000000" pitchFamily="2" charset="0"/>
+              </a:rPr>
+              <a:t>Maar wil je iets </a:t>
+            </a:r>
+            <a:r>
+              <a:rPr lang="nl-BE" dirty="0" err="1">
+                <a:latin typeface="Roboto" panose="02000000000000000000" pitchFamily="2" charset="0"/>
+                <a:ea typeface="Roboto" panose="02000000000000000000" pitchFamily="2" charset="0"/>
+              </a:rPr>
+              <a:t>dynamic</a:t>
+            </a:r>
+            <a:r>
+              <a:rPr lang="nl-BE" dirty="0">
+                <a:latin typeface="Roboto" panose="02000000000000000000" pitchFamily="2" charset="0"/>
+                <a:ea typeface="Roboto" panose="02000000000000000000" pitchFamily="2" charset="0"/>
+              </a:rPr>
+              <a:t> meegeven ? Dus wil je die “1” niet als string maar als getal meegeven ? Dan zal je v-bind moeten gebruiken.</a:t>
+            </a:r>
+          </a:p>
+          <a:p>
+            <a:endParaRPr lang="nl-BE" dirty="0">
+              <a:latin typeface="Roboto" panose="02000000000000000000" pitchFamily="2" charset="0"/>
+              <a:ea typeface="Roboto" panose="02000000000000000000" pitchFamily="2" charset="0"/>
+            </a:endParaRPr>
+          </a:p>
+        </p:txBody>
+      </p:sp>
+      <p:pic>
+        <p:nvPicPr>
+          <p:cNvPr id="8" name="Afbeelding 7"/>
+          <p:cNvPicPr>
+            <a:picLocks noChangeAspect="1"/>
+          </p:cNvPicPr>
+          <p:nvPr/>
+        </p:nvPicPr>
+        <p:blipFill>
+          <a:blip r:embed="rId3"/>
+          <a:stretch>
+            <a:fillRect/>
+          </a:stretch>
+        </p:blipFill>
+        <p:spPr>
+          <a:xfrm>
+            <a:off x="590943" y="5112171"/>
+            <a:ext cx="2933700" cy="542925"/>
+          </a:xfrm>
+          <a:prstGeom prst="rect">
+            <a:avLst/>
+          </a:prstGeom>
+        </p:spPr>
+      </p:pic>
+    </p:spTree>
+    <p:extLst>
+      <p:ext uri="{BB962C8B-B14F-4D97-AF65-F5344CB8AC3E}">
+        <p14:creationId xmlns:p14="http://schemas.microsoft.com/office/powerpoint/2010/main" val="2127228195"/>
       </p:ext>
     </p:extLst>
   </p:cSld>
@@ -8689,6 +9667,698 @@
     <p:extLst>
       <p:ext uri="{BB962C8B-B14F-4D97-AF65-F5344CB8AC3E}">
         <p14:creationId xmlns:p14="http://schemas.microsoft.com/office/powerpoint/2010/main" val="928306737"/>
+      </p:ext>
+    </p:extLst>
+  </p:cSld>
+  <p:clrMapOvr>
+    <a:masterClrMapping/>
+  </p:clrMapOvr>
+</p:sld>
+</file>
+
+<file path=ppt/slides/slide30.xml><?xml version="1.0" encoding="utf-8"?>
+<p:sld xmlns:a="http://schemas.openxmlformats.org/drawingml/2006/main" xmlns:r="http://schemas.openxmlformats.org/officeDocument/2006/relationships" xmlns:p="http://schemas.openxmlformats.org/presentationml/2006/main">
+  <p:cSld>
+    <p:spTree>
+      <p:nvGrpSpPr>
+        <p:cNvPr id="1" name=""/>
+        <p:cNvGrpSpPr/>
+        <p:nvPr/>
+      </p:nvGrpSpPr>
+      <p:grpSpPr>
+        <a:xfrm>
+          <a:off x="0" y="0"/>
+          <a:ext cx="0" cy="0"/>
+          <a:chOff x="0" y="0"/>
+          <a:chExt cx="0" cy="0"/>
+        </a:xfrm>
+      </p:grpSpPr>
+      <p:sp>
+        <p:nvSpPr>
+          <p:cNvPr id="2" name="Tekstvak 1"/>
+          <p:cNvSpPr txBox="1"/>
+          <p:nvPr/>
+        </p:nvSpPr>
+        <p:spPr>
+          <a:xfrm>
+            <a:off x="620785" y="226503"/>
+            <a:ext cx="11031523" cy="369332"/>
+          </a:xfrm>
+          <a:prstGeom prst="rect">
+            <a:avLst/>
+          </a:prstGeom>
+          <a:noFill/>
+        </p:spPr>
+        <p:txBody>
+          <a:bodyPr wrap="square" rtlCol="0">
+            <a:spAutoFit/>
+          </a:bodyPr>
+          <a:lstStyle/>
+          <a:p>
+            <a:r>
+              <a:rPr lang="nl-BE" b="1" dirty="0">
+                <a:latin typeface="Roboto" panose="02000000000000000000" pitchFamily="2" charset="0"/>
+                <a:ea typeface="Roboto" panose="02000000000000000000" pitchFamily="2" charset="0"/>
+              </a:rPr>
+              <a:t>Events</a:t>
+            </a:r>
+          </a:p>
+        </p:txBody>
+      </p:sp>
+      <p:sp>
+        <p:nvSpPr>
+          <p:cNvPr id="3" name="Tekstvak 2"/>
+          <p:cNvSpPr txBox="1"/>
+          <p:nvPr/>
+        </p:nvSpPr>
+        <p:spPr>
+          <a:xfrm>
+            <a:off x="620785" y="906011"/>
+            <a:ext cx="10612074" cy="646331"/>
+          </a:xfrm>
+          <a:prstGeom prst="rect">
+            <a:avLst/>
+          </a:prstGeom>
+          <a:noFill/>
+        </p:spPr>
+        <p:txBody>
+          <a:bodyPr wrap="square" rtlCol="0">
+            <a:spAutoFit/>
+          </a:bodyPr>
+          <a:lstStyle/>
+          <a:p>
+            <a:r>
+              <a:rPr lang="nl-BE" dirty="0">
+                <a:latin typeface="Roboto" panose="02000000000000000000" pitchFamily="2" charset="0"/>
+                <a:ea typeface="Roboto" panose="02000000000000000000" pitchFamily="2" charset="0"/>
+              </a:rPr>
+              <a:t>Om data van de </a:t>
+            </a:r>
+            <a:r>
+              <a:rPr lang="nl-BE" dirty="0" err="1">
+                <a:latin typeface="Roboto" panose="02000000000000000000" pitchFamily="2" charset="0"/>
+                <a:ea typeface="Roboto" panose="02000000000000000000" pitchFamily="2" charset="0"/>
+              </a:rPr>
+              <a:t>child</a:t>
+            </a:r>
+            <a:r>
+              <a:rPr lang="nl-BE" dirty="0">
+                <a:latin typeface="Roboto" panose="02000000000000000000" pitchFamily="2" charset="0"/>
+                <a:ea typeface="Roboto" panose="02000000000000000000" pitchFamily="2" charset="0"/>
+              </a:rPr>
+              <a:t> component naar de </a:t>
+            </a:r>
+            <a:r>
+              <a:rPr lang="nl-BE" dirty="0" err="1">
+                <a:latin typeface="Roboto" panose="02000000000000000000" pitchFamily="2" charset="0"/>
+                <a:ea typeface="Roboto" panose="02000000000000000000" pitchFamily="2" charset="0"/>
+              </a:rPr>
+              <a:t>parent</a:t>
+            </a:r>
+            <a:r>
+              <a:rPr lang="nl-BE" dirty="0">
+                <a:latin typeface="Roboto" panose="02000000000000000000" pitchFamily="2" charset="0"/>
+                <a:ea typeface="Roboto" panose="02000000000000000000" pitchFamily="2" charset="0"/>
+              </a:rPr>
+              <a:t> component te brengen zal er een event </a:t>
+            </a:r>
+            <a:r>
+              <a:rPr lang="nl-BE" dirty="0" err="1">
+                <a:latin typeface="Roboto" panose="02000000000000000000" pitchFamily="2" charset="0"/>
+                <a:ea typeface="Roboto" panose="02000000000000000000" pitchFamily="2" charset="0"/>
+              </a:rPr>
+              <a:t>geëmit</a:t>
+            </a:r>
+            <a:r>
+              <a:rPr lang="nl-BE" dirty="0">
+                <a:latin typeface="Roboto" panose="02000000000000000000" pitchFamily="2" charset="0"/>
+                <a:ea typeface="Roboto" panose="02000000000000000000" pitchFamily="2" charset="0"/>
+              </a:rPr>
+              <a:t> moeten worden.</a:t>
+            </a:r>
+          </a:p>
+        </p:txBody>
+      </p:sp>
+      <p:sp>
+        <p:nvSpPr>
+          <p:cNvPr id="4" name="Tekstvak 3"/>
+          <p:cNvSpPr txBox="1"/>
+          <p:nvPr/>
+        </p:nvSpPr>
+        <p:spPr>
+          <a:xfrm>
+            <a:off x="620785" y="1778466"/>
+            <a:ext cx="10637241" cy="1477328"/>
+          </a:xfrm>
+          <a:prstGeom prst="rect">
+            <a:avLst/>
+          </a:prstGeom>
+          <a:noFill/>
+        </p:spPr>
+        <p:txBody>
+          <a:bodyPr wrap="square" rtlCol="0">
+            <a:spAutoFit/>
+          </a:bodyPr>
+          <a:lstStyle/>
+          <a:p>
+            <a:r>
+              <a:rPr lang="nl-BE" dirty="0">
+                <a:latin typeface="Roboto" panose="02000000000000000000" pitchFamily="2" charset="0"/>
+                <a:ea typeface="Roboto" panose="02000000000000000000" pitchFamily="2" charset="0"/>
+              </a:rPr>
+              <a:t>De </a:t>
+            </a:r>
+            <a:r>
+              <a:rPr lang="nl-BE" dirty="0" err="1">
+                <a:latin typeface="Roboto" panose="02000000000000000000" pitchFamily="2" charset="0"/>
+                <a:ea typeface="Roboto" panose="02000000000000000000" pitchFamily="2" charset="0"/>
+              </a:rPr>
+              <a:t>child</a:t>
+            </a:r>
+            <a:r>
+              <a:rPr lang="nl-BE" dirty="0">
+                <a:latin typeface="Roboto" panose="02000000000000000000" pitchFamily="2" charset="0"/>
+                <a:ea typeface="Roboto" panose="02000000000000000000" pitchFamily="2" charset="0"/>
+              </a:rPr>
+              <a:t> zal dus $</a:t>
+            </a:r>
+            <a:r>
+              <a:rPr lang="nl-BE" dirty="0" err="1">
+                <a:latin typeface="Roboto" panose="02000000000000000000" pitchFamily="2" charset="0"/>
+                <a:ea typeface="Roboto" panose="02000000000000000000" pitchFamily="2" charset="0"/>
+              </a:rPr>
+              <a:t>emit</a:t>
+            </a:r>
+            <a:r>
+              <a:rPr lang="nl-BE" dirty="0">
+                <a:latin typeface="Roboto" panose="02000000000000000000" pitchFamily="2" charset="0"/>
+                <a:ea typeface="Roboto" panose="02000000000000000000" pitchFamily="2" charset="0"/>
+              </a:rPr>
+              <a:t>('</a:t>
+            </a:r>
+            <a:r>
+              <a:rPr lang="nl-BE" dirty="0" err="1">
+                <a:latin typeface="Roboto" panose="02000000000000000000" pitchFamily="2" charset="0"/>
+                <a:ea typeface="Roboto" panose="02000000000000000000" pitchFamily="2" charset="0"/>
+              </a:rPr>
+              <a:t>emitName</a:t>
+            </a:r>
+            <a:r>
+              <a:rPr lang="nl-BE" dirty="0">
+                <a:latin typeface="Roboto" panose="02000000000000000000" pitchFamily="2" charset="0"/>
+                <a:ea typeface="Roboto" panose="02000000000000000000" pitchFamily="2" charset="0"/>
+              </a:rPr>
+              <a:t>') moeten doen en de </a:t>
+            </a:r>
+            <a:r>
+              <a:rPr lang="nl-BE" dirty="0" err="1">
+                <a:latin typeface="Roboto" panose="02000000000000000000" pitchFamily="2" charset="0"/>
+                <a:ea typeface="Roboto" panose="02000000000000000000" pitchFamily="2" charset="0"/>
+              </a:rPr>
+              <a:t>parent</a:t>
+            </a:r>
+            <a:r>
+              <a:rPr lang="nl-BE" dirty="0">
+                <a:latin typeface="Roboto" panose="02000000000000000000" pitchFamily="2" charset="0"/>
+                <a:ea typeface="Roboto" panose="02000000000000000000" pitchFamily="2" charset="0"/>
+              </a:rPr>
+              <a:t> zal op die event kunnen gebruiken om iets te </a:t>
+            </a:r>
+            <a:r>
+              <a:rPr lang="nl-BE" dirty="0" err="1">
+                <a:latin typeface="Roboto" panose="02000000000000000000" pitchFamily="2" charset="0"/>
+                <a:ea typeface="Roboto" panose="02000000000000000000" pitchFamily="2" charset="0"/>
+              </a:rPr>
+              <a:t>triggeren</a:t>
+            </a:r>
+            <a:r>
+              <a:rPr lang="nl-BE" dirty="0">
+                <a:latin typeface="Roboto" panose="02000000000000000000" pitchFamily="2" charset="0"/>
+                <a:ea typeface="Roboto" panose="02000000000000000000" pitchFamily="2" charset="0"/>
+              </a:rPr>
+              <a:t> met </a:t>
+            </a:r>
+            <a:r>
+              <a:rPr lang="nl-BE" dirty="0" err="1">
+                <a:latin typeface="Roboto" panose="02000000000000000000" pitchFamily="2" charset="0"/>
+                <a:ea typeface="Roboto" panose="02000000000000000000" pitchFamily="2" charset="0"/>
+              </a:rPr>
+              <a:t>v-on:emitName</a:t>
+            </a:r>
+            <a:r>
+              <a:rPr lang="nl-BE" dirty="0">
+                <a:latin typeface="Roboto" panose="02000000000000000000" pitchFamily="2" charset="0"/>
+                <a:ea typeface="Roboto" panose="02000000000000000000" pitchFamily="2" charset="0"/>
+              </a:rPr>
+              <a:t>=“</a:t>
+            </a:r>
+            <a:r>
+              <a:rPr lang="nl-BE" dirty="0" err="1">
+                <a:latin typeface="Roboto" panose="02000000000000000000" pitchFamily="2" charset="0"/>
+                <a:ea typeface="Roboto" panose="02000000000000000000" pitchFamily="2" charset="0"/>
+              </a:rPr>
+              <a:t>function</a:t>
+            </a:r>
+            <a:r>
+              <a:rPr lang="nl-BE" dirty="0">
+                <a:latin typeface="Roboto" panose="02000000000000000000" pitchFamily="2" charset="0"/>
+                <a:ea typeface="Roboto" panose="02000000000000000000" pitchFamily="2" charset="0"/>
+              </a:rPr>
+              <a:t>”. </a:t>
+            </a:r>
+          </a:p>
+          <a:p>
+            <a:endParaRPr lang="nl-BE" dirty="0">
+              <a:latin typeface="Roboto" panose="02000000000000000000" pitchFamily="2" charset="0"/>
+              <a:ea typeface="Roboto" panose="02000000000000000000" pitchFamily="2" charset="0"/>
+            </a:endParaRPr>
+          </a:p>
+          <a:p>
+            <a:r>
+              <a:rPr lang="nl-BE" dirty="0">
+                <a:latin typeface="Roboto" panose="02000000000000000000" pitchFamily="2" charset="0"/>
+                <a:ea typeface="Roboto" panose="02000000000000000000" pitchFamily="2" charset="0"/>
+              </a:rPr>
+              <a:t>Een voorbeeld: Ik wil een input field de mogelijkheid geven om de achtergrond van de div waarin het zich bevind te wijzigen door het </a:t>
+            </a:r>
+            <a:r>
+              <a:rPr lang="nl-BE" dirty="0" err="1">
+                <a:latin typeface="Roboto" panose="02000000000000000000" pitchFamily="2" charset="0"/>
+                <a:ea typeface="Roboto" panose="02000000000000000000" pitchFamily="2" charset="0"/>
+              </a:rPr>
+              <a:t>inputten</a:t>
+            </a:r>
+            <a:r>
+              <a:rPr lang="nl-BE" dirty="0">
+                <a:latin typeface="Roboto" panose="02000000000000000000" pitchFamily="2" charset="0"/>
+                <a:ea typeface="Roboto" panose="02000000000000000000" pitchFamily="2" charset="0"/>
+              </a:rPr>
+              <a:t> van een kleur.</a:t>
+            </a:r>
+          </a:p>
+        </p:txBody>
+      </p:sp>
+      <p:pic>
+        <p:nvPicPr>
+          <p:cNvPr id="5" name="Afbeelding 4"/>
+          <p:cNvPicPr>
+            <a:picLocks noChangeAspect="1"/>
+          </p:cNvPicPr>
+          <p:nvPr/>
+        </p:nvPicPr>
+        <p:blipFill>
+          <a:blip r:embed="rId2"/>
+          <a:stretch>
+            <a:fillRect/>
+          </a:stretch>
+        </p:blipFill>
+        <p:spPr>
+          <a:xfrm>
+            <a:off x="4971526" y="3753155"/>
+            <a:ext cx="6286500" cy="2371725"/>
+          </a:xfrm>
+          <a:prstGeom prst="rect">
+            <a:avLst/>
+          </a:prstGeom>
+        </p:spPr>
+      </p:pic>
+      <p:sp>
+        <p:nvSpPr>
+          <p:cNvPr id="6" name="Tekstvak 5"/>
+          <p:cNvSpPr txBox="1"/>
+          <p:nvPr/>
+        </p:nvSpPr>
+        <p:spPr>
+          <a:xfrm>
+            <a:off x="620785" y="3753155"/>
+            <a:ext cx="4236441" cy="2031325"/>
+          </a:xfrm>
+          <a:prstGeom prst="rect">
+            <a:avLst/>
+          </a:prstGeom>
+          <a:noFill/>
+        </p:spPr>
+        <p:txBody>
+          <a:bodyPr wrap="square" rtlCol="0">
+            <a:spAutoFit/>
+          </a:bodyPr>
+          <a:lstStyle/>
+          <a:p>
+            <a:r>
+              <a:rPr lang="nl-BE" dirty="0">
+                <a:latin typeface="Roboto" panose="02000000000000000000" pitchFamily="2" charset="0"/>
+                <a:ea typeface="Roboto" panose="02000000000000000000" pitchFamily="2" charset="0"/>
+              </a:rPr>
+              <a:t>Eerst maak je het </a:t>
+            </a:r>
+            <a:r>
+              <a:rPr lang="nl-BE" dirty="0" err="1">
+                <a:latin typeface="Roboto" panose="02000000000000000000" pitchFamily="2" charset="0"/>
+                <a:ea typeface="Roboto" panose="02000000000000000000" pitchFamily="2" charset="0"/>
+              </a:rPr>
+              <a:t>child</a:t>
+            </a:r>
+            <a:r>
+              <a:rPr lang="nl-BE" dirty="0">
+                <a:latin typeface="Roboto" panose="02000000000000000000" pitchFamily="2" charset="0"/>
+                <a:ea typeface="Roboto" panose="02000000000000000000" pitchFamily="2" charset="0"/>
+              </a:rPr>
+              <a:t> component aan.</a:t>
+            </a:r>
+          </a:p>
+          <a:p>
+            <a:r>
+              <a:rPr lang="nl-BE" dirty="0">
+                <a:latin typeface="Roboto" panose="02000000000000000000" pitchFamily="2" charset="0"/>
+                <a:ea typeface="Roboto" panose="02000000000000000000" pitchFamily="2" charset="0"/>
+              </a:rPr>
+              <a:t> Hier met de naam </a:t>
+            </a:r>
+            <a:r>
+              <a:rPr lang="nl-BE" dirty="0" err="1">
+                <a:latin typeface="Roboto" panose="02000000000000000000" pitchFamily="2" charset="0"/>
+                <a:ea typeface="Roboto" panose="02000000000000000000" pitchFamily="2" charset="0"/>
+              </a:rPr>
+              <a:t>color</a:t>
+            </a:r>
+            <a:r>
+              <a:rPr lang="nl-BE" dirty="0">
+                <a:latin typeface="Roboto" panose="02000000000000000000" pitchFamily="2" charset="0"/>
+                <a:ea typeface="Roboto" panose="02000000000000000000" pitchFamily="2" charset="0"/>
+              </a:rPr>
+              <a:t>-input-</a:t>
+            </a:r>
+            <a:r>
+              <a:rPr lang="nl-BE" dirty="0" err="1">
+                <a:latin typeface="Roboto" panose="02000000000000000000" pitchFamily="2" charset="0"/>
+                <a:ea typeface="Roboto" panose="02000000000000000000" pitchFamily="2" charset="0"/>
+              </a:rPr>
+              <a:t>filed</a:t>
+            </a:r>
+            <a:r>
+              <a:rPr lang="nl-BE" dirty="0">
+                <a:latin typeface="Roboto" panose="02000000000000000000" pitchFamily="2" charset="0"/>
+                <a:ea typeface="Roboto" panose="02000000000000000000" pitchFamily="2" charset="0"/>
+              </a:rPr>
+              <a:t>.</a:t>
+            </a:r>
+          </a:p>
+          <a:p>
+            <a:r>
+              <a:rPr lang="nl-BE" dirty="0">
+                <a:latin typeface="Roboto" panose="02000000000000000000" pitchFamily="2" charset="0"/>
+                <a:ea typeface="Roboto" panose="02000000000000000000" pitchFamily="2" charset="0"/>
+              </a:rPr>
+              <a:t>Deze component heeft een </a:t>
+            </a:r>
+            <a:r>
+              <a:rPr lang="nl-BE" dirty="0" err="1">
+                <a:latin typeface="Roboto" panose="02000000000000000000" pitchFamily="2" charset="0"/>
+                <a:ea typeface="Roboto" panose="02000000000000000000" pitchFamily="2" charset="0"/>
+              </a:rPr>
+              <a:t>watch</a:t>
+            </a:r>
+            <a:r>
+              <a:rPr lang="nl-BE" dirty="0">
+                <a:latin typeface="Roboto" panose="02000000000000000000" pitchFamily="2" charset="0"/>
+                <a:ea typeface="Roboto" panose="02000000000000000000" pitchFamily="2" charset="0"/>
+              </a:rPr>
+              <a:t> op een variabele, als deze veranderd </a:t>
+            </a:r>
+            <a:r>
+              <a:rPr lang="nl-BE" dirty="0" err="1">
+                <a:latin typeface="Roboto" panose="02000000000000000000" pitchFamily="2" charset="0"/>
+                <a:ea typeface="Roboto" panose="02000000000000000000" pitchFamily="2" charset="0"/>
+              </a:rPr>
+              <a:t>emit</a:t>
+            </a:r>
+            <a:r>
+              <a:rPr lang="nl-BE" dirty="0">
+                <a:latin typeface="Roboto" panose="02000000000000000000" pitchFamily="2" charset="0"/>
+                <a:ea typeface="Roboto" panose="02000000000000000000" pitchFamily="2" charset="0"/>
+              </a:rPr>
+              <a:t> die “</a:t>
+            </a:r>
+            <a:r>
+              <a:rPr lang="nl-BE" dirty="0" err="1">
+                <a:latin typeface="Roboto" panose="02000000000000000000" pitchFamily="2" charset="0"/>
+                <a:ea typeface="Roboto" panose="02000000000000000000" pitchFamily="2" charset="0"/>
+              </a:rPr>
+              <a:t>color</a:t>
+            </a:r>
+            <a:r>
+              <a:rPr lang="nl-BE" dirty="0">
+                <a:latin typeface="Roboto" panose="02000000000000000000" pitchFamily="2" charset="0"/>
+                <a:ea typeface="Roboto" panose="02000000000000000000" pitchFamily="2" charset="0"/>
+              </a:rPr>
+              <a:t>-change” en geeft de nieuwe kleur mee.</a:t>
+            </a:r>
+          </a:p>
+        </p:txBody>
+      </p:sp>
+    </p:spTree>
+    <p:extLst>
+      <p:ext uri="{BB962C8B-B14F-4D97-AF65-F5344CB8AC3E}">
+        <p14:creationId xmlns:p14="http://schemas.microsoft.com/office/powerpoint/2010/main" val="2758525681"/>
+      </p:ext>
+    </p:extLst>
+  </p:cSld>
+  <p:clrMapOvr>
+    <a:masterClrMapping/>
+  </p:clrMapOvr>
+</p:sld>
+</file>
+
+<file path=ppt/slides/slide31.xml><?xml version="1.0" encoding="utf-8"?>
+<p:sld xmlns:a="http://schemas.openxmlformats.org/drawingml/2006/main" xmlns:r="http://schemas.openxmlformats.org/officeDocument/2006/relationships" xmlns:p="http://schemas.openxmlformats.org/presentationml/2006/main">
+  <p:cSld>
+    <p:spTree>
+      <p:nvGrpSpPr>
+        <p:cNvPr id="1" name=""/>
+        <p:cNvGrpSpPr/>
+        <p:nvPr/>
+      </p:nvGrpSpPr>
+      <p:grpSpPr>
+        <a:xfrm>
+          <a:off x="0" y="0"/>
+          <a:ext cx="0" cy="0"/>
+          <a:chOff x="0" y="0"/>
+          <a:chExt cx="0" cy="0"/>
+        </a:xfrm>
+      </p:grpSpPr>
+      <p:sp>
+        <p:nvSpPr>
+          <p:cNvPr id="2" name="Tekstvak 1"/>
+          <p:cNvSpPr txBox="1"/>
+          <p:nvPr/>
+        </p:nvSpPr>
+        <p:spPr>
+          <a:xfrm>
+            <a:off x="478172" y="369116"/>
+            <a:ext cx="11048301" cy="369332"/>
+          </a:xfrm>
+          <a:prstGeom prst="rect">
+            <a:avLst/>
+          </a:prstGeom>
+          <a:noFill/>
+        </p:spPr>
+        <p:txBody>
+          <a:bodyPr wrap="square" rtlCol="0">
+            <a:spAutoFit/>
+          </a:bodyPr>
+          <a:lstStyle/>
+          <a:p>
+            <a:r>
+              <a:rPr lang="nl-BE" dirty="0">
+                <a:latin typeface="Roboto" panose="02000000000000000000" pitchFamily="2" charset="0"/>
+                <a:ea typeface="Roboto" panose="02000000000000000000" pitchFamily="2" charset="0"/>
+              </a:rPr>
+              <a:t>Dan maak je de </a:t>
+            </a:r>
+            <a:r>
+              <a:rPr lang="nl-BE" dirty="0" err="1">
+                <a:latin typeface="Roboto" panose="02000000000000000000" pitchFamily="2" charset="0"/>
+                <a:ea typeface="Roboto" panose="02000000000000000000" pitchFamily="2" charset="0"/>
+              </a:rPr>
+              <a:t>parent</a:t>
+            </a:r>
+            <a:r>
+              <a:rPr lang="nl-BE" dirty="0">
+                <a:latin typeface="Roboto" panose="02000000000000000000" pitchFamily="2" charset="0"/>
+                <a:ea typeface="Roboto" panose="02000000000000000000" pitchFamily="2" charset="0"/>
+              </a:rPr>
+              <a:t> component </a:t>
+            </a:r>
+          </a:p>
+        </p:txBody>
+      </p:sp>
+      <p:pic>
+        <p:nvPicPr>
+          <p:cNvPr id="3" name="Afbeelding 2"/>
+          <p:cNvPicPr>
+            <a:picLocks noChangeAspect="1"/>
+          </p:cNvPicPr>
+          <p:nvPr/>
+        </p:nvPicPr>
+        <p:blipFill>
+          <a:blip r:embed="rId2"/>
+          <a:stretch>
+            <a:fillRect/>
+          </a:stretch>
+        </p:blipFill>
+        <p:spPr>
+          <a:xfrm>
+            <a:off x="478172" y="910205"/>
+            <a:ext cx="9829800" cy="2286000"/>
+          </a:xfrm>
+          <a:prstGeom prst="rect">
+            <a:avLst/>
+          </a:prstGeom>
+        </p:spPr>
+      </p:pic>
+      <p:sp>
+        <p:nvSpPr>
+          <p:cNvPr id="4" name="Tekstvak 3"/>
+          <p:cNvSpPr txBox="1"/>
+          <p:nvPr/>
+        </p:nvSpPr>
+        <p:spPr>
+          <a:xfrm>
+            <a:off x="478172" y="3545633"/>
+            <a:ext cx="10597265" cy="2585323"/>
+          </a:xfrm>
+          <a:prstGeom prst="rect">
+            <a:avLst/>
+          </a:prstGeom>
+          <a:noFill/>
+        </p:spPr>
+        <p:txBody>
+          <a:bodyPr wrap="square" rtlCol="0">
+            <a:spAutoFit/>
+          </a:bodyPr>
+          <a:lstStyle/>
+          <a:p>
+            <a:r>
+              <a:rPr lang="nl-BE" dirty="0"/>
+              <a:t>Deze component heeft een methode “</a:t>
+            </a:r>
+            <a:r>
+              <a:rPr lang="nl-BE" dirty="0" err="1"/>
+              <a:t>changeColor</a:t>
+            </a:r>
+            <a:r>
+              <a:rPr lang="nl-BE" dirty="0"/>
+              <a:t>(</a:t>
+            </a:r>
+            <a:r>
+              <a:rPr lang="nl-BE" dirty="0" err="1"/>
+              <a:t>color</a:t>
+            </a:r>
+            <a:r>
+              <a:rPr lang="nl-BE" dirty="0"/>
+              <a:t>)”. Deze methode veranderd de achtergrond kleur van de component naar de meegegeven </a:t>
+            </a:r>
+            <a:r>
+              <a:rPr lang="nl-BE" dirty="0" err="1"/>
+              <a:t>color</a:t>
+            </a:r>
+            <a:r>
+              <a:rPr lang="nl-BE" dirty="0"/>
+              <a:t> variabele.</a:t>
+            </a:r>
+          </a:p>
+          <a:p>
+            <a:endParaRPr lang="nl-BE" dirty="0"/>
+          </a:p>
+          <a:p>
+            <a:r>
+              <a:rPr lang="nl-BE" dirty="0"/>
+              <a:t>In de template zie je ook dat er een </a:t>
+            </a:r>
+            <a:r>
+              <a:rPr lang="nl-BE" dirty="0" err="1"/>
+              <a:t>color</a:t>
+            </a:r>
+            <a:r>
+              <a:rPr lang="nl-BE" dirty="0"/>
+              <a:t>-input-field component wordt gebruikt.</a:t>
+            </a:r>
+          </a:p>
+          <a:p>
+            <a:endParaRPr lang="nl-BE" dirty="0"/>
+          </a:p>
+          <a:p>
+            <a:r>
+              <a:rPr lang="nl-BE" dirty="0"/>
+              <a:t>De </a:t>
+            </a:r>
+            <a:r>
+              <a:rPr lang="nl-BE" dirty="0" err="1"/>
+              <a:t>parent</a:t>
+            </a:r>
+            <a:r>
+              <a:rPr lang="nl-BE" dirty="0"/>
+              <a:t> component voert de </a:t>
+            </a:r>
+            <a:r>
+              <a:rPr lang="nl-BE" dirty="0" err="1"/>
+              <a:t>changeColor</a:t>
+            </a:r>
+            <a:r>
+              <a:rPr lang="nl-BE" dirty="0"/>
+              <a:t> methode uit wanneer </a:t>
+            </a:r>
+            <a:r>
+              <a:rPr lang="nl-BE" dirty="0" err="1"/>
+              <a:t>color</a:t>
+            </a:r>
+            <a:r>
+              <a:rPr lang="nl-BE" dirty="0"/>
+              <a:t>-change </a:t>
+            </a:r>
+            <a:r>
+              <a:rPr lang="nl-BE" dirty="0" err="1"/>
+              <a:t>geëmit</a:t>
+            </a:r>
+            <a:r>
+              <a:rPr lang="nl-BE" dirty="0"/>
+              <a:t> wordt.</a:t>
+            </a:r>
+          </a:p>
+          <a:p>
+            <a:r>
+              <a:rPr lang="nl-BE" dirty="0"/>
+              <a:t>Het krijgt de kleur mee en verandert de kleur dus als er een juist kleur wordt meegegeven.</a:t>
+            </a:r>
+          </a:p>
+          <a:p>
+            <a:endParaRPr lang="nl-BE" dirty="0"/>
+          </a:p>
+          <a:p>
+            <a:r>
+              <a:rPr lang="nl-BE" dirty="0"/>
+              <a:t>In de html hoef je alleen de </a:t>
+            </a:r>
+            <a:r>
+              <a:rPr lang="nl-BE" dirty="0" err="1"/>
+              <a:t>parent</a:t>
+            </a:r>
+            <a:r>
+              <a:rPr lang="nl-BE" dirty="0"/>
+              <a:t> aan de maken en </a:t>
+            </a:r>
+            <a:r>
+              <a:rPr lang="nl-BE"/>
+              <a:t>het werkt.</a:t>
+            </a:r>
+            <a:endParaRPr lang="nl-BE" dirty="0"/>
+          </a:p>
+        </p:txBody>
+      </p:sp>
+    </p:spTree>
+    <p:extLst>
+      <p:ext uri="{BB962C8B-B14F-4D97-AF65-F5344CB8AC3E}">
+        <p14:creationId xmlns:p14="http://schemas.microsoft.com/office/powerpoint/2010/main" val="1683890557"/>
       </p:ext>
     </p:extLst>
   </p:cSld>
@@ -9634,8 +11304,8 @@
         </p:nvSpPr>
         <p:spPr>
           <a:xfrm>
-            <a:off x="830510" y="369116"/>
-            <a:ext cx="10142290" cy="923330"/>
+            <a:off x="1034473" y="258618"/>
+            <a:ext cx="9698182" cy="923330"/>
           </a:xfrm>
           <a:prstGeom prst="rect">
             <a:avLst/>
@@ -9653,21 +11323,21 @@
               <a:rPr lang="nl-BE" sz="5400" dirty="0">
                 <a:latin typeface="Headline One" panose="00000400000000000000" pitchFamily="2" charset="0"/>
               </a:rPr>
-              <a:t>Componenten</a:t>
-            </a:r>
-          </a:p>
-        </p:txBody>
-      </p:sp>
-      <p:sp>
-        <p:nvSpPr>
-          <p:cNvPr id="4" name="Tekstvak 3"/>
+              <a:t>DATA object</a:t>
+            </a:r>
+          </a:p>
+        </p:txBody>
+      </p:sp>
+      <p:sp>
+        <p:nvSpPr>
+          <p:cNvPr id="3" name="Tekstvak 2"/>
           <p:cNvSpPr txBox="1"/>
           <p:nvPr/>
         </p:nvSpPr>
         <p:spPr>
           <a:xfrm>
-            <a:off x="505651" y="1679801"/>
-            <a:ext cx="4376057" cy="646331"/>
+            <a:off x="775855" y="1625600"/>
+            <a:ext cx="10741890" cy="1200329"/>
           </a:xfrm>
           <a:prstGeom prst="rect">
             <a:avLst/>
@@ -9681,23 +11351,33 @@
           <a:lstStyle/>
           <a:p>
             <a:r>
-              <a:rPr lang="nl-BE" dirty="0"/>
-              <a:t>Component aanmaken met de naam “</a:t>
-            </a:r>
-            <a:r>
-              <a:rPr lang="nl-BE" dirty="0" err="1"/>
-              <a:t>myComponent</a:t>
-            </a:r>
-            <a:r>
-              <a:rPr lang="nl-BE" dirty="0"/>
-              <a:t>” zeer simpel : </a:t>
+              <a:rPr lang="nl-BE" dirty="0">
+                <a:latin typeface="Roboto" panose="02000000000000000000" pitchFamily="2" charset="0"/>
+                <a:ea typeface="Roboto" panose="02000000000000000000" pitchFamily="2" charset="0"/>
+              </a:rPr>
+              <a:t>Het data object ga je veel gebruiken ! Elke vue instantie gebruikt variabelen uit dit object. Je kan het zien als de model van een vue instantie. </a:t>
+            </a:r>
+          </a:p>
+          <a:p>
+            <a:endParaRPr lang="nl-BE" dirty="0">
+              <a:latin typeface="Roboto" panose="02000000000000000000" pitchFamily="2" charset="0"/>
+              <a:ea typeface="Roboto" panose="02000000000000000000" pitchFamily="2" charset="0"/>
+            </a:endParaRPr>
+          </a:p>
+          <a:p>
+            <a:r>
+              <a:rPr lang="nl-BE" b="1" dirty="0">
+                <a:latin typeface="Roboto" panose="02000000000000000000" pitchFamily="2" charset="0"/>
+                <a:ea typeface="Roboto" panose="02000000000000000000" pitchFamily="2" charset="0"/>
+              </a:rPr>
+              <a:t>Hoe gebruiken ?</a:t>
             </a:r>
           </a:p>
         </p:txBody>
       </p:sp>
       <p:pic>
         <p:nvPicPr>
-          <p:cNvPr id="5" name="Afbeelding 4"/>
+          <p:cNvPr id="4" name="Afbeelding 3"/>
           <p:cNvPicPr>
             <a:picLocks noChangeAspect="1"/>
           </p:cNvPicPr>
@@ -9711,8 +11391,8 @@
         </p:blipFill>
         <p:spPr>
           <a:xfrm>
-            <a:off x="5712569" y="1679801"/>
-            <a:ext cx="3286125" cy="723900"/>
+            <a:off x="775855" y="3482039"/>
+            <a:ext cx="2495550" cy="1295400"/>
           </a:xfrm>
           <a:prstGeom prst="rect">
             <a:avLst/>
@@ -9721,14 +11401,14 @@
       </p:pic>
       <p:sp>
         <p:nvSpPr>
-          <p:cNvPr id="6" name="Tekstvak 5"/>
+          <p:cNvPr id="5" name="Tekstvak 4"/>
           <p:cNvSpPr txBox="1"/>
           <p:nvPr/>
         </p:nvSpPr>
         <p:spPr>
           <a:xfrm>
-            <a:off x="505651" y="2877424"/>
-            <a:ext cx="3571399" cy="369332"/>
+            <a:off x="4144161" y="3482039"/>
+            <a:ext cx="2281806" cy="369332"/>
           </a:xfrm>
           <a:prstGeom prst="rect">
             <a:avLst/>
@@ -9743,14 +11423,14 @@
           <a:p>
             <a:r>
               <a:rPr lang="nl-BE" dirty="0"/>
-              <a:t>Gebruiken in html, nog simpeler :</a:t>
+              <a:t>Of gewoon :</a:t>
             </a:r>
           </a:p>
         </p:txBody>
       </p:sp>
       <p:pic>
         <p:nvPicPr>
-          <p:cNvPr id="7" name="Afbeelding 6"/>
+          <p:cNvPr id="6" name="Afbeelding 5"/>
           <p:cNvPicPr>
             <a:picLocks noChangeAspect="1"/>
           </p:cNvPicPr>
@@ -9764,18 +11444,105 @@
         </p:blipFill>
         <p:spPr>
           <a:xfrm>
-            <a:off x="5712569" y="2948474"/>
-            <a:ext cx="2628900" cy="457200"/>
+            <a:off x="6308564" y="3370358"/>
+            <a:ext cx="2695575" cy="962025"/>
           </a:xfrm>
           <a:prstGeom prst="rect">
             <a:avLst/>
           </a:prstGeom>
         </p:spPr>
       </p:pic>
+      <p:sp>
+        <p:nvSpPr>
+          <p:cNvPr id="7" name="Tekstvak 6"/>
+          <p:cNvSpPr txBox="1"/>
+          <p:nvPr/>
+        </p:nvSpPr>
+        <p:spPr>
+          <a:xfrm>
+            <a:off x="775855" y="5142451"/>
+            <a:ext cx="10741890" cy="1477328"/>
+          </a:xfrm>
+          <a:prstGeom prst="rect">
+            <a:avLst/>
+          </a:prstGeom>
+          <a:noFill/>
+        </p:spPr>
+        <p:txBody>
+          <a:bodyPr wrap="square" rtlCol="0">
+            <a:spAutoFit/>
+          </a:bodyPr>
+          <a:lstStyle/>
+          <a:p>
+            <a:r>
+              <a:rPr lang="nl-BE" dirty="0"/>
+              <a:t>Hier is </a:t>
+            </a:r>
+            <a:r>
+              <a:rPr lang="nl-BE" dirty="0" err="1"/>
+              <a:t>two</a:t>
+            </a:r>
+            <a:r>
+              <a:rPr lang="nl-BE" dirty="0"/>
+              <a:t>-way-binding ook van toepassing:</a:t>
+            </a:r>
+          </a:p>
+          <a:p>
+            <a:endParaRPr lang="nl-BE" dirty="0"/>
+          </a:p>
+          <a:p>
+            <a:r>
+              <a:rPr lang="nl-BE" dirty="0"/>
+              <a:t>Verander je  “</a:t>
+            </a:r>
+            <a:r>
+              <a:rPr lang="nl-BE" dirty="0" err="1"/>
+              <a:t>vm.kop</a:t>
+            </a:r>
+            <a:r>
+              <a:rPr lang="nl-BE" dirty="0"/>
+              <a:t>” dan zal “</a:t>
+            </a:r>
+            <a:r>
+              <a:rPr lang="nl-BE" dirty="0" err="1"/>
+              <a:t>data.kop</a:t>
+            </a:r>
+            <a:r>
+              <a:rPr lang="nl-BE" dirty="0"/>
+              <a:t>” mee veranderen en </a:t>
+            </a:r>
+            <a:r>
+              <a:rPr lang="nl-BE" dirty="0" err="1"/>
+              <a:t>vice</a:t>
+            </a:r>
+            <a:r>
+              <a:rPr lang="nl-BE" dirty="0"/>
+              <a:t> </a:t>
+            </a:r>
+            <a:r>
+              <a:rPr lang="nl-BE" dirty="0" err="1"/>
+              <a:t>verca</a:t>
+            </a:r>
+            <a:r>
+              <a:rPr lang="nl-BE" dirty="0"/>
+              <a:t>.</a:t>
+            </a:r>
+          </a:p>
+          <a:p>
+            <a:endParaRPr lang="nl-BE" dirty="0"/>
+          </a:p>
+          <a:p>
+            <a:r>
+              <a:rPr lang="nl-BE" b="1" dirty="0"/>
+              <a:t>Heel makkelijk en intuïtief in gebruik.</a:t>
+            </a:r>
+          </a:p>
+        </p:txBody>
+      </p:sp>
     </p:spTree>
     <p:extLst>
       <p:ext uri="{BB962C8B-B14F-4D97-AF65-F5344CB8AC3E}">
-        <p14:creationId xmlns:p14="http://schemas.microsoft.com/office/powerpoint/2010/main" val="2521858480"/>
+        <p14:creationId xmlns:p14="http://schemas.microsoft.com/office/powerpoint/2010/main" val="1222091964"/>
       </p:ext>
     </p:extLst>
   </p:cSld>
@@ -9810,8 +11577,8 @@
         </p:nvSpPr>
         <p:spPr>
           <a:xfrm>
-            <a:off x="571973" y="632070"/>
-            <a:ext cx="9946433" cy="646331"/>
+            <a:off x="696285" y="377505"/>
+            <a:ext cx="10788243" cy="923330"/>
           </a:xfrm>
           <a:prstGeom prst="rect">
             <a:avLst/>
@@ -9824,30 +11591,217 @@
           </a:bodyPr>
           <a:lstStyle/>
           <a:p>
+            <a:pPr algn="ctr"/>
+            <a:r>
+              <a:rPr lang="nl-BE" sz="5400" dirty="0">
+                <a:latin typeface="Headline One" panose="00000400000000000000" pitchFamily="2" charset="0"/>
+              </a:rPr>
+              <a:t>Vue eigenschappen en methodes</a:t>
+            </a:r>
+          </a:p>
+        </p:txBody>
+      </p:sp>
+      <p:sp>
+        <p:nvSpPr>
+          <p:cNvPr id="4" name="Tekstvak 3"/>
+          <p:cNvSpPr txBox="1"/>
+          <p:nvPr/>
+        </p:nvSpPr>
+        <p:spPr>
+          <a:xfrm>
+            <a:off x="788565" y="1770077"/>
+            <a:ext cx="5066951" cy="3970318"/>
+          </a:xfrm>
+          <a:prstGeom prst="rect">
+            <a:avLst/>
+          </a:prstGeom>
+          <a:noFill/>
+        </p:spPr>
+        <p:txBody>
+          <a:bodyPr wrap="square" rtlCol="0">
+            <a:spAutoFit/>
+          </a:bodyPr>
+          <a:lstStyle/>
+          <a:p>
+            <a:r>
+              <a:rPr lang="nl-BE" dirty="0">
+                <a:latin typeface="Roboto" panose="02000000000000000000" pitchFamily="2" charset="0"/>
+                <a:ea typeface="Roboto" panose="02000000000000000000" pitchFamily="2" charset="0"/>
+              </a:rPr>
+              <a:t>Vue heeft ook een heleboel voorgeprogrammeerde </a:t>
+            </a:r>
+            <a:r>
+              <a:rPr lang="nl-BE" dirty="0" err="1">
+                <a:latin typeface="Roboto" panose="02000000000000000000" pitchFamily="2" charset="0"/>
+                <a:ea typeface="Roboto" panose="02000000000000000000" pitchFamily="2" charset="0"/>
+              </a:rPr>
+              <a:t>properties</a:t>
+            </a:r>
+            <a:r>
+              <a:rPr lang="nl-BE" dirty="0">
+                <a:latin typeface="Roboto" panose="02000000000000000000" pitchFamily="2" charset="0"/>
+                <a:ea typeface="Roboto" panose="02000000000000000000" pitchFamily="2" charset="0"/>
+              </a:rPr>
+              <a:t> en methodes.</a:t>
+            </a:r>
+          </a:p>
+          <a:p>
+            <a:endParaRPr lang="nl-BE" dirty="0">
+              <a:latin typeface="Roboto" panose="02000000000000000000" pitchFamily="2" charset="0"/>
+              <a:ea typeface="Roboto" panose="02000000000000000000" pitchFamily="2" charset="0"/>
+            </a:endParaRPr>
+          </a:p>
+          <a:p>
+            <a:r>
+              <a:rPr lang="nl-BE" dirty="0">
+                <a:latin typeface="Roboto" panose="02000000000000000000" pitchFamily="2" charset="0"/>
+                <a:ea typeface="Roboto" panose="02000000000000000000" pitchFamily="2" charset="0"/>
+              </a:rPr>
+              <a:t>Deze worden aangeduid met een $ teken.</a:t>
+            </a:r>
+          </a:p>
+          <a:p>
+            <a:endParaRPr lang="nl-BE" dirty="0">
+              <a:latin typeface="Roboto" panose="02000000000000000000" pitchFamily="2" charset="0"/>
+              <a:ea typeface="Roboto" panose="02000000000000000000" pitchFamily="2" charset="0"/>
+            </a:endParaRPr>
+          </a:p>
+          <a:p>
+            <a:r>
+              <a:rPr lang="nl-BE" dirty="0">
+                <a:latin typeface="Roboto" panose="02000000000000000000" pitchFamily="2" charset="0"/>
+                <a:ea typeface="Roboto" panose="02000000000000000000" pitchFamily="2" charset="0"/>
+              </a:rPr>
+              <a:t>Bijvoorbeeld: </a:t>
+            </a:r>
+          </a:p>
+          <a:p>
+            <a:r>
+              <a:rPr lang="nl-BE" dirty="0" err="1">
+                <a:latin typeface="Roboto" panose="02000000000000000000" pitchFamily="2" charset="0"/>
+                <a:ea typeface="Roboto" panose="02000000000000000000" pitchFamily="2" charset="0"/>
+              </a:rPr>
+              <a:t>app.$data</a:t>
+            </a:r>
+            <a:r>
+              <a:rPr lang="nl-BE" dirty="0">
+                <a:latin typeface="Roboto" panose="02000000000000000000" pitchFamily="2" charset="0"/>
+                <a:ea typeface="Roboto" panose="02000000000000000000" pitchFamily="2" charset="0"/>
+              </a:rPr>
+              <a:t> -&gt; dit is het data </a:t>
+            </a:r>
+            <a:r>
+              <a:rPr lang="nl-BE" dirty="0" err="1">
+                <a:latin typeface="Roboto" panose="02000000000000000000" pitchFamily="2" charset="0"/>
+                <a:ea typeface="Roboto" panose="02000000000000000000" pitchFamily="2" charset="0"/>
+              </a:rPr>
+              <a:t>opbject</a:t>
+            </a:r>
+            <a:r>
+              <a:rPr lang="nl-BE" dirty="0">
+                <a:latin typeface="Roboto" panose="02000000000000000000" pitchFamily="2" charset="0"/>
+                <a:ea typeface="Roboto" panose="02000000000000000000" pitchFamily="2" charset="0"/>
+              </a:rPr>
+              <a:t> van je instantie.</a:t>
+            </a:r>
+          </a:p>
+          <a:p>
+            <a:endParaRPr lang="nl-BE" dirty="0">
+              <a:latin typeface="Roboto" panose="02000000000000000000" pitchFamily="2" charset="0"/>
+              <a:ea typeface="Roboto" panose="02000000000000000000" pitchFamily="2" charset="0"/>
+            </a:endParaRPr>
+          </a:p>
+          <a:p>
+            <a:r>
+              <a:rPr lang="nl-BE" dirty="0">
+                <a:latin typeface="Roboto" panose="02000000000000000000" pitchFamily="2" charset="0"/>
+                <a:ea typeface="Roboto" panose="02000000000000000000" pitchFamily="2" charset="0"/>
+              </a:rPr>
+              <a:t>Of </a:t>
+            </a:r>
+            <a:r>
+              <a:rPr lang="nl-BE" dirty="0" err="1">
+                <a:latin typeface="Roboto" panose="02000000000000000000" pitchFamily="2" charset="0"/>
+                <a:ea typeface="Roboto" panose="02000000000000000000" pitchFamily="2" charset="0"/>
+              </a:rPr>
+              <a:t>app.$el</a:t>
+            </a:r>
+            <a:r>
+              <a:rPr lang="nl-BE" dirty="0">
+                <a:latin typeface="Roboto" panose="02000000000000000000" pitchFamily="2" charset="0"/>
+                <a:ea typeface="Roboto" panose="02000000000000000000" pitchFamily="2" charset="0"/>
+              </a:rPr>
+              <a:t> -&gt; Dit stelt het html object voor waaraan de instantie is </a:t>
+            </a:r>
+            <a:r>
+              <a:rPr lang="nl-BE" dirty="0" err="1">
+                <a:latin typeface="Roboto" panose="02000000000000000000" pitchFamily="2" charset="0"/>
+                <a:ea typeface="Roboto" panose="02000000000000000000" pitchFamily="2" charset="0"/>
+              </a:rPr>
+              <a:t>gekoppelt</a:t>
+            </a:r>
+            <a:r>
+              <a:rPr lang="nl-BE" dirty="0">
+                <a:latin typeface="Roboto" panose="02000000000000000000" pitchFamily="2" charset="0"/>
+                <a:ea typeface="Roboto" panose="02000000000000000000" pitchFamily="2" charset="0"/>
+              </a:rPr>
+              <a:t>.</a:t>
+            </a:r>
+          </a:p>
+          <a:p>
+            <a:endParaRPr lang="nl-BE" dirty="0">
+              <a:latin typeface="Roboto" panose="02000000000000000000" pitchFamily="2" charset="0"/>
+              <a:ea typeface="Roboto" panose="02000000000000000000" pitchFamily="2" charset="0"/>
+            </a:endParaRPr>
+          </a:p>
+          <a:p>
+            <a:endParaRPr lang="nl-BE" dirty="0">
+              <a:latin typeface="Roboto" panose="02000000000000000000" pitchFamily="2" charset="0"/>
+              <a:ea typeface="Roboto" panose="02000000000000000000" pitchFamily="2" charset="0"/>
+            </a:endParaRPr>
+          </a:p>
+        </p:txBody>
+      </p:sp>
+      <p:sp>
+        <p:nvSpPr>
+          <p:cNvPr id="5" name="Tekstvak 4"/>
+          <p:cNvSpPr txBox="1"/>
+          <p:nvPr/>
+        </p:nvSpPr>
+        <p:spPr>
+          <a:xfrm>
+            <a:off x="6442745" y="1862356"/>
+            <a:ext cx="4580389" cy="1200329"/>
+          </a:xfrm>
+          <a:prstGeom prst="rect">
+            <a:avLst/>
+          </a:prstGeom>
+          <a:noFill/>
+        </p:spPr>
+        <p:txBody>
+          <a:bodyPr wrap="square" rtlCol="0">
+            <a:spAutoFit/>
+          </a:bodyPr>
+          <a:lstStyle/>
+          <a:p>
             <a:r>
               <a:rPr lang="nl-BE" dirty="0"/>
-              <a:t>Nu is de inhoud van elke component hetzelfde. Niet echt nuttig om hierbij componenten te gebruiken.</a:t>
-            </a:r>
-          </a:p>
-          <a:p>
+              <a:t>Er is ook de $</a:t>
+            </a:r>
+            <a:r>
+              <a:rPr lang="nl-BE" dirty="0" err="1"/>
+              <a:t>watch</a:t>
+            </a:r>
             <a:r>
               <a:rPr lang="nl-BE" dirty="0"/>
-              <a:t>Kan de </a:t>
-            </a:r>
-            <a:r>
-              <a:rPr lang="nl-BE" dirty="0" err="1"/>
-              <a:t>parent</a:t>
-            </a:r>
-            <a:r>
-              <a:rPr lang="nl-BE" dirty="0"/>
-              <a:t> de data wijzigen ? Ja zeker !</a:t>
+              <a:t> methode. Met deze methode kan je een variabele in het oog houden en een functie uitvoeren wanneer deze variabele wijzigt.</a:t>
             </a:r>
           </a:p>
         </p:txBody>
       </p:sp>
       <p:pic>
         <p:nvPicPr>
-          <p:cNvPr id="4" name="Afbeelding 3"/>
+          <p:cNvPr id="6" name="Afbeelding 5"/>
           <p:cNvPicPr>
             <a:picLocks noChangeAspect="1"/>
           </p:cNvPicPr>
@@ -9861,112 +11815,18 @@
         </p:blipFill>
         <p:spPr>
           <a:xfrm>
-            <a:off x="6116807" y="2896801"/>
-            <a:ext cx="4791075" cy="371475"/>
+            <a:off x="5837339" y="4287805"/>
+            <a:ext cx="5791200" cy="876300"/>
           </a:xfrm>
           <a:prstGeom prst="rect">
             <a:avLst/>
           </a:prstGeom>
         </p:spPr>
       </p:pic>
-      <p:pic>
-        <p:nvPicPr>
-          <p:cNvPr id="5" name="Afbeelding 4"/>
-          <p:cNvPicPr>
-            <a:picLocks noChangeAspect="1"/>
-          </p:cNvPicPr>
-          <p:nvPr/>
-        </p:nvPicPr>
-        <p:blipFill>
-          <a:blip r:embed="rId3"/>
-          <a:stretch>
-            <a:fillRect/>
-          </a:stretch>
-        </p:blipFill>
-        <p:spPr>
-          <a:xfrm>
-            <a:off x="1136044" y="2900348"/>
-            <a:ext cx="4057650" cy="1314450"/>
-          </a:xfrm>
-          <a:prstGeom prst="rect">
-            <a:avLst/>
-          </a:prstGeom>
-        </p:spPr>
-      </p:pic>
-      <p:sp>
-        <p:nvSpPr>
-          <p:cNvPr id="6" name="Tekstvak 5"/>
-          <p:cNvSpPr txBox="1"/>
-          <p:nvPr/>
-        </p:nvSpPr>
-        <p:spPr>
-          <a:xfrm>
-            <a:off x="571973" y="5086700"/>
-            <a:ext cx="7761562" cy="369332"/>
-          </a:xfrm>
-          <a:prstGeom prst="rect">
-            <a:avLst/>
-          </a:prstGeom>
-          <a:noFill/>
-        </p:spPr>
-        <p:txBody>
-          <a:bodyPr wrap="square" rtlCol="0">
-            <a:spAutoFit/>
-          </a:bodyPr>
-          <a:lstStyle/>
-          <a:p>
-            <a:r>
-              <a:rPr lang="nl-BE" dirty="0"/>
-              <a:t>Is het nut hiervan nog niet duidelijk ? </a:t>
-            </a:r>
-            <a:r>
-              <a:rPr lang="nl-BE" b="1" dirty="0"/>
-              <a:t>Geen nood, we gaan er later dieper op in.</a:t>
-            </a:r>
-          </a:p>
-        </p:txBody>
-      </p:sp>
-      <p:sp>
-        <p:nvSpPr>
-          <p:cNvPr id="7" name="Tekstvak 6"/>
-          <p:cNvSpPr txBox="1"/>
-          <p:nvPr/>
-        </p:nvSpPr>
-        <p:spPr>
-          <a:xfrm>
-            <a:off x="571973" y="1841305"/>
-            <a:ext cx="9688946" cy="369332"/>
-          </a:xfrm>
-          <a:prstGeom prst="rect">
-            <a:avLst/>
-          </a:prstGeom>
-          <a:noFill/>
-        </p:spPr>
-        <p:txBody>
-          <a:bodyPr wrap="square" rtlCol="0">
-            <a:spAutoFit/>
-          </a:bodyPr>
-          <a:lstStyle/>
-          <a:p>
-            <a:r>
-              <a:rPr lang="nl-BE" b="1" dirty="0"/>
-              <a:t>Met behulp van </a:t>
-            </a:r>
-            <a:r>
-              <a:rPr lang="nl-BE" b="1" dirty="0" err="1"/>
-              <a:t>properties</a:t>
-            </a:r>
-            <a:r>
-              <a:rPr lang="nl-BE" b="1" dirty="0"/>
-              <a:t> en v-bind</a:t>
-            </a:r>
-          </a:p>
-        </p:txBody>
-      </p:sp>
     </p:spTree>
     <p:extLst>
       <p:ext uri="{BB962C8B-B14F-4D97-AF65-F5344CB8AC3E}">
-        <p14:creationId xmlns:p14="http://schemas.microsoft.com/office/powerpoint/2010/main" val="3080850375"/>
+        <p14:creationId xmlns:p14="http://schemas.microsoft.com/office/powerpoint/2010/main" val="1135121152"/>
       </p:ext>
     </p:extLst>
   </p:cSld>

--- a/newTech/slideshow.pptx
+++ b/newTech/slideshow.pptx
@@ -5,7 +5,7 @@
     <p:sldMasterId id="2147483678" r:id="rId1"/>
   </p:sldMasterIdLst>
   <p:notesMasterIdLst>
-    <p:notesMasterId r:id="rId33"/>
+    <p:notesMasterId r:id="rId35"/>
   </p:notesMasterIdLst>
   <p:sldIdLst>
     <p:sldId id="256" r:id="rId2"/>
@@ -39,6 +39,8 @@
     <p:sldId id="287" r:id="rId30"/>
     <p:sldId id="286" r:id="rId31"/>
     <p:sldId id="288" r:id="rId32"/>
+    <p:sldId id="289" r:id="rId33"/>
+    <p:sldId id="290" r:id="rId34"/>
   </p:sldIdLst>
   <p:sldSz cx="12192000" cy="6858000"/>
   <p:notesSz cx="6858000" cy="9144000"/>
@@ -10355,10 +10357,516 @@
           </a:p>
         </p:txBody>
       </p:sp>
+      <p:pic>
+        <p:nvPicPr>
+          <p:cNvPr id="5" name="Afbeelding 4"/>
+          <p:cNvPicPr>
+            <a:picLocks noChangeAspect="1"/>
+          </p:cNvPicPr>
+          <p:nvPr/>
+        </p:nvPicPr>
+        <p:blipFill>
+          <a:blip r:embed="rId3"/>
+          <a:stretch>
+            <a:fillRect/>
+          </a:stretch>
+        </p:blipFill>
+        <p:spPr>
+          <a:xfrm>
+            <a:off x="8698247" y="5749956"/>
+            <a:ext cx="1609725" cy="381000"/>
+          </a:xfrm>
+          <a:prstGeom prst="rect">
+            <a:avLst/>
+          </a:prstGeom>
+        </p:spPr>
+      </p:pic>
     </p:spTree>
     <p:extLst>
       <p:ext uri="{BB962C8B-B14F-4D97-AF65-F5344CB8AC3E}">
         <p14:creationId xmlns:p14="http://schemas.microsoft.com/office/powerpoint/2010/main" val="1683890557"/>
+      </p:ext>
+    </p:extLst>
+  </p:cSld>
+  <p:clrMapOvr>
+    <a:masterClrMapping/>
+  </p:clrMapOvr>
+</p:sld>
+</file>
+
+<file path=ppt/slides/slide32.xml><?xml version="1.0" encoding="utf-8"?>
+<p:sld xmlns:a="http://schemas.openxmlformats.org/drawingml/2006/main" xmlns:r="http://schemas.openxmlformats.org/officeDocument/2006/relationships" xmlns:p="http://schemas.openxmlformats.org/presentationml/2006/main">
+  <p:cSld>
+    <p:spTree>
+      <p:nvGrpSpPr>
+        <p:cNvPr id="1" name=""/>
+        <p:cNvGrpSpPr/>
+        <p:nvPr/>
+      </p:nvGrpSpPr>
+      <p:grpSpPr>
+        <a:xfrm>
+          <a:off x="0" y="0"/>
+          <a:ext cx="0" cy="0"/>
+          <a:chOff x="0" y="0"/>
+          <a:chExt cx="0" cy="0"/>
+        </a:xfrm>
+      </p:grpSpPr>
+      <p:sp>
+        <p:nvSpPr>
+          <p:cNvPr id="2" name="Tekstvak 1"/>
+          <p:cNvSpPr txBox="1"/>
+          <p:nvPr/>
+        </p:nvSpPr>
+        <p:spPr>
+          <a:xfrm>
+            <a:off x="612396" y="352338"/>
+            <a:ext cx="10989578" cy="923330"/>
+          </a:xfrm>
+          <a:prstGeom prst="rect">
+            <a:avLst/>
+          </a:prstGeom>
+          <a:noFill/>
+        </p:spPr>
+        <p:txBody>
+          <a:bodyPr wrap="square" rtlCol="0">
+            <a:spAutoFit/>
+          </a:bodyPr>
+          <a:lstStyle/>
+          <a:p>
+            <a:r>
+              <a:rPr lang="nl-BE" dirty="0">
+                <a:latin typeface="Roboto" panose="02000000000000000000" pitchFamily="2" charset="0"/>
+                <a:ea typeface="Roboto" panose="02000000000000000000" pitchFamily="2" charset="0"/>
+              </a:rPr>
+              <a:t>Er is ook communicatie mogelijk tussen 2 componenten die geen paren-</a:t>
+            </a:r>
+            <a:r>
+              <a:rPr lang="nl-BE" dirty="0" err="1">
+                <a:latin typeface="Roboto" panose="02000000000000000000" pitchFamily="2" charset="0"/>
+                <a:ea typeface="Roboto" panose="02000000000000000000" pitchFamily="2" charset="0"/>
+              </a:rPr>
+              <a:t>child</a:t>
+            </a:r>
+            <a:r>
+              <a:rPr lang="nl-BE" dirty="0">
+                <a:latin typeface="Roboto" panose="02000000000000000000" pitchFamily="2" charset="0"/>
+                <a:ea typeface="Roboto" panose="02000000000000000000" pitchFamily="2" charset="0"/>
+              </a:rPr>
+              <a:t> relatie hebben.</a:t>
+            </a:r>
+          </a:p>
+          <a:p>
+            <a:endParaRPr lang="nl-BE" dirty="0">
+              <a:latin typeface="Roboto" panose="02000000000000000000" pitchFamily="2" charset="0"/>
+              <a:ea typeface="Roboto" panose="02000000000000000000" pitchFamily="2" charset="0"/>
+            </a:endParaRPr>
+          </a:p>
+          <a:p>
+            <a:r>
+              <a:rPr lang="nl-BE" dirty="0">
+                <a:latin typeface="Roboto" panose="02000000000000000000" pitchFamily="2" charset="0"/>
+                <a:ea typeface="Roboto" panose="02000000000000000000" pitchFamily="2" charset="0"/>
+              </a:rPr>
+              <a:t>Hiervoor kan je een vue instantie maken die werkt als brug tussen de 2 componenten. </a:t>
+            </a:r>
+          </a:p>
+        </p:txBody>
+      </p:sp>
+      <p:pic>
+        <p:nvPicPr>
+          <p:cNvPr id="4" name="Afbeelding 3"/>
+          <p:cNvPicPr>
+            <a:picLocks noChangeAspect="1"/>
+          </p:cNvPicPr>
+          <p:nvPr/>
+        </p:nvPicPr>
+        <p:blipFill>
+          <a:blip r:embed="rId2"/>
+          <a:stretch>
+            <a:fillRect/>
+          </a:stretch>
+        </p:blipFill>
+        <p:spPr>
+          <a:xfrm>
+            <a:off x="612396" y="1656179"/>
+            <a:ext cx="1790700" cy="590550"/>
+          </a:xfrm>
+          <a:prstGeom prst="rect">
+            <a:avLst/>
+          </a:prstGeom>
+        </p:spPr>
+      </p:pic>
+      <p:sp>
+        <p:nvSpPr>
+          <p:cNvPr id="5" name="Tekstvak 4"/>
+          <p:cNvSpPr txBox="1"/>
+          <p:nvPr/>
+        </p:nvSpPr>
+        <p:spPr>
+          <a:xfrm>
+            <a:off x="612396" y="2627240"/>
+            <a:ext cx="10117123" cy="646331"/>
+          </a:xfrm>
+          <a:prstGeom prst="rect">
+            <a:avLst/>
+          </a:prstGeom>
+          <a:noFill/>
+        </p:spPr>
+        <p:txBody>
+          <a:bodyPr wrap="square" rtlCol="0">
+            <a:spAutoFit/>
+          </a:bodyPr>
+          <a:lstStyle/>
+          <a:p>
+            <a:r>
+              <a:rPr lang="nl-BE" dirty="0">
+                <a:latin typeface="Roboto" panose="02000000000000000000" pitchFamily="2" charset="0"/>
+                <a:ea typeface="Roboto" panose="02000000000000000000" pitchFamily="2" charset="0"/>
+              </a:rPr>
+              <a:t>Nu kunnen we vanuit 1 van de componenten een </a:t>
+            </a:r>
+            <a:r>
+              <a:rPr lang="nl-BE" dirty="0" err="1">
+                <a:latin typeface="Roboto" panose="02000000000000000000" pitchFamily="2" charset="0"/>
+                <a:ea typeface="Roboto" panose="02000000000000000000" pitchFamily="2" charset="0"/>
+              </a:rPr>
+              <a:t>emit</a:t>
+            </a:r>
+            <a:r>
+              <a:rPr lang="nl-BE" dirty="0">
+                <a:latin typeface="Roboto" panose="02000000000000000000" pitchFamily="2" charset="0"/>
+                <a:ea typeface="Roboto" panose="02000000000000000000" pitchFamily="2" charset="0"/>
+              </a:rPr>
+              <a:t> doen naar de brug</a:t>
+            </a:r>
+          </a:p>
+          <a:p>
+            <a:endParaRPr lang="nl-BE" dirty="0">
+              <a:latin typeface="Roboto" panose="02000000000000000000" pitchFamily="2" charset="0"/>
+              <a:ea typeface="Roboto" panose="02000000000000000000" pitchFamily="2" charset="0"/>
+            </a:endParaRPr>
+          </a:p>
+        </p:txBody>
+      </p:sp>
+      <p:pic>
+        <p:nvPicPr>
+          <p:cNvPr id="6" name="Afbeelding 5"/>
+          <p:cNvPicPr>
+            <a:picLocks noChangeAspect="1"/>
+          </p:cNvPicPr>
+          <p:nvPr/>
+        </p:nvPicPr>
+        <p:blipFill>
+          <a:blip r:embed="rId3"/>
+          <a:stretch>
+            <a:fillRect/>
+          </a:stretch>
+        </p:blipFill>
+        <p:spPr>
+          <a:xfrm>
+            <a:off x="612396" y="3430244"/>
+            <a:ext cx="3324225" cy="447675"/>
+          </a:xfrm>
+          <a:prstGeom prst="rect">
+            <a:avLst/>
+          </a:prstGeom>
+        </p:spPr>
+      </p:pic>
+      <p:sp>
+        <p:nvSpPr>
+          <p:cNvPr id="7" name="Tekstvak 6"/>
+          <p:cNvSpPr txBox="1"/>
+          <p:nvPr/>
+        </p:nvSpPr>
+        <p:spPr>
+          <a:xfrm>
+            <a:off x="679508" y="4420998"/>
+            <a:ext cx="10050011" cy="369332"/>
+          </a:xfrm>
+          <a:prstGeom prst="rect">
+            <a:avLst/>
+          </a:prstGeom>
+          <a:noFill/>
+        </p:spPr>
+        <p:txBody>
+          <a:bodyPr wrap="square" rtlCol="0">
+            <a:spAutoFit/>
+          </a:bodyPr>
+          <a:lstStyle/>
+          <a:p>
+            <a:r>
+              <a:rPr lang="nl-BE" dirty="0">
+                <a:latin typeface="Roboto" panose="02000000000000000000" pitchFamily="2" charset="0"/>
+                <a:ea typeface="Roboto" panose="02000000000000000000" pitchFamily="2" charset="0"/>
+              </a:rPr>
+              <a:t>Deze </a:t>
+            </a:r>
+            <a:r>
+              <a:rPr lang="nl-BE" dirty="0" err="1">
+                <a:latin typeface="Roboto" panose="02000000000000000000" pitchFamily="2" charset="0"/>
+                <a:ea typeface="Roboto" panose="02000000000000000000" pitchFamily="2" charset="0"/>
+              </a:rPr>
+              <a:t>emit</a:t>
+            </a:r>
+            <a:r>
+              <a:rPr lang="nl-BE" dirty="0">
+                <a:latin typeface="Roboto" panose="02000000000000000000" pitchFamily="2" charset="0"/>
+                <a:ea typeface="Roboto" panose="02000000000000000000" pitchFamily="2" charset="0"/>
+              </a:rPr>
+              <a:t> kunnen we opvangen in onze andere component in de </a:t>
+            </a:r>
+            <a:r>
+              <a:rPr lang="nl-BE" dirty="0" err="1">
+                <a:latin typeface="Roboto" panose="02000000000000000000" pitchFamily="2" charset="0"/>
+                <a:ea typeface="Roboto" panose="02000000000000000000" pitchFamily="2" charset="0"/>
+              </a:rPr>
+              <a:t>lifecycle</a:t>
+            </a:r>
+            <a:r>
+              <a:rPr lang="nl-BE" dirty="0">
+                <a:latin typeface="Roboto" panose="02000000000000000000" pitchFamily="2" charset="0"/>
+                <a:ea typeface="Roboto" panose="02000000000000000000" pitchFamily="2" charset="0"/>
+              </a:rPr>
+              <a:t> </a:t>
+            </a:r>
+            <a:r>
+              <a:rPr lang="nl-BE" dirty="0" err="1">
+                <a:latin typeface="Roboto" panose="02000000000000000000" pitchFamily="2" charset="0"/>
+                <a:ea typeface="Roboto" panose="02000000000000000000" pitchFamily="2" charset="0"/>
+              </a:rPr>
+              <a:t>hook</a:t>
+            </a:r>
+            <a:r>
+              <a:rPr lang="nl-BE" dirty="0">
+                <a:latin typeface="Roboto" panose="02000000000000000000" pitchFamily="2" charset="0"/>
+                <a:ea typeface="Roboto" panose="02000000000000000000" pitchFamily="2" charset="0"/>
+              </a:rPr>
+              <a:t> “</a:t>
+            </a:r>
+            <a:r>
+              <a:rPr lang="nl-BE" dirty="0" err="1">
+                <a:latin typeface="Roboto" panose="02000000000000000000" pitchFamily="2" charset="0"/>
+                <a:ea typeface="Roboto" panose="02000000000000000000" pitchFamily="2" charset="0"/>
+              </a:rPr>
+              <a:t>created</a:t>
+            </a:r>
+            <a:r>
+              <a:rPr lang="nl-BE" dirty="0">
+                <a:latin typeface="Roboto" panose="02000000000000000000" pitchFamily="2" charset="0"/>
+                <a:ea typeface="Roboto" panose="02000000000000000000" pitchFamily="2" charset="0"/>
+              </a:rPr>
+              <a:t>”</a:t>
+            </a:r>
+          </a:p>
+        </p:txBody>
+      </p:sp>
+      <p:pic>
+        <p:nvPicPr>
+          <p:cNvPr id="8" name="Afbeelding 7"/>
+          <p:cNvPicPr>
+            <a:picLocks noChangeAspect="1"/>
+          </p:cNvPicPr>
+          <p:nvPr/>
+        </p:nvPicPr>
+        <p:blipFill>
+          <a:blip r:embed="rId4"/>
+          <a:stretch>
+            <a:fillRect/>
+          </a:stretch>
+        </p:blipFill>
+        <p:spPr>
+          <a:xfrm>
+            <a:off x="612396" y="5025346"/>
+            <a:ext cx="4467225" cy="1590675"/>
+          </a:xfrm>
+          <a:prstGeom prst="rect">
+            <a:avLst/>
+          </a:prstGeom>
+        </p:spPr>
+      </p:pic>
+      <p:sp>
+        <p:nvSpPr>
+          <p:cNvPr id="9" name="Tekstvak 8"/>
+          <p:cNvSpPr txBox="1"/>
+          <p:nvPr/>
+        </p:nvSpPr>
+        <p:spPr>
+          <a:xfrm>
+            <a:off x="5670957" y="5100506"/>
+            <a:ext cx="4764948" cy="923330"/>
+          </a:xfrm>
+          <a:prstGeom prst="rect">
+            <a:avLst/>
+          </a:prstGeom>
+          <a:noFill/>
+        </p:spPr>
+        <p:txBody>
+          <a:bodyPr wrap="square" rtlCol="0">
+            <a:spAutoFit/>
+          </a:bodyPr>
+          <a:lstStyle/>
+          <a:p>
+            <a:r>
+              <a:rPr lang="nl-BE" dirty="0">
+                <a:latin typeface="Roboto" panose="02000000000000000000" pitchFamily="2" charset="0"/>
+                <a:ea typeface="Roboto" panose="02000000000000000000" pitchFamily="2" charset="0"/>
+              </a:rPr>
+              <a:t>Zo is er data </a:t>
+            </a:r>
+            <a:r>
+              <a:rPr lang="nl-BE" dirty="0" err="1">
+                <a:latin typeface="Roboto" panose="02000000000000000000" pitchFamily="2" charset="0"/>
+                <a:ea typeface="Roboto" panose="02000000000000000000" pitchFamily="2" charset="0"/>
+              </a:rPr>
+              <a:t>gecommuniceert</a:t>
+            </a:r>
+            <a:r>
+              <a:rPr lang="nl-BE" dirty="0">
+                <a:latin typeface="Roboto" panose="02000000000000000000" pitchFamily="2" charset="0"/>
+                <a:ea typeface="Roboto" panose="02000000000000000000" pitchFamily="2" charset="0"/>
+              </a:rPr>
+              <a:t> tussen 2 componenten die geen </a:t>
+            </a:r>
+            <a:r>
+              <a:rPr lang="nl-BE" dirty="0" err="1">
+                <a:latin typeface="Roboto" panose="02000000000000000000" pitchFamily="2" charset="0"/>
+                <a:ea typeface="Roboto" panose="02000000000000000000" pitchFamily="2" charset="0"/>
+              </a:rPr>
+              <a:t>parent-child</a:t>
+            </a:r>
+            <a:r>
+              <a:rPr lang="nl-BE" dirty="0">
+                <a:latin typeface="Roboto" panose="02000000000000000000" pitchFamily="2" charset="0"/>
+                <a:ea typeface="Roboto" panose="02000000000000000000" pitchFamily="2" charset="0"/>
+              </a:rPr>
+              <a:t> relatie hebben.</a:t>
+            </a:r>
+          </a:p>
+        </p:txBody>
+      </p:sp>
+    </p:spTree>
+    <p:extLst>
+      <p:ext uri="{BB962C8B-B14F-4D97-AF65-F5344CB8AC3E}">
+        <p14:creationId xmlns:p14="http://schemas.microsoft.com/office/powerpoint/2010/main" val="3478918778"/>
+      </p:ext>
+    </p:extLst>
+  </p:cSld>
+  <p:clrMapOvr>
+    <a:masterClrMapping/>
+  </p:clrMapOvr>
+</p:sld>
+</file>
+
+<file path=ppt/slides/slide33.xml><?xml version="1.0" encoding="utf-8"?>
+<p:sld xmlns:a="http://schemas.openxmlformats.org/drawingml/2006/main" xmlns:r="http://schemas.openxmlformats.org/officeDocument/2006/relationships" xmlns:p="http://schemas.openxmlformats.org/presentationml/2006/main">
+  <p:cSld>
+    <p:spTree>
+      <p:nvGrpSpPr>
+        <p:cNvPr id="1" name=""/>
+        <p:cNvGrpSpPr/>
+        <p:nvPr/>
+      </p:nvGrpSpPr>
+      <p:grpSpPr>
+        <a:xfrm>
+          <a:off x="0" y="0"/>
+          <a:ext cx="0" cy="0"/>
+          <a:chOff x="0" y="0"/>
+          <a:chExt cx="0" cy="0"/>
+        </a:xfrm>
+      </p:grpSpPr>
+      <p:sp>
+        <p:nvSpPr>
+          <p:cNvPr id="2" name="Tekstvak 1"/>
+          <p:cNvSpPr txBox="1"/>
+          <p:nvPr/>
+        </p:nvSpPr>
+        <p:spPr>
+          <a:xfrm>
+            <a:off x="738231" y="385894"/>
+            <a:ext cx="10687575" cy="1200329"/>
+          </a:xfrm>
+          <a:prstGeom prst="rect">
+            <a:avLst/>
+          </a:prstGeom>
+          <a:noFill/>
+        </p:spPr>
+        <p:txBody>
+          <a:bodyPr wrap="square" rtlCol="0">
+            <a:spAutoFit/>
+          </a:bodyPr>
+          <a:lstStyle/>
+          <a:p>
+            <a:r>
+              <a:rPr lang="nl-BE" dirty="0">
+                <a:latin typeface="Roboto" panose="02000000000000000000" pitchFamily="2" charset="0"/>
+                <a:ea typeface="Roboto" panose="02000000000000000000" pitchFamily="2" charset="0"/>
+              </a:rPr>
+              <a:t>Zo, deze slideshow bevat de basis van vue.js</a:t>
+            </a:r>
+          </a:p>
+          <a:p>
+            <a:endParaRPr lang="nl-BE" dirty="0">
+              <a:latin typeface="Roboto" panose="02000000000000000000" pitchFamily="2" charset="0"/>
+              <a:ea typeface="Roboto" panose="02000000000000000000" pitchFamily="2" charset="0"/>
+            </a:endParaRPr>
+          </a:p>
+          <a:p>
+            <a:r>
+              <a:rPr lang="nl-BE" dirty="0">
+                <a:latin typeface="Roboto" panose="02000000000000000000" pitchFamily="2" charset="0"/>
+                <a:ea typeface="Roboto" panose="02000000000000000000" pitchFamily="2" charset="0"/>
+              </a:rPr>
+              <a:t>Als je nog meer wil weten aarzel dan niet om de vue.js </a:t>
+            </a:r>
+            <a:r>
+              <a:rPr lang="nl-BE" dirty="0" err="1">
+                <a:latin typeface="Roboto" panose="02000000000000000000" pitchFamily="2" charset="0"/>
+                <a:ea typeface="Roboto" panose="02000000000000000000" pitchFamily="2" charset="0"/>
+              </a:rPr>
+              <a:t>api</a:t>
+            </a:r>
+            <a:r>
+              <a:rPr lang="nl-BE" dirty="0">
+                <a:latin typeface="Roboto" panose="02000000000000000000" pitchFamily="2" charset="0"/>
+                <a:ea typeface="Roboto" panose="02000000000000000000" pitchFamily="2" charset="0"/>
+              </a:rPr>
+              <a:t> er bij te halen. Hier staan al de mogelijk </a:t>
+            </a:r>
+            <a:r>
+              <a:rPr lang="nl-BE" dirty="0" err="1">
+                <a:latin typeface="Roboto" panose="02000000000000000000" pitchFamily="2" charset="0"/>
+                <a:ea typeface="Roboto" panose="02000000000000000000" pitchFamily="2" charset="0"/>
+              </a:rPr>
+              <a:t>directives</a:t>
+            </a:r>
+            <a:r>
+              <a:rPr lang="nl-BE" dirty="0">
+                <a:latin typeface="Roboto" panose="02000000000000000000" pitchFamily="2" charset="0"/>
+                <a:ea typeface="Roboto" panose="02000000000000000000" pitchFamily="2" charset="0"/>
+              </a:rPr>
+              <a:t>,  methodes, </a:t>
+            </a:r>
+            <a:r>
+              <a:rPr lang="nl-BE" dirty="0" err="1">
+                <a:latin typeface="Roboto" panose="02000000000000000000" pitchFamily="2" charset="0"/>
+                <a:ea typeface="Roboto" panose="02000000000000000000" pitchFamily="2" charset="0"/>
+              </a:rPr>
+              <a:t>properties</a:t>
+            </a:r>
+            <a:r>
+              <a:rPr lang="nl-BE" dirty="0">
+                <a:latin typeface="Roboto" panose="02000000000000000000" pitchFamily="2" charset="0"/>
+                <a:ea typeface="Roboto" panose="02000000000000000000" pitchFamily="2" charset="0"/>
+              </a:rPr>
+              <a:t>, noem maar op.</a:t>
+            </a:r>
+          </a:p>
+        </p:txBody>
+      </p:sp>
+    </p:spTree>
+    <p:extLst>
+      <p:ext uri="{BB962C8B-B14F-4D97-AF65-F5344CB8AC3E}">
+        <p14:creationId xmlns:p14="http://schemas.microsoft.com/office/powerpoint/2010/main" val="2809645046"/>
       </p:ext>
     </p:extLst>
   </p:cSld>

--- a/newTech/slideshow.pptx
+++ b/newTech/slideshow.pptx
@@ -5,7 +5,7 @@
     <p:sldMasterId id="2147483678" r:id="rId1"/>
   </p:sldMasterIdLst>
   <p:notesMasterIdLst>
-    <p:notesMasterId r:id="rId35"/>
+    <p:notesMasterId r:id="rId40"/>
   </p:notesMasterIdLst>
   <p:sldIdLst>
     <p:sldId id="256" r:id="rId2"/>
@@ -40,7 +40,12 @@
     <p:sldId id="286" r:id="rId31"/>
     <p:sldId id="288" r:id="rId32"/>
     <p:sldId id="289" r:id="rId33"/>
-    <p:sldId id="290" r:id="rId34"/>
+    <p:sldId id="291" r:id="rId34"/>
+    <p:sldId id="292" r:id="rId35"/>
+    <p:sldId id="293" r:id="rId36"/>
+    <p:sldId id="294" r:id="rId37"/>
+    <p:sldId id="295" r:id="rId38"/>
+    <p:sldId id="290" r:id="rId39"/>
   </p:sldIdLst>
   <p:sldSz cx="12192000" cy="6858000"/>
   <p:notesSz cx="6858000" cy="9144000"/>
@@ -10758,6 +10763,1558 @@
 </file>
 
 <file path=ppt/slides/slide33.xml><?xml version="1.0" encoding="utf-8"?>
+<p:sld xmlns:a="http://schemas.openxmlformats.org/drawingml/2006/main" xmlns:r="http://schemas.openxmlformats.org/officeDocument/2006/relationships" xmlns:p="http://schemas.openxmlformats.org/presentationml/2006/main">
+  <p:cSld>
+    <p:spTree>
+      <p:nvGrpSpPr>
+        <p:cNvPr id="1" name=""/>
+        <p:cNvGrpSpPr/>
+        <p:nvPr/>
+      </p:nvGrpSpPr>
+      <p:grpSpPr>
+        <a:xfrm>
+          <a:off x="0" y="0"/>
+          <a:ext cx="0" cy="0"/>
+          <a:chOff x="0" y="0"/>
+          <a:chExt cx="0" cy="0"/>
+        </a:xfrm>
+      </p:grpSpPr>
+      <p:sp>
+        <p:nvSpPr>
+          <p:cNvPr id="2" name="Tekstvak 1"/>
+          <p:cNvSpPr txBox="1"/>
+          <p:nvPr/>
+        </p:nvSpPr>
+        <p:spPr>
+          <a:xfrm>
+            <a:off x="612396" y="293615"/>
+            <a:ext cx="10855354" cy="923330"/>
+          </a:xfrm>
+          <a:prstGeom prst="rect">
+            <a:avLst/>
+          </a:prstGeom>
+          <a:noFill/>
+        </p:spPr>
+        <p:txBody>
+          <a:bodyPr wrap="square" rtlCol="0">
+            <a:spAutoFit/>
+          </a:bodyPr>
+          <a:lstStyle/>
+          <a:p>
+            <a:pPr algn="ctr"/>
+            <a:r>
+              <a:rPr lang="nl-BE" sz="5400" dirty="0">
+                <a:latin typeface="Haettenschweiler" panose="020B0706040902060204" pitchFamily="34" charset="0"/>
+              </a:rPr>
+              <a:t>Ajax en </a:t>
+            </a:r>
+            <a:r>
+              <a:rPr lang="nl-BE" sz="5400" dirty="0" err="1">
+                <a:latin typeface="Haettenschweiler" panose="020B0706040902060204" pitchFamily="34" charset="0"/>
+              </a:rPr>
+              <a:t>laravel</a:t>
+            </a:r>
+            <a:endParaRPr lang="nl-BE" sz="5400" dirty="0">
+              <a:latin typeface="Haettenschweiler" panose="020B0706040902060204" pitchFamily="34" charset="0"/>
+            </a:endParaRPr>
+          </a:p>
+        </p:txBody>
+      </p:sp>
+      <p:sp>
+        <p:nvSpPr>
+          <p:cNvPr id="3" name="Tekstvak 2"/>
+          <p:cNvSpPr txBox="1"/>
+          <p:nvPr/>
+        </p:nvSpPr>
+        <p:spPr>
+          <a:xfrm>
+            <a:off x="755009" y="1434517"/>
+            <a:ext cx="10628852" cy="369332"/>
+          </a:xfrm>
+          <a:prstGeom prst="rect">
+            <a:avLst/>
+          </a:prstGeom>
+          <a:noFill/>
+        </p:spPr>
+        <p:txBody>
+          <a:bodyPr wrap="square" rtlCol="0">
+            <a:spAutoFit/>
+          </a:bodyPr>
+          <a:lstStyle/>
+          <a:p>
+            <a:r>
+              <a:rPr lang="nl-BE" dirty="0">
+                <a:latin typeface="Roboto" panose="02000000000000000000" pitchFamily="2" charset="0"/>
+                <a:ea typeface="Roboto" panose="02000000000000000000" pitchFamily="2" charset="0"/>
+              </a:rPr>
+              <a:t>In dit voorbeeld ga ik een </a:t>
+            </a:r>
+            <a:r>
+              <a:rPr lang="nl-BE" dirty="0" err="1">
+                <a:latin typeface="Roboto" panose="02000000000000000000" pitchFamily="2" charset="0"/>
+                <a:ea typeface="Roboto" panose="02000000000000000000" pitchFamily="2" charset="0"/>
+              </a:rPr>
+              <a:t>eenvouwdige</a:t>
+            </a:r>
+            <a:r>
+              <a:rPr lang="nl-BE" dirty="0">
+                <a:latin typeface="Roboto" panose="02000000000000000000" pitchFamily="2" charset="0"/>
+                <a:ea typeface="Roboto" panose="02000000000000000000" pitchFamily="2" charset="0"/>
+              </a:rPr>
+              <a:t> </a:t>
+            </a:r>
+            <a:r>
+              <a:rPr lang="nl-BE" dirty="0" err="1">
+                <a:latin typeface="Roboto" panose="02000000000000000000" pitchFamily="2" charset="0"/>
+                <a:ea typeface="Roboto" panose="02000000000000000000" pitchFamily="2" charset="0"/>
+              </a:rPr>
+              <a:t>laravel</a:t>
+            </a:r>
+            <a:r>
+              <a:rPr lang="nl-BE" dirty="0">
+                <a:latin typeface="Roboto" panose="02000000000000000000" pitchFamily="2" charset="0"/>
+                <a:ea typeface="Roboto" panose="02000000000000000000" pitchFamily="2" charset="0"/>
+              </a:rPr>
+              <a:t> applicatie maken om kaarten te bekijken en bewerken.</a:t>
+            </a:r>
+          </a:p>
+        </p:txBody>
+      </p:sp>
+      <p:sp>
+        <p:nvSpPr>
+          <p:cNvPr id="4" name="Tekstvak 3"/>
+          <p:cNvSpPr txBox="1"/>
+          <p:nvPr/>
+        </p:nvSpPr>
+        <p:spPr>
+          <a:xfrm>
+            <a:off x="755009" y="2114026"/>
+            <a:ext cx="10310070" cy="1754326"/>
+          </a:xfrm>
+          <a:prstGeom prst="rect">
+            <a:avLst/>
+          </a:prstGeom>
+          <a:noFill/>
+        </p:spPr>
+        <p:txBody>
+          <a:bodyPr wrap="square" rtlCol="0">
+            <a:spAutoFit/>
+          </a:bodyPr>
+          <a:lstStyle/>
+          <a:p>
+            <a:r>
+              <a:rPr lang="nl-BE" dirty="0">
+                <a:latin typeface="Roboto" panose="02000000000000000000" pitchFamily="2" charset="0"/>
+                <a:ea typeface="Roboto" panose="02000000000000000000" pitchFamily="2" charset="0"/>
+              </a:rPr>
+              <a:t>Ik heb eerst een databank aangemaakt met een “cards” </a:t>
+            </a:r>
+            <a:r>
+              <a:rPr lang="nl-BE" dirty="0" err="1">
+                <a:latin typeface="Roboto" panose="02000000000000000000" pitchFamily="2" charset="0"/>
+                <a:ea typeface="Roboto" panose="02000000000000000000" pitchFamily="2" charset="0"/>
+              </a:rPr>
+              <a:t>table</a:t>
+            </a:r>
+            <a:r>
+              <a:rPr lang="nl-BE" dirty="0">
+                <a:latin typeface="Roboto" panose="02000000000000000000" pitchFamily="2" charset="0"/>
+                <a:ea typeface="Roboto" panose="02000000000000000000" pitchFamily="2" charset="0"/>
+              </a:rPr>
+              <a:t> die een “titel” en “body” </a:t>
+            </a:r>
+            <a:r>
+              <a:rPr lang="nl-BE" dirty="0" err="1">
+                <a:latin typeface="Roboto" panose="02000000000000000000" pitchFamily="2" charset="0"/>
+                <a:ea typeface="Roboto" panose="02000000000000000000" pitchFamily="2" charset="0"/>
+              </a:rPr>
+              <a:t>row</a:t>
+            </a:r>
+            <a:r>
+              <a:rPr lang="nl-BE" dirty="0">
+                <a:latin typeface="Roboto" panose="02000000000000000000" pitchFamily="2" charset="0"/>
+                <a:ea typeface="Roboto" panose="02000000000000000000" pitchFamily="2" charset="0"/>
+              </a:rPr>
+              <a:t> heeft.</a:t>
+            </a:r>
+          </a:p>
+          <a:p>
+            <a:r>
+              <a:rPr lang="nl-BE" dirty="0">
+                <a:latin typeface="Roboto" panose="02000000000000000000" pitchFamily="2" charset="0"/>
+                <a:ea typeface="Roboto" panose="02000000000000000000" pitchFamily="2" charset="0"/>
+              </a:rPr>
+              <a:t>Dan heb ik de 3 </a:t>
+            </a:r>
+            <a:r>
+              <a:rPr lang="nl-BE" dirty="0" err="1">
+                <a:latin typeface="Roboto" panose="02000000000000000000" pitchFamily="2" charset="0"/>
+                <a:ea typeface="Roboto" panose="02000000000000000000" pitchFamily="2" charset="0"/>
+              </a:rPr>
+              <a:t>api’s</a:t>
+            </a:r>
+            <a:r>
+              <a:rPr lang="nl-BE" dirty="0">
+                <a:latin typeface="Roboto" panose="02000000000000000000" pitchFamily="2" charset="0"/>
+                <a:ea typeface="Roboto" panose="02000000000000000000" pitchFamily="2" charset="0"/>
+              </a:rPr>
+              <a:t> aangemaakt:</a:t>
+            </a:r>
+          </a:p>
+          <a:p>
+            <a:endParaRPr lang="nl-BE" dirty="0">
+              <a:latin typeface="Roboto" panose="02000000000000000000" pitchFamily="2" charset="0"/>
+              <a:ea typeface="Roboto" panose="02000000000000000000" pitchFamily="2" charset="0"/>
+            </a:endParaRPr>
+          </a:p>
+          <a:p>
+            <a:pPr marL="342900" indent="-342900">
+              <a:buFont typeface="+mj-lt"/>
+              <a:buAutoNum type="arabicPeriod"/>
+            </a:pPr>
+            <a:r>
+              <a:rPr lang="nl-BE" dirty="0">
+                <a:latin typeface="Roboto" panose="02000000000000000000" pitchFamily="2" charset="0"/>
+                <a:ea typeface="Roboto" panose="02000000000000000000" pitchFamily="2" charset="0"/>
+              </a:rPr>
+              <a:t>Alle kaarten terug geven - get</a:t>
+            </a:r>
+          </a:p>
+          <a:p>
+            <a:pPr marL="342900" indent="-342900">
+              <a:buFont typeface="+mj-lt"/>
+              <a:buAutoNum type="arabicPeriod"/>
+            </a:pPr>
+            <a:r>
+              <a:rPr lang="nl-BE" dirty="0">
+                <a:latin typeface="Roboto" panose="02000000000000000000" pitchFamily="2" charset="0"/>
+                <a:ea typeface="Roboto" panose="02000000000000000000" pitchFamily="2" charset="0"/>
+              </a:rPr>
+              <a:t>1 specifieke kaart terug geven - get</a:t>
+            </a:r>
+          </a:p>
+          <a:p>
+            <a:pPr marL="342900" indent="-342900">
+              <a:buFont typeface="+mj-lt"/>
+              <a:buAutoNum type="arabicPeriod"/>
+            </a:pPr>
+            <a:r>
+              <a:rPr lang="nl-BE" dirty="0">
+                <a:latin typeface="Roboto" panose="02000000000000000000" pitchFamily="2" charset="0"/>
+                <a:ea typeface="Roboto" panose="02000000000000000000" pitchFamily="2" charset="0"/>
+              </a:rPr>
+              <a:t>Een bepaalde kaart bewerken - post</a:t>
+            </a:r>
+          </a:p>
+        </p:txBody>
+      </p:sp>
+      <p:pic>
+        <p:nvPicPr>
+          <p:cNvPr id="5" name="Afbeelding 4"/>
+          <p:cNvPicPr>
+            <a:picLocks noChangeAspect="1"/>
+          </p:cNvPicPr>
+          <p:nvPr/>
+        </p:nvPicPr>
+        <p:blipFill>
+          <a:blip r:embed="rId2"/>
+          <a:stretch>
+            <a:fillRect/>
+          </a:stretch>
+        </p:blipFill>
+        <p:spPr>
+          <a:xfrm>
+            <a:off x="6502604" y="2991189"/>
+            <a:ext cx="4562475" cy="3571875"/>
+          </a:xfrm>
+          <a:prstGeom prst="rect">
+            <a:avLst/>
+          </a:prstGeom>
+        </p:spPr>
+      </p:pic>
+      <p:sp>
+        <p:nvSpPr>
+          <p:cNvPr id="6" name="Tekstvak 5"/>
+          <p:cNvSpPr txBox="1"/>
+          <p:nvPr/>
+        </p:nvSpPr>
+        <p:spPr>
+          <a:xfrm>
+            <a:off x="755009" y="4229675"/>
+            <a:ext cx="4890782" cy="646331"/>
+          </a:xfrm>
+          <a:prstGeom prst="rect">
+            <a:avLst/>
+          </a:prstGeom>
+          <a:noFill/>
+        </p:spPr>
+        <p:txBody>
+          <a:bodyPr wrap="square" rtlCol="0">
+            <a:spAutoFit/>
+          </a:bodyPr>
+          <a:lstStyle/>
+          <a:p>
+            <a:r>
+              <a:rPr lang="nl-BE" dirty="0">
+                <a:latin typeface="Roboto" panose="02000000000000000000" pitchFamily="2" charset="0"/>
+                <a:ea typeface="Roboto" panose="02000000000000000000" pitchFamily="2" charset="0"/>
+              </a:rPr>
+              <a:t>Deze 3 </a:t>
+            </a:r>
+            <a:r>
+              <a:rPr lang="nl-BE" dirty="0" err="1">
+                <a:latin typeface="Roboto" panose="02000000000000000000" pitchFamily="2" charset="0"/>
+                <a:ea typeface="Roboto" panose="02000000000000000000" pitchFamily="2" charset="0"/>
+              </a:rPr>
+              <a:t>api’s</a:t>
+            </a:r>
+            <a:r>
+              <a:rPr lang="nl-BE" dirty="0">
+                <a:latin typeface="Roboto" panose="02000000000000000000" pitchFamily="2" charset="0"/>
+                <a:ea typeface="Roboto" panose="02000000000000000000" pitchFamily="2" charset="0"/>
+              </a:rPr>
+              <a:t> ga ik gebruiken om de nodige dingen op te vragen of te bewerken met vue.</a:t>
+            </a:r>
+          </a:p>
+        </p:txBody>
+      </p:sp>
+    </p:spTree>
+    <p:extLst>
+      <p:ext uri="{BB962C8B-B14F-4D97-AF65-F5344CB8AC3E}">
+        <p14:creationId xmlns:p14="http://schemas.microsoft.com/office/powerpoint/2010/main" val="3999937166"/>
+      </p:ext>
+    </p:extLst>
+  </p:cSld>
+  <p:clrMapOvr>
+    <a:masterClrMapping/>
+  </p:clrMapOvr>
+</p:sld>
+</file>
+
+<file path=ppt/slides/slide34.xml><?xml version="1.0" encoding="utf-8"?>
+<p:sld xmlns:a="http://schemas.openxmlformats.org/drawingml/2006/main" xmlns:r="http://schemas.openxmlformats.org/officeDocument/2006/relationships" xmlns:p="http://schemas.openxmlformats.org/presentationml/2006/main">
+  <p:cSld>
+    <p:spTree>
+      <p:nvGrpSpPr>
+        <p:cNvPr id="1" name=""/>
+        <p:cNvGrpSpPr/>
+        <p:nvPr/>
+      </p:nvGrpSpPr>
+      <p:grpSpPr>
+        <a:xfrm>
+          <a:off x="0" y="0"/>
+          <a:ext cx="0" cy="0"/>
+          <a:chOff x="0" y="0"/>
+          <a:chExt cx="0" cy="0"/>
+        </a:xfrm>
+      </p:grpSpPr>
+      <p:sp>
+        <p:nvSpPr>
+          <p:cNvPr id="2" name="Tekstvak 1"/>
+          <p:cNvSpPr txBox="1"/>
+          <p:nvPr/>
+        </p:nvSpPr>
+        <p:spPr>
+          <a:xfrm>
+            <a:off x="637563" y="436228"/>
+            <a:ext cx="10830187" cy="923330"/>
+          </a:xfrm>
+          <a:prstGeom prst="rect">
+            <a:avLst/>
+          </a:prstGeom>
+          <a:noFill/>
+        </p:spPr>
+        <p:txBody>
+          <a:bodyPr wrap="square" rtlCol="0">
+            <a:spAutoFit/>
+          </a:bodyPr>
+          <a:lstStyle/>
+          <a:p>
+            <a:r>
+              <a:rPr lang="nl-BE" dirty="0">
+                <a:latin typeface="Roboto" panose="02000000000000000000" pitchFamily="2" charset="0"/>
+                <a:ea typeface="Roboto" panose="02000000000000000000" pitchFamily="2" charset="0"/>
+              </a:rPr>
+              <a:t>Nu al de </a:t>
+            </a:r>
+            <a:r>
+              <a:rPr lang="nl-BE" dirty="0" err="1">
+                <a:latin typeface="Roboto" panose="02000000000000000000" pitchFamily="2" charset="0"/>
+                <a:ea typeface="Roboto" panose="02000000000000000000" pitchFamily="2" charset="0"/>
+              </a:rPr>
+              <a:t>back-end</a:t>
+            </a:r>
+            <a:r>
+              <a:rPr lang="nl-BE" dirty="0">
+                <a:latin typeface="Roboto" panose="02000000000000000000" pitchFamily="2" charset="0"/>
+                <a:ea typeface="Roboto" panose="02000000000000000000" pitchFamily="2" charset="0"/>
+              </a:rPr>
+              <a:t> achter de rug is kunnen </a:t>
+            </a:r>
+            <a:r>
+              <a:rPr lang="nl-BE" dirty="0" err="1">
+                <a:latin typeface="Roboto" panose="02000000000000000000" pitchFamily="2" charset="0"/>
+                <a:ea typeface="Roboto" panose="02000000000000000000" pitchFamily="2" charset="0"/>
+              </a:rPr>
+              <a:t>wa</a:t>
+            </a:r>
+            <a:r>
+              <a:rPr lang="nl-BE" dirty="0">
+                <a:latin typeface="Roboto" panose="02000000000000000000" pitchFamily="2" charset="0"/>
+                <a:ea typeface="Roboto" panose="02000000000000000000" pitchFamily="2" charset="0"/>
+              </a:rPr>
+              <a:t> aan de front-end beginnen.</a:t>
+            </a:r>
+          </a:p>
+          <a:p>
+            <a:endParaRPr lang="nl-BE" dirty="0">
+              <a:latin typeface="Roboto" panose="02000000000000000000" pitchFamily="2" charset="0"/>
+              <a:ea typeface="Roboto" panose="02000000000000000000" pitchFamily="2" charset="0"/>
+            </a:endParaRPr>
+          </a:p>
+          <a:p>
+            <a:r>
+              <a:rPr lang="nl-BE" dirty="0">
+                <a:latin typeface="Roboto" panose="02000000000000000000" pitchFamily="2" charset="0"/>
+                <a:ea typeface="Roboto" panose="02000000000000000000" pitchFamily="2" charset="0"/>
+              </a:rPr>
+              <a:t>Ik ga werken met een component “</a:t>
+            </a:r>
+            <a:r>
+              <a:rPr lang="nl-BE" b="1" dirty="0">
+                <a:latin typeface="Roboto" panose="02000000000000000000" pitchFamily="2" charset="0"/>
+                <a:ea typeface="Roboto" panose="02000000000000000000" pitchFamily="2" charset="0"/>
+              </a:rPr>
+              <a:t>cards</a:t>
+            </a:r>
+            <a:r>
+              <a:rPr lang="nl-BE" dirty="0">
+                <a:latin typeface="Roboto" panose="02000000000000000000" pitchFamily="2" charset="0"/>
+                <a:ea typeface="Roboto" panose="02000000000000000000" pitchFamily="2" charset="0"/>
+              </a:rPr>
+              <a:t>”</a:t>
+            </a:r>
+          </a:p>
+        </p:txBody>
+      </p:sp>
+      <p:pic>
+        <p:nvPicPr>
+          <p:cNvPr id="4" name="Afbeelding 3"/>
+          <p:cNvPicPr>
+            <a:picLocks noChangeAspect="1"/>
+          </p:cNvPicPr>
+          <p:nvPr/>
+        </p:nvPicPr>
+        <p:blipFill>
+          <a:blip r:embed="rId2"/>
+          <a:stretch>
+            <a:fillRect/>
+          </a:stretch>
+        </p:blipFill>
+        <p:spPr>
+          <a:xfrm>
+            <a:off x="758635" y="1804944"/>
+            <a:ext cx="3057525" cy="1771650"/>
+          </a:xfrm>
+          <a:prstGeom prst="rect">
+            <a:avLst/>
+          </a:prstGeom>
+        </p:spPr>
+      </p:pic>
+      <p:sp>
+        <p:nvSpPr>
+          <p:cNvPr id="5" name="Tekstvak 4"/>
+          <p:cNvSpPr txBox="1"/>
+          <p:nvPr/>
+        </p:nvSpPr>
+        <p:spPr>
+          <a:xfrm>
+            <a:off x="4756558" y="1804944"/>
+            <a:ext cx="6040073" cy="1200329"/>
+          </a:xfrm>
+          <a:prstGeom prst="rect">
+            <a:avLst/>
+          </a:prstGeom>
+          <a:noFill/>
+        </p:spPr>
+        <p:txBody>
+          <a:bodyPr wrap="square" rtlCol="0">
+            <a:spAutoFit/>
+          </a:bodyPr>
+          <a:lstStyle/>
+          <a:p>
+            <a:r>
+              <a:rPr lang="nl-BE" dirty="0">
+                <a:latin typeface="Roboto" panose="02000000000000000000" pitchFamily="2" charset="0"/>
+                <a:ea typeface="Roboto" panose="02000000000000000000" pitchFamily="2" charset="0"/>
+              </a:rPr>
+              <a:t>De template heb ik gelinkt naar de html pagina waar ik de inhoud in een div heb gestoken met het </a:t>
+            </a:r>
+            <a:r>
+              <a:rPr lang="nl-BE" dirty="0" err="1">
+                <a:latin typeface="Roboto" panose="02000000000000000000" pitchFamily="2" charset="0"/>
+                <a:ea typeface="Roboto" panose="02000000000000000000" pitchFamily="2" charset="0"/>
+              </a:rPr>
+              <a:t>id</a:t>
+            </a:r>
+            <a:r>
+              <a:rPr lang="nl-BE" dirty="0">
+                <a:latin typeface="Roboto" panose="02000000000000000000" pitchFamily="2" charset="0"/>
+                <a:ea typeface="Roboto" panose="02000000000000000000" pitchFamily="2" charset="0"/>
+              </a:rPr>
+              <a:t>: </a:t>
+            </a:r>
+            <a:r>
+              <a:rPr lang="nl-BE" dirty="0" err="1">
+                <a:latin typeface="Roboto" panose="02000000000000000000" pitchFamily="2" charset="0"/>
+                <a:ea typeface="Roboto" panose="02000000000000000000" pitchFamily="2" charset="0"/>
+              </a:rPr>
+              <a:t>cardTemplate</a:t>
+            </a:r>
+            <a:r>
+              <a:rPr lang="nl-BE" dirty="0">
+                <a:latin typeface="Roboto" panose="02000000000000000000" pitchFamily="2" charset="0"/>
+                <a:ea typeface="Roboto" panose="02000000000000000000" pitchFamily="2" charset="0"/>
+              </a:rPr>
+              <a:t>.</a:t>
+            </a:r>
+          </a:p>
+          <a:p>
+            <a:r>
+              <a:rPr lang="nl-BE" dirty="0">
+                <a:latin typeface="Roboto" panose="02000000000000000000" pitchFamily="2" charset="0"/>
+                <a:ea typeface="Roboto" panose="02000000000000000000" pitchFamily="2" charset="0"/>
+              </a:rPr>
+              <a:t>Dit houd de html en javascript wat beter </a:t>
+            </a:r>
+            <a:r>
+              <a:rPr lang="nl-BE" dirty="0" err="1">
+                <a:latin typeface="Roboto" panose="02000000000000000000" pitchFamily="2" charset="0"/>
+                <a:ea typeface="Roboto" panose="02000000000000000000" pitchFamily="2" charset="0"/>
+              </a:rPr>
+              <a:t>gescheide</a:t>
+            </a:r>
+            <a:r>
+              <a:rPr lang="nl-BE" dirty="0">
+                <a:latin typeface="Roboto" panose="02000000000000000000" pitchFamily="2" charset="0"/>
+                <a:ea typeface="Roboto" panose="02000000000000000000" pitchFamily="2" charset="0"/>
+              </a:rPr>
+              <a:t>.</a:t>
+            </a:r>
+          </a:p>
+        </p:txBody>
+      </p:sp>
+      <p:sp>
+        <p:nvSpPr>
+          <p:cNvPr id="6" name="Tekstvak 5"/>
+          <p:cNvSpPr txBox="1"/>
+          <p:nvPr/>
+        </p:nvSpPr>
+        <p:spPr>
+          <a:xfrm>
+            <a:off x="758635" y="4043494"/>
+            <a:ext cx="10331611" cy="2031325"/>
+          </a:xfrm>
+          <a:prstGeom prst="rect">
+            <a:avLst/>
+          </a:prstGeom>
+          <a:noFill/>
+        </p:spPr>
+        <p:txBody>
+          <a:bodyPr wrap="square" rtlCol="0">
+            <a:spAutoFit/>
+          </a:bodyPr>
+          <a:lstStyle/>
+          <a:p>
+            <a:r>
+              <a:rPr lang="nl-BE" dirty="0">
+                <a:latin typeface="Roboto" panose="02000000000000000000" pitchFamily="2" charset="0"/>
+                <a:ea typeface="Roboto" panose="02000000000000000000" pitchFamily="2" charset="0"/>
+              </a:rPr>
+              <a:t>De card component bevat 5 data variabelen</a:t>
+            </a:r>
+          </a:p>
+          <a:p>
+            <a:endParaRPr lang="nl-BE" dirty="0">
+              <a:latin typeface="Roboto" panose="02000000000000000000" pitchFamily="2" charset="0"/>
+              <a:ea typeface="Roboto" panose="02000000000000000000" pitchFamily="2" charset="0"/>
+            </a:endParaRPr>
+          </a:p>
+          <a:p>
+            <a:pPr marL="285750" indent="-285750">
+              <a:buFont typeface="Arial" panose="020B0604020202020204" pitchFamily="34" charset="0"/>
+              <a:buChar char="•"/>
+            </a:pPr>
+            <a:r>
+              <a:rPr lang="nl-BE" dirty="0">
+                <a:latin typeface="Roboto" panose="02000000000000000000" pitchFamily="2" charset="0"/>
+                <a:ea typeface="Roboto" panose="02000000000000000000" pitchFamily="2" charset="0"/>
+              </a:rPr>
+              <a:t>List : 		Deze array vul ik met al de kaarten.</a:t>
+            </a:r>
+          </a:p>
+          <a:p>
+            <a:pPr marL="285750" indent="-285750">
+              <a:buFont typeface="Arial" panose="020B0604020202020204" pitchFamily="34" charset="0"/>
+              <a:buChar char="•"/>
+            </a:pPr>
+            <a:r>
+              <a:rPr lang="nl-BE" dirty="0" err="1">
+                <a:latin typeface="Roboto" panose="02000000000000000000" pitchFamily="2" charset="0"/>
+                <a:ea typeface="Roboto" panose="02000000000000000000" pitchFamily="2" charset="0"/>
+              </a:rPr>
+              <a:t>newId</a:t>
+            </a:r>
+            <a:r>
+              <a:rPr lang="nl-BE" dirty="0">
+                <a:latin typeface="Roboto" panose="02000000000000000000" pitchFamily="2" charset="0"/>
+                <a:ea typeface="Roboto" panose="02000000000000000000" pitchFamily="2" charset="0"/>
+              </a:rPr>
+              <a:t> : 	Deze variabele vul ik met de geselecteerde kaart.</a:t>
+            </a:r>
+          </a:p>
+          <a:p>
+            <a:pPr marL="285750" indent="-285750">
+              <a:buFont typeface="Arial" panose="020B0604020202020204" pitchFamily="34" charset="0"/>
+              <a:buChar char="•"/>
+            </a:pPr>
+            <a:r>
+              <a:rPr lang="nl-BE" dirty="0" err="1">
+                <a:latin typeface="Roboto" panose="02000000000000000000" pitchFamily="2" charset="0"/>
+                <a:ea typeface="Roboto" panose="02000000000000000000" pitchFamily="2" charset="0"/>
+              </a:rPr>
+              <a:t>selectedCard</a:t>
+            </a:r>
+            <a:r>
+              <a:rPr lang="nl-BE" dirty="0">
+                <a:latin typeface="Roboto" panose="02000000000000000000" pitchFamily="2" charset="0"/>
+                <a:ea typeface="Roboto" panose="02000000000000000000" pitchFamily="2" charset="0"/>
+              </a:rPr>
+              <a:t> : 	Deze variabele vul ik met het geselecteerde kaart object.</a:t>
+            </a:r>
+          </a:p>
+          <a:p>
+            <a:pPr marL="285750" indent="-285750">
+              <a:buFont typeface="Arial" panose="020B0604020202020204" pitchFamily="34" charset="0"/>
+              <a:buChar char="•"/>
+            </a:pPr>
+            <a:r>
+              <a:rPr lang="nl-BE" dirty="0" err="1">
+                <a:latin typeface="Roboto" panose="02000000000000000000" pitchFamily="2" charset="0"/>
+                <a:ea typeface="Roboto" panose="02000000000000000000" pitchFamily="2" charset="0"/>
+              </a:rPr>
+              <a:t>newTitle</a:t>
+            </a:r>
+            <a:r>
+              <a:rPr lang="nl-BE" dirty="0">
+                <a:latin typeface="Roboto" panose="02000000000000000000" pitchFamily="2" charset="0"/>
+                <a:ea typeface="Roboto" panose="02000000000000000000" pitchFamily="2" charset="0"/>
+              </a:rPr>
+              <a:t> : 	Deze variabele vul ik met de nieuw aangemaakte titel voor een update.</a:t>
+            </a:r>
+          </a:p>
+          <a:p>
+            <a:pPr marL="285750" indent="-285750">
+              <a:buFont typeface="Arial" panose="020B0604020202020204" pitchFamily="34" charset="0"/>
+              <a:buChar char="•"/>
+            </a:pPr>
+            <a:r>
+              <a:rPr lang="nl-BE" dirty="0" err="1">
+                <a:latin typeface="Roboto" panose="02000000000000000000" pitchFamily="2" charset="0"/>
+                <a:ea typeface="Roboto" panose="02000000000000000000" pitchFamily="2" charset="0"/>
+              </a:rPr>
+              <a:t>newBody</a:t>
+            </a:r>
+            <a:r>
+              <a:rPr lang="nl-BE" dirty="0">
+                <a:latin typeface="Roboto" panose="02000000000000000000" pitchFamily="2" charset="0"/>
+                <a:ea typeface="Roboto" panose="02000000000000000000" pitchFamily="2" charset="0"/>
+              </a:rPr>
+              <a:t> : 	Deze variabele vul ik met een nieuw aangemaakte body voor een update. </a:t>
+            </a:r>
+          </a:p>
+        </p:txBody>
+      </p:sp>
+    </p:spTree>
+    <p:extLst>
+      <p:ext uri="{BB962C8B-B14F-4D97-AF65-F5344CB8AC3E}">
+        <p14:creationId xmlns:p14="http://schemas.microsoft.com/office/powerpoint/2010/main" val="1177811798"/>
+      </p:ext>
+    </p:extLst>
+  </p:cSld>
+  <p:clrMapOvr>
+    <a:masterClrMapping/>
+  </p:clrMapOvr>
+</p:sld>
+</file>
+
+<file path=ppt/slides/slide35.xml><?xml version="1.0" encoding="utf-8"?>
+<p:sld xmlns:a="http://schemas.openxmlformats.org/drawingml/2006/main" xmlns:r="http://schemas.openxmlformats.org/officeDocument/2006/relationships" xmlns:p="http://schemas.openxmlformats.org/presentationml/2006/main">
+  <p:cSld>
+    <p:spTree>
+      <p:nvGrpSpPr>
+        <p:cNvPr id="1" name=""/>
+        <p:cNvGrpSpPr/>
+        <p:nvPr/>
+      </p:nvGrpSpPr>
+      <p:grpSpPr>
+        <a:xfrm>
+          <a:off x="0" y="0"/>
+          <a:ext cx="0" cy="0"/>
+          <a:chOff x="0" y="0"/>
+          <a:chExt cx="0" cy="0"/>
+        </a:xfrm>
+      </p:grpSpPr>
+      <p:pic>
+        <p:nvPicPr>
+          <p:cNvPr id="3" name="Afbeelding 2"/>
+          <p:cNvPicPr>
+            <a:picLocks noChangeAspect="1"/>
+          </p:cNvPicPr>
+          <p:nvPr/>
+        </p:nvPicPr>
+        <p:blipFill>
+          <a:blip r:embed="rId2"/>
+          <a:stretch>
+            <a:fillRect/>
+          </a:stretch>
+        </p:blipFill>
+        <p:spPr>
+          <a:xfrm>
+            <a:off x="570451" y="1015023"/>
+            <a:ext cx="2095500" cy="790575"/>
+          </a:xfrm>
+          <a:prstGeom prst="rect">
+            <a:avLst/>
+          </a:prstGeom>
+        </p:spPr>
+      </p:pic>
+      <p:sp>
+        <p:nvSpPr>
+          <p:cNvPr id="4" name="Tekstvak 3"/>
+          <p:cNvSpPr txBox="1"/>
+          <p:nvPr/>
+        </p:nvSpPr>
+        <p:spPr>
+          <a:xfrm>
+            <a:off x="570451" y="269401"/>
+            <a:ext cx="10528184" cy="646331"/>
+          </a:xfrm>
+          <a:prstGeom prst="rect">
+            <a:avLst/>
+          </a:prstGeom>
+          <a:noFill/>
+        </p:spPr>
+        <p:txBody>
+          <a:bodyPr wrap="square" rtlCol="0">
+            <a:spAutoFit/>
+          </a:bodyPr>
+          <a:lstStyle/>
+          <a:p>
+            <a:r>
+              <a:rPr lang="nl-BE" dirty="0">
+                <a:latin typeface="Roboto" panose="02000000000000000000" pitchFamily="2" charset="0"/>
+                <a:ea typeface="Roboto" panose="02000000000000000000" pitchFamily="2" charset="0"/>
+              </a:rPr>
+              <a:t>Eerst gebruik ik de </a:t>
+            </a:r>
+            <a:r>
+              <a:rPr lang="nl-BE" dirty="0" err="1">
+                <a:latin typeface="Roboto" panose="02000000000000000000" pitchFamily="2" charset="0"/>
+                <a:ea typeface="Roboto" panose="02000000000000000000" pitchFamily="2" charset="0"/>
+              </a:rPr>
+              <a:t>lifecycle</a:t>
+            </a:r>
+            <a:r>
+              <a:rPr lang="nl-BE" dirty="0">
+                <a:latin typeface="Roboto" panose="02000000000000000000" pitchFamily="2" charset="0"/>
+                <a:ea typeface="Roboto" panose="02000000000000000000" pitchFamily="2" charset="0"/>
+              </a:rPr>
+              <a:t> </a:t>
+            </a:r>
+            <a:r>
+              <a:rPr lang="nl-BE" dirty="0" err="1">
+                <a:latin typeface="Roboto" panose="02000000000000000000" pitchFamily="2" charset="0"/>
+                <a:ea typeface="Roboto" panose="02000000000000000000" pitchFamily="2" charset="0"/>
+              </a:rPr>
+              <a:t>hook</a:t>
+            </a:r>
+            <a:r>
+              <a:rPr lang="nl-BE" dirty="0">
+                <a:latin typeface="Roboto" panose="02000000000000000000" pitchFamily="2" charset="0"/>
+                <a:ea typeface="Roboto" panose="02000000000000000000" pitchFamily="2" charset="0"/>
+              </a:rPr>
+              <a:t> “</a:t>
+            </a:r>
+            <a:r>
+              <a:rPr lang="nl-BE" dirty="0" err="1">
+                <a:latin typeface="Roboto" panose="02000000000000000000" pitchFamily="2" charset="0"/>
+                <a:ea typeface="Roboto" panose="02000000000000000000" pitchFamily="2" charset="0"/>
+              </a:rPr>
+              <a:t>created</a:t>
+            </a:r>
+            <a:r>
+              <a:rPr lang="nl-BE" dirty="0">
+                <a:latin typeface="Roboto" panose="02000000000000000000" pitchFamily="2" charset="0"/>
+                <a:ea typeface="Roboto" panose="02000000000000000000" pitchFamily="2" charset="0"/>
+              </a:rPr>
+              <a:t>”. Deze functie zal laden als de component aangemaakt is.</a:t>
+            </a:r>
+          </a:p>
+          <a:p>
+            <a:endParaRPr lang="nl-BE" dirty="0">
+              <a:latin typeface="Roboto" panose="02000000000000000000" pitchFamily="2" charset="0"/>
+              <a:ea typeface="Roboto" panose="02000000000000000000" pitchFamily="2" charset="0"/>
+            </a:endParaRPr>
+          </a:p>
+        </p:txBody>
+      </p:sp>
+      <p:pic>
+        <p:nvPicPr>
+          <p:cNvPr id="5" name="Afbeelding 4"/>
+          <p:cNvPicPr>
+            <a:picLocks noChangeAspect="1"/>
+          </p:cNvPicPr>
+          <p:nvPr/>
+        </p:nvPicPr>
+        <p:blipFill>
+          <a:blip r:embed="rId3"/>
+          <a:stretch>
+            <a:fillRect/>
+          </a:stretch>
+        </p:blipFill>
+        <p:spPr>
+          <a:xfrm>
+            <a:off x="570451" y="2555759"/>
+            <a:ext cx="4143375" cy="1257300"/>
+          </a:xfrm>
+          <a:prstGeom prst="rect">
+            <a:avLst/>
+          </a:prstGeom>
+        </p:spPr>
+      </p:pic>
+      <p:sp>
+        <p:nvSpPr>
+          <p:cNvPr id="6" name="Rechthoek 5"/>
+          <p:cNvSpPr/>
+          <p:nvPr/>
+        </p:nvSpPr>
+        <p:spPr>
+          <a:xfrm>
+            <a:off x="570451" y="2002545"/>
+            <a:ext cx="10528184" cy="369332"/>
+          </a:xfrm>
+          <a:prstGeom prst="rect">
+            <a:avLst/>
+          </a:prstGeom>
+        </p:spPr>
+        <p:txBody>
+          <a:bodyPr wrap="square">
+            <a:spAutoFit/>
+          </a:bodyPr>
+          <a:lstStyle/>
+          <a:p>
+            <a:r>
+              <a:rPr lang="nl-BE" dirty="0">
+                <a:latin typeface="Roboto" panose="02000000000000000000" pitchFamily="2" charset="0"/>
+                <a:ea typeface="Roboto" panose="02000000000000000000" pitchFamily="2" charset="0"/>
+              </a:rPr>
+              <a:t>De </a:t>
+            </a:r>
+            <a:r>
+              <a:rPr lang="nl-BE" dirty="0" err="1">
+                <a:latin typeface="Roboto" panose="02000000000000000000" pitchFamily="2" charset="0"/>
+                <a:ea typeface="Roboto" panose="02000000000000000000" pitchFamily="2" charset="0"/>
+              </a:rPr>
+              <a:t>created</a:t>
+            </a:r>
+            <a:r>
+              <a:rPr lang="nl-BE" dirty="0">
+                <a:latin typeface="Roboto" panose="02000000000000000000" pitchFamily="2" charset="0"/>
+                <a:ea typeface="Roboto" panose="02000000000000000000" pitchFamily="2" charset="0"/>
+              </a:rPr>
+              <a:t> functie roept op zijn beurt een methode op “update”.</a:t>
+            </a:r>
+            <a:endParaRPr lang="nl-BE" dirty="0"/>
+          </a:p>
+        </p:txBody>
+      </p:sp>
+      <p:pic>
+        <p:nvPicPr>
+          <p:cNvPr id="7" name="Afbeelding 6"/>
+          <p:cNvPicPr>
+            <a:picLocks noChangeAspect="1"/>
+          </p:cNvPicPr>
+          <p:nvPr/>
+        </p:nvPicPr>
+        <p:blipFill>
+          <a:blip r:embed="rId4"/>
+          <a:stretch>
+            <a:fillRect/>
+          </a:stretch>
+        </p:blipFill>
+        <p:spPr>
+          <a:xfrm>
+            <a:off x="570451" y="5269204"/>
+            <a:ext cx="7600950" cy="1285875"/>
+          </a:xfrm>
+          <a:prstGeom prst="rect">
+            <a:avLst/>
+          </a:prstGeom>
+        </p:spPr>
+      </p:pic>
+      <p:sp>
+        <p:nvSpPr>
+          <p:cNvPr id="8" name="Tekstvak 7"/>
+          <p:cNvSpPr txBox="1"/>
+          <p:nvPr/>
+        </p:nvSpPr>
+        <p:spPr>
+          <a:xfrm>
+            <a:off x="570451" y="4194495"/>
+            <a:ext cx="10687575" cy="646331"/>
+          </a:xfrm>
+          <a:prstGeom prst="rect">
+            <a:avLst/>
+          </a:prstGeom>
+          <a:noFill/>
+        </p:spPr>
+        <p:txBody>
+          <a:bodyPr wrap="square" rtlCol="0">
+            <a:spAutoFit/>
+          </a:bodyPr>
+          <a:lstStyle/>
+          <a:p>
+            <a:r>
+              <a:rPr lang="nl-BE" dirty="0">
+                <a:latin typeface="Roboto" panose="02000000000000000000" pitchFamily="2" charset="0"/>
+                <a:ea typeface="Roboto" panose="02000000000000000000" pitchFamily="2" charset="0"/>
+              </a:rPr>
+              <a:t>Zoals je kan zien in de template loop ik door de list variabele die ik gevuld heb met de data die ik terug heb gekregen van de </a:t>
+            </a:r>
+            <a:r>
+              <a:rPr lang="nl-BE" dirty="0" err="1">
+                <a:latin typeface="Roboto" panose="02000000000000000000" pitchFamily="2" charset="0"/>
+                <a:ea typeface="Roboto" panose="02000000000000000000" pitchFamily="2" charset="0"/>
+              </a:rPr>
+              <a:t>ajax</a:t>
+            </a:r>
+            <a:r>
+              <a:rPr lang="nl-BE" dirty="0">
+                <a:latin typeface="Roboto" panose="02000000000000000000" pitchFamily="2" charset="0"/>
+                <a:ea typeface="Roboto" panose="02000000000000000000" pitchFamily="2" charset="0"/>
+              </a:rPr>
+              <a:t> </a:t>
+            </a:r>
+            <a:r>
+              <a:rPr lang="nl-BE" dirty="0" err="1">
+                <a:latin typeface="Roboto" panose="02000000000000000000" pitchFamily="2" charset="0"/>
+                <a:ea typeface="Roboto" panose="02000000000000000000" pitchFamily="2" charset="0"/>
+              </a:rPr>
+              <a:t>request</a:t>
+            </a:r>
+            <a:r>
+              <a:rPr lang="nl-BE" dirty="0">
+                <a:latin typeface="Roboto" panose="02000000000000000000" pitchFamily="2" charset="0"/>
+                <a:ea typeface="Roboto" panose="02000000000000000000" pitchFamily="2" charset="0"/>
+              </a:rPr>
+              <a:t>.</a:t>
+            </a:r>
+          </a:p>
+        </p:txBody>
+      </p:sp>
+      <p:sp>
+        <p:nvSpPr>
+          <p:cNvPr id="9" name="Tekstvak 8"/>
+          <p:cNvSpPr txBox="1"/>
+          <p:nvPr/>
+        </p:nvSpPr>
+        <p:spPr>
+          <a:xfrm>
+            <a:off x="8615494" y="5269204"/>
+            <a:ext cx="2919368" cy="1200329"/>
+          </a:xfrm>
+          <a:prstGeom prst="rect">
+            <a:avLst/>
+          </a:prstGeom>
+          <a:noFill/>
+        </p:spPr>
+        <p:txBody>
+          <a:bodyPr wrap="square" rtlCol="0">
+            <a:spAutoFit/>
+          </a:bodyPr>
+          <a:lstStyle/>
+          <a:p>
+            <a:r>
+              <a:rPr lang="nl-BE" dirty="0">
+                <a:latin typeface="Roboto" panose="02000000000000000000" pitchFamily="2" charset="0"/>
+                <a:ea typeface="Roboto" panose="02000000000000000000" pitchFamily="2" charset="0"/>
+              </a:rPr>
+              <a:t>Er staat @{{</a:t>
+            </a:r>
+            <a:r>
+              <a:rPr lang="nl-BE" dirty="0" err="1">
+                <a:latin typeface="Roboto" panose="02000000000000000000" pitchFamily="2" charset="0"/>
+                <a:ea typeface="Roboto" panose="02000000000000000000" pitchFamily="2" charset="0"/>
+              </a:rPr>
+              <a:t>card.title</a:t>
+            </a:r>
+            <a:r>
+              <a:rPr lang="nl-BE" dirty="0">
+                <a:latin typeface="Roboto" panose="02000000000000000000" pitchFamily="2" charset="0"/>
+                <a:ea typeface="Roboto" panose="02000000000000000000" pitchFamily="2" charset="0"/>
+              </a:rPr>
+              <a:t>}} omdat er anders een conflict is met de </a:t>
+            </a:r>
+            <a:r>
+              <a:rPr lang="nl-BE" dirty="0" err="1">
+                <a:latin typeface="Roboto" panose="02000000000000000000" pitchFamily="2" charset="0"/>
+                <a:ea typeface="Roboto" panose="02000000000000000000" pitchFamily="2" charset="0"/>
+              </a:rPr>
+              <a:t>laravel</a:t>
+            </a:r>
+            <a:r>
+              <a:rPr lang="nl-BE" dirty="0">
+                <a:latin typeface="Roboto" panose="02000000000000000000" pitchFamily="2" charset="0"/>
+                <a:ea typeface="Roboto" panose="02000000000000000000" pitchFamily="2" charset="0"/>
+              </a:rPr>
+              <a:t> </a:t>
+            </a:r>
+            <a:r>
+              <a:rPr lang="nl-BE" dirty="0" err="1">
+                <a:latin typeface="Roboto" panose="02000000000000000000" pitchFamily="2" charset="0"/>
+                <a:ea typeface="Roboto" panose="02000000000000000000" pitchFamily="2" charset="0"/>
+              </a:rPr>
+              <a:t>blade</a:t>
+            </a:r>
+            <a:r>
+              <a:rPr lang="nl-BE" dirty="0">
+                <a:latin typeface="Roboto" panose="02000000000000000000" pitchFamily="2" charset="0"/>
+                <a:ea typeface="Roboto" panose="02000000000000000000" pitchFamily="2" charset="0"/>
+              </a:rPr>
+              <a:t> syntax.</a:t>
+            </a:r>
+          </a:p>
+        </p:txBody>
+      </p:sp>
+    </p:spTree>
+    <p:extLst>
+      <p:ext uri="{BB962C8B-B14F-4D97-AF65-F5344CB8AC3E}">
+        <p14:creationId xmlns:p14="http://schemas.microsoft.com/office/powerpoint/2010/main" val="140324604"/>
+      </p:ext>
+    </p:extLst>
+  </p:cSld>
+  <p:clrMapOvr>
+    <a:masterClrMapping/>
+  </p:clrMapOvr>
+</p:sld>
+</file>
+
+<file path=ppt/slides/slide36.xml><?xml version="1.0" encoding="utf-8"?>
+<p:sld xmlns:a="http://schemas.openxmlformats.org/drawingml/2006/main" xmlns:r="http://schemas.openxmlformats.org/officeDocument/2006/relationships" xmlns:p="http://schemas.openxmlformats.org/presentationml/2006/main">
+  <p:cSld>
+    <p:spTree>
+      <p:nvGrpSpPr>
+        <p:cNvPr id="1" name=""/>
+        <p:cNvGrpSpPr/>
+        <p:nvPr/>
+      </p:nvGrpSpPr>
+      <p:grpSpPr>
+        <a:xfrm>
+          <a:off x="0" y="0"/>
+          <a:ext cx="0" cy="0"/>
+          <a:chOff x="0" y="0"/>
+          <a:chExt cx="0" cy="0"/>
+        </a:xfrm>
+      </p:grpSpPr>
+      <p:sp>
+        <p:nvSpPr>
+          <p:cNvPr id="3" name="Tekstvak 2"/>
+          <p:cNvSpPr txBox="1"/>
+          <p:nvPr/>
+        </p:nvSpPr>
+        <p:spPr>
+          <a:xfrm>
+            <a:off x="654341" y="394283"/>
+            <a:ext cx="10645630" cy="646331"/>
+          </a:xfrm>
+          <a:prstGeom prst="rect">
+            <a:avLst/>
+          </a:prstGeom>
+          <a:noFill/>
+        </p:spPr>
+        <p:txBody>
+          <a:bodyPr wrap="square" rtlCol="0">
+            <a:spAutoFit/>
+          </a:bodyPr>
+          <a:lstStyle/>
+          <a:p>
+            <a:r>
+              <a:rPr lang="nl-BE" dirty="0">
+                <a:latin typeface="Roboto" panose="02000000000000000000" pitchFamily="2" charset="0"/>
+                <a:ea typeface="Roboto" panose="02000000000000000000" pitchFamily="2" charset="0"/>
+              </a:rPr>
+              <a:t>Je zag ook in de template dat er naar een click event wordt geluisterd. Deze click event roept de “</a:t>
+            </a:r>
+            <a:r>
+              <a:rPr lang="nl-BE" dirty="0" err="1">
+                <a:latin typeface="Roboto" panose="02000000000000000000" pitchFamily="2" charset="0"/>
+                <a:ea typeface="Roboto" panose="02000000000000000000" pitchFamily="2" charset="0"/>
+              </a:rPr>
+              <a:t>changeId</a:t>
+            </a:r>
+            <a:r>
+              <a:rPr lang="nl-BE" dirty="0">
+                <a:latin typeface="Roboto" panose="02000000000000000000" pitchFamily="2" charset="0"/>
+                <a:ea typeface="Roboto" panose="02000000000000000000" pitchFamily="2" charset="0"/>
+              </a:rPr>
+              <a:t>” functie op.</a:t>
+            </a:r>
+          </a:p>
+        </p:txBody>
+      </p:sp>
+      <p:pic>
+        <p:nvPicPr>
+          <p:cNvPr id="4" name="Afbeelding 3"/>
+          <p:cNvPicPr>
+            <a:picLocks noChangeAspect="1"/>
+          </p:cNvPicPr>
+          <p:nvPr/>
+        </p:nvPicPr>
+        <p:blipFill>
+          <a:blip r:embed="rId2"/>
+          <a:stretch>
+            <a:fillRect/>
+          </a:stretch>
+        </p:blipFill>
+        <p:spPr>
+          <a:xfrm>
+            <a:off x="654341" y="1461038"/>
+            <a:ext cx="4295775" cy="1419225"/>
+          </a:xfrm>
+          <a:prstGeom prst="rect">
+            <a:avLst/>
+          </a:prstGeom>
+        </p:spPr>
+      </p:pic>
+      <p:sp>
+        <p:nvSpPr>
+          <p:cNvPr id="5" name="Tekstvak 4"/>
+          <p:cNvSpPr txBox="1"/>
+          <p:nvPr/>
+        </p:nvSpPr>
+        <p:spPr>
+          <a:xfrm>
+            <a:off x="5561901" y="1461038"/>
+            <a:ext cx="5553512" cy="1477328"/>
+          </a:xfrm>
+          <a:prstGeom prst="rect">
+            <a:avLst/>
+          </a:prstGeom>
+          <a:noFill/>
+        </p:spPr>
+        <p:txBody>
+          <a:bodyPr wrap="square" rtlCol="0">
+            <a:spAutoFit/>
+          </a:bodyPr>
+          <a:lstStyle/>
+          <a:p>
+            <a:r>
+              <a:rPr lang="nl-BE" dirty="0">
+                <a:latin typeface="Roboto" panose="02000000000000000000" pitchFamily="2" charset="0"/>
+                <a:ea typeface="Roboto" panose="02000000000000000000" pitchFamily="2" charset="0"/>
+              </a:rPr>
+              <a:t>Deze functie krijgt ook een </a:t>
+            </a:r>
+            <a:r>
+              <a:rPr lang="nl-BE" dirty="0" err="1">
+                <a:latin typeface="Roboto" panose="02000000000000000000" pitchFamily="2" charset="0"/>
+                <a:ea typeface="Roboto" panose="02000000000000000000" pitchFamily="2" charset="0"/>
+              </a:rPr>
+              <a:t>value</a:t>
+            </a:r>
+            <a:r>
+              <a:rPr lang="nl-BE" dirty="0">
+                <a:latin typeface="Roboto" panose="02000000000000000000" pitchFamily="2" charset="0"/>
+                <a:ea typeface="Roboto" panose="02000000000000000000" pitchFamily="2" charset="0"/>
+              </a:rPr>
+              <a:t> mee om de “</a:t>
+            </a:r>
+            <a:r>
+              <a:rPr lang="nl-BE" dirty="0" err="1">
+                <a:latin typeface="Roboto" panose="02000000000000000000" pitchFamily="2" charset="0"/>
+                <a:ea typeface="Roboto" panose="02000000000000000000" pitchFamily="2" charset="0"/>
+              </a:rPr>
+              <a:t>newId</a:t>
+            </a:r>
+            <a:r>
+              <a:rPr lang="nl-BE" dirty="0">
+                <a:latin typeface="Roboto" panose="02000000000000000000" pitchFamily="2" charset="0"/>
+                <a:ea typeface="Roboto" panose="02000000000000000000" pitchFamily="2" charset="0"/>
+              </a:rPr>
+              <a:t>” variabele te wijzigen naar de aangeklikte kaart.</a:t>
+            </a:r>
+          </a:p>
+          <a:p>
+            <a:endParaRPr lang="nl-BE" dirty="0">
+              <a:latin typeface="Roboto" panose="02000000000000000000" pitchFamily="2" charset="0"/>
+              <a:ea typeface="Roboto" panose="02000000000000000000" pitchFamily="2" charset="0"/>
+            </a:endParaRPr>
+          </a:p>
+          <a:p>
+            <a:r>
+              <a:rPr lang="nl-BE" dirty="0">
+                <a:latin typeface="Roboto" panose="02000000000000000000" pitchFamily="2" charset="0"/>
+                <a:ea typeface="Roboto" panose="02000000000000000000" pitchFamily="2" charset="0"/>
+              </a:rPr>
+              <a:t>Deze functie roept dan de informatie op over de aangeklikte kaart met een </a:t>
+            </a:r>
+            <a:r>
+              <a:rPr lang="nl-BE" dirty="0" err="1">
+                <a:latin typeface="Roboto" panose="02000000000000000000" pitchFamily="2" charset="0"/>
+                <a:ea typeface="Roboto" panose="02000000000000000000" pitchFamily="2" charset="0"/>
+              </a:rPr>
+              <a:t>json</a:t>
+            </a:r>
+            <a:r>
+              <a:rPr lang="nl-BE" dirty="0">
+                <a:latin typeface="Roboto" panose="02000000000000000000" pitchFamily="2" charset="0"/>
+                <a:ea typeface="Roboto" panose="02000000000000000000" pitchFamily="2" charset="0"/>
+              </a:rPr>
+              <a:t> </a:t>
+            </a:r>
+            <a:r>
+              <a:rPr lang="nl-BE" dirty="0" err="1">
+                <a:latin typeface="Roboto" panose="02000000000000000000" pitchFamily="2" charset="0"/>
+                <a:ea typeface="Roboto" panose="02000000000000000000" pitchFamily="2" charset="0"/>
+              </a:rPr>
+              <a:t>request</a:t>
+            </a:r>
+            <a:r>
+              <a:rPr lang="nl-BE" dirty="0">
+                <a:latin typeface="Roboto" panose="02000000000000000000" pitchFamily="2" charset="0"/>
+                <a:ea typeface="Roboto" panose="02000000000000000000" pitchFamily="2" charset="0"/>
+              </a:rPr>
+              <a:t>.</a:t>
+            </a:r>
+          </a:p>
+        </p:txBody>
+      </p:sp>
+      <p:pic>
+        <p:nvPicPr>
+          <p:cNvPr id="6" name="Afbeelding 5"/>
+          <p:cNvPicPr>
+            <a:picLocks noChangeAspect="1"/>
+          </p:cNvPicPr>
+          <p:nvPr/>
+        </p:nvPicPr>
+        <p:blipFill>
+          <a:blip r:embed="rId3"/>
+          <a:stretch>
+            <a:fillRect/>
+          </a:stretch>
+        </p:blipFill>
+        <p:spPr>
+          <a:xfrm>
+            <a:off x="562063" y="4426866"/>
+            <a:ext cx="4029075" cy="885825"/>
+          </a:xfrm>
+          <a:prstGeom prst="rect">
+            <a:avLst/>
+          </a:prstGeom>
+        </p:spPr>
+      </p:pic>
+      <p:sp>
+        <p:nvSpPr>
+          <p:cNvPr id="7" name="Tekstvak 6"/>
+          <p:cNvSpPr txBox="1"/>
+          <p:nvPr/>
+        </p:nvSpPr>
+        <p:spPr>
+          <a:xfrm>
+            <a:off x="562063" y="3473042"/>
+            <a:ext cx="10226180" cy="646331"/>
+          </a:xfrm>
+          <a:prstGeom prst="rect">
+            <a:avLst/>
+          </a:prstGeom>
+          <a:noFill/>
+        </p:spPr>
+        <p:txBody>
+          <a:bodyPr wrap="square" rtlCol="0">
+            <a:spAutoFit/>
+          </a:bodyPr>
+          <a:lstStyle/>
+          <a:p>
+            <a:r>
+              <a:rPr lang="nl-BE" dirty="0">
+                <a:latin typeface="Roboto" panose="02000000000000000000" pitchFamily="2" charset="0"/>
+                <a:ea typeface="Roboto" panose="02000000000000000000" pitchFamily="2" charset="0"/>
+              </a:rPr>
+              <a:t>De aangeklikte kaart wordt getoond in de template. Deze template wordt enkel geladen als er een kaart geselecteerd is met behulp van “</a:t>
+            </a:r>
+            <a:r>
+              <a:rPr lang="nl-BE" dirty="0" err="1">
+                <a:latin typeface="Roboto" panose="02000000000000000000" pitchFamily="2" charset="0"/>
+                <a:ea typeface="Roboto" panose="02000000000000000000" pitchFamily="2" charset="0"/>
+              </a:rPr>
+              <a:t>v-if</a:t>
+            </a:r>
+            <a:r>
+              <a:rPr lang="nl-BE" dirty="0">
+                <a:latin typeface="Roboto" panose="02000000000000000000" pitchFamily="2" charset="0"/>
+                <a:ea typeface="Roboto" panose="02000000000000000000" pitchFamily="2" charset="0"/>
+              </a:rPr>
+              <a:t>”,</a:t>
+            </a:r>
+          </a:p>
+        </p:txBody>
+      </p:sp>
+    </p:spTree>
+    <p:extLst>
+      <p:ext uri="{BB962C8B-B14F-4D97-AF65-F5344CB8AC3E}">
+        <p14:creationId xmlns:p14="http://schemas.microsoft.com/office/powerpoint/2010/main" val="583061344"/>
+      </p:ext>
+    </p:extLst>
+  </p:cSld>
+  <p:clrMapOvr>
+    <a:masterClrMapping/>
+  </p:clrMapOvr>
+</p:sld>
+</file>
+
+<file path=ppt/slides/slide37.xml><?xml version="1.0" encoding="utf-8"?>
+<p:sld xmlns:a="http://schemas.openxmlformats.org/drawingml/2006/main" xmlns:r="http://schemas.openxmlformats.org/officeDocument/2006/relationships" xmlns:p="http://schemas.openxmlformats.org/presentationml/2006/main">
+  <p:cSld>
+    <p:spTree>
+      <p:nvGrpSpPr>
+        <p:cNvPr id="1" name=""/>
+        <p:cNvGrpSpPr/>
+        <p:nvPr/>
+      </p:nvGrpSpPr>
+      <p:grpSpPr>
+        <a:xfrm>
+          <a:off x="0" y="0"/>
+          <a:ext cx="0" cy="0"/>
+          <a:chOff x="0" y="0"/>
+          <a:chExt cx="0" cy="0"/>
+        </a:xfrm>
+      </p:grpSpPr>
+      <p:pic>
+        <p:nvPicPr>
+          <p:cNvPr id="3" name="Afbeelding 2"/>
+          <p:cNvPicPr>
+            <a:picLocks noChangeAspect="1"/>
+          </p:cNvPicPr>
+          <p:nvPr/>
+        </p:nvPicPr>
+        <p:blipFill>
+          <a:blip r:embed="rId2"/>
+          <a:stretch>
+            <a:fillRect/>
+          </a:stretch>
+        </p:blipFill>
+        <p:spPr>
+          <a:xfrm>
+            <a:off x="679508" y="4598614"/>
+            <a:ext cx="8715375" cy="1400175"/>
+          </a:xfrm>
+          <a:prstGeom prst="rect">
+            <a:avLst/>
+          </a:prstGeom>
+        </p:spPr>
+      </p:pic>
+      <p:sp>
+        <p:nvSpPr>
+          <p:cNvPr id="5" name="Tekstvak 4"/>
+          <p:cNvSpPr txBox="1"/>
+          <p:nvPr/>
+        </p:nvSpPr>
+        <p:spPr>
+          <a:xfrm>
+            <a:off x="679508" y="285226"/>
+            <a:ext cx="10687575" cy="646331"/>
+          </a:xfrm>
+          <a:prstGeom prst="rect">
+            <a:avLst/>
+          </a:prstGeom>
+          <a:noFill/>
+        </p:spPr>
+        <p:txBody>
+          <a:bodyPr wrap="square" rtlCol="0">
+            <a:spAutoFit/>
+          </a:bodyPr>
+          <a:lstStyle/>
+          <a:p>
+            <a:r>
+              <a:rPr lang="nl-BE" dirty="0">
+                <a:latin typeface="Roboto" panose="02000000000000000000" pitchFamily="2" charset="0"/>
+                <a:ea typeface="Roboto" panose="02000000000000000000" pitchFamily="2" charset="0"/>
+              </a:rPr>
+              <a:t>In het laatste deel van de template staan een paar input fields die gelinkt zijn met een variabele met </a:t>
+            </a:r>
+          </a:p>
+          <a:p>
+            <a:r>
+              <a:rPr lang="nl-BE" dirty="0">
+                <a:latin typeface="Roboto" panose="02000000000000000000" pitchFamily="2" charset="0"/>
+                <a:ea typeface="Roboto" panose="02000000000000000000" pitchFamily="2" charset="0"/>
+              </a:rPr>
+              <a:t>“v-model”. Er staat ook een “</a:t>
+            </a:r>
+            <a:r>
+              <a:rPr lang="nl-BE" dirty="0" err="1">
+                <a:latin typeface="Roboto" panose="02000000000000000000" pitchFamily="2" charset="0"/>
+                <a:ea typeface="Roboto" panose="02000000000000000000" pitchFamily="2" charset="0"/>
+              </a:rPr>
+              <a:t>crsf_token</a:t>
+            </a:r>
+            <a:r>
+              <a:rPr lang="nl-BE" dirty="0">
+                <a:latin typeface="Roboto" panose="02000000000000000000" pitchFamily="2" charset="0"/>
+                <a:ea typeface="Roboto" panose="02000000000000000000" pitchFamily="2" charset="0"/>
+              </a:rPr>
+              <a:t>” in dit is enkel voor </a:t>
+            </a:r>
+            <a:r>
+              <a:rPr lang="nl-BE" dirty="0" err="1">
+                <a:latin typeface="Roboto" panose="02000000000000000000" pitchFamily="2" charset="0"/>
+                <a:ea typeface="Roboto" panose="02000000000000000000" pitchFamily="2" charset="0"/>
+              </a:rPr>
+              <a:t>laravel</a:t>
+            </a:r>
+            <a:r>
+              <a:rPr lang="nl-BE" dirty="0">
+                <a:latin typeface="Roboto" panose="02000000000000000000" pitchFamily="2" charset="0"/>
+                <a:ea typeface="Roboto" panose="02000000000000000000" pitchFamily="2" charset="0"/>
+              </a:rPr>
+              <a:t>. </a:t>
+            </a:r>
+          </a:p>
+        </p:txBody>
+      </p:sp>
+      <p:pic>
+        <p:nvPicPr>
+          <p:cNvPr id="6" name="Afbeelding 5"/>
+          <p:cNvPicPr>
+            <a:picLocks noChangeAspect="1"/>
+          </p:cNvPicPr>
+          <p:nvPr/>
+        </p:nvPicPr>
+        <p:blipFill>
+          <a:blip r:embed="rId3"/>
+          <a:stretch>
+            <a:fillRect/>
+          </a:stretch>
+        </p:blipFill>
+        <p:spPr>
+          <a:xfrm>
+            <a:off x="679508" y="1028822"/>
+            <a:ext cx="6191250" cy="1971675"/>
+          </a:xfrm>
+          <a:prstGeom prst="rect">
+            <a:avLst/>
+          </a:prstGeom>
+        </p:spPr>
+      </p:pic>
+      <p:sp>
+        <p:nvSpPr>
+          <p:cNvPr id="8" name="Tekstvak 7"/>
+          <p:cNvSpPr txBox="1"/>
+          <p:nvPr/>
+        </p:nvSpPr>
+        <p:spPr>
+          <a:xfrm>
+            <a:off x="679508" y="3229762"/>
+            <a:ext cx="10872132" cy="1200329"/>
+          </a:xfrm>
+          <a:prstGeom prst="rect">
+            <a:avLst/>
+          </a:prstGeom>
+          <a:noFill/>
+        </p:spPr>
+        <p:txBody>
+          <a:bodyPr wrap="square" rtlCol="0">
+            <a:spAutoFit/>
+          </a:bodyPr>
+          <a:lstStyle/>
+          <a:p>
+            <a:r>
+              <a:rPr lang="nl-BE" dirty="0">
+                <a:latin typeface="Roboto" panose="02000000000000000000" pitchFamily="2" charset="0"/>
+                <a:ea typeface="Roboto" panose="02000000000000000000" pitchFamily="2" charset="0"/>
+              </a:rPr>
+              <a:t>De laatste functie die gebruikt wordt is de </a:t>
+            </a:r>
+            <a:r>
+              <a:rPr lang="nl-BE" dirty="0" err="1">
+                <a:latin typeface="Roboto" panose="02000000000000000000" pitchFamily="2" charset="0"/>
+                <a:ea typeface="Roboto" panose="02000000000000000000" pitchFamily="2" charset="0"/>
+              </a:rPr>
+              <a:t>addCard</a:t>
+            </a:r>
+            <a:r>
+              <a:rPr lang="nl-BE" dirty="0">
+                <a:latin typeface="Roboto" panose="02000000000000000000" pitchFamily="2" charset="0"/>
+                <a:ea typeface="Roboto" panose="02000000000000000000" pitchFamily="2" charset="0"/>
+              </a:rPr>
+              <a:t> functie. Deze functie wordt opgeroepen bij het klikken op de “voeg toe” knop. </a:t>
+            </a:r>
+          </a:p>
+          <a:p>
+            <a:r>
+              <a:rPr lang="nl-BE" dirty="0">
+                <a:latin typeface="Roboto" panose="02000000000000000000" pitchFamily="2" charset="0"/>
+                <a:ea typeface="Roboto" panose="02000000000000000000" pitchFamily="2" charset="0"/>
+              </a:rPr>
+              <a:t>Er wordt een post gedaan met de juiste info en erna wordt er een update gedaan om de wijzigingen te tonen.</a:t>
+            </a:r>
+          </a:p>
+        </p:txBody>
+      </p:sp>
+      <p:sp>
+        <p:nvSpPr>
+          <p:cNvPr id="9" name="Tekstvak 8"/>
+          <p:cNvSpPr txBox="1"/>
+          <p:nvPr/>
+        </p:nvSpPr>
+        <p:spPr>
+          <a:xfrm>
+            <a:off x="679508" y="6258187"/>
+            <a:ext cx="10570129" cy="369332"/>
+          </a:xfrm>
+          <a:prstGeom prst="rect">
+            <a:avLst/>
+          </a:prstGeom>
+          <a:noFill/>
+        </p:spPr>
+        <p:txBody>
+          <a:bodyPr wrap="square" rtlCol="0">
+            <a:spAutoFit/>
+          </a:bodyPr>
+          <a:lstStyle/>
+          <a:p>
+            <a:r>
+              <a:rPr lang="nl-BE" dirty="0"/>
+              <a:t>Nu zou het moeten werken.</a:t>
+            </a:r>
+          </a:p>
+        </p:txBody>
+      </p:sp>
+    </p:spTree>
+    <p:extLst>
+      <p:ext uri="{BB962C8B-B14F-4D97-AF65-F5344CB8AC3E}">
+        <p14:creationId xmlns:p14="http://schemas.microsoft.com/office/powerpoint/2010/main" val="2209161408"/>
+      </p:ext>
+    </p:extLst>
+  </p:cSld>
+  <p:clrMapOvr>
+    <a:masterClrMapping/>
+  </p:clrMapOvr>
+</p:sld>
+</file>
+
+<file path=ppt/slides/slide38.xml><?xml version="1.0" encoding="utf-8"?>
 <p:sld xmlns:a="http://schemas.openxmlformats.org/drawingml/2006/main" xmlns:r="http://schemas.openxmlformats.org/officeDocument/2006/relationships" xmlns:p="http://schemas.openxmlformats.org/presentationml/2006/main">
   <p:cSld>
     <p:spTree>

--- a/newTech/slideshow.pptx
+++ b/newTech/slideshow.pptx
@@ -246,7 +246,7 @@
           <a:p>
             <a:fld id="{D2E366A2-5FD3-4BB2-A1EC-9E936BE64237}" type="datetimeFigureOut">
               <a:rPr lang="nl-BE" smtClean="0"/>
-              <a:t>9/11/2016</a:t>
+              <a:t>11/11/2016</a:t>
             </a:fld>
             <a:endParaRPr lang="nl-BE"/>
           </a:p>
@@ -645,7 +645,7 @@
           <a:p>
             <a:fld id="{85176953-FD81-49E3-B684-178BC184E664}" type="datetimeFigureOut">
               <a:rPr lang="nl-BE" smtClean="0"/>
-              <a:t>9/11/2016</a:t>
+              <a:t>11/11/2016</a:t>
             </a:fld>
             <a:endParaRPr lang="nl-BE"/>
           </a:p>
@@ -815,7 +815,7 @@
           <a:p>
             <a:fld id="{85176953-FD81-49E3-B684-178BC184E664}" type="datetimeFigureOut">
               <a:rPr lang="nl-BE" smtClean="0"/>
-              <a:t>9/11/2016</a:t>
+              <a:t>11/11/2016</a:t>
             </a:fld>
             <a:endParaRPr lang="nl-BE"/>
           </a:p>
@@ -995,7 +995,7 @@
           <a:p>
             <a:fld id="{85176953-FD81-49E3-B684-178BC184E664}" type="datetimeFigureOut">
               <a:rPr lang="nl-BE" smtClean="0"/>
-              <a:t>9/11/2016</a:t>
+              <a:t>11/11/2016</a:t>
             </a:fld>
             <a:endParaRPr lang="nl-BE"/>
           </a:p>
@@ -1165,7 +1165,7 @@
           <a:p>
             <a:fld id="{85176953-FD81-49E3-B684-178BC184E664}" type="datetimeFigureOut">
               <a:rPr lang="nl-BE" smtClean="0"/>
-              <a:t>9/11/2016</a:t>
+              <a:t>11/11/2016</a:t>
             </a:fld>
             <a:endParaRPr lang="nl-BE"/>
           </a:p>
@@ -1411,7 +1411,7 @@
           <a:p>
             <a:fld id="{85176953-FD81-49E3-B684-178BC184E664}" type="datetimeFigureOut">
               <a:rPr lang="nl-BE" smtClean="0"/>
-              <a:t>9/11/2016</a:t>
+              <a:t>11/11/2016</a:t>
             </a:fld>
             <a:endParaRPr lang="nl-BE"/>
           </a:p>
@@ -1643,7 +1643,7 @@
           <a:p>
             <a:fld id="{85176953-FD81-49E3-B684-178BC184E664}" type="datetimeFigureOut">
               <a:rPr lang="nl-BE" smtClean="0"/>
-              <a:t>9/11/2016</a:t>
+              <a:t>11/11/2016</a:t>
             </a:fld>
             <a:endParaRPr lang="nl-BE"/>
           </a:p>
@@ -2010,7 +2010,7 @@
           <a:p>
             <a:fld id="{85176953-FD81-49E3-B684-178BC184E664}" type="datetimeFigureOut">
               <a:rPr lang="nl-BE" smtClean="0"/>
-              <a:t>9/11/2016</a:t>
+              <a:t>11/11/2016</a:t>
             </a:fld>
             <a:endParaRPr lang="nl-BE"/>
           </a:p>
@@ -2128,7 +2128,7 @@
           <a:p>
             <a:fld id="{85176953-FD81-49E3-B684-178BC184E664}" type="datetimeFigureOut">
               <a:rPr lang="nl-BE" smtClean="0"/>
-              <a:t>9/11/2016</a:t>
+              <a:t>11/11/2016</a:t>
             </a:fld>
             <a:endParaRPr lang="nl-BE"/>
           </a:p>
@@ -2223,7 +2223,7 @@
           <a:p>
             <a:fld id="{85176953-FD81-49E3-B684-178BC184E664}" type="datetimeFigureOut">
               <a:rPr lang="nl-BE" smtClean="0"/>
-              <a:t>9/11/2016</a:t>
+              <a:t>11/11/2016</a:t>
             </a:fld>
             <a:endParaRPr lang="nl-BE"/>
           </a:p>
@@ -2500,7 +2500,7 @@
           <a:p>
             <a:fld id="{85176953-FD81-49E3-B684-178BC184E664}" type="datetimeFigureOut">
               <a:rPr lang="nl-BE" smtClean="0"/>
-              <a:t>9/11/2016</a:t>
+              <a:t>11/11/2016</a:t>
             </a:fld>
             <a:endParaRPr lang="nl-BE"/>
           </a:p>
@@ -2753,7 +2753,7 @@
           <a:p>
             <a:fld id="{85176953-FD81-49E3-B684-178BC184E664}" type="datetimeFigureOut">
               <a:rPr lang="nl-BE" smtClean="0"/>
-              <a:t>9/11/2016</a:t>
+              <a:t>11/11/2016</a:t>
             </a:fld>
             <a:endParaRPr lang="nl-BE"/>
           </a:p>
@@ -2966,7 +2966,7 @@
           <a:p>
             <a:fld id="{85176953-FD81-49E3-B684-178BC184E664}" type="datetimeFigureOut">
               <a:rPr lang="nl-BE" smtClean="0"/>
-              <a:t>9/11/2016</a:t>
+              <a:t>11/11/2016</a:t>
             </a:fld>
             <a:endParaRPr lang="nl-BE"/>
           </a:p>
@@ -3638,21 +3638,7 @@
                 <a:latin typeface="Roboto" panose="02000000000000000000" pitchFamily="2" charset="0"/>
                 <a:ea typeface="Roboto" panose="02000000000000000000" pitchFamily="2" charset="0"/>
               </a:rPr>
-              <a:t> </a:t>
-            </a:r>
-            <a:r>
-              <a:rPr lang="nl-BE" dirty="0" err="1">
-                <a:latin typeface="Roboto" panose="02000000000000000000" pitchFamily="2" charset="0"/>
-                <a:ea typeface="Roboto" panose="02000000000000000000" pitchFamily="2" charset="0"/>
-              </a:rPr>
-              <a:t>genoemt</a:t>
-            </a:r>
-            <a:r>
-              <a:rPr lang="nl-BE" dirty="0">
-                <a:latin typeface="Roboto" panose="02000000000000000000" pitchFamily="2" charset="0"/>
-                <a:ea typeface="Roboto" panose="02000000000000000000" pitchFamily="2" charset="0"/>
-              </a:rPr>
-              <a:t>.</a:t>
+              <a:t> genoemd.</a:t>
             </a:r>
           </a:p>
           <a:p>
@@ -3667,7 +3653,7 @@
                 <a:latin typeface="Roboto" panose="02000000000000000000" pitchFamily="2" charset="0"/>
                 <a:ea typeface="Roboto" panose="02000000000000000000" pitchFamily="2" charset="0"/>
               </a:rPr>
-              <a:t>Je kan deze methodes als triggers voor eigen logica.</a:t>
+              <a:t>Je kan deze methodes als triggers  gebruiken voor je eigen logica.</a:t>
             </a:r>
           </a:p>
           <a:p>
@@ -3844,7 +3830,7 @@
             </a:r>
             <a:r>
               <a:rPr lang="nl-BE" dirty="0"/>
-              <a:t>” is uitgevoegd.</a:t>
+              <a:t>” is uitgevoerd.</a:t>
             </a:r>
           </a:p>
         </p:txBody>
@@ -3938,21 +3924,7 @@
                 <a:latin typeface="Roboto" panose="02000000000000000000" pitchFamily="2" charset="0"/>
                 <a:ea typeface="Roboto" panose="02000000000000000000" pitchFamily="2" charset="0"/>
               </a:rPr>
-              <a:t>De syntax in de html file is zeer vanzelfsprekend en makkelijk </a:t>
-            </a:r>
-            <a:r>
-              <a:rPr lang="nl-BE" dirty="0" err="1">
-                <a:latin typeface="Roboto" panose="02000000000000000000" pitchFamily="2" charset="0"/>
-                <a:ea typeface="Roboto" panose="02000000000000000000" pitchFamily="2" charset="0"/>
-              </a:rPr>
-              <a:t>interpreteerbaar</a:t>
-            </a:r>
-            <a:r>
-              <a:rPr lang="nl-BE" dirty="0">
-                <a:latin typeface="Roboto" panose="02000000000000000000" pitchFamily="2" charset="0"/>
-                <a:ea typeface="Roboto" panose="02000000000000000000" pitchFamily="2" charset="0"/>
-              </a:rPr>
-              <a:t> hier zijn een paar belangrijke zaken.</a:t>
+              <a:t>De syntax in de HTML file is zeer vanzelfsprekend en gemakkelijk te interpreteren, hier zijn een paar belangrijke toepassingen.</a:t>
             </a:r>
           </a:p>
         </p:txBody>
@@ -4008,7 +3980,7 @@
                 <a:latin typeface="Roboto" panose="02000000000000000000" pitchFamily="2" charset="0"/>
                 <a:ea typeface="Roboto" panose="02000000000000000000" pitchFamily="2" charset="0"/>
               </a:rPr>
-              <a:t>Als je variabelen wilt tonen in de html moet het tussen dubbele accolades staan. {{}}</a:t>
+              <a:t>Als je variabelen wil tonen in de HTML moeten ze tussen dubbele accolades staan. {{}}</a:t>
             </a:r>
           </a:p>
         </p:txBody>
@@ -4040,27 +4012,13 @@
                 <a:latin typeface="Roboto" panose="02000000000000000000" pitchFamily="2" charset="0"/>
                 <a:ea typeface="Roboto" panose="02000000000000000000" pitchFamily="2" charset="0"/>
               </a:rPr>
-              <a:t>Als je het </a:t>
+              <a:t>Als je het attribuut “v-</a:t>
             </a:r>
             <a:r>
               <a:rPr lang="nl-BE" dirty="0" err="1">
                 <a:latin typeface="Roboto" panose="02000000000000000000" pitchFamily="2" charset="0"/>
                 <a:ea typeface="Roboto" panose="02000000000000000000" pitchFamily="2" charset="0"/>
               </a:rPr>
-              <a:t>attribute</a:t>
-            </a:r>
-            <a:r>
-              <a:rPr lang="nl-BE" dirty="0">
-                <a:latin typeface="Roboto" panose="02000000000000000000" pitchFamily="2" charset="0"/>
-                <a:ea typeface="Roboto" panose="02000000000000000000" pitchFamily="2" charset="0"/>
-              </a:rPr>
-              <a:t> v-</a:t>
-            </a:r>
-            <a:r>
-              <a:rPr lang="nl-BE" dirty="0" err="1">
-                <a:latin typeface="Roboto" panose="02000000000000000000" pitchFamily="2" charset="0"/>
-                <a:ea typeface="Roboto" panose="02000000000000000000" pitchFamily="2" charset="0"/>
-              </a:rPr>
               <a:t>once</a:t>
             </a:r>
             <a:r>
@@ -4068,7 +4026,7 @@
                 <a:latin typeface="Roboto" panose="02000000000000000000" pitchFamily="2" charset="0"/>
                 <a:ea typeface="Roboto" panose="02000000000000000000" pitchFamily="2" charset="0"/>
               </a:rPr>
-              <a:t> in het element gebruikt zal een verandering van de variabele niet zichtbaar zijn .</a:t>
+              <a:t>” in het element gebruikt, zal een nieuwe verandering van de variabele niet zichtbaar zijn.</a:t>
             </a:r>
           </a:p>
         </p:txBody>
@@ -4100,7 +4058,7 @@
                 <a:latin typeface="Roboto" panose="02000000000000000000" pitchFamily="2" charset="0"/>
                 <a:ea typeface="Roboto" panose="02000000000000000000" pitchFamily="2" charset="0"/>
               </a:rPr>
-              <a:t>Wil je een attribuut binden aan een variabele dan gebruik je niet de dubbele accolades. Dan zet je het tussen aanhalingstekens:</a:t>
+              <a:t>Wil je een attribuut binden aan een variabele, dan gebruik je niet de dubbele accolades. Dan zet je de variabele tussen aanhalingstekens:</a:t>
             </a:r>
           </a:p>
         </p:txBody>
@@ -4170,7 +4128,7 @@
                 <a:latin typeface="Roboto" panose="02000000000000000000" pitchFamily="2" charset="0"/>
                 <a:ea typeface="Roboto" panose="02000000000000000000" pitchFamily="2" charset="0"/>
               </a:rPr>
-              <a:t> overeenkomen met de variabele </a:t>
+              <a:t> overeenkomen met de variabele “</a:t>
             </a:r>
             <a:r>
               <a:rPr lang="nl-BE" dirty="0" err="1">
@@ -4184,7 +4142,7 @@
                 <a:latin typeface="Roboto" panose="02000000000000000000" pitchFamily="2" charset="0"/>
                 <a:ea typeface="Roboto" panose="02000000000000000000" pitchFamily="2" charset="0"/>
               </a:rPr>
-              <a:t>.</a:t>
+              <a:t>”.</a:t>
             </a:r>
           </a:p>
         </p:txBody>
@@ -4227,7 +4185,7 @@
         </p:nvSpPr>
         <p:spPr>
           <a:xfrm>
-            <a:off x="822121" y="3531765"/>
+            <a:off x="822121" y="3765972"/>
             <a:ext cx="10704352" cy="369332"/>
           </a:xfrm>
           <a:prstGeom prst="rect">
@@ -4246,7 +4204,7 @@
                 <a:latin typeface="Roboto" panose="02000000000000000000" pitchFamily="2" charset="0"/>
                 <a:ea typeface="Roboto" panose="02000000000000000000" pitchFamily="2" charset="0"/>
               </a:rPr>
-              <a:t>En ook filters gebruiken om je data te wijzigen.</a:t>
+              <a:t>En natuurlijk kan je filters gebruiken om je data te wijzigen.</a:t>
             </a:r>
           </a:p>
         </p:txBody>
@@ -4267,7 +4225,7 @@
         </p:blipFill>
         <p:spPr>
           <a:xfrm>
-            <a:off x="822121" y="4348416"/>
+            <a:off x="822121" y="4625252"/>
             <a:ext cx="2324100" cy="485775"/>
           </a:xfrm>
           <a:prstGeom prst="rect">
@@ -4283,7 +4241,7 @@
         </p:nvSpPr>
         <p:spPr>
           <a:xfrm>
-            <a:off x="3512077" y="4348416"/>
+            <a:off x="3503688" y="4683473"/>
             <a:ext cx="8117632" cy="369332"/>
           </a:xfrm>
           <a:prstGeom prst="rect">
@@ -4299,15 +4257,7 @@
           <a:p>
             <a:r>
               <a:rPr lang="nl-BE" dirty="0"/>
-              <a:t>Dit doe je door er een | tussen te zette. De filters kan je ook </a:t>
-            </a:r>
-            <a:r>
-              <a:rPr lang="nl-BE" dirty="0" err="1"/>
-              <a:t>chainen</a:t>
-            </a:r>
-            <a:r>
-              <a:rPr lang="nl-BE" dirty="0"/>
-              <a:t>.</a:t>
+              <a:t>Dit doe je door er een | tussen te zette. De filters kan je linken aan elkaar.</a:t>
             </a:r>
           </a:p>
         </p:txBody>
@@ -4320,7 +4270,7 @@
         </p:nvSpPr>
         <p:spPr>
           <a:xfrm>
-            <a:off x="746620" y="377505"/>
+            <a:off x="746620" y="1392573"/>
             <a:ext cx="10947633" cy="369332"/>
           </a:xfrm>
           <a:prstGeom prst="rect">
@@ -4336,7 +4286,7 @@
           <a:p>
             <a:r>
               <a:rPr lang="nl-BE" dirty="0"/>
-              <a:t>Je kan ook basis javascript gebruiken tussen deze dubbele accolade. </a:t>
+              <a:t>Je kan basis Javascript expressies gebruiken tussen deze dubbele accolade. </a:t>
             </a:r>
           </a:p>
         </p:txBody>
@@ -4357,7 +4307,7 @@
         </p:blipFill>
         <p:spPr>
           <a:xfrm>
-            <a:off x="822121" y="1480826"/>
+            <a:off x="822121" y="2209224"/>
             <a:ext cx="2790825" cy="1066800"/>
           </a:xfrm>
           <a:prstGeom prst="rect">
@@ -4422,18 +4372,6 @@
               <a:rPr lang="nl-BE" sz="5400" dirty="0" err="1">
                 <a:latin typeface="Headline One" panose="00000400000000000000" pitchFamily="2" charset="0"/>
               </a:rPr>
-              <a:t>Vue’s</a:t>
-            </a:r>
-            <a:r>
-              <a:rPr lang="nl-BE" sz="5400" dirty="0">
-                <a:latin typeface="Headline One" panose="00000400000000000000" pitchFamily="2" charset="0"/>
-              </a:rPr>
-              <a:t> </a:t>
-            </a:r>
-            <a:r>
-              <a:rPr lang="nl-BE" sz="5400" dirty="0" err="1">
-                <a:latin typeface="Headline One" panose="00000400000000000000" pitchFamily="2" charset="0"/>
-              </a:rPr>
               <a:t>directives</a:t>
             </a:r>
             <a:endParaRPr lang="nl-BE" sz="5400" dirty="0">
@@ -4451,7 +4389,7 @@
         <p:spPr>
           <a:xfrm>
             <a:off x="654341" y="1451295"/>
-            <a:ext cx="10981189" cy="646331"/>
+            <a:ext cx="10981189" cy="369332"/>
           </a:xfrm>
           <a:prstGeom prst="rect">
             <a:avLst/>
@@ -4469,7 +4407,7 @@
                 <a:latin typeface="Roboto" panose="02000000000000000000" pitchFamily="2" charset="0"/>
                 <a:ea typeface="Roboto" panose="02000000000000000000" pitchFamily="2" charset="0"/>
               </a:rPr>
-              <a:t>Een zeer belangrijke eigenschap van vue zijn de </a:t>
+              <a:t>Een zeer belangrijke eigenschap van Vue zijn de </a:t>
             </a:r>
             <a:r>
               <a:rPr lang="nl-BE" dirty="0" err="1">
@@ -4483,7 +4421,7 @@
                 <a:latin typeface="Roboto" panose="02000000000000000000" pitchFamily="2" charset="0"/>
                 <a:ea typeface="Roboto" panose="02000000000000000000" pitchFamily="2" charset="0"/>
               </a:rPr>
-              <a:t>. Deze worden altijd aangetoond met een v ervoor.</a:t>
+              <a:t>. Deze herken je aan de “v” ervoor.</a:t>
             </a:r>
           </a:p>
         </p:txBody>
@@ -4515,7 +4453,7 @@
                 <a:latin typeface="Roboto" panose="02000000000000000000" pitchFamily="2" charset="0"/>
                 <a:ea typeface="Roboto" panose="02000000000000000000" pitchFamily="2" charset="0"/>
               </a:rPr>
-              <a:t>We hebben er al 2 gezien </a:t>
+              <a:t>We hebben er al 2 gezien: </a:t>
             </a:r>
             <a:r>
               <a:rPr lang="nl-BE" dirty="0" err="1">
@@ -4622,21 +4560,7 @@
                 <a:latin typeface="Roboto" panose="02000000000000000000" pitchFamily="2" charset="0"/>
                 <a:ea typeface="Roboto" panose="02000000000000000000" pitchFamily="2" charset="0"/>
               </a:rPr>
-              <a:t>Deze bijvoorbeeld. Hier zal de klasse afhangen van variabelen in de vue </a:t>
-            </a:r>
-            <a:r>
-              <a:rPr lang="nl-BE" dirty="0" err="1">
-                <a:latin typeface="Roboto" panose="02000000000000000000" pitchFamily="2" charset="0"/>
-                <a:ea typeface="Roboto" panose="02000000000000000000" pitchFamily="2" charset="0"/>
-              </a:rPr>
-              <a:t>instance</a:t>
-            </a:r>
-            <a:r>
-              <a:rPr lang="nl-BE" dirty="0">
-                <a:latin typeface="Roboto" panose="02000000000000000000" pitchFamily="2" charset="0"/>
-                <a:ea typeface="Roboto" panose="02000000000000000000" pitchFamily="2" charset="0"/>
-              </a:rPr>
-              <a:t>.</a:t>
+              <a:t>In dit voorbeeld zal de klasse afhangen van variabelen in de Vue instantie.</a:t>
             </a:r>
           </a:p>
         </p:txBody>
@@ -4732,21 +4656,7 @@
                 <a:latin typeface="Roboto" panose="02000000000000000000" pitchFamily="2" charset="0"/>
                 <a:ea typeface="Roboto" panose="02000000000000000000" pitchFamily="2" charset="0"/>
               </a:rPr>
-              <a:t> aan te passen. Ze worden </a:t>
-            </a:r>
-            <a:r>
-              <a:rPr lang="nl-BE" dirty="0" err="1">
-                <a:latin typeface="Roboto" panose="02000000000000000000" pitchFamily="2" charset="0"/>
-                <a:ea typeface="Roboto" panose="02000000000000000000" pitchFamily="2" charset="0"/>
-              </a:rPr>
-              <a:t>aangetoont</a:t>
-            </a:r>
-            <a:r>
-              <a:rPr lang="nl-BE" dirty="0">
-                <a:latin typeface="Roboto" panose="02000000000000000000" pitchFamily="2" charset="0"/>
-                <a:ea typeface="Roboto" panose="02000000000000000000" pitchFamily="2" charset="0"/>
-              </a:rPr>
-              <a:t> met een . </a:t>
+              <a:t> aan te passen. Deze herken je aan de “.” ervoor. </a:t>
             </a:r>
           </a:p>
         </p:txBody>
@@ -4816,27 +4726,13 @@
                 <a:latin typeface="Roboto" panose="02000000000000000000" pitchFamily="2" charset="0"/>
                 <a:ea typeface="Roboto" panose="02000000000000000000" pitchFamily="2" charset="0"/>
               </a:rPr>
-              <a:t> methode niet uit te voeren kan je </a:t>
+              <a:t> methode niet uit te voeren, kan je bijvoorbeeld de “.</a:t>
             </a:r>
             <a:r>
               <a:rPr lang="nl-BE" dirty="0" err="1">
                 <a:latin typeface="Roboto" panose="02000000000000000000" pitchFamily="2" charset="0"/>
                 <a:ea typeface="Roboto" panose="02000000000000000000" pitchFamily="2" charset="0"/>
               </a:rPr>
-              <a:t>debijvoorbeeld</a:t>
-            </a:r>
-            <a:r>
-              <a:rPr lang="nl-BE" dirty="0">
-                <a:latin typeface="Roboto" panose="02000000000000000000" pitchFamily="2" charset="0"/>
-                <a:ea typeface="Roboto" panose="02000000000000000000" pitchFamily="2" charset="0"/>
-              </a:rPr>
-              <a:t> de .</a:t>
-            </a:r>
-            <a:r>
-              <a:rPr lang="nl-BE" dirty="0" err="1">
-                <a:latin typeface="Roboto" panose="02000000000000000000" pitchFamily="2" charset="0"/>
-                <a:ea typeface="Roboto" panose="02000000000000000000" pitchFamily="2" charset="0"/>
-              </a:rPr>
               <a:t>prevent</a:t>
             </a:r>
             <a:r>
@@ -4844,7 +4740,7 @@
                 <a:latin typeface="Roboto" panose="02000000000000000000" pitchFamily="2" charset="0"/>
                 <a:ea typeface="Roboto" panose="02000000000000000000" pitchFamily="2" charset="0"/>
               </a:rPr>
-              <a:t> </a:t>
+              <a:t>” </a:t>
             </a:r>
             <a:r>
               <a:rPr lang="nl-BE" dirty="0" err="1">
@@ -4952,7 +4848,7 @@
           <a:p>
             <a:r>
               <a:rPr lang="nl-BE" dirty="0"/>
-              <a:t>Met deze bibliotheek is natuurlijk ook makkelijk om methodes uit te voeren. Geef gewoon het methode object mee aan je vue instantie:</a:t>
+              <a:t>Met deze bibliotheek is het gemakkelijk om methodes uit te voeren. Geef het methode object mee aan je Vue instantie:</a:t>
             </a:r>
           </a:p>
         </p:txBody>
@@ -5032,21 +4928,7 @@
                 <a:latin typeface="Roboto" panose="02000000000000000000" pitchFamily="2" charset="0"/>
                 <a:ea typeface="Roboto" panose="02000000000000000000" pitchFamily="2" charset="0"/>
               </a:rPr>
-              <a:t>Dit kan je dan heel makkelijk uitvoeren </a:t>
-            </a:r>
-            <a:r>
-              <a:rPr lang="nl-BE" dirty="0" err="1">
-                <a:latin typeface="Roboto" panose="02000000000000000000" pitchFamily="2" charset="0"/>
-                <a:ea typeface="Roboto" panose="02000000000000000000" pitchFamily="2" charset="0"/>
-              </a:rPr>
-              <a:t>vie</a:t>
-            </a:r>
-            <a:r>
-              <a:rPr lang="nl-BE" dirty="0">
-                <a:latin typeface="Roboto" panose="02000000000000000000" pitchFamily="2" charset="0"/>
-                <a:ea typeface="Roboto" panose="02000000000000000000" pitchFamily="2" charset="0"/>
-              </a:rPr>
-              <a:t> de html achter een click event.</a:t>
+              <a:t>Dit kan je dan heel gemakkelijk uitvoeren via de HTML achter een click event.</a:t>
             </a:r>
           </a:p>
         </p:txBody>
@@ -5137,7 +5019,7 @@
         <p:spPr>
           <a:xfrm>
             <a:off x="713064" y="1426128"/>
-            <a:ext cx="10821798" cy="369332"/>
+            <a:ext cx="10821798" cy="646331"/>
           </a:xfrm>
           <a:prstGeom prst="rect">
             <a:avLst/>
@@ -5151,24 +5033,25 @@
           <a:lstStyle/>
           <a:p>
             <a:r>
-              <a:rPr lang="nl-BE" dirty="0"/>
+              <a:rPr lang="nl-BE" dirty="0">
+                <a:latin typeface="Roboto" panose="02000000000000000000" pitchFamily="2" charset="0"/>
+                <a:ea typeface="Roboto" panose="02000000000000000000" pitchFamily="2" charset="0"/>
+              </a:rPr>
               <a:t>“</a:t>
             </a:r>
             <a:r>
-              <a:rPr lang="nl-BE" dirty="0" err="1"/>
-              <a:t>Computes</a:t>
-            </a:r>
-            <a:r>
-              <a:rPr lang="nl-BE" dirty="0"/>
-              <a:t> </a:t>
-            </a:r>
-            <a:r>
-              <a:rPr lang="nl-BE" dirty="0" err="1"/>
-              <a:t>properties</a:t>
-            </a:r>
-            <a:r>
-              <a:rPr lang="nl-BE" dirty="0"/>
-              <a:t>” is 1 van de eigenschappen die vue.js zo interessant en makkelijk te gebruiken maakt.</a:t>
+              <a:rPr lang="nl-BE" dirty="0" err="1">
+                <a:latin typeface="Roboto" panose="02000000000000000000" pitchFamily="2" charset="0"/>
+                <a:ea typeface="Roboto" panose="02000000000000000000" pitchFamily="2" charset="0"/>
+              </a:rPr>
+              <a:t>Computed</a:t>
+            </a:r>
+            <a:r>
+              <a:rPr lang="nl-BE" dirty="0">
+                <a:latin typeface="Roboto" panose="02000000000000000000" pitchFamily="2" charset="0"/>
+                <a:ea typeface="Roboto" panose="02000000000000000000" pitchFamily="2" charset="0"/>
+              </a:rPr>
+              <a:t> property” is één van de eigenschappen die Vue zo interessant en makkelijk te gebruiken maakt.</a:t>
             </a:r>
           </a:p>
         </p:txBody>
@@ -5181,7 +5064,7 @@
         </p:nvSpPr>
         <p:spPr>
           <a:xfrm>
-            <a:off x="851482" y="2097248"/>
+            <a:off x="713064" y="2097248"/>
             <a:ext cx="10544962" cy="646331"/>
           </a:xfrm>
           <a:prstGeom prst="rect">
@@ -5200,7 +5083,7 @@
                 <a:latin typeface="Roboto" panose="02000000000000000000" pitchFamily="2" charset="0"/>
                 <a:ea typeface="Roboto" panose="02000000000000000000" pitchFamily="2" charset="0"/>
               </a:rPr>
-              <a:t>Bijvoorbeeld: je wilt in je applicatie 2 getallen vermenigvuldigen die je zelf kan ingeven. Je kan dit op 2 manieren doen.</a:t>
+              <a:t>Bijvoorbeeld: je wil in je applicatie 2 getallen vermenigvuldigen die je zelf kan ingeven. Je kan dit op 2 manieren doen:</a:t>
             </a:r>
           </a:p>
         </p:txBody>
@@ -5213,7 +5096,7 @@
         </p:nvSpPr>
         <p:spPr>
           <a:xfrm>
-            <a:off x="851482" y="3129094"/>
+            <a:off x="713064" y="3113711"/>
             <a:ext cx="10205208" cy="646331"/>
           </a:xfrm>
           <a:prstGeom prst="rect">
@@ -5228,24 +5111,11 @@
           <a:lstStyle/>
           <a:p>
             <a:r>
-              <a:rPr lang="nl-BE" dirty="0"/>
-              <a:t>Je kan het simpelweg met een javascript </a:t>
-            </a:r>
-            <a:r>
-              <a:rPr lang="nl-BE" dirty="0" err="1"/>
-              <a:t>expression</a:t>
-            </a:r>
-            <a:r>
-              <a:rPr lang="nl-BE" dirty="0"/>
-              <a:t> doen. Dit zal werken, de </a:t>
-            </a:r>
-            <a:r>
-              <a:rPr lang="nl-BE" dirty="0" err="1"/>
-              <a:t>vermenigvulidiging</a:t>
-            </a:r>
-            <a:r>
-              <a:rPr lang="nl-BE" dirty="0"/>
-              <a:t> van de 2 factors zal real time worden getoond. </a:t>
+              <a:rPr lang="nl-BE" dirty="0">
+                <a:latin typeface="Roboto" panose="02000000000000000000" pitchFamily="2" charset="0"/>
+                <a:ea typeface="Roboto" panose="02000000000000000000" pitchFamily="2" charset="0"/>
+              </a:rPr>
+              <a:t>Je kan het met een Javascript expressie doen. Dit zal werken, de vermenigvuldiging van de 2 factoren zal real time worden getoond. </a:t>
             </a:r>
           </a:p>
         </p:txBody>
@@ -5355,21 +5225,16 @@
                 <a:latin typeface="Roboto" panose="02000000000000000000" pitchFamily="2" charset="0"/>
                 <a:ea typeface="Roboto" panose="02000000000000000000" pitchFamily="2" charset="0"/>
               </a:rPr>
-              <a:t>Zou het niet handiger zijn moesten we al de logica in de </a:t>
-            </a:r>
-            <a:r>
-              <a:rPr lang="nl-BE" dirty="0" err="1">
-                <a:latin typeface="Roboto" panose="02000000000000000000" pitchFamily="2" charset="0"/>
-                <a:ea typeface="Roboto" panose="02000000000000000000" pitchFamily="2" charset="0"/>
-              </a:rPr>
-              <a:t>js</a:t>
-            </a:r>
-            <a:r>
-              <a:rPr lang="nl-BE" dirty="0">
-                <a:latin typeface="Roboto" panose="02000000000000000000" pitchFamily="2" charset="0"/>
-                <a:ea typeface="Roboto" panose="02000000000000000000" pitchFamily="2" charset="0"/>
-              </a:rPr>
-              <a:t> file kunnen zetten ? Dit is geen complex voorbeeld maar je kan je voorstellen dat er complexe zaken zijn die je niet in de html file kunt zetten. Hiervoor kan je </a:t>
+              <a:t>Zou het niet handiger zijn als we de volledige logica in de Javascript file zetten? </a:t>
+            </a:r>
+          </a:p>
+          <a:p>
+            <a:r>
+              <a:rPr lang="nl-BE" dirty="0">
+                <a:latin typeface="Roboto" panose="02000000000000000000" pitchFamily="2" charset="0"/>
+                <a:ea typeface="Roboto" panose="02000000000000000000" pitchFamily="2" charset="0"/>
+              </a:rPr>
+              <a:t>Dit is geen complex voorbeeld maar je kan je voorstellen dat er complexe berekeningen zijn die je niet in de HTML file kunt zetten. Hiervoor kan je </a:t>
             </a:r>
             <a:r>
               <a:rPr lang="nl-BE" dirty="0" err="1">
@@ -5477,7 +5342,7 @@
                 <a:latin typeface="Roboto" panose="02000000000000000000" pitchFamily="2" charset="0"/>
                 <a:ea typeface="Roboto" panose="02000000000000000000" pitchFamily="2" charset="0"/>
               </a:rPr>
-              <a:t>Het interessante  aan de </a:t>
+              <a:t>Het interessante aan “</a:t>
             </a:r>
             <a:r>
               <a:rPr lang="nl-BE" dirty="0" err="1">
@@ -5505,7 +5370,7 @@
                 <a:latin typeface="Roboto" panose="02000000000000000000" pitchFamily="2" charset="0"/>
                 <a:ea typeface="Roboto" panose="02000000000000000000" pitchFamily="2" charset="0"/>
               </a:rPr>
-              <a:t> is dat ze </a:t>
+              <a:t>” is dat ze </a:t>
             </a:r>
             <a:r>
               <a:rPr lang="nl-BE" b="1" dirty="0">
@@ -5519,14 +5384,14 @@
                 <a:latin typeface="Roboto" panose="02000000000000000000" pitchFamily="2" charset="0"/>
                 <a:ea typeface="Roboto" panose="02000000000000000000" pitchFamily="2" charset="0"/>
               </a:rPr>
-              <a:t>wanneer er 1 van de afhankelijke variabelen veranderd en dan zelf </a:t>
+              <a:t>wanneer er 1 van de afhankelijke variabelen verandert en dan zelf </a:t>
             </a:r>
             <a:r>
               <a:rPr lang="nl-BE" b="1" dirty="0">
                 <a:latin typeface="Roboto" panose="02000000000000000000" pitchFamily="2" charset="0"/>
                 <a:ea typeface="Roboto" panose="02000000000000000000" pitchFamily="2" charset="0"/>
               </a:rPr>
-              <a:t>mee veranderd</a:t>
+              <a:t>mee veranderen</a:t>
             </a:r>
             <a:r>
               <a:rPr lang="nl-BE" dirty="0">
@@ -5546,7 +5411,7 @@
         </p:nvSpPr>
         <p:spPr>
           <a:xfrm>
-            <a:off x="634482" y="5780015"/>
+            <a:off x="634480" y="5612235"/>
             <a:ext cx="10748865" cy="646331"/>
           </a:xfrm>
           <a:prstGeom prst="rect">
@@ -5565,7 +5430,7 @@
                 <a:latin typeface="Roboto" panose="02000000000000000000" pitchFamily="2" charset="0"/>
                 <a:ea typeface="Roboto" panose="02000000000000000000" pitchFamily="2" charset="0"/>
               </a:rPr>
-              <a:t>Als je bovenstaande met een methode had gedaan. Dan was de uitkomst niet mee veranderd met de wijzigen van de afhankelijke variabelen.</a:t>
+              <a:t>Als je dit met een methode had gedaan, dan was de uitkomst niet mee veranderd met een wijziging van een afhankelijke variabele.</a:t>
             </a:r>
           </a:p>
         </p:txBody>
@@ -5627,7 +5492,7 @@
                 <a:latin typeface="Roboto" panose="02000000000000000000" pitchFamily="2" charset="0"/>
                 <a:ea typeface="Roboto" panose="02000000000000000000" pitchFamily="2" charset="0"/>
               </a:rPr>
-              <a:t>Bovenstaande is een voorbeeld van een </a:t>
+              <a:t>Het voorgaande is een voorbeeld van een </a:t>
             </a:r>
             <a:r>
               <a:rPr lang="nl-BE" dirty="0" err="1">
@@ -5749,21 +5614,7 @@
                 <a:latin typeface="Roboto" panose="02000000000000000000" pitchFamily="2" charset="0"/>
                 <a:ea typeface="Roboto" panose="02000000000000000000" pitchFamily="2" charset="0"/>
               </a:rPr>
-              <a:t>Als je dan bovenstaande doet zal de setter worden gebruikt </a:t>
-            </a:r>
-            <a:r>
-              <a:rPr lang="nl-BE" dirty="0" err="1">
-                <a:latin typeface="Roboto" panose="02000000000000000000" pitchFamily="2" charset="0"/>
-                <a:ea typeface="Roboto" panose="02000000000000000000" pitchFamily="2" charset="0"/>
-              </a:rPr>
-              <a:t>ipv</a:t>
-            </a:r>
-            <a:r>
-              <a:rPr lang="nl-BE" dirty="0">
-                <a:latin typeface="Roboto" panose="02000000000000000000" pitchFamily="2" charset="0"/>
-                <a:ea typeface="Roboto" panose="02000000000000000000" pitchFamily="2" charset="0"/>
-              </a:rPr>
-              <a:t> de </a:t>
+              <a:t>Als je het bovenstaande doet, zal de setter worden gebruikt in plaats van de </a:t>
             </a:r>
             <a:r>
               <a:rPr lang="nl-BE" dirty="0" err="1">
@@ -5897,7 +5748,7 @@
                 <a:latin typeface="Roboto" panose="02000000000000000000" pitchFamily="2" charset="0"/>
                 <a:ea typeface="Roboto" panose="02000000000000000000" pitchFamily="2" charset="0"/>
               </a:rPr>
-              <a:t> te manipuleren in vue. </a:t>
+              <a:t> te manipuleren in Vue. </a:t>
             </a:r>
           </a:p>
         </p:txBody>
@@ -6054,21 +5905,7 @@
                 <a:latin typeface="Roboto" panose="02000000000000000000" pitchFamily="2" charset="0"/>
                 <a:ea typeface="Roboto" panose="02000000000000000000" pitchFamily="2" charset="0"/>
               </a:rPr>
-              <a:t>-&gt; Deze </a:t>
-            </a:r>
-            <a:r>
-              <a:rPr lang="nl-BE" dirty="0" err="1">
-                <a:latin typeface="Roboto" panose="02000000000000000000" pitchFamily="2" charset="0"/>
-                <a:ea typeface="Roboto" panose="02000000000000000000" pitchFamily="2" charset="0"/>
-              </a:rPr>
-              <a:t>fucties</a:t>
-            </a:r>
-            <a:r>
-              <a:rPr lang="nl-BE" dirty="0">
-                <a:latin typeface="Roboto" panose="02000000000000000000" pitchFamily="2" charset="0"/>
-                <a:ea typeface="Roboto" panose="02000000000000000000" pitchFamily="2" charset="0"/>
-              </a:rPr>
-              <a:t> wijzigen de array zelf die is meegegeven.</a:t>
+              <a:t>-&gt; Deze functies wijzigen de array die is meegegeven.</a:t>
             </a:r>
           </a:p>
         </p:txBody>
@@ -6150,7 +5987,7 @@
         </p:nvSpPr>
         <p:spPr>
           <a:xfrm>
-            <a:off x="3003259" y="4572000"/>
+            <a:off x="2839673" y="4564637"/>
             <a:ext cx="6451134" cy="369332"/>
           </a:xfrm>
           <a:prstGeom prst="rect">
@@ -6165,8 +6002,11 @@
           <a:lstStyle/>
           <a:p>
             <a:r>
-              <a:rPr lang="nl-BE" dirty="0"/>
-              <a:t>-&gt; deze functie creëren een nieuwe gewijzigde array.</a:t>
+              <a:rPr lang="nl-BE" dirty="0">
+                <a:latin typeface="Roboto" panose="02000000000000000000" pitchFamily="2" charset="0"/>
+                <a:ea typeface="Roboto" panose="02000000000000000000" pitchFamily="2" charset="0"/>
+              </a:rPr>
+              <a:t>-&gt; deze functies creëren een nieuwe, gewijzigde array.</a:t>
             </a:r>
           </a:p>
         </p:txBody>
@@ -6187,7 +6027,7 @@
         </p:blipFill>
         <p:spPr>
           <a:xfrm>
-            <a:off x="3112314" y="5813715"/>
+            <a:off x="3473041" y="5815858"/>
             <a:ext cx="3295650" cy="371475"/>
           </a:xfrm>
           <a:prstGeom prst="rect">
@@ -6204,7 +6044,7 @@
         <p:spPr>
           <a:xfrm>
             <a:off x="855677" y="5815858"/>
-            <a:ext cx="1887523" cy="369332"/>
+            <a:ext cx="2348917" cy="369332"/>
           </a:xfrm>
           <a:prstGeom prst="rect">
             <a:avLst/>
@@ -6222,7 +6062,7 @@
                 <a:latin typeface="Roboto" panose="02000000000000000000" pitchFamily="2" charset="0"/>
                 <a:ea typeface="Roboto" panose="02000000000000000000" pitchFamily="2" charset="0"/>
               </a:rPr>
-              <a:t>Gebruik  -&gt;</a:t>
+              <a:t>Hoe gebruiken ?  -&gt;</a:t>
             </a:r>
           </a:p>
         </p:txBody>
@@ -6409,7 +6249,7 @@
         <p:spPr>
           <a:xfrm>
             <a:off x="629174" y="2861924"/>
-            <a:ext cx="3615092" cy="369332"/>
+            <a:ext cx="3203121" cy="369332"/>
           </a:xfrm>
           <a:prstGeom prst="rect">
             <a:avLst/>
@@ -6426,7 +6266,7 @@
                 <a:latin typeface="Roboto" panose="02000000000000000000" pitchFamily="2" charset="0"/>
                 <a:ea typeface="Roboto" panose="02000000000000000000" pitchFamily="2" charset="0"/>
               </a:rPr>
-              <a:t>Hier zijn wel 2 alternatieven voor.</a:t>
+              <a:t>Hier zijn 2 alternatieven voor:</a:t>
             </a:r>
             <a:endParaRPr lang="nl-BE" dirty="0"/>
           </a:p>
@@ -6440,7 +6280,7 @@
         </p:nvSpPr>
         <p:spPr>
           <a:xfrm>
-            <a:off x="715736" y="4731391"/>
+            <a:off x="715736" y="4430665"/>
             <a:ext cx="2318583" cy="369332"/>
           </a:xfrm>
           <a:prstGeom prst="rect">
@@ -6477,7 +6317,7 @@
         </p:blipFill>
         <p:spPr>
           <a:xfrm>
-            <a:off x="715736" y="5265797"/>
+            <a:off x="715736" y="4965071"/>
             <a:ext cx="2609850" cy="381000"/>
           </a:xfrm>
           <a:prstGeom prst="rect">
@@ -6493,8 +6333,8 @@
         </p:nvSpPr>
         <p:spPr>
           <a:xfrm>
-            <a:off x="715736" y="5811871"/>
-            <a:ext cx="4527137" cy="369332"/>
+            <a:off x="715736" y="5511145"/>
+            <a:ext cx="5098960" cy="369332"/>
           </a:xfrm>
           <a:prstGeom prst="rect">
             <a:avLst/>
@@ -6509,7 +6349,7 @@
           <a:p>
             <a:r>
               <a:rPr lang="nl-BE" dirty="0"/>
-              <a:t>Maar ook dit kan je oplossen door dit te doen:</a:t>
+              <a:t>Maar dit kan je oplossen door het volgende te doen:</a:t>
             </a:r>
           </a:p>
         </p:txBody>
@@ -6530,7 +6370,7 @@
         </p:blipFill>
         <p:spPr>
           <a:xfrm>
-            <a:off x="715736" y="6346277"/>
+            <a:off x="715736" y="6045551"/>
             <a:ext cx="3171825" cy="400050"/>
           </a:xfrm>
           <a:prstGeom prst="rect">
@@ -6577,7 +6417,7 @@
         <p:spPr>
           <a:xfrm>
             <a:off x="771787" y="1786855"/>
-            <a:ext cx="10838576" cy="830997"/>
+            <a:ext cx="10838576" cy="1200329"/>
           </a:xfrm>
           <a:prstGeom prst="rect">
             <a:avLst/>
@@ -6595,7 +6435,21 @@
                 <a:latin typeface="Roboto" panose="02000000000000000000" pitchFamily="2" charset="0"/>
                 <a:ea typeface="Roboto" panose="02000000000000000000" pitchFamily="2" charset="0"/>
               </a:rPr>
-              <a:t>- Vue is een javascript  bibliotheek voor het bouwen van web-interfaces. </a:t>
+              <a:t>- Vue is een Javascript  </a:t>
+            </a:r>
+            <a:r>
+              <a:rPr lang="nl-BE" sz="2400" dirty="0" err="1">
+                <a:latin typeface="Roboto" panose="02000000000000000000" pitchFamily="2" charset="0"/>
+                <a:ea typeface="Roboto" panose="02000000000000000000" pitchFamily="2" charset="0"/>
+              </a:rPr>
+              <a:t>framework</a:t>
+            </a:r>
+            <a:r>
+              <a:rPr lang="nl-BE" sz="2400" dirty="0">
+                <a:latin typeface="Roboto" panose="02000000000000000000" pitchFamily="2" charset="0"/>
+                <a:ea typeface="Roboto" panose="02000000000000000000" pitchFamily="2" charset="0"/>
+              </a:rPr>
+              <a:t>/bibliotheek voor het bouwen van web-interfaces. </a:t>
             </a:r>
           </a:p>
           <a:p>
@@ -6661,7 +6515,7 @@
           <a:p>
             <a:r>
               <a:rPr lang="nl-BE" sz="2400" dirty="0"/>
-              <a:t>Nog een javascript bibliotheek ? We hebben er al zo veel !</a:t>
+              <a:t>Nog een Javascript bibliotheek? We hebben er al zo veel!</a:t>
             </a:r>
           </a:p>
           <a:p>
@@ -6975,7 +6829,7 @@
         </p:nvSpPr>
         <p:spPr>
           <a:xfrm>
-            <a:off x="713064" y="1518407"/>
+            <a:off x="570451" y="1518407"/>
             <a:ext cx="10788242" cy="646331"/>
           </a:xfrm>
           <a:prstGeom prst="rect">
@@ -6994,7 +6848,7 @@
                 <a:latin typeface="Roboto" panose="02000000000000000000" pitchFamily="2" charset="0"/>
                 <a:ea typeface="Roboto" panose="02000000000000000000" pitchFamily="2" charset="0"/>
               </a:rPr>
-              <a:t>Je kan arrays ook makkelijk filteren met vue. Al zijn hier niet echt vue specifieke functie voor is er wel een makkelijke manier met </a:t>
+              <a:t>Je kan arrays ook makkelijk filteren met Vue. Al zijn hier niet echt specifieke functies voor binnen Vue, er is wel een manier met “</a:t>
             </a:r>
             <a:r>
               <a:rPr lang="nl-BE" dirty="0" err="1">
@@ -7022,7 +6876,7 @@
                 <a:latin typeface="Roboto" panose="02000000000000000000" pitchFamily="2" charset="0"/>
                 <a:ea typeface="Roboto" panose="02000000000000000000" pitchFamily="2" charset="0"/>
               </a:rPr>
-              <a:t>:</a:t>
+              <a:t>”:</a:t>
             </a:r>
           </a:p>
         </p:txBody>
@@ -7164,21 +7018,7 @@
                 <a:latin typeface="Roboto" panose="02000000000000000000" pitchFamily="2" charset="0"/>
                 <a:ea typeface="Roboto" panose="02000000000000000000" pitchFamily="2" charset="0"/>
               </a:rPr>
-              <a:t>Bij event handling is v-on het meest </a:t>
-            </a:r>
-            <a:r>
-              <a:rPr lang="nl-BE" dirty="0" err="1">
-                <a:latin typeface="Roboto" panose="02000000000000000000" pitchFamily="2" charset="0"/>
-                <a:ea typeface="Roboto" panose="02000000000000000000" pitchFamily="2" charset="0"/>
-              </a:rPr>
-              <a:t>gebruike</a:t>
-            </a:r>
-            <a:r>
-              <a:rPr lang="nl-BE" dirty="0">
-                <a:latin typeface="Roboto" panose="02000000000000000000" pitchFamily="2" charset="0"/>
-                <a:ea typeface="Roboto" panose="02000000000000000000" pitchFamily="2" charset="0"/>
-              </a:rPr>
-              <a:t> attribuut. Hier kan zowel een methode als een expressie achter zitten:</a:t>
+              <a:t>Bij event handling is “v-on” het meest gebruikte attribuut. Hier kan zowel een methode als een expressie achter zitten:</a:t>
             </a:r>
           </a:p>
         </p:txBody>
@@ -7258,7 +7098,7 @@
                 <a:latin typeface="Roboto" panose="02000000000000000000" pitchFamily="2" charset="0"/>
                 <a:ea typeface="Roboto" panose="02000000000000000000" pitchFamily="2" charset="0"/>
               </a:rPr>
-              <a:t>Wil je het event meegeven ? Geen probleem doe gewoon.</a:t>
+              <a:t>Wil je het event meegeven ? Geen probleem, doe gewoon:</a:t>
             </a:r>
           </a:p>
         </p:txBody>
@@ -7279,7 +7119,7 @@
         </p:blipFill>
         <p:spPr>
           <a:xfrm>
-            <a:off x="587229" y="5752792"/>
+            <a:off x="587229" y="5608198"/>
             <a:ext cx="2800350" cy="1038225"/>
           </a:xfrm>
           <a:prstGeom prst="rect">
@@ -7295,8 +7135,8 @@
         </p:nvSpPr>
         <p:spPr>
           <a:xfrm>
-            <a:off x="444617" y="5150840"/>
-            <a:ext cx="3661900" cy="369332"/>
+            <a:off x="444617" y="5041783"/>
+            <a:ext cx="4789645" cy="369332"/>
           </a:xfrm>
           <a:prstGeom prst="rect">
             <a:avLst/>
@@ -7311,7 +7151,7 @@
           <a:p>
             <a:r>
               <a:rPr lang="nl-BE" dirty="0"/>
-              <a:t>En dan kan je bijvoorbeeld die doen :</a:t>
+              <a:t>En dan kan je het event gebruiken in je methode:</a:t>
             </a:r>
           </a:p>
         </p:txBody>
@@ -7355,7 +7195,7 @@
         <p:spPr>
           <a:xfrm>
             <a:off x="671119" y="520117"/>
-            <a:ext cx="10771464" cy="5078313"/>
+            <a:ext cx="10771464" cy="5355312"/>
           </a:xfrm>
           <a:prstGeom prst="rect">
             <a:avLst/>
@@ -7370,7 +7210,7 @@
           <a:p>
             <a:r>
               <a:rPr lang="nl-BE" dirty="0"/>
-              <a:t>Het is beter om de </a:t>
+              <a:t>Het is beter om de “</a:t>
             </a:r>
             <a:r>
               <a:rPr lang="nl-BE" dirty="0" err="1"/>
@@ -7378,15 +7218,7 @@
             </a:r>
             <a:r>
               <a:rPr lang="nl-BE" dirty="0"/>
-              <a:t> in de html te zetten en de </a:t>
-            </a:r>
-            <a:r>
-              <a:rPr lang="nl-BE" dirty="0" err="1"/>
-              <a:t>js</a:t>
-            </a:r>
-            <a:r>
-              <a:rPr lang="nl-BE" dirty="0"/>
-              <a:t> op pure logica te houden</a:t>
+              <a:t>” in de HTML te zetten en de Javascript op pure logica te houden.</a:t>
             </a:r>
           </a:p>
           <a:p>
@@ -7408,11 +7240,8 @@
             </a:r>
             <a:r>
               <a:rPr lang="nl-BE" dirty="0"/>
-              <a:t>om dit te doen, ze worden aangetoond met een punt.</a:t>
-            </a:r>
-          </a:p>
-          <a:p>
-            <a:endParaRPr lang="nl-BE" dirty="0"/>
+              <a:t>om dit te doen, ze worden weergegeven met een punt:</a:t>
+            </a:r>
           </a:p>
           <a:p>
             <a:r>
@@ -7478,7 +7307,21 @@
             </a:r>
             <a:r>
               <a:rPr lang="nl-BE" dirty="0"/>
-              <a:t> </a:t>
+              <a:t>.</a:t>
+            </a:r>
+          </a:p>
+          <a:p>
+            <a:r>
+              <a:rPr lang="nl-BE" dirty="0"/>
+              <a:t>Met dit voorbeeld zal de functie worden uitgevoerd bij een </a:t>
+            </a:r>
+            <a:r>
+              <a:rPr lang="nl-BE" dirty="0" err="1"/>
+              <a:t>keyup</a:t>
+            </a:r>
+            <a:r>
+              <a:rPr lang="nl-BE" dirty="0"/>
+              <a:t> van de enter toets:</a:t>
             </a:r>
           </a:p>
           <a:p>
@@ -7501,12 +7344,11 @@
             </a:r>
             <a:r>
               <a:rPr lang="nl-BE" dirty="0"/>
-              <a:t> heeft vue een alias</a:t>
-            </a:r>
-            <a:r>
-              <a:rPr lang="en-US" dirty="0"/>
-              <a:t>enter</a:t>
-            </a:r>
+              <a:t> heeft Vue een alias:</a:t>
+            </a:r>
+          </a:p>
+          <a:p>
+            <a:endParaRPr lang="en-US" dirty="0"/>
           </a:p>
           <a:p>
             <a:r>
@@ -7537,7 +7379,7 @@
       </p:sp>
       <p:pic>
         <p:nvPicPr>
-          <p:cNvPr id="3" name="Afbeelding 2"/>
+          <p:cNvPr id="5" name="Afbeelding 4"/>
           <p:cNvPicPr>
             <a:picLocks noChangeAspect="1"/>
           </p:cNvPicPr>
@@ -7551,8 +7393,8 @@
         </p:blipFill>
         <p:spPr>
           <a:xfrm>
-            <a:off x="671119" y="3608752"/>
-            <a:ext cx="3990975" cy="361950"/>
+            <a:off x="671119" y="3544130"/>
+            <a:ext cx="4086225" cy="390525"/>
           </a:xfrm>
           <a:prstGeom prst="rect">
             <a:avLst/>
@@ -7648,7 +7490,7 @@
                 <a:latin typeface="Roboto" panose="02000000000000000000" pitchFamily="2" charset="0"/>
                 <a:ea typeface="Roboto" panose="02000000000000000000" pitchFamily="2" charset="0"/>
               </a:rPr>
-              <a:t>Om een variabele aan een html element te binden is er v-model</a:t>
+              <a:t>Om een variabele aan een HTML element te binden, is er “v-model”.</a:t>
             </a:r>
           </a:p>
           <a:p>
@@ -7663,7 +7505,7 @@
                 <a:latin typeface="Roboto" panose="02000000000000000000" pitchFamily="2" charset="0"/>
                 <a:ea typeface="Roboto" panose="02000000000000000000" pitchFamily="2" charset="0"/>
               </a:rPr>
-              <a:t>Hierbij kiest vue zelf hoe ze de data moet updaten, gebaseerd op het input type.</a:t>
+              <a:t>Hierbij kiest Vue zelf hoe het de data moet updaten, gebaseerd op het input type.</a:t>
             </a:r>
           </a:p>
           <a:p>
@@ -7721,35 +7563,7 @@
                 <a:latin typeface="Roboto" panose="02000000000000000000" pitchFamily="2" charset="0"/>
                 <a:ea typeface="Roboto" panose="02000000000000000000" pitchFamily="2" charset="0"/>
               </a:rPr>
-              <a:t>De array wordt dan </a:t>
-            </a:r>
-            <a:r>
-              <a:rPr lang="nl-BE" dirty="0" err="1">
-                <a:latin typeface="Roboto" panose="02000000000000000000" pitchFamily="2" charset="0"/>
-                <a:ea typeface="Roboto" panose="02000000000000000000" pitchFamily="2" charset="0"/>
-              </a:rPr>
-              <a:t>gevult</a:t>
-            </a:r>
-            <a:r>
-              <a:rPr lang="nl-BE" dirty="0">
-                <a:latin typeface="Roboto" panose="02000000000000000000" pitchFamily="2" charset="0"/>
-                <a:ea typeface="Roboto" panose="02000000000000000000" pitchFamily="2" charset="0"/>
-              </a:rPr>
-              <a:t> met de data van de </a:t>
-            </a:r>
-            <a:r>
-              <a:rPr lang="nl-BE" dirty="0" err="1">
-                <a:latin typeface="Roboto" panose="02000000000000000000" pitchFamily="2" charset="0"/>
-                <a:ea typeface="Roboto" panose="02000000000000000000" pitchFamily="2" charset="0"/>
-              </a:rPr>
-              <a:t>checkbox</a:t>
-            </a:r>
-            <a:r>
-              <a:rPr lang="nl-BE" dirty="0">
-                <a:latin typeface="Roboto" panose="02000000000000000000" pitchFamily="2" charset="0"/>
-                <a:ea typeface="Roboto" panose="02000000000000000000" pitchFamily="2" charset="0"/>
-              </a:rPr>
-              <a:t>.</a:t>
+              <a:t>De array wordt gevuld met de data van de geselecteerde checkboxen.</a:t>
             </a:r>
           </a:p>
         </p:txBody>
@@ -7770,7 +7584,7 @@
         </p:blipFill>
         <p:spPr>
           <a:xfrm>
-            <a:off x="662730" y="3691329"/>
+            <a:off x="469784" y="4102389"/>
             <a:ext cx="8305800" cy="1790700"/>
           </a:xfrm>
           <a:prstGeom prst="rect">
@@ -7794,7 +7608,7 @@
         </p:blipFill>
         <p:spPr>
           <a:xfrm>
-            <a:off x="9482137" y="2081604"/>
+            <a:off x="9305968" y="2492664"/>
             <a:ext cx="2371725" cy="3400425"/>
           </a:xfrm>
           <a:prstGeom prst="rect">
@@ -7802,80 +7616,6 @@
           </a:prstGeom>
         </p:spPr>
       </p:pic>
-      <p:sp>
-        <p:nvSpPr>
-          <p:cNvPr id="10" name="Tekstvak 9"/>
-          <p:cNvSpPr txBox="1"/>
-          <p:nvPr/>
-        </p:nvSpPr>
-        <p:spPr>
-          <a:xfrm>
-            <a:off x="755009" y="5830349"/>
-            <a:ext cx="10360404" cy="646331"/>
-          </a:xfrm>
-          <a:prstGeom prst="rect">
-            <a:avLst/>
-          </a:prstGeom>
-          <a:noFill/>
-        </p:spPr>
-        <p:txBody>
-          <a:bodyPr wrap="square" rtlCol="0">
-            <a:spAutoFit/>
-          </a:bodyPr>
-          <a:lstStyle/>
-          <a:p>
-            <a:r>
-              <a:rPr lang="nl-BE" dirty="0">
-                <a:latin typeface="Roboto" panose="02000000000000000000" pitchFamily="2" charset="0"/>
-                <a:ea typeface="Roboto" panose="02000000000000000000" pitchFamily="2" charset="0"/>
-              </a:rPr>
-              <a:t>Hierbij zal origineel lege array </a:t>
-            </a:r>
-            <a:r>
-              <a:rPr lang="nl-BE" dirty="0" err="1">
-                <a:latin typeface="Roboto" panose="02000000000000000000" pitchFamily="2" charset="0"/>
-                <a:ea typeface="Roboto" panose="02000000000000000000" pitchFamily="2" charset="0"/>
-              </a:rPr>
-              <a:t>selected</a:t>
-            </a:r>
-            <a:r>
-              <a:rPr lang="nl-BE" dirty="0">
-                <a:latin typeface="Roboto" panose="02000000000000000000" pitchFamily="2" charset="0"/>
-                <a:ea typeface="Roboto" panose="02000000000000000000" pitchFamily="2" charset="0"/>
-              </a:rPr>
-              <a:t> gevuld worden met de geselecteerde </a:t>
-            </a:r>
-            <a:r>
-              <a:rPr lang="nl-BE" dirty="0" err="1">
-                <a:latin typeface="Roboto" panose="02000000000000000000" pitchFamily="2" charset="0"/>
-                <a:ea typeface="Roboto" panose="02000000000000000000" pitchFamily="2" charset="0"/>
-              </a:rPr>
-              <a:t>values</a:t>
-            </a:r>
-            <a:r>
-              <a:rPr lang="nl-BE" dirty="0">
-                <a:latin typeface="Roboto" panose="02000000000000000000" pitchFamily="2" charset="0"/>
-                <a:ea typeface="Roboto" panose="02000000000000000000" pitchFamily="2" charset="0"/>
-              </a:rPr>
-              <a:t> van de </a:t>
-            </a:r>
-            <a:r>
-              <a:rPr lang="nl-BE" dirty="0" err="1">
-                <a:latin typeface="Roboto" panose="02000000000000000000" pitchFamily="2" charset="0"/>
-                <a:ea typeface="Roboto" panose="02000000000000000000" pitchFamily="2" charset="0"/>
-              </a:rPr>
-              <a:t>checkboxes</a:t>
-            </a:r>
-            <a:r>
-              <a:rPr lang="nl-BE" dirty="0">
-                <a:latin typeface="Roboto" panose="02000000000000000000" pitchFamily="2" charset="0"/>
-                <a:ea typeface="Roboto" panose="02000000000000000000" pitchFamily="2" charset="0"/>
-              </a:rPr>
-              <a:t>.</a:t>
-            </a:r>
-          </a:p>
-        </p:txBody>
-      </p:sp>
     </p:spTree>
     <p:extLst>
       <p:ext uri="{BB962C8B-B14F-4D97-AF65-F5344CB8AC3E}">
@@ -7914,7 +7654,7 @@
         </p:nvSpPr>
         <p:spPr>
           <a:xfrm>
-            <a:off x="780176" y="327171"/>
+            <a:off x="780176" y="257804"/>
             <a:ext cx="10595296" cy="923330"/>
           </a:xfrm>
           <a:prstGeom prst="rect">
@@ -7930,11 +7670,14 @@
           <a:p>
             <a:pPr algn="ctr"/>
             <a:r>
-              <a:rPr lang="nl-BE" sz="5400" dirty="0">
+              <a:rPr lang="nl-BE" sz="5400" dirty="0" err="1">
                 <a:latin typeface="Headline One" panose="00000400000000000000" pitchFamily="2" charset="0"/>
               </a:rPr>
-              <a:t>COMPONENTEN</a:t>
-            </a:r>
+              <a:t>COMPONENTs</a:t>
+            </a:r>
+            <a:endParaRPr lang="nl-BE" sz="5400" dirty="0">
+              <a:latin typeface="Headline One" panose="00000400000000000000" pitchFamily="2" charset="0"/>
+            </a:endParaRPr>
           </a:p>
         </p:txBody>
       </p:sp>
@@ -7947,7 +7690,7 @@
         <p:spPr>
           <a:xfrm>
             <a:off x="629174" y="1333850"/>
-            <a:ext cx="10746298" cy="1754326"/>
+            <a:ext cx="10746298" cy="2031325"/>
           </a:xfrm>
           <a:prstGeom prst="rect">
             <a:avLst/>
@@ -7965,7 +7708,7 @@
                 <a:latin typeface="Roboto" panose="02000000000000000000" pitchFamily="2" charset="0"/>
                 <a:ea typeface="Roboto" panose="02000000000000000000" pitchFamily="2" charset="0"/>
               </a:rPr>
-              <a:t>Componenten zijn 1 van de belangrijkste elementen van Vue.js</a:t>
+              <a:t>Ook componenten zijn een belangrijk kenmerk van Vue.</a:t>
             </a:r>
           </a:p>
           <a:p>
@@ -7980,34 +7723,40 @@
                 <a:latin typeface="Roboto" panose="02000000000000000000" pitchFamily="2" charset="0"/>
                 <a:ea typeface="Roboto" panose="02000000000000000000" pitchFamily="2" charset="0"/>
               </a:rPr>
-              <a:t>Dit geeft je de mogelijkheid code te hergebruiken zonder ze afhankelijk van elkaar te maken. </a:t>
-            </a:r>
-          </a:p>
-          <a:p>
-            <a:r>
-              <a:rPr lang="nl-BE" dirty="0">
-                <a:latin typeface="Roboto" panose="02000000000000000000" pitchFamily="2" charset="0"/>
-                <a:ea typeface="Roboto" panose="02000000000000000000" pitchFamily="2" charset="0"/>
-              </a:rPr>
-              <a:t>Ik zal het aantonen met een simpel voorbeeld. </a:t>
-            </a:r>
-          </a:p>
-          <a:p>
-            <a:r>
-              <a:rPr lang="nl-BE" dirty="0">
-                <a:latin typeface="Roboto" panose="02000000000000000000" pitchFamily="2" charset="0"/>
-                <a:ea typeface="Roboto" panose="02000000000000000000" pitchFamily="2" charset="0"/>
-              </a:rPr>
-              <a:t>Je wil in je applicatie 2 input velden die een ingegeven woord omgekeerd afprint. </a:t>
-            </a:r>
-          </a:p>
-          <a:p>
-            <a:r>
-              <a:rPr lang="nl-BE" dirty="0">
-                <a:latin typeface="Roboto" panose="02000000000000000000" pitchFamily="2" charset="0"/>
-                <a:ea typeface="Roboto" panose="02000000000000000000" pitchFamily="2" charset="0"/>
-              </a:rPr>
-              <a:t>Hoe kan je dit maken zonder code te herhalen ?</a:t>
+              <a:t>Dit geeft je de mogelijkheid om code opnieuw te gebruiken zonder ze afhankelijk van elkaar te maken. </a:t>
+            </a:r>
+          </a:p>
+          <a:p>
+            <a:r>
+              <a:rPr lang="nl-BE" dirty="0">
+                <a:latin typeface="Roboto" panose="02000000000000000000" pitchFamily="2" charset="0"/>
+                <a:ea typeface="Roboto" panose="02000000000000000000" pitchFamily="2" charset="0"/>
+              </a:rPr>
+              <a:t>Ik zal dit aantonen met een voorbeeld. </a:t>
+            </a:r>
+          </a:p>
+          <a:p>
+            <a:endParaRPr lang="nl-BE" dirty="0">
+              <a:latin typeface="Roboto" panose="02000000000000000000" pitchFamily="2" charset="0"/>
+              <a:ea typeface="Roboto" panose="02000000000000000000" pitchFamily="2" charset="0"/>
+            </a:endParaRPr>
+          </a:p>
+          <a:p>
+            <a:r>
+              <a:rPr lang="nl-BE" dirty="0">
+                <a:latin typeface="Roboto" panose="02000000000000000000" pitchFamily="2" charset="0"/>
+                <a:ea typeface="Roboto" panose="02000000000000000000" pitchFamily="2" charset="0"/>
+              </a:rPr>
+              <a:t>Je wil in je applicatie 2 input velden die een ingegeven woord omgekeerd afprinten. </a:t>
+            </a:r>
+          </a:p>
+          <a:p>
+            <a:r>
+              <a:rPr lang="nl-BE" dirty="0">
+                <a:latin typeface="Roboto" panose="02000000000000000000" pitchFamily="2" charset="0"/>
+                <a:ea typeface="Roboto" panose="02000000000000000000" pitchFamily="2" charset="0"/>
+              </a:rPr>
+              <a:t>Hoe kan je hier voor zorgen zonder code te herhalen ?</a:t>
             </a:r>
           </a:p>
         </p:txBody>
@@ -8065,7 +7814,7 @@
                 <a:latin typeface="Roboto" panose="02000000000000000000" pitchFamily="2" charset="0"/>
                 <a:ea typeface="Roboto" panose="02000000000000000000" pitchFamily="2" charset="0"/>
               </a:rPr>
-              <a:t>Eerst zullen we de nieuwe component aanmaken. We declareren het globaal dus we kunnen die component gebruiken in elke vue instantie. Let op, het moet wel binnen een vue instantie gebruikt worden.</a:t>
+              <a:t>Eerst zullen we het nieuwe component aanmaken. We declareren het globaal, dus we kunnen die component gebruiken in elke Vue instantie. Let op, het moet wel binnen een Vue instantie gebruikt worden.</a:t>
             </a:r>
           </a:p>
         </p:txBody>
@@ -8086,7 +7835,7 @@
         </p:blipFill>
         <p:spPr>
           <a:xfrm>
-            <a:off x="7960191" y="3393609"/>
+            <a:off x="7889322" y="3515251"/>
             <a:ext cx="3486150" cy="819150"/>
           </a:xfrm>
           <a:prstGeom prst="rect">
@@ -8110,7 +7859,7 @@
         </p:blipFill>
         <p:spPr>
           <a:xfrm>
-            <a:off x="713064" y="3393609"/>
+            <a:off x="713064" y="3515251"/>
             <a:ext cx="6381750" cy="2000250"/>
           </a:xfrm>
           <a:prstGeom prst="rect">
@@ -8199,7 +7948,7 @@
                 <a:latin typeface="Roboto" panose="02000000000000000000" pitchFamily="2" charset="0"/>
                 <a:ea typeface="Roboto" panose="02000000000000000000" pitchFamily="2" charset="0"/>
               </a:rPr>
-              <a:t>Nu kunnen we de logica makkelijk verder uitwerken. Door een </a:t>
+              <a:t>Nu kunnen we de logica gemakkelijk verder uitwerken. Door een </a:t>
             </a:r>
             <a:r>
               <a:rPr lang="nl-BE" dirty="0" err="1">
@@ -8213,21 +7962,7 @@
                 <a:latin typeface="Roboto" panose="02000000000000000000" pitchFamily="2" charset="0"/>
                 <a:ea typeface="Roboto" panose="02000000000000000000" pitchFamily="2" charset="0"/>
               </a:rPr>
-              <a:t> </a:t>
-            </a:r>
-            <a:r>
-              <a:rPr lang="nl-BE" dirty="0" err="1">
-                <a:latin typeface="Roboto" panose="02000000000000000000" pitchFamily="2" charset="0"/>
-                <a:ea typeface="Roboto" panose="02000000000000000000" pitchFamily="2" charset="0"/>
-              </a:rPr>
-              <a:t>propertie</a:t>
-            </a:r>
-            <a:r>
-              <a:rPr lang="nl-BE" dirty="0">
-                <a:latin typeface="Roboto" panose="02000000000000000000" pitchFamily="2" charset="0"/>
-                <a:ea typeface="Roboto" panose="02000000000000000000" pitchFamily="2" charset="0"/>
-              </a:rPr>
-              <a:t> mee te geven. </a:t>
+              <a:t> property mee te geven. </a:t>
             </a:r>
           </a:p>
         </p:txBody>
@@ -8259,7 +7994,7 @@
                 <a:latin typeface="Roboto" panose="02000000000000000000" pitchFamily="2" charset="0"/>
                 <a:ea typeface="Roboto" panose="02000000000000000000" pitchFamily="2" charset="0"/>
               </a:rPr>
-              <a:t>Als we dan dit doen in de html zal je zien dat het component 4 keer wordt herhaald zonder afhankelijk te zijn van elkaar.</a:t>
+              <a:t>Als je dit doet in de HTML, zal je zien dat het component 4 keer wordt herhaald zonder afhankelijk te zijn van elkaar.</a:t>
             </a:r>
           </a:p>
         </p:txBody>
@@ -8351,7 +8086,7 @@
         <p:spPr>
           <a:xfrm>
             <a:off x="796954" y="3716323"/>
-            <a:ext cx="10242958" cy="646331"/>
+            <a:ext cx="10242958" cy="923330"/>
           </a:xfrm>
           <a:prstGeom prst="rect">
             <a:avLst/>
@@ -8376,7 +8111,16 @@
                 <a:latin typeface="Roboto" panose="02000000000000000000" pitchFamily="2" charset="0"/>
                 <a:ea typeface="Roboto" panose="02000000000000000000" pitchFamily="2" charset="0"/>
               </a:rPr>
-              <a:t>is je iets opgevallen aan het data object van het component ? Inderdaad het is een functie die een object </a:t>
+              <a:t>is je iets opgevallen aan het data object van het component ?</a:t>
+            </a:r>
+          </a:p>
+          <a:p>
+            <a:r>
+              <a:rPr lang="nl-BE" dirty="0">
+                <a:latin typeface="Roboto" panose="02000000000000000000" pitchFamily="2" charset="0"/>
+                <a:ea typeface="Roboto" panose="02000000000000000000" pitchFamily="2" charset="0"/>
+              </a:rPr>
+              <a:t>Inderdaad, het is een functie die een object </a:t>
             </a:r>
             <a:r>
               <a:rPr lang="nl-BE" dirty="0" err="1">
@@ -8390,7 +8134,7 @@
                 <a:latin typeface="Roboto" panose="02000000000000000000" pitchFamily="2" charset="0"/>
                 <a:ea typeface="Roboto" panose="02000000000000000000" pitchFamily="2" charset="0"/>
               </a:rPr>
-              <a:t>. Bij componenten moet het data element dus een functie zijn.</a:t>
+              <a:t>. Bij componenten moet het data element een functie zijn.  </a:t>
             </a:r>
             <a:endParaRPr lang="nl-BE" b="1" dirty="0">
               <a:latin typeface="Roboto" panose="02000000000000000000" pitchFamily="2" charset="0"/>
@@ -8482,7 +8226,7 @@
                 <a:latin typeface="Roboto" panose="02000000000000000000" pitchFamily="2" charset="0"/>
                 <a:ea typeface="Roboto" panose="02000000000000000000" pitchFamily="2" charset="0"/>
               </a:rPr>
-              <a:t>Zoals je ziet gebruikt vue een heel efficiënte manier om herhaling van code te voorkomen.</a:t>
+              <a:t>Zoals je ziet gebruikt Vue een heel efficiënte manier om herhaling van code te voorkomen.</a:t>
             </a:r>
           </a:p>
         </p:txBody>
@@ -8628,7 +8372,7 @@
                 <a:latin typeface="Roboto" panose="02000000000000000000" pitchFamily="2" charset="0"/>
                 <a:ea typeface="Roboto" panose="02000000000000000000" pitchFamily="2" charset="0"/>
               </a:rPr>
-              <a:t>De componenten van vue zijn gemaakt om in elkaar te gebruiken. Om goed te begrijpen hoe 2 geneste componenten met elkaar communiceren bestaat er dit schema. </a:t>
+              <a:t>De componenten van Vue zijn gemaakt om in elkaar te gebruiken. Om goed te begrijpen hoe 2 geneste componenten met elkaar communiceren bestaat dit schema. </a:t>
             </a:r>
           </a:p>
           <a:p>
@@ -8779,48 +8523,90 @@
           <a:lstStyle/>
           <a:p>
             <a:r>
-              <a:rPr lang="nl-BE" dirty="0"/>
+              <a:rPr lang="nl-BE" dirty="0">
+                <a:latin typeface="Roboto" panose="02000000000000000000" pitchFamily="2" charset="0"/>
+                <a:ea typeface="Roboto" panose="02000000000000000000" pitchFamily="2" charset="0"/>
+              </a:rPr>
               <a:t>Om data van de </a:t>
             </a:r>
             <a:r>
-              <a:rPr lang="nl-BE" dirty="0" err="1"/>
+              <a:rPr lang="nl-BE" dirty="0" err="1">
+                <a:latin typeface="Roboto" panose="02000000000000000000" pitchFamily="2" charset="0"/>
+                <a:ea typeface="Roboto" panose="02000000000000000000" pitchFamily="2" charset="0"/>
+              </a:rPr>
               <a:t>parent</a:t>
             </a:r>
             <a:r>
-              <a:rPr lang="nl-BE" dirty="0"/>
+              <a:rPr lang="nl-BE" dirty="0">
+                <a:latin typeface="Roboto" panose="02000000000000000000" pitchFamily="2" charset="0"/>
+                <a:ea typeface="Roboto" panose="02000000000000000000" pitchFamily="2" charset="0"/>
+              </a:rPr>
               <a:t> component naar de </a:t>
             </a:r>
             <a:r>
-              <a:rPr lang="nl-BE" dirty="0" err="1"/>
+              <a:rPr lang="nl-BE" dirty="0" err="1">
+                <a:latin typeface="Roboto" panose="02000000000000000000" pitchFamily="2" charset="0"/>
+                <a:ea typeface="Roboto" panose="02000000000000000000" pitchFamily="2" charset="0"/>
+              </a:rPr>
               <a:t>child</a:t>
             </a:r>
             <a:r>
-              <a:rPr lang="nl-BE" dirty="0"/>
-              <a:t> component te krijgen moeten we </a:t>
-            </a:r>
-            <a:r>
-              <a:rPr lang="nl-BE" dirty="0" err="1"/>
+              <a:rPr lang="nl-BE" dirty="0">
+                <a:latin typeface="Roboto" panose="02000000000000000000" pitchFamily="2" charset="0"/>
+                <a:ea typeface="Roboto" panose="02000000000000000000" pitchFamily="2" charset="0"/>
+              </a:rPr>
+              <a:t> component te krijgen, moeten we </a:t>
+            </a:r>
+            <a:r>
+              <a:rPr lang="nl-BE" dirty="0" err="1">
+                <a:latin typeface="Roboto" panose="02000000000000000000" pitchFamily="2" charset="0"/>
+                <a:ea typeface="Roboto" panose="02000000000000000000" pitchFamily="2" charset="0"/>
+              </a:rPr>
               <a:t>props</a:t>
             </a:r>
             <a:r>
-              <a:rPr lang="nl-BE" dirty="0"/>
-              <a:t> gebruiken. Om dit mogelijk te maken moeten we bij de </a:t>
-            </a:r>
-            <a:r>
-              <a:rPr lang="nl-BE" dirty="0" err="1"/>
+              <a:rPr lang="nl-BE" dirty="0">
+                <a:latin typeface="Roboto" panose="02000000000000000000" pitchFamily="2" charset="0"/>
+                <a:ea typeface="Roboto" panose="02000000000000000000" pitchFamily="2" charset="0"/>
+              </a:rPr>
+              <a:t> gebruiken. </a:t>
+            </a:r>
+          </a:p>
+          <a:p>
+            <a:r>
+              <a:rPr lang="nl-BE" dirty="0">
+                <a:latin typeface="Roboto" panose="02000000000000000000" pitchFamily="2" charset="0"/>
+                <a:ea typeface="Roboto" panose="02000000000000000000" pitchFamily="2" charset="0"/>
+              </a:rPr>
+              <a:t>Om dit mogelijk te maken, moeten we aan de </a:t>
+            </a:r>
+            <a:r>
+              <a:rPr lang="nl-BE" dirty="0" err="1">
+                <a:latin typeface="Roboto" panose="02000000000000000000" pitchFamily="2" charset="0"/>
+                <a:ea typeface="Roboto" panose="02000000000000000000" pitchFamily="2" charset="0"/>
+              </a:rPr>
               <a:t>child</a:t>
             </a:r>
             <a:r>
-              <a:rPr lang="nl-BE" dirty="0"/>
-              <a:t> component een </a:t>
-            </a:r>
-            <a:r>
-              <a:rPr lang="nl-BE" dirty="0" err="1"/>
+              <a:rPr lang="nl-BE" dirty="0">
+                <a:latin typeface="Roboto" panose="02000000000000000000" pitchFamily="2" charset="0"/>
+                <a:ea typeface="Roboto" panose="02000000000000000000" pitchFamily="2" charset="0"/>
+              </a:rPr>
+              <a:t> component een “</a:t>
+            </a:r>
+            <a:r>
+              <a:rPr lang="nl-BE" dirty="0" err="1">
+                <a:latin typeface="Roboto" panose="02000000000000000000" pitchFamily="2" charset="0"/>
+                <a:ea typeface="Roboto" panose="02000000000000000000" pitchFamily="2" charset="0"/>
+              </a:rPr>
               <a:t>props</a:t>
             </a:r>
             <a:r>
-              <a:rPr lang="nl-BE" dirty="0"/>
-              <a:t> array meegeven.</a:t>
+              <a:rPr lang="nl-BE" dirty="0">
+                <a:latin typeface="Roboto" panose="02000000000000000000" pitchFamily="2" charset="0"/>
+                <a:ea typeface="Roboto" panose="02000000000000000000" pitchFamily="2" charset="0"/>
+              </a:rPr>
+              <a:t>” array meegeven.</a:t>
             </a:r>
           </a:p>
         </p:txBody>
@@ -8882,7 +8668,7 @@
         <p:spPr>
           <a:xfrm>
             <a:off x="755009" y="2757402"/>
-            <a:ext cx="9103774" cy="369332"/>
+            <a:ext cx="9259266" cy="369332"/>
           </a:xfrm>
           <a:prstGeom prst="rect">
             <a:avLst/>
@@ -8914,7 +8700,7 @@
                 <a:latin typeface="Roboto" panose="02000000000000000000" pitchFamily="2" charset="0"/>
                 <a:ea typeface="Roboto" panose="02000000000000000000" pitchFamily="2" charset="0"/>
               </a:rPr>
-              <a:t> in de html of in de template van de Parent.</a:t>
+              <a:t> in de HTML of in de template van de Parent.</a:t>
             </a:r>
           </a:p>
         </p:txBody>
@@ -8988,23 +8774,37 @@
                 <a:latin typeface="Roboto" panose="02000000000000000000" pitchFamily="2" charset="0"/>
                 <a:ea typeface="Roboto" panose="02000000000000000000" pitchFamily="2" charset="0"/>
               </a:rPr>
-              <a:t> uiteraard.</a:t>
-            </a:r>
-          </a:p>
-          <a:p>
-            <a:r>
-              <a:rPr lang="nl-BE" dirty="0">
-                <a:latin typeface="Roboto" panose="02000000000000000000" pitchFamily="2" charset="0"/>
-                <a:ea typeface="Roboto" panose="02000000000000000000" pitchFamily="2" charset="0"/>
-              </a:rPr>
-              <a:t>De prop kan gebruik maken van deze </a:t>
+              <a:t>.</a:t>
+            </a:r>
+          </a:p>
+          <a:p>
+            <a:r>
+              <a:rPr lang="nl-BE" dirty="0">
+                <a:latin typeface="Roboto" panose="02000000000000000000" pitchFamily="2" charset="0"/>
+                <a:ea typeface="Roboto" panose="02000000000000000000" pitchFamily="2" charset="0"/>
+              </a:rPr>
+              <a:t>De </a:t>
             </a:r>
             <a:r>
               <a:rPr lang="nl-BE" dirty="0" err="1">
                 <a:latin typeface="Roboto" panose="02000000000000000000" pitchFamily="2" charset="0"/>
                 <a:ea typeface="Roboto" panose="02000000000000000000" pitchFamily="2" charset="0"/>
               </a:rPr>
-              <a:t>properties</a:t>
+              <a:t>computed</a:t>
+            </a:r>
+            <a:r>
+              <a:rPr lang="nl-BE" dirty="0">
+                <a:latin typeface="Roboto" panose="02000000000000000000" pitchFamily="2" charset="0"/>
+                <a:ea typeface="Roboto" panose="02000000000000000000" pitchFamily="2" charset="0"/>
+              </a:rPr>
+              <a:t> property kan gebruik maken van deze </a:t>
+            </a:r>
+            <a:r>
+              <a:rPr lang="nl-BE" dirty="0" err="1">
+                <a:latin typeface="Roboto" panose="02000000000000000000" pitchFamily="2" charset="0"/>
+                <a:ea typeface="Roboto" panose="02000000000000000000" pitchFamily="2" charset="0"/>
+              </a:rPr>
+              <a:t>props</a:t>
             </a:r>
             <a:r>
               <a:rPr lang="nl-BE" dirty="0">
@@ -9075,15 +8875,7 @@
             </a:r>
             <a:r>
               <a:rPr lang="nl-BE" dirty="0"/>
-              <a:t> is de enige die de prop kan wijzigen. Als deze wordt </a:t>
-            </a:r>
-            <a:r>
-              <a:rPr lang="nl-BE" dirty="0" err="1"/>
-              <a:t>gewijzigt</a:t>
-            </a:r>
-            <a:r>
-              <a:rPr lang="nl-BE" dirty="0"/>
-              <a:t>, wijzigt de </a:t>
+              <a:t> is de enige die de prop kan wijzigen. Als deze wordt gewijzigd, wijzigt de prop in de </a:t>
             </a:r>
             <a:r>
               <a:rPr lang="nl-BE" dirty="0" err="1"/>
@@ -9506,7 +9298,7 @@
         </p:nvSpPr>
         <p:spPr>
           <a:xfrm>
-            <a:off x="864066" y="4360332"/>
+            <a:off x="864065" y="4382677"/>
             <a:ext cx="9756396" cy="646331"/>
           </a:xfrm>
           <a:prstGeom prst="rect">
@@ -9545,7 +9337,7 @@
                 <a:latin typeface="Roboto" panose="02000000000000000000" pitchFamily="2" charset="0"/>
                 <a:ea typeface="Roboto" panose="02000000000000000000" pitchFamily="2" charset="0"/>
               </a:rPr>
-              <a:t>-way binding-&gt; als de ene veranderd, veranderd de ander mee !</a:t>
+              <a:t> way data binding-&gt; als de ene verandert, verandert de andere mee !</a:t>
             </a:r>
           </a:p>
         </p:txBody>
@@ -9606,8 +9398,8 @@
         </p:nvSpPr>
         <p:spPr>
           <a:xfrm>
-            <a:off x="864066" y="5180069"/>
-            <a:ext cx="5801358" cy="1200329"/>
+            <a:off x="671118" y="5402024"/>
+            <a:ext cx="10981190" cy="400110"/>
           </a:xfrm>
           <a:prstGeom prst="rect">
             <a:avLst/>
@@ -9621,16 +9413,25 @@
           <a:lstStyle/>
           <a:p>
             <a:r>
-              <a:rPr lang="nl-BE" sz="2400" dirty="0"/>
+              <a:rPr lang="nl-BE" sz="2000" dirty="0">
+                <a:latin typeface="Roboto" panose="02000000000000000000" pitchFamily="2" charset="0"/>
+                <a:ea typeface="Roboto" panose="02000000000000000000" pitchFamily="2" charset="0"/>
+              </a:rPr>
               <a:t> -&gt; Geen event </a:t>
             </a:r>
             <a:r>
-              <a:rPr lang="nl-BE" sz="2400" dirty="0" err="1"/>
+              <a:rPr lang="nl-BE" sz="2000" dirty="0" err="1">
+                <a:latin typeface="Roboto" panose="02000000000000000000" pitchFamily="2" charset="0"/>
+                <a:ea typeface="Roboto" panose="02000000000000000000" pitchFamily="2" charset="0"/>
+              </a:rPr>
               <a:t>listener</a:t>
             </a:r>
             <a:r>
-              <a:rPr lang="nl-BE" sz="2400" dirty="0"/>
-              <a:t> nodig om het in de html aan te  passen. Vue doet dit allemaal vanzelf.</a:t>
+              <a:rPr lang="nl-BE" sz="2000" dirty="0">
+                <a:latin typeface="Roboto" panose="02000000000000000000" pitchFamily="2" charset="0"/>
+                <a:ea typeface="Roboto" panose="02000000000000000000" pitchFamily="2" charset="0"/>
+              </a:rPr>
+              <a:t> nodig om het in HTML aan te  passen. Vue doet dit allemaal zelf.</a:t>
             </a:r>
           </a:p>
         </p:txBody>
@@ -9662,7 +9463,7 @@
                 <a:latin typeface="Roboto" panose="02000000000000000000" pitchFamily="2" charset="0"/>
                 <a:ea typeface="Roboto" panose="02000000000000000000" pitchFamily="2" charset="0"/>
               </a:rPr>
-              <a:t>Variabelen in vue koppelen aan een html element is een eitje.</a:t>
+              <a:t>Variabelen in  Vue koppelen aan een HTML element is een eitje.</a:t>
             </a:r>
           </a:p>
           <a:p>
@@ -9787,21 +9588,7 @@
                 <a:latin typeface="Roboto" panose="02000000000000000000" pitchFamily="2" charset="0"/>
                 <a:ea typeface="Roboto" panose="02000000000000000000" pitchFamily="2" charset="0"/>
               </a:rPr>
-              <a:t> component te brengen zal er een event </a:t>
-            </a:r>
-            <a:r>
-              <a:rPr lang="nl-BE" dirty="0" err="1">
-                <a:latin typeface="Roboto" panose="02000000000000000000" pitchFamily="2" charset="0"/>
-                <a:ea typeface="Roboto" panose="02000000000000000000" pitchFamily="2" charset="0"/>
-              </a:rPr>
-              <a:t>geëmit</a:t>
-            </a:r>
-            <a:r>
-              <a:rPr lang="nl-BE" dirty="0">
-                <a:latin typeface="Roboto" panose="02000000000000000000" pitchFamily="2" charset="0"/>
-                <a:ea typeface="Roboto" panose="02000000000000000000" pitchFamily="2" charset="0"/>
-              </a:rPr>
-              <a:t> moeten worden.</a:t>
+              <a:t> component te brengen, zal er een event uitgegeven moeten worden.</a:t>
             </a:r>
           </a:p>
         </p:txBody>
@@ -9847,7 +9634,7 @@
                 <a:latin typeface="Roboto" panose="02000000000000000000" pitchFamily="2" charset="0"/>
                 <a:ea typeface="Roboto" panose="02000000000000000000" pitchFamily="2" charset="0"/>
               </a:rPr>
-              <a:t> zal dus $</a:t>
+              <a:t> component zal dus “$</a:t>
             </a:r>
             <a:r>
               <a:rPr lang="nl-BE" dirty="0" err="1">
@@ -9875,7 +9662,7 @@
                 <a:latin typeface="Roboto" panose="02000000000000000000" pitchFamily="2" charset="0"/>
                 <a:ea typeface="Roboto" panose="02000000000000000000" pitchFamily="2" charset="0"/>
               </a:rPr>
-              <a:t>') moeten doen en de </a:t>
+              <a:t>')” moeten doen en de </a:t>
             </a:r>
             <a:r>
               <a:rPr lang="nl-BE" dirty="0" err="1">
@@ -9889,7 +9676,7 @@
                 <a:latin typeface="Roboto" panose="02000000000000000000" pitchFamily="2" charset="0"/>
                 <a:ea typeface="Roboto" panose="02000000000000000000" pitchFamily="2" charset="0"/>
               </a:rPr>
-              <a:t> zal op die event kunnen gebruiken om iets te </a:t>
+              <a:t> component zal die event moeten gebruiken om iets te </a:t>
             </a:r>
             <a:r>
               <a:rPr lang="nl-BE" dirty="0" err="1">
@@ -9903,7 +9690,7 @@
                 <a:latin typeface="Roboto" panose="02000000000000000000" pitchFamily="2" charset="0"/>
                 <a:ea typeface="Roboto" panose="02000000000000000000" pitchFamily="2" charset="0"/>
               </a:rPr>
-              <a:t> met </a:t>
+              <a:t> met “</a:t>
             </a:r>
             <a:r>
               <a:rPr lang="nl-BE" dirty="0" err="1">
@@ -9931,7 +9718,7 @@
                 <a:latin typeface="Roboto" panose="02000000000000000000" pitchFamily="2" charset="0"/>
                 <a:ea typeface="Roboto" panose="02000000000000000000" pitchFamily="2" charset="0"/>
               </a:rPr>
-              <a:t>”. </a:t>
+              <a:t>””. </a:t>
             </a:r>
           </a:p>
           <a:p>
@@ -9946,21 +9733,7 @@
                 <a:latin typeface="Roboto" panose="02000000000000000000" pitchFamily="2" charset="0"/>
                 <a:ea typeface="Roboto" panose="02000000000000000000" pitchFamily="2" charset="0"/>
               </a:rPr>
-              <a:t>Een voorbeeld: Ik wil een input field de mogelijkheid geven om de achtergrond van de div waarin het zich bevind te wijzigen door het </a:t>
-            </a:r>
-            <a:r>
-              <a:rPr lang="nl-BE" dirty="0" err="1">
-                <a:latin typeface="Roboto" panose="02000000000000000000" pitchFamily="2" charset="0"/>
-                <a:ea typeface="Roboto" panose="02000000000000000000" pitchFamily="2" charset="0"/>
-              </a:rPr>
-              <a:t>inputten</a:t>
-            </a:r>
-            <a:r>
-              <a:rPr lang="nl-BE" dirty="0">
-                <a:latin typeface="Roboto" panose="02000000000000000000" pitchFamily="2" charset="0"/>
-                <a:ea typeface="Roboto" panose="02000000000000000000" pitchFamily="2" charset="0"/>
-              </a:rPr>
-              <a:t> van een kleur.</a:t>
+              <a:t>Een voorbeeld: Ik wil een input field de mogelijkheid geven om de achtergrond van de div waarin het zich bevindt, te wijzigen door de input van een kleur.</a:t>
             </a:r>
           </a:p>
         </p:txBody>
@@ -9998,7 +9771,7 @@
         <p:spPr>
           <a:xfrm>
             <a:off x="620785" y="3753155"/>
-            <a:ext cx="4236441" cy="2031325"/>
+            <a:ext cx="4236441" cy="2308324"/>
           </a:xfrm>
           <a:prstGeom prst="rect">
             <a:avLst/>
@@ -10030,16 +9803,22 @@
                 <a:latin typeface="Roboto" panose="02000000000000000000" pitchFamily="2" charset="0"/>
                 <a:ea typeface="Roboto" panose="02000000000000000000" pitchFamily="2" charset="0"/>
               </a:rPr>
-              <a:t> component aan.</a:t>
-            </a:r>
-          </a:p>
-          <a:p>
-            <a:r>
-              <a:rPr lang="nl-BE" dirty="0">
-                <a:latin typeface="Roboto" panose="02000000000000000000" pitchFamily="2" charset="0"/>
-                <a:ea typeface="Roboto" panose="02000000000000000000" pitchFamily="2" charset="0"/>
-              </a:rPr>
-              <a:t> Hier met de naam </a:t>
+              <a:t> component aan:</a:t>
+            </a:r>
+          </a:p>
+          <a:p>
+            <a:endParaRPr lang="nl-BE" dirty="0">
+              <a:latin typeface="Roboto" panose="02000000000000000000" pitchFamily="2" charset="0"/>
+              <a:ea typeface="Roboto" panose="02000000000000000000" pitchFamily="2" charset="0"/>
+            </a:endParaRPr>
+          </a:p>
+          <a:p>
+            <a:r>
+              <a:rPr lang="nl-BE" dirty="0">
+                <a:latin typeface="Roboto" panose="02000000000000000000" pitchFamily="2" charset="0"/>
+                <a:ea typeface="Roboto" panose="02000000000000000000" pitchFamily="2" charset="0"/>
+              </a:rPr>
+              <a:t>Hier met de naam </a:t>
             </a:r>
             <a:r>
               <a:rPr lang="nl-BE" dirty="0" err="1">
@@ -10053,50 +9832,36 @@
                 <a:latin typeface="Roboto" panose="02000000000000000000" pitchFamily="2" charset="0"/>
                 <a:ea typeface="Roboto" panose="02000000000000000000" pitchFamily="2" charset="0"/>
               </a:rPr>
-              <a:t>-input-</a:t>
+              <a:t>-input-field.</a:t>
+            </a:r>
+          </a:p>
+          <a:p>
+            <a:r>
+              <a:rPr lang="nl-BE" dirty="0">
+                <a:latin typeface="Roboto" panose="02000000000000000000" pitchFamily="2" charset="0"/>
+                <a:ea typeface="Roboto" panose="02000000000000000000" pitchFamily="2" charset="0"/>
+              </a:rPr>
+              <a:t>Deze component heeft een “</a:t>
             </a:r>
             <a:r>
               <a:rPr lang="nl-BE" dirty="0" err="1">
                 <a:latin typeface="Roboto" panose="02000000000000000000" pitchFamily="2" charset="0"/>
                 <a:ea typeface="Roboto" panose="02000000000000000000" pitchFamily="2" charset="0"/>
               </a:rPr>
-              <a:t>filed</a:t>
-            </a:r>
-            <a:r>
-              <a:rPr lang="nl-BE" dirty="0">
-                <a:latin typeface="Roboto" panose="02000000000000000000" pitchFamily="2" charset="0"/>
-                <a:ea typeface="Roboto" panose="02000000000000000000" pitchFamily="2" charset="0"/>
-              </a:rPr>
-              <a:t>.</a:t>
-            </a:r>
-          </a:p>
-          <a:p>
-            <a:r>
-              <a:rPr lang="nl-BE" dirty="0">
-                <a:latin typeface="Roboto" panose="02000000000000000000" pitchFamily="2" charset="0"/>
-                <a:ea typeface="Roboto" panose="02000000000000000000" pitchFamily="2" charset="0"/>
-              </a:rPr>
-              <a:t>Deze component heeft een </a:t>
+              <a:t>watch</a:t>
+            </a:r>
+            <a:r>
+              <a:rPr lang="nl-BE" dirty="0">
+                <a:latin typeface="Roboto" panose="02000000000000000000" pitchFamily="2" charset="0"/>
+                <a:ea typeface="Roboto" panose="02000000000000000000" pitchFamily="2" charset="0"/>
+              </a:rPr>
+              <a:t>” op een variabele, als deze verandert dan “</a:t>
             </a:r>
             <a:r>
               <a:rPr lang="nl-BE" dirty="0" err="1">
                 <a:latin typeface="Roboto" panose="02000000000000000000" pitchFamily="2" charset="0"/>
                 <a:ea typeface="Roboto" panose="02000000000000000000" pitchFamily="2" charset="0"/>
               </a:rPr>
-              <a:t>watch</a:t>
-            </a:r>
-            <a:r>
-              <a:rPr lang="nl-BE" dirty="0">
-                <a:latin typeface="Roboto" panose="02000000000000000000" pitchFamily="2" charset="0"/>
-                <a:ea typeface="Roboto" panose="02000000000000000000" pitchFamily="2" charset="0"/>
-              </a:rPr>
-              <a:t> op een variabele, als deze veranderd </a:t>
-            </a:r>
-            <a:r>
-              <a:rPr lang="nl-BE" dirty="0" err="1">
-                <a:latin typeface="Roboto" panose="02000000000000000000" pitchFamily="2" charset="0"/>
-                <a:ea typeface="Roboto" panose="02000000000000000000" pitchFamily="2" charset="0"/>
-              </a:rPr>
               <a:t>emit</a:t>
             </a:r>
             <a:r>
@@ -10104,7 +9869,7 @@
                 <a:latin typeface="Roboto" panose="02000000000000000000" pitchFamily="2" charset="0"/>
                 <a:ea typeface="Roboto" panose="02000000000000000000" pitchFamily="2" charset="0"/>
               </a:rPr>
-              <a:t> die “</a:t>
+              <a:t>” die de “</a:t>
             </a:r>
             <a:r>
               <a:rPr lang="nl-BE" dirty="0" err="1">
@@ -10194,7 +9959,7 @@
                 <a:latin typeface="Roboto" panose="02000000000000000000" pitchFamily="2" charset="0"/>
                 <a:ea typeface="Roboto" panose="02000000000000000000" pitchFamily="2" charset="0"/>
               </a:rPr>
-              <a:t> component </a:t>
+              <a:t>-component aan: </a:t>
             </a:r>
           </a:p>
         </p:txBody>
@@ -10263,7 +10028,7 @@
             </a:r>
             <a:r>
               <a:rPr lang="nl-BE" dirty="0"/>
-              <a:t>)”. Deze methode veranderd de achtergrond kleur van de component naar de meegegeven </a:t>
+              <a:t>)”. Deze methode verandert de achtergrondkleur van de component naar de meegegeven “</a:t>
             </a:r>
             <a:r>
               <a:rPr lang="nl-BE" dirty="0" err="1"/>
@@ -10271,7 +10036,7 @@
             </a:r>
             <a:r>
               <a:rPr lang="nl-BE" dirty="0"/>
-              <a:t> variabele.</a:t>
+              <a:t>” variabele.</a:t>
             </a:r>
           </a:p>
           <a:p>
@@ -10280,7 +10045,7 @@
           <a:p>
             <a:r>
               <a:rPr lang="nl-BE" dirty="0"/>
-              <a:t>In de template zie je ook dat er een </a:t>
+              <a:t>In de template zie je ook dat de “</a:t>
             </a:r>
             <a:r>
               <a:rPr lang="nl-BE" dirty="0" err="1"/>
@@ -10288,7 +10053,7 @@
             </a:r>
             <a:r>
               <a:rPr lang="nl-BE" dirty="0"/>
-              <a:t>-input-field component wordt gebruikt.</a:t>
+              <a:t>-input-field” component wordt gebruikt.</a:t>
             </a:r>
           </a:p>
           <a:p>
@@ -10305,7 +10070,7 @@
             </a:r>
             <a:r>
               <a:rPr lang="nl-BE" dirty="0"/>
-              <a:t> component voert de </a:t>
+              <a:t> component voert de “</a:t>
             </a:r>
             <a:r>
               <a:rPr lang="nl-BE" dirty="0" err="1"/>
@@ -10313,7 +10078,7 @@
             </a:r>
             <a:r>
               <a:rPr lang="nl-BE" dirty="0"/>
-              <a:t> methode uit wanneer </a:t>
+              <a:t>” methode uit wanneer “</a:t>
             </a:r>
             <a:r>
               <a:rPr lang="nl-BE" dirty="0" err="1"/>
@@ -10321,15 +10086,7 @@
             </a:r>
             <a:r>
               <a:rPr lang="nl-BE" dirty="0"/>
-              <a:t>-change </a:t>
-            </a:r>
-            <a:r>
-              <a:rPr lang="nl-BE" dirty="0" err="1"/>
-              <a:t>geëmit</a:t>
-            </a:r>
-            <a:r>
-              <a:rPr lang="nl-BE" dirty="0"/>
-              <a:t> wordt.</a:t>
+              <a:t>-change” uitgegeven wordt.</a:t>
             </a:r>
           </a:p>
           <a:p>
@@ -10344,7 +10101,7 @@
           <a:p>
             <a:r>
               <a:rPr lang="nl-BE" dirty="0"/>
-              <a:t>In de html hoef je alleen de </a:t>
+              <a:t>In de HTML hoef je alleen de </a:t>
             </a:r>
             <a:r>
               <a:rPr lang="nl-BE" dirty="0" err="1"/>
@@ -10352,13 +10109,8 @@
             </a:r>
             <a:r>
               <a:rPr lang="nl-BE" dirty="0"/>
-              <a:t> aan de maken en </a:t>
-            </a:r>
-            <a:r>
-              <a:rPr lang="nl-BE"/>
-              <a:t>het werkt.</a:t>
-            </a:r>
-            <a:endParaRPr lang="nl-BE" dirty="0"/>
+              <a:t> aan te maken en het werkt.</a:t>
+            </a:r>
           </a:p>
         </p:txBody>
       </p:sp>
@@ -10443,14 +10195,14 @@
                 <a:latin typeface="Roboto" panose="02000000000000000000" pitchFamily="2" charset="0"/>
                 <a:ea typeface="Roboto" panose="02000000000000000000" pitchFamily="2" charset="0"/>
               </a:rPr>
-              <a:t>Er is ook communicatie mogelijk tussen 2 componenten die geen paren-</a:t>
+              <a:t>Er is ook communicatie mogelijk tussen 2 componenten die geen </a:t>
             </a:r>
             <a:r>
               <a:rPr lang="nl-BE" dirty="0" err="1">
                 <a:latin typeface="Roboto" panose="02000000000000000000" pitchFamily="2" charset="0"/>
                 <a:ea typeface="Roboto" panose="02000000000000000000" pitchFamily="2" charset="0"/>
               </a:rPr>
-              <a:t>child</a:t>
+              <a:t>parent-child</a:t>
             </a:r>
             <a:r>
               <a:rPr lang="nl-BE" dirty="0">
@@ -10472,7 +10224,7 @@
                 <a:latin typeface="Roboto" panose="02000000000000000000" pitchFamily="2" charset="0"/>
                 <a:ea typeface="Roboto" panose="02000000000000000000" pitchFamily="2" charset="0"/>
               </a:rPr>
-              <a:t>Hiervoor kan je een vue instantie maken die werkt als brug tussen de 2 componenten. </a:t>
+              <a:t>Hiervoor kan je een Vue instantie maken die werkt als brug tussen de 2 componenten. </a:t>
             </a:r>
           </a:p>
         </p:txBody>
@@ -10528,7 +10280,7 @@
                 <a:latin typeface="Roboto" panose="02000000000000000000" pitchFamily="2" charset="0"/>
                 <a:ea typeface="Roboto" panose="02000000000000000000" pitchFamily="2" charset="0"/>
               </a:rPr>
-              <a:t>Nu kunnen we vanuit 1 van de componenten een </a:t>
+              <a:t>Nu kunnen we vanuit 1 van de componenten een “$</a:t>
             </a:r>
             <a:r>
               <a:rPr lang="nl-BE" dirty="0" err="1">
@@ -10542,7 +10294,7 @@
                 <a:latin typeface="Roboto" panose="02000000000000000000" pitchFamily="2" charset="0"/>
                 <a:ea typeface="Roboto" panose="02000000000000000000" pitchFamily="2" charset="0"/>
               </a:rPr>
-              <a:t> doen naar de brug</a:t>
+              <a:t>” doen naar de brug.</a:t>
             </a:r>
           </a:p>
           <a:p>
@@ -10618,7 +10370,7 @@
                 <a:latin typeface="Roboto" panose="02000000000000000000" pitchFamily="2" charset="0"/>
                 <a:ea typeface="Roboto" panose="02000000000000000000" pitchFamily="2" charset="0"/>
               </a:rPr>
-              <a:t> kunnen we opvangen in onze andere component in de </a:t>
+              <a:t> kunnen we opvangen in onze andere component: In de </a:t>
             </a:r>
             <a:r>
               <a:rPr lang="nl-BE" dirty="0" err="1">
@@ -10660,7 +10412,7 @@
                 <a:latin typeface="Roboto" panose="02000000000000000000" pitchFamily="2" charset="0"/>
                 <a:ea typeface="Roboto" panose="02000000000000000000" pitchFamily="2" charset="0"/>
               </a:rPr>
-              <a:t>”</a:t>
+              <a:t>”.</a:t>
             </a:r>
           </a:p>
         </p:txBody>
@@ -10716,21 +10468,7 @@
                 <a:latin typeface="Roboto" panose="02000000000000000000" pitchFamily="2" charset="0"/>
                 <a:ea typeface="Roboto" panose="02000000000000000000" pitchFamily="2" charset="0"/>
               </a:rPr>
-              <a:t>Zo is er data </a:t>
-            </a:r>
-            <a:r>
-              <a:rPr lang="nl-BE" dirty="0" err="1">
-                <a:latin typeface="Roboto" panose="02000000000000000000" pitchFamily="2" charset="0"/>
-                <a:ea typeface="Roboto" panose="02000000000000000000" pitchFamily="2" charset="0"/>
-              </a:rPr>
-              <a:t>gecommuniceert</a:t>
-            </a:r>
-            <a:r>
-              <a:rPr lang="nl-BE" dirty="0">
-                <a:latin typeface="Roboto" panose="02000000000000000000" pitchFamily="2" charset="0"/>
-                <a:ea typeface="Roboto" panose="02000000000000000000" pitchFamily="2" charset="0"/>
-              </a:rPr>
-              <a:t> tussen 2 componenten die geen </a:t>
+              <a:t>Zo is er data gecommuniceerd tussen 2 componenten die geen </a:t>
             </a:r>
             <a:r>
               <a:rPr lang="nl-BE" dirty="0" err="1">
@@ -10812,7 +10550,7 @@
               <a:rPr lang="nl-BE" sz="5400" dirty="0" err="1">
                 <a:latin typeface="Haettenschweiler" panose="020B0706040902060204" pitchFamily="34" charset="0"/>
               </a:rPr>
-              <a:t>laravel</a:t>
+              <a:t>Laravel</a:t>
             </a:r>
             <a:endParaRPr lang="nl-BE" sz="5400" dirty="0">
               <a:latin typeface="Haettenschweiler" panose="020B0706040902060204" pitchFamily="34" charset="0"/>
@@ -10829,7 +10567,7 @@
         <p:spPr>
           <a:xfrm>
             <a:off x="755009" y="1434517"/>
-            <a:ext cx="10628852" cy="369332"/>
+            <a:ext cx="10939244" cy="369332"/>
           </a:xfrm>
           <a:prstGeom prst="rect">
             <a:avLst/>
@@ -10847,35 +10585,21 @@
                 <a:latin typeface="Roboto" panose="02000000000000000000" pitchFamily="2" charset="0"/>
                 <a:ea typeface="Roboto" panose="02000000000000000000" pitchFamily="2" charset="0"/>
               </a:rPr>
-              <a:t>In dit voorbeeld ga ik een </a:t>
+              <a:t>In dit voorbeeld ga ik een eenvoudige </a:t>
             </a:r>
             <a:r>
               <a:rPr lang="nl-BE" dirty="0" err="1">
                 <a:latin typeface="Roboto" panose="02000000000000000000" pitchFamily="2" charset="0"/>
                 <a:ea typeface="Roboto" panose="02000000000000000000" pitchFamily="2" charset="0"/>
               </a:rPr>
-              <a:t>eenvouwdige</a:t>
-            </a:r>
-            <a:r>
-              <a:rPr lang="nl-BE" dirty="0">
-                <a:latin typeface="Roboto" panose="02000000000000000000" pitchFamily="2" charset="0"/>
-                <a:ea typeface="Roboto" panose="02000000000000000000" pitchFamily="2" charset="0"/>
-              </a:rPr>
-              <a:t> </a:t>
-            </a:r>
-            <a:r>
-              <a:rPr lang="nl-BE" dirty="0" err="1">
-                <a:latin typeface="Roboto" panose="02000000000000000000" pitchFamily="2" charset="0"/>
-                <a:ea typeface="Roboto" panose="02000000000000000000" pitchFamily="2" charset="0"/>
-              </a:rPr>
-              <a:t>laravel</a:t>
-            </a:r>
-            <a:r>
-              <a:rPr lang="nl-BE" dirty="0">
-                <a:latin typeface="Roboto" panose="02000000000000000000" pitchFamily="2" charset="0"/>
-                <a:ea typeface="Roboto" panose="02000000000000000000" pitchFamily="2" charset="0"/>
-              </a:rPr>
-              <a:t> applicatie maken om kaarten te bekijken en bewerken.</a:t>
+              <a:t>Laravel</a:t>
+            </a:r>
+            <a:r>
+              <a:rPr lang="nl-BE" dirty="0">
+                <a:latin typeface="Roboto" panose="02000000000000000000" pitchFamily="2" charset="0"/>
+                <a:ea typeface="Roboto" panose="02000000000000000000" pitchFamily="2" charset="0"/>
+              </a:rPr>
+              <a:t> applicatie maken om kaarten te bekijken en te bewerken.</a:t>
             </a:r>
           </a:p>
         </p:txBody>
@@ -10935,7 +10659,7 @@
                 <a:latin typeface="Roboto" panose="02000000000000000000" pitchFamily="2" charset="0"/>
                 <a:ea typeface="Roboto" panose="02000000000000000000" pitchFamily="2" charset="0"/>
               </a:rPr>
-              <a:t> heeft.</a:t>
+              <a:t> hebben.</a:t>
             </a:r>
           </a:p>
           <a:p>
@@ -10951,7 +10675,7 @@
                 <a:latin typeface="Roboto" panose="02000000000000000000" pitchFamily="2" charset="0"/>
                 <a:ea typeface="Roboto" panose="02000000000000000000" pitchFamily="2" charset="0"/>
               </a:rPr>
-              <a:t>api’s</a:t>
+              <a:t>API’s</a:t>
             </a:r>
             <a:r>
               <a:rPr lang="nl-BE" dirty="0">
@@ -10977,7 +10701,7 @@
                 <a:latin typeface="Roboto" panose="02000000000000000000" pitchFamily="2" charset="0"/>
                 <a:ea typeface="Roboto" panose="02000000000000000000" pitchFamily="2" charset="0"/>
               </a:rPr>
-              <a:t>Alle kaarten terug geven - get</a:t>
+              <a:t>Alle kaarten teruggeven - get</a:t>
             </a:r>
           </a:p>
           <a:p>
@@ -10990,7 +10714,7 @@
                 <a:latin typeface="Roboto" panose="02000000000000000000" pitchFamily="2" charset="0"/>
                 <a:ea typeface="Roboto" panose="02000000000000000000" pitchFamily="2" charset="0"/>
               </a:rPr>
-              <a:t>1 specifieke kaart terug geven - get</a:t>
+              <a:t>Specifieke kaart teruggeven - get</a:t>
             </a:r>
           </a:p>
           <a:p>
@@ -11066,14 +10790,14 @@
                 <a:latin typeface="Roboto" panose="02000000000000000000" pitchFamily="2" charset="0"/>
                 <a:ea typeface="Roboto" panose="02000000000000000000" pitchFamily="2" charset="0"/>
               </a:rPr>
-              <a:t>api’s</a:t>
-            </a:r>
-            <a:r>
-              <a:rPr lang="nl-BE" dirty="0">
-                <a:latin typeface="Roboto" panose="02000000000000000000" pitchFamily="2" charset="0"/>
-                <a:ea typeface="Roboto" panose="02000000000000000000" pitchFamily="2" charset="0"/>
-              </a:rPr>
-              <a:t> ga ik gebruiken om de nodige dingen op te vragen of te bewerken met vue.</a:t>
+              <a:t>API’s</a:t>
+            </a:r>
+            <a:r>
+              <a:rPr lang="nl-BE" dirty="0">
+                <a:latin typeface="Roboto" panose="02000000000000000000" pitchFamily="2" charset="0"/>
+                <a:ea typeface="Roboto" panose="02000000000000000000" pitchFamily="2" charset="0"/>
+              </a:rPr>
+              <a:t> ga ik gebruiken om de nodige dingen op te vragen of te bewerken met Vue.</a:t>
             </a:r>
           </a:p>
         </p:txBody>
@@ -11149,21 +10873,7 @@
                 <a:latin typeface="Roboto" panose="02000000000000000000" pitchFamily="2" charset="0"/>
                 <a:ea typeface="Roboto" panose="02000000000000000000" pitchFamily="2" charset="0"/>
               </a:rPr>
-              <a:t> achter de rug is kunnen </a:t>
-            </a:r>
-            <a:r>
-              <a:rPr lang="nl-BE" dirty="0" err="1">
-                <a:latin typeface="Roboto" panose="02000000000000000000" pitchFamily="2" charset="0"/>
-                <a:ea typeface="Roboto" panose="02000000000000000000" pitchFamily="2" charset="0"/>
-              </a:rPr>
-              <a:t>wa</a:t>
-            </a:r>
-            <a:r>
-              <a:rPr lang="nl-BE" dirty="0">
-                <a:latin typeface="Roboto" panose="02000000000000000000" pitchFamily="2" charset="0"/>
-                <a:ea typeface="Roboto" panose="02000000000000000000" pitchFamily="2" charset="0"/>
-              </a:rPr>
-              <a:t> aan de front-end beginnen.</a:t>
+              <a:t> achter de rug is kunnen we aan de front-end beginnen.</a:t>
             </a:r>
           </a:p>
           <a:p>
@@ -11248,8 +10958,10 @@
                 <a:latin typeface="Roboto" panose="02000000000000000000" pitchFamily="2" charset="0"/>
                 <a:ea typeface="Roboto" panose="02000000000000000000" pitchFamily="2" charset="0"/>
               </a:rPr>
-              <a:t>De template heb ik gelinkt naar de html pagina waar ik de inhoud in een div heb gestoken met het </a:t>
-            </a:r>
+              <a:t>De template heb ik gelinkt naar de HTML pagina waar ik de inhoud in een div heb gestoken met het </a:t>
+            </a:r>
+          </a:p>
+          <a:p>
             <a:r>
               <a:rPr lang="nl-BE" dirty="0" err="1">
                 <a:latin typeface="Roboto" panose="02000000000000000000" pitchFamily="2" charset="0"/>
@@ -11285,21 +10997,7 @@
                 <a:latin typeface="Roboto" panose="02000000000000000000" pitchFamily="2" charset="0"/>
                 <a:ea typeface="Roboto" panose="02000000000000000000" pitchFamily="2" charset="0"/>
               </a:rPr>
-              <a:t>Dit houd de html en javascript wat beter </a:t>
-            </a:r>
-            <a:r>
-              <a:rPr lang="nl-BE" dirty="0" err="1">
-                <a:latin typeface="Roboto" panose="02000000000000000000" pitchFamily="2" charset="0"/>
-                <a:ea typeface="Roboto" panose="02000000000000000000" pitchFamily="2" charset="0"/>
-              </a:rPr>
-              <a:t>gescheide</a:t>
-            </a:r>
-            <a:r>
-              <a:rPr lang="nl-BE" dirty="0">
-                <a:latin typeface="Roboto" panose="02000000000000000000" pitchFamily="2" charset="0"/>
-                <a:ea typeface="Roboto" panose="02000000000000000000" pitchFamily="2" charset="0"/>
-              </a:rPr>
-              <a:t>.</a:t>
+              <a:t>Dit houd de HTML en Javascript wat beter gescheiden.</a:t>
             </a:r>
           </a:p>
         </p:txBody>
@@ -11331,7 +11029,7 @@
                 <a:latin typeface="Roboto" panose="02000000000000000000" pitchFamily="2" charset="0"/>
                 <a:ea typeface="Roboto" panose="02000000000000000000" pitchFamily="2" charset="0"/>
               </a:rPr>
-              <a:t>De card component bevat 5 data variabelen</a:t>
+              <a:t>De card component bevat 5 data variabelen:</a:t>
             </a:r>
           </a:p>
           <a:p>
@@ -11350,7 +11048,7 @@
                 <a:latin typeface="Roboto" panose="02000000000000000000" pitchFamily="2" charset="0"/>
                 <a:ea typeface="Roboto" panose="02000000000000000000" pitchFamily="2" charset="0"/>
               </a:rPr>
-              <a:t>List : 		Deze array vul ik met al de kaarten.</a:t>
+              <a:t>list : 		Deze array vul ik met al de kaarten.</a:t>
             </a:r>
           </a:p>
           <a:p>
@@ -11633,7 +11331,7 @@
                 <a:latin typeface="Roboto" panose="02000000000000000000" pitchFamily="2" charset="0"/>
                 <a:ea typeface="Roboto" panose="02000000000000000000" pitchFamily="2" charset="0"/>
               </a:rPr>
-              <a:t> functie roept op zijn beurt een methode op “update”.</a:t>
+              <a:t> functie roept op zijn beurt een methode op : “update”.</a:t>
             </a:r>
             <a:endParaRPr lang="nl-BE" dirty="0"/>
           </a:p>
@@ -11690,21 +11388,7 @@
                 <a:latin typeface="Roboto" panose="02000000000000000000" pitchFamily="2" charset="0"/>
                 <a:ea typeface="Roboto" panose="02000000000000000000" pitchFamily="2" charset="0"/>
               </a:rPr>
-              <a:t>Zoals je kan zien in de template loop ik door de list variabele die ik gevuld heb met de data die ik terug heb gekregen van de </a:t>
-            </a:r>
-            <a:r>
-              <a:rPr lang="nl-BE" dirty="0" err="1">
-                <a:latin typeface="Roboto" panose="02000000000000000000" pitchFamily="2" charset="0"/>
-                <a:ea typeface="Roboto" panose="02000000000000000000" pitchFamily="2" charset="0"/>
-              </a:rPr>
-              <a:t>ajax</a:t>
-            </a:r>
-            <a:r>
-              <a:rPr lang="nl-BE" dirty="0">
-                <a:latin typeface="Roboto" panose="02000000000000000000" pitchFamily="2" charset="0"/>
-                <a:ea typeface="Roboto" panose="02000000000000000000" pitchFamily="2" charset="0"/>
-              </a:rPr>
-              <a:t> </a:t>
+              <a:t>Zoals je kan zien in de template loop ik door de list variabele die ik gevuld heb met de data die ik heb gekregen van de Ajax </a:t>
             </a:r>
             <a:r>
               <a:rPr lang="nl-BE" dirty="0" err="1">
@@ -11771,7 +11455,7 @@
                 <a:latin typeface="Roboto" panose="02000000000000000000" pitchFamily="2" charset="0"/>
                 <a:ea typeface="Roboto" panose="02000000000000000000" pitchFamily="2" charset="0"/>
               </a:rPr>
-              <a:t>laravel</a:t>
+              <a:t>Laravel</a:t>
             </a:r>
             <a:r>
               <a:rPr lang="nl-BE" dirty="0">
@@ -11854,14 +11538,14 @@
                 <a:latin typeface="Roboto" panose="02000000000000000000" pitchFamily="2" charset="0"/>
                 <a:ea typeface="Roboto" panose="02000000000000000000" pitchFamily="2" charset="0"/>
               </a:rPr>
-              <a:t>Je zag ook in de template dat er naar een click event wordt geluisterd. Deze click event roept de “</a:t>
+              <a:t>Je zag ook in de template dat er naar een click event wordt geluisterd. Deze click event roept de “change-</a:t>
             </a:r>
             <a:r>
               <a:rPr lang="nl-BE" dirty="0" err="1">
                 <a:latin typeface="Roboto" panose="02000000000000000000" pitchFamily="2" charset="0"/>
                 <a:ea typeface="Roboto" panose="02000000000000000000" pitchFamily="2" charset="0"/>
               </a:rPr>
-              <a:t>changeId</a:t>
+              <a:t>Id</a:t>
             </a:r>
             <a:r>
               <a:rPr lang="nl-BE" dirty="0">
@@ -12167,21 +11851,21 @@
                 <a:latin typeface="Roboto" panose="02000000000000000000" pitchFamily="2" charset="0"/>
                 <a:ea typeface="Roboto" panose="02000000000000000000" pitchFamily="2" charset="0"/>
               </a:rPr>
-              <a:t>crsf_token</a:t>
-            </a:r>
-            <a:r>
-              <a:rPr lang="nl-BE" dirty="0">
-                <a:latin typeface="Roboto" panose="02000000000000000000" pitchFamily="2" charset="0"/>
-                <a:ea typeface="Roboto" panose="02000000000000000000" pitchFamily="2" charset="0"/>
-              </a:rPr>
-              <a:t>” in dit is enkel voor </a:t>
+              <a:t>CSRF_token</a:t>
+            </a:r>
+            <a:r>
+              <a:rPr lang="nl-BE" dirty="0">
+                <a:latin typeface="Roboto" panose="02000000000000000000" pitchFamily="2" charset="0"/>
+                <a:ea typeface="Roboto" panose="02000000000000000000" pitchFamily="2" charset="0"/>
+              </a:rPr>
+              <a:t>”, dit is enkel voor </a:t>
             </a:r>
             <a:r>
               <a:rPr lang="nl-BE" dirty="0" err="1">
                 <a:latin typeface="Roboto" panose="02000000000000000000" pitchFamily="2" charset="0"/>
                 <a:ea typeface="Roboto" panose="02000000000000000000" pitchFamily="2" charset="0"/>
               </a:rPr>
-              <a:t>laravel</a:t>
+              <a:t>Laravel</a:t>
             </a:r>
             <a:r>
               <a:rPr lang="nl-BE" dirty="0">
@@ -12244,7 +11928,7 @@
                 <a:latin typeface="Roboto" panose="02000000000000000000" pitchFamily="2" charset="0"/>
                 <a:ea typeface="Roboto" panose="02000000000000000000" pitchFamily="2" charset="0"/>
               </a:rPr>
-              <a:t>De laatste functie die gebruikt wordt is de </a:t>
+              <a:t>De laatste functie die gebruikt wordt is de “</a:t>
             </a:r>
             <a:r>
               <a:rPr lang="nl-BE" dirty="0" err="1">
@@ -12258,16 +11942,16 @@
                 <a:latin typeface="Roboto" panose="02000000000000000000" pitchFamily="2" charset="0"/>
                 <a:ea typeface="Roboto" panose="02000000000000000000" pitchFamily="2" charset="0"/>
               </a:rPr>
-              <a:t> functie. Deze functie wordt opgeroepen bij het klikken op de “voeg toe” knop. </a:t>
-            </a:r>
-          </a:p>
-          <a:p>
-            <a:r>
-              <a:rPr lang="nl-BE" dirty="0">
-                <a:latin typeface="Roboto" panose="02000000000000000000" pitchFamily="2" charset="0"/>
-                <a:ea typeface="Roboto" panose="02000000000000000000" pitchFamily="2" charset="0"/>
-              </a:rPr>
-              <a:t>Er wordt een post gedaan met de juiste info en erna wordt er een update gedaan om de wijzigingen te tonen.</a:t>
+              <a:t>” functie. Deze functie wordt opgeroepen bij het klikken op de “voeg toe” knop. </a:t>
+            </a:r>
+          </a:p>
+          <a:p>
+            <a:r>
+              <a:rPr lang="nl-BE" dirty="0">
+                <a:latin typeface="Roboto" panose="02000000000000000000" pitchFamily="2" charset="0"/>
+                <a:ea typeface="Roboto" panose="02000000000000000000" pitchFamily="2" charset="0"/>
+              </a:rPr>
+              <a:t>Er wordt een POST gedaan met de juiste info en daarna wordt er een update gedaan om de wijzigingen te tonen.</a:t>
             </a:r>
           </a:p>
         </p:txBody>
@@ -12358,7 +12042,7 @@
                 <a:latin typeface="Roboto" panose="02000000000000000000" pitchFamily="2" charset="0"/>
                 <a:ea typeface="Roboto" panose="02000000000000000000" pitchFamily="2" charset="0"/>
               </a:rPr>
-              <a:t>Zo, deze slideshow bevat de basis van vue.js</a:t>
+              <a:t>Deze slideshow bevat de basis van Vue.js</a:t>
             </a:r>
           </a:p>
           <a:p>
@@ -12373,49 +12057,49 @@
                 <a:latin typeface="Roboto" panose="02000000000000000000" pitchFamily="2" charset="0"/>
                 <a:ea typeface="Roboto" panose="02000000000000000000" pitchFamily="2" charset="0"/>
               </a:rPr>
-              <a:t>Als je nog meer wil weten aarzel dan niet om de vue.js </a:t>
+              <a:t>Als je nog meer wil weten, aarzel dan niet om de Vue.js API er bij te halen. Hier staan al de mogelijke </a:t>
             </a:r>
             <a:r>
               <a:rPr lang="nl-BE" dirty="0" err="1">
                 <a:latin typeface="Roboto" panose="02000000000000000000" pitchFamily="2" charset="0"/>
                 <a:ea typeface="Roboto" panose="02000000000000000000" pitchFamily="2" charset="0"/>
               </a:rPr>
-              <a:t>api</a:t>
-            </a:r>
-            <a:r>
-              <a:rPr lang="nl-BE" dirty="0">
-                <a:latin typeface="Roboto" panose="02000000000000000000" pitchFamily="2" charset="0"/>
-                <a:ea typeface="Roboto" panose="02000000000000000000" pitchFamily="2" charset="0"/>
-              </a:rPr>
-              <a:t> er bij te halen. Hier staan al de mogelijk </a:t>
+              <a:t>directives</a:t>
+            </a:r>
+            <a:r>
+              <a:rPr lang="nl-BE" dirty="0">
+                <a:latin typeface="Roboto" panose="02000000000000000000" pitchFamily="2" charset="0"/>
+                <a:ea typeface="Roboto" panose="02000000000000000000" pitchFamily="2" charset="0"/>
+              </a:rPr>
+              <a:t>,  methodes, </a:t>
             </a:r>
             <a:r>
               <a:rPr lang="nl-BE" dirty="0" err="1">
                 <a:latin typeface="Roboto" panose="02000000000000000000" pitchFamily="2" charset="0"/>
                 <a:ea typeface="Roboto" panose="02000000000000000000" pitchFamily="2" charset="0"/>
               </a:rPr>
-              <a:t>directives</a:t>
-            </a:r>
-            <a:r>
-              <a:rPr lang="nl-BE" dirty="0">
-                <a:latin typeface="Roboto" panose="02000000000000000000" pitchFamily="2" charset="0"/>
-                <a:ea typeface="Roboto" panose="02000000000000000000" pitchFamily="2" charset="0"/>
-              </a:rPr>
-              <a:t>,  methodes, </a:t>
+              <a:t>properties</a:t>
+            </a:r>
+            <a:r>
+              <a:rPr lang="nl-BE" dirty="0">
+                <a:latin typeface="Roboto" panose="02000000000000000000" pitchFamily="2" charset="0"/>
+                <a:ea typeface="Roboto" panose="02000000000000000000" pitchFamily="2" charset="0"/>
+              </a:rPr>
+              <a:t>, </a:t>
             </a:r>
             <a:r>
               <a:rPr lang="nl-BE" dirty="0" err="1">
                 <a:latin typeface="Roboto" panose="02000000000000000000" pitchFamily="2" charset="0"/>
                 <a:ea typeface="Roboto" panose="02000000000000000000" pitchFamily="2" charset="0"/>
               </a:rPr>
-              <a:t>properties</a:t>
-            </a:r>
-            <a:r>
-              <a:rPr lang="nl-BE" dirty="0">
-                <a:latin typeface="Roboto" panose="02000000000000000000" pitchFamily="2" charset="0"/>
-                <a:ea typeface="Roboto" panose="02000000000000000000" pitchFamily="2" charset="0"/>
-              </a:rPr>
-              <a:t>, noem maar op.</a:t>
+              <a:t>enz</a:t>
+            </a:r>
+            <a:r>
+              <a:rPr lang="nl-BE" dirty="0">
+                <a:latin typeface="Roboto" panose="02000000000000000000" pitchFamily="2" charset="0"/>
+                <a:ea typeface="Roboto" panose="02000000000000000000" pitchFamily="2" charset="0"/>
+              </a:rPr>
+              <a:t>… in.</a:t>
             </a:r>
           </a:p>
         </p:txBody>
@@ -12505,7 +12189,7 @@
           <a:p>
             <a:r>
               <a:rPr lang="nl-BE" dirty="0"/>
-              <a:t>Het is ook heel makkelijk om je applicatie op te splitsen in componenten! Dit maakt je code enorm gestructureerd.</a:t>
+              <a:t>Het is ook heel gemakkelijk om je applicatie op te splitsen in componenten! Dit maakt je code enorm gestructureerd.</a:t>
             </a:r>
           </a:p>
         </p:txBody>
@@ -12567,7 +12251,7 @@
         <p:spPr>
           <a:xfrm>
             <a:off x="696286" y="5022198"/>
-            <a:ext cx="8758535" cy="646331"/>
+            <a:ext cx="8758535" cy="369332"/>
           </a:xfrm>
           <a:prstGeom prst="rect">
             <a:avLst/>
@@ -12581,8 +12265,8 @@
           <a:lstStyle/>
           <a:p>
             <a:r>
-              <a:rPr lang="nl-BE" b="1" dirty="0"/>
-              <a:t>Nu kan 1 functie binnen verschillende instanties van hetzelfde component onafhankelijk van elkaar werken.</a:t>
+              <a:rPr lang="nl-BE" dirty="0"/>
+              <a:t>Nu kan je stukken HTML en Javascript afsplitsen van de rest en hergebruiken.</a:t>
             </a:r>
           </a:p>
         </p:txBody>
@@ -12658,7 +12342,7 @@
         <p:spPr>
           <a:xfrm>
             <a:off x="2176942" y="2130804"/>
-            <a:ext cx="7701094" cy="3416320"/>
+            <a:ext cx="7701094" cy="3139321"/>
           </a:xfrm>
           <a:prstGeom prst="rect">
             <a:avLst/>
@@ -12673,23 +12357,15 @@
           <a:p>
             <a:r>
               <a:rPr lang="nl-BE" b="1" dirty="0"/>
-              <a:t>Met al de </a:t>
+              <a:t>Met de </a:t>
             </a:r>
             <a:r>
               <a:rPr lang="nl-BE" b="1" dirty="0" err="1"/>
-              <a:t>dublle</a:t>
+              <a:t>Two</a:t>
             </a:r>
             <a:r>
               <a:rPr lang="nl-BE" b="1" dirty="0"/>
-              <a:t> data binding zou je denken dat met een grote applicatie, de </a:t>
-            </a:r>
-            <a:r>
-              <a:rPr lang="nl-BE" b="1" dirty="0" err="1"/>
-              <a:t>performantie</a:t>
-            </a:r>
-            <a:r>
-              <a:rPr lang="nl-BE" b="1" dirty="0"/>
-              <a:t> er onder kan lijden.</a:t>
+              <a:t> way data binding zou je denken dat de performance er onder lijdt. </a:t>
             </a:r>
           </a:p>
           <a:p>
@@ -12698,7 +12374,7 @@
           <a:p>
             <a:r>
               <a:rPr lang="nl-BE" dirty="0"/>
-              <a:t>Vue pakt dit goed aan. Met de :</a:t>
+              <a:t>Vue pakt dit goed aan met de :</a:t>
             </a:r>
           </a:p>
           <a:p>
@@ -12748,7 +12424,7 @@
           <a:p>
             <a:r>
               <a:rPr lang="nl-BE" dirty="0"/>
-              <a:t>(als er geen expliciete relaties met elkaar hebben)</a:t>
+              <a:t>(als er geen expliciete relaties zijn)</a:t>
             </a:r>
           </a:p>
           <a:p>
@@ -12922,7 +12598,7 @@
           <a:p>
             <a:r>
               <a:rPr lang="nl-BE" dirty="0"/>
-              <a:t>Maak Vue instantie aan,  bind het aan een html element en je bent klaar om te starten ! </a:t>
+              <a:t>Maak een Vue instantie aan,  bind het aan een HTML element en je bent klaar om te starten ! </a:t>
             </a:r>
           </a:p>
           <a:p>
@@ -13292,7 +12968,15 @@
           <a:p>
             <a:r>
               <a:rPr lang="nl-BE" dirty="0"/>
-              <a:t>Je vue instantie zal hierbij ook een methode object moeten hebben -&gt;</a:t>
+              <a:t>Je Vue instantie zal hierbij ook een “</a:t>
+            </a:r>
+            <a:r>
+              <a:rPr lang="nl-BE" dirty="0" err="1"/>
+              <a:t>methods</a:t>
+            </a:r>
+            <a:r>
+              <a:rPr lang="nl-BE" dirty="0"/>
+              <a:t>” object moeten hebben -&gt;</a:t>
             </a:r>
           </a:p>
           <a:p>
@@ -13420,7 +13104,7 @@
                 <a:latin typeface="Roboto" panose="02000000000000000000" pitchFamily="2" charset="0"/>
                 <a:ea typeface="Roboto" panose="02000000000000000000" pitchFamily="2" charset="0"/>
               </a:rPr>
-              <a:t>Het data object ga je veel gebruiken ! Elke vue instantie gebruikt variabelen uit dit object. Je kan het zien als de model van een vue instantie. </a:t>
+              <a:t>Het data object ga je veel gebruiken. Elke Vue instantie gebruikt variabelen uit dit object. Je kan het zien als het model van een Vue instantie. </a:t>
             </a:r>
           </a:p>
           <a:p>
@@ -13549,7 +13233,7 @@
             </a:r>
             <a:r>
               <a:rPr lang="nl-BE" dirty="0"/>
-              <a:t>-way-binding ook van toepassing:</a:t>
+              <a:t> way data binding ook van toepassing:</a:t>
             </a:r>
           </a:p>
           <a:p>
@@ -13582,15 +13266,7 @@
             </a:r>
             <a:r>
               <a:rPr lang="nl-BE" dirty="0"/>
-              <a:t> </a:t>
-            </a:r>
-            <a:r>
-              <a:rPr lang="nl-BE" dirty="0" err="1"/>
-              <a:t>verca</a:t>
-            </a:r>
-            <a:r>
-              <a:rPr lang="nl-BE" dirty="0"/>
-              <a:t>.</a:t>
+              <a:t> versa.</a:t>
             </a:r>
           </a:p>
           <a:p>
@@ -13599,7 +13275,7 @@
           <a:p>
             <a:r>
               <a:rPr lang="nl-BE" b="1" dirty="0"/>
-              <a:t>Heel makkelijk en intuïtief in gebruik.</a:t>
+              <a:t>Heel gemakkelijk en intuïtief in gebruik.</a:t>
             </a:r>
           </a:p>
         </p:txBody>
@@ -13658,10 +13334,16 @@
           <a:p>
             <a:pPr algn="ctr"/>
             <a:r>
+              <a:rPr lang="nl-BE" sz="5400" dirty="0" err="1">
+                <a:latin typeface="Headline One" panose="00000400000000000000" pitchFamily="2" charset="0"/>
+              </a:rPr>
+              <a:t>Vue’s</a:t>
+            </a:r>
+            <a:r>
               <a:rPr lang="nl-BE" sz="5400" dirty="0">
                 <a:latin typeface="Headline One" panose="00000400000000000000" pitchFamily="2" charset="0"/>
               </a:rPr>
-              <a:t>Vue eigenschappen en methodes</a:t>
+              <a:t> eigenschappen en methodes</a:t>
             </a:r>
           </a:p>
         </p:txBody>
@@ -13722,7 +13404,7 @@
                 <a:latin typeface="Roboto" panose="02000000000000000000" pitchFamily="2" charset="0"/>
                 <a:ea typeface="Roboto" panose="02000000000000000000" pitchFamily="2" charset="0"/>
               </a:rPr>
-              <a:t>Deze worden aangeduid met een $ teken.</a:t>
+              <a:t>Deze worden aangeduid met een “$” teken.</a:t>
             </a:r>
           </a:p>
           <a:p>
@@ -13753,21 +13435,7 @@
                 <a:latin typeface="Roboto" panose="02000000000000000000" pitchFamily="2" charset="0"/>
                 <a:ea typeface="Roboto" panose="02000000000000000000" pitchFamily="2" charset="0"/>
               </a:rPr>
-              <a:t> -&gt; dit is het data </a:t>
-            </a:r>
-            <a:r>
-              <a:rPr lang="nl-BE" dirty="0" err="1">
-                <a:latin typeface="Roboto" panose="02000000000000000000" pitchFamily="2" charset="0"/>
-                <a:ea typeface="Roboto" panose="02000000000000000000" pitchFamily="2" charset="0"/>
-              </a:rPr>
-              <a:t>opbject</a:t>
-            </a:r>
-            <a:r>
-              <a:rPr lang="nl-BE" dirty="0">
-                <a:latin typeface="Roboto" panose="02000000000000000000" pitchFamily="2" charset="0"/>
-                <a:ea typeface="Roboto" panose="02000000000000000000" pitchFamily="2" charset="0"/>
-              </a:rPr>
-              <a:t> van je instantie.</a:t>
+              <a:t> -&gt; dit is het data object van je instantie.</a:t>
             </a:r>
           </a:p>
           <a:p>
@@ -13796,21 +13464,7 @@
                 <a:latin typeface="Roboto" panose="02000000000000000000" pitchFamily="2" charset="0"/>
                 <a:ea typeface="Roboto" panose="02000000000000000000" pitchFamily="2" charset="0"/>
               </a:rPr>
-              <a:t> -&gt; Dit stelt het html object voor waaraan de instantie is </a:t>
-            </a:r>
-            <a:r>
-              <a:rPr lang="nl-BE" dirty="0" err="1">
-                <a:latin typeface="Roboto" panose="02000000000000000000" pitchFamily="2" charset="0"/>
-                <a:ea typeface="Roboto" panose="02000000000000000000" pitchFamily="2" charset="0"/>
-              </a:rPr>
-              <a:t>gekoppelt</a:t>
-            </a:r>
-            <a:r>
-              <a:rPr lang="nl-BE" dirty="0">
-                <a:latin typeface="Roboto" panose="02000000000000000000" pitchFamily="2" charset="0"/>
-                <a:ea typeface="Roboto" panose="02000000000000000000" pitchFamily="2" charset="0"/>
-              </a:rPr>
-              <a:t>.</a:t>
+              <a:t> -&gt; Dit stelt het HTML object voor waaraan de instantie is gekoppeld.</a:t>
             </a:r>
           </a:p>
           <a:p>
@@ -13835,7 +13489,7 @@
         </p:nvSpPr>
         <p:spPr>
           <a:xfrm>
-            <a:off x="6442745" y="1862356"/>
+            <a:off x="5855516" y="2759012"/>
             <a:ext cx="4580389" cy="1200329"/>
           </a:xfrm>
           <a:prstGeom prst="rect">
@@ -13880,7 +13534,7 @@
         </p:blipFill>
         <p:spPr>
           <a:xfrm>
-            <a:off x="5837339" y="4287805"/>
+            <a:off x="5855516" y="1722696"/>
             <a:ext cx="5791200" cy="876300"/>
           </a:xfrm>
           <a:prstGeom prst="rect">
